--- a/Project2_Chang_Craus_Yule.pptx
+++ b/Project2_Chang_Craus_Yule.pptx
@@ -11507,248 +11507,284 @@
             <a:pPr marL="146050" indent="0">
               <a:buNone/>
             </a:pPr>
+            <a:r>
+              <a:rPr lang="en-US" dirty="0"/>
+              <a:t>Note: Data was split into two datasets for training and validation using a 70/30 split</a:t>
+            </a:r>
+          </a:p>
+          <a:p>
+            <a:pPr marL="146050" indent="0">
+              <a:buNone/>
+            </a:pPr>
+            <a:endParaRPr lang="en-US" dirty="0"/>
+          </a:p>
+          <a:p>
+            <a:pPr marL="146050" indent="0">
+              <a:buNone/>
+            </a:pPr>
             <a:endParaRPr lang="en-US" dirty="0"/>
           </a:p>
         </p:txBody>
       </p:sp>
-      <p:sp>
-        <p:nvSpPr>
-          <p:cNvPr id="7" name="Rectangle 6">
+      <p:grpSp>
+        <p:nvGrpSpPr>
+          <p:cNvPr id="4" name="Group 3">
             <a:extLst>
               <a:ext uri="{FF2B5EF4-FFF2-40B4-BE49-F238E27FC236}">
-                <a16:creationId xmlns:a16="http://schemas.microsoft.com/office/drawing/2014/main" id="{61957573-30D3-4E27-9E18-56D2A6B4368C}"/>
+                <a16:creationId xmlns:a16="http://schemas.microsoft.com/office/drawing/2014/main" id="{865AEDED-9AE4-E864-615F-1DD09AB34814}"/>
               </a:ext>
             </a:extLst>
           </p:cNvPr>
-          <p:cNvSpPr/>
+          <p:cNvGrpSpPr/>
           <p:nvPr/>
-        </p:nvSpPr>
-        <p:spPr>
+        </p:nvGrpSpPr>
+        <p:grpSpPr>
           <a:xfrm>
-            <a:off x="3611880" y="2997197"/>
-            <a:ext cx="1920240" cy="1005840"/>
+            <a:off x="515394" y="2997197"/>
+            <a:ext cx="8113212" cy="1005840"/>
+            <a:chOff x="515394" y="2997197"/>
+            <a:chExt cx="8113212" cy="1005840"/>
           </a:xfrm>
-          <a:prstGeom prst="rect">
-            <a:avLst/>
-          </a:prstGeom>
-        </p:spPr>
-        <p:style>
-          <a:lnRef idx="2">
-            <a:schemeClr val="accent1">
-              <a:shade val="50000"/>
-            </a:schemeClr>
-          </a:lnRef>
-          <a:fillRef idx="1">
-            <a:schemeClr val="accent1"/>
-          </a:fillRef>
-          <a:effectRef idx="0">
-            <a:schemeClr val="accent1"/>
-          </a:effectRef>
-          <a:fontRef idx="minor">
-            <a:schemeClr val="lt1"/>
-          </a:fontRef>
-        </p:style>
-        <p:txBody>
-          <a:bodyPr rtlCol="0" anchor="ctr"/>
-          <a:lstStyle/>
-          <a:p>
-            <a:pPr algn="ctr"/>
-            <a:r>
-              <a:rPr lang="en-US" dirty="0"/>
-              <a:t>Feature Selection</a:t>
-            </a:r>
-          </a:p>
-        </p:txBody>
-      </p:sp>
-      <p:sp>
-        <p:nvSpPr>
-          <p:cNvPr id="11" name="Rectangle 10">
-            <a:extLst>
-              <a:ext uri="{FF2B5EF4-FFF2-40B4-BE49-F238E27FC236}">
-                <a16:creationId xmlns:a16="http://schemas.microsoft.com/office/drawing/2014/main" id="{75729A82-735C-7A6D-FEEC-AFFC52E95A03}"/>
-              </a:ext>
-            </a:extLst>
-          </p:cNvPr>
-          <p:cNvSpPr/>
-          <p:nvPr/>
-        </p:nvSpPr>
-        <p:spPr>
-          <a:xfrm>
-            <a:off x="725850" y="3140888"/>
-            <a:ext cx="1618343" cy="718457"/>
-          </a:xfrm>
-          <a:prstGeom prst="rect">
-            <a:avLst/>
-          </a:prstGeom>
-          <a:noFill/>
-        </p:spPr>
-        <p:style>
-          <a:lnRef idx="2">
-            <a:schemeClr val="accent1">
-              <a:shade val="50000"/>
-            </a:schemeClr>
-          </a:lnRef>
-          <a:fillRef idx="1">
-            <a:schemeClr val="accent1"/>
-          </a:fillRef>
-          <a:effectRef idx="0">
-            <a:schemeClr val="accent1"/>
-          </a:effectRef>
-          <a:fontRef idx="minor">
-            <a:schemeClr val="lt1"/>
-          </a:fontRef>
-        </p:style>
-        <p:txBody>
-          <a:bodyPr rtlCol="0" anchor="ctr"/>
-          <a:lstStyle/>
-          <a:p>
-            <a:pPr algn="ctr"/>
-            <a:r>
-              <a:rPr lang="en-US" dirty="0">
-                <a:solidFill>
-                  <a:schemeClr val="accent3"/>
-                </a:solidFill>
-              </a:rPr>
-              <a:t>17 Variables</a:t>
-            </a:r>
-          </a:p>
-        </p:txBody>
-      </p:sp>
-      <p:cxnSp>
-        <p:nvCxnSpPr>
-          <p:cNvPr id="13" name="Straight Arrow Connector 12">
-            <a:extLst>
-              <a:ext uri="{FF2B5EF4-FFF2-40B4-BE49-F238E27FC236}">
-                <a16:creationId xmlns:a16="http://schemas.microsoft.com/office/drawing/2014/main" id="{5F70714E-EFC6-2B2F-A8C0-39BE5507BA5C}"/>
-              </a:ext>
-            </a:extLst>
-          </p:cNvPr>
-          <p:cNvCxnSpPr>
-            <a:stCxn id="11" idx="3"/>
-            <a:endCxn id="7" idx="1"/>
-          </p:cNvCxnSpPr>
-          <p:nvPr/>
-        </p:nvCxnSpPr>
-        <p:spPr>
-          <a:xfrm>
-            <a:off x="2344193" y="3500117"/>
-            <a:ext cx="1267687" cy="0"/>
-          </a:xfrm>
-          <a:prstGeom prst="straightConnector1">
-            <a:avLst/>
-          </a:prstGeom>
-          <a:ln w="34925">
-            <a:tailEnd type="triangle"/>
-          </a:ln>
-        </p:spPr>
-        <p:style>
-          <a:lnRef idx="1">
-            <a:schemeClr val="accent1"/>
-          </a:lnRef>
-          <a:fillRef idx="0">
-            <a:schemeClr val="accent1"/>
-          </a:fillRef>
-          <a:effectRef idx="0">
-            <a:schemeClr val="accent1"/>
-          </a:effectRef>
-          <a:fontRef idx="minor">
-            <a:schemeClr val="tx1"/>
-          </a:fontRef>
-        </p:style>
-      </p:cxnSp>
-      <p:cxnSp>
-        <p:nvCxnSpPr>
-          <p:cNvPr id="14" name="Straight Arrow Connector 13">
-            <a:extLst>
-              <a:ext uri="{FF2B5EF4-FFF2-40B4-BE49-F238E27FC236}">
-                <a16:creationId xmlns:a16="http://schemas.microsoft.com/office/drawing/2014/main" id="{90A5251D-9421-2030-1905-795CC510DAF8}"/>
-              </a:ext>
-            </a:extLst>
-          </p:cNvPr>
-          <p:cNvCxnSpPr/>
-          <p:nvPr/>
-        </p:nvCxnSpPr>
-        <p:spPr>
-          <a:xfrm>
-            <a:off x="5532120" y="3500116"/>
-            <a:ext cx="1267687" cy="0"/>
-          </a:xfrm>
-          <a:prstGeom prst="straightConnector1">
-            <a:avLst/>
-          </a:prstGeom>
-          <a:ln w="34925">
-            <a:tailEnd type="triangle"/>
-          </a:ln>
-        </p:spPr>
-        <p:style>
-          <a:lnRef idx="1">
-            <a:schemeClr val="accent1"/>
-          </a:lnRef>
-          <a:fillRef idx="0">
-            <a:schemeClr val="accent1"/>
-          </a:fillRef>
-          <a:effectRef idx="0">
-            <a:schemeClr val="accent1"/>
-          </a:effectRef>
-          <a:fontRef idx="minor">
-            <a:schemeClr val="tx1"/>
-          </a:fontRef>
-        </p:style>
-      </p:cxnSp>
-      <p:sp>
-        <p:nvSpPr>
-          <p:cNvPr id="15" name="Rectangle 14">
-            <a:extLst>
-              <a:ext uri="{FF2B5EF4-FFF2-40B4-BE49-F238E27FC236}">
-                <a16:creationId xmlns:a16="http://schemas.microsoft.com/office/drawing/2014/main" id="{F395180F-2E5B-5B25-77F4-1F62C9612845}"/>
-              </a:ext>
-            </a:extLst>
-          </p:cNvPr>
-          <p:cNvSpPr/>
-          <p:nvPr/>
-        </p:nvSpPr>
-        <p:spPr>
-          <a:xfrm>
-            <a:off x="6799807" y="3140887"/>
-            <a:ext cx="1618343" cy="718457"/>
-          </a:xfrm>
-          <a:prstGeom prst="rect">
-            <a:avLst/>
-          </a:prstGeom>
-          <a:noFill/>
-        </p:spPr>
-        <p:style>
-          <a:lnRef idx="2">
-            <a:schemeClr val="accent1">
-              <a:shade val="50000"/>
-            </a:schemeClr>
-          </a:lnRef>
-          <a:fillRef idx="1">
-            <a:schemeClr val="accent1"/>
-          </a:fillRef>
-          <a:effectRef idx="0">
-            <a:schemeClr val="accent1"/>
-          </a:effectRef>
-          <a:fontRef idx="minor">
-            <a:schemeClr val="lt1"/>
-          </a:fontRef>
-        </p:style>
-        <p:txBody>
-          <a:bodyPr rtlCol="0" anchor="ctr"/>
-          <a:lstStyle/>
-          <a:p>
-            <a:pPr algn="ctr"/>
-            <a:r>
-              <a:rPr lang="en-US" dirty="0">
-                <a:solidFill>
-                  <a:schemeClr val="tx1"/>
-                </a:solidFill>
-              </a:rPr>
-              <a:t>Reduction in variables</a:t>
-            </a:r>
-          </a:p>
-        </p:txBody>
-      </p:sp>
+        </p:grpSpPr>
+        <p:sp>
+          <p:nvSpPr>
+            <p:cNvPr id="7" name="Rectangle 6">
+              <a:extLst>
+                <a:ext uri="{FF2B5EF4-FFF2-40B4-BE49-F238E27FC236}">
+                  <a16:creationId xmlns:a16="http://schemas.microsoft.com/office/drawing/2014/main" id="{61957573-30D3-4E27-9E18-56D2A6B4368C}"/>
+                </a:ext>
+              </a:extLst>
+            </p:cNvPr>
+            <p:cNvSpPr/>
+            <p:nvPr/>
+          </p:nvSpPr>
+          <p:spPr>
+            <a:xfrm>
+              <a:off x="3611880" y="2997197"/>
+              <a:ext cx="1920240" cy="1005840"/>
+            </a:xfrm>
+            <a:prstGeom prst="rect">
+              <a:avLst/>
+            </a:prstGeom>
+          </p:spPr>
+          <p:style>
+            <a:lnRef idx="2">
+              <a:schemeClr val="accent1">
+                <a:shade val="50000"/>
+              </a:schemeClr>
+            </a:lnRef>
+            <a:fillRef idx="1">
+              <a:schemeClr val="accent1"/>
+            </a:fillRef>
+            <a:effectRef idx="0">
+              <a:schemeClr val="accent1"/>
+            </a:effectRef>
+            <a:fontRef idx="minor">
+              <a:schemeClr val="lt1"/>
+            </a:fontRef>
+          </p:style>
+          <p:txBody>
+            <a:bodyPr rtlCol="0" anchor="ctr"/>
+            <a:lstStyle/>
+            <a:p>
+              <a:pPr algn="ctr"/>
+              <a:r>
+                <a:rPr lang="en-US" dirty="0"/>
+                <a:t>Feature Selection</a:t>
+              </a:r>
+            </a:p>
+          </p:txBody>
+        </p:sp>
+        <p:sp>
+          <p:nvSpPr>
+            <p:cNvPr id="11" name="Rectangle 10">
+              <a:extLst>
+                <a:ext uri="{FF2B5EF4-FFF2-40B4-BE49-F238E27FC236}">
+                  <a16:creationId xmlns:a16="http://schemas.microsoft.com/office/drawing/2014/main" id="{75729A82-735C-7A6D-FEEC-AFFC52E95A03}"/>
+                </a:ext>
+              </a:extLst>
+            </p:cNvPr>
+            <p:cNvSpPr/>
+            <p:nvPr/>
+          </p:nvSpPr>
+          <p:spPr>
+            <a:xfrm>
+              <a:off x="515394" y="3140886"/>
+              <a:ext cx="1828800" cy="718457"/>
+            </a:xfrm>
+            <a:prstGeom prst="rect">
+              <a:avLst/>
+            </a:prstGeom>
+            <a:noFill/>
+          </p:spPr>
+          <p:style>
+            <a:lnRef idx="2">
+              <a:schemeClr val="accent1">
+                <a:shade val="50000"/>
+              </a:schemeClr>
+            </a:lnRef>
+            <a:fillRef idx="1">
+              <a:schemeClr val="accent1"/>
+            </a:fillRef>
+            <a:effectRef idx="0">
+              <a:schemeClr val="accent1"/>
+            </a:effectRef>
+            <a:fontRef idx="minor">
+              <a:schemeClr val="lt1"/>
+            </a:fontRef>
+          </p:style>
+          <p:txBody>
+            <a:bodyPr rtlCol="0" anchor="ctr"/>
+            <a:lstStyle/>
+            <a:p>
+              <a:pPr algn="ctr"/>
+              <a:r>
+                <a:rPr lang="en-US" dirty="0">
+                  <a:solidFill>
+                    <a:schemeClr val="accent3"/>
+                  </a:solidFill>
+                </a:rPr>
+                <a:t>17 Variables</a:t>
+              </a:r>
+            </a:p>
+          </p:txBody>
+        </p:sp>
+        <p:cxnSp>
+          <p:nvCxnSpPr>
+            <p:cNvPr id="13" name="Straight Arrow Connector 12">
+              <a:extLst>
+                <a:ext uri="{FF2B5EF4-FFF2-40B4-BE49-F238E27FC236}">
+                  <a16:creationId xmlns:a16="http://schemas.microsoft.com/office/drawing/2014/main" id="{5F70714E-EFC6-2B2F-A8C0-39BE5507BA5C}"/>
+                </a:ext>
+              </a:extLst>
+            </p:cNvPr>
+            <p:cNvCxnSpPr>
+              <a:stCxn id="11" idx="3"/>
+              <a:endCxn id="7" idx="1"/>
+            </p:cNvCxnSpPr>
+            <p:nvPr/>
+          </p:nvCxnSpPr>
+          <p:spPr>
+            <a:xfrm>
+              <a:off x="2344194" y="3500115"/>
+              <a:ext cx="1267686" cy="2"/>
+            </a:xfrm>
+            <a:prstGeom prst="straightConnector1">
+              <a:avLst/>
+            </a:prstGeom>
+            <a:ln w="34925">
+              <a:tailEnd type="triangle"/>
+            </a:ln>
+          </p:spPr>
+          <p:style>
+            <a:lnRef idx="1">
+              <a:schemeClr val="accent1"/>
+            </a:lnRef>
+            <a:fillRef idx="0">
+              <a:schemeClr val="accent1"/>
+            </a:fillRef>
+            <a:effectRef idx="0">
+              <a:schemeClr val="accent1"/>
+            </a:effectRef>
+            <a:fontRef idx="minor">
+              <a:schemeClr val="tx1"/>
+            </a:fontRef>
+          </p:style>
+        </p:cxnSp>
+        <p:cxnSp>
+          <p:nvCxnSpPr>
+            <p:cNvPr id="14" name="Straight Arrow Connector 13">
+              <a:extLst>
+                <a:ext uri="{FF2B5EF4-FFF2-40B4-BE49-F238E27FC236}">
+                  <a16:creationId xmlns:a16="http://schemas.microsoft.com/office/drawing/2014/main" id="{90A5251D-9421-2030-1905-795CC510DAF8}"/>
+                </a:ext>
+              </a:extLst>
+            </p:cNvPr>
+            <p:cNvCxnSpPr/>
+            <p:nvPr/>
+          </p:nvCxnSpPr>
+          <p:spPr>
+            <a:xfrm>
+              <a:off x="5532120" y="3500116"/>
+              <a:ext cx="1267687" cy="0"/>
+            </a:xfrm>
+            <a:prstGeom prst="straightConnector1">
+              <a:avLst/>
+            </a:prstGeom>
+            <a:ln w="34925">
+              <a:tailEnd type="triangle"/>
+            </a:ln>
+          </p:spPr>
+          <p:style>
+            <a:lnRef idx="1">
+              <a:schemeClr val="accent1"/>
+            </a:lnRef>
+            <a:fillRef idx="0">
+              <a:schemeClr val="accent1"/>
+            </a:fillRef>
+            <a:effectRef idx="0">
+              <a:schemeClr val="accent1"/>
+            </a:effectRef>
+            <a:fontRef idx="minor">
+              <a:schemeClr val="tx1"/>
+            </a:fontRef>
+          </p:style>
+        </p:cxnSp>
+        <p:sp>
+          <p:nvSpPr>
+            <p:cNvPr id="15" name="Rectangle 14">
+              <a:extLst>
+                <a:ext uri="{FF2B5EF4-FFF2-40B4-BE49-F238E27FC236}">
+                  <a16:creationId xmlns:a16="http://schemas.microsoft.com/office/drawing/2014/main" id="{F395180F-2E5B-5B25-77F4-1F62C9612845}"/>
+                </a:ext>
+              </a:extLst>
+            </p:cNvPr>
+            <p:cNvSpPr/>
+            <p:nvPr/>
+          </p:nvSpPr>
+          <p:spPr>
+            <a:xfrm>
+              <a:off x="6799806" y="3140887"/>
+              <a:ext cx="1828800" cy="718457"/>
+            </a:xfrm>
+            <a:prstGeom prst="rect">
+              <a:avLst/>
+            </a:prstGeom>
+            <a:noFill/>
+          </p:spPr>
+          <p:style>
+            <a:lnRef idx="2">
+              <a:schemeClr val="accent1">
+                <a:shade val="50000"/>
+              </a:schemeClr>
+            </a:lnRef>
+            <a:fillRef idx="1">
+              <a:schemeClr val="accent1"/>
+            </a:fillRef>
+            <a:effectRef idx="0">
+              <a:schemeClr val="accent1"/>
+            </a:effectRef>
+            <a:fontRef idx="minor">
+              <a:schemeClr val="lt1"/>
+            </a:fontRef>
+          </p:style>
+          <p:txBody>
+            <a:bodyPr rtlCol="0" anchor="ctr"/>
+            <a:lstStyle/>
+            <a:p>
+              <a:pPr algn="ctr"/>
+              <a:r>
+                <a:rPr lang="en-US" dirty="0">
+                  <a:solidFill>
+                    <a:schemeClr val="tx1"/>
+                  </a:solidFill>
+                </a:rPr>
+                <a:t>Reduction in variables to improve interpretation</a:t>
+              </a:r>
+            </a:p>
+          </p:txBody>
+        </p:sp>
+      </p:grpSp>
     </p:spTree>
     <p:custDataLst>
       <p:tags r:id="rId1"/>
@@ -12168,8 +12204,8 @@
         </p:blipFill>
         <p:spPr>
           <a:xfrm>
-            <a:off x="1324084" y="2191767"/>
-            <a:ext cx="6492232" cy="2951733"/>
+            <a:off x="1537929" y="2191767"/>
+            <a:ext cx="6064542" cy="2951733"/>
           </a:xfrm>
           <a:prstGeom prst="rect">
             <a:avLst/>
@@ -12192,7 +12228,7 @@
         </p:nvCxnSpPr>
         <p:spPr>
           <a:xfrm flipH="1">
-            <a:off x="3497943" y="3667633"/>
+            <a:off x="3573359" y="3667633"/>
             <a:ext cx="312057" cy="352824"/>
           </a:xfrm>
           <a:prstGeom prst="straightConnector1">
@@ -12505,7 +12541,23 @@
                   <a:schemeClr val="accent3"/>
                 </a:solidFill>
               </a:rPr>
-              <a:t>Diminishing returns are found after the 5 variable is included</a:t>
+              <a:t>Diminishing returns are found after the 5</a:t>
+            </a:r>
+            <a:r>
+              <a:rPr lang="en-US" baseline="30000" dirty="0">
+                <a:solidFill>
+                  <a:schemeClr val="accent3"/>
+                </a:solidFill>
+              </a:rPr>
+              <a:t>th</a:t>
+            </a:r>
+            <a:r>
+              <a:rPr lang="en-US" dirty="0">
+                <a:solidFill>
+                  <a:schemeClr val="accent3"/>
+                </a:solidFill>
+              </a:rPr>
+              <a:t> variable is included</a:t>
             </a:r>
           </a:p>
         </p:txBody>
@@ -12615,295 +12667,350 @@
           </a:p>
         </p:txBody>
       </p:sp>
-      <p:sp>
-        <p:nvSpPr>
-          <p:cNvPr id="5" name="Text Placeholder 2">
+      <p:graphicFrame>
+        <p:nvGraphicFramePr>
+          <p:cNvPr id="3" name="Table 3">
             <a:extLst>
               <a:ext uri="{FF2B5EF4-FFF2-40B4-BE49-F238E27FC236}">
-                <a16:creationId xmlns:a16="http://schemas.microsoft.com/office/drawing/2014/main" id="{80A4736F-1EF9-09F0-5145-9AB37B5FE409}"/>
+                <a16:creationId xmlns:a16="http://schemas.microsoft.com/office/drawing/2014/main" id="{CA4AB027-E888-2C3E-8C1E-4D6BB2527F50}"/>
               </a:ext>
             </a:extLst>
           </p:cNvPr>
-          <p:cNvSpPr txBox="1">
-            <a:spLocks/>
-          </p:cNvSpPr>
+          <p:cNvGraphicFramePr>
+            <a:graphicFrameLocks noGrp="1"/>
+          </p:cNvGraphicFramePr>
+          <p:nvPr>
+            <p:extLst>
+              <p:ext uri="{D42A27DB-BD31-4B8C-83A1-F6EECF244321}">
+                <p14:modId xmlns:p14="http://schemas.microsoft.com/office/powerpoint/2010/main" val="1525066425"/>
+              </p:ext>
+            </p:extLst>
+          </p:nvPr>
+        </p:nvGraphicFramePr>
+        <p:xfrm>
+          <a:off x="725850" y="1761144"/>
+          <a:ext cx="4064000" cy="2966720"/>
+        </p:xfrm>
+        <a:graphic>
+          <a:graphicData uri="http://schemas.openxmlformats.org/drawingml/2006/table">
+            <a:tbl>
+              <a:tblPr firstRow="1" bandRow="1">
+                <a:tableStyleId>{5C22544A-7EE6-4342-B048-85BDC9FD1C3A}</a:tableStyleId>
+              </a:tblPr>
+              <a:tblGrid>
+                <a:gridCol w="2032000">
+                  <a:extLst>
+                    <a:ext uri="{9D8B030D-6E8A-4147-A177-3AD203B41FA5}">
+                      <a16:colId xmlns:a16="http://schemas.microsoft.com/office/drawing/2014/main" val="2004211147"/>
+                    </a:ext>
+                  </a:extLst>
+                </a:gridCol>
+                <a:gridCol w="2032000">
+                  <a:extLst>
+                    <a:ext uri="{9D8B030D-6E8A-4147-A177-3AD203B41FA5}">
+                      <a16:colId xmlns:a16="http://schemas.microsoft.com/office/drawing/2014/main" val="2024557235"/>
+                    </a:ext>
+                  </a:extLst>
+                </a:gridCol>
+              </a:tblGrid>
+              <a:tr h="370840">
+                <a:tc>
+                  <a:txBody>
+                    <a:bodyPr/>
+                    <a:lstStyle/>
+                    <a:p>
+                      <a:r>
+                        <a:rPr lang="en-US" dirty="0"/>
+                        <a:t>Metric</a:t>
+                      </a:r>
+                    </a:p>
+                  </a:txBody>
+                  <a:tcPr/>
+                </a:tc>
+                <a:tc>
+                  <a:txBody>
+                    <a:bodyPr/>
+                    <a:lstStyle/>
+                    <a:p>
+                      <a:r>
+                        <a:rPr lang="en-US" dirty="0"/>
+                        <a:t>Score</a:t>
+                      </a:r>
+                    </a:p>
+                  </a:txBody>
+                  <a:tcPr/>
+                </a:tc>
+                <a:extLst>
+                  <a:ext uri="{0D108BD9-81ED-4DB2-BD59-A6C34878D82A}">
+                    <a16:rowId xmlns:a16="http://schemas.microsoft.com/office/drawing/2014/main" val="606250503"/>
+                  </a:ext>
+                </a:extLst>
+              </a:tr>
+              <a:tr h="370840">
+                <a:tc>
+                  <a:txBody>
+                    <a:bodyPr/>
+                    <a:lstStyle/>
+                    <a:p>
+                      <a:r>
+                        <a:rPr lang="en-US" dirty="0"/>
+                        <a:t>AIC</a:t>
+                      </a:r>
+                    </a:p>
+                  </a:txBody>
+                  <a:tcPr/>
+                </a:tc>
+                <a:tc>
+                  <a:txBody>
+                    <a:bodyPr/>
+                    <a:lstStyle/>
+                    <a:p>
+                      <a:r>
+                        <a:rPr lang="en-US" dirty="0"/>
+                        <a:t>15,485</a:t>
+                      </a:r>
+                    </a:p>
+                  </a:txBody>
+                  <a:tcPr/>
+                </a:tc>
+                <a:extLst>
+                  <a:ext uri="{0D108BD9-81ED-4DB2-BD59-A6C34878D82A}">
+                    <a16:rowId xmlns:a16="http://schemas.microsoft.com/office/drawing/2014/main" val="3146497599"/>
+                  </a:ext>
+                </a:extLst>
+              </a:tr>
+              <a:tr h="370840">
+                <a:tc>
+                  <a:txBody>
+                    <a:bodyPr/>
+                    <a:lstStyle/>
+                    <a:p>
+                      <a:r>
+                        <a:rPr lang="en-US" dirty="0"/>
+                        <a:t>Accuracy</a:t>
+                      </a:r>
+                    </a:p>
+                  </a:txBody>
+                  <a:tcPr/>
+                </a:tc>
+                <a:tc>
+                  <a:txBody>
+                    <a:bodyPr/>
+                    <a:lstStyle/>
+                    <a:p>
+                      <a:r>
+                        <a:rPr lang="en-US" dirty="0"/>
+                        <a:t>81%</a:t>
+                      </a:r>
+                    </a:p>
+                  </a:txBody>
+                  <a:tcPr/>
+                </a:tc>
+                <a:extLst>
+                  <a:ext uri="{0D108BD9-81ED-4DB2-BD59-A6C34878D82A}">
+                    <a16:rowId xmlns:a16="http://schemas.microsoft.com/office/drawing/2014/main" val="1616612204"/>
+                  </a:ext>
+                </a:extLst>
+              </a:tr>
+              <a:tr h="370840">
+                <a:tc>
+                  <a:txBody>
+                    <a:bodyPr/>
+                    <a:lstStyle/>
+                    <a:p>
+                      <a:r>
+                        <a:rPr lang="en-US" dirty="0"/>
+                        <a:t>Sensitivity</a:t>
+                      </a:r>
+                    </a:p>
+                  </a:txBody>
+                  <a:tcPr/>
+                </a:tc>
+                <a:tc>
+                  <a:txBody>
+                    <a:bodyPr/>
+                    <a:lstStyle/>
+                    <a:p>
+                      <a:r>
+                        <a:rPr lang="en-US" dirty="0"/>
+                        <a:t>81%</a:t>
+                      </a:r>
+                    </a:p>
+                  </a:txBody>
+                  <a:tcPr/>
+                </a:tc>
+                <a:extLst>
+                  <a:ext uri="{0D108BD9-81ED-4DB2-BD59-A6C34878D82A}">
+                    <a16:rowId xmlns:a16="http://schemas.microsoft.com/office/drawing/2014/main" val="2652376005"/>
+                  </a:ext>
+                </a:extLst>
+              </a:tr>
+              <a:tr h="370840">
+                <a:tc>
+                  <a:txBody>
+                    <a:bodyPr/>
+                    <a:lstStyle/>
+                    <a:p>
+                      <a:r>
+                        <a:rPr lang="en-US" dirty="0"/>
+                        <a:t>Specificity</a:t>
+                      </a:r>
+                    </a:p>
+                  </a:txBody>
+                  <a:tcPr/>
+                </a:tc>
+                <a:tc>
+                  <a:txBody>
+                    <a:bodyPr/>
+                    <a:lstStyle/>
+                    <a:p>
+                      <a:r>
+                        <a:rPr lang="en-US" dirty="0"/>
+                        <a:t>86%</a:t>
+                      </a:r>
+                    </a:p>
+                  </a:txBody>
+                  <a:tcPr/>
+                </a:tc>
+                <a:extLst>
+                  <a:ext uri="{0D108BD9-81ED-4DB2-BD59-A6C34878D82A}">
+                    <a16:rowId xmlns:a16="http://schemas.microsoft.com/office/drawing/2014/main" val="3781162483"/>
+                  </a:ext>
+                </a:extLst>
+              </a:tr>
+              <a:tr h="370840">
+                <a:tc>
+                  <a:txBody>
+                    <a:bodyPr/>
+                    <a:lstStyle/>
+                    <a:p>
+                      <a:r>
+                        <a:rPr lang="en-US" dirty="0"/>
+                        <a:t>PPV</a:t>
+                      </a:r>
+                    </a:p>
+                  </a:txBody>
+                  <a:tcPr/>
+                </a:tc>
+                <a:tc>
+                  <a:txBody>
+                    <a:bodyPr/>
+                    <a:lstStyle/>
+                    <a:p>
+                      <a:r>
+                        <a:rPr lang="en-US" dirty="0"/>
+                        <a:t>97%</a:t>
+                      </a:r>
+                    </a:p>
+                  </a:txBody>
+                  <a:tcPr/>
+                </a:tc>
+                <a:extLst>
+                  <a:ext uri="{0D108BD9-81ED-4DB2-BD59-A6C34878D82A}">
+                    <a16:rowId xmlns:a16="http://schemas.microsoft.com/office/drawing/2014/main" val="3095442458"/>
+                  </a:ext>
+                </a:extLst>
+              </a:tr>
+              <a:tr h="370840">
+                <a:tc>
+                  <a:txBody>
+                    <a:bodyPr/>
+                    <a:lstStyle/>
+                    <a:p>
+                      <a:r>
+                        <a:rPr lang="en-US" dirty="0"/>
+                        <a:t>NPV</a:t>
+                      </a:r>
+                    </a:p>
+                  </a:txBody>
+                  <a:tcPr/>
+                </a:tc>
+                <a:tc>
+                  <a:txBody>
+                    <a:bodyPr/>
+                    <a:lstStyle/>
+                    <a:p>
+                      <a:r>
+                        <a:rPr lang="en-US" dirty="0"/>
+                        <a:t>38%</a:t>
+                      </a:r>
+                    </a:p>
+                  </a:txBody>
+                  <a:tcPr/>
+                </a:tc>
+                <a:extLst>
+                  <a:ext uri="{0D108BD9-81ED-4DB2-BD59-A6C34878D82A}">
+                    <a16:rowId xmlns:a16="http://schemas.microsoft.com/office/drawing/2014/main" val="2715389844"/>
+                  </a:ext>
+                </a:extLst>
+              </a:tr>
+              <a:tr h="370840">
+                <a:tc>
+                  <a:txBody>
+                    <a:bodyPr/>
+                    <a:lstStyle/>
+                    <a:p>
+                      <a:r>
+                        <a:rPr lang="en-US" dirty="0"/>
+                        <a:t>AUROC</a:t>
+                      </a:r>
+                    </a:p>
+                  </a:txBody>
+                  <a:tcPr/>
+                </a:tc>
+                <a:tc>
+                  <a:txBody>
+                    <a:bodyPr/>
+                    <a:lstStyle/>
+                    <a:p>
+                      <a:r>
+                        <a:rPr lang="en-US" dirty="0"/>
+                        <a:t>0.9045</a:t>
+                      </a:r>
+                    </a:p>
+                  </a:txBody>
+                  <a:tcPr/>
+                </a:tc>
+                <a:extLst>
+                  <a:ext uri="{0D108BD9-81ED-4DB2-BD59-A6C34878D82A}">
+                    <a16:rowId xmlns:a16="http://schemas.microsoft.com/office/drawing/2014/main" val="3759069719"/>
+                  </a:ext>
+                </a:extLst>
+              </a:tr>
+            </a:tbl>
+          </a:graphicData>
+        </a:graphic>
+      </p:graphicFrame>
+      <p:pic>
+        <p:nvPicPr>
+          <p:cNvPr id="6" name="Picture 5" descr="Chart&#10;&#10;Description automatically generated">
+            <a:extLst>
+              <a:ext uri="{FF2B5EF4-FFF2-40B4-BE49-F238E27FC236}">
+                <a16:creationId xmlns:a16="http://schemas.microsoft.com/office/drawing/2014/main" id="{BB69DD76-C768-A0C3-81CB-B2E581EFE1D2}"/>
+              </a:ext>
+            </a:extLst>
+          </p:cNvPr>
+          <p:cNvPicPr>
+            <a:picLocks noChangeAspect="1"/>
+          </p:cNvPicPr>
           <p:nvPr/>
-        </p:nvSpPr>
+        </p:nvPicPr>
+        <p:blipFill>
+          <a:blip r:embed="rId4"/>
+          <a:stretch>
+            <a:fillRect/>
+          </a:stretch>
+        </p:blipFill>
         <p:spPr>
           <a:xfrm>
-            <a:off x="725850" y="1761144"/>
-            <a:ext cx="7688700" cy="445028"/>
+            <a:off x="5036457" y="1446514"/>
+            <a:ext cx="3962400" cy="3378200"/>
           </a:xfrm>
           <a:prstGeom prst="rect">
             <a:avLst/>
           </a:prstGeom>
-          <a:noFill/>
-          <a:ln>
-            <a:noFill/>
-          </a:ln>
         </p:spPr>
-        <p:txBody>
-          <a:bodyPr spcFirstLastPara="1" wrap="square" lIns="91425" tIns="91425" rIns="91425" bIns="91425" anchor="t" anchorCtr="0">
-            <a:noAutofit/>
-          </a:bodyPr>
-          <a:lstStyle>
-            <a:defPPr marR="0" lvl="0" algn="l" rtl="0">
-              <a:lnSpc>
-                <a:spcPct val="100000"/>
-              </a:lnSpc>
-              <a:spcBef>
-                <a:spcPts val="0"/>
-              </a:spcBef>
-              <a:spcAft>
-                <a:spcPts val="0"/>
-              </a:spcAft>
-            </a:defPPr>
-            <a:lvl1pPr marL="457200" marR="0" lvl="0" indent="-311150" algn="l" rtl="0">
-              <a:lnSpc>
-                <a:spcPct val="115000"/>
-              </a:lnSpc>
-              <a:spcBef>
-                <a:spcPts val="0"/>
-              </a:spcBef>
-              <a:spcAft>
-                <a:spcPts val="0"/>
-              </a:spcAft>
-              <a:buClr>
-                <a:schemeClr val="accent1"/>
-              </a:buClr>
-              <a:buSzPts val="1300"/>
-              <a:buFont typeface="Lato"/>
-              <a:buChar char="●"/>
-              <a:defRPr sz="1300" b="0" i="0" u="none" strike="noStrike" cap="none">
-                <a:solidFill>
-                  <a:schemeClr val="accent1"/>
-                </a:solidFill>
-                <a:latin typeface="Lato"/>
-                <a:ea typeface="Lato"/>
-                <a:cs typeface="Lato"/>
-                <a:sym typeface="Lato"/>
-              </a:defRPr>
-            </a:lvl1pPr>
-            <a:lvl2pPr marL="914400" marR="0" lvl="1" indent="-298450" algn="l" rtl="0">
-              <a:lnSpc>
-                <a:spcPct val="115000"/>
-              </a:lnSpc>
-              <a:spcBef>
-                <a:spcPts val="1600"/>
-              </a:spcBef>
-              <a:spcAft>
-                <a:spcPts val="0"/>
-              </a:spcAft>
-              <a:buClr>
-                <a:schemeClr val="accent1"/>
-              </a:buClr>
-              <a:buSzPts val="1100"/>
-              <a:buFont typeface="Lato"/>
-              <a:buChar char="○"/>
-              <a:defRPr sz="1100" b="0" i="0" u="none" strike="noStrike" cap="none">
-                <a:solidFill>
-                  <a:schemeClr val="accent1"/>
-                </a:solidFill>
-                <a:latin typeface="Lato"/>
-                <a:ea typeface="Lato"/>
-                <a:cs typeface="Lato"/>
-                <a:sym typeface="Lato"/>
-              </a:defRPr>
-            </a:lvl2pPr>
-            <a:lvl3pPr marL="1371600" marR="0" lvl="2" indent="-298450" algn="l" rtl="0">
-              <a:lnSpc>
-                <a:spcPct val="115000"/>
-              </a:lnSpc>
-              <a:spcBef>
-                <a:spcPts val="1600"/>
-              </a:spcBef>
-              <a:spcAft>
-                <a:spcPts val="0"/>
-              </a:spcAft>
-              <a:buClr>
-                <a:schemeClr val="accent1"/>
-              </a:buClr>
-              <a:buSzPts val="1100"/>
-              <a:buFont typeface="Lato"/>
-              <a:buChar char="■"/>
-              <a:defRPr sz="1100" b="0" i="0" u="none" strike="noStrike" cap="none">
-                <a:solidFill>
-                  <a:schemeClr val="accent1"/>
-                </a:solidFill>
-                <a:latin typeface="Lato"/>
-                <a:ea typeface="Lato"/>
-                <a:cs typeface="Lato"/>
-                <a:sym typeface="Lato"/>
-              </a:defRPr>
-            </a:lvl3pPr>
-            <a:lvl4pPr marL="1828800" marR="0" lvl="3" indent="-298450" algn="l" rtl="0">
-              <a:lnSpc>
-                <a:spcPct val="115000"/>
-              </a:lnSpc>
-              <a:spcBef>
-                <a:spcPts val="1600"/>
-              </a:spcBef>
-              <a:spcAft>
-                <a:spcPts val="0"/>
-              </a:spcAft>
-              <a:buClr>
-                <a:schemeClr val="accent1"/>
-              </a:buClr>
-              <a:buSzPts val="1100"/>
-              <a:buFont typeface="Lato"/>
-              <a:buChar char="●"/>
-              <a:defRPr sz="1100" b="0" i="0" u="none" strike="noStrike" cap="none">
-                <a:solidFill>
-                  <a:schemeClr val="accent1"/>
-                </a:solidFill>
-                <a:latin typeface="Lato"/>
-                <a:ea typeface="Lato"/>
-                <a:cs typeface="Lato"/>
-                <a:sym typeface="Lato"/>
-              </a:defRPr>
-            </a:lvl4pPr>
-            <a:lvl5pPr marL="2286000" marR="0" lvl="4" indent="-298450" algn="l" rtl="0">
-              <a:lnSpc>
-                <a:spcPct val="115000"/>
-              </a:lnSpc>
-              <a:spcBef>
-                <a:spcPts val="1600"/>
-              </a:spcBef>
-              <a:spcAft>
-                <a:spcPts val="0"/>
-              </a:spcAft>
-              <a:buClr>
-                <a:schemeClr val="accent1"/>
-              </a:buClr>
-              <a:buSzPts val="1100"/>
-              <a:buFont typeface="Lato"/>
-              <a:buChar char="○"/>
-              <a:defRPr sz="1100" b="0" i="0" u="none" strike="noStrike" cap="none">
-                <a:solidFill>
-                  <a:schemeClr val="accent1"/>
-                </a:solidFill>
-                <a:latin typeface="Lato"/>
-                <a:ea typeface="Lato"/>
-                <a:cs typeface="Lato"/>
-                <a:sym typeface="Lato"/>
-              </a:defRPr>
-            </a:lvl5pPr>
-            <a:lvl6pPr marL="2743200" marR="0" lvl="5" indent="-298450" algn="l" rtl="0">
-              <a:lnSpc>
-                <a:spcPct val="115000"/>
-              </a:lnSpc>
-              <a:spcBef>
-                <a:spcPts val="1600"/>
-              </a:spcBef>
-              <a:spcAft>
-                <a:spcPts val="0"/>
-              </a:spcAft>
-              <a:buClr>
-                <a:schemeClr val="accent1"/>
-              </a:buClr>
-              <a:buSzPts val="1100"/>
-              <a:buFont typeface="Lato"/>
-              <a:buChar char="■"/>
-              <a:defRPr sz="1100" b="0" i="0" u="none" strike="noStrike" cap="none">
-                <a:solidFill>
-                  <a:schemeClr val="accent1"/>
-                </a:solidFill>
-                <a:latin typeface="Lato"/>
-                <a:ea typeface="Lato"/>
-                <a:cs typeface="Lato"/>
-                <a:sym typeface="Lato"/>
-              </a:defRPr>
-            </a:lvl6pPr>
-            <a:lvl7pPr marL="3200400" marR="0" lvl="6" indent="-298450" algn="l" rtl="0">
-              <a:lnSpc>
-                <a:spcPct val="115000"/>
-              </a:lnSpc>
-              <a:spcBef>
-                <a:spcPts val="1600"/>
-              </a:spcBef>
-              <a:spcAft>
-                <a:spcPts val="0"/>
-              </a:spcAft>
-              <a:buClr>
-                <a:schemeClr val="accent1"/>
-              </a:buClr>
-              <a:buSzPts val="1100"/>
-              <a:buFont typeface="Lato"/>
-              <a:buChar char="●"/>
-              <a:defRPr sz="1100" b="0" i="0" u="none" strike="noStrike" cap="none">
-                <a:solidFill>
-                  <a:schemeClr val="accent1"/>
-                </a:solidFill>
-                <a:latin typeface="Lato"/>
-                <a:ea typeface="Lato"/>
-                <a:cs typeface="Lato"/>
-                <a:sym typeface="Lato"/>
-              </a:defRPr>
-            </a:lvl7pPr>
-            <a:lvl8pPr marL="3657600" marR="0" lvl="7" indent="-298450" algn="l" rtl="0">
-              <a:lnSpc>
-                <a:spcPct val="115000"/>
-              </a:lnSpc>
-              <a:spcBef>
-                <a:spcPts val="1600"/>
-              </a:spcBef>
-              <a:spcAft>
-                <a:spcPts val="0"/>
-              </a:spcAft>
-              <a:buClr>
-                <a:schemeClr val="accent1"/>
-              </a:buClr>
-              <a:buSzPts val="1100"/>
-              <a:buFont typeface="Lato"/>
-              <a:buChar char="○"/>
-              <a:defRPr sz="1100" b="0" i="0" u="none" strike="noStrike" cap="none">
-                <a:solidFill>
-                  <a:schemeClr val="accent1"/>
-                </a:solidFill>
-                <a:latin typeface="Lato"/>
-                <a:ea typeface="Lato"/>
-                <a:cs typeface="Lato"/>
-                <a:sym typeface="Lato"/>
-              </a:defRPr>
-            </a:lvl8pPr>
-            <a:lvl9pPr marL="4114800" marR="0" lvl="8" indent="-298450" algn="l" rtl="0">
-              <a:lnSpc>
-                <a:spcPct val="115000"/>
-              </a:lnSpc>
-              <a:spcBef>
-                <a:spcPts val="1600"/>
-              </a:spcBef>
-              <a:spcAft>
-                <a:spcPts val="1600"/>
-              </a:spcAft>
-              <a:buClr>
-                <a:schemeClr val="accent1"/>
-              </a:buClr>
-              <a:buSzPts val="1100"/>
-              <a:buFont typeface="Lato"/>
-              <a:buChar char="■"/>
-              <a:defRPr sz="1100" b="0" i="0" u="none" strike="noStrike" cap="none">
-                <a:solidFill>
-                  <a:schemeClr val="accent1"/>
-                </a:solidFill>
-                <a:latin typeface="Lato"/>
-                <a:ea typeface="Lato"/>
-                <a:cs typeface="Lato"/>
-                <a:sym typeface="Lato"/>
-              </a:defRPr>
-            </a:lvl9pPr>
-          </a:lstStyle>
-          <a:p>
-            <a:pPr marL="146050" indent="0">
-              <a:buNone/>
-            </a:pPr>
-            <a:r>
-              <a:rPr lang="en-US" dirty="0"/>
-              <a:t>Will talk about model performance on this slide</a:t>
-            </a:r>
-          </a:p>
-        </p:txBody>
-      </p:sp>
+      </p:pic>
     </p:spTree>
     <p:custDataLst>
       <p:tags r:id="rId1"/>
@@ -13025,8 +13132,8 @@
         </p:nvSpPr>
         <p:spPr>
           <a:xfrm>
-            <a:off x="725850" y="1761144"/>
-            <a:ext cx="7688700" cy="445028"/>
+            <a:off x="725850" y="1761143"/>
+            <a:ext cx="6561069" cy="3197355"/>
           </a:xfrm>
           <a:prstGeom prst="rect">
             <a:avLst/>
@@ -13292,12 +13399,115 @@
               <a:buNone/>
             </a:pPr>
             <a:r>
+              <a:rPr lang="en-US" u="sng" dirty="0"/>
+              <a:t>Note:	All variables in the model were noted to have statistical significance</a:t>
+            </a:r>
+          </a:p>
+          <a:p>
+            <a:pPr marL="146050" indent="0">
+              <a:buNone/>
+            </a:pPr>
+            <a:endParaRPr lang="en-US" dirty="0"/>
+          </a:p>
+          <a:p>
+            <a:r>
               <a:rPr lang="en-US" dirty="0"/>
-              <a:t>Will talk about model interpretation and inference on this slide</a:t>
+              <a:t>Relative to past failures, previous successful outcomes were associated with a ~1,000% increase in the odds of having another success</a:t>
             </a:r>
+            <a:r>
+              <a:rPr lang="en-US" baseline="30000" dirty="0"/>
+              <a:t>1</a:t>
+            </a:r>
+          </a:p>
+          <a:p>
+            <a:endParaRPr lang="en-US" dirty="0"/>
+          </a:p>
+          <a:p>
+            <a:r>
+              <a:rPr lang="en-US" dirty="0"/>
+              <a:t>Relative to April, the month of March is particularly successful having an ~350% increase in the odds of having success</a:t>
+            </a:r>
+            <a:r>
+              <a:rPr lang="en-US" baseline="30000" dirty="0"/>
+              <a:t>1</a:t>
+            </a:r>
+            <a:endParaRPr lang="en-US" dirty="0"/>
+          </a:p>
+          <a:p>
+            <a:endParaRPr lang="en-US" dirty="0"/>
+          </a:p>
+          <a:p>
+            <a:r>
+              <a:rPr lang="en-US" dirty="0"/>
+              <a:t>Relative to calling on a client’s cell phones, calling their telephone was associated with a ~20% reduction in the odds of having success</a:t>
+            </a:r>
+            <a:r>
+              <a:rPr lang="en-US" baseline="30000" dirty="0"/>
+              <a:t>1</a:t>
+            </a:r>
+            <a:endParaRPr lang="en-US" dirty="0"/>
+          </a:p>
+          <a:p>
+            <a:endParaRPr lang="en-US" dirty="0"/>
+          </a:p>
+          <a:p>
+            <a:r>
+              <a:rPr lang="en-US" dirty="0"/>
+              <a:t>Relative to those clients without housing loans, having a housing loan was associated with a ~60% reduction in the odds of having success</a:t>
+            </a:r>
+            <a:r>
+              <a:rPr lang="en-US" baseline="30000" dirty="0"/>
+              <a:t>1</a:t>
+            </a:r>
+          </a:p>
+          <a:p>
+            <a:pPr marL="146050" indent="0">
+              <a:buNone/>
+            </a:pPr>
+            <a:endParaRPr lang="en-US" baseline="30000" dirty="0"/>
+          </a:p>
+          <a:p>
+            <a:pPr marL="146050" indent="0">
+              <a:buNone/>
+            </a:pPr>
+            <a:r>
+              <a:rPr lang="en-US" baseline="30000" dirty="0"/>
+              <a:t>1 Holding all other variables fixed</a:t>
+            </a:r>
+            <a:endParaRPr lang="en-US" dirty="0"/>
           </a:p>
         </p:txBody>
       </p:sp>
+      <p:pic>
+        <p:nvPicPr>
+          <p:cNvPr id="3" name="Picture 2">
+            <a:extLst>
+              <a:ext uri="{FF2B5EF4-FFF2-40B4-BE49-F238E27FC236}">
+                <a16:creationId xmlns:a16="http://schemas.microsoft.com/office/drawing/2014/main" id="{8C8CB3B1-F276-F041-C9D7-5485DDB0DCF5}"/>
+              </a:ext>
+            </a:extLst>
+          </p:cNvPr>
+          <p:cNvPicPr>
+            <a:picLocks noChangeAspect="1"/>
+          </p:cNvPicPr>
+          <p:nvPr/>
+        </p:nvPicPr>
+        <p:blipFill>
+          <a:blip r:embed="rId4"/>
+          <a:stretch>
+            <a:fillRect/>
+          </a:stretch>
+        </p:blipFill>
+        <p:spPr>
+          <a:xfrm>
+            <a:off x="7286919" y="0"/>
+            <a:ext cx="1602557" cy="5154680"/>
+          </a:xfrm>
+          <a:prstGeom prst="rect">
+            <a:avLst/>
+          </a:prstGeom>
+        </p:spPr>
+      </p:pic>
     </p:spTree>
     <p:custDataLst>
       <p:tags r:id="rId1"/>

--- a/Project2_Chang_Craus_Yule.pptx
+++ b/Project2_Chang_Craus_Yule.pptx
@@ -5,7 +5,7 @@
     <p:sldMasterId id="2147483664" r:id="rId1"/>
   </p:sldMasterIdLst>
   <p:notesMasterIdLst>
-    <p:notesMasterId r:id="rId17"/>
+    <p:notesMasterId r:id="rId19"/>
   </p:notesMasterIdLst>
   <p:sldIdLst>
     <p:sldId id="256" r:id="rId2"/>
@@ -16,30 +16,32 @@
     <p:sldId id="278" r:id="rId7"/>
     <p:sldId id="301" r:id="rId8"/>
     <p:sldId id="302" r:id="rId9"/>
-    <p:sldId id="293" r:id="rId10"/>
-    <p:sldId id="294" r:id="rId11"/>
-    <p:sldId id="303" r:id="rId12"/>
-    <p:sldId id="304" r:id="rId13"/>
-    <p:sldId id="305" r:id="rId14"/>
-    <p:sldId id="300" r:id="rId15"/>
-    <p:sldId id="275" r:id="rId16"/>
+    <p:sldId id="306" r:id="rId10"/>
+    <p:sldId id="308" r:id="rId11"/>
+    <p:sldId id="293" r:id="rId12"/>
+    <p:sldId id="294" r:id="rId13"/>
+    <p:sldId id="303" r:id="rId14"/>
+    <p:sldId id="304" r:id="rId15"/>
+    <p:sldId id="305" r:id="rId16"/>
+    <p:sldId id="300" r:id="rId17"/>
+    <p:sldId id="275" r:id="rId18"/>
   </p:sldIdLst>
   <p:sldSz cx="9144000" cy="5143500" type="screen16x9"/>
   <p:notesSz cx="6858000" cy="9144000"/>
   <p:embeddedFontLst>
     <p:embeddedFont>
       <p:font typeface="Lato" panose="020F0502020204030203" pitchFamily="34" charset="0"/>
-      <p:regular r:id="rId18"/>
-      <p:bold r:id="rId19"/>
-      <p:italic r:id="rId20"/>
-      <p:boldItalic r:id="rId21"/>
+      <p:regular r:id="rId20"/>
+      <p:bold r:id="rId21"/>
+      <p:italic r:id="rId22"/>
+      <p:boldItalic r:id="rId23"/>
     </p:embeddedFont>
     <p:embeddedFont>
-      <p:font typeface="Raleway" pitchFamily="2" charset="77"/>
-      <p:regular r:id="rId22"/>
-      <p:bold r:id="rId23"/>
-      <p:italic r:id="rId24"/>
-      <p:boldItalic r:id="rId25"/>
+      <p:font typeface="Raleway" pitchFamily="2" charset="0"/>
+      <p:regular r:id="rId24"/>
+      <p:bold r:id="rId25"/>
+      <p:italic r:id="rId26"/>
+      <p:boldItalic r:id="rId27"/>
     </p:embeddedFont>
   </p:embeddedFontLst>
   <p:defaultTextStyle>
@@ -288,6 +290,113 @@
     </p:ext>
   </p:extLst>
 </p:presentation>
+</file>
+
+<file path=ppt/revisionInfo.xml><?xml version="1.0" encoding="utf-8"?>
+<p1510:revInfo xmlns:a="http://schemas.openxmlformats.org/drawingml/2006/main" xmlns:r="http://schemas.openxmlformats.org/officeDocument/2006/relationships" xmlns:p1510="http://schemas.microsoft.com/office/powerpoint/2015/10/main">
+  <p1510:revLst>
+    <p1510:client id="{32165585-CB35-4C33-B919-9B0DD83E6E32}" v="7" dt="2023-04-10T20:49:30.756"/>
+  </p1510:revLst>
+</p1510:revInfo>
+</file>
+
+<file path=ppt/changesInfos/changesInfo1.xml><?xml version="1.0" encoding="utf-8"?>
+<pc:chgInfo xmlns:a="http://schemas.openxmlformats.org/drawingml/2006/main" xmlns:r="http://schemas.openxmlformats.org/officeDocument/2006/relationships" xmlns:ac="http://schemas.microsoft.com/office/drawing/2013/main/command" xmlns:pc="http://schemas.microsoft.com/office/powerpoint/2013/main/command">
+  <pc:docChgLst>
+    <pc:chgData name="Carolina Craus" userId="bae62b9d695bbdd6" providerId="LiveId" clId="{32165585-CB35-4C33-B919-9B0DD83E6E32}"/>
+    <pc:docChg chg="custSel addSld delSld modSld sldOrd">
+      <pc:chgData name="Carolina Craus" userId="bae62b9d695bbdd6" providerId="LiveId" clId="{32165585-CB35-4C33-B919-9B0DD83E6E32}" dt="2023-04-10T20:54:32.530" v="724" actId="20577"/>
+      <pc:docMkLst>
+        <pc:docMk/>
+      </pc:docMkLst>
+      <pc:sldChg chg="modSp add mod">
+        <pc:chgData name="Carolina Craus" userId="bae62b9d695bbdd6" providerId="LiveId" clId="{32165585-CB35-4C33-B919-9B0DD83E6E32}" dt="2023-04-10T20:41:36.749" v="156" actId="20577"/>
+        <pc:sldMkLst>
+          <pc:docMk/>
+          <pc:sldMk cId="3579624159" sldId="306"/>
+        </pc:sldMkLst>
+        <pc:spChg chg="mod">
+          <ac:chgData name="Carolina Craus" userId="bae62b9d695bbdd6" providerId="LiveId" clId="{32165585-CB35-4C33-B919-9B0DD83E6E32}" dt="2023-04-10T20:41:36.749" v="156" actId="20577"/>
+          <ac:spMkLst>
+            <pc:docMk/>
+            <pc:sldMk cId="3579624159" sldId="306"/>
+            <ac:spMk id="8" creationId="{3B13F08B-AEE4-4C95-21B6-8DF753ECA5AD}"/>
+          </ac:spMkLst>
+        </pc:spChg>
+        <pc:picChg chg="mod">
+          <ac:chgData name="Carolina Craus" userId="bae62b9d695bbdd6" providerId="LiveId" clId="{32165585-CB35-4C33-B919-9B0DD83E6E32}" dt="2023-04-10T20:38:47.846" v="3" actId="1076"/>
+          <ac:picMkLst>
+            <pc:docMk/>
+            <pc:sldMk cId="3579624159" sldId="306"/>
+            <ac:picMk id="6" creationId="{A69CA1BE-4C1B-E253-6B46-329807C1BD0B}"/>
+          </ac:picMkLst>
+        </pc:picChg>
+      </pc:sldChg>
+      <pc:sldChg chg="new del">
+        <pc:chgData name="Carolina Craus" userId="bae62b9d695bbdd6" providerId="LiveId" clId="{32165585-CB35-4C33-B919-9B0DD83E6E32}" dt="2023-04-10T20:41:57.868" v="161" actId="47"/>
+        <pc:sldMkLst>
+          <pc:docMk/>
+          <pc:sldMk cId="2196822164" sldId="307"/>
+        </pc:sldMkLst>
+      </pc:sldChg>
+      <pc:sldChg chg="addSp delSp modSp add mod ord">
+        <pc:chgData name="Carolina Craus" userId="bae62b9d695bbdd6" providerId="LiveId" clId="{32165585-CB35-4C33-B919-9B0DD83E6E32}" dt="2023-04-10T20:54:32.530" v="724" actId="20577"/>
+        <pc:sldMkLst>
+          <pc:docMk/>
+          <pc:sldMk cId="3004351000" sldId="308"/>
+        </pc:sldMkLst>
+        <pc:spChg chg="mod">
+          <ac:chgData name="Carolina Craus" userId="bae62b9d695bbdd6" providerId="LiveId" clId="{32165585-CB35-4C33-B919-9B0DD83E6E32}" dt="2023-04-10T20:48:06.490" v="167" actId="20577"/>
+          <ac:spMkLst>
+            <pc:docMk/>
+            <pc:sldMk cId="3004351000" sldId="308"/>
+            <ac:spMk id="2" creationId="{8B170740-DB3F-076A-A2D2-9555F51D2D32}"/>
+          </ac:spMkLst>
+        </pc:spChg>
+        <pc:spChg chg="add del">
+          <ac:chgData name="Carolina Craus" userId="bae62b9d695bbdd6" providerId="LiveId" clId="{32165585-CB35-4C33-B919-9B0DD83E6E32}" dt="2023-04-10T20:48:13.493" v="170"/>
+          <ac:spMkLst>
+            <pc:docMk/>
+            <pc:sldMk cId="3004351000" sldId="308"/>
+            <ac:spMk id="3" creationId="{C1E5DA3E-87D7-2330-3EA3-55D7CACD04F0}"/>
+          </ac:spMkLst>
+        </pc:spChg>
+        <pc:spChg chg="add del">
+          <ac:chgData name="Carolina Craus" userId="bae62b9d695bbdd6" providerId="LiveId" clId="{32165585-CB35-4C33-B919-9B0DD83E6E32}" dt="2023-04-10T20:49:30.750" v="181"/>
+          <ac:spMkLst>
+            <pc:docMk/>
+            <pc:sldMk cId="3004351000" sldId="308"/>
+            <ac:spMk id="5" creationId="{B411D211-68A9-5947-311C-AFE62EB25F2C}"/>
+          </ac:spMkLst>
+        </pc:spChg>
+        <pc:spChg chg="mod">
+          <ac:chgData name="Carolina Craus" userId="bae62b9d695bbdd6" providerId="LiveId" clId="{32165585-CB35-4C33-B919-9B0DD83E6E32}" dt="2023-04-10T20:54:32.530" v="724" actId="20577"/>
+          <ac:spMkLst>
+            <pc:docMk/>
+            <pc:sldMk cId="3004351000" sldId="308"/>
+            <ac:spMk id="8" creationId="{3B13F08B-AEE4-4C95-21B6-8DF753ECA5AD}"/>
+          </ac:spMkLst>
+        </pc:spChg>
+        <pc:picChg chg="add del mod">
+          <ac:chgData name="Carolina Craus" userId="bae62b9d695bbdd6" providerId="LiveId" clId="{32165585-CB35-4C33-B919-9B0DD83E6E32}" dt="2023-04-10T20:49:13.766" v="179" actId="478"/>
+          <ac:picMkLst>
+            <pc:docMk/>
+            <pc:sldMk cId="3004351000" sldId="308"/>
+            <ac:picMk id="4" creationId="{1307027A-FCC3-05E0-41FE-33BF2E9DAEDD}"/>
+          </ac:picMkLst>
+        </pc:picChg>
+        <pc:picChg chg="add mod">
+          <ac:chgData name="Carolina Craus" userId="bae62b9d695bbdd6" providerId="LiveId" clId="{32165585-CB35-4C33-B919-9B0DD83E6E32}" dt="2023-04-10T20:49:38.648" v="185" actId="1076"/>
+          <ac:picMkLst>
+            <pc:docMk/>
+            <pc:sldMk cId="3004351000" sldId="308"/>
+            <ac:picMk id="6" creationId="{92F350EB-A179-C072-4BB8-1935AE3A0486}"/>
+          </ac:picMkLst>
+        </pc:picChg>
+      </pc:sldChg>
+    </pc:docChg>
+  </pc:docChgLst>
+</pc:chgInfo>
 </file>
 
 <file path=ppt/notesMasters/notesMaster1.xml><?xml version="1.0" encoding="utf-8"?>
@@ -894,7 +1003,7 @@
     </p:spTree>
     <p:extLst>
       <p:ext uri="{BB962C8B-B14F-4D97-AF65-F5344CB8AC3E}">
-        <p14:creationId xmlns:p14="http://schemas.microsoft.com/office/powerpoint/2010/main" val="579046869"/>
+        <p14:creationId xmlns:p14="http://schemas.microsoft.com/office/powerpoint/2010/main" val="2941158821"/>
       </p:ext>
     </p:extLst>
   </p:cSld>
@@ -963,7 +1072,7 @@
     </p:spTree>
     <p:extLst>
       <p:ext uri="{BB962C8B-B14F-4D97-AF65-F5344CB8AC3E}">
-        <p14:creationId xmlns:p14="http://schemas.microsoft.com/office/powerpoint/2010/main" val="1994813416"/>
+        <p14:creationId xmlns:p14="http://schemas.microsoft.com/office/powerpoint/2010/main" val="3868119659"/>
       </p:ext>
     </p:extLst>
   </p:cSld>
@@ -1032,7 +1141,7 @@
     </p:spTree>
     <p:extLst>
       <p:ext uri="{BB962C8B-B14F-4D97-AF65-F5344CB8AC3E}">
-        <p14:creationId xmlns:p14="http://schemas.microsoft.com/office/powerpoint/2010/main" val="2131577643"/>
+        <p14:creationId xmlns:p14="http://schemas.microsoft.com/office/powerpoint/2010/main" val="579046869"/>
       </p:ext>
     </p:extLst>
   </p:cSld>
@@ -1101,7 +1210,7 @@
     </p:spTree>
     <p:extLst>
       <p:ext uri="{BB962C8B-B14F-4D97-AF65-F5344CB8AC3E}">
-        <p14:creationId xmlns:p14="http://schemas.microsoft.com/office/powerpoint/2010/main" val="3189567172"/>
+        <p14:creationId xmlns:p14="http://schemas.microsoft.com/office/powerpoint/2010/main" val="1994813416"/>
       </p:ext>
     </p:extLst>
   </p:cSld>
@@ -1170,6 +1279,144 @@
     </p:spTree>
     <p:extLst>
       <p:ext uri="{BB962C8B-B14F-4D97-AF65-F5344CB8AC3E}">
+        <p14:creationId xmlns:p14="http://schemas.microsoft.com/office/powerpoint/2010/main" val="2131577643"/>
+      </p:ext>
+    </p:extLst>
+  </p:cSld>
+  <p:clrMapOvr>
+    <a:masterClrMapping/>
+  </p:clrMapOvr>
+</p:notes>
+</file>
+
+<file path=ppt/notesSlides/notesSlide15.xml><?xml version="1.0" encoding="utf-8"?>
+<p:notes xmlns:a="http://schemas.openxmlformats.org/drawingml/2006/main" xmlns:r="http://schemas.openxmlformats.org/officeDocument/2006/relationships" xmlns:p="http://schemas.openxmlformats.org/presentationml/2006/main">
+  <p:cSld>
+    <p:spTree>
+      <p:nvGrpSpPr>
+        <p:cNvPr id="1" name=""/>
+        <p:cNvGrpSpPr/>
+        <p:nvPr/>
+      </p:nvGrpSpPr>
+      <p:grpSpPr>
+        <a:xfrm>
+          <a:off x="0" y="0"/>
+          <a:ext cx="0" cy="0"/>
+          <a:chOff x="0" y="0"/>
+          <a:chExt cx="0" cy="0"/>
+        </a:xfrm>
+      </p:grpSpPr>
+      <p:sp>
+        <p:nvSpPr>
+          <p:cNvPr id="2" name="Slide Image Placeholder 1"/>
+          <p:cNvSpPr>
+            <a:spLocks noGrp="1" noRot="1" noChangeAspect="1"/>
+          </p:cNvSpPr>
+          <p:nvPr>
+            <p:ph type="sldImg"/>
+          </p:nvPr>
+        </p:nvSpPr>
+        <p:spPr>
+          <a:xfrm>
+            <a:off x="381000" y="685800"/>
+            <a:ext cx="6096000" cy="3429000"/>
+          </a:xfrm>
+        </p:spPr>
+      </p:sp>
+      <p:sp>
+        <p:nvSpPr>
+          <p:cNvPr id="3" name="Notes Placeholder 2"/>
+          <p:cNvSpPr>
+            <a:spLocks noGrp="1"/>
+          </p:cNvSpPr>
+          <p:nvPr>
+            <p:ph type="body" idx="1"/>
+          </p:nvPr>
+        </p:nvSpPr>
+        <p:spPr/>
+        <p:txBody>
+          <a:bodyPr/>
+          <a:lstStyle/>
+          <a:p>
+            <a:pPr marL="139700" indent="0">
+              <a:buNone/>
+            </a:pPr>
+            <a:endParaRPr lang="en-US" dirty="0"/>
+          </a:p>
+        </p:txBody>
+      </p:sp>
+    </p:spTree>
+    <p:extLst>
+      <p:ext uri="{BB962C8B-B14F-4D97-AF65-F5344CB8AC3E}">
+        <p14:creationId xmlns:p14="http://schemas.microsoft.com/office/powerpoint/2010/main" val="3189567172"/>
+      </p:ext>
+    </p:extLst>
+  </p:cSld>
+  <p:clrMapOvr>
+    <a:masterClrMapping/>
+  </p:clrMapOvr>
+</p:notes>
+</file>
+
+<file path=ppt/notesSlides/notesSlide16.xml><?xml version="1.0" encoding="utf-8"?>
+<p:notes xmlns:a="http://schemas.openxmlformats.org/drawingml/2006/main" xmlns:r="http://schemas.openxmlformats.org/officeDocument/2006/relationships" xmlns:p="http://schemas.openxmlformats.org/presentationml/2006/main">
+  <p:cSld>
+    <p:spTree>
+      <p:nvGrpSpPr>
+        <p:cNvPr id="1" name=""/>
+        <p:cNvGrpSpPr/>
+        <p:nvPr/>
+      </p:nvGrpSpPr>
+      <p:grpSpPr>
+        <a:xfrm>
+          <a:off x="0" y="0"/>
+          <a:ext cx="0" cy="0"/>
+          <a:chOff x="0" y="0"/>
+          <a:chExt cx="0" cy="0"/>
+        </a:xfrm>
+      </p:grpSpPr>
+      <p:sp>
+        <p:nvSpPr>
+          <p:cNvPr id="2" name="Slide Image Placeholder 1"/>
+          <p:cNvSpPr>
+            <a:spLocks noGrp="1" noRot="1" noChangeAspect="1"/>
+          </p:cNvSpPr>
+          <p:nvPr>
+            <p:ph type="sldImg"/>
+          </p:nvPr>
+        </p:nvSpPr>
+        <p:spPr>
+          <a:xfrm>
+            <a:off x="381000" y="685800"/>
+            <a:ext cx="6096000" cy="3429000"/>
+          </a:xfrm>
+        </p:spPr>
+      </p:sp>
+      <p:sp>
+        <p:nvSpPr>
+          <p:cNvPr id="3" name="Notes Placeholder 2"/>
+          <p:cNvSpPr>
+            <a:spLocks noGrp="1"/>
+          </p:cNvSpPr>
+          <p:nvPr>
+            <p:ph type="body" idx="1"/>
+          </p:nvPr>
+        </p:nvSpPr>
+        <p:spPr/>
+        <p:txBody>
+          <a:bodyPr/>
+          <a:lstStyle/>
+          <a:p>
+            <a:pPr marL="139700" indent="0">
+              <a:buNone/>
+            </a:pPr>
+            <a:endParaRPr lang="en-US" dirty="0"/>
+          </a:p>
+        </p:txBody>
+      </p:sp>
+    </p:spTree>
+    <p:extLst>
+      <p:ext uri="{BB962C8B-B14F-4D97-AF65-F5344CB8AC3E}">
         <p14:creationId xmlns:p14="http://schemas.microsoft.com/office/powerpoint/2010/main" val="1238886777"/>
       </p:ext>
     </p:extLst>
@@ -1180,7 +1427,7 @@
 </p:notes>
 </file>
 
-<file path=ppt/notesSlides/notesSlide15.xml><?xml version="1.0" encoding="utf-8"?>
+<file path=ppt/notesSlides/notesSlide17.xml><?xml version="1.0" encoding="utf-8"?>
 <p:notes xmlns:a="http://schemas.openxmlformats.org/drawingml/2006/main" xmlns:r="http://schemas.openxmlformats.org/officeDocument/2006/relationships" xmlns:p="http://schemas.openxmlformats.org/presentationml/2006/main" showMasterSp="0" showMasterPhAnim="0">
   <p:cSld>
     <p:spTree>
@@ -1896,7 +2143,7 @@
     </p:spTree>
     <p:extLst>
       <p:ext uri="{BB962C8B-B14F-4D97-AF65-F5344CB8AC3E}">
-        <p14:creationId xmlns:p14="http://schemas.microsoft.com/office/powerpoint/2010/main" val="3868119659"/>
+        <p14:creationId xmlns:p14="http://schemas.microsoft.com/office/powerpoint/2010/main" val="1503410463"/>
       </p:ext>
     </p:extLst>
   </p:cSld>
@@ -11169,6 +11416,508 @@
                 <a:latin typeface="Raleway"/>
                 <a:sym typeface="Raleway"/>
               </a:rPr>
+              <a:t>Exploratory Data Analysis</a:t>
+            </a:r>
+          </a:p>
+          <a:p>
+            <a:pPr marL="146050" indent="0">
+              <a:buNone/>
+            </a:pPr>
+            <a:r>
+              <a:rPr lang="en-US" dirty="0">
+                <a:solidFill>
+                  <a:schemeClr val="bg1">
+                    <a:lumMod val="65000"/>
+                  </a:schemeClr>
+                </a:solidFill>
+              </a:rPr>
+              <a:t>Relationship between Month and Y</a:t>
+            </a:r>
+          </a:p>
+        </p:txBody>
+      </p:sp>
+      <p:sp>
+        <p:nvSpPr>
+          <p:cNvPr id="8" name="Text Placeholder 2">
+            <a:extLst>
+              <a:ext uri="{FF2B5EF4-FFF2-40B4-BE49-F238E27FC236}">
+                <a16:creationId xmlns:a16="http://schemas.microsoft.com/office/drawing/2014/main" id="{3B13F08B-AEE4-4C95-21B6-8DF753ECA5AD}"/>
+              </a:ext>
+            </a:extLst>
+          </p:cNvPr>
+          <p:cNvSpPr txBox="1">
+            <a:spLocks/>
+          </p:cNvSpPr>
+          <p:nvPr/>
+        </p:nvSpPr>
+        <p:spPr>
+          <a:xfrm>
+            <a:off x="285226" y="1761143"/>
+            <a:ext cx="3196205" cy="2655613"/>
+          </a:xfrm>
+          <a:prstGeom prst="rect">
+            <a:avLst/>
+          </a:prstGeom>
+          <a:noFill/>
+          <a:ln>
+            <a:noFill/>
+          </a:ln>
+        </p:spPr>
+        <p:txBody>
+          <a:bodyPr spcFirstLastPara="1" wrap="square" lIns="91425" tIns="91425" rIns="91425" bIns="91425" anchor="t" anchorCtr="0">
+            <a:noAutofit/>
+          </a:bodyPr>
+          <a:lstStyle>
+            <a:defPPr marR="0" lvl="0" algn="l" rtl="0">
+              <a:lnSpc>
+                <a:spcPct val="100000"/>
+              </a:lnSpc>
+              <a:spcBef>
+                <a:spcPts val="0"/>
+              </a:spcBef>
+              <a:spcAft>
+                <a:spcPts val="0"/>
+              </a:spcAft>
+            </a:defPPr>
+            <a:lvl1pPr marL="457200" marR="0" lvl="0" indent="-311150" algn="l" rtl="0">
+              <a:lnSpc>
+                <a:spcPct val="115000"/>
+              </a:lnSpc>
+              <a:spcBef>
+                <a:spcPts val="0"/>
+              </a:spcBef>
+              <a:spcAft>
+                <a:spcPts val="0"/>
+              </a:spcAft>
+              <a:buClr>
+                <a:schemeClr val="accent1"/>
+              </a:buClr>
+              <a:buSzPts val="1300"/>
+              <a:buFont typeface="Lato"/>
+              <a:buChar char="●"/>
+              <a:defRPr sz="1300" b="0" i="0" u="none" strike="noStrike" cap="none">
+                <a:solidFill>
+                  <a:schemeClr val="accent1"/>
+                </a:solidFill>
+                <a:latin typeface="Lato"/>
+                <a:ea typeface="Lato"/>
+                <a:cs typeface="Lato"/>
+                <a:sym typeface="Lato"/>
+              </a:defRPr>
+            </a:lvl1pPr>
+            <a:lvl2pPr marL="914400" marR="0" lvl="1" indent="-298450" algn="l" rtl="0">
+              <a:lnSpc>
+                <a:spcPct val="115000"/>
+              </a:lnSpc>
+              <a:spcBef>
+                <a:spcPts val="1600"/>
+              </a:spcBef>
+              <a:spcAft>
+                <a:spcPts val="0"/>
+              </a:spcAft>
+              <a:buClr>
+                <a:schemeClr val="accent1"/>
+              </a:buClr>
+              <a:buSzPts val="1100"/>
+              <a:buFont typeface="Lato"/>
+              <a:buChar char="○"/>
+              <a:defRPr sz="1100" b="0" i="0" u="none" strike="noStrike" cap="none">
+                <a:solidFill>
+                  <a:schemeClr val="accent1"/>
+                </a:solidFill>
+                <a:latin typeface="Lato"/>
+                <a:ea typeface="Lato"/>
+                <a:cs typeface="Lato"/>
+                <a:sym typeface="Lato"/>
+              </a:defRPr>
+            </a:lvl2pPr>
+            <a:lvl3pPr marL="1371600" marR="0" lvl="2" indent="-298450" algn="l" rtl="0">
+              <a:lnSpc>
+                <a:spcPct val="115000"/>
+              </a:lnSpc>
+              <a:spcBef>
+                <a:spcPts val="1600"/>
+              </a:spcBef>
+              <a:spcAft>
+                <a:spcPts val="0"/>
+              </a:spcAft>
+              <a:buClr>
+                <a:schemeClr val="accent1"/>
+              </a:buClr>
+              <a:buSzPts val="1100"/>
+              <a:buFont typeface="Lato"/>
+              <a:buChar char="■"/>
+              <a:defRPr sz="1100" b="0" i="0" u="none" strike="noStrike" cap="none">
+                <a:solidFill>
+                  <a:schemeClr val="accent1"/>
+                </a:solidFill>
+                <a:latin typeface="Lato"/>
+                <a:ea typeface="Lato"/>
+                <a:cs typeface="Lato"/>
+                <a:sym typeface="Lato"/>
+              </a:defRPr>
+            </a:lvl3pPr>
+            <a:lvl4pPr marL="1828800" marR="0" lvl="3" indent="-298450" algn="l" rtl="0">
+              <a:lnSpc>
+                <a:spcPct val="115000"/>
+              </a:lnSpc>
+              <a:spcBef>
+                <a:spcPts val="1600"/>
+              </a:spcBef>
+              <a:spcAft>
+                <a:spcPts val="0"/>
+              </a:spcAft>
+              <a:buClr>
+                <a:schemeClr val="accent1"/>
+              </a:buClr>
+              <a:buSzPts val="1100"/>
+              <a:buFont typeface="Lato"/>
+              <a:buChar char="●"/>
+              <a:defRPr sz="1100" b="0" i="0" u="none" strike="noStrike" cap="none">
+                <a:solidFill>
+                  <a:schemeClr val="accent1"/>
+                </a:solidFill>
+                <a:latin typeface="Lato"/>
+                <a:ea typeface="Lato"/>
+                <a:cs typeface="Lato"/>
+                <a:sym typeface="Lato"/>
+              </a:defRPr>
+            </a:lvl4pPr>
+            <a:lvl5pPr marL="2286000" marR="0" lvl="4" indent="-298450" algn="l" rtl="0">
+              <a:lnSpc>
+                <a:spcPct val="115000"/>
+              </a:lnSpc>
+              <a:spcBef>
+                <a:spcPts val="1600"/>
+              </a:spcBef>
+              <a:spcAft>
+                <a:spcPts val="0"/>
+              </a:spcAft>
+              <a:buClr>
+                <a:schemeClr val="accent1"/>
+              </a:buClr>
+              <a:buSzPts val="1100"/>
+              <a:buFont typeface="Lato"/>
+              <a:buChar char="○"/>
+              <a:defRPr sz="1100" b="0" i="0" u="none" strike="noStrike" cap="none">
+                <a:solidFill>
+                  <a:schemeClr val="accent1"/>
+                </a:solidFill>
+                <a:latin typeface="Lato"/>
+                <a:ea typeface="Lato"/>
+                <a:cs typeface="Lato"/>
+                <a:sym typeface="Lato"/>
+              </a:defRPr>
+            </a:lvl5pPr>
+            <a:lvl6pPr marL="2743200" marR="0" lvl="5" indent="-298450" algn="l" rtl="0">
+              <a:lnSpc>
+                <a:spcPct val="115000"/>
+              </a:lnSpc>
+              <a:spcBef>
+                <a:spcPts val="1600"/>
+              </a:spcBef>
+              <a:spcAft>
+                <a:spcPts val="0"/>
+              </a:spcAft>
+              <a:buClr>
+                <a:schemeClr val="accent1"/>
+              </a:buClr>
+              <a:buSzPts val="1100"/>
+              <a:buFont typeface="Lato"/>
+              <a:buChar char="■"/>
+              <a:defRPr sz="1100" b="0" i="0" u="none" strike="noStrike" cap="none">
+                <a:solidFill>
+                  <a:schemeClr val="accent1"/>
+                </a:solidFill>
+                <a:latin typeface="Lato"/>
+                <a:ea typeface="Lato"/>
+                <a:cs typeface="Lato"/>
+                <a:sym typeface="Lato"/>
+              </a:defRPr>
+            </a:lvl6pPr>
+            <a:lvl7pPr marL="3200400" marR="0" lvl="6" indent="-298450" algn="l" rtl="0">
+              <a:lnSpc>
+                <a:spcPct val="115000"/>
+              </a:lnSpc>
+              <a:spcBef>
+                <a:spcPts val="1600"/>
+              </a:spcBef>
+              <a:spcAft>
+                <a:spcPts val="0"/>
+              </a:spcAft>
+              <a:buClr>
+                <a:schemeClr val="accent1"/>
+              </a:buClr>
+              <a:buSzPts val="1100"/>
+              <a:buFont typeface="Lato"/>
+              <a:buChar char="●"/>
+              <a:defRPr sz="1100" b="0" i="0" u="none" strike="noStrike" cap="none">
+                <a:solidFill>
+                  <a:schemeClr val="accent1"/>
+                </a:solidFill>
+                <a:latin typeface="Lato"/>
+                <a:ea typeface="Lato"/>
+                <a:cs typeface="Lato"/>
+                <a:sym typeface="Lato"/>
+              </a:defRPr>
+            </a:lvl7pPr>
+            <a:lvl8pPr marL="3657600" marR="0" lvl="7" indent="-298450" algn="l" rtl="0">
+              <a:lnSpc>
+                <a:spcPct val="115000"/>
+              </a:lnSpc>
+              <a:spcBef>
+                <a:spcPts val="1600"/>
+              </a:spcBef>
+              <a:spcAft>
+                <a:spcPts val="0"/>
+              </a:spcAft>
+              <a:buClr>
+                <a:schemeClr val="accent1"/>
+              </a:buClr>
+              <a:buSzPts val="1100"/>
+              <a:buFont typeface="Lato"/>
+              <a:buChar char="○"/>
+              <a:defRPr sz="1100" b="0" i="0" u="none" strike="noStrike" cap="none">
+                <a:solidFill>
+                  <a:schemeClr val="accent1"/>
+                </a:solidFill>
+                <a:latin typeface="Lato"/>
+                <a:ea typeface="Lato"/>
+                <a:cs typeface="Lato"/>
+                <a:sym typeface="Lato"/>
+              </a:defRPr>
+            </a:lvl8pPr>
+            <a:lvl9pPr marL="4114800" marR="0" lvl="8" indent="-298450" algn="l" rtl="0">
+              <a:lnSpc>
+                <a:spcPct val="115000"/>
+              </a:lnSpc>
+              <a:spcBef>
+                <a:spcPts val="1600"/>
+              </a:spcBef>
+              <a:spcAft>
+                <a:spcPts val="1600"/>
+              </a:spcAft>
+              <a:buClr>
+                <a:schemeClr val="accent1"/>
+              </a:buClr>
+              <a:buSzPts val="1100"/>
+              <a:buFont typeface="Lato"/>
+              <a:buChar char="■"/>
+              <a:defRPr sz="1100" b="0" i="0" u="none" strike="noStrike" cap="none">
+                <a:solidFill>
+                  <a:schemeClr val="accent1"/>
+                </a:solidFill>
+                <a:latin typeface="Lato"/>
+                <a:ea typeface="Lato"/>
+                <a:cs typeface="Lato"/>
+                <a:sym typeface="Lato"/>
+              </a:defRPr>
+            </a:lvl9pPr>
+          </a:lstStyle>
+          <a:p>
+            <a:pPr marL="146050" indent="0">
+              <a:buNone/>
+            </a:pPr>
+            <a:r>
+              <a:rPr lang="en-US" dirty="0"/>
+              <a:t>Month seems to impact whether a client will resubscribe to a term deposit </a:t>
+            </a:r>
+          </a:p>
+          <a:p>
+            <a:pPr marL="146050" indent="0">
+              <a:buNone/>
+            </a:pPr>
+            <a:endParaRPr lang="en-US" dirty="0"/>
+          </a:p>
+          <a:p>
+            <a:r>
+              <a:rPr lang="en-US" dirty="0"/>
+              <a:t>September, October, December, and March seem to have almost half the clients resubscribe to a term deposit </a:t>
+            </a:r>
+          </a:p>
+          <a:p>
+            <a:r>
+              <a:rPr lang="en-US" dirty="0"/>
+              <a:t>The rest of the months have </a:t>
+            </a:r>
+            <a:r>
+              <a:rPr lang="en-US"/>
+              <a:t>less than </a:t>
+            </a:r>
+            <a:r>
+              <a:rPr lang="en-US" dirty="0"/>
+              <a:t>25% rate of resubscribing to a term deposit </a:t>
+            </a:r>
+          </a:p>
+          <a:p>
+            <a:endParaRPr lang="en-US" dirty="0"/>
+          </a:p>
+        </p:txBody>
+      </p:sp>
+      <p:pic>
+        <p:nvPicPr>
+          <p:cNvPr id="6" name="Picture 5">
+            <a:extLst>
+              <a:ext uri="{FF2B5EF4-FFF2-40B4-BE49-F238E27FC236}">
+                <a16:creationId xmlns:a16="http://schemas.microsoft.com/office/drawing/2014/main" id="{92F350EB-A179-C072-4BB8-1935AE3A0486}"/>
+              </a:ext>
+            </a:extLst>
+          </p:cNvPr>
+          <p:cNvPicPr>
+            <a:picLocks noChangeAspect="1"/>
+          </p:cNvPicPr>
+          <p:nvPr/>
+        </p:nvPicPr>
+        <p:blipFill>
+          <a:blip r:embed="rId4"/>
+          <a:stretch>
+            <a:fillRect/>
+          </a:stretch>
+        </p:blipFill>
+        <p:spPr>
+          <a:xfrm>
+            <a:off x="3728898" y="1417194"/>
+            <a:ext cx="5478173" cy="3382357"/>
+          </a:xfrm>
+          <a:prstGeom prst="rect">
+            <a:avLst/>
+          </a:prstGeom>
+        </p:spPr>
+      </p:pic>
+    </p:spTree>
+    <p:custDataLst>
+      <p:tags r:id="rId1"/>
+    </p:custDataLst>
+    <p:extLst>
+      <p:ext uri="{BB962C8B-B14F-4D97-AF65-F5344CB8AC3E}">
+        <p14:creationId xmlns:p14="http://schemas.microsoft.com/office/powerpoint/2010/main" val="3004351000"/>
+      </p:ext>
+    </p:extLst>
+  </p:cSld>
+  <p:clrMapOvr>
+    <a:masterClrMapping/>
+  </p:clrMapOvr>
+</p:sld>
+</file>
+
+<file path=ppt/slides/slide11.xml><?xml version="1.0" encoding="utf-8"?>
+<p:sld xmlns:a="http://schemas.openxmlformats.org/drawingml/2006/main" xmlns:r="http://schemas.openxmlformats.org/officeDocument/2006/relationships" xmlns:p="http://schemas.openxmlformats.org/presentationml/2006/main">
+  <p:cSld>
+    <p:spTree>
+      <p:nvGrpSpPr>
+        <p:cNvPr id="1" name=""/>
+        <p:cNvGrpSpPr/>
+        <p:nvPr/>
+      </p:nvGrpSpPr>
+      <p:grpSpPr>
+        <a:xfrm>
+          <a:off x="0" y="0"/>
+          <a:ext cx="0" cy="0"/>
+          <a:chOff x="0" y="0"/>
+          <a:chExt cx="0" cy="0"/>
+        </a:xfrm>
+      </p:grpSpPr>
+      <p:sp>
+        <p:nvSpPr>
+          <p:cNvPr id="2" name="Title 1">
+            <a:extLst>
+              <a:ext uri="{FF2B5EF4-FFF2-40B4-BE49-F238E27FC236}">
+                <a16:creationId xmlns:a16="http://schemas.microsoft.com/office/drawing/2014/main" id="{D1544AB8-4CAC-56EE-6EF0-25499C370501}"/>
+              </a:ext>
+            </a:extLst>
+          </p:cNvPr>
+          <p:cNvSpPr>
+            <a:spLocks noGrp="1"/>
+          </p:cNvSpPr>
+          <p:nvPr>
+            <p:ph type="ctrTitle"/>
+          </p:nvPr>
+        </p:nvSpPr>
+        <p:spPr/>
+        <p:txBody>
+          <a:bodyPr/>
+          <a:lstStyle/>
+          <a:p>
+            <a:r>
+              <a:rPr lang="en-US" dirty="0"/>
+              <a:t>Objective 1</a:t>
+            </a:r>
+          </a:p>
+        </p:txBody>
+      </p:sp>
+    </p:spTree>
+    <p:extLst>
+      <p:ext uri="{BB962C8B-B14F-4D97-AF65-F5344CB8AC3E}">
+        <p14:creationId xmlns:p14="http://schemas.microsoft.com/office/powerpoint/2010/main" val="3764461431"/>
+      </p:ext>
+    </p:extLst>
+  </p:cSld>
+  <p:clrMapOvr>
+    <a:masterClrMapping/>
+  </p:clrMapOvr>
+</p:sld>
+</file>
+
+<file path=ppt/slides/slide12.xml><?xml version="1.0" encoding="utf-8"?>
+<p:sld xmlns:a="http://schemas.openxmlformats.org/drawingml/2006/main" xmlns:r="http://schemas.openxmlformats.org/officeDocument/2006/relationships" xmlns:p="http://schemas.openxmlformats.org/presentationml/2006/main">
+  <p:cSld>
+    <p:spTree>
+      <p:nvGrpSpPr>
+        <p:cNvPr id="1" name=""/>
+        <p:cNvGrpSpPr/>
+        <p:nvPr/>
+      </p:nvGrpSpPr>
+      <p:grpSpPr>
+        <a:xfrm>
+          <a:off x="0" y="0"/>
+          <a:ext cx="0" cy="0"/>
+          <a:chOff x="0" y="0"/>
+          <a:chExt cx="0" cy="0"/>
+        </a:xfrm>
+      </p:grpSpPr>
+      <p:sp>
+        <p:nvSpPr>
+          <p:cNvPr id="2" name="Text Placeholder 1">
+            <a:extLst>
+              <a:ext uri="{FF2B5EF4-FFF2-40B4-BE49-F238E27FC236}">
+                <a16:creationId xmlns:a16="http://schemas.microsoft.com/office/drawing/2014/main" id="{8B170740-DB3F-076A-A2D2-9555F51D2D32}"/>
+              </a:ext>
+            </a:extLst>
+          </p:cNvPr>
+          <p:cNvSpPr>
+            <a:spLocks noGrp="1"/>
+          </p:cNvSpPr>
+          <p:nvPr>
+            <p:ph type="body" idx="1"/>
+          </p:nvPr>
+        </p:nvSpPr>
+        <p:spPr>
+          <a:xfrm>
+            <a:off x="729450" y="726744"/>
+            <a:ext cx="7688700" cy="1034400"/>
+          </a:xfrm>
+        </p:spPr>
+        <p:txBody>
+          <a:bodyPr/>
+          <a:lstStyle/>
+          <a:p>
+            <a:pPr marL="146050" indent="0">
+              <a:buNone/>
+            </a:pPr>
+            <a:r>
+              <a:rPr kumimoji="0" lang="en-US" sz="2600" b="1" i="0" u="none" strike="noStrike" kern="0" cap="none" spc="0" normalizeH="0" baseline="0" noProof="0" dirty="0">
+                <a:ln>
+                  <a:noFill/>
+                </a:ln>
+                <a:solidFill>
+                  <a:srgbClr val="1A1A1A"/>
+                </a:solidFill>
+                <a:effectLst/>
+                <a:uLnTx/>
+                <a:uFillTx/>
+                <a:latin typeface="Raleway"/>
+                <a:sym typeface="Raleway"/>
+              </a:rPr>
               <a:t>Objective 1</a:t>
             </a:r>
           </a:p>
@@ -11801,7 +12550,7 @@
 </p:sld>
 </file>
 
-<file path=ppt/slides/slide11.xml><?xml version="1.0" encoding="utf-8"?>
+<file path=ppt/slides/slide13.xml><?xml version="1.0" encoding="utf-8"?>
 <p:sld xmlns:a="http://schemas.openxmlformats.org/drawingml/2006/main" xmlns:r="http://schemas.openxmlformats.org/officeDocument/2006/relationships" xmlns:p="http://schemas.openxmlformats.org/presentationml/2006/main">
   <p:cSld>
     <p:spTree>
@@ -12578,7 +13327,7 @@
 </p:sld>
 </file>
 
-<file path=ppt/slides/slide12.xml><?xml version="1.0" encoding="utf-8"?>
+<file path=ppt/slides/slide14.xml><?xml version="1.0" encoding="utf-8"?>
 <p:sld xmlns:a="http://schemas.openxmlformats.org/drawingml/2006/main" xmlns:r="http://schemas.openxmlformats.org/officeDocument/2006/relationships" xmlns:p="http://schemas.openxmlformats.org/presentationml/2006/main">
   <p:cSld>
     <p:spTree>
@@ -13027,7 +13776,7 @@
 </p:sld>
 </file>
 
-<file path=ppt/slides/slide13.xml><?xml version="1.0" encoding="utf-8"?>
+<file path=ppt/slides/slide15.xml><?xml version="1.0" encoding="utf-8"?>
 <p:sld xmlns:a="http://schemas.openxmlformats.org/drawingml/2006/main" xmlns:r="http://schemas.openxmlformats.org/officeDocument/2006/relationships" xmlns:p="http://schemas.openxmlformats.org/presentationml/2006/main">
   <p:cSld>
     <p:spTree>
@@ -13524,7 +14273,7 @@
 </p:sld>
 </file>
 
-<file path=ppt/slides/slide14.xml><?xml version="1.0" encoding="utf-8"?>
+<file path=ppt/slides/slide16.xml><?xml version="1.0" encoding="utf-8"?>
 <p:sld xmlns:a="http://schemas.openxmlformats.org/drawingml/2006/main" xmlns:r="http://schemas.openxmlformats.org/officeDocument/2006/relationships" xmlns:p="http://schemas.openxmlformats.org/presentationml/2006/main">
   <p:cSld>
     <p:spTree>
@@ -13582,7 +14331,7 @@
 </p:sld>
 </file>
 
-<file path=ppt/slides/slide15.xml><?xml version="1.0" encoding="utf-8"?>
+<file path=ppt/slides/slide17.xml><?xml version="1.0" encoding="utf-8"?>
 <p:sld xmlns:a="http://schemas.openxmlformats.org/drawingml/2006/main" xmlns:r="http://schemas.openxmlformats.org/officeDocument/2006/relationships" xmlns:p="http://schemas.openxmlformats.org/presentationml/2006/main">
   <p:cSld>
     <p:spTree>
@@ -16393,10 +17142,10 @@
       </p:grpSpPr>
       <p:sp>
         <p:nvSpPr>
-          <p:cNvPr id="2" name="Title 1">
+          <p:cNvPr id="2" name="Text Placeholder 1">
             <a:extLst>
               <a:ext uri="{FF2B5EF4-FFF2-40B4-BE49-F238E27FC236}">
-                <a16:creationId xmlns:a16="http://schemas.microsoft.com/office/drawing/2014/main" id="{D1544AB8-4CAC-56EE-6EF0-25499C370501}"/>
+                <a16:creationId xmlns:a16="http://schemas.microsoft.com/office/drawing/2014/main" id="{8B170740-DB3F-076A-A2D2-9555F51D2D32}"/>
               </a:ext>
             </a:extLst>
           </p:cNvPr>
@@ -16404,25 +17153,400 @@
             <a:spLocks noGrp="1"/>
           </p:cNvSpPr>
           <p:nvPr>
-            <p:ph type="ctrTitle"/>
+            <p:ph type="body" idx="1"/>
           </p:nvPr>
         </p:nvSpPr>
-        <p:spPr/>
+        <p:spPr>
+          <a:xfrm>
+            <a:off x="729450" y="726744"/>
+            <a:ext cx="7688700" cy="1034400"/>
+          </a:xfrm>
+        </p:spPr>
         <p:txBody>
           <a:bodyPr/>
           <a:lstStyle/>
           <a:p>
+            <a:pPr marL="146050" indent="0">
+              <a:buNone/>
+            </a:pPr>
             <a:r>
-              <a:rPr lang="en-US" dirty="0"/>
-              <a:t>Objective 1</a:t>
+              <a:rPr kumimoji="0" lang="en-US" sz="2600" b="1" i="0" u="none" strike="noStrike" kern="0" cap="none" spc="0" normalizeH="0" baseline="0" noProof="0" dirty="0">
+                <a:ln>
+                  <a:noFill/>
+                </a:ln>
+                <a:solidFill>
+                  <a:srgbClr val="1A1A1A"/>
+                </a:solidFill>
+                <a:effectLst/>
+                <a:uLnTx/>
+                <a:uFillTx/>
+                <a:latin typeface="Raleway"/>
+                <a:sym typeface="Raleway"/>
+              </a:rPr>
+              <a:t>Exploratory Data Analysis</a:t>
+            </a:r>
+          </a:p>
+          <a:p>
+            <a:pPr marL="146050" indent="0">
+              <a:buNone/>
+            </a:pPr>
+            <a:r>
+              <a:rPr lang="en-US" dirty="0">
+                <a:solidFill>
+                  <a:schemeClr val="bg1">
+                    <a:lumMod val="65000"/>
+                  </a:schemeClr>
+                </a:solidFill>
+              </a:rPr>
+              <a:t>Relationship between Previous Outcome and Y</a:t>
             </a:r>
           </a:p>
         </p:txBody>
       </p:sp>
+      <p:sp>
+        <p:nvSpPr>
+          <p:cNvPr id="8" name="Text Placeholder 2">
+            <a:extLst>
+              <a:ext uri="{FF2B5EF4-FFF2-40B4-BE49-F238E27FC236}">
+                <a16:creationId xmlns:a16="http://schemas.microsoft.com/office/drawing/2014/main" id="{3B13F08B-AEE4-4C95-21B6-8DF753ECA5AD}"/>
+              </a:ext>
+            </a:extLst>
+          </p:cNvPr>
+          <p:cNvSpPr txBox="1">
+            <a:spLocks/>
+          </p:cNvSpPr>
+          <p:nvPr/>
+        </p:nvSpPr>
+        <p:spPr>
+          <a:xfrm>
+            <a:off x="439814" y="1974829"/>
+            <a:ext cx="3367978" cy="332143"/>
+          </a:xfrm>
+          <a:prstGeom prst="rect">
+            <a:avLst/>
+          </a:prstGeom>
+          <a:noFill/>
+          <a:ln>
+            <a:noFill/>
+          </a:ln>
+        </p:spPr>
+        <p:txBody>
+          <a:bodyPr spcFirstLastPara="1" wrap="square" lIns="91425" tIns="91425" rIns="91425" bIns="91425" anchor="t" anchorCtr="0">
+            <a:noAutofit/>
+          </a:bodyPr>
+          <a:lstStyle>
+            <a:defPPr marR="0" lvl="0" algn="l" rtl="0">
+              <a:lnSpc>
+                <a:spcPct val="100000"/>
+              </a:lnSpc>
+              <a:spcBef>
+                <a:spcPts val="0"/>
+              </a:spcBef>
+              <a:spcAft>
+                <a:spcPts val="0"/>
+              </a:spcAft>
+            </a:defPPr>
+            <a:lvl1pPr marL="457200" marR="0" lvl="0" indent="-311150" algn="l" rtl="0">
+              <a:lnSpc>
+                <a:spcPct val="115000"/>
+              </a:lnSpc>
+              <a:spcBef>
+                <a:spcPts val="0"/>
+              </a:spcBef>
+              <a:spcAft>
+                <a:spcPts val="0"/>
+              </a:spcAft>
+              <a:buClr>
+                <a:schemeClr val="accent1"/>
+              </a:buClr>
+              <a:buSzPts val="1300"/>
+              <a:buFont typeface="Lato"/>
+              <a:buChar char="●"/>
+              <a:defRPr sz="1300" b="0" i="0" u="none" strike="noStrike" cap="none">
+                <a:solidFill>
+                  <a:schemeClr val="accent1"/>
+                </a:solidFill>
+                <a:latin typeface="Lato"/>
+                <a:ea typeface="Lato"/>
+                <a:cs typeface="Lato"/>
+                <a:sym typeface="Lato"/>
+              </a:defRPr>
+            </a:lvl1pPr>
+            <a:lvl2pPr marL="914400" marR="0" lvl="1" indent="-298450" algn="l" rtl="0">
+              <a:lnSpc>
+                <a:spcPct val="115000"/>
+              </a:lnSpc>
+              <a:spcBef>
+                <a:spcPts val="1600"/>
+              </a:spcBef>
+              <a:spcAft>
+                <a:spcPts val="0"/>
+              </a:spcAft>
+              <a:buClr>
+                <a:schemeClr val="accent1"/>
+              </a:buClr>
+              <a:buSzPts val="1100"/>
+              <a:buFont typeface="Lato"/>
+              <a:buChar char="○"/>
+              <a:defRPr sz="1100" b="0" i="0" u="none" strike="noStrike" cap="none">
+                <a:solidFill>
+                  <a:schemeClr val="accent1"/>
+                </a:solidFill>
+                <a:latin typeface="Lato"/>
+                <a:ea typeface="Lato"/>
+                <a:cs typeface="Lato"/>
+                <a:sym typeface="Lato"/>
+              </a:defRPr>
+            </a:lvl2pPr>
+            <a:lvl3pPr marL="1371600" marR="0" lvl="2" indent="-298450" algn="l" rtl="0">
+              <a:lnSpc>
+                <a:spcPct val="115000"/>
+              </a:lnSpc>
+              <a:spcBef>
+                <a:spcPts val="1600"/>
+              </a:spcBef>
+              <a:spcAft>
+                <a:spcPts val="0"/>
+              </a:spcAft>
+              <a:buClr>
+                <a:schemeClr val="accent1"/>
+              </a:buClr>
+              <a:buSzPts val="1100"/>
+              <a:buFont typeface="Lato"/>
+              <a:buChar char="■"/>
+              <a:defRPr sz="1100" b="0" i="0" u="none" strike="noStrike" cap="none">
+                <a:solidFill>
+                  <a:schemeClr val="accent1"/>
+                </a:solidFill>
+                <a:latin typeface="Lato"/>
+                <a:ea typeface="Lato"/>
+                <a:cs typeface="Lato"/>
+                <a:sym typeface="Lato"/>
+              </a:defRPr>
+            </a:lvl3pPr>
+            <a:lvl4pPr marL="1828800" marR="0" lvl="3" indent="-298450" algn="l" rtl="0">
+              <a:lnSpc>
+                <a:spcPct val="115000"/>
+              </a:lnSpc>
+              <a:spcBef>
+                <a:spcPts val="1600"/>
+              </a:spcBef>
+              <a:spcAft>
+                <a:spcPts val="0"/>
+              </a:spcAft>
+              <a:buClr>
+                <a:schemeClr val="accent1"/>
+              </a:buClr>
+              <a:buSzPts val="1100"/>
+              <a:buFont typeface="Lato"/>
+              <a:buChar char="●"/>
+              <a:defRPr sz="1100" b="0" i="0" u="none" strike="noStrike" cap="none">
+                <a:solidFill>
+                  <a:schemeClr val="accent1"/>
+                </a:solidFill>
+                <a:latin typeface="Lato"/>
+                <a:ea typeface="Lato"/>
+                <a:cs typeface="Lato"/>
+                <a:sym typeface="Lato"/>
+              </a:defRPr>
+            </a:lvl4pPr>
+            <a:lvl5pPr marL="2286000" marR="0" lvl="4" indent="-298450" algn="l" rtl="0">
+              <a:lnSpc>
+                <a:spcPct val="115000"/>
+              </a:lnSpc>
+              <a:spcBef>
+                <a:spcPts val="1600"/>
+              </a:spcBef>
+              <a:spcAft>
+                <a:spcPts val="0"/>
+              </a:spcAft>
+              <a:buClr>
+                <a:schemeClr val="accent1"/>
+              </a:buClr>
+              <a:buSzPts val="1100"/>
+              <a:buFont typeface="Lato"/>
+              <a:buChar char="○"/>
+              <a:defRPr sz="1100" b="0" i="0" u="none" strike="noStrike" cap="none">
+                <a:solidFill>
+                  <a:schemeClr val="accent1"/>
+                </a:solidFill>
+                <a:latin typeface="Lato"/>
+                <a:ea typeface="Lato"/>
+                <a:cs typeface="Lato"/>
+                <a:sym typeface="Lato"/>
+              </a:defRPr>
+            </a:lvl5pPr>
+            <a:lvl6pPr marL="2743200" marR="0" lvl="5" indent="-298450" algn="l" rtl="0">
+              <a:lnSpc>
+                <a:spcPct val="115000"/>
+              </a:lnSpc>
+              <a:spcBef>
+                <a:spcPts val="1600"/>
+              </a:spcBef>
+              <a:spcAft>
+                <a:spcPts val="0"/>
+              </a:spcAft>
+              <a:buClr>
+                <a:schemeClr val="accent1"/>
+              </a:buClr>
+              <a:buSzPts val="1100"/>
+              <a:buFont typeface="Lato"/>
+              <a:buChar char="■"/>
+              <a:defRPr sz="1100" b="0" i="0" u="none" strike="noStrike" cap="none">
+                <a:solidFill>
+                  <a:schemeClr val="accent1"/>
+                </a:solidFill>
+                <a:latin typeface="Lato"/>
+                <a:ea typeface="Lato"/>
+                <a:cs typeface="Lato"/>
+                <a:sym typeface="Lato"/>
+              </a:defRPr>
+            </a:lvl6pPr>
+            <a:lvl7pPr marL="3200400" marR="0" lvl="6" indent="-298450" algn="l" rtl="0">
+              <a:lnSpc>
+                <a:spcPct val="115000"/>
+              </a:lnSpc>
+              <a:spcBef>
+                <a:spcPts val="1600"/>
+              </a:spcBef>
+              <a:spcAft>
+                <a:spcPts val="0"/>
+              </a:spcAft>
+              <a:buClr>
+                <a:schemeClr val="accent1"/>
+              </a:buClr>
+              <a:buSzPts val="1100"/>
+              <a:buFont typeface="Lato"/>
+              <a:buChar char="●"/>
+              <a:defRPr sz="1100" b="0" i="0" u="none" strike="noStrike" cap="none">
+                <a:solidFill>
+                  <a:schemeClr val="accent1"/>
+                </a:solidFill>
+                <a:latin typeface="Lato"/>
+                <a:ea typeface="Lato"/>
+                <a:cs typeface="Lato"/>
+                <a:sym typeface="Lato"/>
+              </a:defRPr>
+            </a:lvl7pPr>
+            <a:lvl8pPr marL="3657600" marR="0" lvl="7" indent="-298450" algn="l" rtl="0">
+              <a:lnSpc>
+                <a:spcPct val="115000"/>
+              </a:lnSpc>
+              <a:spcBef>
+                <a:spcPts val="1600"/>
+              </a:spcBef>
+              <a:spcAft>
+                <a:spcPts val="0"/>
+              </a:spcAft>
+              <a:buClr>
+                <a:schemeClr val="accent1"/>
+              </a:buClr>
+              <a:buSzPts val="1100"/>
+              <a:buFont typeface="Lato"/>
+              <a:buChar char="○"/>
+              <a:defRPr sz="1100" b="0" i="0" u="none" strike="noStrike" cap="none">
+                <a:solidFill>
+                  <a:schemeClr val="accent1"/>
+                </a:solidFill>
+                <a:latin typeface="Lato"/>
+                <a:ea typeface="Lato"/>
+                <a:cs typeface="Lato"/>
+                <a:sym typeface="Lato"/>
+              </a:defRPr>
+            </a:lvl8pPr>
+            <a:lvl9pPr marL="4114800" marR="0" lvl="8" indent="-298450" algn="l" rtl="0">
+              <a:lnSpc>
+                <a:spcPct val="115000"/>
+              </a:lnSpc>
+              <a:spcBef>
+                <a:spcPts val="1600"/>
+              </a:spcBef>
+              <a:spcAft>
+                <a:spcPts val="1600"/>
+              </a:spcAft>
+              <a:buClr>
+                <a:schemeClr val="accent1"/>
+              </a:buClr>
+              <a:buSzPts val="1100"/>
+              <a:buFont typeface="Lato"/>
+              <a:buChar char="■"/>
+              <a:defRPr sz="1100" b="0" i="0" u="none" strike="noStrike" cap="none">
+                <a:solidFill>
+                  <a:schemeClr val="accent1"/>
+                </a:solidFill>
+                <a:latin typeface="Lato"/>
+                <a:ea typeface="Lato"/>
+                <a:cs typeface="Lato"/>
+                <a:sym typeface="Lato"/>
+              </a:defRPr>
+            </a:lvl9pPr>
+          </a:lstStyle>
+          <a:p>
+            <a:pPr marL="146050" indent="0">
+              <a:buNone/>
+            </a:pPr>
+            <a:r>
+              <a:rPr lang="en-US" dirty="0"/>
+              <a:t>The “success” category in Previous outcome is significantly more likely to have another success </a:t>
+            </a:r>
+          </a:p>
+          <a:p>
+            <a:pPr marL="146050" indent="0">
+              <a:buNone/>
+            </a:pPr>
+            <a:endParaRPr lang="en-US" dirty="0"/>
+          </a:p>
+          <a:p>
+            <a:r>
+              <a:rPr lang="en-US" dirty="0"/>
+              <a:t>Around 65% are likely to have another success </a:t>
+            </a:r>
+          </a:p>
+          <a:p>
+            <a:r>
+              <a:rPr lang="en-US" dirty="0"/>
+              <a:t>Compared to the other categories which have less than 25% likely to have a success </a:t>
+            </a:r>
+          </a:p>
+        </p:txBody>
+      </p:sp>
+      <p:pic>
+        <p:nvPicPr>
+          <p:cNvPr id="6" name="Picture 5">
+            <a:extLst>
+              <a:ext uri="{FF2B5EF4-FFF2-40B4-BE49-F238E27FC236}">
+                <a16:creationId xmlns:a16="http://schemas.microsoft.com/office/drawing/2014/main" id="{A69CA1BE-4C1B-E253-6B46-329807C1BD0B}"/>
+              </a:ext>
+            </a:extLst>
+          </p:cNvPr>
+          <p:cNvPicPr>
+            <a:picLocks noChangeAspect="1"/>
+          </p:cNvPicPr>
+          <p:nvPr/>
+        </p:nvPicPr>
+        <p:blipFill>
+          <a:blip r:embed="rId4"/>
+          <a:stretch>
+            <a:fillRect/>
+          </a:stretch>
+        </p:blipFill>
+        <p:spPr>
+          <a:xfrm>
+            <a:off x="4195167" y="1761144"/>
+            <a:ext cx="4948833" cy="3054137"/>
+          </a:xfrm>
+          <a:prstGeom prst="rect">
+            <a:avLst/>
+          </a:prstGeom>
+        </p:spPr>
+      </p:pic>
     </p:spTree>
+    <p:custDataLst>
+      <p:tags r:id="rId1"/>
+    </p:custDataLst>
     <p:extLst>
       <p:ext uri="{BB962C8B-B14F-4D97-AF65-F5344CB8AC3E}">
-        <p14:creationId xmlns:p14="http://schemas.microsoft.com/office/powerpoint/2010/main" val="3764461431"/>
+        <p14:creationId xmlns:p14="http://schemas.microsoft.com/office/powerpoint/2010/main" val="3579624159"/>
       </p:ext>
     </p:extLst>
   </p:cSld>
@@ -16435,6 +17559,12 @@
 <file path=ppt/tags/tag1.xml><?xml version="1.0" encoding="utf-8"?>
 <p:tagLst xmlns:a="http://schemas.openxmlformats.org/drawingml/2006/main" xmlns:r="http://schemas.openxmlformats.org/officeDocument/2006/relationships" xmlns:p="http://schemas.openxmlformats.org/presentationml/2006/main">
   <p:tag name="TIMING" val="|4.4|8"/>
+</p:tagLst>
+</file>
+
+<file path=ppt/tags/tag10.xml><?xml version="1.0" encoding="utf-8"?>
+<p:tagLst xmlns:a="http://schemas.openxmlformats.org/drawingml/2006/main" xmlns:r="http://schemas.openxmlformats.org/officeDocument/2006/relationships" xmlns:p="http://schemas.openxmlformats.org/presentationml/2006/main">
+  <p:tag name="TIMING" val="|12.7|1.8|1|1.2|1.6|1.1|1.4|1.3|1.5|1.6|21.8"/>
 </p:tagLst>
 </file>
 
@@ -16458,13 +17588,13 @@
 
 <file path=ppt/tags/tag5.xml><?xml version="1.0" encoding="utf-8"?>
 <p:tagLst xmlns:a="http://schemas.openxmlformats.org/drawingml/2006/main" xmlns:r="http://schemas.openxmlformats.org/officeDocument/2006/relationships" xmlns:p="http://schemas.openxmlformats.org/presentationml/2006/main">
-  <p:tag name="TIMING" val="|12.7|1.8|1|1.2|1.6|1.1|1.4|1.3|1.5|1.6|21.8"/>
+  <p:tag name="TIMING" val="|3.2|4.7|2.3"/>
 </p:tagLst>
 </file>
 
 <file path=ppt/tags/tag6.xml><?xml version="1.0" encoding="utf-8"?>
 <p:tagLst xmlns:a="http://schemas.openxmlformats.org/drawingml/2006/main" xmlns:r="http://schemas.openxmlformats.org/officeDocument/2006/relationships" xmlns:p="http://schemas.openxmlformats.org/presentationml/2006/main">
-  <p:tag name="TIMING" val="|12.7|1.8|1|1.2|1.6|1.1|1.4|1.3|1.5|1.6|21.8"/>
+  <p:tag name="TIMING" val="|3.2|4.7|2.3"/>
 </p:tagLst>
 </file>
 
@@ -16475,6 +17605,12 @@
 </file>
 
 <file path=ppt/tags/tag8.xml><?xml version="1.0" encoding="utf-8"?>
+<p:tagLst xmlns:a="http://schemas.openxmlformats.org/drawingml/2006/main" xmlns:r="http://schemas.openxmlformats.org/officeDocument/2006/relationships" xmlns:p="http://schemas.openxmlformats.org/presentationml/2006/main">
+  <p:tag name="TIMING" val="|12.7|1.8|1|1.2|1.6|1.1|1.4|1.3|1.5|1.6|21.8"/>
+</p:tagLst>
+</file>
+
+<file path=ppt/tags/tag9.xml><?xml version="1.0" encoding="utf-8"?>
 <p:tagLst xmlns:a="http://schemas.openxmlformats.org/drawingml/2006/main" xmlns:r="http://schemas.openxmlformats.org/officeDocument/2006/relationships" xmlns:p="http://schemas.openxmlformats.org/presentationml/2006/main">
   <p:tag name="TIMING" val="|12.7|1.8|1|1.2|1.6|1.1|1.4|1.3|1.5|1.6|21.8"/>
 </p:tagLst>

--- a/Project2_Chang_Craus_Yule.pptx
+++ b/Project2_Chang_Craus_Yule.pptx
@@ -5,7 +5,7 @@
     <p:sldMasterId id="2147483664" r:id="rId1"/>
   </p:sldMasterIdLst>
   <p:notesMasterIdLst>
-    <p:notesMasterId r:id="rId19"/>
+    <p:notesMasterId r:id="rId20"/>
   </p:notesMasterIdLst>
   <p:sldIdLst>
     <p:sldId id="256" r:id="rId2"/>
@@ -18,30 +18,31 @@
     <p:sldId id="302" r:id="rId9"/>
     <p:sldId id="306" r:id="rId10"/>
     <p:sldId id="308" r:id="rId11"/>
-    <p:sldId id="293" r:id="rId12"/>
-    <p:sldId id="294" r:id="rId13"/>
-    <p:sldId id="303" r:id="rId14"/>
-    <p:sldId id="304" r:id="rId15"/>
-    <p:sldId id="305" r:id="rId16"/>
-    <p:sldId id="300" r:id="rId17"/>
-    <p:sldId id="275" r:id="rId18"/>
+    <p:sldId id="309" r:id="rId12"/>
+    <p:sldId id="293" r:id="rId13"/>
+    <p:sldId id="294" r:id="rId14"/>
+    <p:sldId id="303" r:id="rId15"/>
+    <p:sldId id="304" r:id="rId16"/>
+    <p:sldId id="305" r:id="rId17"/>
+    <p:sldId id="300" r:id="rId18"/>
+    <p:sldId id="275" r:id="rId19"/>
   </p:sldIdLst>
   <p:sldSz cx="9144000" cy="5143500" type="screen16x9"/>
   <p:notesSz cx="6858000" cy="9144000"/>
   <p:embeddedFontLst>
     <p:embeddedFont>
       <p:font typeface="Lato" panose="020F0502020204030203" pitchFamily="34" charset="0"/>
-      <p:regular r:id="rId20"/>
-      <p:bold r:id="rId21"/>
-      <p:italic r:id="rId22"/>
-      <p:boldItalic r:id="rId23"/>
+      <p:regular r:id="rId21"/>
+      <p:bold r:id="rId22"/>
+      <p:italic r:id="rId23"/>
+      <p:boldItalic r:id="rId24"/>
     </p:embeddedFont>
     <p:embeddedFont>
       <p:font typeface="Raleway" pitchFamily="2" charset="0"/>
-      <p:regular r:id="rId24"/>
-      <p:bold r:id="rId25"/>
-      <p:italic r:id="rId26"/>
-      <p:boldItalic r:id="rId27"/>
+      <p:regular r:id="rId25"/>
+      <p:bold r:id="rId26"/>
+      <p:italic r:id="rId27"/>
+      <p:boldItalic r:id="rId28"/>
     </p:embeddedFont>
   </p:embeddedFontLst>
   <p:defaultTextStyle>
@@ -295,7 +296,7 @@
 <file path=ppt/revisionInfo.xml><?xml version="1.0" encoding="utf-8"?>
 <p1510:revInfo xmlns:a="http://schemas.openxmlformats.org/drawingml/2006/main" xmlns:r="http://schemas.openxmlformats.org/officeDocument/2006/relationships" xmlns:p1510="http://schemas.microsoft.com/office/powerpoint/2015/10/main">
   <p1510:revLst>
-    <p1510:client id="{32165585-CB35-4C33-B919-9B0DD83E6E32}" v="7" dt="2023-04-10T20:49:30.756"/>
+    <p1510:client id="{32165585-CB35-4C33-B919-9B0DD83E6E32}" v="17" dt="2023-04-10T21:21:25.822"/>
   </p1510:revLst>
 </p1510:revInfo>
 </file>
@@ -305,7 +306,7 @@
   <pc:docChgLst>
     <pc:chgData name="Carolina Craus" userId="bae62b9d695bbdd6" providerId="LiveId" clId="{32165585-CB35-4C33-B919-9B0DD83E6E32}"/>
     <pc:docChg chg="custSel addSld delSld modSld sldOrd">
-      <pc:chgData name="Carolina Craus" userId="bae62b9d695bbdd6" providerId="LiveId" clId="{32165585-CB35-4C33-B919-9B0DD83E6E32}" dt="2023-04-10T20:54:32.530" v="724" actId="20577"/>
+      <pc:chgData name="Carolina Craus" userId="bae62b9d695bbdd6" providerId="LiveId" clId="{32165585-CB35-4C33-B919-9B0DD83E6E32}" dt="2023-04-10T21:22:36.190" v="875" actId="1076"/>
       <pc:docMkLst>
         <pc:docMk/>
       </pc:docMkLst>
@@ -391,6 +392,85 @@
             <pc:docMk/>
             <pc:sldMk cId="3004351000" sldId="308"/>
             <ac:picMk id="6" creationId="{92F350EB-A179-C072-4BB8-1935AE3A0486}"/>
+          </ac:picMkLst>
+        </pc:picChg>
+      </pc:sldChg>
+      <pc:sldChg chg="addSp delSp modSp add mod ord">
+        <pc:chgData name="Carolina Craus" userId="bae62b9d695bbdd6" providerId="LiveId" clId="{32165585-CB35-4C33-B919-9B0DD83E6E32}" dt="2023-04-10T21:22:36.190" v="875" actId="1076"/>
+        <pc:sldMkLst>
+          <pc:docMk/>
+          <pc:sldMk cId="2424990968" sldId="309"/>
+        </pc:sldMkLst>
+        <pc:spChg chg="mod">
+          <ac:chgData name="Carolina Craus" userId="bae62b9d695bbdd6" providerId="LiveId" clId="{32165585-CB35-4C33-B919-9B0DD83E6E32}" dt="2023-04-10T21:20:13.037" v="773" actId="20577"/>
+          <ac:spMkLst>
+            <pc:docMk/>
+            <pc:sldMk cId="2424990968" sldId="309"/>
+            <ac:spMk id="2" creationId="{8B170740-DB3F-076A-A2D2-9555F51D2D32}"/>
+          </ac:spMkLst>
+        </pc:spChg>
+        <pc:spChg chg="add del">
+          <ac:chgData name="Carolina Craus" userId="bae62b9d695bbdd6" providerId="LiveId" clId="{32165585-CB35-4C33-B919-9B0DD83E6E32}" dt="2023-04-10T21:20:05.960" v="766"/>
+          <ac:spMkLst>
+            <pc:docMk/>
+            <pc:sldMk cId="2424990968" sldId="309"/>
+            <ac:spMk id="3" creationId="{CB463F1C-6D75-7AF3-BC7F-EC47D9EC6780}"/>
+          </ac:spMkLst>
+        </pc:spChg>
+        <pc:spChg chg="add del">
+          <ac:chgData name="Carolina Craus" userId="bae62b9d695bbdd6" providerId="LiveId" clId="{32165585-CB35-4C33-B919-9B0DD83E6E32}" dt="2023-04-10T21:20:25.706" v="777"/>
+          <ac:spMkLst>
+            <pc:docMk/>
+            <pc:sldMk cId="2424990968" sldId="309"/>
+            <ac:spMk id="5" creationId="{1CA82C2F-4389-18F6-F24A-D5E2F991FF66}"/>
+          </ac:spMkLst>
+        </pc:spChg>
+        <pc:spChg chg="add del">
+          <ac:chgData name="Carolina Craus" userId="bae62b9d695bbdd6" providerId="LiveId" clId="{32165585-CB35-4C33-B919-9B0DD83E6E32}" dt="2023-04-10T21:20:44.219" v="782"/>
+          <ac:spMkLst>
+            <pc:docMk/>
+            <pc:sldMk cId="2424990968" sldId="309"/>
+            <ac:spMk id="7" creationId="{D7F791C7-1224-D5F8-0D7A-3C4A5B1AEC65}"/>
+          </ac:spMkLst>
+        </pc:spChg>
+        <pc:spChg chg="mod">
+          <ac:chgData name="Carolina Craus" userId="bae62b9d695bbdd6" providerId="LiveId" clId="{32165585-CB35-4C33-B919-9B0DD83E6E32}" dt="2023-04-10T21:19:55.932" v="764" actId="14100"/>
+          <ac:spMkLst>
+            <pc:docMk/>
+            <pc:sldMk cId="2424990968" sldId="309"/>
+            <ac:spMk id="8" creationId="{3B13F08B-AEE4-4C95-21B6-8DF753ECA5AD}"/>
+          </ac:spMkLst>
+        </pc:spChg>
+        <pc:spChg chg="add mod">
+          <ac:chgData name="Carolina Craus" userId="bae62b9d695bbdd6" providerId="LiveId" clId="{32165585-CB35-4C33-B919-9B0DD83E6E32}" dt="2023-04-10T21:22:36.190" v="875" actId="1076"/>
+          <ac:spMkLst>
+            <pc:docMk/>
+            <pc:sldMk cId="2424990968" sldId="309"/>
+            <ac:spMk id="10" creationId="{A12E1ABB-8023-4ADC-BEFB-5F1E561C4FE5}"/>
+          </ac:spMkLst>
+        </pc:spChg>
+        <pc:picChg chg="add del mod">
+          <ac:chgData name="Carolina Craus" userId="bae62b9d695bbdd6" providerId="LiveId" clId="{32165585-CB35-4C33-B919-9B0DD83E6E32}" dt="2023-04-10T21:20:16.822" v="775" actId="478"/>
+          <ac:picMkLst>
+            <pc:docMk/>
+            <pc:sldMk cId="2424990968" sldId="309"/>
+            <ac:picMk id="4" creationId="{45D9472E-4F57-96A9-D25A-5DD7CE68DF4D}"/>
+          </ac:picMkLst>
+        </pc:picChg>
+        <pc:picChg chg="add mod">
+          <ac:chgData name="Carolina Craus" userId="bae62b9d695bbdd6" providerId="LiveId" clId="{32165585-CB35-4C33-B919-9B0DD83E6E32}" dt="2023-04-10T21:20:52.090" v="786" actId="1076"/>
+          <ac:picMkLst>
+            <pc:docMk/>
+            <pc:sldMk cId="2424990968" sldId="309"/>
+            <ac:picMk id="6" creationId="{73580CB5-D47D-F7CE-5EC3-BF50DC366B5E}"/>
+          </ac:picMkLst>
+        </pc:picChg>
+        <pc:picChg chg="add mod">
+          <ac:chgData name="Carolina Craus" userId="bae62b9d695bbdd6" providerId="LiveId" clId="{32165585-CB35-4C33-B919-9B0DD83E6E32}" dt="2023-04-10T21:20:56.165" v="787" actId="1076"/>
+          <ac:picMkLst>
+            <pc:docMk/>
+            <pc:sldMk cId="2424990968" sldId="309"/>
+            <ac:picMk id="9" creationId="{AA4E9141-2AC9-294A-243D-B52BCE5A6F0C}"/>
           </ac:picMkLst>
         </pc:picChg>
       </pc:sldChg>
@@ -1072,7 +1152,7 @@
     </p:spTree>
     <p:extLst>
       <p:ext uri="{BB962C8B-B14F-4D97-AF65-F5344CB8AC3E}">
-        <p14:creationId xmlns:p14="http://schemas.microsoft.com/office/powerpoint/2010/main" val="3868119659"/>
+        <p14:creationId xmlns:p14="http://schemas.microsoft.com/office/powerpoint/2010/main" val="12658897"/>
       </p:ext>
     </p:extLst>
   </p:cSld>
@@ -1141,7 +1221,7 @@
     </p:spTree>
     <p:extLst>
       <p:ext uri="{BB962C8B-B14F-4D97-AF65-F5344CB8AC3E}">
-        <p14:creationId xmlns:p14="http://schemas.microsoft.com/office/powerpoint/2010/main" val="579046869"/>
+        <p14:creationId xmlns:p14="http://schemas.microsoft.com/office/powerpoint/2010/main" val="3868119659"/>
       </p:ext>
     </p:extLst>
   </p:cSld>
@@ -1210,7 +1290,7 @@
     </p:spTree>
     <p:extLst>
       <p:ext uri="{BB962C8B-B14F-4D97-AF65-F5344CB8AC3E}">
-        <p14:creationId xmlns:p14="http://schemas.microsoft.com/office/powerpoint/2010/main" val="1994813416"/>
+        <p14:creationId xmlns:p14="http://schemas.microsoft.com/office/powerpoint/2010/main" val="579046869"/>
       </p:ext>
     </p:extLst>
   </p:cSld>
@@ -1279,7 +1359,7 @@
     </p:spTree>
     <p:extLst>
       <p:ext uri="{BB962C8B-B14F-4D97-AF65-F5344CB8AC3E}">
-        <p14:creationId xmlns:p14="http://schemas.microsoft.com/office/powerpoint/2010/main" val="2131577643"/>
+        <p14:creationId xmlns:p14="http://schemas.microsoft.com/office/powerpoint/2010/main" val="1994813416"/>
       </p:ext>
     </p:extLst>
   </p:cSld>
@@ -1348,7 +1428,7 @@
     </p:spTree>
     <p:extLst>
       <p:ext uri="{BB962C8B-B14F-4D97-AF65-F5344CB8AC3E}">
-        <p14:creationId xmlns:p14="http://schemas.microsoft.com/office/powerpoint/2010/main" val="3189567172"/>
+        <p14:creationId xmlns:p14="http://schemas.microsoft.com/office/powerpoint/2010/main" val="2131577643"/>
       </p:ext>
     </p:extLst>
   </p:cSld>
@@ -1417,6 +1497,75 @@
     </p:spTree>
     <p:extLst>
       <p:ext uri="{BB962C8B-B14F-4D97-AF65-F5344CB8AC3E}">
+        <p14:creationId xmlns:p14="http://schemas.microsoft.com/office/powerpoint/2010/main" val="3189567172"/>
+      </p:ext>
+    </p:extLst>
+  </p:cSld>
+  <p:clrMapOvr>
+    <a:masterClrMapping/>
+  </p:clrMapOvr>
+</p:notes>
+</file>
+
+<file path=ppt/notesSlides/notesSlide17.xml><?xml version="1.0" encoding="utf-8"?>
+<p:notes xmlns:a="http://schemas.openxmlformats.org/drawingml/2006/main" xmlns:r="http://schemas.openxmlformats.org/officeDocument/2006/relationships" xmlns:p="http://schemas.openxmlformats.org/presentationml/2006/main">
+  <p:cSld>
+    <p:spTree>
+      <p:nvGrpSpPr>
+        <p:cNvPr id="1" name=""/>
+        <p:cNvGrpSpPr/>
+        <p:nvPr/>
+      </p:nvGrpSpPr>
+      <p:grpSpPr>
+        <a:xfrm>
+          <a:off x="0" y="0"/>
+          <a:ext cx="0" cy="0"/>
+          <a:chOff x="0" y="0"/>
+          <a:chExt cx="0" cy="0"/>
+        </a:xfrm>
+      </p:grpSpPr>
+      <p:sp>
+        <p:nvSpPr>
+          <p:cNvPr id="2" name="Slide Image Placeholder 1"/>
+          <p:cNvSpPr>
+            <a:spLocks noGrp="1" noRot="1" noChangeAspect="1"/>
+          </p:cNvSpPr>
+          <p:nvPr>
+            <p:ph type="sldImg"/>
+          </p:nvPr>
+        </p:nvSpPr>
+        <p:spPr>
+          <a:xfrm>
+            <a:off x="381000" y="685800"/>
+            <a:ext cx="6096000" cy="3429000"/>
+          </a:xfrm>
+        </p:spPr>
+      </p:sp>
+      <p:sp>
+        <p:nvSpPr>
+          <p:cNvPr id="3" name="Notes Placeholder 2"/>
+          <p:cNvSpPr>
+            <a:spLocks noGrp="1"/>
+          </p:cNvSpPr>
+          <p:nvPr>
+            <p:ph type="body" idx="1"/>
+          </p:nvPr>
+        </p:nvSpPr>
+        <p:spPr/>
+        <p:txBody>
+          <a:bodyPr/>
+          <a:lstStyle/>
+          <a:p>
+            <a:pPr marL="139700" indent="0">
+              <a:buNone/>
+            </a:pPr>
+            <a:endParaRPr lang="en-US" dirty="0"/>
+          </a:p>
+        </p:txBody>
+      </p:sp>
+    </p:spTree>
+    <p:extLst>
+      <p:ext uri="{BB962C8B-B14F-4D97-AF65-F5344CB8AC3E}">
         <p14:creationId xmlns:p14="http://schemas.microsoft.com/office/powerpoint/2010/main" val="1238886777"/>
       </p:ext>
     </p:extLst>
@@ -1427,7 +1576,7 @@
 </p:notes>
 </file>
 
-<file path=ppt/notesSlides/notesSlide17.xml><?xml version="1.0" encoding="utf-8"?>
+<file path=ppt/notesSlides/notesSlide18.xml><?xml version="1.0" encoding="utf-8"?>
 <p:notes xmlns:a="http://schemas.openxmlformats.org/drawingml/2006/main" xmlns:r="http://schemas.openxmlformats.org/officeDocument/2006/relationships" xmlns:p="http://schemas.openxmlformats.org/presentationml/2006/main" showMasterSp="0" showMasterPhAnim="0">
   <p:cSld>
     <p:spTree>
@@ -11738,15 +11887,7 @@
           <a:p>
             <a:r>
               <a:rPr lang="en-US" dirty="0"/>
-              <a:t>The rest of the months have </a:t>
-            </a:r>
-            <a:r>
-              <a:rPr lang="en-US"/>
-              <a:t>less than </a:t>
-            </a:r>
-            <a:r>
-              <a:rPr lang="en-US" dirty="0"/>
-              <a:t>25% rate of resubscribing to a term deposit </a:t>
+              <a:t>The rest of the months have less than 25% rate of resubscribing to a term deposit </a:t>
             </a:r>
           </a:p>
           <a:p>
@@ -11819,6 +11960,737 @@
       </p:grpSpPr>
       <p:sp>
         <p:nvSpPr>
+          <p:cNvPr id="2" name="Text Placeholder 1">
+            <a:extLst>
+              <a:ext uri="{FF2B5EF4-FFF2-40B4-BE49-F238E27FC236}">
+                <a16:creationId xmlns:a16="http://schemas.microsoft.com/office/drawing/2014/main" id="{8B170740-DB3F-076A-A2D2-9555F51D2D32}"/>
+              </a:ext>
+            </a:extLst>
+          </p:cNvPr>
+          <p:cNvSpPr>
+            <a:spLocks noGrp="1"/>
+          </p:cNvSpPr>
+          <p:nvPr>
+            <p:ph type="body" idx="1"/>
+          </p:nvPr>
+        </p:nvSpPr>
+        <p:spPr>
+          <a:xfrm>
+            <a:off x="729450" y="726744"/>
+            <a:ext cx="7688700" cy="1034400"/>
+          </a:xfrm>
+        </p:spPr>
+        <p:txBody>
+          <a:bodyPr/>
+          <a:lstStyle/>
+          <a:p>
+            <a:pPr marL="146050" indent="0">
+              <a:buNone/>
+            </a:pPr>
+            <a:r>
+              <a:rPr kumimoji="0" lang="en-US" sz="2600" b="1" i="0" u="none" strike="noStrike" kern="0" cap="none" spc="0" normalizeH="0" baseline="0" noProof="0" dirty="0">
+                <a:ln>
+                  <a:noFill/>
+                </a:ln>
+                <a:solidFill>
+                  <a:srgbClr val="1A1A1A"/>
+                </a:solidFill>
+                <a:effectLst/>
+                <a:uLnTx/>
+                <a:uFillTx/>
+                <a:latin typeface="Raleway"/>
+                <a:sym typeface="Raleway"/>
+              </a:rPr>
+              <a:t>Exploratory Data Analysis</a:t>
+            </a:r>
+          </a:p>
+          <a:p>
+            <a:pPr marL="146050" indent="0">
+              <a:buNone/>
+            </a:pPr>
+            <a:r>
+              <a:rPr lang="en-US" dirty="0">
+                <a:solidFill>
+                  <a:schemeClr val="bg1">
+                    <a:lumMod val="65000"/>
+                  </a:schemeClr>
+                </a:solidFill>
+              </a:rPr>
+              <a:t>Correlation Plot and Heatmap </a:t>
+            </a:r>
+          </a:p>
+        </p:txBody>
+      </p:sp>
+      <p:sp>
+        <p:nvSpPr>
+          <p:cNvPr id="8" name="Text Placeholder 2">
+            <a:extLst>
+              <a:ext uri="{FF2B5EF4-FFF2-40B4-BE49-F238E27FC236}">
+                <a16:creationId xmlns:a16="http://schemas.microsoft.com/office/drawing/2014/main" id="{3B13F08B-AEE4-4C95-21B6-8DF753ECA5AD}"/>
+              </a:ext>
+            </a:extLst>
+          </p:cNvPr>
+          <p:cNvSpPr txBox="1">
+            <a:spLocks/>
+          </p:cNvSpPr>
+          <p:nvPr/>
+        </p:nvSpPr>
+        <p:spPr>
+          <a:xfrm>
+            <a:off x="725850" y="1761143"/>
+            <a:ext cx="515721" cy="1527341"/>
+          </a:xfrm>
+          <a:prstGeom prst="rect">
+            <a:avLst/>
+          </a:prstGeom>
+          <a:noFill/>
+          <a:ln>
+            <a:noFill/>
+          </a:ln>
+        </p:spPr>
+        <p:txBody>
+          <a:bodyPr spcFirstLastPara="1" wrap="square" lIns="91425" tIns="91425" rIns="91425" bIns="91425" anchor="t" anchorCtr="0">
+            <a:noAutofit/>
+          </a:bodyPr>
+          <a:lstStyle>
+            <a:defPPr marR="0" lvl="0" algn="l" rtl="0">
+              <a:lnSpc>
+                <a:spcPct val="100000"/>
+              </a:lnSpc>
+              <a:spcBef>
+                <a:spcPts val="0"/>
+              </a:spcBef>
+              <a:spcAft>
+                <a:spcPts val="0"/>
+              </a:spcAft>
+            </a:defPPr>
+            <a:lvl1pPr marL="457200" marR="0" lvl="0" indent="-311150" algn="l" rtl="0">
+              <a:lnSpc>
+                <a:spcPct val="115000"/>
+              </a:lnSpc>
+              <a:spcBef>
+                <a:spcPts val="0"/>
+              </a:spcBef>
+              <a:spcAft>
+                <a:spcPts val="0"/>
+              </a:spcAft>
+              <a:buClr>
+                <a:schemeClr val="accent1"/>
+              </a:buClr>
+              <a:buSzPts val="1300"/>
+              <a:buFont typeface="Lato"/>
+              <a:buChar char="●"/>
+              <a:defRPr sz="1300" b="0" i="0" u="none" strike="noStrike" cap="none">
+                <a:solidFill>
+                  <a:schemeClr val="accent1"/>
+                </a:solidFill>
+                <a:latin typeface="Lato"/>
+                <a:ea typeface="Lato"/>
+                <a:cs typeface="Lato"/>
+                <a:sym typeface="Lato"/>
+              </a:defRPr>
+            </a:lvl1pPr>
+            <a:lvl2pPr marL="914400" marR="0" lvl="1" indent="-298450" algn="l" rtl="0">
+              <a:lnSpc>
+                <a:spcPct val="115000"/>
+              </a:lnSpc>
+              <a:spcBef>
+                <a:spcPts val="1600"/>
+              </a:spcBef>
+              <a:spcAft>
+                <a:spcPts val="0"/>
+              </a:spcAft>
+              <a:buClr>
+                <a:schemeClr val="accent1"/>
+              </a:buClr>
+              <a:buSzPts val="1100"/>
+              <a:buFont typeface="Lato"/>
+              <a:buChar char="○"/>
+              <a:defRPr sz="1100" b="0" i="0" u="none" strike="noStrike" cap="none">
+                <a:solidFill>
+                  <a:schemeClr val="accent1"/>
+                </a:solidFill>
+                <a:latin typeface="Lato"/>
+                <a:ea typeface="Lato"/>
+                <a:cs typeface="Lato"/>
+                <a:sym typeface="Lato"/>
+              </a:defRPr>
+            </a:lvl2pPr>
+            <a:lvl3pPr marL="1371600" marR="0" lvl="2" indent="-298450" algn="l" rtl="0">
+              <a:lnSpc>
+                <a:spcPct val="115000"/>
+              </a:lnSpc>
+              <a:spcBef>
+                <a:spcPts val="1600"/>
+              </a:spcBef>
+              <a:spcAft>
+                <a:spcPts val="0"/>
+              </a:spcAft>
+              <a:buClr>
+                <a:schemeClr val="accent1"/>
+              </a:buClr>
+              <a:buSzPts val="1100"/>
+              <a:buFont typeface="Lato"/>
+              <a:buChar char="■"/>
+              <a:defRPr sz="1100" b="0" i="0" u="none" strike="noStrike" cap="none">
+                <a:solidFill>
+                  <a:schemeClr val="accent1"/>
+                </a:solidFill>
+                <a:latin typeface="Lato"/>
+                <a:ea typeface="Lato"/>
+                <a:cs typeface="Lato"/>
+                <a:sym typeface="Lato"/>
+              </a:defRPr>
+            </a:lvl3pPr>
+            <a:lvl4pPr marL="1828800" marR="0" lvl="3" indent="-298450" algn="l" rtl="0">
+              <a:lnSpc>
+                <a:spcPct val="115000"/>
+              </a:lnSpc>
+              <a:spcBef>
+                <a:spcPts val="1600"/>
+              </a:spcBef>
+              <a:spcAft>
+                <a:spcPts val="0"/>
+              </a:spcAft>
+              <a:buClr>
+                <a:schemeClr val="accent1"/>
+              </a:buClr>
+              <a:buSzPts val="1100"/>
+              <a:buFont typeface="Lato"/>
+              <a:buChar char="●"/>
+              <a:defRPr sz="1100" b="0" i="0" u="none" strike="noStrike" cap="none">
+                <a:solidFill>
+                  <a:schemeClr val="accent1"/>
+                </a:solidFill>
+                <a:latin typeface="Lato"/>
+                <a:ea typeface="Lato"/>
+                <a:cs typeface="Lato"/>
+                <a:sym typeface="Lato"/>
+              </a:defRPr>
+            </a:lvl4pPr>
+            <a:lvl5pPr marL="2286000" marR="0" lvl="4" indent="-298450" algn="l" rtl="0">
+              <a:lnSpc>
+                <a:spcPct val="115000"/>
+              </a:lnSpc>
+              <a:spcBef>
+                <a:spcPts val="1600"/>
+              </a:spcBef>
+              <a:spcAft>
+                <a:spcPts val="0"/>
+              </a:spcAft>
+              <a:buClr>
+                <a:schemeClr val="accent1"/>
+              </a:buClr>
+              <a:buSzPts val="1100"/>
+              <a:buFont typeface="Lato"/>
+              <a:buChar char="○"/>
+              <a:defRPr sz="1100" b="0" i="0" u="none" strike="noStrike" cap="none">
+                <a:solidFill>
+                  <a:schemeClr val="accent1"/>
+                </a:solidFill>
+                <a:latin typeface="Lato"/>
+                <a:ea typeface="Lato"/>
+                <a:cs typeface="Lato"/>
+                <a:sym typeface="Lato"/>
+              </a:defRPr>
+            </a:lvl5pPr>
+            <a:lvl6pPr marL="2743200" marR="0" lvl="5" indent="-298450" algn="l" rtl="0">
+              <a:lnSpc>
+                <a:spcPct val="115000"/>
+              </a:lnSpc>
+              <a:spcBef>
+                <a:spcPts val="1600"/>
+              </a:spcBef>
+              <a:spcAft>
+                <a:spcPts val="0"/>
+              </a:spcAft>
+              <a:buClr>
+                <a:schemeClr val="accent1"/>
+              </a:buClr>
+              <a:buSzPts val="1100"/>
+              <a:buFont typeface="Lato"/>
+              <a:buChar char="■"/>
+              <a:defRPr sz="1100" b="0" i="0" u="none" strike="noStrike" cap="none">
+                <a:solidFill>
+                  <a:schemeClr val="accent1"/>
+                </a:solidFill>
+                <a:latin typeface="Lato"/>
+                <a:ea typeface="Lato"/>
+                <a:cs typeface="Lato"/>
+                <a:sym typeface="Lato"/>
+              </a:defRPr>
+            </a:lvl6pPr>
+            <a:lvl7pPr marL="3200400" marR="0" lvl="6" indent="-298450" algn="l" rtl="0">
+              <a:lnSpc>
+                <a:spcPct val="115000"/>
+              </a:lnSpc>
+              <a:spcBef>
+                <a:spcPts val="1600"/>
+              </a:spcBef>
+              <a:spcAft>
+                <a:spcPts val="0"/>
+              </a:spcAft>
+              <a:buClr>
+                <a:schemeClr val="accent1"/>
+              </a:buClr>
+              <a:buSzPts val="1100"/>
+              <a:buFont typeface="Lato"/>
+              <a:buChar char="●"/>
+              <a:defRPr sz="1100" b="0" i="0" u="none" strike="noStrike" cap="none">
+                <a:solidFill>
+                  <a:schemeClr val="accent1"/>
+                </a:solidFill>
+                <a:latin typeface="Lato"/>
+                <a:ea typeface="Lato"/>
+                <a:cs typeface="Lato"/>
+                <a:sym typeface="Lato"/>
+              </a:defRPr>
+            </a:lvl7pPr>
+            <a:lvl8pPr marL="3657600" marR="0" lvl="7" indent="-298450" algn="l" rtl="0">
+              <a:lnSpc>
+                <a:spcPct val="115000"/>
+              </a:lnSpc>
+              <a:spcBef>
+                <a:spcPts val="1600"/>
+              </a:spcBef>
+              <a:spcAft>
+                <a:spcPts val="0"/>
+              </a:spcAft>
+              <a:buClr>
+                <a:schemeClr val="accent1"/>
+              </a:buClr>
+              <a:buSzPts val="1100"/>
+              <a:buFont typeface="Lato"/>
+              <a:buChar char="○"/>
+              <a:defRPr sz="1100" b="0" i="0" u="none" strike="noStrike" cap="none">
+                <a:solidFill>
+                  <a:schemeClr val="accent1"/>
+                </a:solidFill>
+                <a:latin typeface="Lato"/>
+                <a:ea typeface="Lato"/>
+                <a:cs typeface="Lato"/>
+                <a:sym typeface="Lato"/>
+              </a:defRPr>
+            </a:lvl8pPr>
+            <a:lvl9pPr marL="4114800" marR="0" lvl="8" indent="-298450" algn="l" rtl="0">
+              <a:lnSpc>
+                <a:spcPct val="115000"/>
+              </a:lnSpc>
+              <a:spcBef>
+                <a:spcPts val="1600"/>
+              </a:spcBef>
+              <a:spcAft>
+                <a:spcPts val="1600"/>
+              </a:spcAft>
+              <a:buClr>
+                <a:schemeClr val="accent1"/>
+              </a:buClr>
+              <a:buSzPts val="1100"/>
+              <a:buFont typeface="Lato"/>
+              <a:buChar char="■"/>
+              <a:defRPr sz="1100" b="0" i="0" u="none" strike="noStrike" cap="none">
+                <a:solidFill>
+                  <a:schemeClr val="accent1"/>
+                </a:solidFill>
+                <a:latin typeface="Lato"/>
+                <a:ea typeface="Lato"/>
+                <a:cs typeface="Lato"/>
+                <a:sym typeface="Lato"/>
+              </a:defRPr>
+            </a:lvl9pPr>
+          </a:lstStyle>
+          <a:p>
+            <a:pPr marL="146050" indent="0">
+              <a:buNone/>
+            </a:pPr>
+            <a:endParaRPr lang="en-US" dirty="0"/>
+          </a:p>
+        </p:txBody>
+      </p:sp>
+      <p:pic>
+        <p:nvPicPr>
+          <p:cNvPr id="6" name="Picture 5">
+            <a:extLst>
+              <a:ext uri="{FF2B5EF4-FFF2-40B4-BE49-F238E27FC236}">
+                <a16:creationId xmlns:a16="http://schemas.microsoft.com/office/drawing/2014/main" id="{73580CB5-D47D-F7CE-5EC3-BF50DC366B5E}"/>
+              </a:ext>
+            </a:extLst>
+          </p:cNvPr>
+          <p:cNvPicPr>
+            <a:picLocks noChangeAspect="1"/>
+          </p:cNvPicPr>
+          <p:nvPr/>
+        </p:nvPicPr>
+        <p:blipFill>
+          <a:blip r:embed="rId4"/>
+          <a:stretch>
+            <a:fillRect/>
+          </a:stretch>
+        </p:blipFill>
+        <p:spPr>
+          <a:xfrm>
+            <a:off x="0" y="1809368"/>
+            <a:ext cx="4793434" cy="2958234"/>
+          </a:xfrm>
+          <a:prstGeom prst="rect">
+            <a:avLst/>
+          </a:prstGeom>
+        </p:spPr>
+      </p:pic>
+      <p:pic>
+        <p:nvPicPr>
+          <p:cNvPr id="9" name="Picture 8">
+            <a:extLst>
+              <a:ext uri="{FF2B5EF4-FFF2-40B4-BE49-F238E27FC236}">
+                <a16:creationId xmlns:a16="http://schemas.microsoft.com/office/drawing/2014/main" id="{AA4E9141-2AC9-294A-243D-B52BCE5A6F0C}"/>
+              </a:ext>
+            </a:extLst>
+          </p:cNvPr>
+          <p:cNvPicPr>
+            <a:picLocks noChangeAspect="1"/>
+          </p:cNvPicPr>
+          <p:nvPr/>
+        </p:nvPicPr>
+        <p:blipFill>
+          <a:blip r:embed="rId5"/>
+          <a:stretch>
+            <a:fillRect/>
+          </a:stretch>
+        </p:blipFill>
+        <p:spPr>
+          <a:xfrm>
+            <a:off x="4793434" y="1941386"/>
+            <a:ext cx="4365596" cy="2694196"/>
+          </a:xfrm>
+          <a:prstGeom prst="rect">
+            <a:avLst/>
+          </a:prstGeom>
+        </p:spPr>
+      </p:pic>
+      <p:sp>
+        <p:nvSpPr>
+          <p:cNvPr id="10" name="Text Placeholder 2">
+            <a:extLst>
+              <a:ext uri="{FF2B5EF4-FFF2-40B4-BE49-F238E27FC236}">
+                <a16:creationId xmlns:a16="http://schemas.microsoft.com/office/drawing/2014/main" id="{A12E1ABB-8023-4ADC-BEFB-5F1E561C4FE5}"/>
+              </a:ext>
+            </a:extLst>
+          </p:cNvPr>
+          <p:cNvSpPr txBox="1">
+            <a:spLocks/>
+          </p:cNvSpPr>
+          <p:nvPr/>
+        </p:nvSpPr>
+        <p:spPr>
+          <a:xfrm>
+            <a:off x="5548446" y="1177185"/>
+            <a:ext cx="3872391" cy="583958"/>
+          </a:xfrm>
+          <a:prstGeom prst="rect">
+            <a:avLst/>
+          </a:prstGeom>
+          <a:noFill/>
+          <a:ln>
+            <a:noFill/>
+          </a:ln>
+        </p:spPr>
+        <p:txBody>
+          <a:bodyPr spcFirstLastPara="1" wrap="square" lIns="91425" tIns="91425" rIns="91425" bIns="91425" anchor="t" anchorCtr="0">
+            <a:noAutofit/>
+          </a:bodyPr>
+          <a:lstStyle>
+            <a:defPPr marR="0" lvl="0" algn="l" rtl="0">
+              <a:lnSpc>
+                <a:spcPct val="100000"/>
+              </a:lnSpc>
+              <a:spcBef>
+                <a:spcPts val="0"/>
+              </a:spcBef>
+              <a:spcAft>
+                <a:spcPts val="0"/>
+              </a:spcAft>
+            </a:defPPr>
+            <a:lvl1pPr marL="457200" marR="0" lvl="0" indent="-311150" algn="l" rtl="0">
+              <a:lnSpc>
+                <a:spcPct val="115000"/>
+              </a:lnSpc>
+              <a:spcBef>
+                <a:spcPts val="0"/>
+              </a:spcBef>
+              <a:spcAft>
+                <a:spcPts val="0"/>
+              </a:spcAft>
+              <a:buClr>
+                <a:schemeClr val="accent1"/>
+              </a:buClr>
+              <a:buSzPts val="1300"/>
+              <a:buFont typeface="Lato"/>
+              <a:buChar char="●"/>
+              <a:defRPr sz="1300" b="0" i="0" u="none" strike="noStrike" cap="none">
+                <a:solidFill>
+                  <a:schemeClr val="accent1"/>
+                </a:solidFill>
+                <a:latin typeface="Lato"/>
+                <a:ea typeface="Lato"/>
+                <a:cs typeface="Lato"/>
+                <a:sym typeface="Lato"/>
+              </a:defRPr>
+            </a:lvl1pPr>
+            <a:lvl2pPr marL="914400" marR="0" lvl="1" indent="-298450" algn="l" rtl="0">
+              <a:lnSpc>
+                <a:spcPct val="115000"/>
+              </a:lnSpc>
+              <a:spcBef>
+                <a:spcPts val="1600"/>
+              </a:spcBef>
+              <a:spcAft>
+                <a:spcPts val="0"/>
+              </a:spcAft>
+              <a:buClr>
+                <a:schemeClr val="accent1"/>
+              </a:buClr>
+              <a:buSzPts val="1100"/>
+              <a:buFont typeface="Lato"/>
+              <a:buChar char="○"/>
+              <a:defRPr sz="1100" b="0" i="0" u="none" strike="noStrike" cap="none">
+                <a:solidFill>
+                  <a:schemeClr val="accent1"/>
+                </a:solidFill>
+                <a:latin typeface="Lato"/>
+                <a:ea typeface="Lato"/>
+                <a:cs typeface="Lato"/>
+                <a:sym typeface="Lato"/>
+              </a:defRPr>
+            </a:lvl2pPr>
+            <a:lvl3pPr marL="1371600" marR="0" lvl="2" indent="-298450" algn="l" rtl="0">
+              <a:lnSpc>
+                <a:spcPct val="115000"/>
+              </a:lnSpc>
+              <a:spcBef>
+                <a:spcPts val="1600"/>
+              </a:spcBef>
+              <a:spcAft>
+                <a:spcPts val="0"/>
+              </a:spcAft>
+              <a:buClr>
+                <a:schemeClr val="accent1"/>
+              </a:buClr>
+              <a:buSzPts val="1100"/>
+              <a:buFont typeface="Lato"/>
+              <a:buChar char="■"/>
+              <a:defRPr sz="1100" b="0" i="0" u="none" strike="noStrike" cap="none">
+                <a:solidFill>
+                  <a:schemeClr val="accent1"/>
+                </a:solidFill>
+                <a:latin typeface="Lato"/>
+                <a:ea typeface="Lato"/>
+                <a:cs typeface="Lato"/>
+                <a:sym typeface="Lato"/>
+              </a:defRPr>
+            </a:lvl3pPr>
+            <a:lvl4pPr marL="1828800" marR="0" lvl="3" indent="-298450" algn="l" rtl="0">
+              <a:lnSpc>
+                <a:spcPct val="115000"/>
+              </a:lnSpc>
+              <a:spcBef>
+                <a:spcPts val="1600"/>
+              </a:spcBef>
+              <a:spcAft>
+                <a:spcPts val="0"/>
+              </a:spcAft>
+              <a:buClr>
+                <a:schemeClr val="accent1"/>
+              </a:buClr>
+              <a:buSzPts val="1100"/>
+              <a:buFont typeface="Lato"/>
+              <a:buChar char="●"/>
+              <a:defRPr sz="1100" b="0" i="0" u="none" strike="noStrike" cap="none">
+                <a:solidFill>
+                  <a:schemeClr val="accent1"/>
+                </a:solidFill>
+                <a:latin typeface="Lato"/>
+                <a:ea typeface="Lato"/>
+                <a:cs typeface="Lato"/>
+                <a:sym typeface="Lato"/>
+              </a:defRPr>
+            </a:lvl4pPr>
+            <a:lvl5pPr marL="2286000" marR="0" lvl="4" indent="-298450" algn="l" rtl="0">
+              <a:lnSpc>
+                <a:spcPct val="115000"/>
+              </a:lnSpc>
+              <a:spcBef>
+                <a:spcPts val="1600"/>
+              </a:spcBef>
+              <a:spcAft>
+                <a:spcPts val="0"/>
+              </a:spcAft>
+              <a:buClr>
+                <a:schemeClr val="accent1"/>
+              </a:buClr>
+              <a:buSzPts val="1100"/>
+              <a:buFont typeface="Lato"/>
+              <a:buChar char="○"/>
+              <a:defRPr sz="1100" b="0" i="0" u="none" strike="noStrike" cap="none">
+                <a:solidFill>
+                  <a:schemeClr val="accent1"/>
+                </a:solidFill>
+                <a:latin typeface="Lato"/>
+                <a:ea typeface="Lato"/>
+                <a:cs typeface="Lato"/>
+                <a:sym typeface="Lato"/>
+              </a:defRPr>
+            </a:lvl5pPr>
+            <a:lvl6pPr marL="2743200" marR="0" lvl="5" indent="-298450" algn="l" rtl="0">
+              <a:lnSpc>
+                <a:spcPct val="115000"/>
+              </a:lnSpc>
+              <a:spcBef>
+                <a:spcPts val="1600"/>
+              </a:spcBef>
+              <a:spcAft>
+                <a:spcPts val="0"/>
+              </a:spcAft>
+              <a:buClr>
+                <a:schemeClr val="accent1"/>
+              </a:buClr>
+              <a:buSzPts val="1100"/>
+              <a:buFont typeface="Lato"/>
+              <a:buChar char="■"/>
+              <a:defRPr sz="1100" b="0" i="0" u="none" strike="noStrike" cap="none">
+                <a:solidFill>
+                  <a:schemeClr val="accent1"/>
+                </a:solidFill>
+                <a:latin typeface="Lato"/>
+                <a:ea typeface="Lato"/>
+                <a:cs typeface="Lato"/>
+                <a:sym typeface="Lato"/>
+              </a:defRPr>
+            </a:lvl6pPr>
+            <a:lvl7pPr marL="3200400" marR="0" lvl="6" indent="-298450" algn="l" rtl="0">
+              <a:lnSpc>
+                <a:spcPct val="115000"/>
+              </a:lnSpc>
+              <a:spcBef>
+                <a:spcPts val="1600"/>
+              </a:spcBef>
+              <a:spcAft>
+                <a:spcPts val="0"/>
+              </a:spcAft>
+              <a:buClr>
+                <a:schemeClr val="accent1"/>
+              </a:buClr>
+              <a:buSzPts val="1100"/>
+              <a:buFont typeface="Lato"/>
+              <a:buChar char="●"/>
+              <a:defRPr sz="1100" b="0" i="0" u="none" strike="noStrike" cap="none">
+                <a:solidFill>
+                  <a:schemeClr val="accent1"/>
+                </a:solidFill>
+                <a:latin typeface="Lato"/>
+                <a:ea typeface="Lato"/>
+                <a:cs typeface="Lato"/>
+                <a:sym typeface="Lato"/>
+              </a:defRPr>
+            </a:lvl7pPr>
+            <a:lvl8pPr marL="3657600" marR="0" lvl="7" indent="-298450" algn="l" rtl="0">
+              <a:lnSpc>
+                <a:spcPct val="115000"/>
+              </a:lnSpc>
+              <a:spcBef>
+                <a:spcPts val="1600"/>
+              </a:spcBef>
+              <a:spcAft>
+                <a:spcPts val="0"/>
+              </a:spcAft>
+              <a:buClr>
+                <a:schemeClr val="accent1"/>
+              </a:buClr>
+              <a:buSzPts val="1100"/>
+              <a:buFont typeface="Lato"/>
+              <a:buChar char="○"/>
+              <a:defRPr sz="1100" b="0" i="0" u="none" strike="noStrike" cap="none">
+                <a:solidFill>
+                  <a:schemeClr val="accent1"/>
+                </a:solidFill>
+                <a:latin typeface="Lato"/>
+                <a:ea typeface="Lato"/>
+                <a:cs typeface="Lato"/>
+                <a:sym typeface="Lato"/>
+              </a:defRPr>
+            </a:lvl8pPr>
+            <a:lvl9pPr marL="4114800" marR="0" lvl="8" indent="-298450" algn="l" rtl="0">
+              <a:lnSpc>
+                <a:spcPct val="115000"/>
+              </a:lnSpc>
+              <a:spcBef>
+                <a:spcPts val="1600"/>
+              </a:spcBef>
+              <a:spcAft>
+                <a:spcPts val="1600"/>
+              </a:spcAft>
+              <a:buClr>
+                <a:schemeClr val="accent1"/>
+              </a:buClr>
+              <a:buSzPts val="1100"/>
+              <a:buFont typeface="Lato"/>
+              <a:buChar char="■"/>
+              <a:defRPr sz="1100" b="0" i="0" u="none" strike="noStrike" cap="none">
+                <a:solidFill>
+                  <a:schemeClr val="accent1"/>
+                </a:solidFill>
+                <a:latin typeface="Lato"/>
+                <a:ea typeface="Lato"/>
+                <a:cs typeface="Lato"/>
+                <a:sym typeface="Lato"/>
+              </a:defRPr>
+            </a:lvl9pPr>
+          </a:lstStyle>
+          <a:p>
+            <a:pPr marL="146050" indent="0">
+              <a:buNone/>
+            </a:pPr>
+            <a:r>
+              <a:rPr lang="en-US" dirty="0"/>
+              <a:t>No very highly correlated variables or multicollinearity present </a:t>
+            </a:r>
+          </a:p>
+        </p:txBody>
+      </p:sp>
+    </p:spTree>
+    <p:custDataLst>
+      <p:tags r:id="rId1"/>
+    </p:custDataLst>
+    <p:extLst>
+      <p:ext uri="{BB962C8B-B14F-4D97-AF65-F5344CB8AC3E}">
+        <p14:creationId xmlns:p14="http://schemas.microsoft.com/office/powerpoint/2010/main" val="2424990968"/>
+      </p:ext>
+    </p:extLst>
+  </p:cSld>
+  <p:clrMapOvr>
+    <a:masterClrMapping/>
+  </p:clrMapOvr>
+</p:sld>
+</file>
+
+<file path=ppt/slides/slide12.xml><?xml version="1.0" encoding="utf-8"?>
+<p:sld xmlns:a="http://schemas.openxmlformats.org/drawingml/2006/main" xmlns:r="http://schemas.openxmlformats.org/officeDocument/2006/relationships" xmlns:p="http://schemas.openxmlformats.org/presentationml/2006/main">
+  <p:cSld>
+    <p:spTree>
+      <p:nvGrpSpPr>
+        <p:cNvPr id="1" name=""/>
+        <p:cNvGrpSpPr/>
+        <p:nvPr/>
+      </p:nvGrpSpPr>
+      <p:grpSpPr>
+        <a:xfrm>
+          <a:off x="0" y="0"/>
+          <a:ext cx="0" cy="0"/>
+          <a:chOff x="0" y="0"/>
+          <a:chExt cx="0" cy="0"/>
+        </a:xfrm>
+      </p:grpSpPr>
+      <p:sp>
+        <p:nvSpPr>
           <p:cNvPr id="2" name="Title 1">
             <a:extLst>
               <a:ext uri="{FF2B5EF4-FFF2-40B4-BE49-F238E27FC236}">
@@ -11858,7 +12730,7 @@
 </p:sld>
 </file>
 
-<file path=ppt/slides/slide12.xml><?xml version="1.0" encoding="utf-8"?>
+<file path=ppt/slides/slide13.xml><?xml version="1.0" encoding="utf-8"?>
 <p:sld xmlns:a="http://schemas.openxmlformats.org/drawingml/2006/main" xmlns:r="http://schemas.openxmlformats.org/officeDocument/2006/relationships" xmlns:p="http://schemas.openxmlformats.org/presentationml/2006/main">
   <p:cSld>
     <p:spTree>
@@ -12550,7 +13422,7 @@
 </p:sld>
 </file>
 
-<file path=ppt/slides/slide13.xml><?xml version="1.0" encoding="utf-8"?>
+<file path=ppt/slides/slide14.xml><?xml version="1.0" encoding="utf-8"?>
 <p:sld xmlns:a="http://schemas.openxmlformats.org/drawingml/2006/main" xmlns:r="http://schemas.openxmlformats.org/officeDocument/2006/relationships" xmlns:p="http://schemas.openxmlformats.org/presentationml/2006/main">
   <p:cSld>
     <p:spTree>
@@ -13327,7 +14199,7 @@
 </p:sld>
 </file>
 
-<file path=ppt/slides/slide14.xml><?xml version="1.0" encoding="utf-8"?>
+<file path=ppt/slides/slide15.xml><?xml version="1.0" encoding="utf-8"?>
 <p:sld xmlns:a="http://schemas.openxmlformats.org/drawingml/2006/main" xmlns:r="http://schemas.openxmlformats.org/officeDocument/2006/relationships" xmlns:p="http://schemas.openxmlformats.org/presentationml/2006/main">
   <p:cSld>
     <p:spTree>
@@ -13776,7 +14648,7 @@
 </p:sld>
 </file>
 
-<file path=ppt/slides/slide15.xml><?xml version="1.0" encoding="utf-8"?>
+<file path=ppt/slides/slide16.xml><?xml version="1.0" encoding="utf-8"?>
 <p:sld xmlns:a="http://schemas.openxmlformats.org/drawingml/2006/main" xmlns:r="http://schemas.openxmlformats.org/officeDocument/2006/relationships" xmlns:p="http://schemas.openxmlformats.org/presentationml/2006/main">
   <p:cSld>
     <p:spTree>
@@ -14273,7 +15145,7 @@
 </p:sld>
 </file>
 
-<file path=ppt/slides/slide16.xml><?xml version="1.0" encoding="utf-8"?>
+<file path=ppt/slides/slide17.xml><?xml version="1.0" encoding="utf-8"?>
 <p:sld xmlns:a="http://schemas.openxmlformats.org/drawingml/2006/main" xmlns:r="http://schemas.openxmlformats.org/officeDocument/2006/relationships" xmlns:p="http://schemas.openxmlformats.org/presentationml/2006/main">
   <p:cSld>
     <p:spTree>
@@ -14331,7 +15203,7 @@
 </p:sld>
 </file>
 
-<file path=ppt/slides/slide17.xml><?xml version="1.0" encoding="utf-8"?>
+<file path=ppt/slides/slide18.xml><?xml version="1.0" encoding="utf-8"?>
 <p:sld xmlns:a="http://schemas.openxmlformats.org/drawingml/2006/main" xmlns:r="http://schemas.openxmlformats.org/officeDocument/2006/relationships" xmlns:p="http://schemas.openxmlformats.org/presentationml/2006/main">
   <p:cSld>
     <p:spTree>
@@ -17568,6 +18440,12 @@
 </p:tagLst>
 </file>
 
+<file path=ppt/tags/tag11.xml><?xml version="1.0" encoding="utf-8"?>
+<p:tagLst xmlns:a="http://schemas.openxmlformats.org/drawingml/2006/main" xmlns:r="http://schemas.openxmlformats.org/officeDocument/2006/relationships" xmlns:p="http://schemas.openxmlformats.org/presentationml/2006/main">
+  <p:tag name="TIMING" val="|12.7|1.8|1|1.2|1.6|1.1|1.4|1.3|1.5|1.6|21.8"/>
+</p:tagLst>
+</file>
+
 <file path=ppt/tags/tag2.xml><?xml version="1.0" encoding="utf-8"?>
 <p:tagLst xmlns:a="http://schemas.openxmlformats.org/drawingml/2006/main" xmlns:r="http://schemas.openxmlformats.org/officeDocument/2006/relationships" xmlns:p="http://schemas.openxmlformats.org/presentationml/2006/main">
   <p:tag name="TIMING" val="|3.2|4.7|2.3"/>
@@ -17600,7 +18478,7 @@
 
 <file path=ppt/tags/tag7.xml><?xml version="1.0" encoding="utf-8"?>
 <p:tagLst xmlns:a="http://schemas.openxmlformats.org/drawingml/2006/main" xmlns:r="http://schemas.openxmlformats.org/officeDocument/2006/relationships" xmlns:p="http://schemas.openxmlformats.org/presentationml/2006/main">
-  <p:tag name="TIMING" val="|12.7|1.8|1|1.2|1.6|1.1|1.4|1.3|1.5|1.6|21.8"/>
+  <p:tag name="TIMING" val="|3.2|4.7|2.3"/>
 </p:tagLst>
 </file>
 

--- a/Project2_Chang_Craus_Yule.pptx
+++ b/Project2_Chang_Craus_Yule.pptx
@@ -5,7 +5,7 @@
     <p:sldMasterId id="2147483664" r:id="rId1"/>
   </p:sldMasterIdLst>
   <p:notesMasterIdLst>
-    <p:notesMasterId r:id="rId20"/>
+    <p:notesMasterId r:id="rId22"/>
   </p:notesMasterIdLst>
   <p:sldIdLst>
     <p:sldId id="256" r:id="rId2"/>
@@ -18,31 +18,33 @@
     <p:sldId id="302" r:id="rId9"/>
     <p:sldId id="306" r:id="rId10"/>
     <p:sldId id="308" r:id="rId11"/>
-    <p:sldId id="309" r:id="rId12"/>
-    <p:sldId id="293" r:id="rId13"/>
-    <p:sldId id="294" r:id="rId14"/>
-    <p:sldId id="303" r:id="rId15"/>
-    <p:sldId id="304" r:id="rId16"/>
-    <p:sldId id="305" r:id="rId17"/>
-    <p:sldId id="300" r:id="rId18"/>
-    <p:sldId id="275" r:id="rId19"/>
+    <p:sldId id="310" r:id="rId12"/>
+    <p:sldId id="311" r:id="rId13"/>
+    <p:sldId id="309" r:id="rId14"/>
+    <p:sldId id="293" r:id="rId15"/>
+    <p:sldId id="294" r:id="rId16"/>
+    <p:sldId id="303" r:id="rId17"/>
+    <p:sldId id="304" r:id="rId18"/>
+    <p:sldId id="305" r:id="rId19"/>
+    <p:sldId id="300" r:id="rId20"/>
+    <p:sldId id="275" r:id="rId21"/>
   </p:sldIdLst>
   <p:sldSz cx="9144000" cy="5143500" type="screen16x9"/>
   <p:notesSz cx="6858000" cy="9144000"/>
   <p:embeddedFontLst>
     <p:embeddedFont>
       <p:font typeface="Lato" panose="020F0502020204030203" pitchFamily="34" charset="0"/>
-      <p:regular r:id="rId21"/>
-      <p:bold r:id="rId22"/>
-      <p:italic r:id="rId23"/>
-      <p:boldItalic r:id="rId24"/>
+      <p:regular r:id="rId23"/>
+      <p:bold r:id="rId24"/>
+      <p:italic r:id="rId25"/>
+      <p:boldItalic r:id="rId26"/>
     </p:embeddedFont>
     <p:embeddedFont>
       <p:font typeface="Raleway" pitchFamily="2" charset="0"/>
-      <p:regular r:id="rId25"/>
-      <p:bold r:id="rId26"/>
-      <p:italic r:id="rId27"/>
-      <p:boldItalic r:id="rId28"/>
+      <p:regular r:id="rId27"/>
+      <p:bold r:id="rId28"/>
+      <p:italic r:id="rId29"/>
+      <p:boldItalic r:id="rId30"/>
     </p:embeddedFont>
   </p:embeddedFontLst>
   <p:defaultTextStyle>
@@ -296,7 +298,7 @@
 <file path=ppt/revisionInfo.xml><?xml version="1.0" encoding="utf-8"?>
 <p1510:revInfo xmlns:a="http://schemas.openxmlformats.org/drawingml/2006/main" xmlns:r="http://schemas.openxmlformats.org/officeDocument/2006/relationships" xmlns:p1510="http://schemas.microsoft.com/office/powerpoint/2015/10/main">
   <p1510:revLst>
-    <p1510:client id="{32165585-CB35-4C33-B919-9B0DD83E6E32}" v="17" dt="2023-04-10T21:21:25.822"/>
+    <p1510:client id="{32165585-CB35-4C33-B919-9B0DD83E6E32}" v="29" dt="2023-04-10T21:56:56.206"/>
   </p1510:revLst>
 </p1510:revInfo>
 </file>
@@ -306,16 +308,24 @@
   <pc:docChgLst>
     <pc:chgData name="Carolina Craus" userId="bae62b9d695bbdd6" providerId="LiveId" clId="{32165585-CB35-4C33-B919-9B0DD83E6E32}"/>
     <pc:docChg chg="custSel addSld delSld modSld sldOrd">
-      <pc:chgData name="Carolina Craus" userId="bae62b9d695bbdd6" providerId="LiveId" clId="{32165585-CB35-4C33-B919-9B0DD83E6E32}" dt="2023-04-10T21:22:36.190" v="875" actId="1076"/>
+      <pc:chgData name="Carolina Craus" userId="bae62b9d695bbdd6" providerId="LiveId" clId="{32165585-CB35-4C33-B919-9B0DD83E6E32}" dt="2023-04-10T22:00:00.948" v="1431" actId="20577"/>
       <pc:docMkLst>
         <pc:docMk/>
       </pc:docMkLst>
       <pc:sldChg chg="modSp add mod">
-        <pc:chgData name="Carolina Craus" userId="bae62b9d695bbdd6" providerId="LiveId" clId="{32165585-CB35-4C33-B919-9B0DD83E6E32}" dt="2023-04-10T20:41:36.749" v="156" actId="20577"/>
+        <pc:chgData name="Carolina Craus" userId="bae62b9d695bbdd6" providerId="LiveId" clId="{32165585-CB35-4C33-B919-9B0DD83E6E32}" dt="2023-04-10T21:41:52.672" v="909" actId="20577"/>
         <pc:sldMkLst>
           <pc:docMk/>
           <pc:sldMk cId="3579624159" sldId="306"/>
         </pc:sldMkLst>
+        <pc:spChg chg="mod">
+          <ac:chgData name="Carolina Craus" userId="bae62b9d695bbdd6" providerId="LiveId" clId="{32165585-CB35-4C33-B919-9B0DD83E6E32}" dt="2023-04-10T21:41:52.672" v="909" actId="20577"/>
+          <ac:spMkLst>
+            <pc:docMk/>
+            <pc:sldMk cId="3579624159" sldId="306"/>
+            <ac:spMk id="2" creationId="{8B170740-DB3F-076A-A2D2-9555F51D2D32}"/>
+          </ac:spMkLst>
+        </pc:spChg>
         <pc:spChg chg="mod">
           <ac:chgData name="Carolina Craus" userId="bae62b9d695bbdd6" providerId="LiveId" clId="{32165585-CB35-4C33-B919-9B0DD83E6E32}" dt="2023-04-10T20:41:36.749" v="156" actId="20577"/>
           <ac:spMkLst>
@@ -341,13 +351,13 @@
         </pc:sldMkLst>
       </pc:sldChg>
       <pc:sldChg chg="addSp delSp modSp add mod ord">
-        <pc:chgData name="Carolina Craus" userId="bae62b9d695bbdd6" providerId="LiveId" clId="{32165585-CB35-4C33-B919-9B0DD83E6E32}" dt="2023-04-10T20:54:32.530" v="724" actId="20577"/>
+        <pc:chgData name="Carolina Craus" userId="bae62b9d695bbdd6" providerId="LiveId" clId="{32165585-CB35-4C33-B919-9B0DD83E6E32}" dt="2023-04-10T21:56:17.134" v="1000" actId="1076"/>
         <pc:sldMkLst>
           <pc:docMk/>
           <pc:sldMk cId="3004351000" sldId="308"/>
         </pc:sldMkLst>
         <pc:spChg chg="mod">
-          <ac:chgData name="Carolina Craus" userId="bae62b9d695bbdd6" providerId="LiveId" clId="{32165585-CB35-4C33-B919-9B0DD83E6E32}" dt="2023-04-10T20:48:06.490" v="167" actId="20577"/>
+          <ac:chgData name="Carolina Craus" userId="bae62b9d695bbdd6" providerId="LiveId" clId="{32165585-CB35-4C33-B919-9B0DD83E6E32}" dt="2023-04-10T21:42:05.148" v="939" actId="20577"/>
           <ac:spMkLst>
             <pc:docMk/>
             <pc:sldMk cId="3004351000" sldId="308"/>
@@ -360,6 +370,14 @@
             <pc:docMk/>
             <pc:sldMk cId="3004351000" sldId="308"/>
             <ac:spMk id="3" creationId="{C1E5DA3E-87D7-2330-3EA3-55D7CACD04F0}"/>
+          </ac:spMkLst>
+        </pc:spChg>
+        <pc:spChg chg="add del">
+          <ac:chgData name="Carolina Craus" userId="bae62b9d695bbdd6" providerId="LiveId" clId="{32165585-CB35-4C33-B919-9B0DD83E6E32}" dt="2023-04-10T21:56:13.186" v="997"/>
+          <ac:spMkLst>
+            <pc:docMk/>
+            <pc:sldMk cId="3004351000" sldId="308"/>
+            <ac:spMk id="3" creationId="{E22175CB-2B42-6234-17B7-D1CA385CE297}"/>
           </ac:spMkLst>
         </pc:spChg>
         <pc:spChg chg="add del">
@@ -378,6 +396,14 @@
             <ac:spMk id="8" creationId="{3B13F08B-AEE4-4C95-21B6-8DF753ECA5AD}"/>
           </ac:spMkLst>
         </pc:spChg>
+        <pc:picChg chg="add mod">
+          <ac:chgData name="Carolina Craus" userId="bae62b9d695bbdd6" providerId="LiveId" clId="{32165585-CB35-4C33-B919-9B0DD83E6E32}" dt="2023-04-10T21:56:17.134" v="1000" actId="1076"/>
+          <ac:picMkLst>
+            <pc:docMk/>
+            <pc:sldMk cId="3004351000" sldId="308"/>
+            <ac:picMk id="4" creationId="{05829ABB-3EE6-0A31-7B09-DC5F34A34A16}"/>
+          </ac:picMkLst>
+        </pc:picChg>
         <pc:picChg chg="add del mod">
           <ac:chgData name="Carolina Craus" userId="bae62b9d695bbdd6" providerId="LiveId" clId="{32165585-CB35-4C33-B919-9B0DD83E6E32}" dt="2023-04-10T20:49:13.766" v="179" actId="478"/>
           <ac:picMkLst>
@@ -386,8 +412,8 @@
             <ac:picMk id="4" creationId="{1307027A-FCC3-05E0-41FE-33BF2E9DAEDD}"/>
           </ac:picMkLst>
         </pc:picChg>
-        <pc:picChg chg="add mod">
-          <ac:chgData name="Carolina Craus" userId="bae62b9d695bbdd6" providerId="LiveId" clId="{32165585-CB35-4C33-B919-9B0DD83E6E32}" dt="2023-04-10T20:49:38.648" v="185" actId="1076"/>
+        <pc:picChg chg="add del mod">
+          <ac:chgData name="Carolina Craus" userId="bae62b9d695bbdd6" providerId="LiveId" clId="{32165585-CB35-4C33-B919-9B0DD83E6E32}" dt="2023-04-10T21:56:10.428" v="995" actId="478"/>
           <ac:picMkLst>
             <pc:docMk/>
             <pc:sldMk cId="3004351000" sldId="308"/>
@@ -471,6 +497,108 @@
             <pc:docMk/>
             <pc:sldMk cId="2424990968" sldId="309"/>
             <ac:picMk id="9" creationId="{AA4E9141-2AC9-294A-243D-B52BCE5A6F0C}"/>
+          </ac:picMkLst>
+        </pc:picChg>
+      </pc:sldChg>
+      <pc:sldChg chg="addSp delSp modSp add mod ord">
+        <pc:chgData name="Carolina Craus" userId="bae62b9d695bbdd6" providerId="LiveId" clId="{32165585-CB35-4C33-B919-9B0DD83E6E32}" dt="2023-04-10T21:43:37.754" v="977" actId="14100"/>
+        <pc:sldMkLst>
+          <pc:docMk/>
+          <pc:sldMk cId="3618412313" sldId="310"/>
+        </pc:sldMkLst>
+        <pc:spChg chg="mod">
+          <ac:chgData name="Carolina Craus" userId="bae62b9d695bbdd6" providerId="LiveId" clId="{32165585-CB35-4C33-B919-9B0DD83E6E32}" dt="2023-04-10T21:42:13.487" v="966" actId="20577"/>
+          <ac:spMkLst>
+            <pc:docMk/>
+            <pc:sldMk cId="3618412313" sldId="310"/>
+            <ac:spMk id="2" creationId="{8B170740-DB3F-076A-A2D2-9555F51D2D32}"/>
+          </ac:spMkLst>
+        </pc:spChg>
+        <pc:spChg chg="add del">
+          <ac:chgData name="Carolina Craus" userId="bae62b9d695bbdd6" providerId="LiveId" clId="{32165585-CB35-4C33-B919-9B0DD83E6E32}" dt="2023-04-10T21:42:29.941" v="968"/>
+          <ac:spMkLst>
+            <pc:docMk/>
+            <pc:sldMk cId="3618412313" sldId="310"/>
+            <ac:spMk id="3" creationId="{DE8A6763-F94D-8966-4886-A2E27599AF8C}"/>
+          </ac:spMkLst>
+        </pc:spChg>
+        <pc:spChg chg="add del">
+          <ac:chgData name="Carolina Craus" userId="bae62b9d695bbdd6" providerId="LiveId" clId="{32165585-CB35-4C33-B919-9B0DD83E6E32}" dt="2023-04-10T21:43:25.848" v="972"/>
+          <ac:spMkLst>
+            <pc:docMk/>
+            <pc:sldMk cId="3618412313" sldId="310"/>
+            <ac:spMk id="5" creationId="{43A74155-0736-9B83-9455-01F521AA5E26}"/>
+          </ac:spMkLst>
+        </pc:spChg>
+        <pc:spChg chg="mod">
+          <ac:chgData name="Carolina Craus" userId="bae62b9d695bbdd6" providerId="LiveId" clId="{32165585-CB35-4C33-B919-9B0DD83E6E32}" dt="2023-04-10T21:43:37.754" v="977" actId="14100"/>
+          <ac:spMkLst>
+            <pc:docMk/>
+            <pc:sldMk cId="3618412313" sldId="310"/>
+            <ac:spMk id="8" creationId="{3B13F08B-AEE4-4C95-21B6-8DF753ECA5AD}"/>
+          </ac:spMkLst>
+        </pc:spChg>
+        <pc:picChg chg="add del">
+          <ac:chgData name="Carolina Craus" userId="bae62b9d695bbdd6" providerId="LiveId" clId="{32165585-CB35-4C33-B919-9B0DD83E6E32}" dt="2023-04-10T21:42:38.185" v="970" actId="478"/>
+          <ac:picMkLst>
+            <pc:docMk/>
+            <pc:sldMk cId="3618412313" sldId="310"/>
+            <ac:picMk id="4" creationId="{DCB0FA4C-AFCE-D085-532A-D050A799633C}"/>
+          </ac:picMkLst>
+        </pc:picChg>
+        <pc:picChg chg="add mod">
+          <ac:chgData name="Carolina Craus" userId="bae62b9d695bbdd6" providerId="LiveId" clId="{32165585-CB35-4C33-B919-9B0DD83E6E32}" dt="2023-04-10T21:43:33.045" v="976" actId="1076"/>
+          <ac:picMkLst>
+            <pc:docMk/>
+            <pc:sldMk cId="3618412313" sldId="310"/>
+            <ac:picMk id="6" creationId="{31A5EEDC-AFCB-2FFC-4B55-FE4847E482E1}"/>
+          </ac:picMkLst>
+        </pc:picChg>
+      </pc:sldChg>
+      <pc:sldChg chg="addSp delSp modSp add mod">
+        <pc:chgData name="Carolina Craus" userId="bae62b9d695bbdd6" providerId="LiveId" clId="{32165585-CB35-4C33-B919-9B0DD83E6E32}" dt="2023-04-10T22:00:00.948" v="1431" actId="20577"/>
+        <pc:sldMkLst>
+          <pc:docMk/>
+          <pc:sldMk cId="3850847422" sldId="311"/>
+        </pc:sldMkLst>
+        <pc:spChg chg="mod">
+          <ac:chgData name="Carolina Craus" userId="bae62b9d695bbdd6" providerId="LiveId" clId="{32165585-CB35-4C33-B919-9B0DD83E6E32}" dt="2023-04-10T21:44:45.689" v="994" actId="20577"/>
+          <ac:spMkLst>
+            <pc:docMk/>
+            <pc:sldMk cId="3850847422" sldId="311"/>
+            <ac:spMk id="2" creationId="{8B170740-DB3F-076A-A2D2-9555F51D2D32}"/>
+          </ac:spMkLst>
+        </pc:spChg>
+        <pc:spChg chg="add del">
+          <ac:chgData name="Carolina Craus" userId="bae62b9d695bbdd6" providerId="LiveId" clId="{32165585-CB35-4C33-B919-9B0DD83E6E32}" dt="2023-04-10T21:56:56.198" v="1003"/>
+          <ac:spMkLst>
+            <pc:docMk/>
+            <pc:sldMk cId="3850847422" sldId="311"/>
+            <ac:spMk id="3" creationId="{0118E692-67F5-E5AF-FC8D-D1ACD98452FD}"/>
+          </ac:spMkLst>
+        </pc:spChg>
+        <pc:spChg chg="mod">
+          <ac:chgData name="Carolina Craus" userId="bae62b9d695bbdd6" providerId="LiveId" clId="{32165585-CB35-4C33-B919-9B0DD83E6E32}" dt="2023-04-10T22:00:00.948" v="1431" actId="20577"/>
+          <ac:spMkLst>
+            <pc:docMk/>
+            <pc:sldMk cId="3850847422" sldId="311"/>
+            <ac:spMk id="8" creationId="{3B13F08B-AEE4-4C95-21B6-8DF753ECA5AD}"/>
+          </ac:spMkLst>
+        </pc:spChg>
+        <pc:picChg chg="add mod">
+          <ac:chgData name="Carolina Craus" userId="bae62b9d695bbdd6" providerId="LiveId" clId="{32165585-CB35-4C33-B919-9B0DD83E6E32}" dt="2023-04-10T21:57:01.482" v="1007" actId="14100"/>
+          <ac:picMkLst>
+            <pc:docMk/>
+            <pc:sldMk cId="3850847422" sldId="311"/>
+            <ac:picMk id="4" creationId="{E95009A0-2E01-1AA4-F0E7-9DED124DA7A1}"/>
+          </ac:picMkLst>
+        </pc:picChg>
+        <pc:picChg chg="del">
+          <ac:chgData name="Carolina Craus" userId="bae62b9d695bbdd6" providerId="LiveId" clId="{32165585-CB35-4C33-B919-9B0DD83E6E32}" dt="2023-04-10T21:56:54.219" v="1001" actId="478"/>
+          <ac:picMkLst>
+            <pc:docMk/>
+            <pc:sldMk cId="3850847422" sldId="311"/>
+            <ac:picMk id="6" creationId="{31A5EEDC-AFCB-2FFC-4B55-FE4847E482E1}"/>
           </ac:picMkLst>
         </pc:picChg>
       </pc:sldChg>
@@ -1152,7 +1280,7 @@
     </p:spTree>
     <p:extLst>
       <p:ext uri="{BB962C8B-B14F-4D97-AF65-F5344CB8AC3E}">
-        <p14:creationId xmlns:p14="http://schemas.microsoft.com/office/powerpoint/2010/main" val="12658897"/>
+        <p14:creationId xmlns:p14="http://schemas.microsoft.com/office/powerpoint/2010/main" val="1696743463"/>
       </p:ext>
     </p:extLst>
   </p:cSld>
@@ -1221,7 +1349,7 @@
     </p:spTree>
     <p:extLst>
       <p:ext uri="{BB962C8B-B14F-4D97-AF65-F5344CB8AC3E}">
-        <p14:creationId xmlns:p14="http://schemas.microsoft.com/office/powerpoint/2010/main" val="3868119659"/>
+        <p14:creationId xmlns:p14="http://schemas.microsoft.com/office/powerpoint/2010/main" val="2783888828"/>
       </p:ext>
     </p:extLst>
   </p:cSld>
@@ -1290,7 +1418,7 @@
     </p:spTree>
     <p:extLst>
       <p:ext uri="{BB962C8B-B14F-4D97-AF65-F5344CB8AC3E}">
-        <p14:creationId xmlns:p14="http://schemas.microsoft.com/office/powerpoint/2010/main" val="579046869"/>
+        <p14:creationId xmlns:p14="http://schemas.microsoft.com/office/powerpoint/2010/main" val="12658897"/>
       </p:ext>
     </p:extLst>
   </p:cSld>
@@ -1359,7 +1487,7 @@
     </p:spTree>
     <p:extLst>
       <p:ext uri="{BB962C8B-B14F-4D97-AF65-F5344CB8AC3E}">
-        <p14:creationId xmlns:p14="http://schemas.microsoft.com/office/powerpoint/2010/main" val="1994813416"/>
+        <p14:creationId xmlns:p14="http://schemas.microsoft.com/office/powerpoint/2010/main" val="3868119659"/>
       </p:ext>
     </p:extLst>
   </p:cSld>
@@ -1428,7 +1556,7 @@
     </p:spTree>
     <p:extLst>
       <p:ext uri="{BB962C8B-B14F-4D97-AF65-F5344CB8AC3E}">
-        <p14:creationId xmlns:p14="http://schemas.microsoft.com/office/powerpoint/2010/main" val="2131577643"/>
+        <p14:creationId xmlns:p14="http://schemas.microsoft.com/office/powerpoint/2010/main" val="579046869"/>
       </p:ext>
     </p:extLst>
   </p:cSld>
@@ -1497,7 +1625,7 @@
     </p:spTree>
     <p:extLst>
       <p:ext uri="{BB962C8B-B14F-4D97-AF65-F5344CB8AC3E}">
-        <p14:creationId xmlns:p14="http://schemas.microsoft.com/office/powerpoint/2010/main" val="3189567172"/>
+        <p14:creationId xmlns:p14="http://schemas.microsoft.com/office/powerpoint/2010/main" val="1994813416"/>
       </p:ext>
     </p:extLst>
   </p:cSld>
@@ -1566,7 +1694,7 @@
     </p:spTree>
     <p:extLst>
       <p:ext uri="{BB962C8B-B14F-4D97-AF65-F5344CB8AC3E}">
-        <p14:creationId xmlns:p14="http://schemas.microsoft.com/office/powerpoint/2010/main" val="1238886777"/>
+        <p14:creationId xmlns:p14="http://schemas.microsoft.com/office/powerpoint/2010/main" val="2131577643"/>
       </p:ext>
     </p:extLst>
   </p:cSld>
@@ -1577,11 +1705,11 @@
 </file>
 
 <file path=ppt/notesSlides/notesSlide18.xml><?xml version="1.0" encoding="utf-8"?>
-<p:notes xmlns:a="http://schemas.openxmlformats.org/drawingml/2006/main" xmlns:r="http://schemas.openxmlformats.org/officeDocument/2006/relationships" xmlns:p="http://schemas.openxmlformats.org/presentationml/2006/main" showMasterSp="0" showMasterPhAnim="0">
+<p:notes xmlns:a="http://schemas.openxmlformats.org/drawingml/2006/main" xmlns:r="http://schemas.openxmlformats.org/officeDocument/2006/relationships" xmlns:p="http://schemas.openxmlformats.org/presentationml/2006/main">
   <p:cSld>
     <p:spTree>
       <p:nvGrpSpPr>
-        <p:cNvPr id="1" name="Shape 735"/>
+        <p:cNvPr id="1" name=""/>
         <p:cNvGrpSpPr/>
         <p:nvPr/>
       </p:nvGrpSpPr>
@@ -1595,12 +1723,12 @@
       </p:grpSpPr>
       <p:sp>
         <p:nvSpPr>
-          <p:cNvPr id="736" name="Google Shape;736;g1f88252dc4_0_1535:notes"/>
+          <p:cNvPr id="2" name="Slide Image Placeholder 1"/>
           <p:cNvSpPr>
             <a:spLocks noGrp="1" noRot="1" noChangeAspect="1"/>
           </p:cNvSpPr>
           <p:nvPr>
-            <p:ph type="sldImg" idx="2"/>
+            <p:ph type="sldImg"/>
           </p:nvPr>
         </p:nvSpPr>
         <p:spPr>
@@ -1608,71 +1736,105 @@
             <a:off x="381000" y="685800"/>
             <a:ext cx="6096000" cy="3429000"/>
           </a:xfrm>
-          <a:custGeom>
-            <a:avLst/>
-            <a:gdLst/>
-            <a:ahLst/>
-            <a:cxnLst/>
-            <a:rect l="l" t="t" r="r" b="b"/>
-            <a:pathLst>
-              <a:path w="120000" h="120000" extrusionOk="0">
-                <a:moveTo>
-                  <a:pt x="0" y="0"/>
-                </a:moveTo>
-                <a:lnTo>
-                  <a:pt x="120000" y="0"/>
-                </a:lnTo>
-                <a:lnTo>
-                  <a:pt x="120000" y="120000"/>
-                </a:lnTo>
-                <a:lnTo>
-                  <a:pt x="0" y="120000"/>
-                </a:lnTo>
-                <a:close/>
-              </a:path>
-            </a:pathLst>
-          </a:custGeom>
         </p:spPr>
       </p:sp>
       <p:sp>
         <p:nvSpPr>
-          <p:cNvPr id="737" name="Google Shape;737;g1f88252dc4_0_1535:notes"/>
-          <p:cNvSpPr txBox="1">
+          <p:cNvPr id="3" name="Notes Placeholder 2"/>
+          <p:cNvSpPr>
             <a:spLocks noGrp="1"/>
           </p:cNvSpPr>
           <p:nvPr>
             <p:ph type="body" idx="1"/>
           </p:nvPr>
         </p:nvSpPr>
-        <p:spPr>
-          <a:xfrm>
-            <a:off x="685800" y="4343400"/>
-            <a:ext cx="5486400" cy="4114800"/>
-          </a:xfrm>
-          <a:prstGeom prst="rect">
-            <a:avLst/>
-          </a:prstGeom>
-        </p:spPr>
+        <p:spPr/>
         <p:txBody>
-          <a:bodyPr spcFirstLastPara="1" wrap="square" lIns="91425" tIns="91425" rIns="91425" bIns="91425" anchor="t" anchorCtr="0">
-            <a:noAutofit/>
-          </a:bodyPr>
+          <a:bodyPr/>
           <a:lstStyle/>
           <a:p>
-            <a:pPr marL="0" lvl="0" indent="0" algn="l" rtl="0">
-              <a:spcBef>
-                <a:spcPts val="0"/>
-              </a:spcBef>
-              <a:spcAft>
-                <a:spcPts val="0"/>
-              </a:spcAft>
+            <a:pPr marL="139700" indent="0">
               <a:buNone/>
             </a:pPr>
-            <a:endParaRPr dirty="0"/>
+            <a:endParaRPr lang="en-US" dirty="0"/>
           </a:p>
         </p:txBody>
       </p:sp>
     </p:spTree>
+    <p:extLst>
+      <p:ext uri="{BB962C8B-B14F-4D97-AF65-F5344CB8AC3E}">
+        <p14:creationId xmlns:p14="http://schemas.microsoft.com/office/powerpoint/2010/main" val="3189567172"/>
+      </p:ext>
+    </p:extLst>
+  </p:cSld>
+  <p:clrMapOvr>
+    <a:masterClrMapping/>
+  </p:clrMapOvr>
+</p:notes>
+</file>
+
+<file path=ppt/notesSlides/notesSlide19.xml><?xml version="1.0" encoding="utf-8"?>
+<p:notes xmlns:a="http://schemas.openxmlformats.org/drawingml/2006/main" xmlns:r="http://schemas.openxmlformats.org/officeDocument/2006/relationships" xmlns:p="http://schemas.openxmlformats.org/presentationml/2006/main">
+  <p:cSld>
+    <p:spTree>
+      <p:nvGrpSpPr>
+        <p:cNvPr id="1" name=""/>
+        <p:cNvGrpSpPr/>
+        <p:nvPr/>
+      </p:nvGrpSpPr>
+      <p:grpSpPr>
+        <a:xfrm>
+          <a:off x="0" y="0"/>
+          <a:ext cx="0" cy="0"/>
+          <a:chOff x="0" y="0"/>
+          <a:chExt cx="0" cy="0"/>
+        </a:xfrm>
+      </p:grpSpPr>
+      <p:sp>
+        <p:nvSpPr>
+          <p:cNvPr id="2" name="Slide Image Placeholder 1"/>
+          <p:cNvSpPr>
+            <a:spLocks noGrp="1" noRot="1" noChangeAspect="1"/>
+          </p:cNvSpPr>
+          <p:nvPr>
+            <p:ph type="sldImg"/>
+          </p:nvPr>
+        </p:nvSpPr>
+        <p:spPr>
+          <a:xfrm>
+            <a:off x="381000" y="685800"/>
+            <a:ext cx="6096000" cy="3429000"/>
+          </a:xfrm>
+        </p:spPr>
+      </p:sp>
+      <p:sp>
+        <p:nvSpPr>
+          <p:cNvPr id="3" name="Notes Placeholder 2"/>
+          <p:cNvSpPr>
+            <a:spLocks noGrp="1"/>
+          </p:cNvSpPr>
+          <p:nvPr>
+            <p:ph type="body" idx="1"/>
+          </p:nvPr>
+        </p:nvSpPr>
+        <p:spPr/>
+        <p:txBody>
+          <a:bodyPr/>
+          <a:lstStyle/>
+          <a:p>
+            <a:pPr marL="139700" indent="0">
+              <a:buNone/>
+            </a:pPr>
+            <a:endParaRPr lang="en-US" dirty="0"/>
+          </a:p>
+        </p:txBody>
+      </p:sp>
+    </p:spTree>
+    <p:extLst>
+      <p:ext uri="{BB962C8B-B14F-4D97-AF65-F5344CB8AC3E}">
+        <p14:creationId xmlns:p14="http://schemas.microsoft.com/office/powerpoint/2010/main" val="1238886777"/>
+      </p:ext>
+    </p:extLst>
   </p:cSld>
   <p:clrMapOvr>
     <a:masterClrMapping/>
@@ -1741,6 +1903,110 @@
       <p:sp>
         <p:nvSpPr>
           <p:cNvPr id="180" name="Google Shape;180;g1f88252dc4_0_83:notes"/>
+          <p:cNvSpPr txBox="1">
+            <a:spLocks noGrp="1"/>
+          </p:cNvSpPr>
+          <p:nvPr>
+            <p:ph type="body" idx="1"/>
+          </p:nvPr>
+        </p:nvSpPr>
+        <p:spPr>
+          <a:xfrm>
+            <a:off x="685800" y="4343400"/>
+            <a:ext cx="5486400" cy="4114800"/>
+          </a:xfrm>
+          <a:prstGeom prst="rect">
+            <a:avLst/>
+          </a:prstGeom>
+        </p:spPr>
+        <p:txBody>
+          <a:bodyPr spcFirstLastPara="1" wrap="square" lIns="91425" tIns="91425" rIns="91425" bIns="91425" anchor="t" anchorCtr="0">
+            <a:noAutofit/>
+          </a:bodyPr>
+          <a:lstStyle/>
+          <a:p>
+            <a:pPr marL="0" lvl="0" indent="0" algn="l" rtl="0">
+              <a:spcBef>
+                <a:spcPts val="0"/>
+              </a:spcBef>
+              <a:spcAft>
+                <a:spcPts val="0"/>
+              </a:spcAft>
+              <a:buNone/>
+            </a:pPr>
+            <a:endParaRPr dirty="0"/>
+          </a:p>
+        </p:txBody>
+      </p:sp>
+    </p:spTree>
+  </p:cSld>
+  <p:clrMapOvr>
+    <a:masterClrMapping/>
+  </p:clrMapOvr>
+</p:notes>
+</file>
+
+<file path=ppt/notesSlides/notesSlide20.xml><?xml version="1.0" encoding="utf-8"?>
+<p:notes xmlns:a="http://schemas.openxmlformats.org/drawingml/2006/main" xmlns:r="http://schemas.openxmlformats.org/officeDocument/2006/relationships" xmlns:p="http://schemas.openxmlformats.org/presentationml/2006/main" showMasterSp="0" showMasterPhAnim="0">
+  <p:cSld>
+    <p:spTree>
+      <p:nvGrpSpPr>
+        <p:cNvPr id="1" name="Shape 735"/>
+        <p:cNvGrpSpPr/>
+        <p:nvPr/>
+      </p:nvGrpSpPr>
+      <p:grpSpPr>
+        <a:xfrm>
+          <a:off x="0" y="0"/>
+          <a:ext cx="0" cy="0"/>
+          <a:chOff x="0" y="0"/>
+          <a:chExt cx="0" cy="0"/>
+        </a:xfrm>
+      </p:grpSpPr>
+      <p:sp>
+        <p:nvSpPr>
+          <p:cNvPr id="736" name="Google Shape;736;g1f88252dc4_0_1535:notes"/>
+          <p:cNvSpPr>
+            <a:spLocks noGrp="1" noRot="1" noChangeAspect="1"/>
+          </p:cNvSpPr>
+          <p:nvPr>
+            <p:ph type="sldImg" idx="2"/>
+          </p:nvPr>
+        </p:nvSpPr>
+        <p:spPr>
+          <a:xfrm>
+            <a:off x="381000" y="685800"/>
+            <a:ext cx="6096000" cy="3429000"/>
+          </a:xfrm>
+          <a:custGeom>
+            <a:avLst/>
+            <a:gdLst/>
+            <a:ahLst/>
+            <a:cxnLst/>
+            <a:rect l="l" t="t" r="r" b="b"/>
+            <a:pathLst>
+              <a:path w="120000" h="120000" extrusionOk="0">
+                <a:moveTo>
+                  <a:pt x="0" y="0"/>
+                </a:moveTo>
+                <a:lnTo>
+                  <a:pt x="120000" y="0"/>
+                </a:lnTo>
+                <a:lnTo>
+                  <a:pt x="120000" y="120000"/>
+                </a:lnTo>
+                <a:lnTo>
+                  <a:pt x="0" y="120000"/>
+                </a:lnTo>
+                <a:close/>
+              </a:path>
+            </a:pathLst>
+          </a:custGeom>
+        </p:spPr>
+      </p:sp>
+      <p:sp>
+        <p:nvSpPr>
+          <p:cNvPr id="737" name="Google Shape;737;g1f88252dc4_0_1535:notes"/>
           <p:cNvSpPr txBox="1">
             <a:spLocks noGrp="1"/>
           </p:cNvSpPr>
@@ -11580,7 +11846,7 @@
                   </a:schemeClr>
                 </a:solidFill>
               </a:rPr>
-              <a:t>Relationship between Month and Y</a:t>
+              <a:t>Relationship between Month and Term Deposit Subscriptions</a:t>
             </a:r>
           </a:p>
         </p:txBody>
@@ -11897,10 +12163,10 @@
       </p:sp>
       <p:pic>
         <p:nvPicPr>
-          <p:cNvPr id="6" name="Picture 5">
+          <p:cNvPr id="4" name="Picture 3">
             <a:extLst>
               <a:ext uri="{FF2B5EF4-FFF2-40B4-BE49-F238E27FC236}">
-                <a16:creationId xmlns:a16="http://schemas.microsoft.com/office/drawing/2014/main" id="{92F350EB-A179-C072-4BB8-1935AE3A0486}"/>
+                <a16:creationId xmlns:a16="http://schemas.microsoft.com/office/drawing/2014/main" id="{05829ABB-3EE6-0A31-7B09-DC5F34A34A16}"/>
               </a:ext>
             </a:extLst>
           </p:cNvPr>
@@ -11917,8 +12183,8 @@
         </p:blipFill>
         <p:spPr>
           <a:xfrm>
-            <a:off x="3728898" y="1417194"/>
-            <a:ext cx="5478173" cy="3382357"/>
+            <a:off x="3670029" y="1780528"/>
+            <a:ext cx="5188745" cy="3203657"/>
           </a:xfrm>
           <a:prstGeom prst="rect">
             <a:avLst/>
@@ -11942,6 +12208,858 @@
 </file>
 
 <file path=ppt/slides/slide11.xml><?xml version="1.0" encoding="utf-8"?>
+<p:sld xmlns:a="http://schemas.openxmlformats.org/drawingml/2006/main" xmlns:r="http://schemas.openxmlformats.org/officeDocument/2006/relationships" xmlns:p="http://schemas.openxmlformats.org/presentationml/2006/main">
+  <p:cSld>
+    <p:spTree>
+      <p:nvGrpSpPr>
+        <p:cNvPr id="1" name=""/>
+        <p:cNvGrpSpPr/>
+        <p:nvPr/>
+      </p:nvGrpSpPr>
+      <p:grpSpPr>
+        <a:xfrm>
+          <a:off x="0" y="0"/>
+          <a:ext cx="0" cy="0"/>
+          <a:chOff x="0" y="0"/>
+          <a:chExt cx="0" cy="0"/>
+        </a:xfrm>
+      </p:grpSpPr>
+      <p:sp>
+        <p:nvSpPr>
+          <p:cNvPr id="2" name="Text Placeholder 1">
+            <a:extLst>
+              <a:ext uri="{FF2B5EF4-FFF2-40B4-BE49-F238E27FC236}">
+                <a16:creationId xmlns:a16="http://schemas.microsoft.com/office/drawing/2014/main" id="{8B170740-DB3F-076A-A2D2-9555F51D2D32}"/>
+              </a:ext>
+            </a:extLst>
+          </p:cNvPr>
+          <p:cNvSpPr>
+            <a:spLocks noGrp="1"/>
+          </p:cNvSpPr>
+          <p:nvPr>
+            <p:ph type="body" idx="1"/>
+          </p:nvPr>
+        </p:nvSpPr>
+        <p:spPr>
+          <a:xfrm>
+            <a:off x="729450" y="726744"/>
+            <a:ext cx="7688700" cy="1034400"/>
+          </a:xfrm>
+        </p:spPr>
+        <p:txBody>
+          <a:bodyPr/>
+          <a:lstStyle/>
+          <a:p>
+            <a:pPr marL="146050" indent="0">
+              <a:buNone/>
+            </a:pPr>
+            <a:r>
+              <a:rPr kumimoji="0" lang="en-US" sz="2600" b="1" i="0" u="none" strike="noStrike" kern="0" cap="none" spc="0" normalizeH="0" baseline="0" noProof="0" dirty="0">
+                <a:ln>
+                  <a:noFill/>
+                </a:ln>
+                <a:solidFill>
+                  <a:srgbClr val="1A1A1A"/>
+                </a:solidFill>
+                <a:effectLst/>
+                <a:uLnTx/>
+                <a:uFillTx/>
+                <a:latin typeface="Raleway"/>
+                <a:sym typeface="Raleway"/>
+              </a:rPr>
+              <a:t>Exploratory Data Analysis</a:t>
+            </a:r>
+          </a:p>
+          <a:p>
+            <a:pPr marL="146050" indent="0">
+              <a:buNone/>
+            </a:pPr>
+            <a:r>
+              <a:rPr lang="en-US" dirty="0">
+                <a:solidFill>
+                  <a:schemeClr val="bg1">
+                    <a:lumMod val="65000"/>
+                  </a:schemeClr>
+                </a:solidFill>
+              </a:rPr>
+              <a:t>Relationship between Age and Term Deposit Subscriptions</a:t>
+            </a:r>
+          </a:p>
+        </p:txBody>
+      </p:sp>
+      <p:sp>
+        <p:nvSpPr>
+          <p:cNvPr id="8" name="Text Placeholder 2">
+            <a:extLst>
+              <a:ext uri="{FF2B5EF4-FFF2-40B4-BE49-F238E27FC236}">
+                <a16:creationId xmlns:a16="http://schemas.microsoft.com/office/drawing/2014/main" id="{3B13F08B-AEE4-4C95-21B6-8DF753ECA5AD}"/>
+              </a:ext>
+            </a:extLst>
+          </p:cNvPr>
+          <p:cNvSpPr txBox="1">
+            <a:spLocks/>
+          </p:cNvSpPr>
+          <p:nvPr/>
+        </p:nvSpPr>
+        <p:spPr>
+          <a:xfrm>
+            <a:off x="725850" y="1761143"/>
+            <a:ext cx="2025739" cy="2332685"/>
+          </a:xfrm>
+          <a:prstGeom prst="rect">
+            <a:avLst/>
+          </a:prstGeom>
+          <a:noFill/>
+          <a:ln>
+            <a:noFill/>
+          </a:ln>
+        </p:spPr>
+        <p:txBody>
+          <a:bodyPr spcFirstLastPara="1" wrap="square" lIns="91425" tIns="91425" rIns="91425" bIns="91425" anchor="t" anchorCtr="0">
+            <a:noAutofit/>
+          </a:bodyPr>
+          <a:lstStyle>
+            <a:defPPr marR="0" lvl="0" algn="l" rtl="0">
+              <a:lnSpc>
+                <a:spcPct val="100000"/>
+              </a:lnSpc>
+              <a:spcBef>
+                <a:spcPts val="0"/>
+              </a:spcBef>
+              <a:spcAft>
+                <a:spcPts val="0"/>
+              </a:spcAft>
+            </a:defPPr>
+            <a:lvl1pPr marL="457200" marR="0" lvl="0" indent="-311150" algn="l" rtl="0">
+              <a:lnSpc>
+                <a:spcPct val="115000"/>
+              </a:lnSpc>
+              <a:spcBef>
+                <a:spcPts val="0"/>
+              </a:spcBef>
+              <a:spcAft>
+                <a:spcPts val="0"/>
+              </a:spcAft>
+              <a:buClr>
+                <a:schemeClr val="accent1"/>
+              </a:buClr>
+              <a:buSzPts val="1300"/>
+              <a:buFont typeface="Lato"/>
+              <a:buChar char="●"/>
+              <a:defRPr sz="1300" b="0" i="0" u="none" strike="noStrike" cap="none">
+                <a:solidFill>
+                  <a:schemeClr val="accent1"/>
+                </a:solidFill>
+                <a:latin typeface="Lato"/>
+                <a:ea typeface="Lato"/>
+                <a:cs typeface="Lato"/>
+                <a:sym typeface="Lato"/>
+              </a:defRPr>
+            </a:lvl1pPr>
+            <a:lvl2pPr marL="914400" marR="0" lvl="1" indent="-298450" algn="l" rtl="0">
+              <a:lnSpc>
+                <a:spcPct val="115000"/>
+              </a:lnSpc>
+              <a:spcBef>
+                <a:spcPts val="1600"/>
+              </a:spcBef>
+              <a:spcAft>
+                <a:spcPts val="0"/>
+              </a:spcAft>
+              <a:buClr>
+                <a:schemeClr val="accent1"/>
+              </a:buClr>
+              <a:buSzPts val="1100"/>
+              <a:buFont typeface="Lato"/>
+              <a:buChar char="○"/>
+              <a:defRPr sz="1100" b="0" i="0" u="none" strike="noStrike" cap="none">
+                <a:solidFill>
+                  <a:schemeClr val="accent1"/>
+                </a:solidFill>
+                <a:latin typeface="Lato"/>
+                <a:ea typeface="Lato"/>
+                <a:cs typeface="Lato"/>
+                <a:sym typeface="Lato"/>
+              </a:defRPr>
+            </a:lvl2pPr>
+            <a:lvl3pPr marL="1371600" marR="0" lvl="2" indent="-298450" algn="l" rtl="0">
+              <a:lnSpc>
+                <a:spcPct val="115000"/>
+              </a:lnSpc>
+              <a:spcBef>
+                <a:spcPts val="1600"/>
+              </a:spcBef>
+              <a:spcAft>
+                <a:spcPts val="0"/>
+              </a:spcAft>
+              <a:buClr>
+                <a:schemeClr val="accent1"/>
+              </a:buClr>
+              <a:buSzPts val="1100"/>
+              <a:buFont typeface="Lato"/>
+              <a:buChar char="■"/>
+              <a:defRPr sz="1100" b="0" i="0" u="none" strike="noStrike" cap="none">
+                <a:solidFill>
+                  <a:schemeClr val="accent1"/>
+                </a:solidFill>
+                <a:latin typeface="Lato"/>
+                <a:ea typeface="Lato"/>
+                <a:cs typeface="Lato"/>
+                <a:sym typeface="Lato"/>
+              </a:defRPr>
+            </a:lvl3pPr>
+            <a:lvl4pPr marL="1828800" marR="0" lvl="3" indent="-298450" algn="l" rtl="0">
+              <a:lnSpc>
+                <a:spcPct val="115000"/>
+              </a:lnSpc>
+              <a:spcBef>
+                <a:spcPts val="1600"/>
+              </a:spcBef>
+              <a:spcAft>
+                <a:spcPts val="0"/>
+              </a:spcAft>
+              <a:buClr>
+                <a:schemeClr val="accent1"/>
+              </a:buClr>
+              <a:buSzPts val="1100"/>
+              <a:buFont typeface="Lato"/>
+              <a:buChar char="●"/>
+              <a:defRPr sz="1100" b="0" i="0" u="none" strike="noStrike" cap="none">
+                <a:solidFill>
+                  <a:schemeClr val="accent1"/>
+                </a:solidFill>
+                <a:latin typeface="Lato"/>
+                <a:ea typeface="Lato"/>
+                <a:cs typeface="Lato"/>
+                <a:sym typeface="Lato"/>
+              </a:defRPr>
+            </a:lvl4pPr>
+            <a:lvl5pPr marL="2286000" marR="0" lvl="4" indent="-298450" algn="l" rtl="0">
+              <a:lnSpc>
+                <a:spcPct val="115000"/>
+              </a:lnSpc>
+              <a:spcBef>
+                <a:spcPts val="1600"/>
+              </a:spcBef>
+              <a:spcAft>
+                <a:spcPts val="0"/>
+              </a:spcAft>
+              <a:buClr>
+                <a:schemeClr val="accent1"/>
+              </a:buClr>
+              <a:buSzPts val="1100"/>
+              <a:buFont typeface="Lato"/>
+              <a:buChar char="○"/>
+              <a:defRPr sz="1100" b="0" i="0" u="none" strike="noStrike" cap="none">
+                <a:solidFill>
+                  <a:schemeClr val="accent1"/>
+                </a:solidFill>
+                <a:latin typeface="Lato"/>
+                <a:ea typeface="Lato"/>
+                <a:cs typeface="Lato"/>
+                <a:sym typeface="Lato"/>
+              </a:defRPr>
+            </a:lvl5pPr>
+            <a:lvl6pPr marL="2743200" marR="0" lvl="5" indent="-298450" algn="l" rtl="0">
+              <a:lnSpc>
+                <a:spcPct val="115000"/>
+              </a:lnSpc>
+              <a:spcBef>
+                <a:spcPts val="1600"/>
+              </a:spcBef>
+              <a:spcAft>
+                <a:spcPts val="0"/>
+              </a:spcAft>
+              <a:buClr>
+                <a:schemeClr val="accent1"/>
+              </a:buClr>
+              <a:buSzPts val="1100"/>
+              <a:buFont typeface="Lato"/>
+              <a:buChar char="■"/>
+              <a:defRPr sz="1100" b="0" i="0" u="none" strike="noStrike" cap="none">
+                <a:solidFill>
+                  <a:schemeClr val="accent1"/>
+                </a:solidFill>
+                <a:latin typeface="Lato"/>
+                <a:ea typeface="Lato"/>
+                <a:cs typeface="Lato"/>
+                <a:sym typeface="Lato"/>
+              </a:defRPr>
+            </a:lvl6pPr>
+            <a:lvl7pPr marL="3200400" marR="0" lvl="6" indent="-298450" algn="l" rtl="0">
+              <a:lnSpc>
+                <a:spcPct val="115000"/>
+              </a:lnSpc>
+              <a:spcBef>
+                <a:spcPts val="1600"/>
+              </a:spcBef>
+              <a:spcAft>
+                <a:spcPts val="0"/>
+              </a:spcAft>
+              <a:buClr>
+                <a:schemeClr val="accent1"/>
+              </a:buClr>
+              <a:buSzPts val="1100"/>
+              <a:buFont typeface="Lato"/>
+              <a:buChar char="●"/>
+              <a:defRPr sz="1100" b="0" i="0" u="none" strike="noStrike" cap="none">
+                <a:solidFill>
+                  <a:schemeClr val="accent1"/>
+                </a:solidFill>
+                <a:latin typeface="Lato"/>
+                <a:ea typeface="Lato"/>
+                <a:cs typeface="Lato"/>
+                <a:sym typeface="Lato"/>
+              </a:defRPr>
+            </a:lvl7pPr>
+            <a:lvl8pPr marL="3657600" marR="0" lvl="7" indent="-298450" algn="l" rtl="0">
+              <a:lnSpc>
+                <a:spcPct val="115000"/>
+              </a:lnSpc>
+              <a:spcBef>
+                <a:spcPts val="1600"/>
+              </a:spcBef>
+              <a:spcAft>
+                <a:spcPts val="0"/>
+              </a:spcAft>
+              <a:buClr>
+                <a:schemeClr val="accent1"/>
+              </a:buClr>
+              <a:buSzPts val="1100"/>
+              <a:buFont typeface="Lato"/>
+              <a:buChar char="○"/>
+              <a:defRPr sz="1100" b="0" i="0" u="none" strike="noStrike" cap="none">
+                <a:solidFill>
+                  <a:schemeClr val="accent1"/>
+                </a:solidFill>
+                <a:latin typeface="Lato"/>
+                <a:ea typeface="Lato"/>
+                <a:cs typeface="Lato"/>
+                <a:sym typeface="Lato"/>
+              </a:defRPr>
+            </a:lvl8pPr>
+            <a:lvl9pPr marL="4114800" marR="0" lvl="8" indent="-298450" algn="l" rtl="0">
+              <a:lnSpc>
+                <a:spcPct val="115000"/>
+              </a:lnSpc>
+              <a:spcBef>
+                <a:spcPts val="1600"/>
+              </a:spcBef>
+              <a:spcAft>
+                <a:spcPts val="1600"/>
+              </a:spcAft>
+              <a:buClr>
+                <a:schemeClr val="accent1"/>
+              </a:buClr>
+              <a:buSzPts val="1100"/>
+              <a:buFont typeface="Lato"/>
+              <a:buChar char="■"/>
+              <a:defRPr sz="1100" b="0" i="0" u="none" strike="noStrike" cap="none">
+                <a:solidFill>
+                  <a:schemeClr val="accent1"/>
+                </a:solidFill>
+                <a:latin typeface="Lato"/>
+                <a:ea typeface="Lato"/>
+                <a:cs typeface="Lato"/>
+                <a:sym typeface="Lato"/>
+              </a:defRPr>
+            </a:lvl9pPr>
+          </a:lstStyle>
+          <a:p>
+            <a:pPr marL="146050" indent="0">
+              <a:buNone/>
+            </a:pPr>
+            <a:r>
+              <a:rPr lang="en-US" dirty="0"/>
+              <a:t>More EDA here on the following slides</a:t>
+            </a:r>
+          </a:p>
+        </p:txBody>
+      </p:sp>
+      <p:pic>
+        <p:nvPicPr>
+          <p:cNvPr id="6" name="Picture 5">
+            <a:extLst>
+              <a:ext uri="{FF2B5EF4-FFF2-40B4-BE49-F238E27FC236}">
+                <a16:creationId xmlns:a16="http://schemas.microsoft.com/office/drawing/2014/main" id="{31A5EEDC-AFCB-2FFC-4B55-FE4847E482E1}"/>
+              </a:ext>
+            </a:extLst>
+          </p:cNvPr>
+          <p:cNvPicPr>
+            <a:picLocks noChangeAspect="1"/>
+          </p:cNvPicPr>
+          <p:nvPr/>
+        </p:nvPicPr>
+        <p:blipFill>
+          <a:blip r:embed="rId4"/>
+          <a:stretch>
+            <a:fillRect/>
+          </a:stretch>
+        </p:blipFill>
+        <p:spPr>
+          <a:xfrm>
+            <a:off x="3529352" y="1635852"/>
+            <a:ext cx="5267312" cy="3250684"/>
+          </a:xfrm>
+          <a:prstGeom prst="rect">
+            <a:avLst/>
+          </a:prstGeom>
+        </p:spPr>
+      </p:pic>
+    </p:spTree>
+    <p:custDataLst>
+      <p:tags r:id="rId1"/>
+    </p:custDataLst>
+    <p:extLst>
+      <p:ext uri="{BB962C8B-B14F-4D97-AF65-F5344CB8AC3E}">
+        <p14:creationId xmlns:p14="http://schemas.microsoft.com/office/powerpoint/2010/main" val="3618412313"/>
+      </p:ext>
+    </p:extLst>
+  </p:cSld>
+  <p:clrMapOvr>
+    <a:masterClrMapping/>
+  </p:clrMapOvr>
+</p:sld>
+</file>
+
+<file path=ppt/slides/slide12.xml><?xml version="1.0" encoding="utf-8"?>
+<p:sld xmlns:a="http://schemas.openxmlformats.org/drawingml/2006/main" xmlns:r="http://schemas.openxmlformats.org/officeDocument/2006/relationships" xmlns:p="http://schemas.openxmlformats.org/presentationml/2006/main">
+  <p:cSld>
+    <p:spTree>
+      <p:nvGrpSpPr>
+        <p:cNvPr id="1" name=""/>
+        <p:cNvGrpSpPr/>
+        <p:nvPr/>
+      </p:nvGrpSpPr>
+      <p:grpSpPr>
+        <a:xfrm>
+          <a:off x="0" y="0"/>
+          <a:ext cx="0" cy="0"/>
+          <a:chOff x="0" y="0"/>
+          <a:chExt cx="0" cy="0"/>
+        </a:xfrm>
+      </p:grpSpPr>
+      <p:sp>
+        <p:nvSpPr>
+          <p:cNvPr id="2" name="Text Placeholder 1">
+            <a:extLst>
+              <a:ext uri="{FF2B5EF4-FFF2-40B4-BE49-F238E27FC236}">
+                <a16:creationId xmlns:a16="http://schemas.microsoft.com/office/drawing/2014/main" id="{8B170740-DB3F-076A-A2D2-9555F51D2D32}"/>
+              </a:ext>
+            </a:extLst>
+          </p:cNvPr>
+          <p:cNvSpPr>
+            <a:spLocks noGrp="1"/>
+          </p:cNvSpPr>
+          <p:nvPr>
+            <p:ph type="body" idx="1"/>
+          </p:nvPr>
+        </p:nvSpPr>
+        <p:spPr>
+          <a:xfrm>
+            <a:off x="729450" y="726744"/>
+            <a:ext cx="7688700" cy="1034400"/>
+          </a:xfrm>
+        </p:spPr>
+        <p:txBody>
+          <a:bodyPr/>
+          <a:lstStyle/>
+          <a:p>
+            <a:pPr marL="146050" indent="0">
+              <a:buNone/>
+            </a:pPr>
+            <a:r>
+              <a:rPr kumimoji="0" lang="en-US" sz="2600" b="1" i="0" u="none" strike="noStrike" kern="0" cap="none" spc="0" normalizeH="0" baseline="0" noProof="0" dirty="0">
+                <a:ln>
+                  <a:noFill/>
+                </a:ln>
+                <a:solidFill>
+                  <a:srgbClr val="1A1A1A"/>
+                </a:solidFill>
+                <a:effectLst/>
+                <a:uLnTx/>
+                <a:uFillTx/>
+                <a:latin typeface="Raleway"/>
+                <a:sym typeface="Raleway"/>
+              </a:rPr>
+              <a:t>Exploratory Data Analysis</a:t>
+            </a:r>
+          </a:p>
+          <a:p>
+            <a:pPr marL="146050" indent="0">
+              <a:buNone/>
+            </a:pPr>
+            <a:r>
+              <a:rPr lang="en-US" dirty="0">
+                <a:solidFill>
+                  <a:schemeClr val="bg1">
+                    <a:lumMod val="65000"/>
+                  </a:schemeClr>
+                </a:solidFill>
+              </a:rPr>
+              <a:t>Relationship between Job Type and Term Deposit Subscriptions</a:t>
+            </a:r>
+          </a:p>
+        </p:txBody>
+      </p:sp>
+      <p:sp>
+        <p:nvSpPr>
+          <p:cNvPr id="8" name="Text Placeholder 2">
+            <a:extLst>
+              <a:ext uri="{FF2B5EF4-FFF2-40B4-BE49-F238E27FC236}">
+                <a16:creationId xmlns:a16="http://schemas.microsoft.com/office/drawing/2014/main" id="{3B13F08B-AEE4-4C95-21B6-8DF753ECA5AD}"/>
+              </a:ext>
+            </a:extLst>
+          </p:cNvPr>
+          <p:cNvSpPr txBox="1">
+            <a:spLocks/>
+          </p:cNvSpPr>
+          <p:nvPr/>
+        </p:nvSpPr>
+        <p:spPr>
+          <a:xfrm>
+            <a:off x="302004" y="1945700"/>
+            <a:ext cx="2877423" cy="2844413"/>
+          </a:xfrm>
+          <a:prstGeom prst="rect">
+            <a:avLst/>
+          </a:prstGeom>
+          <a:noFill/>
+          <a:ln>
+            <a:noFill/>
+          </a:ln>
+        </p:spPr>
+        <p:txBody>
+          <a:bodyPr spcFirstLastPara="1" wrap="square" lIns="91425" tIns="91425" rIns="91425" bIns="91425" anchor="t" anchorCtr="0">
+            <a:noAutofit/>
+          </a:bodyPr>
+          <a:lstStyle>
+            <a:defPPr marR="0" lvl="0" algn="l" rtl="0">
+              <a:lnSpc>
+                <a:spcPct val="100000"/>
+              </a:lnSpc>
+              <a:spcBef>
+                <a:spcPts val="0"/>
+              </a:spcBef>
+              <a:spcAft>
+                <a:spcPts val="0"/>
+              </a:spcAft>
+            </a:defPPr>
+            <a:lvl1pPr marL="457200" marR="0" lvl="0" indent="-311150" algn="l" rtl="0">
+              <a:lnSpc>
+                <a:spcPct val="115000"/>
+              </a:lnSpc>
+              <a:spcBef>
+                <a:spcPts val="0"/>
+              </a:spcBef>
+              <a:spcAft>
+                <a:spcPts val="0"/>
+              </a:spcAft>
+              <a:buClr>
+                <a:schemeClr val="accent1"/>
+              </a:buClr>
+              <a:buSzPts val="1300"/>
+              <a:buFont typeface="Lato"/>
+              <a:buChar char="●"/>
+              <a:defRPr sz="1300" b="0" i="0" u="none" strike="noStrike" cap="none">
+                <a:solidFill>
+                  <a:schemeClr val="accent1"/>
+                </a:solidFill>
+                <a:latin typeface="Lato"/>
+                <a:ea typeface="Lato"/>
+                <a:cs typeface="Lato"/>
+                <a:sym typeface="Lato"/>
+              </a:defRPr>
+            </a:lvl1pPr>
+            <a:lvl2pPr marL="914400" marR="0" lvl="1" indent="-298450" algn="l" rtl="0">
+              <a:lnSpc>
+                <a:spcPct val="115000"/>
+              </a:lnSpc>
+              <a:spcBef>
+                <a:spcPts val="1600"/>
+              </a:spcBef>
+              <a:spcAft>
+                <a:spcPts val="0"/>
+              </a:spcAft>
+              <a:buClr>
+                <a:schemeClr val="accent1"/>
+              </a:buClr>
+              <a:buSzPts val="1100"/>
+              <a:buFont typeface="Lato"/>
+              <a:buChar char="○"/>
+              <a:defRPr sz="1100" b="0" i="0" u="none" strike="noStrike" cap="none">
+                <a:solidFill>
+                  <a:schemeClr val="accent1"/>
+                </a:solidFill>
+                <a:latin typeface="Lato"/>
+                <a:ea typeface="Lato"/>
+                <a:cs typeface="Lato"/>
+                <a:sym typeface="Lato"/>
+              </a:defRPr>
+            </a:lvl2pPr>
+            <a:lvl3pPr marL="1371600" marR="0" lvl="2" indent="-298450" algn="l" rtl="0">
+              <a:lnSpc>
+                <a:spcPct val="115000"/>
+              </a:lnSpc>
+              <a:spcBef>
+                <a:spcPts val="1600"/>
+              </a:spcBef>
+              <a:spcAft>
+                <a:spcPts val="0"/>
+              </a:spcAft>
+              <a:buClr>
+                <a:schemeClr val="accent1"/>
+              </a:buClr>
+              <a:buSzPts val="1100"/>
+              <a:buFont typeface="Lato"/>
+              <a:buChar char="■"/>
+              <a:defRPr sz="1100" b="0" i="0" u="none" strike="noStrike" cap="none">
+                <a:solidFill>
+                  <a:schemeClr val="accent1"/>
+                </a:solidFill>
+                <a:latin typeface="Lato"/>
+                <a:ea typeface="Lato"/>
+                <a:cs typeface="Lato"/>
+                <a:sym typeface="Lato"/>
+              </a:defRPr>
+            </a:lvl3pPr>
+            <a:lvl4pPr marL="1828800" marR="0" lvl="3" indent="-298450" algn="l" rtl="0">
+              <a:lnSpc>
+                <a:spcPct val="115000"/>
+              </a:lnSpc>
+              <a:spcBef>
+                <a:spcPts val="1600"/>
+              </a:spcBef>
+              <a:spcAft>
+                <a:spcPts val="0"/>
+              </a:spcAft>
+              <a:buClr>
+                <a:schemeClr val="accent1"/>
+              </a:buClr>
+              <a:buSzPts val="1100"/>
+              <a:buFont typeface="Lato"/>
+              <a:buChar char="●"/>
+              <a:defRPr sz="1100" b="0" i="0" u="none" strike="noStrike" cap="none">
+                <a:solidFill>
+                  <a:schemeClr val="accent1"/>
+                </a:solidFill>
+                <a:latin typeface="Lato"/>
+                <a:ea typeface="Lato"/>
+                <a:cs typeface="Lato"/>
+                <a:sym typeface="Lato"/>
+              </a:defRPr>
+            </a:lvl4pPr>
+            <a:lvl5pPr marL="2286000" marR="0" lvl="4" indent="-298450" algn="l" rtl="0">
+              <a:lnSpc>
+                <a:spcPct val="115000"/>
+              </a:lnSpc>
+              <a:spcBef>
+                <a:spcPts val="1600"/>
+              </a:spcBef>
+              <a:spcAft>
+                <a:spcPts val="0"/>
+              </a:spcAft>
+              <a:buClr>
+                <a:schemeClr val="accent1"/>
+              </a:buClr>
+              <a:buSzPts val="1100"/>
+              <a:buFont typeface="Lato"/>
+              <a:buChar char="○"/>
+              <a:defRPr sz="1100" b="0" i="0" u="none" strike="noStrike" cap="none">
+                <a:solidFill>
+                  <a:schemeClr val="accent1"/>
+                </a:solidFill>
+                <a:latin typeface="Lato"/>
+                <a:ea typeface="Lato"/>
+                <a:cs typeface="Lato"/>
+                <a:sym typeface="Lato"/>
+              </a:defRPr>
+            </a:lvl5pPr>
+            <a:lvl6pPr marL="2743200" marR="0" lvl="5" indent="-298450" algn="l" rtl="0">
+              <a:lnSpc>
+                <a:spcPct val="115000"/>
+              </a:lnSpc>
+              <a:spcBef>
+                <a:spcPts val="1600"/>
+              </a:spcBef>
+              <a:spcAft>
+                <a:spcPts val="0"/>
+              </a:spcAft>
+              <a:buClr>
+                <a:schemeClr val="accent1"/>
+              </a:buClr>
+              <a:buSzPts val="1100"/>
+              <a:buFont typeface="Lato"/>
+              <a:buChar char="■"/>
+              <a:defRPr sz="1100" b="0" i="0" u="none" strike="noStrike" cap="none">
+                <a:solidFill>
+                  <a:schemeClr val="accent1"/>
+                </a:solidFill>
+                <a:latin typeface="Lato"/>
+                <a:ea typeface="Lato"/>
+                <a:cs typeface="Lato"/>
+                <a:sym typeface="Lato"/>
+              </a:defRPr>
+            </a:lvl6pPr>
+            <a:lvl7pPr marL="3200400" marR="0" lvl="6" indent="-298450" algn="l" rtl="0">
+              <a:lnSpc>
+                <a:spcPct val="115000"/>
+              </a:lnSpc>
+              <a:spcBef>
+                <a:spcPts val="1600"/>
+              </a:spcBef>
+              <a:spcAft>
+                <a:spcPts val="0"/>
+              </a:spcAft>
+              <a:buClr>
+                <a:schemeClr val="accent1"/>
+              </a:buClr>
+              <a:buSzPts val="1100"/>
+              <a:buFont typeface="Lato"/>
+              <a:buChar char="●"/>
+              <a:defRPr sz="1100" b="0" i="0" u="none" strike="noStrike" cap="none">
+                <a:solidFill>
+                  <a:schemeClr val="accent1"/>
+                </a:solidFill>
+                <a:latin typeface="Lato"/>
+                <a:ea typeface="Lato"/>
+                <a:cs typeface="Lato"/>
+                <a:sym typeface="Lato"/>
+              </a:defRPr>
+            </a:lvl7pPr>
+            <a:lvl8pPr marL="3657600" marR="0" lvl="7" indent="-298450" algn="l" rtl="0">
+              <a:lnSpc>
+                <a:spcPct val="115000"/>
+              </a:lnSpc>
+              <a:spcBef>
+                <a:spcPts val="1600"/>
+              </a:spcBef>
+              <a:spcAft>
+                <a:spcPts val="0"/>
+              </a:spcAft>
+              <a:buClr>
+                <a:schemeClr val="accent1"/>
+              </a:buClr>
+              <a:buSzPts val="1100"/>
+              <a:buFont typeface="Lato"/>
+              <a:buChar char="○"/>
+              <a:defRPr sz="1100" b="0" i="0" u="none" strike="noStrike" cap="none">
+                <a:solidFill>
+                  <a:schemeClr val="accent1"/>
+                </a:solidFill>
+                <a:latin typeface="Lato"/>
+                <a:ea typeface="Lato"/>
+                <a:cs typeface="Lato"/>
+                <a:sym typeface="Lato"/>
+              </a:defRPr>
+            </a:lvl8pPr>
+            <a:lvl9pPr marL="4114800" marR="0" lvl="8" indent="-298450" algn="l" rtl="0">
+              <a:lnSpc>
+                <a:spcPct val="115000"/>
+              </a:lnSpc>
+              <a:spcBef>
+                <a:spcPts val="1600"/>
+              </a:spcBef>
+              <a:spcAft>
+                <a:spcPts val="1600"/>
+              </a:spcAft>
+              <a:buClr>
+                <a:schemeClr val="accent1"/>
+              </a:buClr>
+              <a:buSzPts val="1100"/>
+              <a:buFont typeface="Lato"/>
+              <a:buChar char="■"/>
+              <a:defRPr sz="1100" b="0" i="0" u="none" strike="noStrike" cap="none">
+                <a:solidFill>
+                  <a:schemeClr val="accent1"/>
+                </a:solidFill>
+                <a:latin typeface="Lato"/>
+                <a:ea typeface="Lato"/>
+                <a:cs typeface="Lato"/>
+                <a:sym typeface="Lato"/>
+              </a:defRPr>
+            </a:lvl9pPr>
+          </a:lstStyle>
+          <a:p>
+            <a:pPr marL="146050" indent="0">
+              <a:buNone/>
+            </a:pPr>
+            <a:r>
+              <a:rPr lang="en-US" dirty="0"/>
+              <a:t>The Student and Retired categories have the highest percent of </a:t>
+            </a:r>
+            <a:r>
+              <a:rPr lang="en-US"/>
+              <a:t>subscriptions </a:t>
+            </a:r>
+          </a:p>
+          <a:p>
+            <a:pPr marL="146050" indent="0">
+              <a:buNone/>
+            </a:pPr>
+            <a:endParaRPr lang="en-US" dirty="0"/>
+          </a:p>
+          <a:p>
+            <a:r>
+              <a:rPr lang="en-US" dirty="0"/>
+              <a:t>Over 20% of each group subscribing to a term deposit </a:t>
+            </a:r>
+          </a:p>
+          <a:p>
+            <a:r>
+              <a:rPr lang="en-US" dirty="0"/>
+              <a:t>Services, housemaid, entrepreneur, and blue-collar job types have smallest subscription rates below 10%</a:t>
+            </a:r>
+          </a:p>
+        </p:txBody>
+      </p:sp>
+      <p:pic>
+        <p:nvPicPr>
+          <p:cNvPr id="4" name="Picture 3">
+            <a:extLst>
+              <a:ext uri="{FF2B5EF4-FFF2-40B4-BE49-F238E27FC236}">
+                <a16:creationId xmlns:a16="http://schemas.microsoft.com/office/drawing/2014/main" id="{E95009A0-2E01-1AA4-F0E7-9DED124DA7A1}"/>
+              </a:ext>
+            </a:extLst>
+          </p:cNvPr>
+          <p:cNvPicPr>
+            <a:picLocks noChangeAspect="1"/>
+          </p:cNvPicPr>
+          <p:nvPr/>
+        </p:nvPicPr>
+        <p:blipFill>
+          <a:blip r:embed="rId4"/>
+          <a:stretch>
+            <a:fillRect/>
+          </a:stretch>
+        </p:blipFill>
+        <p:spPr>
+          <a:xfrm>
+            <a:off x="3389152" y="1761142"/>
+            <a:ext cx="5373303" cy="3317607"/>
+          </a:xfrm>
+          <a:prstGeom prst="rect">
+            <a:avLst/>
+          </a:prstGeom>
+        </p:spPr>
+      </p:pic>
+    </p:spTree>
+    <p:custDataLst>
+      <p:tags r:id="rId1"/>
+    </p:custDataLst>
+    <p:extLst>
+      <p:ext uri="{BB962C8B-B14F-4D97-AF65-F5344CB8AC3E}">
+        <p14:creationId xmlns:p14="http://schemas.microsoft.com/office/powerpoint/2010/main" val="3850847422"/>
+      </p:ext>
+    </p:extLst>
+  </p:cSld>
+  <p:clrMapOvr>
+    <a:masterClrMapping/>
+  </p:clrMapOvr>
+</p:sld>
+</file>
+
+<file path=ppt/slides/slide13.xml><?xml version="1.0" encoding="utf-8"?>
 <p:sld xmlns:a="http://schemas.openxmlformats.org/drawingml/2006/main" xmlns:r="http://schemas.openxmlformats.org/officeDocument/2006/relationships" xmlns:p="http://schemas.openxmlformats.org/presentationml/2006/main">
   <p:cSld>
     <p:spTree>
@@ -12672,7 +13790,7 @@
 </p:sld>
 </file>
 
-<file path=ppt/slides/slide12.xml><?xml version="1.0" encoding="utf-8"?>
+<file path=ppt/slides/slide14.xml><?xml version="1.0" encoding="utf-8"?>
 <p:sld xmlns:a="http://schemas.openxmlformats.org/drawingml/2006/main" xmlns:r="http://schemas.openxmlformats.org/officeDocument/2006/relationships" xmlns:p="http://schemas.openxmlformats.org/presentationml/2006/main">
   <p:cSld>
     <p:spTree>
@@ -12730,7 +13848,7 @@
 </p:sld>
 </file>
 
-<file path=ppt/slides/slide13.xml><?xml version="1.0" encoding="utf-8"?>
+<file path=ppt/slides/slide15.xml><?xml version="1.0" encoding="utf-8"?>
 <p:sld xmlns:a="http://schemas.openxmlformats.org/drawingml/2006/main" xmlns:r="http://schemas.openxmlformats.org/officeDocument/2006/relationships" xmlns:p="http://schemas.openxmlformats.org/presentationml/2006/main">
   <p:cSld>
     <p:spTree>
@@ -13422,7 +14540,7 @@
 </p:sld>
 </file>
 
-<file path=ppt/slides/slide14.xml><?xml version="1.0" encoding="utf-8"?>
+<file path=ppt/slides/slide16.xml><?xml version="1.0" encoding="utf-8"?>
 <p:sld xmlns:a="http://schemas.openxmlformats.org/drawingml/2006/main" xmlns:r="http://schemas.openxmlformats.org/officeDocument/2006/relationships" xmlns:p="http://schemas.openxmlformats.org/presentationml/2006/main">
   <p:cSld>
     <p:spTree>
@@ -14199,7 +15317,7 @@
 </p:sld>
 </file>
 
-<file path=ppt/slides/slide15.xml><?xml version="1.0" encoding="utf-8"?>
+<file path=ppt/slides/slide17.xml><?xml version="1.0" encoding="utf-8"?>
 <p:sld xmlns:a="http://schemas.openxmlformats.org/drawingml/2006/main" xmlns:r="http://schemas.openxmlformats.org/officeDocument/2006/relationships" xmlns:p="http://schemas.openxmlformats.org/presentationml/2006/main">
   <p:cSld>
     <p:spTree>
@@ -14648,7 +15766,7 @@
 </p:sld>
 </file>
 
-<file path=ppt/slides/slide16.xml><?xml version="1.0" encoding="utf-8"?>
+<file path=ppt/slides/slide18.xml><?xml version="1.0" encoding="utf-8"?>
 <p:sld xmlns:a="http://schemas.openxmlformats.org/drawingml/2006/main" xmlns:r="http://schemas.openxmlformats.org/officeDocument/2006/relationships" xmlns:p="http://schemas.openxmlformats.org/presentationml/2006/main">
   <p:cSld>
     <p:spTree>
@@ -15145,7 +16263,7 @@
 </p:sld>
 </file>
 
-<file path=ppt/slides/slide17.xml><?xml version="1.0" encoding="utf-8"?>
+<file path=ppt/slides/slide19.xml><?xml version="1.0" encoding="utf-8"?>
 <p:sld xmlns:a="http://schemas.openxmlformats.org/drawingml/2006/main" xmlns:r="http://schemas.openxmlformats.org/officeDocument/2006/relationships" xmlns:p="http://schemas.openxmlformats.org/presentationml/2006/main">
   <p:cSld>
     <p:spTree>
@@ -15196,77 +16314,6 @@
         <p14:creationId xmlns:p14="http://schemas.microsoft.com/office/powerpoint/2010/main" val="2684897883"/>
       </p:ext>
     </p:extLst>
-  </p:cSld>
-  <p:clrMapOvr>
-    <a:masterClrMapping/>
-  </p:clrMapOvr>
-</p:sld>
-</file>
-
-<file path=ppt/slides/slide18.xml><?xml version="1.0" encoding="utf-8"?>
-<p:sld xmlns:a="http://schemas.openxmlformats.org/drawingml/2006/main" xmlns:r="http://schemas.openxmlformats.org/officeDocument/2006/relationships" xmlns:p="http://schemas.openxmlformats.org/presentationml/2006/main">
-  <p:cSld>
-    <p:spTree>
-      <p:nvGrpSpPr>
-        <p:cNvPr id="1" name="Shape 738"/>
-        <p:cNvGrpSpPr/>
-        <p:nvPr/>
-      </p:nvGrpSpPr>
-      <p:grpSpPr>
-        <a:xfrm>
-          <a:off x="0" y="0"/>
-          <a:ext cx="0" cy="0"/>
-          <a:chOff x="0" y="0"/>
-          <a:chExt cx="0" cy="0"/>
-        </a:xfrm>
-      </p:grpSpPr>
-      <p:sp>
-        <p:nvSpPr>
-          <p:cNvPr id="739" name="Google Shape;739;p37"/>
-          <p:cNvSpPr txBox="1">
-            <a:spLocks noGrp="1"/>
-          </p:cNvSpPr>
-          <p:nvPr>
-            <p:ph type="ctrTitle"/>
-          </p:nvPr>
-        </p:nvSpPr>
-        <p:spPr>
-          <a:xfrm>
-            <a:off x="729450" y="1322450"/>
-            <a:ext cx="7688100" cy="1664700"/>
-          </a:xfrm>
-          <a:prstGeom prst="rect">
-            <a:avLst/>
-          </a:prstGeom>
-        </p:spPr>
-        <p:txBody>
-          <a:bodyPr spcFirstLastPara="1" wrap="square" lIns="91425" tIns="91425" rIns="91425" bIns="91425" anchor="t" anchorCtr="0">
-            <a:noAutofit/>
-          </a:bodyPr>
-          <a:lstStyle/>
-          <a:p>
-            <a:pPr marL="0" lvl="0" indent="0" algn="l" rtl="0">
-              <a:spcBef>
-                <a:spcPts val="0"/>
-              </a:spcBef>
-              <a:spcAft>
-                <a:spcPts val="0"/>
-              </a:spcAft>
-              <a:buNone/>
-            </a:pPr>
-            <a:r>
-              <a:rPr lang="en-GB" sz="4800">
-                <a:solidFill>
-                  <a:srgbClr val="000000"/>
-                </a:solidFill>
-              </a:rPr>
-              <a:t>Thank you.</a:t>
-            </a:r>
-            <a:endParaRPr/>
-          </a:p>
-        </p:txBody>
-      </p:sp>
-    </p:spTree>
   </p:cSld>
   <p:clrMapOvr>
     <a:masterClrMapping/>
@@ -15634,6 +16681,77 @@
               </a:rPr>
               <a:t>Concluding Remarks</a:t>
             </a:r>
+          </a:p>
+        </p:txBody>
+      </p:sp>
+    </p:spTree>
+  </p:cSld>
+  <p:clrMapOvr>
+    <a:masterClrMapping/>
+  </p:clrMapOvr>
+</p:sld>
+</file>
+
+<file path=ppt/slides/slide20.xml><?xml version="1.0" encoding="utf-8"?>
+<p:sld xmlns:a="http://schemas.openxmlformats.org/drawingml/2006/main" xmlns:r="http://schemas.openxmlformats.org/officeDocument/2006/relationships" xmlns:p="http://schemas.openxmlformats.org/presentationml/2006/main">
+  <p:cSld>
+    <p:spTree>
+      <p:nvGrpSpPr>
+        <p:cNvPr id="1" name="Shape 738"/>
+        <p:cNvGrpSpPr/>
+        <p:nvPr/>
+      </p:nvGrpSpPr>
+      <p:grpSpPr>
+        <a:xfrm>
+          <a:off x="0" y="0"/>
+          <a:ext cx="0" cy="0"/>
+          <a:chOff x="0" y="0"/>
+          <a:chExt cx="0" cy="0"/>
+        </a:xfrm>
+      </p:grpSpPr>
+      <p:sp>
+        <p:nvSpPr>
+          <p:cNvPr id="739" name="Google Shape;739;p37"/>
+          <p:cNvSpPr txBox="1">
+            <a:spLocks noGrp="1"/>
+          </p:cNvSpPr>
+          <p:nvPr>
+            <p:ph type="ctrTitle"/>
+          </p:nvPr>
+        </p:nvSpPr>
+        <p:spPr>
+          <a:xfrm>
+            <a:off x="729450" y="1322450"/>
+            <a:ext cx="7688100" cy="1664700"/>
+          </a:xfrm>
+          <a:prstGeom prst="rect">
+            <a:avLst/>
+          </a:prstGeom>
+        </p:spPr>
+        <p:txBody>
+          <a:bodyPr spcFirstLastPara="1" wrap="square" lIns="91425" tIns="91425" rIns="91425" bIns="91425" anchor="t" anchorCtr="0">
+            <a:noAutofit/>
+          </a:bodyPr>
+          <a:lstStyle/>
+          <a:p>
+            <a:pPr marL="0" lvl="0" indent="0" algn="l" rtl="0">
+              <a:spcBef>
+                <a:spcPts val="0"/>
+              </a:spcBef>
+              <a:spcAft>
+                <a:spcPts val="0"/>
+              </a:spcAft>
+              <a:buNone/>
+            </a:pPr>
+            <a:r>
+              <a:rPr lang="en-GB" sz="4800">
+                <a:solidFill>
+                  <a:srgbClr val="000000"/>
+                </a:solidFill>
+              </a:rPr>
+              <a:t>Thank you.</a:t>
+            </a:r>
+            <a:endParaRPr/>
           </a:p>
         </p:txBody>
       </p:sp>
@@ -18070,7 +19188,7 @@
                   </a:schemeClr>
                 </a:solidFill>
               </a:rPr>
-              <a:t>Relationship between Previous Outcome and Y</a:t>
+              <a:t>Relationship between Previous Outcome and Term Deposit Subscriptions</a:t>
             </a:r>
           </a:p>
         </p:txBody>
@@ -18446,6 +19564,18 @@
 </p:tagLst>
 </file>
 
+<file path=ppt/tags/tag12.xml><?xml version="1.0" encoding="utf-8"?>
+<p:tagLst xmlns:a="http://schemas.openxmlformats.org/drawingml/2006/main" xmlns:r="http://schemas.openxmlformats.org/officeDocument/2006/relationships" xmlns:p="http://schemas.openxmlformats.org/presentationml/2006/main">
+  <p:tag name="TIMING" val="|12.7|1.8|1|1.2|1.6|1.1|1.4|1.3|1.5|1.6|21.8"/>
+</p:tagLst>
+</file>
+
+<file path=ppt/tags/tag13.xml><?xml version="1.0" encoding="utf-8"?>
+<p:tagLst xmlns:a="http://schemas.openxmlformats.org/drawingml/2006/main" xmlns:r="http://schemas.openxmlformats.org/officeDocument/2006/relationships" xmlns:p="http://schemas.openxmlformats.org/presentationml/2006/main">
+  <p:tag name="TIMING" val="|12.7|1.8|1|1.2|1.6|1.1|1.4|1.3|1.5|1.6|21.8"/>
+</p:tagLst>
+</file>
+
 <file path=ppt/tags/tag2.xml><?xml version="1.0" encoding="utf-8"?>
 <p:tagLst xmlns:a="http://schemas.openxmlformats.org/drawingml/2006/main" xmlns:r="http://schemas.openxmlformats.org/officeDocument/2006/relationships" xmlns:p="http://schemas.openxmlformats.org/presentationml/2006/main">
   <p:tag name="TIMING" val="|3.2|4.7|2.3"/>
@@ -18484,13 +19614,13 @@
 
 <file path=ppt/tags/tag8.xml><?xml version="1.0" encoding="utf-8"?>
 <p:tagLst xmlns:a="http://schemas.openxmlformats.org/drawingml/2006/main" xmlns:r="http://schemas.openxmlformats.org/officeDocument/2006/relationships" xmlns:p="http://schemas.openxmlformats.org/presentationml/2006/main">
-  <p:tag name="TIMING" val="|12.7|1.8|1|1.2|1.6|1.1|1.4|1.3|1.5|1.6|21.8"/>
+  <p:tag name="TIMING" val="|3.2|4.7|2.3"/>
 </p:tagLst>
 </file>
 
 <file path=ppt/tags/tag9.xml><?xml version="1.0" encoding="utf-8"?>
 <p:tagLst xmlns:a="http://schemas.openxmlformats.org/drawingml/2006/main" xmlns:r="http://schemas.openxmlformats.org/officeDocument/2006/relationships" xmlns:p="http://schemas.openxmlformats.org/presentationml/2006/main">
-  <p:tag name="TIMING" val="|12.7|1.8|1|1.2|1.6|1.1|1.4|1.3|1.5|1.6|21.8"/>
+  <p:tag name="TIMING" val="|3.2|4.7|2.3"/>
 </p:tagLst>
 </file>
 

--- a/Project2_Chang_Craus_Yule.pptx
+++ b/Project2_Chang_Craus_Yule.pptx
@@ -5,7 +5,7 @@
     <p:sldMasterId id="2147483664" r:id="rId1"/>
   </p:sldMasterIdLst>
   <p:notesMasterIdLst>
-    <p:notesMasterId r:id="rId22"/>
+    <p:notesMasterId r:id="rId34"/>
   </p:notesMasterIdLst>
   <p:sldIdLst>
     <p:sldId id="256" r:id="rId2"/>
@@ -21,30 +21,42 @@
     <p:sldId id="310" r:id="rId12"/>
     <p:sldId id="311" r:id="rId13"/>
     <p:sldId id="309" r:id="rId14"/>
-    <p:sldId id="293" r:id="rId15"/>
-    <p:sldId id="294" r:id="rId16"/>
-    <p:sldId id="303" r:id="rId17"/>
-    <p:sldId id="304" r:id="rId18"/>
-    <p:sldId id="305" r:id="rId19"/>
-    <p:sldId id="300" r:id="rId20"/>
-    <p:sldId id="275" r:id="rId21"/>
+    <p:sldId id="312" r:id="rId15"/>
+    <p:sldId id="293" r:id="rId16"/>
+    <p:sldId id="294" r:id="rId17"/>
+    <p:sldId id="303" r:id="rId18"/>
+    <p:sldId id="304" r:id="rId19"/>
+    <p:sldId id="305" r:id="rId20"/>
+    <p:sldId id="300" r:id="rId21"/>
+    <p:sldId id="313" r:id="rId22"/>
+    <p:sldId id="314" r:id="rId23"/>
+    <p:sldId id="318" r:id="rId24"/>
+    <p:sldId id="319" r:id="rId25"/>
+    <p:sldId id="315" r:id="rId26"/>
+    <p:sldId id="322" r:id="rId27"/>
+    <p:sldId id="320" r:id="rId28"/>
+    <p:sldId id="316" r:id="rId29"/>
+    <p:sldId id="323" r:id="rId30"/>
+    <p:sldId id="317" r:id="rId31"/>
+    <p:sldId id="324" r:id="rId32"/>
+    <p:sldId id="275" r:id="rId33"/>
   </p:sldIdLst>
   <p:sldSz cx="9144000" cy="5143500" type="screen16x9"/>
   <p:notesSz cx="6858000" cy="9144000"/>
   <p:embeddedFontLst>
     <p:embeddedFont>
       <p:font typeface="Lato" panose="020F0502020204030203" pitchFamily="34" charset="0"/>
-      <p:regular r:id="rId23"/>
-      <p:bold r:id="rId24"/>
-      <p:italic r:id="rId25"/>
-      <p:boldItalic r:id="rId26"/>
+      <p:regular r:id="rId35"/>
+      <p:bold r:id="rId36"/>
+      <p:italic r:id="rId37"/>
+      <p:boldItalic r:id="rId38"/>
     </p:embeddedFont>
     <p:embeddedFont>
       <p:font typeface="Raleway" pitchFamily="2" charset="0"/>
-      <p:regular r:id="rId27"/>
-      <p:bold r:id="rId28"/>
-      <p:italic r:id="rId29"/>
-      <p:boldItalic r:id="rId30"/>
+      <p:regular r:id="rId39"/>
+      <p:bold r:id="rId40"/>
+      <p:italic r:id="rId41"/>
+      <p:boldItalic r:id="rId42"/>
     </p:embeddedFont>
   </p:embeddedFontLst>
   <p:defaultTextStyle>
@@ -298,7 +310,7 @@
 <file path=ppt/revisionInfo.xml><?xml version="1.0" encoding="utf-8"?>
 <p1510:revInfo xmlns:a="http://schemas.openxmlformats.org/drawingml/2006/main" xmlns:r="http://schemas.openxmlformats.org/officeDocument/2006/relationships" xmlns:p1510="http://schemas.microsoft.com/office/powerpoint/2015/10/main">
   <p1510:revLst>
-    <p1510:client id="{32165585-CB35-4C33-B919-9B0DD83E6E32}" v="29" dt="2023-04-10T21:56:56.206"/>
+    <p1510:client id="{32165585-CB35-4C33-B919-9B0DD83E6E32}" v="59" dt="2023-04-11T02:10:57.894"/>
   </p1510:revLst>
 </p1510:revInfo>
 </file>
@@ -307,13 +319,13 @@
 <pc:chgInfo xmlns:a="http://schemas.openxmlformats.org/drawingml/2006/main" xmlns:r="http://schemas.openxmlformats.org/officeDocument/2006/relationships" xmlns:ac="http://schemas.microsoft.com/office/drawing/2013/main/command" xmlns:pc="http://schemas.microsoft.com/office/powerpoint/2013/main/command">
   <pc:docChgLst>
     <pc:chgData name="Carolina Craus" userId="bae62b9d695bbdd6" providerId="LiveId" clId="{32165585-CB35-4C33-B919-9B0DD83E6E32}"/>
-    <pc:docChg chg="custSel addSld delSld modSld sldOrd">
-      <pc:chgData name="Carolina Craus" userId="bae62b9d695bbdd6" providerId="LiveId" clId="{32165585-CB35-4C33-B919-9B0DD83E6E32}" dt="2023-04-10T22:00:00.948" v="1431" actId="20577"/>
+    <pc:docChg chg="undo redo custSel addSld delSld modSld sldOrd">
+      <pc:chgData name="Carolina Craus" userId="bae62b9d695bbdd6" providerId="LiveId" clId="{32165585-CB35-4C33-B919-9B0DD83E6E32}" dt="2023-04-11T02:12:42.380" v="2927" actId="692"/>
       <pc:docMkLst>
         <pc:docMk/>
       </pc:docMkLst>
-      <pc:sldChg chg="modSp add mod">
-        <pc:chgData name="Carolina Craus" userId="bae62b9d695bbdd6" providerId="LiveId" clId="{32165585-CB35-4C33-B919-9B0DD83E6E32}" dt="2023-04-10T21:41:52.672" v="909" actId="20577"/>
+      <pc:sldChg chg="addSp modSp add mod">
+        <pc:chgData name="Carolina Craus" userId="bae62b9d695bbdd6" providerId="LiveId" clId="{32165585-CB35-4C33-B919-9B0DD83E6E32}" dt="2023-04-11T00:41:47.691" v="2371" actId="14100"/>
         <pc:sldMkLst>
           <pc:docMk/>
           <pc:sldMk cId="3579624159" sldId="306"/>
@@ -326,8 +338,16 @@
             <ac:spMk id="2" creationId="{8B170740-DB3F-076A-A2D2-9555F51D2D32}"/>
           </ac:spMkLst>
         </pc:spChg>
+        <pc:spChg chg="add mod">
+          <ac:chgData name="Carolina Craus" userId="bae62b9d695bbdd6" providerId="LiveId" clId="{32165585-CB35-4C33-B919-9B0DD83E6E32}" dt="2023-04-11T00:41:47.691" v="2371" actId="14100"/>
+          <ac:spMkLst>
+            <pc:docMk/>
+            <pc:sldMk cId="3579624159" sldId="306"/>
+            <ac:spMk id="3" creationId="{C0FD18BB-63B2-4E69-C00E-BCC1A30FBD8A}"/>
+          </ac:spMkLst>
+        </pc:spChg>
         <pc:spChg chg="mod">
-          <ac:chgData name="Carolina Craus" userId="bae62b9d695bbdd6" providerId="LiveId" clId="{32165585-CB35-4C33-B919-9B0DD83E6E32}" dt="2023-04-10T20:41:36.749" v="156" actId="20577"/>
+          <ac:chgData name="Carolina Craus" userId="bae62b9d695bbdd6" providerId="LiveId" clId="{32165585-CB35-4C33-B919-9B0DD83E6E32}" dt="2023-04-10T22:36:27.901" v="1558" actId="113"/>
           <ac:spMkLst>
             <pc:docMk/>
             <pc:sldMk cId="3579624159" sldId="306"/>
@@ -351,7 +371,7 @@
         </pc:sldMkLst>
       </pc:sldChg>
       <pc:sldChg chg="addSp delSp modSp add mod ord">
-        <pc:chgData name="Carolina Craus" userId="bae62b9d695bbdd6" providerId="LiveId" clId="{32165585-CB35-4C33-B919-9B0DD83E6E32}" dt="2023-04-10T21:56:17.134" v="1000" actId="1076"/>
+        <pc:chgData name="Carolina Craus" userId="bae62b9d695bbdd6" providerId="LiveId" clId="{32165585-CB35-4C33-B919-9B0DD83E6E32}" dt="2023-04-11T00:40:34.800" v="2358" actId="14100"/>
         <pc:sldMkLst>
           <pc:docMk/>
           <pc:sldMk cId="3004351000" sldId="308"/>
@@ -362,6 +382,14 @@
             <pc:docMk/>
             <pc:sldMk cId="3004351000" sldId="308"/>
             <ac:spMk id="2" creationId="{8B170740-DB3F-076A-A2D2-9555F51D2D32}"/>
+          </ac:spMkLst>
+        </pc:spChg>
+        <pc:spChg chg="add mod">
+          <ac:chgData name="Carolina Craus" userId="bae62b9d695bbdd6" providerId="LiveId" clId="{32165585-CB35-4C33-B919-9B0DD83E6E32}" dt="2023-04-11T00:40:34.800" v="2358" actId="14100"/>
+          <ac:spMkLst>
+            <pc:docMk/>
+            <pc:sldMk cId="3004351000" sldId="308"/>
+            <ac:spMk id="3" creationId="{BECABF0F-B50A-5EF9-A908-3A558B4CB435}"/>
           </ac:spMkLst>
         </pc:spChg>
         <pc:spChg chg="add del">
@@ -389,7 +417,7 @@
           </ac:spMkLst>
         </pc:spChg>
         <pc:spChg chg="mod">
-          <ac:chgData name="Carolina Craus" userId="bae62b9d695bbdd6" providerId="LiveId" clId="{32165585-CB35-4C33-B919-9B0DD83E6E32}" dt="2023-04-10T20:54:32.530" v="724" actId="20577"/>
+          <ac:chgData name="Carolina Craus" userId="bae62b9d695bbdd6" providerId="LiveId" clId="{32165585-CB35-4C33-B919-9B0DD83E6E32}" dt="2023-04-10T22:37:09.350" v="1568" actId="12"/>
           <ac:spMkLst>
             <pc:docMk/>
             <pc:sldMk cId="3004351000" sldId="308"/>
@@ -501,7 +529,7 @@
         </pc:picChg>
       </pc:sldChg>
       <pc:sldChg chg="addSp delSp modSp add mod ord">
-        <pc:chgData name="Carolina Craus" userId="bae62b9d695bbdd6" providerId="LiveId" clId="{32165585-CB35-4C33-B919-9B0DD83E6E32}" dt="2023-04-10T21:43:37.754" v="977" actId="14100"/>
+        <pc:chgData name="Carolina Craus" userId="bae62b9d695bbdd6" providerId="LiveId" clId="{32165585-CB35-4C33-B919-9B0DD83E6E32}" dt="2023-04-11T00:41:19.647" v="2365" actId="14100"/>
         <pc:sldMkLst>
           <pc:docMk/>
           <pc:sldMk cId="3618412313" sldId="310"/>
@@ -512,6 +540,14 @@
             <pc:docMk/>
             <pc:sldMk cId="3618412313" sldId="310"/>
             <ac:spMk id="2" creationId="{8B170740-DB3F-076A-A2D2-9555F51D2D32}"/>
+          </ac:spMkLst>
+        </pc:spChg>
+        <pc:spChg chg="add mod">
+          <ac:chgData name="Carolina Craus" userId="bae62b9d695bbdd6" providerId="LiveId" clId="{32165585-CB35-4C33-B919-9B0DD83E6E32}" dt="2023-04-11T00:41:19.647" v="2365" actId="14100"/>
+          <ac:spMkLst>
+            <pc:docMk/>
+            <pc:sldMk cId="3618412313" sldId="310"/>
+            <ac:spMk id="3" creationId="{21421005-26B9-6555-1F56-A6C4C869FD97}"/>
           </ac:spMkLst>
         </pc:spChg>
         <pc:spChg chg="add del">
@@ -531,7 +567,7 @@
           </ac:spMkLst>
         </pc:spChg>
         <pc:spChg chg="mod">
-          <ac:chgData name="Carolina Craus" userId="bae62b9d695bbdd6" providerId="LiveId" clId="{32165585-CB35-4C33-B919-9B0DD83E6E32}" dt="2023-04-10T21:43:37.754" v="977" actId="14100"/>
+          <ac:chgData name="Carolina Craus" userId="bae62b9d695bbdd6" providerId="LiveId" clId="{32165585-CB35-4C33-B919-9B0DD83E6E32}" dt="2023-04-10T22:50:20.482" v="1599" actId="20577"/>
           <ac:spMkLst>
             <pc:docMk/>
             <pc:sldMk cId="3618412313" sldId="310"/>
@@ -547,7 +583,7 @@
           </ac:picMkLst>
         </pc:picChg>
         <pc:picChg chg="add mod">
-          <ac:chgData name="Carolina Craus" userId="bae62b9d695bbdd6" providerId="LiveId" clId="{32165585-CB35-4C33-B919-9B0DD83E6E32}" dt="2023-04-10T21:43:33.045" v="976" actId="1076"/>
+          <ac:chgData name="Carolina Craus" userId="bae62b9d695bbdd6" providerId="LiveId" clId="{32165585-CB35-4C33-B919-9B0DD83E6E32}" dt="2023-04-11T00:06:33.460" v="1704" actId="14100"/>
           <ac:picMkLst>
             <pc:docMk/>
             <pc:sldMk cId="3618412313" sldId="310"/>
@@ -556,7 +592,7 @@
         </pc:picChg>
       </pc:sldChg>
       <pc:sldChg chg="addSp delSp modSp add mod">
-        <pc:chgData name="Carolina Craus" userId="bae62b9d695bbdd6" providerId="LiveId" clId="{32165585-CB35-4C33-B919-9B0DD83E6E32}" dt="2023-04-10T22:00:00.948" v="1431" actId="20577"/>
+        <pc:chgData name="Carolina Craus" userId="bae62b9d695bbdd6" providerId="LiveId" clId="{32165585-CB35-4C33-B919-9B0DD83E6E32}" dt="2023-04-11T00:42:04.101" v="2373" actId="14100"/>
         <pc:sldMkLst>
           <pc:docMk/>
           <pc:sldMk cId="3850847422" sldId="311"/>
@@ -575,6 +611,14 @@
             <pc:docMk/>
             <pc:sldMk cId="3850847422" sldId="311"/>
             <ac:spMk id="3" creationId="{0118E692-67F5-E5AF-FC8D-D1ACD98452FD}"/>
+          </ac:spMkLst>
+        </pc:spChg>
+        <pc:spChg chg="add mod">
+          <ac:chgData name="Carolina Craus" userId="bae62b9d695bbdd6" providerId="LiveId" clId="{32165585-CB35-4C33-B919-9B0DD83E6E32}" dt="2023-04-11T00:42:04.101" v="2373" actId="14100"/>
+          <ac:spMkLst>
+            <pc:docMk/>
+            <pc:sldMk cId="3850847422" sldId="311"/>
+            <ac:spMk id="3" creationId="{565914CF-5B21-72B6-C182-BE63B04ACBAF}"/>
           </ac:spMkLst>
         </pc:spChg>
         <pc:spChg chg="mod">
@@ -601,6 +645,607 @@
             <ac:picMk id="6" creationId="{31A5EEDC-AFCB-2FFC-4B55-FE4847E482E1}"/>
           </ac:picMkLst>
         </pc:picChg>
+      </pc:sldChg>
+      <pc:sldChg chg="new del">
+        <pc:chgData name="Carolina Craus" userId="bae62b9d695bbdd6" providerId="LiveId" clId="{32165585-CB35-4C33-B919-9B0DD83E6E32}" dt="2023-04-10T22:11:30.718" v="1433" actId="47"/>
+        <pc:sldMkLst>
+          <pc:docMk/>
+          <pc:sldMk cId="117482687" sldId="312"/>
+        </pc:sldMkLst>
+      </pc:sldChg>
+      <pc:sldChg chg="addSp delSp modSp add mod ord">
+        <pc:chgData name="Carolina Craus" userId="bae62b9d695bbdd6" providerId="LiveId" clId="{32165585-CB35-4C33-B919-9B0DD83E6E32}" dt="2023-04-10T23:54:26.735" v="1702" actId="20577"/>
+        <pc:sldMkLst>
+          <pc:docMk/>
+          <pc:sldMk cId="3650616390" sldId="312"/>
+        </pc:sldMkLst>
+        <pc:spChg chg="mod">
+          <ac:chgData name="Carolina Craus" userId="bae62b9d695bbdd6" providerId="LiveId" clId="{32165585-CB35-4C33-B919-9B0DD83E6E32}" dt="2023-04-10T23:20:21.478" v="1666" actId="20577"/>
+          <ac:spMkLst>
+            <pc:docMk/>
+            <pc:sldMk cId="3650616390" sldId="312"/>
+            <ac:spMk id="2" creationId="{8B170740-DB3F-076A-A2D2-9555F51D2D32}"/>
+          </ac:spMkLst>
+        </pc:spChg>
+        <pc:spChg chg="add del">
+          <ac:chgData name="Carolina Craus" userId="bae62b9d695bbdd6" providerId="LiveId" clId="{32165585-CB35-4C33-B919-9B0DD83E6E32}" dt="2023-04-10T22:12:32.497" v="1463" actId="22"/>
+          <ac:spMkLst>
+            <pc:docMk/>
+            <pc:sldMk cId="3650616390" sldId="312"/>
+            <ac:spMk id="4" creationId="{6D5E8EB1-1806-B38A-8B77-6CF18796F9C6}"/>
+          </ac:spMkLst>
+        </pc:spChg>
+        <pc:spChg chg="add del">
+          <ac:chgData name="Carolina Craus" userId="bae62b9d695bbdd6" providerId="LiveId" clId="{32165585-CB35-4C33-B919-9B0DD83E6E32}" dt="2023-04-10T22:12:37.620" v="1465"/>
+          <ac:spMkLst>
+            <pc:docMk/>
+            <pc:sldMk cId="3650616390" sldId="312"/>
+            <ac:spMk id="5" creationId="{D8891903-C60E-B5F0-0436-304380E273CB}"/>
+          </ac:spMkLst>
+        </pc:spChg>
+        <pc:spChg chg="add del">
+          <ac:chgData name="Carolina Craus" userId="bae62b9d695bbdd6" providerId="LiveId" clId="{32165585-CB35-4C33-B919-9B0DD83E6E32}" dt="2023-04-10T22:13:01.611" v="1473"/>
+          <ac:spMkLst>
+            <pc:docMk/>
+            <pc:sldMk cId="3650616390" sldId="312"/>
+            <ac:spMk id="7" creationId="{67E016C1-18C3-E03A-B971-6C451F4FC5FB}"/>
+          </ac:spMkLst>
+        </pc:spChg>
+        <pc:spChg chg="mod">
+          <ac:chgData name="Carolina Craus" userId="bae62b9d695bbdd6" providerId="LiveId" clId="{32165585-CB35-4C33-B919-9B0DD83E6E32}" dt="2023-04-10T23:54:26.735" v="1702" actId="20577"/>
+          <ac:spMkLst>
+            <pc:docMk/>
+            <pc:sldMk cId="3650616390" sldId="312"/>
+            <ac:spMk id="8" creationId="{3B13F08B-AEE4-4C95-21B6-8DF753ECA5AD}"/>
+          </ac:spMkLst>
+        </pc:spChg>
+        <pc:picChg chg="add mod">
+          <ac:chgData name="Carolina Craus" userId="bae62b9d695bbdd6" providerId="LiveId" clId="{32165585-CB35-4C33-B919-9B0DD83E6E32}" dt="2023-04-10T22:12:51.253" v="1471" actId="1076"/>
+          <ac:picMkLst>
+            <pc:docMk/>
+            <pc:sldMk cId="3650616390" sldId="312"/>
+            <ac:picMk id="6" creationId="{F2CB54F2-CC3C-F270-CBF5-AD875C68F761}"/>
+          </ac:picMkLst>
+        </pc:picChg>
+        <pc:picChg chg="add mod">
+          <ac:chgData name="Carolina Craus" userId="bae62b9d695bbdd6" providerId="LiveId" clId="{32165585-CB35-4C33-B919-9B0DD83E6E32}" dt="2023-04-10T22:13:11.240" v="1478" actId="1076"/>
+          <ac:picMkLst>
+            <pc:docMk/>
+            <pc:sldMk cId="3650616390" sldId="312"/>
+            <ac:picMk id="9" creationId="{028BA5B4-79C7-BE63-3C20-C1AA9E55DA0A}"/>
+          </ac:picMkLst>
+        </pc:picChg>
+      </pc:sldChg>
+      <pc:sldChg chg="new del">
+        <pc:chgData name="Carolina Craus" userId="bae62b9d695bbdd6" providerId="LiveId" clId="{32165585-CB35-4C33-B919-9B0DD83E6E32}" dt="2023-04-10T22:43:04.378" v="1570" actId="47"/>
+        <pc:sldMkLst>
+          <pc:docMk/>
+          <pc:sldMk cId="2917246756" sldId="313"/>
+        </pc:sldMkLst>
+      </pc:sldChg>
+      <pc:sldChg chg="addSp delSp modSp add mod ord">
+        <pc:chgData name="Carolina Craus" userId="bae62b9d695bbdd6" providerId="LiveId" clId="{32165585-CB35-4C33-B919-9B0DD83E6E32}" dt="2023-04-11T00:34:29.838" v="2207" actId="14100"/>
+        <pc:sldMkLst>
+          <pc:docMk/>
+          <pc:sldMk cId="3948659839" sldId="313"/>
+        </pc:sldMkLst>
+        <pc:spChg chg="mod">
+          <ac:chgData name="Carolina Craus" userId="bae62b9d695bbdd6" providerId="LiveId" clId="{32165585-CB35-4C33-B919-9B0DD83E6E32}" dt="2023-04-11T00:15:11.699" v="1709" actId="20577"/>
+          <ac:spMkLst>
+            <pc:docMk/>
+            <pc:sldMk cId="3948659839" sldId="313"/>
+            <ac:spMk id="2" creationId="{8B170740-DB3F-076A-A2D2-9555F51D2D32}"/>
+          </ac:spMkLst>
+        </pc:spChg>
+        <pc:spChg chg="add mod">
+          <ac:chgData name="Carolina Craus" userId="bae62b9d695bbdd6" providerId="LiveId" clId="{32165585-CB35-4C33-B919-9B0DD83E6E32}" dt="2023-04-11T00:27:16.826" v="2036" actId="13822"/>
+          <ac:spMkLst>
+            <pc:docMk/>
+            <pc:sldMk cId="3948659839" sldId="313"/>
+            <ac:spMk id="3" creationId="{EF086172-863D-0122-3B4E-BDAC5312F326}"/>
+          </ac:spMkLst>
+        </pc:spChg>
+        <pc:spChg chg="mod">
+          <ac:chgData name="Carolina Craus" userId="bae62b9d695bbdd6" providerId="LiveId" clId="{32165585-CB35-4C33-B919-9B0DD83E6E32}" dt="2023-04-11T00:32:54.764" v="2184" actId="20577"/>
+          <ac:spMkLst>
+            <pc:docMk/>
+            <pc:sldMk cId="3948659839" sldId="313"/>
+            <ac:spMk id="5" creationId="{80A4736F-1EF9-09F0-5145-9AB37B5FE409}"/>
+          </ac:spMkLst>
+        </pc:spChg>
+        <pc:spChg chg="add mod">
+          <ac:chgData name="Carolina Craus" userId="bae62b9d695bbdd6" providerId="LiveId" clId="{32165585-CB35-4C33-B919-9B0DD83E6E32}" dt="2023-04-11T00:33:47.756" v="2196" actId="1076"/>
+          <ac:spMkLst>
+            <pc:docMk/>
+            <pc:sldMk cId="3948659839" sldId="313"/>
+            <ac:spMk id="6" creationId="{5D44B9AC-78E7-7ABF-9BE3-F3394203712C}"/>
+          </ac:spMkLst>
+        </pc:spChg>
+        <pc:spChg chg="add del">
+          <ac:chgData name="Carolina Craus" userId="bae62b9d695bbdd6" providerId="LiveId" clId="{32165585-CB35-4C33-B919-9B0DD83E6E32}" dt="2023-04-11T00:27:46.505" v="2084" actId="22"/>
+          <ac:spMkLst>
+            <pc:docMk/>
+            <pc:sldMk cId="3948659839" sldId="313"/>
+            <ac:spMk id="9" creationId="{730C4BB7-CF09-0B7C-0236-DBCCD6E6312D}"/>
+          </ac:spMkLst>
+        </pc:spChg>
+        <pc:spChg chg="add del">
+          <ac:chgData name="Carolina Craus" userId="bae62b9d695bbdd6" providerId="LiveId" clId="{32165585-CB35-4C33-B919-9B0DD83E6E32}" dt="2023-04-11T00:27:55.724" v="2086" actId="22"/>
+          <ac:spMkLst>
+            <pc:docMk/>
+            <pc:sldMk cId="3948659839" sldId="313"/>
+            <ac:spMk id="12" creationId="{49C90C54-2C4E-7059-5EFE-FA0D0328E5C7}"/>
+          </ac:spMkLst>
+        </pc:spChg>
+        <pc:spChg chg="add mod">
+          <ac:chgData name="Carolina Craus" userId="bae62b9d695bbdd6" providerId="LiveId" clId="{32165585-CB35-4C33-B919-9B0DD83E6E32}" dt="2023-04-11T00:33:43.638" v="2195" actId="1076"/>
+          <ac:spMkLst>
+            <pc:docMk/>
+            <pc:sldMk cId="3948659839" sldId="313"/>
+            <ac:spMk id="16" creationId="{0FA103C9-78E6-75D0-9972-8CA4121A8696}"/>
+          </ac:spMkLst>
+        </pc:spChg>
+        <pc:spChg chg="add mod">
+          <ac:chgData name="Carolina Craus" userId="bae62b9d695bbdd6" providerId="LiveId" clId="{32165585-CB35-4C33-B919-9B0DD83E6E32}" dt="2023-04-11T00:33:39.695" v="2194" actId="1076"/>
+          <ac:spMkLst>
+            <pc:docMk/>
+            <pc:sldMk cId="3948659839" sldId="313"/>
+            <ac:spMk id="17" creationId="{7283E721-934A-7F97-F1C5-1EFCAF49CF31}"/>
+          </ac:spMkLst>
+        </pc:spChg>
+        <pc:spChg chg="add mod">
+          <ac:chgData name="Carolina Craus" userId="bae62b9d695bbdd6" providerId="LiveId" clId="{32165585-CB35-4C33-B919-9B0DD83E6E32}" dt="2023-04-11T00:33:30.780" v="2193" actId="1076"/>
+          <ac:spMkLst>
+            <pc:docMk/>
+            <pc:sldMk cId="3948659839" sldId="313"/>
+            <ac:spMk id="18" creationId="{5516CC17-0DAA-CF95-C9CA-DF1CECD8F6FD}"/>
+          </ac:spMkLst>
+        </pc:spChg>
+        <pc:grpChg chg="del mod">
+          <ac:chgData name="Carolina Craus" userId="bae62b9d695bbdd6" providerId="LiveId" clId="{32165585-CB35-4C33-B919-9B0DD83E6E32}" dt="2023-04-11T00:26:36.877" v="1996" actId="478"/>
+          <ac:grpSpMkLst>
+            <pc:docMk/>
+            <pc:sldMk cId="3948659839" sldId="313"/>
+            <ac:grpSpMk id="4" creationId="{865AEDED-9AE4-E864-615F-1DD09AB34814}"/>
+          </ac:grpSpMkLst>
+        </pc:grpChg>
+        <pc:cxnChg chg="mod">
+          <ac:chgData name="Carolina Craus" userId="bae62b9d695bbdd6" providerId="LiveId" clId="{32165585-CB35-4C33-B919-9B0DD83E6E32}" dt="2023-04-11T00:26:36.877" v="1996" actId="478"/>
+          <ac:cxnSpMkLst>
+            <pc:docMk/>
+            <pc:sldMk cId="3948659839" sldId="313"/>
+            <ac:cxnSpMk id="13" creationId="{5F70714E-EFC6-2B2F-A8C0-39BE5507BA5C}"/>
+          </ac:cxnSpMkLst>
+        </pc:cxnChg>
+        <pc:cxnChg chg="add">
+          <ac:chgData name="Carolina Craus" userId="bae62b9d695bbdd6" providerId="LiveId" clId="{32165585-CB35-4C33-B919-9B0DD83E6E32}" dt="2023-04-11T00:33:52.534" v="2197" actId="11529"/>
+          <ac:cxnSpMkLst>
+            <pc:docMk/>
+            <pc:sldMk cId="3948659839" sldId="313"/>
+            <ac:cxnSpMk id="20" creationId="{2DE3533E-252A-5203-89EA-2D6F6917FFFD}"/>
+          </ac:cxnSpMkLst>
+        </pc:cxnChg>
+        <pc:cxnChg chg="add mod">
+          <ac:chgData name="Carolina Craus" userId="bae62b9d695bbdd6" providerId="LiveId" clId="{32165585-CB35-4C33-B919-9B0DD83E6E32}" dt="2023-04-11T00:34:06.134" v="2199" actId="14100"/>
+          <ac:cxnSpMkLst>
+            <pc:docMk/>
+            <pc:sldMk cId="3948659839" sldId="313"/>
+            <ac:cxnSpMk id="22" creationId="{38924452-EBDE-3FB0-3BDB-326FFA4AF5F0}"/>
+          </ac:cxnSpMkLst>
+        </pc:cxnChg>
+        <pc:cxnChg chg="add mod">
+          <ac:chgData name="Carolina Craus" userId="bae62b9d695bbdd6" providerId="LiveId" clId="{32165585-CB35-4C33-B919-9B0DD83E6E32}" dt="2023-04-11T00:34:19.075" v="2203" actId="14100"/>
+          <ac:cxnSpMkLst>
+            <pc:docMk/>
+            <pc:sldMk cId="3948659839" sldId="313"/>
+            <ac:cxnSpMk id="24" creationId="{253540D7-E856-7607-A232-0BAD8FDB6969}"/>
+          </ac:cxnSpMkLst>
+        </pc:cxnChg>
+        <pc:cxnChg chg="add mod">
+          <ac:chgData name="Carolina Craus" userId="bae62b9d695bbdd6" providerId="LiveId" clId="{32165585-CB35-4C33-B919-9B0DD83E6E32}" dt="2023-04-11T00:34:29.838" v="2207" actId="14100"/>
+          <ac:cxnSpMkLst>
+            <pc:docMk/>
+            <pc:sldMk cId="3948659839" sldId="313"/>
+            <ac:cxnSpMk id="27" creationId="{28B69205-172E-1187-7805-065C3467D5FE}"/>
+          </ac:cxnSpMkLst>
+        </pc:cxnChg>
+      </pc:sldChg>
+      <pc:sldChg chg="delSp modSp add mod">
+        <pc:chgData name="Carolina Craus" userId="bae62b9d695bbdd6" providerId="LiveId" clId="{32165585-CB35-4C33-B919-9B0DD83E6E32}" dt="2023-04-11T01:17:35.616" v="2397" actId="20577"/>
+        <pc:sldMkLst>
+          <pc:docMk/>
+          <pc:sldMk cId="1416291944" sldId="314"/>
+        </pc:sldMkLst>
+        <pc:spChg chg="mod">
+          <ac:chgData name="Carolina Craus" userId="bae62b9d695bbdd6" providerId="LiveId" clId="{32165585-CB35-4C33-B919-9B0DD83E6E32}" dt="2023-04-11T01:17:35.616" v="2397" actId="20577"/>
+          <ac:spMkLst>
+            <pc:docMk/>
+            <pc:sldMk cId="1416291944" sldId="314"/>
+            <ac:spMk id="2" creationId="{8B170740-DB3F-076A-A2D2-9555F51D2D32}"/>
+          </ac:spMkLst>
+        </pc:spChg>
+        <pc:spChg chg="del">
+          <ac:chgData name="Carolina Craus" userId="bae62b9d695bbdd6" providerId="LiveId" clId="{32165585-CB35-4C33-B919-9B0DD83E6E32}" dt="2023-04-11T00:37:01.453" v="2209" actId="478"/>
+          <ac:spMkLst>
+            <pc:docMk/>
+            <pc:sldMk cId="1416291944" sldId="314"/>
+            <ac:spMk id="3" creationId="{EF086172-863D-0122-3B4E-BDAC5312F326}"/>
+          </ac:spMkLst>
+        </pc:spChg>
+        <pc:spChg chg="mod">
+          <ac:chgData name="Carolina Craus" userId="bae62b9d695bbdd6" providerId="LiveId" clId="{32165585-CB35-4C33-B919-9B0DD83E6E32}" dt="2023-04-11T00:37:08.959" v="2214" actId="20577"/>
+          <ac:spMkLst>
+            <pc:docMk/>
+            <pc:sldMk cId="1416291944" sldId="314"/>
+            <ac:spMk id="5" creationId="{80A4736F-1EF9-09F0-5145-9AB37B5FE409}"/>
+          </ac:spMkLst>
+        </pc:spChg>
+        <pc:spChg chg="del">
+          <ac:chgData name="Carolina Craus" userId="bae62b9d695bbdd6" providerId="LiveId" clId="{32165585-CB35-4C33-B919-9B0DD83E6E32}" dt="2023-04-11T00:37:01.453" v="2209" actId="478"/>
+          <ac:spMkLst>
+            <pc:docMk/>
+            <pc:sldMk cId="1416291944" sldId="314"/>
+            <ac:spMk id="6" creationId="{5D44B9AC-78E7-7ABF-9BE3-F3394203712C}"/>
+          </ac:spMkLst>
+        </pc:spChg>
+        <pc:spChg chg="del">
+          <ac:chgData name="Carolina Craus" userId="bae62b9d695bbdd6" providerId="LiveId" clId="{32165585-CB35-4C33-B919-9B0DD83E6E32}" dt="2023-04-11T00:37:01.453" v="2209" actId="478"/>
+          <ac:spMkLst>
+            <pc:docMk/>
+            <pc:sldMk cId="1416291944" sldId="314"/>
+            <ac:spMk id="16" creationId="{0FA103C9-78E6-75D0-9972-8CA4121A8696}"/>
+          </ac:spMkLst>
+        </pc:spChg>
+        <pc:spChg chg="del">
+          <ac:chgData name="Carolina Craus" userId="bae62b9d695bbdd6" providerId="LiveId" clId="{32165585-CB35-4C33-B919-9B0DD83E6E32}" dt="2023-04-11T00:37:01.453" v="2209" actId="478"/>
+          <ac:spMkLst>
+            <pc:docMk/>
+            <pc:sldMk cId="1416291944" sldId="314"/>
+            <ac:spMk id="17" creationId="{7283E721-934A-7F97-F1C5-1EFCAF49CF31}"/>
+          </ac:spMkLst>
+        </pc:spChg>
+        <pc:spChg chg="del mod">
+          <ac:chgData name="Carolina Craus" userId="bae62b9d695bbdd6" providerId="LiveId" clId="{32165585-CB35-4C33-B919-9B0DD83E6E32}" dt="2023-04-11T00:37:05.808" v="2213" actId="478"/>
+          <ac:spMkLst>
+            <pc:docMk/>
+            <pc:sldMk cId="1416291944" sldId="314"/>
+            <ac:spMk id="18" creationId="{5516CC17-0DAA-CF95-C9CA-DF1CECD8F6FD}"/>
+          </ac:spMkLst>
+        </pc:spChg>
+        <pc:cxnChg chg="del">
+          <ac:chgData name="Carolina Craus" userId="bae62b9d695bbdd6" providerId="LiveId" clId="{32165585-CB35-4C33-B919-9B0DD83E6E32}" dt="2023-04-11T00:37:01.453" v="2209" actId="478"/>
+          <ac:cxnSpMkLst>
+            <pc:docMk/>
+            <pc:sldMk cId="1416291944" sldId="314"/>
+            <ac:cxnSpMk id="20" creationId="{2DE3533E-252A-5203-89EA-2D6F6917FFFD}"/>
+          </ac:cxnSpMkLst>
+        </pc:cxnChg>
+        <pc:cxnChg chg="del">
+          <ac:chgData name="Carolina Craus" userId="bae62b9d695bbdd6" providerId="LiveId" clId="{32165585-CB35-4C33-B919-9B0DD83E6E32}" dt="2023-04-11T00:37:01.453" v="2209" actId="478"/>
+          <ac:cxnSpMkLst>
+            <pc:docMk/>
+            <pc:sldMk cId="1416291944" sldId="314"/>
+            <ac:cxnSpMk id="22" creationId="{38924452-EBDE-3FB0-3BDB-326FFA4AF5F0}"/>
+          </ac:cxnSpMkLst>
+        </pc:cxnChg>
+        <pc:cxnChg chg="del mod">
+          <ac:chgData name="Carolina Craus" userId="bae62b9d695bbdd6" providerId="LiveId" clId="{32165585-CB35-4C33-B919-9B0DD83E6E32}" dt="2023-04-11T00:37:01.453" v="2209" actId="478"/>
+          <ac:cxnSpMkLst>
+            <pc:docMk/>
+            <pc:sldMk cId="1416291944" sldId="314"/>
+            <ac:cxnSpMk id="24" creationId="{253540D7-E856-7607-A232-0BAD8FDB6969}"/>
+          </ac:cxnSpMkLst>
+        </pc:cxnChg>
+        <pc:cxnChg chg="del mod">
+          <ac:chgData name="Carolina Craus" userId="bae62b9d695bbdd6" providerId="LiveId" clId="{32165585-CB35-4C33-B919-9B0DD83E6E32}" dt="2023-04-11T00:37:01.453" v="2209" actId="478"/>
+          <ac:cxnSpMkLst>
+            <pc:docMk/>
+            <pc:sldMk cId="1416291944" sldId="314"/>
+            <ac:cxnSpMk id="27" creationId="{28B69205-172E-1187-7805-065C3467D5FE}"/>
+          </ac:cxnSpMkLst>
+        </pc:cxnChg>
+      </pc:sldChg>
+      <pc:sldChg chg="modSp add mod">
+        <pc:chgData name="Carolina Craus" userId="bae62b9d695bbdd6" providerId="LiveId" clId="{32165585-CB35-4C33-B919-9B0DD83E6E32}" dt="2023-04-11T02:05:47.916" v="2616" actId="20577"/>
+        <pc:sldMkLst>
+          <pc:docMk/>
+          <pc:sldMk cId="2932630224" sldId="315"/>
+        </pc:sldMkLst>
+        <pc:spChg chg="mod">
+          <ac:chgData name="Carolina Craus" userId="bae62b9d695bbdd6" providerId="LiveId" clId="{32165585-CB35-4C33-B919-9B0DD83E6E32}" dt="2023-04-11T02:05:47.916" v="2616" actId="20577"/>
+          <ac:spMkLst>
+            <pc:docMk/>
+            <pc:sldMk cId="2932630224" sldId="315"/>
+            <ac:spMk id="2" creationId="{8B170740-DB3F-076A-A2D2-9555F51D2D32}"/>
+          </ac:spMkLst>
+        </pc:spChg>
+      </pc:sldChg>
+      <pc:sldChg chg="modSp add mod">
+        <pc:chgData name="Carolina Craus" userId="bae62b9d695bbdd6" providerId="LiveId" clId="{32165585-CB35-4C33-B919-9B0DD83E6E32}" dt="2023-04-11T00:38:08.331" v="2318" actId="20577"/>
+        <pc:sldMkLst>
+          <pc:docMk/>
+          <pc:sldMk cId="1981833743" sldId="316"/>
+        </pc:sldMkLst>
+        <pc:spChg chg="mod">
+          <ac:chgData name="Carolina Craus" userId="bae62b9d695bbdd6" providerId="LiveId" clId="{32165585-CB35-4C33-B919-9B0DD83E6E32}" dt="2023-04-11T00:38:08.331" v="2318" actId="20577"/>
+          <ac:spMkLst>
+            <pc:docMk/>
+            <pc:sldMk cId="1981833743" sldId="316"/>
+            <ac:spMk id="2" creationId="{8B170740-DB3F-076A-A2D2-9555F51D2D32}"/>
+          </ac:spMkLst>
+        </pc:spChg>
+      </pc:sldChg>
+      <pc:sldChg chg="delSp modSp add mod">
+        <pc:chgData name="Carolina Craus" userId="bae62b9d695bbdd6" providerId="LiveId" clId="{32165585-CB35-4C33-B919-9B0DD83E6E32}" dt="2023-04-11T02:07:02.535" v="2680"/>
+        <pc:sldMkLst>
+          <pc:docMk/>
+          <pc:sldMk cId="2289817130" sldId="317"/>
+        </pc:sldMkLst>
+        <pc:spChg chg="mod">
+          <ac:chgData name="Carolina Craus" userId="bae62b9d695bbdd6" providerId="LiveId" clId="{32165585-CB35-4C33-B919-9B0DD83E6E32}" dt="2023-04-11T00:38:26.559" v="2352" actId="20577"/>
+          <ac:spMkLst>
+            <pc:docMk/>
+            <pc:sldMk cId="2289817130" sldId="317"/>
+            <ac:spMk id="2" creationId="{8B170740-DB3F-076A-A2D2-9555F51D2D32}"/>
+          </ac:spMkLst>
+        </pc:spChg>
+        <pc:picChg chg="del">
+          <ac:chgData name="Carolina Craus" userId="bae62b9d695bbdd6" providerId="LiveId" clId="{32165585-CB35-4C33-B919-9B0DD83E6E32}" dt="2023-04-11T02:07:02.535" v="2680"/>
+          <ac:picMkLst>
+            <pc:docMk/>
+            <pc:sldMk cId="2289817130" sldId="317"/>
+            <ac:picMk id="3" creationId="{218447FA-5915-488F-AB97-09A32A006EBB}"/>
+          </ac:picMkLst>
+        </pc:picChg>
+      </pc:sldChg>
+      <pc:sldChg chg="addSp delSp modSp add mod">
+        <pc:chgData name="Carolina Craus" userId="bae62b9d695bbdd6" providerId="LiveId" clId="{32165585-CB35-4C33-B919-9B0DD83E6E32}" dt="2023-04-11T02:12:42.380" v="2927" actId="692"/>
+        <pc:sldMkLst>
+          <pc:docMk/>
+          <pc:sldMk cId="888533275" sldId="318"/>
+        </pc:sldMkLst>
+        <pc:spChg chg="mod">
+          <ac:chgData name="Carolina Craus" userId="bae62b9d695bbdd6" providerId="LiveId" clId="{32165585-CB35-4C33-B919-9B0DD83E6E32}" dt="2023-04-11T01:43:06.683" v="2512" actId="20577"/>
+          <ac:spMkLst>
+            <pc:docMk/>
+            <pc:sldMk cId="888533275" sldId="318"/>
+            <ac:spMk id="2" creationId="{8B170740-DB3F-076A-A2D2-9555F51D2D32}"/>
+          </ac:spMkLst>
+        </pc:spChg>
+        <pc:spChg chg="add del">
+          <ac:chgData name="Carolina Craus" userId="bae62b9d695bbdd6" providerId="LiveId" clId="{32165585-CB35-4C33-B919-9B0DD83E6E32}" dt="2023-04-11T01:42:20.051" v="2465" actId="22"/>
+          <ac:spMkLst>
+            <pc:docMk/>
+            <pc:sldMk cId="888533275" sldId="318"/>
+            <ac:spMk id="4" creationId="{F3FF5CB8-026B-31AE-F6B4-6CB99725E31D}"/>
+          </ac:spMkLst>
+        </pc:spChg>
+        <pc:spChg chg="mod">
+          <ac:chgData name="Carolina Craus" userId="bae62b9d695bbdd6" providerId="LiveId" clId="{32165585-CB35-4C33-B919-9B0DD83E6E32}" dt="2023-04-11T02:12:42.380" v="2927" actId="692"/>
+          <ac:spMkLst>
+            <pc:docMk/>
+            <pc:sldMk cId="888533275" sldId="318"/>
+            <ac:spMk id="5" creationId="{80A4736F-1EF9-09F0-5145-9AB37B5FE409}"/>
+          </ac:spMkLst>
+        </pc:spChg>
+        <pc:spChg chg="add del">
+          <ac:chgData name="Carolina Craus" userId="bae62b9d695bbdd6" providerId="LiveId" clId="{32165585-CB35-4C33-B919-9B0DD83E6E32}" dt="2023-04-11T01:42:23.621" v="2467" actId="22"/>
+          <ac:spMkLst>
+            <pc:docMk/>
+            <pc:sldMk cId="888533275" sldId="318"/>
+            <ac:spMk id="7" creationId="{67FDBE62-7FA6-C8FB-5C5A-983CD72828A2}"/>
+          </ac:spMkLst>
+        </pc:spChg>
+      </pc:sldChg>
+      <pc:sldChg chg="addSp delSp modSp add mod ord">
+        <pc:chgData name="Carolina Craus" userId="bae62b9d695bbdd6" providerId="LiveId" clId="{32165585-CB35-4C33-B919-9B0DD83E6E32}" dt="2023-04-11T02:03:31.656" v="2589" actId="20577"/>
+        <pc:sldMkLst>
+          <pc:docMk/>
+          <pc:sldMk cId="2662757459" sldId="319"/>
+        </pc:sldMkLst>
+        <pc:spChg chg="mod">
+          <ac:chgData name="Carolina Craus" userId="bae62b9d695bbdd6" providerId="LiveId" clId="{32165585-CB35-4C33-B919-9B0DD83E6E32}" dt="2023-04-11T01:43:28.008" v="2542" actId="20577"/>
+          <ac:spMkLst>
+            <pc:docMk/>
+            <pc:sldMk cId="2662757459" sldId="319"/>
+            <ac:spMk id="2" creationId="{8B170740-DB3F-076A-A2D2-9555F51D2D32}"/>
+          </ac:spMkLst>
+        </pc:spChg>
+        <pc:spChg chg="add del">
+          <ac:chgData name="Carolina Craus" userId="bae62b9d695bbdd6" providerId="LiveId" clId="{32165585-CB35-4C33-B919-9B0DD83E6E32}" dt="2023-04-11T01:44:22.836" v="2560"/>
+          <ac:spMkLst>
+            <pc:docMk/>
+            <pc:sldMk cId="2662757459" sldId="319"/>
+            <ac:spMk id="4" creationId="{F11EAF8F-BBA0-44A9-E86F-B98F6DCA8CD8}"/>
+          </ac:spMkLst>
+        </pc:spChg>
+        <pc:graphicFrameChg chg="modGraphic">
+          <ac:chgData name="Carolina Craus" userId="bae62b9d695bbdd6" providerId="LiveId" clId="{32165585-CB35-4C33-B919-9B0DD83E6E32}" dt="2023-04-11T02:03:31.656" v="2589" actId="20577"/>
+          <ac:graphicFrameMkLst>
+            <pc:docMk/>
+            <pc:sldMk cId="2662757459" sldId="319"/>
+            <ac:graphicFrameMk id="3" creationId="{CA4AB027-E888-2C3E-8C1E-4D6BB2527F50}"/>
+          </ac:graphicFrameMkLst>
+        </pc:graphicFrameChg>
+        <pc:picChg chg="add mod">
+          <ac:chgData name="Carolina Craus" userId="bae62b9d695bbdd6" providerId="LiveId" clId="{32165585-CB35-4C33-B919-9B0DD83E6E32}" dt="2023-04-11T01:44:34.748" v="2566" actId="1076"/>
+          <ac:picMkLst>
+            <pc:docMk/>
+            <pc:sldMk cId="2662757459" sldId="319"/>
+            <ac:picMk id="5" creationId="{94917740-2CE1-C737-5A58-88E54369727B}"/>
+          </ac:picMkLst>
+        </pc:picChg>
+        <pc:picChg chg="del">
+          <ac:chgData name="Carolina Craus" userId="bae62b9d695bbdd6" providerId="LiveId" clId="{32165585-CB35-4C33-B919-9B0DD83E6E32}" dt="2023-04-11T01:44:19.737" v="2558" actId="478"/>
+          <ac:picMkLst>
+            <pc:docMk/>
+            <pc:sldMk cId="2662757459" sldId="319"/>
+            <ac:picMk id="6" creationId="{BB69DD76-C768-A0C3-81CB-B2E581EFE1D2}"/>
+          </ac:picMkLst>
+        </pc:picChg>
+      </pc:sldChg>
+      <pc:sldChg chg="addSp delSp modSp add mod ord">
+        <pc:chgData name="Carolina Craus" userId="bae62b9d695bbdd6" providerId="LiveId" clId="{32165585-CB35-4C33-B919-9B0DD83E6E32}" dt="2023-04-11T02:12:09.353" v="2926" actId="1076"/>
+        <pc:sldMkLst>
+          <pc:docMk/>
+          <pc:sldMk cId="1824139110" sldId="320"/>
+        </pc:sldMkLst>
+        <pc:spChg chg="mod">
+          <ac:chgData name="Carolina Craus" userId="bae62b9d695bbdd6" providerId="LiveId" clId="{32165585-CB35-4C33-B919-9B0DD83E6E32}" dt="2023-04-11T02:08:50.801" v="2746" actId="20577"/>
+          <ac:spMkLst>
+            <pc:docMk/>
+            <pc:sldMk cId="1824139110" sldId="320"/>
+            <ac:spMk id="2" creationId="{8B170740-DB3F-076A-A2D2-9555F51D2D32}"/>
+          </ac:spMkLst>
+        </pc:spChg>
+        <pc:spChg chg="add del">
+          <ac:chgData name="Carolina Craus" userId="bae62b9d695bbdd6" providerId="LiveId" clId="{32165585-CB35-4C33-B919-9B0DD83E6E32}" dt="2023-04-11T02:09:55.968" v="2758"/>
+          <ac:spMkLst>
+            <pc:docMk/>
+            <pc:sldMk cId="1824139110" sldId="320"/>
+            <ac:spMk id="6" creationId="{C9AB1286-E751-2426-DA5A-0B5BD6FD68F1}"/>
+          </ac:spMkLst>
+        </pc:spChg>
+        <pc:spChg chg="add del mod">
+          <ac:chgData name="Carolina Craus" userId="bae62b9d695bbdd6" providerId="LiveId" clId="{32165585-CB35-4C33-B919-9B0DD83E6E32}" dt="2023-04-11T02:11:20.711" v="2794" actId="478"/>
+          <ac:spMkLst>
+            <pc:docMk/>
+            <pc:sldMk cId="1824139110" sldId="320"/>
+            <ac:spMk id="8" creationId="{DA1F546C-A032-C4AF-8E1C-36C355C7C54A}"/>
+          </ac:spMkLst>
+        </pc:spChg>
+        <pc:spChg chg="add mod">
+          <ac:chgData name="Carolina Craus" userId="bae62b9d695bbdd6" providerId="LiveId" clId="{32165585-CB35-4C33-B919-9B0DD83E6E32}" dt="2023-04-11T02:12:09.353" v="2926" actId="1076"/>
+          <ac:spMkLst>
+            <pc:docMk/>
+            <pc:sldMk cId="1824139110" sldId="320"/>
+            <ac:spMk id="10" creationId="{3520D124-676E-6B81-37F2-9801558FF72B}"/>
+          </ac:spMkLst>
+        </pc:spChg>
+        <pc:graphicFrameChg chg="mod modGraphic">
+          <ac:chgData name="Carolina Craus" userId="bae62b9d695bbdd6" providerId="LiveId" clId="{32165585-CB35-4C33-B919-9B0DD83E6E32}" dt="2023-04-11T02:10:50.454" v="2786" actId="20577"/>
+          <ac:graphicFrameMkLst>
+            <pc:docMk/>
+            <pc:sldMk cId="1824139110" sldId="320"/>
+            <ac:graphicFrameMk id="3" creationId="{CA4AB027-E888-2C3E-8C1E-4D6BB2527F50}"/>
+          </ac:graphicFrameMkLst>
+        </pc:graphicFrameChg>
+        <pc:graphicFrameChg chg="add del">
+          <ac:chgData name="Carolina Craus" userId="bae62b9d695bbdd6" providerId="LiveId" clId="{32165585-CB35-4C33-B919-9B0DD83E6E32}" dt="2023-04-11T02:08:42.866" v="2740"/>
+          <ac:graphicFrameMkLst>
+            <pc:docMk/>
+            <pc:sldMk cId="1824139110" sldId="320"/>
+            <ac:graphicFrameMk id="4" creationId="{94978A68-D6AE-65CD-6E5E-C1109A18F1E0}"/>
+          </ac:graphicFrameMkLst>
+        </pc:graphicFrameChg>
+        <pc:picChg chg="del">
+          <ac:chgData name="Carolina Craus" userId="bae62b9d695bbdd6" providerId="LiveId" clId="{32165585-CB35-4C33-B919-9B0DD83E6E32}" dt="2023-04-11T02:07:21.677" v="2720" actId="478"/>
+          <ac:picMkLst>
+            <pc:docMk/>
+            <pc:sldMk cId="1824139110" sldId="320"/>
+            <ac:picMk id="5" creationId="{94917740-2CE1-C737-5A58-88E54369727B}"/>
+          </ac:picMkLst>
+        </pc:picChg>
+        <pc:picChg chg="add mod">
+          <ac:chgData name="Carolina Craus" userId="bae62b9d695bbdd6" providerId="LiveId" clId="{32165585-CB35-4C33-B919-9B0DD83E6E32}" dt="2023-04-11T02:10:12.828" v="2767" actId="1076"/>
+          <ac:picMkLst>
+            <pc:docMk/>
+            <pc:sldMk cId="1824139110" sldId="320"/>
+            <ac:picMk id="7" creationId="{D1AFFDB8-5F4E-77F8-D45F-552FEB9BEA86}"/>
+          </ac:picMkLst>
+        </pc:picChg>
+      </pc:sldChg>
+      <pc:sldChg chg="modSp add del mod">
+        <pc:chgData name="Carolina Craus" userId="bae62b9d695bbdd6" providerId="LiveId" clId="{32165585-CB35-4C33-B919-9B0DD83E6E32}" dt="2023-04-11T02:06:26.171" v="2643" actId="47"/>
+        <pc:sldMkLst>
+          <pc:docMk/>
+          <pc:sldMk cId="3341052280" sldId="321"/>
+        </pc:sldMkLst>
+        <pc:spChg chg="mod">
+          <ac:chgData name="Carolina Craus" userId="bae62b9d695bbdd6" providerId="LiveId" clId="{32165585-CB35-4C33-B919-9B0DD83E6E32}" dt="2023-04-11T02:06:09.445" v="2626" actId="20577"/>
+          <ac:spMkLst>
+            <pc:docMk/>
+            <pc:sldMk cId="3341052280" sldId="321"/>
+            <ac:spMk id="2" creationId="{8B170740-DB3F-076A-A2D2-9555F51D2D32}"/>
+          </ac:spMkLst>
+        </pc:spChg>
+      </pc:sldChg>
+      <pc:sldChg chg="addSp delSp modSp add mod ord">
+        <pc:chgData name="Carolina Craus" userId="bae62b9d695bbdd6" providerId="LiveId" clId="{32165585-CB35-4C33-B919-9B0DD83E6E32}" dt="2023-04-11T02:09:27.103" v="2756" actId="1076"/>
+        <pc:sldMkLst>
+          <pc:docMk/>
+          <pc:sldMk cId="2612505702" sldId="322"/>
+        </pc:sldMkLst>
+        <pc:spChg chg="mod">
+          <ac:chgData name="Carolina Craus" userId="bae62b9d695bbdd6" providerId="LiveId" clId="{32165585-CB35-4C33-B919-9B0DD83E6E32}" dt="2023-04-11T02:08:48.083" v="2744" actId="20577"/>
+          <ac:spMkLst>
+            <pc:docMk/>
+            <pc:sldMk cId="2612505702" sldId="322"/>
+            <ac:spMk id="2" creationId="{8B170740-DB3F-076A-A2D2-9555F51D2D32}"/>
+          </ac:spMkLst>
+        </pc:spChg>
+        <pc:spChg chg="add del">
+          <ac:chgData name="Carolina Craus" userId="bae62b9d695bbdd6" providerId="LiveId" clId="{32165585-CB35-4C33-B919-9B0DD83E6E32}" dt="2023-04-11T02:09:11.105" v="2748"/>
+          <ac:spMkLst>
+            <pc:docMk/>
+            <pc:sldMk cId="2612505702" sldId="322"/>
+            <ac:spMk id="4" creationId="{E24C92EC-C250-D42A-C594-C943EEF82C09}"/>
+          </ac:spMkLst>
+        </pc:spChg>
+        <pc:graphicFrameChg chg="mod modGraphic">
+          <ac:chgData name="Carolina Craus" userId="bae62b9d695bbdd6" providerId="LiveId" clId="{32165585-CB35-4C33-B919-9B0DD83E6E32}" dt="2023-04-11T02:09:21.387" v="2753" actId="1076"/>
+          <ac:graphicFrameMkLst>
+            <pc:docMk/>
+            <pc:sldMk cId="2612505702" sldId="322"/>
+            <ac:graphicFrameMk id="3" creationId="{CA4AB027-E888-2C3E-8C1E-4D6BB2527F50}"/>
+          </ac:graphicFrameMkLst>
+        </pc:graphicFrameChg>
+        <pc:picChg chg="del">
+          <ac:chgData name="Carolina Craus" userId="bae62b9d695bbdd6" providerId="LiveId" clId="{32165585-CB35-4C33-B919-9B0DD83E6E32}" dt="2023-04-11T02:07:23.885" v="2721" actId="478"/>
+          <ac:picMkLst>
+            <pc:docMk/>
+            <pc:sldMk cId="2612505702" sldId="322"/>
+            <ac:picMk id="5" creationId="{94917740-2CE1-C737-5A58-88E54369727B}"/>
+          </ac:picMkLst>
+        </pc:picChg>
+        <pc:picChg chg="add mod">
+          <ac:chgData name="Carolina Craus" userId="bae62b9d695bbdd6" providerId="LiveId" clId="{32165585-CB35-4C33-B919-9B0DD83E6E32}" dt="2023-04-11T02:09:27.103" v="2756" actId="1076"/>
+          <ac:picMkLst>
+            <pc:docMk/>
+            <pc:sldMk cId="2612505702" sldId="322"/>
+            <ac:picMk id="6" creationId="{08BEE029-0E8E-158A-F4C6-A416E30DD488}"/>
+          </ac:picMkLst>
+        </pc:picChg>
+      </pc:sldChg>
+      <pc:sldChg chg="modSp add mod">
+        <pc:chgData name="Carolina Craus" userId="bae62b9d695bbdd6" providerId="LiveId" clId="{32165585-CB35-4C33-B919-9B0DD83E6E32}" dt="2023-04-11T02:06:50.085" v="2679" actId="20577"/>
+        <pc:sldMkLst>
+          <pc:docMk/>
+          <pc:sldMk cId="1414478187" sldId="323"/>
+        </pc:sldMkLst>
+        <pc:spChg chg="mod">
+          <ac:chgData name="Carolina Craus" userId="bae62b9d695bbdd6" providerId="LiveId" clId="{32165585-CB35-4C33-B919-9B0DD83E6E32}" dt="2023-04-11T02:06:50.085" v="2679" actId="20577"/>
+          <ac:spMkLst>
+            <pc:docMk/>
+            <pc:sldMk cId="1414478187" sldId="323"/>
+            <ac:spMk id="2" creationId="{8B170740-DB3F-076A-A2D2-9555F51D2D32}"/>
+          </ac:spMkLst>
+        </pc:spChg>
+      </pc:sldChg>
+      <pc:sldChg chg="modSp add mod">
+        <pc:chgData name="Carolina Craus" userId="bae62b9d695bbdd6" providerId="LiveId" clId="{32165585-CB35-4C33-B919-9B0DD83E6E32}" dt="2023-04-11T02:07:17.796" v="2719" actId="20577"/>
+        <pc:sldMkLst>
+          <pc:docMk/>
+          <pc:sldMk cId="2361612830" sldId="324"/>
+        </pc:sldMkLst>
+        <pc:spChg chg="mod">
+          <ac:chgData name="Carolina Craus" userId="bae62b9d695bbdd6" providerId="LiveId" clId="{32165585-CB35-4C33-B919-9B0DD83E6E32}" dt="2023-04-11T02:07:17.796" v="2719" actId="20577"/>
+          <ac:spMkLst>
+            <pc:docMk/>
+            <pc:sldMk cId="2361612830" sldId="324"/>
+            <ac:spMk id="2" creationId="{8B170740-DB3F-076A-A2D2-9555F51D2D32}"/>
+          </ac:spMkLst>
+        </pc:spChg>
       </pc:sldChg>
     </pc:docChg>
   </pc:docChgLst>
@@ -1487,7 +2132,7 @@
     </p:spTree>
     <p:extLst>
       <p:ext uri="{BB962C8B-B14F-4D97-AF65-F5344CB8AC3E}">
-        <p14:creationId xmlns:p14="http://schemas.microsoft.com/office/powerpoint/2010/main" val="3868119659"/>
+        <p14:creationId xmlns:p14="http://schemas.microsoft.com/office/powerpoint/2010/main" val="3627234146"/>
       </p:ext>
     </p:extLst>
   </p:cSld>
@@ -1556,7 +2201,7 @@
     </p:spTree>
     <p:extLst>
       <p:ext uri="{BB962C8B-B14F-4D97-AF65-F5344CB8AC3E}">
-        <p14:creationId xmlns:p14="http://schemas.microsoft.com/office/powerpoint/2010/main" val="579046869"/>
+        <p14:creationId xmlns:p14="http://schemas.microsoft.com/office/powerpoint/2010/main" val="3868119659"/>
       </p:ext>
     </p:extLst>
   </p:cSld>
@@ -1625,7 +2270,7 @@
     </p:spTree>
     <p:extLst>
       <p:ext uri="{BB962C8B-B14F-4D97-AF65-F5344CB8AC3E}">
-        <p14:creationId xmlns:p14="http://schemas.microsoft.com/office/powerpoint/2010/main" val="1994813416"/>
+        <p14:creationId xmlns:p14="http://schemas.microsoft.com/office/powerpoint/2010/main" val="579046869"/>
       </p:ext>
     </p:extLst>
   </p:cSld>
@@ -1694,7 +2339,7 @@
     </p:spTree>
     <p:extLst>
       <p:ext uri="{BB962C8B-B14F-4D97-AF65-F5344CB8AC3E}">
-        <p14:creationId xmlns:p14="http://schemas.microsoft.com/office/powerpoint/2010/main" val="2131577643"/>
+        <p14:creationId xmlns:p14="http://schemas.microsoft.com/office/powerpoint/2010/main" val="1994813416"/>
       </p:ext>
     </p:extLst>
   </p:cSld>
@@ -1763,7 +2408,7 @@
     </p:spTree>
     <p:extLst>
       <p:ext uri="{BB962C8B-B14F-4D97-AF65-F5344CB8AC3E}">
-        <p14:creationId xmlns:p14="http://schemas.microsoft.com/office/powerpoint/2010/main" val="3189567172"/>
+        <p14:creationId xmlns:p14="http://schemas.microsoft.com/office/powerpoint/2010/main" val="2131577643"/>
       </p:ext>
     </p:extLst>
   </p:cSld>
@@ -1832,7 +2477,7 @@
     </p:spTree>
     <p:extLst>
       <p:ext uri="{BB962C8B-B14F-4D97-AF65-F5344CB8AC3E}">
-        <p14:creationId xmlns:p14="http://schemas.microsoft.com/office/powerpoint/2010/main" val="1238886777"/>
+        <p14:creationId xmlns:p14="http://schemas.microsoft.com/office/powerpoint/2010/main" val="3189567172"/>
       </p:ext>
     </p:extLst>
   </p:cSld>
@@ -1947,11 +2592,11 @@
 </file>
 
 <file path=ppt/notesSlides/notesSlide20.xml><?xml version="1.0" encoding="utf-8"?>
-<p:notes xmlns:a="http://schemas.openxmlformats.org/drawingml/2006/main" xmlns:r="http://schemas.openxmlformats.org/officeDocument/2006/relationships" xmlns:p="http://schemas.openxmlformats.org/presentationml/2006/main" showMasterSp="0" showMasterPhAnim="0">
+<p:notes xmlns:a="http://schemas.openxmlformats.org/drawingml/2006/main" xmlns:r="http://schemas.openxmlformats.org/officeDocument/2006/relationships" xmlns:p="http://schemas.openxmlformats.org/presentationml/2006/main">
   <p:cSld>
     <p:spTree>
       <p:nvGrpSpPr>
-        <p:cNvPr id="1" name="Shape 735"/>
+        <p:cNvPr id="1" name=""/>
         <p:cNvGrpSpPr/>
         <p:nvPr/>
       </p:nvGrpSpPr>
@@ -1965,12 +2610,12 @@
       </p:grpSpPr>
       <p:sp>
         <p:nvSpPr>
-          <p:cNvPr id="736" name="Google Shape;736;g1f88252dc4_0_1535:notes"/>
+          <p:cNvPr id="2" name="Slide Image Placeholder 1"/>
           <p:cNvSpPr>
             <a:spLocks noGrp="1" noRot="1" noChangeAspect="1"/>
           </p:cNvSpPr>
           <p:nvPr>
-            <p:ph type="sldImg" idx="2"/>
+            <p:ph type="sldImg"/>
           </p:nvPr>
         </p:nvSpPr>
         <p:spPr>
@@ -1978,71 +2623,657 @@
             <a:off x="381000" y="685800"/>
             <a:ext cx="6096000" cy="3429000"/>
           </a:xfrm>
-          <a:custGeom>
-            <a:avLst/>
-            <a:gdLst/>
-            <a:ahLst/>
-            <a:cxnLst/>
-            <a:rect l="l" t="t" r="r" b="b"/>
-            <a:pathLst>
-              <a:path w="120000" h="120000" extrusionOk="0">
-                <a:moveTo>
-                  <a:pt x="0" y="0"/>
-                </a:moveTo>
-                <a:lnTo>
-                  <a:pt x="120000" y="0"/>
-                </a:lnTo>
-                <a:lnTo>
-                  <a:pt x="120000" y="120000"/>
-                </a:lnTo>
-                <a:lnTo>
-                  <a:pt x="0" y="120000"/>
-                </a:lnTo>
-                <a:close/>
-              </a:path>
-            </a:pathLst>
-          </a:custGeom>
         </p:spPr>
       </p:sp>
       <p:sp>
         <p:nvSpPr>
-          <p:cNvPr id="737" name="Google Shape;737;g1f88252dc4_0_1535:notes"/>
-          <p:cNvSpPr txBox="1">
+          <p:cNvPr id="3" name="Notes Placeholder 2"/>
+          <p:cNvSpPr>
             <a:spLocks noGrp="1"/>
           </p:cNvSpPr>
           <p:nvPr>
             <p:ph type="body" idx="1"/>
           </p:nvPr>
         </p:nvSpPr>
-        <p:spPr>
-          <a:xfrm>
-            <a:off x="685800" y="4343400"/>
-            <a:ext cx="5486400" cy="4114800"/>
-          </a:xfrm>
-          <a:prstGeom prst="rect">
-            <a:avLst/>
-          </a:prstGeom>
-        </p:spPr>
+        <p:spPr/>
         <p:txBody>
-          <a:bodyPr spcFirstLastPara="1" wrap="square" lIns="91425" tIns="91425" rIns="91425" bIns="91425" anchor="t" anchorCtr="0">
-            <a:noAutofit/>
-          </a:bodyPr>
+          <a:bodyPr/>
           <a:lstStyle/>
           <a:p>
-            <a:pPr marL="0" lvl="0" indent="0" algn="l" rtl="0">
-              <a:spcBef>
-                <a:spcPts val="0"/>
-              </a:spcBef>
-              <a:spcAft>
-                <a:spcPts val="0"/>
-              </a:spcAft>
+            <a:pPr marL="139700" indent="0">
               <a:buNone/>
             </a:pPr>
-            <a:endParaRPr dirty="0"/>
+            <a:endParaRPr lang="en-US" dirty="0"/>
           </a:p>
         </p:txBody>
       </p:sp>
     </p:spTree>
+    <p:extLst>
+      <p:ext uri="{BB962C8B-B14F-4D97-AF65-F5344CB8AC3E}">
+        <p14:creationId xmlns:p14="http://schemas.microsoft.com/office/powerpoint/2010/main" val="1238886777"/>
+      </p:ext>
+    </p:extLst>
+  </p:cSld>
+  <p:clrMapOvr>
+    <a:masterClrMapping/>
+  </p:clrMapOvr>
+</p:notes>
+</file>
+
+<file path=ppt/notesSlides/notesSlide21.xml><?xml version="1.0" encoding="utf-8"?>
+<p:notes xmlns:a="http://schemas.openxmlformats.org/drawingml/2006/main" xmlns:r="http://schemas.openxmlformats.org/officeDocument/2006/relationships" xmlns:p="http://schemas.openxmlformats.org/presentationml/2006/main">
+  <p:cSld>
+    <p:spTree>
+      <p:nvGrpSpPr>
+        <p:cNvPr id="1" name=""/>
+        <p:cNvGrpSpPr/>
+        <p:nvPr/>
+      </p:nvGrpSpPr>
+      <p:grpSpPr>
+        <a:xfrm>
+          <a:off x="0" y="0"/>
+          <a:ext cx="0" cy="0"/>
+          <a:chOff x="0" y="0"/>
+          <a:chExt cx="0" cy="0"/>
+        </a:xfrm>
+      </p:grpSpPr>
+      <p:sp>
+        <p:nvSpPr>
+          <p:cNvPr id="2" name="Slide Image Placeholder 1"/>
+          <p:cNvSpPr>
+            <a:spLocks noGrp="1" noRot="1" noChangeAspect="1"/>
+          </p:cNvSpPr>
+          <p:nvPr>
+            <p:ph type="sldImg"/>
+          </p:nvPr>
+        </p:nvSpPr>
+        <p:spPr>
+          <a:xfrm>
+            <a:off x="381000" y="685800"/>
+            <a:ext cx="6096000" cy="3429000"/>
+          </a:xfrm>
+        </p:spPr>
+      </p:sp>
+      <p:sp>
+        <p:nvSpPr>
+          <p:cNvPr id="3" name="Notes Placeholder 2"/>
+          <p:cNvSpPr>
+            <a:spLocks noGrp="1"/>
+          </p:cNvSpPr>
+          <p:nvPr>
+            <p:ph type="body" idx="1"/>
+          </p:nvPr>
+        </p:nvSpPr>
+        <p:spPr/>
+        <p:txBody>
+          <a:bodyPr/>
+          <a:lstStyle/>
+          <a:p>
+            <a:pPr marL="139700" indent="0">
+              <a:buNone/>
+            </a:pPr>
+            <a:endParaRPr lang="en-US" dirty="0"/>
+          </a:p>
+        </p:txBody>
+      </p:sp>
+    </p:spTree>
+    <p:extLst>
+      <p:ext uri="{BB962C8B-B14F-4D97-AF65-F5344CB8AC3E}">
+        <p14:creationId xmlns:p14="http://schemas.microsoft.com/office/powerpoint/2010/main" val="2859231044"/>
+      </p:ext>
+    </p:extLst>
+  </p:cSld>
+  <p:clrMapOvr>
+    <a:masterClrMapping/>
+  </p:clrMapOvr>
+</p:notes>
+</file>
+
+<file path=ppt/notesSlides/notesSlide22.xml><?xml version="1.0" encoding="utf-8"?>
+<p:notes xmlns:a="http://schemas.openxmlformats.org/drawingml/2006/main" xmlns:r="http://schemas.openxmlformats.org/officeDocument/2006/relationships" xmlns:p="http://schemas.openxmlformats.org/presentationml/2006/main">
+  <p:cSld>
+    <p:spTree>
+      <p:nvGrpSpPr>
+        <p:cNvPr id="1" name=""/>
+        <p:cNvGrpSpPr/>
+        <p:nvPr/>
+      </p:nvGrpSpPr>
+      <p:grpSpPr>
+        <a:xfrm>
+          <a:off x="0" y="0"/>
+          <a:ext cx="0" cy="0"/>
+          <a:chOff x="0" y="0"/>
+          <a:chExt cx="0" cy="0"/>
+        </a:xfrm>
+      </p:grpSpPr>
+      <p:sp>
+        <p:nvSpPr>
+          <p:cNvPr id="2" name="Slide Image Placeholder 1"/>
+          <p:cNvSpPr>
+            <a:spLocks noGrp="1" noRot="1" noChangeAspect="1"/>
+          </p:cNvSpPr>
+          <p:nvPr>
+            <p:ph type="sldImg"/>
+          </p:nvPr>
+        </p:nvSpPr>
+        <p:spPr>
+          <a:xfrm>
+            <a:off x="381000" y="685800"/>
+            <a:ext cx="6096000" cy="3429000"/>
+          </a:xfrm>
+        </p:spPr>
+      </p:sp>
+      <p:sp>
+        <p:nvSpPr>
+          <p:cNvPr id="3" name="Notes Placeholder 2"/>
+          <p:cNvSpPr>
+            <a:spLocks noGrp="1"/>
+          </p:cNvSpPr>
+          <p:nvPr>
+            <p:ph type="body" idx="1"/>
+          </p:nvPr>
+        </p:nvSpPr>
+        <p:spPr/>
+        <p:txBody>
+          <a:bodyPr/>
+          <a:lstStyle/>
+          <a:p>
+            <a:pPr marL="139700" indent="0">
+              <a:buNone/>
+            </a:pPr>
+            <a:endParaRPr lang="en-US" dirty="0"/>
+          </a:p>
+        </p:txBody>
+      </p:sp>
+    </p:spTree>
+    <p:extLst>
+      <p:ext uri="{BB962C8B-B14F-4D97-AF65-F5344CB8AC3E}">
+        <p14:creationId xmlns:p14="http://schemas.microsoft.com/office/powerpoint/2010/main" val="1505577267"/>
+      </p:ext>
+    </p:extLst>
+  </p:cSld>
+  <p:clrMapOvr>
+    <a:masterClrMapping/>
+  </p:clrMapOvr>
+</p:notes>
+</file>
+
+<file path=ppt/notesSlides/notesSlide23.xml><?xml version="1.0" encoding="utf-8"?>
+<p:notes xmlns:a="http://schemas.openxmlformats.org/drawingml/2006/main" xmlns:r="http://schemas.openxmlformats.org/officeDocument/2006/relationships" xmlns:p="http://schemas.openxmlformats.org/presentationml/2006/main">
+  <p:cSld>
+    <p:spTree>
+      <p:nvGrpSpPr>
+        <p:cNvPr id="1" name=""/>
+        <p:cNvGrpSpPr/>
+        <p:nvPr/>
+      </p:nvGrpSpPr>
+      <p:grpSpPr>
+        <a:xfrm>
+          <a:off x="0" y="0"/>
+          <a:ext cx="0" cy="0"/>
+          <a:chOff x="0" y="0"/>
+          <a:chExt cx="0" cy="0"/>
+        </a:xfrm>
+      </p:grpSpPr>
+      <p:sp>
+        <p:nvSpPr>
+          <p:cNvPr id="2" name="Slide Image Placeholder 1"/>
+          <p:cNvSpPr>
+            <a:spLocks noGrp="1" noRot="1" noChangeAspect="1"/>
+          </p:cNvSpPr>
+          <p:nvPr>
+            <p:ph type="sldImg"/>
+          </p:nvPr>
+        </p:nvSpPr>
+        <p:spPr>
+          <a:xfrm>
+            <a:off x="381000" y="685800"/>
+            <a:ext cx="6096000" cy="3429000"/>
+          </a:xfrm>
+        </p:spPr>
+      </p:sp>
+      <p:sp>
+        <p:nvSpPr>
+          <p:cNvPr id="3" name="Notes Placeholder 2"/>
+          <p:cNvSpPr>
+            <a:spLocks noGrp="1"/>
+          </p:cNvSpPr>
+          <p:nvPr>
+            <p:ph type="body" idx="1"/>
+          </p:nvPr>
+        </p:nvSpPr>
+        <p:spPr/>
+        <p:txBody>
+          <a:bodyPr/>
+          <a:lstStyle/>
+          <a:p>
+            <a:pPr marL="139700" indent="0">
+              <a:buNone/>
+            </a:pPr>
+            <a:endParaRPr lang="en-US" dirty="0"/>
+          </a:p>
+        </p:txBody>
+      </p:sp>
+    </p:spTree>
+    <p:extLst>
+      <p:ext uri="{BB962C8B-B14F-4D97-AF65-F5344CB8AC3E}">
+        <p14:creationId xmlns:p14="http://schemas.microsoft.com/office/powerpoint/2010/main" val="1315237066"/>
+      </p:ext>
+    </p:extLst>
+  </p:cSld>
+  <p:clrMapOvr>
+    <a:masterClrMapping/>
+  </p:clrMapOvr>
+</p:notes>
+</file>
+
+<file path=ppt/notesSlides/notesSlide24.xml><?xml version="1.0" encoding="utf-8"?>
+<p:notes xmlns:a="http://schemas.openxmlformats.org/drawingml/2006/main" xmlns:r="http://schemas.openxmlformats.org/officeDocument/2006/relationships" xmlns:p="http://schemas.openxmlformats.org/presentationml/2006/main">
+  <p:cSld>
+    <p:spTree>
+      <p:nvGrpSpPr>
+        <p:cNvPr id="1" name=""/>
+        <p:cNvGrpSpPr/>
+        <p:nvPr/>
+      </p:nvGrpSpPr>
+      <p:grpSpPr>
+        <a:xfrm>
+          <a:off x="0" y="0"/>
+          <a:ext cx="0" cy="0"/>
+          <a:chOff x="0" y="0"/>
+          <a:chExt cx="0" cy="0"/>
+        </a:xfrm>
+      </p:grpSpPr>
+      <p:sp>
+        <p:nvSpPr>
+          <p:cNvPr id="2" name="Slide Image Placeholder 1"/>
+          <p:cNvSpPr>
+            <a:spLocks noGrp="1" noRot="1" noChangeAspect="1"/>
+          </p:cNvSpPr>
+          <p:nvPr>
+            <p:ph type="sldImg"/>
+          </p:nvPr>
+        </p:nvSpPr>
+        <p:spPr>
+          <a:xfrm>
+            <a:off x="381000" y="685800"/>
+            <a:ext cx="6096000" cy="3429000"/>
+          </a:xfrm>
+        </p:spPr>
+      </p:sp>
+      <p:sp>
+        <p:nvSpPr>
+          <p:cNvPr id="3" name="Notes Placeholder 2"/>
+          <p:cNvSpPr>
+            <a:spLocks noGrp="1"/>
+          </p:cNvSpPr>
+          <p:nvPr>
+            <p:ph type="body" idx="1"/>
+          </p:nvPr>
+        </p:nvSpPr>
+        <p:spPr/>
+        <p:txBody>
+          <a:bodyPr/>
+          <a:lstStyle/>
+          <a:p>
+            <a:pPr marL="139700" indent="0">
+              <a:buNone/>
+            </a:pPr>
+            <a:endParaRPr lang="en-US" dirty="0"/>
+          </a:p>
+        </p:txBody>
+      </p:sp>
+    </p:spTree>
+    <p:extLst>
+      <p:ext uri="{BB962C8B-B14F-4D97-AF65-F5344CB8AC3E}">
+        <p14:creationId xmlns:p14="http://schemas.microsoft.com/office/powerpoint/2010/main" val="932338961"/>
+      </p:ext>
+    </p:extLst>
+  </p:cSld>
+  <p:clrMapOvr>
+    <a:masterClrMapping/>
+  </p:clrMapOvr>
+</p:notes>
+</file>
+
+<file path=ppt/notesSlides/notesSlide25.xml><?xml version="1.0" encoding="utf-8"?>
+<p:notes xmlns:a="http://schemas.openxmlformats.org/drawingml/2006/main" xmlns:r="http://schemas.openxmlformats.org/officeDocument/2006/relationships" xmlns:p="http://schemas.openxmlformats.org/presentationml/2006/main">
+  <p:cSld>
+    <p:spTree>
+      <p:nvGrpSpPr>
+        <p:cNvPr id="1" name=""/>
+        <p:cNvGrpSpPr/>
+        <p:nvPr/>
+      </p:nvGrpSpPr>
+      <p:grpSpPr>
+        <a:xfrm>
+          <a:off x="0" y="0"/>
+          <a:ext cx="0" cy="0"/>
+          <a:chOff x="0" y="0"/>
+          <a:chExt cx="0" cy="0"/>
+        </a:xfrm>
+      </p:grpSpPr>
+      <p:sp>
+        <p:nvSpPr>
+          <p:cNvPr id="2" name="Slide Image Placeholder 1"/>
+          <p:cNvSpPr>
+            <a:spLocks noGrp="1" noRot="1" noChangeAspect="1"/>
+          </p:cNvSpPr>
+          <p:nvPr>
+            <p:ph type="sldImg"/>
+          </p:nvPr>
+        </p:nvSpPr>
+        <p:spPr>
+          <a:xfrm>
+            <a:off x="381000" y="685800"/>
+            <a:ext cx="6096000" cy="3429000"/>
+          </a:xfrm>
+        </p:spPr>
+      </p:sp>
+      <p:sp>
+        <p:nvSpPr>
+          <p:cNvPr id="3" name="Notes Placeholder 2"/>
+          <p:cNvSpPr>
+            <a:spLocks noGrp="1"/>
+          </p:cNvSpPr>
+          <p:nvPr>
+            <p:ph type="body" idx="1"/>
+          </p:nvPr>
+        </p:nvSpPr>
+        <p:spPr/>
+        <p:txBody>
+          <a:bodyPr/>
+          <a:lstStyle/>
+          <a:p>
+            <a:pPr marL="139700" indent="0">
+              <a:buNone/>
+            </a:pPr>
+            <a:endParaRPr lang="en-US" dirty="0"/>
+          </a:p>
+        </p:txBody>
+      </p:sp>
+    </p:spTree>
+    <p:extLst>
+      <p:ext uri="{BB962C8B-B14F-4D97-AF65-F5344CB8AC3E}">
+        <p14:creationId xmlns:p14="http://schemas.microsoft.com/office/powerpoint/2010/main" val="1276508841"/>
+      </p:ext>
+    </p:extLst>
+  </p:cSld>
+  <p:clrMapOvr>
+    <a:masterClrMapping/>
+  </p:clrMapOvr>
+</p:notes>
+</file>
+
+<file path=ppt/notesSlides/notesSlide26.xml><?xml version="1.0" encoding="utf-8"?>
+<p:notes xmlns:a="http://schemas.openxmlformats.org/drawingml/2006/main" xmlns:r="http://schemas.openxmlformats.org/officeDocument/2006/relationships" xmlns:p="http://schemas.openxmlformats.org/presentationml/2006/main">
+  <p:cSld>
+    <p:spTree>
+      <p:nvGrpSpPr>
+        <p:cNvPr id="1" name=""/>
+        <p:cNvGrpSpPr/>
+        <p:nvPr/>
+      </p:nvGrpSpPr>
+      <p:grpSpPr>
+        <a:xfrm>
+          <a:off x="0" y="0"/>
+          <a:ext cx="0" cy="0"/>
+          <a:chOff x="0" y="0"/>
+          <a:chExt cx="0" cy="0"/>
+        </a:xfrm>
+      </p:grpSpPr>
+      <p:sp>
+        <p:nvSpPr>
+          <p:cNvPr id="2" name="Slide Image Placeholder 1"/>
+          <p:cNvSpPr>
+            <a:spLocks noGrp="1" noRot="1" noChangeAspect="1"/>
+          </p:cNvSpPr>
+          <p:nvPr>
+            <p:ph type="sldImg"/>
+          </p:nvPr>
+        </p:nvSpPr>
+        <p:spPr>
+          <a:xfrm>
+            <a:off x="381000" y="685800"/>
+            <a:ext cx="6096000" cy="3429000"/>
+          </a:xfrm>
+        </p:spPr>
+      </p:sp>
+      <p:sp>
+        <p:nvSpPr>
+          <p:cNvPr id="3" name="Notes Placeholder 2"/>
+          <p:cNvSpPr>
+            <a:spLocks noGrp="1"/>
+          </p:cNvSpPr>
+          <p:nvPr>
+            <p:ph type="body" idx="1"/>
+          </p:nvPr>
+        </p:nvSpPr>
+        <p:spPr/>
+        <p:txBody>
+          <a:bodyPr/>
+          <a:lstStyle/>
+          <a:p>
+            <a:pPr marL="139700" indent="0">
+              <a:buNone/>
+            </a:pPr>
+            <a:endParaRPr lang="en-US" dirty="0"/>
+          </a:p>
+        </p:txBody>
+      </p:sp>
+    </p:spTree>
+    <p:extLst>
+      <p:ext uri="{BB962C8B-B14F-4D97-AF65-F5344CB8AC3E}">
+        <p14:creationId xmlns:p14="http://schemas.microsoft.com/office/powerpoint/2010/main" val="1890091762"/>
+      </p:ext>
+    </p:extLst>
+  </p:cSld>
+  <p:clrMapOvr>
+    <a:masterClrMapping/>
+  </p:clrMapOvr>
+</p:notes>
+</file>
+
+<file path=ppt/notesSlides/notesSlide27.xml><?xml version="1.0" encoding="utf-8"?>
+<p:notes xmlns:a="http://schemas.openxmlformats.org/drawingml/2006/main" xmlns:r="http://schemas.openxmlformats.org/officeDocument/2006/relationships" xmlns:p="http://schemas.openxmlformats.org/presentationml/2006/main">
+  <p:cSld>
+    <p:spTree>
+      <p:nvGrpSpPr>
+        <p:cNvPr id="1" name=""/>
+        <p:cNvGrpSpPr/>
+        <p:nvPr/>
+      </p:nvGrpSpPr>
+      <p:grpSpPr>
+        <a:xfrm>
+          <a:off x="0" y="0"/>
+          <a:ext cx="0" cy="0"/>
+          <a:chOff x="0" y="0"/>
+          <a:chExt cx="0" cy="0"/>
+        </a:xfrm>
+      </p:grpSpPr>
+      <p:sp>
+        <p:nvSpPr>
+          <p:cNvPr id="2" name="Slide Image Placeholder 1"/>
+          <p:cNvSpPr>
+            <a:spLocks noGrp="1" noRot="1" noChangeAspect="1"/>
+          </p:cNvSpPr>
+          <p:nvPr>
+            <p:ph type="sldImg"/>
+          </p:nvPr>
+        </p:nvSpPr>
+        <p:spPr>
+          <a:xfrm>
+            <a:off x="381000" y="685800"/>
+            <a:ext cx="6096000" cy="3429000"/>
+          </a:xfrm>
+        </p:spPr>
+      </p:sp>
+      <p:sp>
+        <p:nvSpPr>
+          <p:cNvPr id="3" name="Notes Placeholder 2"/>
+          <p:cNvSpPr>
+            <a:spLocks noGrp="1"/>
+          </p:cNvSpPr>
+          <p:nvPr>
+            <p:ph type="body" idx="1"/>
+          </p:nvPr>
+        </p:nvSpPr>
+        <p:spPr/>
+        <p:txBody>
+          <a:bodyPr/>
+          <a:lstStyle/>
+          <a:p>
+            <a:pPr marL="139700" indent="0">
+              <a:buNone/>
+            </a:pPr>
+            <a:endParaRPr lang="en-US" dirty="0"/>
+          </a:p>
+        </p:txBody>
+      </p:sp>
+    </p:spTree>
+    <p:extLst>
+      <p:ext uri="{BB962C8B-B14F-4D97-AF65-F5344CB8AC3E}">
+        <p14:creationId xmlns:p14="http://schemas.microsoft.com/office/powerpoint/2010/main" val="145002961"/>
+      </p:ext>
+    </p:extLst>
+  </p:cSld>
+  <p:clrMapOvr>
+    <a:masterClrMapping/>
+  </p:clrMapOvr>
+</p:notes>
+</file>
+
+<file path=ppt/notesSlides/notesSlide28.xml><?xml version="1.0" encoding="utf-8"?>
+<p:notes xmlns:a="http://schemas.openxmlformats.org/drawingml/2006/main" xmlns:r="http://schemas.openxmlformats.org/officeDocument/2006/relationships" xmlns:p="http://schemas.openxmlformats.org/presentationml/2006/main">
+  <p:cSld>
+    <p:spTree>
+      <p:nvGrpSpPr>
+        <p:cNvPr id="1" name=""/>
+        <p:cNvGrpSpPr/>
+        <p:nvPr/>
+      </p:nvGrpSpPr>
+      <p:grpSpPr>
+        <a:xfrm>
+          <a:off x="0" y="0"/>
+          <a:ext cx="0" cy="0"/>
+          <a:chOff x="0" y="0"/>
+          <a:chExt cx="0" cy="0"/>
+        </a:xfrm>
+      </p:grpSpPr>
+      <p:sp>
+        <p:nvSpPr>
+          <p:cNvPr id="2" name="Slide Image Placeholder 1"/>
+          <p:cNvSpPr>
+            <a:spLocks noGrp="1" noRot="1" noChangeAspect="1"/>
+          </p:cNvSpPr>
+          <p:nvPr>
+            <p:ph type="sldImg"/>
+          </p:nvPr>
+        </p:nvSpPr>
+        <p:spPr>
+          <a:xfrm>
+            <a:off x="381000" y="685800"/>
+            <a:ext cx="6096000" cy="3429000"/>
+          </a:xfrm>
+        </p:spPr>
+      </p:sp>
+      <p:sp>
+        <p:nvSpPr>
+          <p:cNvPr id="3" name="Notes Placeholder 2"/>
+          <p:cNvSpPr>
+            <a:spLocks noGrp="1"/>
+          </p:cNvSpPr>
+          <p:nvPr>
+            <p:ph type="body" idx="1"/>
+          </p:nvPr>
+        </p:nvSpPr>
+        <p:spPr/>
+        <p:txBody>
+          <a:bodyPr/>
+          <a:lstStyle/>
+          <a:p>
+            <a:pPr marL="139700" indent="0">
+              <a:buNone/>
+            </a:pPr>
+            <a:endParaRPr lang="en-US" dirty="0"/>
+          </a:p>
+        </p:txBody>
+      </p:sp>
+    </p:spTree>
+    <p:extLst>
+      <p:ext uri="{BB962C8B-B14F-4D97-AF65-F5344CB8AC3E}">
+        <p14:creationId xmlns:p14="http://schemas.microsoft.com/office/powerpoint/2010/main" val="3210921180"/>
+      </p:ext>
+    </p:extLst>
+  </p:cSld>
+  <p:clrMapOvr>
+    <a:masterClrMapping/>
+  </p:clrMapOvr>
+</p:notes>
+</file>
+
+<file path=ppt/notesSlides/notesSlide29.xml><?xml version="1.0" encoding="utf-8"?>
+<p:notes xmlns:a="http://schemas.openxmlformats.org/drawingml/2006/main" xmlns:r="http://schemas.openxmlformats.org/officeDocument/2006/relationships" xmlns:p="http://schemas.openxmlformats.org/presentationml/2006/main">
+  <p:cSld>
+    <p:spTree>
+      <p:nvGrpSpPr>
+        <p:cNvPr id="1" name=""/>
+        <p:cNvGrpSpPr/>
+        <p:nvPr/>
+      </p:nvGrpSpPr>
+      <p:grpSpPr>
+        <a:xfrm>
+          <a:off x="0" y="0"/>
+          <a:ext cx="0" cy="0"/>
+          <a:chOff x="0" y="0"/>
+          <a:chExt cx="0" cy="0"/>
+        </a:xfrm>
+      </p:grpSpPr>
+      <p:sp>
+        <p:nvSpPr>
+          <p:cNvPr id="2" name="Slide Image Placeholder 1"/>
+          <p:cNvSpPr>
+            <a:spLocks noGrp="1" noRot="1" noChangeAspect="1"/>
+          </p:cNvSpPr>
+          <p:nvPr>
+            <p:ph type="sldImg"/>
+          </p:nvPr>
+        </p:nvSpPr>
+        <p:spPr>
+          <a:xfrm>
+            <a:off x="381000" y="685800"/>
+            <a:ext cx="6096000" cy="3429000"/>
+          </a:xfrm>
+        </p:spPr>
+      </p:sp>
+      <p:sp>
+        <p:nvSpPr>
+          <p:cNvPr id="3" name="Notes Placeholder 2"/>
+          <p:cNvSpPr>
+            <a:spLocks noGrp="1"/>
+          </p:cNvSpPr>
+          <p:nvPr>
+            <p:ph type="body" idx="1"/>
+          </p:nvPr>
+        </p:nvSpPr>
+        <p:spPr/>
+        <p:txBody>
+          <a:bodyPr/>
+          <a:lstStyle/>
+          <a:p>
+            <a:pPr marL="139700" indent="0">
+              <a:buNone/>
+            </a:pPr>
+            <a:endParaRPr lang="en-US" dirty="0"/>
+          </a:p>
+        </p:txBody>
+      </p:sp>
+    </p:spTree>
+    <p:extLst>
+      <p:ext uri="{BB962C8B-B14F-4D97-AF65-F5344CB8AC3E}">
+        <p14:creationId xmlns:p14="http://schemas.microsoft.com/office/powerpoint/2010/main" val="2429201677"/>
+      </p:ext>
+    </p:extLst>
   </p:cSld>
   <p:clrMapOvr>
     <a:masterClrMapping/>
@@ -2111,6 +3342,248 @@
       <p:sp>
         <p:nvSpPr>
           <p:cNvPr id="216" name="Google Shape;216;g1f88252dc4_0_249:notes"/>
+          <p:cNvSpPr txBox="1">
+            <a:spLocks noGrp="1"/>
+          </p:cNvSpPr>
+          <p:nvPr>
+            <p:ph type="body" idx="1"/>
+          </p:nvPr>
+        </p:nvSpPr>
+        <p:spPr>
+          <a:xfrm>
+            <a:off x="685800" y="4343400"/>
+            <a:ext cx="5486400" cy="4114800"/>
+          </a:xfrm>
+          <a:prstGeom prst="rect">
+            <a:avLst/>
+          </a:prstGeom>
+        </p:spPr>
+        <p:txBody>
+          <a:bodyPr spcFirstLastPara="1" wrap="square" lIns="91425" tIns="91425" rIns="91425" bIns="91425" anchor="t" anchorCtr="0">
+            <a:noAutofit/>
+          </a:bodyPr>
+          <a:lstStyle/>
+          <a:p>
+            <a:pPr marL="0" lvl="0" indent="0" algn="l" rtl="0">
+              <a:spcBef>
+                <a:spcPts val="0"/>
+              </a:spcBef>
+              <a:spcAft>
+                <a:spcPts val="0"/>
+              </a:spcAft>
+              <a:buNone/>
+            </a:pPr>
+            <a:endParaRPr dirty="0"/>
+          </a:p>
+        </p:txBody>
+      </p:sp>
+    </p:spTree>
+  </p:cSld>
+  <p:clrMapOvr>
+    <a:masterClrMapping/>
+  </p:clrMapOvr>
+</p:notes>
+</file>
+
+<file path=ppt/notesSlides/notesSlide30.xml><?xml version="1.0" encoding="utf-8"?>
+<p:notes xmlns:a="http://schemas.openxmlformats.org/drawingml/2006/main" xmlns:r="http://schemas.openxmlformats.org/officeDocument/2006/relationships" xmlns:p="http://schemas.openxmlformats.org/presentationml/2006/main">
+  <p:cSld>
+    <p:spTree>
+      <p:nvGrpSpPr>
+        <p:cNvPr id="1" name=""/>
+        <p:cNvGrpSpPr/>
+        <p:nvPr/>
+      </p:nvGrpSpPr>
+      <p:grpSpPr>
+        <a:xfrm>
+          <a:off x="0" y="0"/>
+          <a:ext cx="0" cy="0"/>
+          <a:chOff x="0" y="0"/>
+          <a:chExt cx="0" cy="0"/>
+        </a:xfrm>
+      </p:grpSpPr>
+      <p:sp>
+        <p:nvSpPr>
+          <p:cNvPr id="2" name="Slide Image Placeholder 1"/>
+          <p:cNvSpPr>
+            <a:spLocks noGrp="1" noRot="1" noChangeAspect="1"/>
+          </p:cNvSpPr>
+          <p:nvPr>
+            <p:ph type="sldImg"/>
+          </p:nvPr>
+        </p:nvSpPr>
+        <p:spPr>
+          <a:xfrm>
+            <a:off x="381000" y="685800"/>
+            <a:ext cx="6096000" cy="3429000"/>
+          </a:xfrm>
+        </p:spPr>
+      </p:sp>
+      <p:sp>
+        <p:nvSpPr>
+          <p:cNvPr id="3" name="Notes Placeholder 2"/>
+          <p:cNvSpPr>
+            <a:spLocks noGrp="1"/>
+          </p:cNvSpPr>
+          <p:nvPr>
+            <p:ph type="body" idx="1"/>
+          </p:nvPr>
+        </p:nvSpPr>
+        <p:spPr/>
+        <p:txBody>
+          <a:bodyPr/>
+          <a:lstStyle/>
+          <a:p>
+            <a:pPr marL="139700" indent="0">
+              <a:buNone/>
+            </a:pPr>
+            <a:endParaRPr lang="en-US" dirty="0"/>
+          </a:p>
+        </p:txBody>
+      </p:sp>
+    </p:spTree>
+    <p:extLst>
+      <p:ext uri="{BB962C8B-B14F-4D97-AF65-F5344CB8AC3E}">
+        <p14:creationId xmlns:p14="http://schemas.microsoft.com/office/powerpoint/2010/main" val="3976591838"/>
+      </p:ext>
+    </p:extLst>
+  </p:cSld>
+  <p:clrMapOvr>
+    <a:masterClrMapping/>
+  </p:clrMapOvr>
+</p:notes>
+</file>
+
+<file path=ppt/notesSlides/notesSlide31.xml><?xml version="1.0" encoding="utf-8"?>
+<p:notes xmlns:a="http://schemas.openxmlformats.org/drawingml/2006/main" xmlns:r="http://schemas.openxmlformats.org/officeDocument/2006/relationships" xmlns:p="http://schemas.openxmlformats.org/presentationml/2006/main">
+  <p:cSld>
+    <p:spTree>
+      <p:nvGrpSpPr>
+        <p:cNvPr id="1" name=""/>
+        <p:cNvGrpSpPr/>
+        <p:nvPr/>
+      </p:nvGrpSpPr>
+      <p:grpSpPr>
+        <a:xfrm>
+          <a:off x="0" y="0"/>
+          <a:ext cx="0" cy="0"/>
+          <a:chOff x="0" y="0"/>
+          <a:chExt cx="0" cy="0"/>
+        </a:xfrm>
+      </p:grpSpPr>
+      <p:sp>
+        <p:nvSpPr>
+          <p:cNvPr id="2" name="Slide Image Placeholder 1"/>
+          <p:cNvSpPr>
+            <a:spLocks noGrp="1" noRot="1" noChangeAspect="1"/>
+          </p:cNvSpPr>
+          <p:nvPr>
+            <p:ph type="sldImg"/>
+          </p:nvPr>
+        </p:nvSpPr>
+        <p:spPr>
+          <a:xfrm>
+            <a:off x="381000" y="685800"/>
+            <a:ext cx="6096000" cy="3429000"/>
+          </a:xfrm>
+        </p:spPr>
+      </p:sp>
+      <p:sp>
+        <p:nvSpPr>
+          <p:cNvPr id="3" name="Notes Placeholder 2"/>
+          <p:cNvSpPr>
+            <a:spLocks noGrp="1"/>
+          </p:cNvSpPr>
+          <p:nvPr>
+            <p:ph type="body" idx="1"/>
+          </p:nvPr>
+        </p:nvSpPr>
+        <p:spPr/>
+        <p:txBody>
+          <a:bodyPr/>
+          <a:lstStyle/>
+          <a:p>
+            <a:pPr marL="139700" indent="0">
+              <a:buNone/>
+            </a:pPr>
+            <a:endParaRPr lang="en-US" dirty="0"/>
+          </a:p>
+        </p:txBody>
+      </p:sp>
+    </p:spTree>
+    <p:extLst>
+      <p:ext uri="{BB962C8B-B14F-4D97-AF65-F5344CB8AC3E}">
+        <p14:creationId xmlns:p14="http://schemas.microsoft.com/office/powerpoint/2010/main" val="3457968200"/>
+      </p:ext>
+    </p:extLst>
+  </p:cSld>
+  <p:clrMapOvr>
+    <a:masterClrMapping/>
+  </p:clrMapOvr>
+</p:notes>
+</file>
+
+<file path=ppt/notesSlides/notesSlide32.xml><?xml version="1.0" encoding="utf-8"?>
+<p:notes xmlns:a="http://schemas.openxmlformats.org/drawingml/2006/main" xmlns:r="http://schemas.openxmlformats.org/officeDocument/2006/relationships" xmlns:p="http://schemas.openxmlformats.org/presentationml/2006/main" showMasterSp="0" showMasterPhAnim="0">
+  <p:cSld>
+    <p:spTree>
+      <p:nvGrpSpPr>
+        <p:cNvPr id="1" name="Shape 735"/>
+        <p:cNvGrpSpPr/>
+        <p:nvPr/>
+      </p:nvGrpSpPr>
+      <p:grpSpPr>
+        <a:xfrm>
+          <a:off x="0" y="0"/>
+          <a:ext cx="0" cy="0"/>
+          <a:chOff x="0" y="0"/>
+          <a:chExt cx="0" cy="0"/>
+        </a:xfrm>
+      </p:grpSpPr>
+      <p:sp>
+        <p:nvSpPr>
+          <p:cNvPr id="736" name="Google Shape;736;g1f88252dc4_0_1535:notes"/>
+          <p:cNvSpPr>
+            <a:spLocks noGrp="1" noRot="1" noChangeAspect="1"/>
+          </p:cNvSpPr>
+          <p:nvPr>
+            <p:ph type="sldImg" idx="2"/>
+          </p:nvPr>
+        </p:nvSpPr>
+        <p:spPr>
+          <a:xfrm>
+            <a:off x="381000" y="685800"/>
+            <a:ext cx="6096000" cy="3429000"/>
+          </a:xfrm>
+          <a:custGeom>
+            <a:avLst/>
+            <a:gdLst/>
+            <a:ahLst/>
+            <a:cxnLst/>
+            <a:rect l="l" t="t" r="r" b="b"/>
+            <a:pathLst>
+              <a:path w="120000" h="120000" extrusionOk="0">
+                <a:moveTo>
+                  <a:pt x="0" y="0"/>
+                </a:moveTo>
+                <a:lnTo>
+                  <a:pt x="120000" y="0"/>
+                </a:lnTo>
+                <a:lnTo>
+                  <a:pt x="120000" y="120000"/>
+                </a:lnTo>
+                <a:lnTo>
+                  <a:pt x="0" y="120000"/>
+                </a:lnTo>
+                <a:close/>
+              </a:path>
+            </a:pathLst>
+          </a:custGeom>
+        </p:spPr>
+      </p:sp>
+      <p:sp>
+        <p:nvSpPr>
+          <p:cNvPr id="737" name="Google Shape;737;g1f88252dc4_0_1535:notes"/>
           <p:cNvSpPr txBox="1">
             <a:spLocks noGrp="1"/>
           </p:cNvSpPr>
@@ -12191,6 +13664,53 @@
           </a:prstGeom>
         </p:spPr>
       </p:pic>
+      <p:sp>
+        <p:nvSpPr>
+          <p:cNvPr id="3" name="Rectangle 2">
+            <a:extLst>
+              <a:ext uri="{FF2B5EF4-FFF2-40B4-BE49-F238E27FC236}">
+                <a16:creationId xmlns:a16="http://schemas.microsoft.com/office/drawing/2014/main" id="{BECABF0F-B50A-5EF9-A908-3A558B4CB435}"/>
+              </a:ext>
+            </a:extLst>
+          </p:cNvPr>
+          <p:cNvSpPr/>
+          <p:nvPr/>
+        </p:nvSpPr>
+        <p:spPr>
+          <a:xfrm>
+            <a:off x="3670029" y="2012674"/>
+            <a:ext cx="1846188" cy="2990896"/>
+          </a:xfrm>
+          <a:prstGeom prst="rect">
+            <a:avLst/>
+          </a:prstGeom>
+          <a:noFill/>
+        </p:spPr>
+        <p:style>
+          <a:lnRef idx="2">
+            <a:schemeClr val="accent1">
+              <a:shade val="50000"/>
+            </a:schemeClr>
+          </a:lnRef>
+          <a:fillRef idx="1">
+            <a:schemeClr val="accent1"/>
+          </a:fillRef>
+          <a:effectRef idx="0">
+            <a:schemeClr val="accent1"/>
+          </a:effectRef>
+          <a:fontRef idx="minor">
+            <a:schemeClr val="lt1"/>
+          </a:fontRef>
+        </p:style>
+        <p:txBody>
+          <a:bodyPr rtlCol="0" anchor="ctr"/>
+          <a:lstStyle/>
+          <a:p>
+            <a:pPr algn="ctr"/>
+            <a:endParaRPr lang="en-US"/>
+          </a:p>
+        </p:txBody>
+      </p:sp>
     </p:spTree>
     <p:custDataLst>
       <p:tags r:id="rId1"/>
@@ -12569,10 +14089,7 @@
             <a:pPr marL="146050" indent="0">
               <a:buNone/>
             </a:pPr>
-            <a:r>
-              <a:rPr lang="en-US" dirty="0"/>
-              <a:t>More EDA here on the following slides</a:t>
-            </a:r>
+            <a:endParaRPr lang="en-US" dirty="0"/>
           </a:p>
         </p:txBody>
       </p:sp>
@@ -12598,14 +14115,61 @@
         </p:blipFill>
         <p:spPr>
           <a:xfrm>
-            <a:off x="3529352" y="1635852"/>
-            <a:ext cx="5267312" cy="3250684"/>
+            <a:off x="3797617" y="1630016"/>
+            <a:ext cx="5228451" cy="3226701"/>
           </a:xfrm>
           <a:prstGeom prst="rect">
             <a:avLst/>
           </a:prstGeom>
         </p:spPr>
       </p:pic>
+      <p:sp>
+        <p:nvSpPr>
+          <p:cNvPr id="3" name="Rectangle 2">
+            <a:extLst>
+              <a:ext uri="{FF2B5EF4-FFF2-40B4-BE49-F238E27FC236}">
+                <a16:creationId xmlns:a16="http://schemas.microsoft.com/office/drawing/2014/main" id="{21421005-26B9-6555-1F56-A6C4C869FD97}"/>
+              </a:ext>
+            </a:extLst>
+          </p:cNvPr>
+          <p:cNvSpPr/>
+          <p:nvPr/>
+        </p:nvSpPr>
+        <p:spPr>
+          <a:xfrm>
+            <a:off x="4939749" y="1928191"/>
+            <a:ext cx="795130" cy="2792896"/>
+          </a:xfrm>
+          <a:prstGeom prst="rect">
+            <a:avLst/>
+          </a:prstGeom>
+          <a:noFill/>
+        </p:spPr>
+        <p:style>
+          <a:lnRef idx="2">
+            <a:schemeClr val="accent1">
+              <a:shade val="50000"/>
+            </a:schemeClr>
+          </a:lnRef>
+          <a:fillRef idx="1">
+            <a:schemeClr val="accent1"/>
+          </a:fillRef>
+          <a:effectRef idx="0">
+            <a:schemeClr val="accent1"/>
+          </a:effectRef>
+          <a:fontRef idx="minor">
+            <a:schemeClr val="lt1"/>
+          </a:fontRef>
+        </p:style>
+        <p:txBody>
+          <a:bodyPr rtlCol="0" anchor="ctr"/>
+          <a:lstStyle/>
+          <a:p>
+            <a:pPr algn="ctr"/>
+            <a:endParaRPr lang="en-US"/>
+          </a:p>
+        </p:txBody>
+      </p:sp>
     </p:spTree>
     <p:custDataLst>
       <p:tags r:id="rId1"/>
@@ -12986,11 +14550,7 @@
             </a:pPr>
             <a:r>
               <a:rPr lang="en-US" dirty="0"/>
-              <a:t>The Student and Retired categories have the highest percent of </a:t>
-            </a:r>
-            <a:r>
-              <a:rPr lang="en-US"/>
-              <a:t>subscriptions </a:t>
+              <a:t>The Student and Retired categories have the highest percent of subscriptions </a:t>
             </a:r>
           </a:p>
           <a:p>
@@ -13043,6 +14603,53 @@
           </a:prstGeom>
         </p:spPr>
       </p:pic>
+      <p:sp>
+        <p:nvSpPr>
+          <p:cNvPr id="3" name="Rectangle 2">
+            <a:extLst>
+              <a:ext uri="{FF2B5EF4-FFF2-40B4-BE49-F238E27FC236}">
+                <a16:creationId xmlns:a16="http://schemas.microsoft.com/office/drawing/2014/main" id="{565914CF-5B21-72B6-C182-BE63B04ACBAF}"/>
+              </a:ext>
+            </a:extLst>
+          </p:cNvPr>
+          <p:cNvSpPr/>
+          <p:nvPr/>
+        </p:nvSpPr>
+        <p:spPr>
+          <a:xfrm>
+            <a:off x="3670029" y="1945700"/>
+            <a:ext cx="742945" cy="3057870"/>
+          </a:xfrm>
+          <a:prstGeom prst="rect">
+            <a:avLst/>
+          </a:prstGeom>
+          <a:noFill/>
+        </p:spPr>
+        <p:style>
+          <a:lnRef idx="2">
+            <a:schemeClr val="accent1">
+              <a:shade val="50000"/>
+            </a:schemeClr>
+          </a:lnRef>
+          <a:fillRef idx="1">
+            <a:schemeClr val="accent1"/>
+          </a:fillRef>
+          <a:effectRef idx="0">
+            <a:schemeClr val="accent1"/>
+          </a:effectRef>
+          <a:fontRef idx="minor">
+            <a:schemeClr val="lt1"/>
+          </a:fontRef>
+        </p:style>
+        <p:txBody>
+          <a:bodyPr rtlCol="0" anchor="ctr"/>
+          <a:lstStyle/>
+          <a:p>
+            <a:pPr algn="ctr"/>
+            <a:endParaRPr lang="en-US"/>
+          </a:p>
+        </p:txBody>
+      </p:sp>
     </p:spTree>
     <p:custDataLst>
       <p:tags r:id="rId1"/>
@@ -13809,6 +15416,460 @@
       </p:grpSpPr>
       <p:sp>
         <p:nvSpPr>
+          <p:cNvPr id="2" name="Text Placeholder 1">
+            <a:extLst>
+              <a:ext uri="{FF2B5EF4-FFF2-40B4-BE49-F238E27FC236}">
+                <a16:creationId xmlns:a16="http://schemas.microsoft.com/office/drawing/2014/main" id="{8B170740-DB3F-076A-A2D2-9555F51D2D32}"/>
+              </a:ext>
+            </a:extLst>
+          </p:cNvPr>
+          <p:cNvSpPr>
+            <a:spLocks noGrp="1"/>
+          </p:cNvSpPr>
+          <p:nvPr>
+            <p:ph type="body" idx="1"/>
+          </p:nvPr>
+        </p:nvSpPr>
+        <p:spPr>
+          <a:xfrm>
+            <a:off x="729450" y="726744"/>
+            <a:ext cx="7688700" cy="1034400"/>
+          </a:xfrm>
+        </p:spPr>
+        <p:txBody>
+          <a:bodyPr/>
+          <a:lstStyle/>
+          <a:p>
+            <a:pPr marL="146050" indent="0">
+              <a:buNone/>
+            </a:pPr>
+            <a:r>
+              <a:rPr kumimoji="0" lang="en-US" sz="2600" b="1" i="0" u="none" strike="noStrike" kern="0" cap="none" spc="0" normalizeH="0" baseline="0" noProof="0" dirty="0">
+                <a:ln>
+                  <a:noFill/>
+                </a:ln>
+                <a:solidFill>
+                  <a:srgbClr val="1A1A1A"/>
+                </a:solidFill>
+                <a:effectLst/>
+                <a:uLnTx/>
+                <a:uFillTx/>
+                <a:latin typeface="Raleway"/>
+                <a:sym typeface="Raleway"/>
+              </a:rPr>
+              <a:t>Exploratory Data Analysis</a:t>
+            </a:r>
+          </a:p>
+          <a:p>
+            <a:pPr marL="146050" indent="0">
+              <a:buNone/>
+            </a:pPr>
+            <a:r>
+              <a:rPr lang="en-US" dirty="0">
+                <a:solidFill>
+                  <a:schemeClr val="bg1">
+                    <a:lumMod val="65000"/>
+                  </a:schemeClr>
+                </a:solidFill>
+              </a:rPr>
+              <a:t>Loess Plots for Age and Previous Days variables</a:t>
+            </a:r>
+          </a:p>
+        </p:txBody>
+      </p:sp>
+      <p:sp>
+        <p:nvSpPr>
+          <p:cNvPr id="8" name="Text Placeholder 2">
+            <a:extLst>
+              <a:ext uri="{FF2B5EF4-FFF2-40B4-BE49-F238E27FC236}">
+                <a16:creationId xmlns:a16="http://schemas.microsoft.com/office/drawing/2014/main" id="{3B13F08B-AEE4-4C95-21B6-8DF753ECA5AD}"/>
+              </a:ext>
+            </a:extLst>
+          </p:cNvPr>
+          <p:cNvSpPr txBox="1">
+            <a:spLocks/>
+          </p:cNvSpPr>
+          <p:nvPr/>
+        </p:nvSpPr>
+        <p:spPr>
+          <a:xfrm>
+            <a:off x="348345" y="4287845"/>
+            <a:ext cx="5607004" cy="855655"/>
+          </a:xfrm>
+          <a:prstGeom prst="rect">
+            <a:avLst/>
+          </a:prstGeom>
+          <a:noFill/>
+          <a:ln>
+            <a:noFill/>
+          </a:ln>
+        </p:spPr>
+        <p:txBody>
+          <a:bodyPr spcFirstLastPara="1" wrap="square" lIns="91425" tIns="91425" rIns="91425" bIns="91425" anchor="t" anchorCtr="0">
+            <a:noAutofit/>
+          </a:bodyPr>
+          <a:lstStyle>
+            <a:defPPr marR="0" lvl="0" algn="l" rtl="0">
+              <a:lnSpc>
+                <a:spcPct val="100000"/>
+              </a:lnSpc>
+              <a:spcBef>
+                <a:spcPts val="0"/>
+              </a:spcBef>
+              <a:spcAft>
+                <a:spcPts val="0"/>
+              </a:spcAft>
+            </a:defPPr>
+            <a:lvl1pPr marL="457200" marR="0" lvl="0" indent="-311150" algn="l" rtl="0">
+              <a:lnSpc>
+                <a:spcPct val="115000"/>
+              </a:lnSpc>
+              <a:spcBef>
+                <a:spcPts val="0"/>
+              </a:spcBef>
+              <a:spcAft>
+                <a:spcPts val="0"/>
+              </a:spcAft>
+              <a:buClr>
+                <a:schemeClr val="accent1"/>
+              </a:buClr>
+              <a:buSzPts val="1300"/>
+              <a:buFont typeface="Lato"/>
+              <a:buChar char="●"/>
+              <a:defRPr sz="1300" b="0" i="0" u="none" strike="noStrike" cap="none">
+                <a:solidFill>
+                  <a:schemeClr val="accent1"/>
+                </a:solidFill>
+                <a:latin typeface="Lato"/>
+                <a:ea typeface="Lato"/>
+                <a:cs typeface="Lato"/>
+                <a:sym typeface="Lato"/>
+              </a:defRPr>
+            </a:lvl1pPr>
+            <a:lvl2pPr marL="914400" marR="0" lvl="1" indent="-298450" algn="l" rtl="0">
+              <a:lnSpc>
+                <a:spcPct val="115000"/>
+              </a:lnSpc>
+              <a:spcBef>
+                <a:spcPts val="1600"/>
+              </a:spcBef>
+              <a:spcAft>
+                <a:spcPts val="0"/>
+              </a:spcAft>
+              <a:buClr>
+                <a:schemeClr val="accent1"/>
+              </a:buClr>
+              <a:buSzPts val="1100"/>
+              <a:buFont typeface="Lato"/>
+              <a:buChar char="○"/>
+              <a:defRPr sz="1100" b="0" i="0" u="none" strike="noStrike" cap="none">
+                <a:solidFill>
+                  <a:schemeClr val="accent1"/>
+                </a:solidFill>
+                <a:latin typeface="Lato"/>
+                <a:ea typeface="Lato"/>
+                <a:cs typeface="Lato"/>
+                <a:sym typeface="Lato"/>
+              </a:defRPr>
+            </a:lvl2pPr>
+            <a:lvl3pPr marL="1371600" marR="0" lvl="2" indent="-298450" algn="l" rtl="0">
+              <a:lnSpc>
+                <a:spcPct val="115000"/>
+              </a:lnSpc>
+              <a:spcBef>
+                <a:spcPts val="1600"/>
+              </a:spcBef>
+              <a:spcAft>
+                <a:spcPts val="0"/>
+              </a:spcAft>
+              <a:buClr>
+                <a:schemeClr val="accent1"/>
+              </a:buClr>
+              <a:buSzPts val="1100"/>
+              <a:buFont typeface="Lato"/>
+              <a:buChar char="■"/>
+              <a:defRPr sz="1100" b="0" i="0" u="none" strike="noStrike" cap="none">
+                <a:solidFill>
+                  <a:schemeClr val="accent1"/>
+                </a:solidFill>
+                <a:latin typeface="Lato"/>
+                <a:ea typeface="Lato"/>
+                <a:cs typeface="Lato"/>
+                <a:sym typeface="Lato"/>
+              </a:defRPr>
+            </a:lvl3pPr>
+            <a:lvl4pPr marL="1828800" marR="0" lvl="3" indent="-298450" algn="l" rtl="0">
+              <a:lnSpc>
+                <a:spcPct val="115000"/>
+              </a:lnSpc>
+              <a:spcBef>
+                <a:spcPts val="1600"/>
+              </a:spcBef>
+              <a:spcAft>
+                <a:spcPts val="0"/>
+              </a:spcAft>
+              <a:buClr>
+                <a:schemeClr val="accent1"/>
+              </a:buClr>
+              <a:buSzPts val="1100"/>
+              <a:buFont typeface="Lato"/>
+              <a:buChar char="●"/>
+              <a:defRPr sz="1100" b="0" i="0" u="none" strike="noStrike" cap="none">
+                <a:solidFill>
+                  <a:schemeClr val="accent1"/>
+                </a:solidFill>
+                <a:latin typeface="Lato"/>
+                <a:ea typeface="Lato"/>
+                <a:cs typeface="Lato"/>
+                <a:sym typeface="Lato"/>
+              </a:defRPr>
+            </a:lvl4pPr>
+            <a:lvl5pPr marL="2286000" marR="0" lvl="4" indent="-298450" algn="l" rtl="0">
+              <a:lnSpc>
+                <a:spcPct val="115000"/>
+              </a:lnSpc>
+              <a:spcBef>
+                <a:spcPts val="1600"/>
+              </a:spcBef>
+              <a:spcAft>
+                <a:spcPts val="0"/>
+              </a:spcAft>
+              <a:buClr>
+                <a:schemeClr val="accent1"/>
+              </a:buClr>
+              <a:buSzPts val="1100"/>
+              <a:buFont typeface="Lato"/>
+              <a:buChar char="○"/>
+              <a:defRPr sz="1100" b="0" i="0" u="none" strike="noStrike" cap="none">
+                <a:solidFill>
+                  <a:schemeClr val="accent1"/>
+                </a:solidFill>
+                <a:latin typeface="Lato"/>
+                <a:ea typeface="Lato"/>
+                <a:cs typeface="Lato"/>
+                <a:sym typeface="Lato"/>
+              </a:defRPr>
+            </a:lvl5pPr>
+            <a:lvl6pPr marL="2743200" marR="0" lvl="5" indent="-298450" algn="l" rtl="0">
+              <a:lnSpc>
+                <a:spcPct val="115000"/>
+              </a:lnSpc>
+              <a:spcBef>
+                <a:spcPts val="1600"/>
+              </a:spcBef>
+              <a:spcAft>
+                <a:spcPts val="0"/>
+              </a:spcAft>
+              <a:buClr>
+                <a:schemeClr val="accent1"/>
+              </a:buClr>
+              <a:buSzPts val="1100"/>
+              <a:buFont typeface="Lato"/>
+              <a:buChar char="■"/>
+              <a:defRPr sz="1100" b="0" i="0" u="none" strike="noStrike" cap="none">
+                <a:solidFill>
+                  <a:schemeClr val="accent1"/>
+                </a:solidFill>
+                <a:latin typeface="Lato"/>
+                <a:ea typeface="Lato"/>
+                <a:cs typeface="Lato"/>
+                <a:sym typeface="Lato"/>
+              </a:defRPr>
+            </a:lvl6pPr>
+            <a:lvl7pPr marL="3200400" marR="0" lvl="6" indent="-298450" algn="l" rtl="0">
+              <a:lnSpc>
+                <a:spcPct val="115000"/>
+              </a:lnSpc>
+              <a:spcBef>
+                <a:spcPts val="1600"/>
+              </a:spcBef>
+              <a:spcAft>
+                <a:spcPts val="0"/>
+              </a:spcAft>
+              <a:buClr>
+                <a:schemeClr val="accent1"/>
+              </a:buClr>
+              <a:buSzPts val="1100"/>
+              <a:buFont typeface="Lato"/>
+              <a:buChar char="●"/>
+              <a:defRPr sz="1100" b="0" i="0" u="none" strike="noStrike" cap="none">
+                <a:solidFill>
+                  <a:schemeClr val="accent1"/>
+                </a:solidFill>
+                <a:latin typeface="Lato"/>
+                <a:ea typeface="Lato"/>
+                <a:cs typeface="Lato"/>
+                <a:sym typeface="Lato"/>
+              </a:defRPr>
+            </a:lvl7pPr>
+            <a:lvl8pPr marL="3657600" marR="0" lvl="7" indent="-298450" algn="l" rtl="0">
+              <a:lnSpc>
+                <a:spcPct val="115000"/>
+              </a:lnSpc>
+              <a:spcBef>
+                <a:spcPts val="1600"/>
+              </a:spcBef>
+              <a:spcAft>
+                <a:spcPts val="0"/>
+              </a:spcAft>
+              <a:buClr>
+                <a:schemeClr val="accent1"/>
+              </a:buClr>
+              <a:buSzPts val="1100"/>
+              <a:buFont typeface="Lato"/>
+              <a:buChar char="○"/>
+              <a:defRPr sz="1100" b="0" i="0" u="none" strike="noStrike" cap="none">
+                <a:solidFill>
+                  <a:schemeClr val="accent1"/>
+                </a:solidFill>
+                <a:latin typeface="Lato"/>
+                <a:ea typeface="Lato"/>
+                <a:cs typeface="Lato"/>
+                <a:sym typeface="Lato"/>
+              </a:defRPr>
+            </a:lvl8pPr>
+            <a:lvl9pPr marL="4114800" marR="0" lvl="8" indent="-298450" algn="l" rtl="0">
+              <a:lnSpc>
+                <a:spcPct val="115000"/>
+              </a:lnSpc>
+              <a:spcBef>
+                <a:spcPts val="1600"/>
+              </a:spcBef>
+              <a:spcAft>
+                <a:spcPts val="1600"/>
+              </a:spcAft>
+              <a:buClr>
+                <a:schemeClr val="accent1"/>
+              </a:buClr>
+              <a:buSzPts val="1100"/>
+              <a:buFont typeface="Lato"/>
+              <a:buChar char="■"/>
+              <a:defRPr sz="1100" b="0" i="0" u="none" strike="noStrike" cap="none">
+                <a:solidFill>
+                  <a:schemeClr val="accent1"/>
+                </a:solidFill>
+                <a:latin typeface="Lato"/>
+                <a:ea typeface="Lato"/>
+                <a:cs typeface="Lato"/>
+                <a:sym typeface="Lato"/>
+              </a:defRPr>
+            </a:lvl9pPr>
+          </a:lstStyle>
+          <a:p>
+            <a:pPr marL="146050" indent="0">
+              <a:buNone/>
+            </a:pPr>
+            <a:r>
+              <a:rPr lang="en-US" dirty="0"/>
+              <a:t>Loess plot of Age suggests </a:t>
+            </a:r>
+          </a:p>
+          <a:p>
+            <a:pPr marL="146050" indent="0">
+              <a:buNone/>
+            </a:pPr>
+            <a:r>
+              <a:rPr lang="en-US" dirty="0"/>
+              <a:t>Expected to be part of the model </a:t>
+            </a:r>
+          </a:p>
+        </p:txBody>
+      </p:sp>
+      <p:pic>
+        <p:nvPicPr>
+          <p:cNvPr id="6" name="Picture 5">
+            <a:extLst>
+              <a:ext uri="{FF2B5EF4-FFF2-40B4-BE49-F238E27FC236}">
+                <a16:creationId xmlns:a16="http://schemas.microsoft.com/office/drawing/2014/main" id="{F2CB54F2-CC3C-F270-CBF5-AD875C68F761}"/>
+              </a:ext>
+            </a:extLst>
+          </p:cNvPr>
+          <p:cNvPicPr>
+            <a:picLocks noChangeAspect="1"/>
+          </p:cNvPicPr>
+          <p:nvPr/>
+        </p:nvPicPr>
+        <p:blipFill>
+          <a:blip r:embed="rId4"/>
+          <a:stretch>
+            <a:fillRect/>
+          </a:stretch>
+        </p:blipFill>
+        <p:spPr>
+          <a:xfrm>
+            <a:off x="214793" y="1663294"/>
+            <a:ext cx="4357207" cy="2689019"/>
+          </a:xfrm>
+          <a:prstGeom prst="rect">
+            <a:avLst/>
+          </a:prstGeom>
+        </p:spPr>
+      </p:pic>
+      <p:pic>
+        <p:nvPicPr>
+          <p:cNvPr id="9" name="Picture 8">
+            <a:extLst>
+              <a:ext uri="{FF2B5EF4-FFF2-40B4-BE49-F238E27FC236}">
+                <a16:creationId xmlns:a16="http://schemas.microsoft.com/office/drawing/2014/main" id="{028BA5B4-79C7-BE63-3C20-C1AA9E55DA0A}"/>
+              </a:ext>
+            </a:extLst>
+          </p:cNvPr>
+          <p:cNvPicPr>
+            <a:picLocks noChangeAspect="1"/>
+          </p:cNvPicPr>
+          <p:nvPr/>
+        </p:nvPicPr>
+        <p:blipFill>
+          <a:blip r:embed="rId5"/>
+          <a:stretch>
+            <a:fillRect/>
+          </a:stretch>
+        </p:blipFill>
+        <p:spPr>
+          <a:xfrm>
+            <a:off x="4706224" y="1761144"/>
+            <a:ext cx="4222983" cy="2606184"/>
+          </a:xfrm>
+          <a:prstGeom prst="rect">
+            <a:avLst/>
+          </a:prstGeom>
+        </p:spPr>
+      </p:pic>
+    </p:spTree>
+    <p:custDataLst>
+      <p:tags r:id="rId1"/>
+    </p:custDataLst>
+    <p:extLst>
+      <p:ext uri="{BB962C8B-B14F-4D97-AF65-F5344CB8AC3E}">
+        <p14:creationId xmlns:p14="http://schemas.microsoft.com/office/powerpoint/2010/main" val="3650616390"/>
+      </p:ext>
+    </p:extLst>
+  </p:cSld>
+  <p:clrMapOvr>
+    <a:masterClrMapping/>
+  </p:clrMapOvr>
+</p:sld>
+</file>
+
+<file path=ppt/slides/slide15.xml><?xml version="1.0" encoding="utf-8"?>
+<p:sld xmlns:a="http://schemas.openxmlformats.org/drawingml/2006/main" xmlns:r="http://schemas.openxmlformats.org/officeDocument/2006/relationships" xmlns:p="http://schemas.openxmlformats.org/presentationml/2006/main">
+  <p:cSld>
+    <p:spTree>
+      <p:nvGrpSpPr>
+        <p:cNvPr id="1" name=""/>
+        <p:cNvGrpSpPr/>
+        <p:nvPr/>
+      </p:nvGrpSpPr>
+      <p:grpSpPr>
+        <a:xfrm>
+          <a:off x="0" y="0"/>
+          <a:ext cx="0" cy="0"/>
+          <a:chOff x="0" y="0"/>
+          <a:chExt cx="0" cy="0"/>
+        </a:xfrm>
+      </p:grpSpPr>
+      <p:sp>
+        <p:nvSpPr>
           <p:cNvPr id="2" name="Title 1">
             <a:extLst>
               <a:ext uri="{FF2B5EF4-FFF2-40B4-BE49-F238E27FC236}">
@@ -13848,7 +15909,7 @@
 </p:sld>
 </file>
 
-<file path=ppt/slides/slide15.xml><?xml version="1.0" encoding="utf-8"?>
+<file path=ppt/slides/slide16.xml><?xml version="1.0" encoding="utf-8"?>
 <p:sld xmlns:a="http://schemas.openxmlformats.org/drawingml/2006/main" xmlns:r="http://schemas.openxmlformats.org/officeDocument/2006/relationships" xmlns:p="http://schemas.openxmlformats.org/presentationml/2006/main">
   <p:cSld>
     <p:spTree>
@@ -14540,7 +16601,7 @@
 </p:sld>
 </file>
 
-<file path=ppt/slides/slide16.xml><?xml version="1.0" encoding="utf-8"?>
+<file path=ppt/slides/slide17.xml><?xml version="1.0" encoding="utf-8"?>
 <p:sld xmlns:a="http://schemas.openxmlformats.org/drawingml/2006/main" xmlns:r="http://schemas.openxmlformats.org/officeDocument/2006/relationships" xmlns:p="http://schemas.openxmlformats.org/presentationml/2006/main">
   <p:cSld>
     <p:spTree>
@@ -15317,7 +17378,7 @@
 </p:sld>
 </file>
 
-<file path=ppt/slides/slide17.xml><?xml version="1.0" encoding="utf-8"?>
+<file path=ppt/slides/slide18.xml><?xml version="1.0" encoding="utf-8"?>
 <p:sld xmlns:a="http://schemas.openxmlformats.org/drawingml/2006/main" xmlns:r="http://schemas.openxmlformats.org/officeDocument/2006/relationships" xmlns:p="http://schemas.openxmlformats.org/presentationml/2006/main">
   <p:cSld>
     <p:spTree>
@@ -15766,7 +17827,7 @@
 </p:sld>
 </file>
 
-<file path=ppt/slides/slide18.xml><?xml version="1.0" encoding="utf-8"?>
+<file path=ppt/slides/slide19.xml><?xml version="1.0" encoding="utf-8"?>
 <p:sld xmlns:a="http://schemas.openxmlformats.org/drawingml/2006/main" xmlns:r="http://schemas.openxmlformats.org/officeDocument/2006/relationships" xmlns:p="http://schemas.openxmlformats.org/presentationml/2006/main">
   <p:cSld>
     <p:spTree>
@@ -16254,64 +18315,6 @@
     <p:extLst>
       <p:ext uri="{BB962C8B-B14F-4D97-AF65-F5344CB8AC3E}">
         <p14:creationId xmlns:p14="http://schemas.microsoft.com/office/powerpoint/2010/main" val="2730556181"/>
-      </p:ext>
-    </p:extLst>
-  </p:cSld>
-  <p:clrMapOvr>
-    <a:masterClrMapping/>
-  </p:clrMapOvr>
-</p:sld>
-</file>
-
-<file path=ppt/slides/slide19.xml><?xml version="1.0" encoding="utf-8"?>
-<p:sld xmlns:a="http://schemas.openxmlformats.org/drawingml/2006/main" xmlns:r="http://schemas.openxmlformats.org/officeDocument/2006/relationships" xmlns:p="http://schemas.openxmlformats.org/presentationml/2006/main">
-  <p:cSld>
-    <p:spTree>
-      <p:nvGrpSpPr>
-        <p:cNvPr id="1" name=""/>
-        <p:cNvGrpSpPr/>
-        <p:nvPr/>
-      </p:nvGrpSpPr>
-      <p:grpSpPr>
-        <a:xfrm>
-          <a:off x="0" y="0"/>
-          <a:ext cx="0" cy="0"/>
-          <a:chOff x="0" y="0"/>
-          <a:chExt cx="0" cy="0"/>
-        </a:xfrm>
-      </p:grpSpPr>
-      <p:sp>
-        <p:nvSpPr>
-          <p:cNvPr id="2" name="Title 1">
-            <a:extLst>
-              <a:ext uri="{FF2B5EF4-FFF2-40B4-BE49-F238E27FC236}">
-                <a16:creationId xmlns:a16="http://schemas.microsoft.com/office/drawing/2014/main" id="{D1544AB8-4CAC-56EE-6EF0-25499C370501}"/>
-              </a:ext>
-            </a:extLst>
-          </p:cNvPr>
-          <p:cNvSpPr>
-            <a:spLocks noGrp="1"/>
-          </p:cNvSpPr>
-          <p:nvPr>
-            <p:ph type="ctrTitle"/>
-          </p:nvPr>
-        </p:nvSpPr>
-        <p:spPr/>
-        <p:txBody>
-          <a:bodyPr/>
-          <a:lstStyle/>
-          <a:p>
-            <a:r>
-              <a:rPr lang="en-US" dirty="0"/>
-              <a:t>Objective 2</a:t>
-            </a:r>
-          </a:p>
-        </p:txBody>
-      </p:sp>
-    </p:spTree>
-    <p:extLst>
-      <p:ext uri="{BB962C8B-B14F-4D97-AF65-F5344CB8AC3E}">
-        <p14:creationId xmlns:p14="http://schemas.microsoft.com/office/powerpoint/2010/main" val="2684897883"/>
       </p:ext>
     </p:extLst>
   </p:cSld>
@@ -16697,7 +18700,7 @@
   <p:cSld>
     <p:spTree>
       <p:nvGrpSpPr>
-        <p:cNvPr id="1" name="Shape 738"/>
+        <p:cNvPr id="1" name=""/>
         <p:cNvGrpSpPr/>
         <p:nvPr/>
       </p:nvGrpSpPr>
@@ -16711,51 +18714,4393 @@
       </p:grpSpPr>
       <p:sp>
         <p:nvSpPr>
-          <p:cNvPr id="739" name="Google Shape;739;p37"/>
-          <p:cNvSpPr txBox="1">
+          <p:cNvPr id="2" name="Title 1">
+            <a:extLst>
+              <a:ext uri="{FF2B5EF4-FFF2-40B4-BE49-F238E27FC236}">
+                <a16:creationId xmlns:a16="http://schemas.microsoft.com/office/drawing/2014/main" id="{D1544AB8-4CAC-56EE-6EF0-25499C370501}"/>
+              </a:ext>
+            </a:extLst>
+          </p:cNvPr>
+          <p:cNvSpPr>
             <a:spLocks noGrp="1"/>
           </p:cNvSpPr>
           <p:nvPr>
             <p:ph type="ctrTitle"/>
           </p:nvPr>
         </p:nvSpPr>
+        <p:spPr/>
+        <p:txBody>
+          <a:bodyPr/>
+          <a:lstStyle/>
+          <a:p>
+            <a:r>
+              <a:rPr lang="en-US" dirty="0"/>
+              <a:t>Objective 2</a:t>
+            </a:r>
+          </a:p>
+        </p:txBody>
+      </p:sp>
+    </p:spTree>
+    <p:extLst>
+      <p:ext uri="{BB962C8B-B14F-4D97-AF65-F5344CB8AC3E}">
+        <p14:creationId xmlns:p14="http://schemas.microsoft.com/office/powerpoint/2010/main" val="2684897883"/>
+      </p:ext>
+    </p:extLst>
+  </p:cSld>
+  <p:clrMapOvr>
+    <a:masterClrMapping/>
+  </p:clrMapOvr>
+</p:sld>
+</file>
+
+<file path=ppt/slides/slide21.xml><?xml version="1.0" encoding="utf-8"?>
+<p:sld xmlns:a="http://schemas.openxmlformats.org/drawingml/2006/main" xmlns:r="http://schemas.openxmlformats.org/officeDocument/2006/relationships" xmlns:p="http://schemas.openxmlformats.org/presentationml/2006/main">
+  <p:cSld>
+    <p:spTree>
+      <p:nvGrpSpPr>
+        <p:cNvPr id="1" name=""/>
+        <p:cNvGrpSpPr/>
+        <p:nvPr/>
+      </p:nvGrpSpPr>
+      <p:grpSpPr>
+        <a:xfrm>
+          <a:off x="0" y="0"/>
+          <a:ext cx="0" cy="0"/>
+          <a:chOff x="0" y="0"/>
+          <a:chExt cx="0" cy="0"/>
+        </a:xfrm>
+      </p:grpSpPr>
+      <p:sp>
+        <p:nvSpPr>
+          <p:cNvPr id="2" name="Text Placeholder 1">
+            <a:extLst>
+              <a:ext uri="{FF2B5EF4-FFF2-40B4-BE49-F238E27FC236}">
+                <a16:creationId xmlns:a16="http://schemas.microsoft.com/office/drawing/2014/main" id="{8B170740-DB3F-076A-A2D2-9555F51D2D32}"/>
+              </a:ext>
+            </a:extLst>
+          </p:cNvPr>
+          <p:cNvSpPr>
+            <a:spLocks noGrp="1"/>
+          </p:cNvSpPr>
+          <p:nvPr>
+            <p:ph type="body" idx="1"/>
+          </p:nvPr>
+        </p:nvSpPr>
         <p:spPr>
           <a:xfrm>
-            <a:off x="729450" y="1322450"/>
-            <a:ext cx="7688100" cy="1664700"/>
+            <a:off x="729450" y="726744"/>
+            <a:ext cx="7688700" cy="1034400"/>
+          </a:xfrm>
+        </p:spPr>
+        <p:txBody>
+          <a:bodyPr/>
+          <a:lstStyle/>
+          <a:p>
+            <a:pPr marL="146050" indent="0">
+              <a:buNone/>
+            </a:pPr>
+            <a:r>
+              <a:rPr kumimoji="0" lang="en-US" sz="2600" b="1" i="0" u="none" strike="noStrike" kern="0" cap="none" spc="0" normalizeH="0" baseline="0" noProof="0" dirty="0">
+                <a:ln>
+                  <a:noFill/>
+                </a:ln>
+                <a:solidFill>
+                  <a:srgbClr val="1A1A1A"/>
+                </a:solidFill>
+                <a:effectLst/>
+                <a:uLnTx/>
+                <a:uFillTx/>
+                <a:latin typeface="Raleway"/>
+                <a:sym typeface="Raleway"/>
+              </a:rPr>
+              <a:t>Objective 2</a:t>
+            </a:r>
+          </a:p>
+          <a:p>
+            <a:pPr marL="146050" indent="0">
+              <a:buNone/>
+            </a:pPr>
+            <a:r>
+              <a:rPr lang="en-US" sz="1400" b="1" dirty="0">
+                <a:solidFill>
+                  <a:schemeClr val="bg1">
+                    <a:lumMod val="65000"/>
+                  </a:schemeClr>
+                </a:solidFill>
+                <a:latin typeface="Raleway"/>
+                <a:sym typeface="Raleway"/>
+              </a:rPr>
+              <a:t>Recapping the Primary Goal</a:t>
+            </a:r>
+            <a:endParaRPr lang="en-US" dirty="0">
+              <a:solidFill>
+                <a:schemeClr val="bg1">
+                  <a:lumMod val="65000"/>
+                </a:schemeClr>
+              </a:solidFill>
+            </a:endParaRPr>
+          </a:p>
+        </p:txBody>
+      </p:sp>
+      <p:sp>
+        <p:nvSpPr>
+          <p:cNvPr id="5" name="Text Placeholder 2">
+            <a:extLst>
+              <a:ext uri="{FF2B5EF4-FFF2-40B4-BE49-F238E27FC236}">
+                <a16:creationId xmlns:a16="http://schemas.microsoft.com/office/drawing/2014/main" id="{80A4736F-1EF9-09F0-5145-9AB37B5FE409}"/>
+              </a:ext>
+            </a:extLst>
+          </p:cNvPr>
+          <p:cNvSpPr txBox="1">
+            <a:spLocks/>
+          </p:cNvSpPr>
+          <p:nvPr/>
+        </p:nvSpPr>
+        <p:spPr>
+          <a:xfrm>
+            <a:off x="725850" y="1761143"/>
+            <a:ext cx="7688700" cy="1111264"/>
+          </a:xfrm>
+          <a:prstGeom prst="rect">
+            <a:avLst/>
+          </a:prstGeom>
+          <a:noFill/>
+          <a:ln>
+            <a:noFill/>
+          </a:ln>
+        </p:spPr>
+        <p:txBody>
+          <a:bodyPr spcFirstLastPara="1" wrap="square" lIns="91425" tIns="91425" rIns="91425" bIns="91425" anchor="t" anchorCtr="0">
+            <a:noAutofit/>
+          </a:bodyPr>
+          <a:lstStyle>
+            <a:defPPr marR="0" lvl="0" algn="l" rtl="0">
+              <a:lnSpc>
+                <a:spcPct val="100000"/>
+              </a:lnSpc>
+              <a:spcBef>
+                <a:spcPts val="0"/>
+              </a:spcBef>
+              <a:spcAft>
+                <a:spcPts val="0"/>
+              </a:spcAft>
+            </a:defPPr>
+            <a:lvl1pPr marL="457200" marR="0" lvl="0" indent="-311150" algn="l" rtl="0">
+              <a:lnSpc>
+                <a:spcPct val="115000"/>
+              </a:lnSpc>
+              <a:spcBef>
+                <a:spcPts val="0"/>
+              </a:spcBef>
+              <a:spcAft>
+                <a:spcPts val="0"/>
+              </a:spcAft>
+              <a:buClr>
+                <a:schemeClr val="accent1"/>
+              </a:buClr>
+              <a:buSzPts val="1300"/>
+              <a:buFont typeface="Lato"/>
+              <a:buChar char="●"/>
+              <a:defRPr sz="1300" b="0" i="0" u="none" strike="noStrike" cap="none">
+                <a:solidFill>
+                  <a:schemeClr val="accent1"/>
+                </a:solidFill>
+                <a:latin typeface="Lato"/>
+                <a:ea typeface="Lato"/>
+                <a:cs typeface="Lato"/>
+                <a:sym typeface="Lato"/>
+              </a:defRPr>
+            </a:lvl1pPr>
+            <a:lvl2pPr marL="914400" marR="0" lvl="1" indent="-298450" algn="l" rtl="0">
+              <a:lnSpc>
+                <a:spcPct val="115000"/>
+              </a:lnSpc>
+              <a:spcBef>
+                <a:spcPts val="1600"/>
+              </a:spcBef>
+              <a:spcAft>
+                <a:spcPts val="0"/>
+              </a:spcAft>
+              <a:buClr>
+                <a:schemeClr val="accent1"/>
+              </a:buClr>
+              <a:buSzPts val="1100"/>
+              <a:buFont typeface="Lato"/>
+              <a:buChar char="○"/>
+              <a:defRPr sz="1100" b="0" i="0" u="none" strike="noStrike" cap="none">
+                <a:solidFill>
+                  <a:schemeClr val="accent1"/>
+                </a:solidFill>
+                <a:latin typeface="Lato"/>
+                <a:ea typeface="Lato"/>
+                <a:cs typeface="Lato"/>
+                <a:sym typeface="Lato"/>
+              </a:defRPr>
+            </a:lvl2pPr>
+            <a:lvl3pPr marL="1371600" marR="0" lvl="2" indent="-298450" algn="l" rtl="0">
+              <a:lnSpc>
+                <a:spcPct val="115000"/>
+              </a:lnSpc>
+              <a:spcBef>
+                <a:spcPts val="1600"/>
+              </a:spcBef>
+              <a:spcAft>
+                <a:spcPts val="0"/>
+              </a:spcAft>
+              <a:buClr>
+                <a:schemeClr val="accent1"/>
+              </a:buClr>
+              <a:buSzPts val="1100"/>
+              <a:buFont typeface="Lato"/>
+              <a:buChar char="■"/>
+              <a:defRPr sz="1100" b="0" i="0" u="none" strike="noStrike" cap="none">
+                <a:solidFill>
+                  <a:schemeClr val="accent1"/>
+                </a:solidFill>
+                <a:latin typeface="Lato"/>
+                <a:ea typeface="Lato"/>
+                <a:cs typeface="Lato"/>
+                <a:sym typeface="Lato"/>
+              </a:defRPr>
+            </a:lvl3pPr>
+            <a:lvl4pPr marL="1828800" marR="0" lvl="3" indent="-298450" algn="l" rtl="0">
+              <a:lnSpc>
+                <a:spcPct val="115000"/>
+              </a:lnSpc>
+              <a:spcBef>
+                <a:spcPts val="1600"/>
+              </a:spcBef>
+              <a:spcAft>
+                <a:spcPts val="0"/>
+              </a:spcAft>
+              <a:buClr>
+                <a:schemeClr val="accent1"/>
+              </a:buClr>
+              <a:buSzPts val="1100"/>
+              <a:buFont typeface="Lato"/>
+              <a:buChar char="●"/>
+              <a:defRPr sz="1100" b="0" i="0" u="none" strike="noStrike" cap="none">
+                <a:solidFill>
+                  <a:schemeClr val="accent1"/>
+                </a:solidFill>
+                <a:latin typeface="Lato"/>
+                <a:ea typeface="Lato"/>
+                <a:cs typeface="Lato"/>
+                <a:sym typeface="Lato"/>
+              </a:defRPr>
+            </a:lvl4pPr>
+            <a:lvl5pPr marL="2286000" marR="0" lvl="4" indent="-298450" algn="l" rtl="0">
+              <a:lnSpc>
+                <a:spcPct val="115000"/>
+              </a:lnSpc>
+              <a:spcBef>
+                <a:spcPts val="1600"/>
+              </a:spcBef>
+              <a:spcAft>
+                <a:spcPts val="0"/>
+              </a:spcAft>
+              <a:buClr>
+                <a:schemeClr val="accent1"/>
+              </a:buClr>
+              <a:buSzPts val="1100"/>
+              <a:buFont typeface="Lato"/>
+              <a:buChar char="○"/>
+              <a:defRPr sz="1100" b="0" i="0" u="none" strike="noStrike" cap="none">
+                <a:solidFill>
+                  <a:schemeClr val="accent1"/>
+                </a:solidFill>
+                <a:latin typeface="Lato"/>
+                <a:ea typeface="Lato"/>
+                <a:cs typeface="Lato"/>
+                <a:sym typeface="Lato"/>
+              </a:defRPr>
+            </a:lvl5pPr>
+            <a:lvl6pPr marL="2743200" marR="0" lvl="5" indent="-298450" algn="l" rtl="0">
+              <a:lnSpc>
+                <a:spcPct val="115000"/>
+              </a:lnSpc>
+              <a:spcBef>
+                <a:spcPts val="1600"/>
+              </a:spcBef>
+              <a:spcAft>
+                <a:spcPts val="0"/>
+              </a:spcAft>
+              <a:buClr>
+                <a:schemeClr val="accent1"/>
+              </a:buClr>
+              <a:buSzPts val="1100"/>
+              <a:buFont typeface="Lato"/>
+              <a:buChar char="■"/>
+              <a:defRPr sz="1100" b="0" i="0" u="none" strike="noStrike" cap="none">
+                <a:solidFill>
+                  <a:schemeClr val="accent1"/>
+                </a:solidFill>
+                <a:latin typeface="Lato"/>
+                <a:ea typeface="Lato"/>
+                <a:cs typeface="Lato"/>
+                <a:sym typeface="Lato"/>
+              </a:defRPr>
+            </a:lvl6pPr>
+            <a:lvl7pPr marL="3200400" marR="0" lvl="6" indent="-298450" algn="l" rtl="0">
+              <a:lnSpc>
+                <a:spcPct val="115000"/>
+              </a:lnSpc>
+              <a:spcBef>
+                <a:spcPts val="1600"/>
+              </a:spcBef>
+              <a:spcAft>
+                <a:spcPts val="0"/>
+              </a:spcAft>
+              <a:buClr>
+                <a:schemeClr val="accent1"/>
+              </a:buClr>
+              <a:buSzPts val="1100"/>
+              <a:buFont typeface="Lato"/>
+              <a:buChar char="●"/>
+              <a:defRPr sz="1100" b="0" i="0" u="none" strike="noStrike" cap="none">
+                <a:solidFill>
+                  <a:schemeClr val="accent1"/>
+                </a:solidFill>
+                <a:latin typeface="Lato"/>
+                <a:ea typeface="Lato"/>
+                <a:cs typeface="Lato"/>
+                <a:sym typeface="Lato"/>
+              </a:defRPr>
+            </a:lvl7pPr>
+            <a:lvl8pPr marL="3657600" marR="0" lvl="7" indent="-298450" algn="l" rtl="0">
+              <a:lnSpc>
+                <a:spcPct val="115000"/>
+              </a:lnSpc>
+              <a:spcBef>
+                <a:spcPts val="1600"/>
+              </a:spcBef>
+              <a:spcAft>
+                <a:spcPts val="0"/>
+              </a:spcAft>
+              <a:buClr>
+                <a:schemeClr val="accent1"/>
+              </a:buClr>
+              <a:buSzPts val="1100"/>
+              <a:buFont typeface="Lato"/>
+              <a:buChar char="○"/>
+              <a:defRPr sz="1100" b="0" i="0" u="none" strike="noStrike" cap="none">
+                <a:solidFill>
+                  <a:schemeClr val="accent1"/>
+                </a:solidFill>
+                <a:latin typeface="Lato"/>
+                <a:ea typeface="Lato"/>
+                <a:cs typeface="Lato"/>
+                <a:sym typeface="Lato"/>
+              </a:defRPr>
+            </a:lvl8pPr>
+            <a:lvl9pPr marL="4114800" marR="0" lvl="8" indent="-298450" algn="l" rtl="0">
+              <a:lnSpc>
+                <a:spcPct val="115000"/>
+              </a:lnSpc>
+              <a:spcBef>
+                <a:spcPts val="1600"/>
+              </a:spcBef>
+              <a:spcAft>
+                <a:spcPts val="1600"/>
+              </a:spcAft>
+              <a:buClr>
+                <a:schemeClr val="accent1"/>
+              </a:buClr>
+              <a:buSzPts val="1100"/>
+              <a:buFont typeface="Lato"/>
+              <a:buChar char="■"/>
+              <a:defRPr sz="1100" b="0" i="0" u="none" strike="noStrike" cap="none">
+                <a:solidFill>
+                  <a:schemeClr val="accent1"/>
+                </a:solidFill>
+                <a:latin typeface="Lato"/>
+                <a:ea typeface="Lato"/>
+                <a:cs typeface="Lato"/>
+                <a:sym typeface="Lato"/>
+              </a:defRPr>
+            </a:lvl9pPr>
+          </a:lstStyle>
+          <a:p>
+            <a:pPr marL="146050" indent="0">
+              <a:buNone/>
+            </a:pPr>
+            <a:r>
+              <a:rPr lang="en-US" b="1" dirty="0"/>
+              <a:t>Primary goal: </a:t>
+            </a:r>
+            <a:r>
+              <a:rPr lang="en-US" dirty="0"/>
+              <a:t>Build 3 additional classification models to better gain inference on what leads to successfully signing clients to new term deposits and compare to simple model previously discussed</a:t>
+            </a:r>
+          </a:p>
+          <a:p>
+            <a:pPr marL="146050" indent="0">
+              <a:buNone/>
+            </a:pPr>
+            <a:r>
+              <a:rPr lang="en-US" dirty="0"/>
+              <a:t>	</a:t>
+            </a:r>
+          </a:p>
+          <a:p>
+            <a:pPr marL="146050" indent="0">
+              <a:buNone/>
+            </a:pPr>
+            <a:endParaRPr lang="en-US" dirty="0"/>
+          </a:p>
+          <a:p>
+            <a:pPr marL="146050" indent="0">
+              <a:buNone/>
+            </a:pPr>
+            <a:endParaRPr lang="en-US" dirty="0"/>
+          </a:p>
+        </p:txBody>
+      </p:sp>
+      <p:sp>
+        <p:nvSpPr>
+          <p:cNvPr id="3" name="Rectangle 2">
+            <a:extLst>
+              <a:ext uri="{FF2B5EF4-FFF2-40B4-BE49-F238E27FC236}">
+                <a16:creationId xmlns:a16="http://schemas.microsoft.com/office/drawing/2014/main" id="{EF086172-863D-0122-3B4E-BDAC5312F326}"/>
+              </a:ext>
+            </a:extLst>
+          </p:cNvPr>
+          <p:cNvSpPr/>
+          <p:nvPr/>
+        </p:nvSpPr>
+        <p:spPr>
+          <a:xfrm>
+            <a:off x="725850" y="3766930"/>
+            <a:ext cx="1868263" cy="735496"/>
           </a:xfrm>
           <a:prstGeom prst="rect">
             <a:avLst/>
           </a:prstGeom>
         </p:spPr>
+        <p:style>
+          <a:lnRef idx="2">
+            <a:schemeClr val="accent1">
+              <a:shade val="50000"/>
+            </a:schemeClr>
+          </a:lnRef>
+          <a:fillRef idx="1">
+            <a:schemeClr val="accent1"/>
+          </a:fillRef>
+          <a:effectRef idx="0">
+            <a:schemeClr val="accent1"/>
+          </a:effectRef>
+          <a:fontRef idx="minor">
+            <a:schemeClr val="lt1"/>
+          </a:fontRef>
+        </p:style>
+        <p:txBody>
+          <a:bodyPr rtlCol="0" anchor="ctr"/>
+          <a:lstStyle/>
+          <a:p>
+            <a:pPr algn="ctr"/>
+            <a:r>
+              <a:rPr lang="en-US" dirty="0"/>
+              <a:t>Simple Logistic Model</a:t>
+            </a:r>
+          </a:p>
+        </p:txBody>
+      </p:sp>
+      <p:sp>
+        <p:nvSpPr>
+          <p:cNvPr id="6" name="Rectangle 5">
+            <a:extLst>
+              <a:ext uri="{FF2B5EF4-FFF2-40B4-BE49-F238E27FC236}">
+                <a16:creationId xmlns:a16="http://schemas.microsoft.com/office/drawing/2014/main" id="{5D44B9AC-78E7-7ABF-9BE3-F3394203712C}"/>
+              </a:ext>
+            </a:extLst>
+          </p:cNvPr>
+          <p:cNvSpPr/>
+          <p:nvPr/>
+        </p:nvSpPr>
+        <p:spPr>
+          <a:xfrm>
+            <a:off x="3410487" y="2452014"/>
+            <a:ext cx="1977887" cy="675861"/>
+          </a:xfrm>
+          <a:prstGeom prst="rect">
+            <a:avLst/>
+          </a:prstGeom>
+        </p:spPr>
+        <p:style>
+          <a:lnRef idx="2">
+            <a:schemeClr val="accent2">
+              <a:shade val="50000"/>
+            </a:schemeClr>
+          </a:lnRef>
+          <a:fillRef idx="1">
+            <a:schemeClr val="accent2"/>
+          </a:fillRef>
+          <a:effectRef idx="0">
+            <a:schemeClr val="accent2"/>
+          </a:effectRef>
+          <a:fontRef idx="minor">
+            <a:schemeClr val="lt1"/>
+          </a:fontRef>
+        </p:style>
+        <p:txBody>
+          <a:bodyPr rtlCol="0" anchor="ctr"/>
+          <a:lstStyle/>
+          <a:p>
+            <a:pPr algn="ctr"/>
+            <a:r>
+              <a:rPr lang="en-US" dirty="0"/>
+              <a:t>1. Higher Complexity Logistic Regression Model</a:t>
+            </a:r>
+          </a:p>
+        </p:txBody>
+      </p:sp>
+      <p:sp>
+        <p:nvSpPr>
+          <p:cNvPr id="16" name="Rectangle 15">
+            <a:extLst>
+              <a:ext uri="{FF2B5EF4-FFF2-40B4-BE49-F238E27FC236}">
+                <a16:creationId xmlns:a16="http://schemas.microsoft.com/office/drawing/2014/main" id="{0FA103C9-78E6-75D0-9972-8CA4121A8696}"/>
+              </a:ext>
+            </a:extLst>
+          </p:cNvPr>
+          <p:cNvSpPr/>
+          <p:nvPr/>
+        </p:nvSpPr>
+        <p:spPr>
+          <a:xfrm>
+            <a:off x="3465301" y="3230345"/>
+            <a:ext cx="1749287" cy="470921"/>
+          </a:xfrm>
+          <a:prstGeom prst="rect">
+            <a:avLst/>
+          </a:prstGeom>
+        </p:spPr>
+        <p:style>
+          <a:lnRef idx="2">
+            <a:schemeClr val="accent2">
+              <a:shade val="50000"/>
+            </a:schemeClr>
+          </a:lnRef>
+          <a:fillRef idx="1">
+            <a:schemeClr val="accent2"/>
+          </a:fillRef>
+          <a:effectRef idx="0">
+            <a:schemeClr val="accent2"/>
+          </a:effectRef>
+          <a:fontRef idx="minor">
+            <a:schemeClr val="lt1"/>
+          </a:fontRef>
+        </p:style>
+        <p:txBody>
+          <a:bodyPr rtlCol="0" anchor="ctr"/>
+          <a:lstStyle/>
+          <a:p>
+            <a:pPr algn="ctr"/>
+            <a:r>
+              <a:rPr lang="en-US" dirty="0"/>
+              <a:t>2. LDA/QDA</a:t>
+            </a:r>
+          </a:p>
+        </p:txBody>
+      </p:sp>
+      <p:sp>
+        <p:nvSpPr>
+          <p:cNvPr id="17" name="Rectangle 16">
+            <a:extLst>
+              <a:ext uri="{FF2B5EF4-FFF2-40B4-BE49-F238E27FC236}">
+                <a16:creationId xmlns:a16="http://schemas.microsoft.com/office/drawing/2014/main" id="{7283E721-934A-7F97-F1C5-1EFCAF49CF31}"/>
+              </a:ext>
+            </a:extLst>
+          </p:cNvPr>
+          <p:cNvSpPr/>
+          <p:nvPr/>
+        </p:nvSpPr>
+        <p:spPr>
+          <a:xfrm>
+            <a:off x="3524788" y="3795272"/>
+            <a:ext cx="1749287" cy="470921"/>
+          </a:xfrm>
+          <a:prstGeom prst="rect">
+            <a:avLst/>
+          </a:prstGeom>
+        </p:spPr>
+        <p:style>
+          <a:lnRef idx="2">
+            <a:schemeClr val="accent2">
+              <a:shade val="50000"/>
+            </a:schemeClr>
+          </a:lnRef>
+          <a:fillRef idx="1">
+            <a:schemeClr val="accent2"/>
+          </a:fillRef>
+          <a:effectRef idx="0">
+            <a:schemeClr val="accent2"/>
+          </a:effectRef>
+          <a:fontRef idx="minor">
+            <a:schemeClr val="lt1"/>
+          </a:fontRef>
+        </p:style>
+        <p:txBody>
+          <a:bodyPr rtlCol="0" anchor="ctr"/>
+          <a:lstStyle/>
+          <a:p>
+            <a:pPr algn="ctr"/>
+            <a:r>
+              <a:rPr lang="en-US" dirty="0"/>
+              <a:t>3. KNN Model </a:t>
+            </a:r>
+          </a:p>
+          <a:p>
+            <a:pPr algn="ctr"/>
+            <a:r>
+              <a:rPr lang="en-US" dirty="0"/>
+              <a:t>(Non-Parametric)</a:t>
+            </a:r>
+          </a:p>
+        </p:txBody>
+      </p:sp>
+      <p:sp>
+        <p:nvSpPr>
+          <p:cNvPr id="18" name="Rectangle 17">
+            <a:extLst>
+              <a:ext uri="{FF2B5EF4-FFF2-40B4-BE49-F238E27FC236}">
+                <a16:creationId xmlns:a16="http://schemas.microsoft.com/office/drawing/2014/main" id="{5516CC17-0DAA-CF95-C9CA-DF1CECD8F6FD}"/>
+              </a:ext>
+            </a:extLst>
+          </p:cNvPr>
+          <p:cNvSpPr/>
+          <p:nvPr/>
+        </p:nvSpPr>
+        <p:spPr>
+          <a:xfrm>
+            <a:off x="3465301" y="4360199"/>
+            <a:ext cx="1868263" cy="735496"/>
+          </a:xfrm>
+          <a:prstGeom prst="rect">
+            <a:avLst/>
+          </a:prstGeom>
+        </p:spPr>
+        <p:style>
+          <a:lnRef idx="2">
+            <a:schemeClr val="accent2">
+              <a:shade val="50000"/>
+            </a:schemeClr>
+          </a:lnRef>
+          <a:fillRef idx="1">
+            <a:schemeClr val="accent2"/>
+          </a:fillRef>
+          <a:effectRef idx="0">
+            <a:schemeClr val="accent2"/>
+          </a:effectRef>
+          <a:fontRef idx="minor">
+            <a:schemeClr val="lt1"/>
+          </a:fontRef>
+        </p:style>
+        <p:txBody>
+          <a:bodyPr rtlCol="0" anchor="ctr"/>
+          <a:lstStyle/>
+          <a:p>
+            <a:pPr algn="ctr"/>
+            <a:r>
+              <a:rPr lang="en-US" dirty="0"/>
+              <a:t>4. </a:t>
+            </a:r>
+            <a:r>
+              <a:rPr lang="en-US" dirty="0" err="1"/>
+              <a:t>eXtreme</a:t>
+            </a:r>
+            <a:r>
+              <a:rPr lang="en-US" dirty="0"/>
+              <a:t> Gradient Boosting Model </a:t>
+            </a:r>
+          </a:p>
+          <a:p>
+            <a:pPr algn="ctr"/>
+            <a:r>
+              <a:rPr lang="en-US" dirty="0"/>
+              <a:t>(Non-Parametric)</a:t>
+            </a:r>
+          </a:p>
+        </p:txBody>
+      </p:sp>
+      <p:cxnSp>
+        <p:nvCxnSpPr>
+          <p:cNvPr id="20" name="Straight Arrow Connector 19">
+            <a:extLst>
+              <a:ext uri="{FF2B5EF4-FFF2-40B4-BE49-F238E27FC236}">
+                <a16:creationId xmlns:a16="http://schemas.microsoft.com/office/drawing/2014/main" id="{2DE3533E-252A-5203-89EA-2D6F6917FFFD}"/>
+              </a:ext>
+            </a:extLst>
+          </p:cNvPr>
+          <p:cNvCxnSpPr/>
+          <p:nvPr/>
+        </p:nvCxnSpPr>
+        <p:spPr>
+          <a:xfrm flipV="1">
+            <a:off x="2703443" y="2845412"/>
+            <a:ext cx="556592" cy="1289266"/>
+          </a:xfrm>
+          <a:prstGeom prst="straightConnector1">
+            <a:avLst/>
+          </a:prstGeom>
+          <a:ln>
+            <a:tailEnd type="triangle"/>
+          </a:ln>
+        </p:spPr>
+        <p:style>
+          <a:lnRef idx="1">
+            <a:schemeClr val="accent1"/>
+          </a:lnRef>
+          <a:fillRef idx="0">
+            <a:schemeClr val="accent1"/>
+          </a:fillRef>
+          <a:effectRef idx="0">
+            <a:schemeClr val="accent1"/>
+          </a:effectRef>
+          <a:fontRef idx="minor">
+            <a:schemeClr val="tx1"/>
+          </a:fontRef>
+        </p:style>
+      </p:cxnSp>
+      <p:cxnSp>
+        <p:nvCxnSpPr>
+          <p:cNvPr id="22" name="Straight Arrow Connector 21">
+            <a:extLst>
+              <a:ext uri="{FF2B5EF4-FFF2-40B4-BE49-F238E27FC236}">
+                <a16:creationId xmlns:a16="http://schemas.microsoft.com/office/drawing/2014/main" id="{38924452-EBDE-3FB0-3BDB-326FFA4AF5F0}"/>
+              </a:ext>
+            </a:extLst>
+          </p:cNvPr>
+          <p:cNvCxnSpPr>
+            <a:cxnSpLocks/>
+          </p:cNvCxnSpPr>
+          <p:nvPr/>
+        </p:nvCxnSpPr>
+        <p:spPr>
+          <a:xfrm flipV="1">
+            <a:off x="2700963" y="3465805"/>
+            <a:ext cx="618707" cy="668873"/>
+          </a:xfrm>
+          <a:prstGeom prst="straightConnector1">
+            <a:avLst/>
+          </a:prstGeom>
+          <a:ln>
+            <a:tailEnd type="triangle"/>
+          </a:ln>
+        </p:spPr>
+        <p:style>
+          <a:lnRef idx="1">
+            <a:schemeClr val="accent1"/>
+          </a:lnRef>
+          <a:fillRef idx="0">
+            <a:schemeClr val="accent1"/>
+          </a:fillRef>
+          <a:effectRef idx="0">
+            <a:schemeClr val="accent1"/>
+          </a:effectRef>
+          <a:fontRef idx="minor">
+            <a:schemeClr val="tx1"/>
+          </a:fontRef>
+        </p:style>
+      </p:cxnSp>
+      <p:cxnSp>
+        <p:nvCxnSpPr>
+          <p:cNvPr id="24" name="Straight Arrow Connector 23">
+            <a:extLst>
+              <a:ext uri="{FF2B5EF4-FFF2-40B4-BE49-F238E27FC236}">
+                <a16:creationId xmlns:a16="http://schemas.microsoft.com/office/drawing/2014/main" id="{253540D7-E856-7607-A232-0BAD8FDB6969}"/>
+              </a:ext>
+            </a:extLst>
+          </p:cNvPr>
+          <p:cNvCxnSpPr>
+            <a:cxnSpLocks/>
+            <a:endCxn id="17" idx="1"/>
+          </p:cNvCxnSpPr>
+          <p:nvPr/>
+        </p:nvCxnSpPr>
+        <p:spPr>
+          <a:xfrm flipV="1">
+            <a:off x="2683592" y="4030733"/>
+            <a:ext cx="841196" cy="103945"/>
+          </a:xfrm>
+          <a:prstGeom prst="straightConnector1">
+            <a:avLst/>
+          </a:prstGeom>
+          <a:ln>
+            <a:tailEnd type="triangle"/>
+          </a:ln>
+        </p:spPr>
+        <p:style>
+          <a:lnRef idx="1">
+            <a:schemeClr val="accent1"/>
+          </a:lnRef>
+          <a:fillRef idx="0">
+            <a:schemeClr val="accent1"/>
+          </a:fillRef>
+          <a:effectRef idx="0">
+            <a:schemeClr val="accent1"/>
+          </a:effectRef>
+          <a:fontRef idx="minor">
+            <a:schemeClr val="tx1"/>
+          </a:fontRef>
+        </p:style>
+      </p:cxnSp>
+      <p:cxnSp>
+        <p:nvCxnSpPr>
+          <p:cNvPr id="27" name="Straight Arrow Connector 26">
+            <a:extLst>
+              <a:ext uri="{FF2B5EF4-FFF2-40B4-BE49-F238E27FC236}">
+                <a16:creationId xmlns:a16="http://schemas.microsoft.com/office/drawing/2014/main" id="{28B69205-172E-1187-7805-065C3467D5FE}"/>
+              </a:ext>
+            </a:extLst>
+          </p:cNvPr>
+          <p:cNvCxnSpPr>
+            <a:cxnSpLocks/>
+            <a:endCxn id="18" idx="1"/>
+          </p:cNvCxnSpPr>
+          <p:nvPr/>
+        </p:nvCxnSpPr>
+        <p:spPr>
+          <a:xfrm>
+            <a:off x="2683592" y="4128093"/>
+            <a:ext cx="781709" cy="599854"/>
+          </a:xfrm>
+          <a:prstGeom prst="straightConnector1">
+            <a:avLst/>
+          </a:prstGeom>
+          <a:ln>
+            <a:tailEnd type="triangle"/>
+          </a:ln>
+        </p:spPr>
+        <p:style>
+          <a:lnRef idx="1">
+            <a:schemeClr val="accent1"/>
+          </a:lnRef>
+          <a:fillRef idx="0">
+            <a:schemeClr val="accent1"/>
+          </a:fillRef>
+          <a:effectRef idx="0">
+            <a:schemeClr val="accent1"/>
+          </a:effectRef>
+          <a:fontRef idx="minor">
+            <a:schemeClr val="tx1"/>
+          </a:fontRef>
+        </p:style>
+      </p:cxnSp>
+    </p:spTree>
+    <p:custDataLst>
+      <p:tags r:id="rId1"/>
+    </p:custDataLst>
+    <p:extLst>
+      <p:ext uri="{BB962C8B-B14F-4D97-AF65-F5344CB8AC3E}">
+        <p14:creationId xmlns:p14="http://schemas.microsoft.com/office/powerpoint/2010/main" val="3948659839"/>
+      </p:ext>
+    </p:extLst>
+  </p:cSld>
+  <p:clrMapOvr>
+    <a:masterClrMapping/>
+  </p:clrMapOvr>
+</p:sld>
+</file>
+
+<file path=ppt/slides/slide22.xml><?xml version="1.0" encoding="utf-8"?>
+<p:sld xmlns:a="http://schemas.openxmlformats.org/drawingml/2006/main" xmlns:r="http://schemas.openxmlformats.org/officeDocument/2006/relationships" xmlns:p="http://schemas.openxmlformats.org/presentationml/2006/main">
+  <p:cSld>
+    <p:spTree>
+      <p:nvGrpSpPr>
+        <p:cNvPr id="1" name=""/>
+        <p:cNvGrpSpPr/>
+        <p:nvPr/>
+      </p:nvGrpSpPr>
+      <p:grpSpPr>
+        <a:xfrm>
+          <a:off x="0" y="0"/>
+          <a:ext cx="0" cy="0"/>
+          <a:chOff x="0" y="0"/>
+          <a:chExt cx="0" cy="0"/>
+        </a:xfrm>
+      </p:grpSpPr>
+      <p:sp>
+        <p:nvSpPr>
+          <p:cNvPr id="2" name="Text Placeholder 1">
+            <a:extLst>
+              <a:ext uri="{FF2B5EF4-FFF2-40B4-BE49-F238E27FC236}">
+                <a16:creationId xmlns:a16="http://schemas.microsoft.com/office/drawing/2014/main" id="{8B170740-DB3F-076A-A2D2-9555F51D2D32}"/>
+              </a:ext>
+            </a:extLst>
+          </p:cNvPr>
+          <p:cNvSpPr>
+            <a:spLocks noGrp="1"/>
+          </p:cNvSpPr>
+          <p:nvPr>
+            <p:ph type="body" idx="1"/>
+          </p:nvPr>
+        </p:nvSpPr>
+        <p:spPr>
+          <a:xfrm>
+            <a:off x="729450" y="726744"/>
+            <a:ext cx="7688700" cy="1034400"/>
+          </a:xfrm>
+        </p:spPr>
+        <p:txBody>
+          <a:bodyPr/>
+          <a:lstStyle/>
+          <a:p>
+            <a:pPr marL="146050" indent="0">
+              <a:buNone/>
+            </a:pPr>
+            <a:r>
+              <a:rPr kumimoji="0" lang="en-US" sz="2600" b="1" i="0" u="none" strike="noStrike" kern="0" cap="none" spc="0" normalizeH="0" baseline="0" noProof="0" dirty="0">
+                <a:ln>
+                  <a:noFill/>
+                </a:ln>
+                <a:solidFill>
+                  <a:srgbClr val="1A1A1A"/>
+                </a:solidFill>
+                <a:effectLst/>
+                <a:uLnTx/>
+                <a:uFillTx/>
+                <a:latin typeface="Raleway"/>
+                <a:sym typeface="Raleway"/>
+              </a:rPr>
+              <a:t>Objective 2</a:t>
+            </a:r>
+          </a:p>
+          <a:p>
+            <a:pPr marL="146050" indent="0">
+              <a:buNone/>
+            </a:pPr>
+            <a:r>
+              <a:rPr lang="en-US" sz="1400" b="1" dirty="0">
+                <a:solidFill>
+                  <a:schemeClr val="bg1">
+                    <a:lumMod val="65000"/>
+                  </a:schemeClr>
+                </a:solidFill>
+                <a:latin typeface="Raleway"/>
+                <a:sym typeface="Raleway"/>
+              </a:rPr>
+              <a:t>1. Higher Complexity Logistic Regression Model</a:t>
+            </a:r>
+          </a:p>
+          <a:p>
+            <a:pPr marL="146050" indent="0">
+              <a:buNone/>
+            </a:pPr>
+            <a:r>
+              <a:rPr lang="en-US" dirty="0">
+                <a:solidFill>
+                  <a:schemeClr val="bg1">
+                    <a:lumMod val="65000"/>
+                  </a:schemeClr>
+                </a:solidFill>
+              </a:rPr>
+              <a:t>    EDA</a:t>
+            </a:r>
+          </a:p>
+        </p:txBody>
+      </p:sp>
+      <p:sp>
+        <p:nvSpPr>
+          <p:cNvPr id="5" name="Text Placeholder 2">
+            <a:extLst>
+              <a:ext uri="{FF2B5EF4-FFF2-40B4-BE49-F238E27FC236}">
+                <a16:creationId xmlns:a16="http://schemas.microsoft.com/office/drawing/2014/main" id="{80A4736F-1EF9-09F0-5145-9AB37B5FE409}"/>
+              </a:ext>
+            </a:extLst>
+          </p:cNvPr>
+          <p:cNvSpPr txBox="1">
+            <a:spLocks/>
+          </p:cNvSpPr>
+          <p:nvPr/>
+        </p:nvSpPr>
+        <p:spPr>
+          <a:xfrm>
+            <a:off x="725850" y="1761143"/>
+            <a:ext cx="7688700" cy="1111264"/>
+          </a:xfrm>
+          <a:prstGeom prst="rect">
+            <a:avLst/>
+          </a:prstGeom>
+          <a:noFill/>
+          <a:ln>
+            <a:noFill/>
+          </a:ln>
+        </p:spPr>
         <p:txBody>
           <a:bodyPr spcFirstLastPara="1" wrap="square" lIns="91425" tIns="91425" rIns="91425" bIns="91425" anchor="t" anchorCtr="0">
             <a:noAutofit/>
           </a:bodyPr>
-          <a:lstStyle/>
+          <a:lstStyle>
+            <a:defPPr marR="0" lvl="0" algn="l" rtl="0">
+              <a:lnSpc>
+                <a:spcPct val="100000"/>
+              </a:lnSpc>
+              <a:spcBef>
+                <a:spcPts val="0"/>
+              </a:spcBef>
+              <a:spcAft>
+                <a:spcPts val="0"/>
+              </a:spcAft>
+            </a:defPPr>
+            <a:lvl1pPr marL="457200" marR="0" lvl="0" indent="-311150" algn="l" rtl="0">
+              <a:lnSpc>
+                <a:spcPct val="115000"/>
+              </a:lnSpc>
+              <a:spcBef>
+                <a:spcPts val="0"/>
+              </a:spcBef>
+              <a:spcAft>
+                <a:spcPts val="0"/>
+              </a:spcAft>
+              <a:buClr>
+                <a:schemeClr val="accent1"/>
+              </a:buClr>
+              <a:buSzPts val="1300"/>
+              <a:buFont typeface="Lato"/>
+              <a:buChar char="●"/>
+              <a:defRPr sz="1300" b="0" i="0" u="none" strike="noStrike" cap="none">
+                <a:solidFill>
+                  <a:schemeClr val="accent1"/>
+                </a:solidFill>
+                <a:latin typeface="Lato"/>
+                <a:ea typeface="Lato"/>
+                <a:cs typeface="Lato"/>
+                <a:sym typeface="Lato"/>
+              </a:defRPr>
+            </a:lvl1pPr>
+            <a:lvl2pPr marL="914400" marR="0" lvl="1" indent="-298450" algn="l" rtl="0">
+              <a:lnSpc>
+                <a:spcPct val="115000"/>
+              </a:lnSpc>
+              <a:spcBef>
+                <a:spcPts val="1600"/>
+              </a:spcBef>
+              <a:spcAft>
+                <a:spcPts val="0"/>
+              </a:spcAft>
+              <a:buClr>
+                <a:schemeClr val="accent1"/>
+              </a:buClr>
+              <a:buSzPts val="1100"/>
+              <a:buFont typeface="Lato"/>
+              <a:buChar char="○"/>
+              <a:defRPr sz="1100" b="0" i="0" u="none" strike="noStrike" cap="none">
+                <a:solidFill>
+                  <a:schemeClr val="accent1"/>
+                </a:solidFill>
+                <a:latin typeface="Lato"/>
+                <a:ea typeface="Lato"/>
+                <a:cs typeface="Lato"/>
+                <a:sym typeface="Lato"/>
+              </a:defRPr>
+            </a:lvl2pPr>
+            <a:lvl3pPr marL="1371600" marR="0" lvl="2" indent="-298450" algn="l" rtl="0">
+              <a:lnSpc>
+                <a:spcPct val="115000"/>
+              </a:lnSpc>
+              <a:spcBef>
+                <a:spcPts val="1600"/>
+              </a:spcBef>
+              <a:spcAft>
+                <a:spcPts val="0"/>
+              </a:spcAft>
+              <a:buClr>
+                <a:schemeClr val="accent1"/>
+              </a:buClr>
+              <a:buSzPts val="1100"/>
+              <a:buFont typeface="Lato"/>
+              <a:buChar char="■"/>
+              <a:defRPr sz="1100" b="0" i="0" u="none" strike="noStrike" cap="none">
+                <a:solidFill>
+                  <a:schemeClr val="accent1"/>
+                </a:solidFill>
+                <a:latin typeface="Lato"/>
+                <a:ea typeface="Lato"/>
+                <a:cs typeface="Lato"/>
+                <a:sym typeface="Lato"/>
+              </a:defRPr>
+            </a:lvl3pPr>
+            <a:lvl4pPr marL="1828800" marR="0" lvl="3" indent="-298450" algn="l" rtl="0">
+              <a:lnSpc>
+                <a:spcPct val="115000"/>
+              </a:lnSpc>
+              <a:spcBef>
+                <a:spcPts val="1600"/>
+              </a:spcBef>
+              <a:spcAft>
+                <a:spcPts val="0"/>
+              </a:spcAft>
+              <a:buClr>
+                <a:schemeClr val="accent1"/>
+              </a:buClr>
+              <a:buSzPts val="1100"/>
+              <a:buFont typeface="Lato"/>
+              <a:buChar char="●"/>
+              <a:defRPr sz="1100" b="0" i="0" u="none" strike="noStrike" cap="none">
+                <a:solidFill>
+                  <a:schemeClr val="accent1"/>
+                </a:solidFill>
+                <a:latin typeface="Lato"/>
+                <a:ea typeface="Lato"/>
+                <a:cs typeface="Lato"/>
+                <a:sym typeface="Lato"/>
+              </a:defRPr>
+            </a:lvl4pPr>
+            <a:lvl5pPr marL="2286000" marR="0" lvl="4" indent="-298450" algn="l" rtl="0">
+              <a:lnSpc>
+                <a:spcPct val="115000"/>
+              </a:lnSpc>
+              <a:spcBef>
+                <a:spcPts val="1600"/>
+              </a:spcBef>
+              <a:spcAft>
+                <a:spcPts val="0"/>
+              </a:spcAft>
+              <a:buClr>
+                <a:schemeClr val="accent1"/>
+              </a:buClr>
+              <a:buSzPts val="1100"/>
+              <a:buFont typeface="Lato"/>
+              <a:buChar char="○"/>
+              <a:defRPr sz="1100" b="0" i="0" u="none" strike="noStrike" cap="none">
+                <a:solidFill>
+                  <a:schemeClr val="accent1"/>
+                </a:solidFill>
+                <a:latin typeface="Lato"/>
+                <a:ea typeface="Lato"/>
+                <a:cs typeface="Lato"/>
+                <a:sym typeface="Lato"/>
+              </a:defRPr>
+            </a:lvl5pPr>
+            <a:lvl6pPr marL="2743200" marR="0" lvl="5" indent="-298450" algn="l" rtl="0">
+              <a:lnSpc>
+                <a:spcPct val="115000"/>
+              </a:lnSpc>
+              <a:spcBef>
+                <a:spcPts val="1600"/>
+              </a:spcBef>
+              <a:spcAft>
+                <a:spcPts val="0"/>
+              </a:spcAft>
+              <a:buClr>
+                <a:schemeClr val="accent1"/>
+              </a:buClr>
+              <a:buSzPts val="1100"/>
+              <a:buFont typeface="Lato"/>
+              <a:buChar char="■"/>
+              <a:defRPr sz="1100" b="0" i="0" u="none" strike="noStrike" cap="none">
+                <a:solidFill>
+                  <a:schemeClr val="accent1"/>
+                </a:solidFill>
+                <a:latin typeface="Lato"/>
+                <a:ea typeface="Lato"/>
+                <a:cs typeface="Lato"/>
+                <a:sym typeface="Lato"/>
+              </a:defRPr>
+            </a:lvl6pPr>
+            <a:lvl7pPr marL="3200400" marR="0" lvl="6" indent="-298450" algn="l" rtl="0">
+              <a:lnSpc>
+                <a:spcPct val="115000"/>
+              </a:lnSpc>
+              <a:spcBef>
+                <a:spcPts val="1600"/>
+              </a:spcBef>
+              <a:spcAft>
+                <a:spcPts val="0"/>
+              </a:spcAft>
+              <a:buClr>
+                <a:schemeClr val="accent1"/>
+              </a:buClr>
+              <a:buSzPts val="1100"/>
+              <a:buFont typeface="Lato"/>
+              <a:buChar char="●"/>
+              <a:defRPr sz="1100" b="0" i="0" u="none" strike="noStrike" cap="none">
+                <a:solidFill>
+                  <a:schemeClr val="accent1"/>
+                </a:solidFill>
+                <a:latin typeface="Lato"/>
+                <a:ea typeface="Lato"/>
+                <a:cs typeface="Lato"/>
+                <a:sym typeface="Lato"/>
+              </a:defRPr>
+            </a:lvl7pPr>
+            <a:lvl8pPr marL="3657600" marR="0" lvl="7" indent="-298450" algn="l" rtl="0">
+              <a:lnSpc>
+                <a:spcPct val="115000"/>
+              </a:lnSpc>
+              <a:spcBef>
+                <a:spcPts val="1600"/>
+              </a:spcBef>
+              <a:spcAft>
+                <a:spcPts val="0"/>
+              </a:spcAft>
+              <a:buClr>
+                <a:schemeClr val="accent1"/>
+              </a:buClr>
+              <a:buSzPts val="1100"/>
+              <a:buFont typeface="Lato"/>
+              <a:buChar char="○"/>
+              <a:defRPr sz="1100" b="0" i="0" u="none" strike="noStrike" cap="none">
+                <a:solidFill>
+                  <a:schemeClr val="accent1"/>
+                </a:solidFill>
+                <a:latin typeface="Lato"/>
+                <a:ea typeface="Lato"/>
+                <a:cs typeface="Lato"/>
+                <a:sym typeface="Lato"/>
+              </a:defRPr>
+            </a:lvl8pPr>
+            <a:lvl9pPr marL="4114800" marR="0" lvl="8" indent="-298450" algn="l" rtl="0">
+              <a:lnSpc>
+                <a:spcPct val="115000"/>
+              </a:lnSpc>
+              <a:spcBef>
+                <a:spcPts val="1600"/>
+              </a:spcBef>
+              <a:spcAft>
+                <a:spcPts val="1600"/>
+              </a:spcAft>
+              <a:buClr>
+                <a:schemeClr val="accent1"/>
+              </a:buClr>
+              <a:buSzPts val="1100"/>
+              <a:buFont typeface="Lato"/>
+              <a:buChar char="■"/>
+              <a:defRPr sz="1100" b="0" i="0" u="none" strike="noStrike" cap="none">
+                <a:solidFill>
+                  <a:schemeClr val="accent1"/>
+                </a:solidFill>
+                <a:latin typeface="Lato"/>
+                <a:ea typeface="Lato"/>
+                <a:cs typeface="Lato"/>
+                <a:sym typeface="Lato"/>
+              </a:defRPr>
+            </a:lvl9pPr>
+          </a:lstStyle>
           <a:p>
-            <a:pPr marL="0" lvl="0" indent="0" algn="l" rtl="0">
-              <a:spcBef>
-                <a:spcPts val="0"/>
-              </a:spcBef>
-              <a:spcAft>
-                <a:spcPts val="0"/>
-              </a:spcAft>
+            <a:pPr marL="146050" indent="0">
               <a:buNone/>
             </a:pPr>
-            <a:r>
-              <a:rPr lang="en-GB" sz="4800">
-                <a:solidFill>
-                  <a:srgbClr val="000000"/>
-                </a:solidFill>
-              </a:rPr>
-              <a:t>Thank you.</a:t>
-            </a:r>
-            <a:endParaRPr/>
+            <a:endParaRPr lang="en-US" dirty="0"/>
+          </a:p>
+          <a:p>
+            <a:pPr marL="146050" indent="0">
+              <a:buNone/>
+            </a:pPr>
+            <a:endParaRPr lang="en-US" dirty="0"/>
           </a:p>
         </p:txBody>
       </p:sp>
     </p:spTree>
+    <p:custDataLst>
+      <p:tags r:id="rId1"/>
+    </p:custDataLst>
+    <p:extLst>
+      <p:ext uri="{BB962C8B-B14F-4D97-AF65-F5344CB8AC3E}">
+        <p14:creationId xmlns:p14="http://schemas.microsoft.com/office/powerpoint/2010/main" val="1416291944"/>
+      </p:ext>
+    </p:extLst>
+  </p:cSld>
+  <p:clrMapOvr>
+    <a:masterClrMapping/>
+  </p:clrMapOvr>
+</p:sld>
+</file>
+
+<file path=ppt/slides/slide23.xml><?xml version="1.0" encoding="utf-8"?>
+<p:sld xmlns:a="http://schemas.openxmlformats.org/drawingml/2006/main" xmlns:r="http://schemas.openxmlformats.org/officeDocument/2006/relationships" xmlns:p="http://schemas.openxmlformats.org/presentationml/2006/main">
+  <p:cSld>
+    <p:spTree>
+      <p:nvGrpSpPr>
+        <p:cNvPr id="1" name=""/>
+        <p:cNvGrpSpPr/>
+        <p:nvPr/>
+      </p:nvGrpSpPr>
+      <p:grpSpPr>
+        <a:xfrm>
+          <a:off x="0" y="0"/>
+          <a:ext cx="0" cy="0"/>
+          <a:chOff x="0" y="0"/>
+          <a:chExt cx="0" cy="0"/>
+        </a:xfrm>
+      </p:grpSpPr>
+      <p:sp>
+        <p:nvSpPr>
+          <p:cNvPr id="2" name="Text Placeholder 1">
+            <a:extLst>
+              <a:ext uri="{FF2B5EF4-FFF2-40B4-BE49-F238E27FC236}">
+                <a16:creationId xmlns:a16="http://schemas.microsoft.com/office/drawing/2014/main" id="{8B170740-DB3F-076A-A2D2-9555F51D2D32}"/>
+              </a:ext>
+            </a:extLst>
+          </p:cNvPr>
+          <p:cNvSpPr>
+            <a:spLocks noGrp="1"/>
+          </p:cNvSpPr>
+          <p:nvPr>
+            <p:ph type="body" idx="1"/>
+          </p:nvPr>
+        </p:nvSpPr>
+        <p:spPr>
+          <a:xfrm>
+            <a:off x="729450" y="726744"/>
+            <a:ext cx="7688700" cy="1034400"/>
+          </a:xfrm>
+        </p:spPr>
+        <p:txBody>
+          <a:bodyPr/>
+          <a:lstStyle/>
+          <a:p>
+            <a:pPr marL="146050" indent="0">
+              <a:buNone/>
+            </a:pPr>
+            <a:r>
+              <a:rPr kumimoji="0" lang="en-US" sz="2600" b="1" i="0" u="none" strike="noStrike" kern="0" cap="none" spc="0" normalizeH="0" baseline="0" noProof="0" dirty="0">
+                <a:ln>
+                  <a:noFill/>
+                </a:ln>
+                <a:solidFill>
+                  <a:srgbClr val="1A1A1A"/>
+                </a:solidFill>
+                <a:effectLst/>
+                <a:uLnTx/>
+                <a:uFillTx/>
+                <a:latin typeface="Raleway"/>
+                <a:sym typeface="Raleway"/>
+              </a:rPr>
+              <a:t>Objective 2</a:t>
+            </a:r>
+          </a:p>
+          <a:p>
+            <a:pPr marL="146050" indent="0">
+              <a:buNone/>
+            </a:pPr>
+            <a:r>
+              <a:rPr lang="en-US" sz="1400" b="1" dirty="0">
+                <a:solidFill>
+                  <a:schemeClr val="bg1">
+                    <a:lumMod val="65000"/>
+                  </a:schemeClr>
+                </a:solidFill>
+                <a:latin typeface="Raleway"/>
+                <a:sym typeface="Raleway"/>
+              </a:rPr>
+              <a:t>1. Higher Complexity Logistic Regression Model</a:t>
+            </a:r>
+          </a:p>
+          <a:p>
+            <a:pPr marL="146050" indent="0">
+              <a:buNone/>
+            </a:pPr>
+            <a:r>
+              <a:rPr lang="en-US" dirty="0">
+                <a:solidFill>
+                  <a:schemeClr val="bg1">
+                    <a:lumMod val="65000"/>
+                  </a:schemeClr>
+                </a:solidFill>
+              </a:rPr>
+              <a:t>    Model Building</a:t>
+            </a:r>
+          </a:p>
+        </p:txBody>
+      </p:sp>
+      <p:sp>
+        <p:nvSpPr>
+          <p:cNvPr id="5" name="Text Placeholder 2">
+            <a:extLst>
+              <a:ext uri="{FF2B5EF4-FFF2-40B4-BE49-F238E27FC236}">
+                <a16:creationId xmlns:a16="http://schemas.microsoft.com/office/drawing/2014/main" id="{80A4736F-1EF9-09F0-5145-9AB37B5FE409}"/>
+              </a:ext>
+            </a:extLst>
+          </p:cNvPr>
+          <p:cNvSpPr txBox="1">
+            <a:spLocks/>
+          </p:cNvSpPr>
+          <p:nvPr/>
+        </p:nvSpPr>
+        <p:spPr>
+          <a:xfrm>
+            <a:off x="344557" y="1761143"/>
+            <a:ext cx="8069993" cy="1111264"/>
+          </a:xfrm>
+          <a:prstGeom prst="rect">
+            <a:avLst/>
+          </a:prstGeom>
+          <a:noFill/>
+          <a:ln>
+            <a:solidFill>
+              <a:schemeClr val="accent1"/>
+            </a:solidFill>
+          </a:ln>
+        </p:spPr>
+        <p:txBody>
+          <a:bodyPr spcFirstLastPara="1" wrap="square" lIns="91425" tIns="91425" rIns="91425" bIns="91425" anchor="t" anchorCtr="0">
+            <a:noAutofit/>
+          </a:bodyPr>
+          <a:lstStyle>
+            <a:defPPr marR="0" lvl="0" algn="l" rtl="0">
+              <a:lnSpc>
+                <a:spcPct val="100000"/>
+              </a:lnSpc>
+              <a:spcBef>
+                <a:spcPts val="0"/>
+              </a:spcBef>
+              <a:spcAft>
+                <a:spcPts val="0"/>
+              </a:spcAft>
+            </a:defPPr>
+            <a:lvl1pPr marL="457200" marR="0" lvl="0" indent="-311150" algn="l" rtl="0">
+              <a:lnSpc>
+                <a:spcPct val="115000"/>
+              </a:lnSpc>
+              <a:spcBef>
+                <a:spcPts val="0"/>
+              </a:spcBef>
+              <a:spcAft>
+                <a:spcPts val="0"/>
+              </a:spcAft>
+              <a:buClr>
+                <a:schemeClr val="accent1"/>
+              </a:buClr>
+              <a:buSzPts val="1300"/>
+              <a:buFont typeface="Lato"/>
+              <a:buChar char="●"/>
+              <a:defRPr sz="1300" b="0" i="0" u="none" strike="noStrike" cap="none">
+                <a:solidFill>
+                  <a:schemeClr val="accent1"/>
+                </a:solidFill>
+                <a:latin typeface="Lato"/>
+                <a:ea typeface="Lato"/>
+                <a:cs typeface="Lato"/>
+                <a:sym typeface="Lato"/>
+              </a:defRPr>
+            </a:lvl1pPr>
+            <a:lvl2pPr marL="914400" marR="0" lvl="1" indent="-298450" algn="l" rtl="0">
+              <a:lnSpc>
+                <a:spcPct val="115000"/>
+              </a:lnSpc>
+              <a:spcBef>
+                <a:spcPts val="1600"/>
+              </a:spcBef>
+              <a:spcAft>
+                <a:spcPts val="0"/>
+              </a:spcAft>
+              <a:buClr>
+                <a:schemeClr val="accent1"/>
+              </a:buClr>
+              <a:buSzPts val="1100"/>
+              <a:buFont typeface="Lato"/>
+              <a:buChar char="○"/>
+              <a:defRPr sz="1100" b="0" i="0" u="none" strike="noStrike" cap="none">
+                <a:solidFill>
+                  <a:schemeClr val="accent1"/>
+                </a:solidFill>
+                <a:latin typeface="Lato"/>
+                <a:ea typeface="Lato"/>
+                <a:cs typeface="Lato"/>
+                <a:sym typeface="Lato"/>
+              </a:defRPr>
+            </a:lvl2pPr>
+            <a:lvl3pPr marL="1371600" marR="0" lvl="2" indent="-298450" algn="l" rtl="0">
+              <a:lnSpc>
+                <a:spcPct val="115000"/>
+              </a:lnSpc>
+              <a:spcBef>
+                <a:spcPts val="1600"/>
+              </a:spcBef>
+              <a:spcAft>
+                <a:spcPts val="0"/>
+              </a:spcAft>
+              <a:buClr>
+                <a:schemeClr val="accent1"/>
+              </a:buClr>
+              <a:buSzPts val="1100"/>
+              <a:buFont typeface="Lato"/>
+              <a:buChar char="■"/>
+              <a:defRPr sz="1100" b="0" i="0" u="none" strike="noStrike" cap="none">
+                <a:solidFill>
+                  <a:schemeClr val="accent1"/>
+                </a:solidFill>
+                <a:latin typeface="Lato"/>
+                <a:ea typeface="Lato"/>
+                <a:cs typeface="Lato"/>
+                <a:sym typeface="Lato"/>
+              </a:defRPr>
+            </a:lvl3pPr>
+            <a:lvl4pPr marL="1828800" marR="0" lvl="3" indent="-298450" algn="l" rtl="0">
+              <a:lnSpc>
+                <a:spcPct val="115000"/>
+              </a:lnSpc>
+              <a:spcBef>
+                <a:spcPts val="1600"/>
+              </a:spcBef>
+              <a:spcAft>
+                <a:spcPts val="0"/>
+              </a:spcAft>
+              <a:buClr>
+                <a:schemeClr val="accent1"/>
+              </a:buClr>
+              <a:buSzPts val="1100"/>
+              <a:buFont typeface="Lato"/>
+              <a:buChar char="●"/>
+              <a:defRPr sz="1100" b="0" i="0" u="none" strike="noStrike" cap="none">
+                <a:solidFill>
+                  <a:schemeClr val="accent1"/>
+                </a:solidFill>
+                <a:latin typeface="Lato"/>
+                <a:ea typeface="Lato"/>
+                <a:cs typeface="Lato"/>
+                <a:sym typeface="Lato"/>
+              </a:defRPr>
+            </a:lvl4pPr>
+            <a:lvl5pPr marL="2286000" marR="0" lvl="4" indent="-298450" algn="l" rtl="0">
+              <a:lnSpc>
+                <a:spcPct val="115000"/>
+              </a:lnSpc>
+              <a:spcBef>
+                <a:spcPts val="1600"/>
+              </a:spcBef>
+              <a:spcAft>
+                <a:spcPts val="0"/>
+              </a:spcAft>
+              <a:buClr>
+                <a:schemeClr val="accent1"/>
+              </a:buClr>
+              <a:buSzPts val="1100"/>
+              <a:buFont typeface="Lato"/>
+              <a:buChar char="○"/>
+              <a:defRPr sz="1100" b="0" i="0" u="none" strike="noStrike" cap="none">
+                <a:solidFill>
+                  <a:schemeClr val="accent1"/>
+                </a:solidFill>
+                <a:latin typeface="Lato"/>
+                <a:ea typeface="Lato"/>
+                <a:cs typeface="Lato"/>
+                <a:sym typeface="Lato"/>
+              </a:defRPr>
+            </a:lvl5pPr>
+            <a:lvl6pPr marL="2743200" marR="0" lvl="5" indent="-298450" algn="l" rtl="0">
+              <a:lnSpc>
+                <a:spcPct val="115000"/>
+              </a:lnSpc>
+              <a:spcBef>
+                <a:spcPts val="1600"/>
+              </a:spcBef>
+              <a:spcAft>
+                <a:spcPts val="0"/>
+              </a:spcAft>
+              <a:buClr>
+                <a:schemeClr val="accent1"/>
+              </a:buClr>
+              <a:buSzPts val="1100"/>
+              <a:buFont typeface="Lato"/>
+              <a:buChar char="■"/>
+              <a:defRPr sz="1100" b="0" i="0" u="none" strike="noStrike" cap="none">
+                <a:solidFill>
+                  <a:schemeClr val="accent1"/>
+                </a:solidFill>
+                <a:latin typeface="Lato"/>
+                <a:ea typeface="Lato"/>
+                <a:cs typeface="Lato"/>
+                <a:sym typeface="Lato"/>
+              </a:defRPr>
+            </a:lvl6pPr>
+            <a:lvl7pPr marL="3200400" marR="0" lvl="6" indent="-298450" algn="l" rtl="0">
+              <a:lnSpc>
+                <a:spcPct val="115000"/>
+              </a:lnSpc>
+              <a:spcBef>
+                <a:spcPts val="1600"/>
+              </a:spcBef>
+              <a:spcAft>
+                <a:spcPts val="0"/>
+              </a:spcAft>
+              <a:buClr>
+                <a:schemeClr val="accent1"/>
+              </a:buClr>
+              <a:buSzPts val="1100"/>
+              <a:buFont typeface="Lato"/>
+              <a:buChar char="●"/>
+              <a:defRPr sz="1100" b="0" i="0" u="none" strike="noStrike" cap="none">
+                <a:solidFill>
+                  <a:schemeClr val="accent1"/>
+                </a:solidFill>
+                <a:latin typeface="Lato"/>
+                <a:ea typeface="Lato"/>
+                <a:cs typeface="Lato"/>
+                <a:sym typeface="Lato"/>
+              </a:defRPr>
+            </a:lvl7pPr>
+            <a:lvl8pPr marL="3657600" marR="0" lvl="7" indent="-298450" algn="l" rtl="0">
+              <a:lnSpc>
+                <a:spcPct val="115000"/>
+              </a:lnSpc>
+              <a:spcBef>
+                <a:spcPts val="1600"/>
+              </a:spcBef>
+              <a:spcAft>
+                <a:spcPts val="0"/>
+              </a:spcAft>
+              <a:buClr>
+                <a:schemeClr val="accent1"/>
+              </a:buClr>
+              <a:buSzPts val="1100"/>
+              <a:buFont typeface="Lato"/>
+              <a:buChar char="○"/>
+              <a:defRPr sz="1100" b="0" i="0" u="none" strike="noStrike" cap="none">
+                <a:solidFill>
+                  <a:schemeClr val="accent1"/>
+                </a:solidFill>
+                <a:latin typeface="Lato"/>
+                <a:ea typeface="Lato"/>
+                <a:cs typeface="Lato"/>
+                <a:sym typeface="Lato"/>
+              </a:defRPr>
+            </a:lvl8pPr>
+            <a:lvl9pPr marL="4114800" marR="0" lvl="8" indent="-298450" algn="l" rtl="0">
+              <a:lnSpc>
+                <a:spcPct val="115000"/>
+              </a:lnSpc>
+              <a:spcBef>
+                <a:spcPts val="1600"/>
+              </a:spcBef>
+              <a:spcAft>
+                <a:spcPts val="1600"/>
+              </a:spcAft>
+              <a:buClr>
+                <a:schemeClr val="accent1"/>
+              </a:buClr>
+              <a:buSzPts val="1100"/>
+              <a:buFont typeface="Lato"/>
+              <a:buChar char="■"/>
+              <a:defRPr sz="1100" b="0" i="0" u="none" strike="noStrike" cap="none">
+                <a:solidFill>
+                  <a:schemeClr val="accent1"/>
+                </a:solidFill>
+                <a:latin typeface="Lato"/>
+                <a:ea typeface="Lato"/>
+                <a:cs typeface="Lato"/>
+                <a:sym typeface="Lato"/>
+              </a:defRPr>
+            </a:lvl9pPr>
+          </a:lstStyle>
+          <a:p>
+            <a:pPr marL="146050" indent="0">
+              <a:buNone/>
+            </a:pPr>
+            <a:r>
+              <a:rPr lang="en-US" b="1" dirty="0"/>
+              <a:t>Logistic Regression Formula</a:t>
+            </a:r>
+            <a:r>
+              <a:rPr lang="en-US" dirty="0"/>
+              <a:t>:</a:t>
+            </a:r>
+          </a:p>
+          <a:p>
+            <a:pPr marL="146050" indent="0">
+              <a:buNone/>
+            </a:pPr>
+            <a:r>
+              <a:rPr lang="en-US" dirty="0"/>
+              <a:t> factor(y) ~ </a:t>
+            </a:r>
+            <a:r>
+              <a:rPr lang="en-US" dirty="0" err="1"/>
+              <a:t>poutcome</a:t>
+            </a:r>
+            <a:r>
+              <a:rPr lang="en-US" dirty="0"/>
+              <a:t> + log(duration + 1) + </a:t>
+            </a:r>
+            <a:r>
+              <a:rPr lang="en-US" dirty="0" err="1"/>
+              <a:t>poutcome:log</a:t>
+            </a:r>
+            <a:r>
+              <a:rPr lang="en-US" dirty="0"/>
+              <a:t>(duration + 1) + month + </a:t>
+            </a:r>
+            <a:r>
+              <a:rPr lang="en-US" dirty="0" err="1"/>
+              <a:t>month:log</a:t>
+            </a:r>
+            <a:r>
+              <a:rPr lang="en-US" dirty="0"/>
+              <a:t>(duration + 1) + contact + housing + </a:t>
+            </a:r>
+            <a:r>
+              <a:rPr lang="en-US" dirty="0" err="1"/>
+              <a:t>housing:log</a:t>
+            </a:r>
+            <a:r>
+              <a:rPr lang="en-US" dirty="0"/>
+              <a:t>(duration + 1) + job + campaign + </a:t>
+            </a:r>
+            <a:r>
+              <a:rPr lang="en-US" dirty="0" err="1"/>
+              <a:t>campaign:log</a:t>
+            </a:r>
+            <a:r>
+              <a:rPr lang="en-US" dirty="0"/>
+              <a:t>(duration + 1) + loan + </a:t>
+            </a:r>
+            <a:r>
+              <a:rPr lang="en-US" dirty="0" err="1"/>
+              <a:t>loan:log</a:t>
+            </a:r>
+            <a:r>
+              <a:rPr lang="en-US" dirty="0"/>
+              <a:t>(duration + 1) + marital + </a:t>
+            </a:r>
+            <a:r>
+              <a:rPr lang="en-US" dirty="0" err="1"/>
+              <a:t>marital:log</a:t>
+            </a:r>
+            <a:r>
+              <a:rPr lang="en-US" dirty="0"/>
+              <a:t>(duration + 1) + education + day + balance + previous</a:t>
+            </a:r>
+          </a:p>
+          <a:p>
+            <a:pPr marL="146050" indent="0">
+              <a:buNone/>
+            </a:pPr>
+            <a:endParaRPr lang="en-US" dirty="0"/>
+          </a:p>
+        </p:txBody>
+      </p:sp>
+    </p:spTree>
+    <p:custDataLst>
+      <p:tags r:id="rId1"/>
+    </p:custDataLst>
+    <p:extLst>
+      <p:ext uri="{BB962C8B-B14F-4D97-AF65-F5344CB8AC3E}">
+        <p14:creationId xmlns:p14="http://schemas.microsoft.com/office/powerpoint/2010/main" val="888533275"/>
+      </p:ext>
+    </p:extLst>
+  </p:cSld>
+  <p:clrMapOvr>
+    <a:masterClrMapping/>
+  </p:clrMapOvr>
+</p:sld>
+</file>
+
+<file path=ppt/slides/slide24.xml><?xml version="1.0" encoding="utf-8"?>
+<p:sld xmlns:a="http://schemas.openxmlformats.org/drawingml/2006/main" xmlns:r="http://schemas.openxmlformats.org/officeDocument/2006/relationships" xmlns:p="http://schemas.openxmlformats.org/presentationml/2006/main">
+  <p:cSld>
+    <p:spTree>
+      <p:nvGrpSpPr>
+        <p:cNvPr id="1" name=""/>
+        <p:cNvGrpSpPr/>
+        <p:nvPr/>
+      </p:nvGrpSpPr>
+      <p:grpSpPr>
+        <a:xfrm>
+          <a:off x="0" y="0"/>
+          <a:ext cx="0" cy="0"/>
+          <a:chOff x="0" y="0"/>
+          <a:chExt cx="0" cy="0"/>
+        </a:xfrm>
+      </p:grpSpPr>
+      <p:sp>
+        <p:nvSpPr>
+          <p:cNvPr id="2" name="Text Placeholder 1">
+            <a:extLst>
+              <a:ext uri="{FF2B5EF4-FFF2-40B4-BE49-F238E27FC236}">
+                <a16:creationId xmlns:a16="http://schemas.microsoft.com/office/drawing/2014/main" id="{8B170740-DB3F-076A-A2D2-9555F51D2D32}"/>
+              </a:ext>
+            </a:extLst>
+          </p:cNvPr>
+          <p:cNvSpPr>
+            <a:spLocks noGrp="1"/>
+          </p:cNvSpPr>
+          <p:nvPr>
+            <p:ph type="body" idx="1"/>
+          </p:nvPr>
+        </p:nvSpPr>
+        <p:spPr>
+          <a:xfrm>
+            <a:off x="729450" y="726744"/>
+            <a:ext cx="7688700" cy="1034400"/>
+          </a:xfrm>
+        </p:spPr>
+        <p:txBody>
+          <a:bodyPr/>
+          <a:lstStyle/>
+          <a:p>
+            <a:pPr marL="146050" indent="0">
+              <a:buNone/>
+            </a:pPr>
+            <a:r>
+              <a:rPr kumimoji="0" lang="en-US" sz="2600" b="1" i="0" u="none" strike="noStrike" kern="0" cap="none" spc="0" normalizeH="0" baseline="0" noProof="0" dirty="0">
+                <a:ln>
+                  <a:noFill/>
+                </a:ln>
+                <a:solidFill>
+                  <a:srgbClr val="1A1A1A"/>
+                </a:solidFill>
+                <a:effectLst/>
+                <a:uLnTx/>
+                <a:uFillTx/>
+                <a:latin typeface="Raleway"/>
+                <a:sym typeface="Raleway"/>
+              </a:rPr>
+              <a:t>Objective 2</a:t>
+            </a:r>
+          </a:p>
+          <a:p>
+            <a:pPr marL="146050" indent="0">
+              <a:buNone/>
+            </a:pPr>
+            <a:r>
+              <a:rPr lang="en-US" sz="1400" b="1" dirty="0">
+                <a:solidFill>
+                  <a:schemeClr val="bg1">
+                    <a:lumMod val="65000"/>
+                  </a:schemeClr>
+                </a:solidFill>
+                <a:latin typeface="Raleway"/>
+                <a:sym typeface="Raleway"/>
+              </a:rPr>
+              <a:t>1. Higher Complexity Logistic Regression Model</a:t>
+            </a:r>
+          </a:p>
+          <a:p>
+            <a:pPr marL="146050" indent="0">
+              <a:buNone/>
+            </a:pPr>
+            <a:r>
+              <a:rPr lang="en-US" dirty="0">
+                <a:solidFill>
+                  <a:schemeClr val="bg1">
+                    <a:lumMod val="65000"/>
+                  </a:schemeClr>
+                </a:solidFill>
+              </a:rPr>
+              <a:t>    Model Performance</a:t>
+            </a:r>
+          </a:p>
+        </p:txBody>
+      </p:sp>
+      <p:graphicFrame>
+        <p:nvGraphicFramePr>
+          <p:cNvPr id="3" name="Table 3">
+            <a:extLst>
+              <a:ext uri="{FF2B5EF4-FFF2-40B4-BE49-F238E27FC236}">
+                <a16:creationId xmlns:a16="http://schemas.microsoft.com/office/drawing/2014/main" id="{CA4AB027-E888-2C3E-8C1E-4D6BB2527F50}"/>
+              </a:ext>
+            </a:extLst>
+          </p:cNvPr>
+          <p:cNvGraphicFramePr>
+            <a:graphicFrameLocks noGrp="1"/>
+          </p:cNvGraphicFramePr>
+          <p:nvPr>
+            <p:extLst>
+              <p:ext uri="{D42A27DB-BD31-4B8C-83A1-F6EECF244321}">
+                <p14:modId xmlns:p14="http://schemas.microsoft.com/office/powerpoint/2010/main" val="157162833"/>
+              </p:ext>
+            </p:extLst>
+          </p:nvPr>
+        </p:nvGraphicFramePr>
+        <p:xfrm>
+          <a:off x="725850" y="1761144"/>
+          <a:ext cx="4064000" cy="2966720"/>
+        </p:xfrm>
+        <a:graphic>
+          <a:graphicData uri="http://schemas.openxmlformats.org/drawingml/2006/table">
+            <a:tbl>
+              <a:tblPr firstRow="1" bandRow="1">
+                <a:tableStyleId>{5C22544A-7EE6-4342-B048-85BDC9FD1C3A}</a:tableStyleId>
+              </a:tblPr>
+              <a:tblGrid>
+                <a:gridCol w="2032000">
+                  <a:extLst>
+                    <a:ext uri="{9D8B030D-6E8A-4147-A177-3AD203B41FA5}">
+                      <a16:colId xmlns:a16="http://schemas.microsoft.com/office/drawing/2014/main" val="2004211147"/>
+                    </a:ext>
+                  </a:extLst>
+                </a:gridCol>
+                <a:gridCol w="2032000">
+                  <a:extLst>
+                    <a:ext uri="{9D8B030D-6E8A-4147-A177-3AD203B41FA5}">
+                      <a16:colId xmlns:a16="http://schemas.microsoft.com/office/drawing/2014/main" val="2024557235"/>
+                    </a:ext>
+                  </a:extLst>
+                </a:gridCol>
+              </a:tblGrid>
+              <a:tr h="370840">
+                <a:tc>
+                  <a:txBody>
+                    <a:bodyPr/>
+                    <a:lstStyle/>
+                    <a:p>
+                      <a:r>
+                        <a:rPr lang="en-US" dirty="0"/>
+                        <a:t>Metric</a:t>
+                      </a:r>
+                    </a:p>
+                  </a:txBody>
+                  <a:tcPr/>
+                </a:tc>
+                <a:tc>
+                  <a:txBody>
+                    <a:bodyPr/>
+                    <a:lstStyle/>
+                    <a:p>
+                      <a:r>
+                        <a:rPr lang="en-US" dirty="0"/>
+                        <a:t>Score</a:t>
+                      </a:r>
+                    </a:p>
+                  </a:txBody>
+                  <a:tcPr/>
+                </a:tc>
+                <a:extLst>
+                  <a:ext uri="{0D108BD9-81ED-4DB2-BD59-A6C34878D82A}">
+                    <a16:rowId xmlns:a16="http://schemas.microsoft.com/office/drawing/2014/main" val="606250503"/>
+                  </a:ext>
+                </a:extLst>
+              </a:tr>
+              <a:tr h="370840">
+                <a:tc>
+                  <a:txBody>
+                    <a:bodyPr/>
+                    <a:lstStyle/>
+                    <a:p>
+                      <a:r>
+                        <a:rPr lang="en-US" dirty="0"/>
+                        <a:t>AIC</a:t>
+                      </a:r>
+                    </a:p>
+                  </a:txBody>
+                  <a:tcPr/>
+                </a:tc>
+                <a:tc>
+                  <a:txBody>
+                    <a:bodyPr/>
+                    <a:lstStyle/>
+                    <a:p>
+                      <a:endParaRPr lang="en-US" dirty="0"/>
+                    </a:p>
+                  </a:txBody>
+                  <a:tcPr/>
+                </a:tc>
+                <a:extLst>
+                  <a:ext uri="{0D108BD9-81ED-4DB2-BD59-A6C34878D82A}">
+                    <a16:rowId xmlns:a16="http://schemas.microsoft.com/office/drawing/2014/main" val="3146497599"/>
+                  </a:ext>
+                </a:extLst>
+              </a:tr>
+              <a:tr h="370840">
+                <a:tc>
+                  <a:txBody>
+                    <a:bodyPr/>
+                    <a:lstStyle/>
+                    <a:p>
+                      <a:r>
+                        <a:rPr lang="en-US" dirty="0"/>
+                        <a:t>Accuracy</a:t>
+                      </a:r>
+                    </a:p>
+                  </a:txBody>
+                  <a:tcPr/>
+                </a:tc>
+                <a:tc>
+                  <a:txBody>
+                    <a:bodyPr/>
+                    <a:lstStyle/>
+                    <a:p>
+                      <a:r>
+                        <a:rPr lang="en-US" dirty="0"/>
+                        <a:t>82%</a:t>
+                      </a:r>
+                    </a:p>
+                  </a:txBody>
+                  <a:tcPr/>
+                </a:tc>
+                <a:extLst>
+                  <a:ext uri="{0D108BD9-81ED-4DB2-BD59-A6C34878D82A}">
+                    <a16:rowId xmlns:a16="http://schemas.microsoft.com/office/drawing/2014/main" val="1616612204"/>
+                  </a:ext>
+                </a:extLst>
+              </a:tr>
+              <a:tr h="370840">
+                <a:tc>
+                  <a:txBody>
+                    <a:bodyPr/>
+                    <a:lstStyle/>
+                    <a:p>
+                      <a:r>
+                        <a:rPr lang="en-US" dirty="0"/>
+                        <a:t>Sensitivity</a:t>
+                      </a:r>
+                    </a:p>
+                  </a:txBody>
+                  <a:tcPr/>
+                </a:tc>
+                <a:tc>
+                  <a:txBody>
+                    <a:bodyPr/>
+                    <a:lstStyle/>
+                    <a:p>
+                      <a:r>
+                        <a:rPr lang="en-US" dirty="0"/>
+                        <a:t>81%</a:t>
+                      </a:r>
+                    </a:p>
+                  </a:txBody>
+                  <a:tcPr/>
+                </a:tc>
+                <a:extLst>
+                  <a:ext uri="{0D108BD9-81ED-4DB2-BD59-A6C34878D82A}">
+                    <a16:rowId xmlns:a16="http://schemas.microsoft.com/office/drawing/2014/main" val="2652376005"/>
+                  </a:ext>
+                </a:extLst>
+              </a:tr>
+              <a:tr h="370840">
+                <a:tc>
+                  <a:txBody>
+                    <a:bodyPr/>
+                    <a:lstStyle/>
+                    <a:p>
+                      <a:r>
+                        <a:rPr lang="en-US" dirty="0"/>
+                        <a:t>Specificity</a:t>
+                      </a:r>
+                    </a:p>
+                  </a:txBody>
+                  <a:tcPr/>
+                </a:tc>
+                <a:tc>
+                  <a:txBody>
+                    <a:bodyPr/>
+                    <a:lstStyle/>
+                    <a:p>
+                      <a:r>
+                        <a:rPr lang="en-US" dirty="0"/>
+                        <a:t>87%</a:t>
+                      </a:r>
+                    </a:p>
+                  </a:txBody>
+                  <a:tcPr/>
+                </a:tc>
+                <a:extLst>
+                  <a:ext uri="{0D108BD9-81ED-4DB2-BD59-A6C34878D82A}">
+                    <a16:rowId xmlns:a16="http://schemas.microsoft.com/office/drawing/2014/main" val="3781162483"/>
+                  </a:ext>
+                </a:extLst>
+              </a:tr>
+              <a:tr h="370840">
+                <a:tc>
+                  <a:txBody>
+                    <a:bodyPr/>
+                    <a:lstStyle/>
+                    <a:p>
+                      <a:r>
+                        <a:rPr lang="en-US" dirty="0"/>
+                        <a:t>PPV</a:t>
+                      </a:r>
+                    </a:p>
+                  </a:txBody>
+                  <a:tcPr/>
+                </a:tc>
+                <a:tc>
+                  <a:txBody>
+                    <a:bodyPr/>
+                    <a:lstStyle/>
+                    <a:p>
+                      <a:r>
+                        <a:rPr lang="en-US" dirty="0"/>
+                        <a:t>98%</a:t>
+                      </a:r>
+                    </a:p>
+                  </a:txBody>
+                  <a:tcPr/>
+                </a:tc>
+                <a:extLst>
+                  <a:ext uri="{0D108BD9-81ED-4DB2-BD59-A6C34878D82A}">
+                    <a16:rowId xmlns:a16="http://schemas.microsoft.com/office/drawing/2014/main" val="3095442458"/>
+                  </a:ext>
+                </a:extLst>
+              </a:tr>
+              <a:tr h="370840">
+                <a:tc>
+                  <a:txBody>
+                    <a:bodyPr/>
+                    <a:lstStyle/>
+                    <a:p>
+                      <a:r>
+                        <a:rPr lang="en-US" dirty="0"/>
+                        <a:t>NPV</a:t>
+                      </a:r>
+                    </a:p>
+                  </a:txBody>
+                  <a:tcPr/>
+                </a:tc>
+                <a:tc>
+                  <a:txBody>
+                    <a:bodyPr/>
+                    <a:lstStyle/>
+                    <a:p>
+                      <a:r>
+                        <a:rPr lang="en-US" dirty="0"/>
+                        <a:t>38%</a:t>
+                      </a:r>
+                    </a:p>
+                  </a:txBody>
+                  <a:tcPr/>
+                </a:tc>
+                <a:extLst>
+                  <a:ext uri="{0D108BD9-81ED-4DB2-BD59-A6C34878D82A}">
+                    <a16:rowId xmlns:a16="http://schemas.microsoft.com/office/drawing/2014/main" val="2715389844"/>
+                  </a:ext>
+                </a:extLst>
+              </a:tr>
+              <a:tr h="370840">
+                <a:tc>
+                  <a:txBody>
+                    <a:bodyPr/>
+                    <a:lstStyle/>
+                    <a:p>
+                      <a:r>
+                        <a:rPr lang="en-US" dirty="0"/>
+                        <a:t>AUROC</a:t>
+                      </a:r>
+                    </a:p>
+                  </a:txBody>
+                  <a:tcPr/>
+                </a:tc>
+                <a:tc>
+                  <a:txBody>
+                    <a:bodyPr/>
+                    <a:lstStyle/>
+                    <a:p>
+                      <a:endParaRPr lang="en-US" dirty="0"/>
+                    </a:p>
+                  </a:txBody>
+                  <a:tcPr/>
+                </a:tc>
+                <a:extLst>
+                  <a:ext uri="{0D108BD9-81ED-4DB2-BD59-A6C34878D82A}">
+                    <a16:rowId xmlns:a16="http://schemas.microsoft.com/office/drawing/2014/main" val="3759069719"/>
+                  </a:ext>
+                </a:extLst>
+              </a:tr>
+            </a:tbl>
+          </a:graphicData>
+        </a:graphic>
+      </p:graphicFrame>
+      <p:pic>
+        <p:nvPicPr>
+          <p:cNvPr id="5" name="Picture 4">
+            <a:extLst>
+              <a:ext uri="{FF2B5EF4-FFF2-40B4-BE49-F238E27FC236}">
+                <a16:creationId xmlns:a16="http://schemas.microsoft.com/office/drawing/2014/main" id="{94917740-2CE1-C737-5A58-88E54369727B}"/>
+              </a:ext>
+            </a:extLst>
+          </p:cNvPr>
+          <p:cNvPicPr>
+            <a:picLocks noChangeAspect="1"/>
+          </p:cNvPicPr>
+          <p:nvPr/>
+        </p:nvPicPr>
+        <p:blipFill>
+          <a:blip r:embed="rId4"/>
+          <a:stretch>
+            <a:fillRect/>
+          </a:stretch>
+        </p:blipFill>
+        <p:spPr>
+          <a:xfrm>
+            <a:off x="5042452" y="2065944"/>
+            <a:ext cx="3982278" cy="2457635"/>
+          </a:xfrm>
+          <a:prstGeom prst="rect">
+            <a:avLst/>
+          </a:prstGeom>
+        </p:spPr>
+      </p:pic>
+    </p:spTree>
+    <p:custDataLst>
+      <p:tags r:id="rId1"/>
+    </p:custDataLst>
+    <p:extLst>
+      <p:ext uri="{BB962C8B-B14F-4D97-AF65-F5344CB8AC3E}">
+        <p14:creationId xmlns:p14="http://schemas.microsoft.com/office/powerpoint/2010/main" val="2662757459"/>
+      </p:ext>
+    </p:extLst>
+  </p:cSld>
+  <p:clrMapOvr>
+    <a:masterClrMapping/>
+  </p:clrMapOvr>
+</p:sld>
+</file>
+
+<file path=ppt/slides/slide25.xml><?xml version="1.0" encoding="utf-8"?>
+<p:sld xmlns:a="http://schemas.openxmlformats.org/drawingml/2006/main" xmlns:r="http://schemas.openxmlformats.org/officeDocument/2006/relationships" xmlns:p="http://schemas.openxmlformats.org/presentationml/2006/main">
+  <p:cSld>
+    <p:spTree>
+      <p:nvGrpSpPr>
+        <p:cNvPr id="1" name=""/>
+        <p:cNvGrpSpPr/>
+        <p:nvPr/>
+      </p:nvGrpSpPr>
+      <p:grpSpPr>
+        <a:xfrm>
+          <a:off x="0" y="0"/>
+          <a:ext cx="0" cy="0"/>
+          <a:chOff x="0" y="0"/>
+          <a:chExt cx="0" cy="0"/>
+        </a:xfrm>
+      </p:grpSpPr>
+      <p:sp>
+        <p:nvSpPr>
+          <p:cNvPr id="2" name="Text Placeholder 1">
+            <a:extLst>
+              <a:ext uri="{FF2B5EF4-FFF2-40B4-BE49-F238E27FC236}">
+                <a16:creationId xmlns:a16="http://schemas.microsoft.com/office/drawing/2014/main" id="{8B170740-DB3F-076A-A2D2-9555F51D2D32}"/>
+              </a:ext>
+            </a:extLst>
+          </p:cNvPr>
+          <p:cNvSpPr>
+            <a:spLocks noGrp="1"/>
+          </p:cNvSpPr>
+          <p:nvPr>
+            <p:ph type="body" idx="1"/>
+          </p:nvPr>
+        </p:nvSpPr>
+        <p:spPr>
+          <a:xfrm>
+            <a:off x="729450" y="726744"/>
+            <a:ext cx="7688700" cy="1034400"/>
+          </a:xfrm>
+        </p:spPr>
+        <p:txBody>
+          <a:bodyPr/>
+          <a:lstStyle/>
+          <a:p>
+            <a:pPr marL="146050" indent="0">
+              <a:buNone/>
+            </a:pPr>
+            <a:r>
+              <a:rPr kumimoji="0" lang="en-US" sz="2600" b="1" i="0" u="none" strike="noStrike" kern="0" cap="none" spc="0" normalizeH="0" baseline="0" noProof="0" dirty="0">
+                <a:ln>
+                  <a:noFill/>
+                </a:ln>
+                <a:solidFill>
+                  <a:srgbClr val="1A1A1A"/>
+                </a:solidFill>
+                <a:effectLst/>
+                <a:uLnTx/>
+                <a:uFillTx/>
+                <a:latin typeface="Raleway"/>
+                <a:sym typeface="Raleway"/>
+              </a:rPr>
+              <a:t>Objective 2</a:t>
+            </a:r>
+          </a:p>
+          <a:p>
+            <a:pPr marL="146050" indent="0">
+              <a:buNone/>
+            </a:pPr>
+            <a:r>
+              <a:rPr lang="en-US" sz="1400" b="1" dirty="0">
+                <a:solidFill>
+                  <a:schemeClr val="bg1">
+                    <a:lumMod val="65000"/>
+                  </a:schemeClr>
+                </a:solidFill>
+                <a:latin typeface="Raleway"/>
+                <a:sym typeface="Raleway"/>
+              </a:rPr>
+              <a:t>2. LDA Model Performance</a:t>
+            </a:r>
+            <a:endParaRPr lang="en-US" dirty="0">
+              <a:solidFill>
+                <a:schemeClr val="bg1">
+                  <a:lumMod val="65000"/>
+                </a:schemeClr>
+              </a:solidFill>
+            </a:endParaRPr>
+          </a:p>
+        </p:txBody>
+      </p:sp>
+      <p:sp>
+        <p:nvSpPr>
+          <p:cNvPr id="5" name="Text Placeholder 2">
+            <a:extLst>
+              <a:ext uri="{FF2B5EF4-FFF2-40B4-BE49-F238E27FC236}">
+                <a16:creationId xmlns:a16="http://schemas.microsoft.com/office/drawing/2014/main" id="{80A4736F-1EF9-09F0-5145-9AB37B5FE409}"/>
+              </a:ext>
+            </a:extLst>
+          </p:cNvPr>
+          <p:cNvSpPr txBox="1">
+            <a:spLocks/>
+          </p:cNvSpPr>
+          <p:nvPr/>
+        </p:nvSpPr>
+        <p:spPr>
+          <a:xfrm>
+            <a:off x="725850" y="1761143"/>
+            <a:ext cx="7688700" cy="1111264"/>
+          </a:xfrm>
+          <a:prstGeom prst="rect">
+            <a:avLst/>
+          </a:prstGeom>
+          <a:noFill/>
+          <a:ln>
+            <a:noFill/>
+          </a:ln>
+        </p:spPr>
+        <p:txBody>
+          <a:bodyPr spcFirstLastPara="1" wrap="square" lIns="91425" tIns="91425" rIns="91425" bIns="91425" anchor="t" anchorCtr="0">
+            <a:noAutofit/>
+          </a:bodyPr>
+          <a:lstStyle>
+            <a:defPPr marR="0" lvl="0" algn="l" rtl="0">
+              <a:lnSpc>
+                <a:spcPct val="100000"/>
+              </a:lnSpc>
+              <a:spcBef>
+                <a:spcPts val="0"/>
+              </a:spcBef>
+              <a:spcAft>
+                <a:spcPts val="0"/>
+              </a:spcAft>
+            </a:defPPr>
+            <a:lvl1pPr marL="457200" marR="0" lvl="0" indent="-311150" algn="l" rtl="0">
+              <a:lnSpc>
+                <a:spcPct val="115000"/>
+              </a:lnSpc>
+              <a:spcBef>
+                <a:spcPts val="0"/>
+              </a:spcBef>
+              <a:spcAft>
+                <a:spcPts val="0"/>
+              </a:spcAft>
+              <a:buClr>
+                <a:schemeClr val="accent1"/>
+              </a:buClr>
+              <a:buSzPts val="1300"/>
+              <a:buFont typeface="Lato"/>
+              <a:buChar char="●"/>
+              <a:defRPr sz="1300" b="0" i="0" u="none" strike="noStrike" cap="none">
+                <a:solidFill>
+                  <a:schemeClr val="accent1"/>
+                </a:solidFill>
+                <a:latin typeface="Lato"/>
+                <a:ea typeface="Lato"/>
+                <a:cs typeface="Lato"/>
+                <a:sym typeface="Lato"/>
+              </a:defRPr>
+            </a:lvl1pPr>
+            <a:lvl2pPr marL="914400" marR="0" lvl="1" indent="-298450" algn="l" rtl="0">
+              <a:lnSpc>
+                <a:spcPct val="115000"/>
+              </a:lnSpc>
+              <a:spcBef>
+                <a:spcPts val="1600"/>
+              </a:spcBef>
+              <a:spcAft>
+                <a:spcPts val="0"/>
+              </a:spcAft>
+              <a:buClr>
+                <a:schemeClr val="accent1"/>
+              </a:buClr>
+              <a:buSzPts val="1100"/>
+              <a:buFont typeface="Lato"/>
+              <a:buChar char="○"/>
+              <a:defRPr sz="1100" b="0" i="0" u="none" strike="noStrike" cap="none">
+                <a:solidFill>
+                  <a:schemeClr val="accent1"/>
+                </a:solidFill>
+                <a:latin typeface="Lato"/>
+                <a:ea typeface="Lato"/>
+                <a:cs typeface="Lato"/>
+                <a:sym typeface="Lato"/>
+              </a:defRPr>
+            </a:lvl2pPr>
+            <a:lvl3pPr marL="1371600" marR="0" lvl="2" indent="-298450" algn="l" rtl="0">
+              <a:lnSpc>
+                <a:spcPct val="115000"/>
+              </a:lnSpc>
+              <a:spcBef>
+                <a:spcPts val="1600"/>
+              </a:spcBef>
+              <a:spcAft>
+                <a:spcPts val="0"/>
+              </a:spcAft>
+              <a:buClr>
+                <a:schemeClr val="accent1"/>
+              </a:buClr>
+              <a:buSzPts val="1100"/>
+              <a:buFont typeface="Lato"/>
+              <a:buChar char="■"/>
+              <a:defRPr sz="1100" b="0" i="0" u="none" strike="noStrike" cap="none">
+                <a:solidFill>
+                  <a:schemeClr val="accent1"/>
+                </a:solidFill>
+                <a:latin typeface="Lato"/>
+                <a:ea typeface="Lato"/>
+                <a:cs typeface="Lato"/>
+                <a:sym typeface="Lato"/>
+              </a:defRPr>
+            </a:lvl3pPr>
+            <a:lvl4pPr marL="1828800" marR="0" lvl="3" indent="-298450" algn="l" rtl="0">
+              <a:lnSpc>
+                <a:spcPct val="115000"/>
+              </a:lnSpc>
+              <a:spcBef>
+                <a:spcPts val="1600"/>
+              </a:spcBef>
+              <a:spcAft>
+                <a:spcPts val="0"/>
+              </a:spcAft>
+              <a:buClr>
+                <a:schemeClr val="accent1"/>
+              </a:buClr>
+              <a:buSzPts val="1100"/>
+              <a:buFont typeface="Lato"/>
+              <a:buChar char="●"/>
+              <a:defRPr sz="1100" b="0" i="0" u="none" strike="noStrike" cap="none">
+                <a:solidFill>
+                  <a:schemeClr val="accent1"/>
+                </a:solidFill>
+                <a:latin typeface="Lato"/>
+                <a:ea typeface="Lato"/>
+                <a:cs typeface="Lato"/>
+                <a:sym typeface="Lato"/>
+              </a:defRPr>
+            </a:lvl4pPr>
+            <a:lvl5pPr marL="2286000" marR="0" lvl="4" indent="-298450" algn="l" rtl="0">
+              <a:lnSpc>
+                <a:spcPct val="115000"/>
+              </a:lnSpc>
+              <a:spcBef>
+                <a:spcPts val="1600"/>
+              </a:spcBef>
+              <a:spcAft>
+                <a:spcPts val="0"/>
+              </a:spcAft>
+              <a:buClr>
+                <a:schemeClr val="accent1"/>
+              </a:buClr>
+              <a:buSzPts val="1100"/>
+              <a:buFont typeface="Lato"/>
+              <a:buChar char="○"/>
+              <a:defRPr sz="1100" b="0" i="0" u="none" strike="noStrike" cap="none">
+                <a:solidFill>
+                  <a:schemeClr val="accent1"/>
+                </a:solidFill>
+                <a:latin typeface="Lato"/>
+                <a:ea typeface="Lato"/>
+                <a:cs typeface="Lato"/>
+                <a:sym typeface="Lato"/>
+              </a:defRPr>
+            </a:lvl5pPr>
+            <a:lvl6pPr marL="2743200" marR="0" lvl="5" indent="-298450" algn="l" rtl="0">
+              <a:lnSpc>
+                <a:spcPct val="115000"/>
+              </a:lnSpc>
+              <a:spcBef>
+                <a:spcPts val="1600"/>
+              </a:spcBef>
+              <a:spcAft>
+                <a:spcPts val="0"/>
+              </a:spcAft>
+              <a:buClr>
+                <a:schemeClr val="accent1"/>
+              </a:buClr>
+              <a:buSzPts val="1100"/>
+              <a:buFont typeface="Lato"/>
+              <a:buChar char="■"/>
+              <a:defRPr sz="1100" b="0" i="0" u="none" strike="noStrike" cap="none">
+                <a:solidFill>
+                  <a:schemeClr val="accent1"/>
+                </a:solidFill>
+                <a:latin typeface="Lato"/>
+                <a:ea typeface="Lato"/>
+                <a:cs typeface="Lato"/>
+                <a:sym typeface="Lato"/>
+              </a:defRPr>
+            </a:lvl6pPr>
+            <a:lvl7pPr marL="3200400" marR="0" lvl="6" indent="-298450" algn="l" rtl="0">
+              <a:lnSpc>
+                <a:spcPct val="115000"/>
+              </a:lnSpc>
+              <a:spcBef>
+                <a:spcPts val="1600"/>
+              </a:spcBef>
+              <a:spcAft>
+                <a:spcPts val="0"/>
+              </a:spcAft>
+              <a:buClr>
+                <a:schemeClr val="accent1"/>
+              </a:buClr>
+              <a:buSzPts val="1100"/>
+              <a:buFont typeface="Lato"/>
+              <a:buChar char="●"/>
+              <a:defRPr sz="1100" b="0" i="0" u="none" strike="noStrike" cap="none">
+                <a:solidFill>
+                  <a:schemeClr val="accent1"/>
+                </a:solidFill>
+                <a:latin typeface="Lato"/>
+                <a:ea typeface="Lato"/>
+                <a:cs typeface="Lato"/>
+                <a:sym typeface="Lato"/>
+              </a:defRPr>
+            </a:lvl7pPr>
+            <a:lvl8pPr marL="3657600" marR="0" lvl="7" indent="-298450" algn="l" rtl="0">
+              <a:lnSpc>
+                <a:spcPct val="115000"/>
+              </a:lnSpc>
+              <a:spcBef>
+                <a:spcPts val="1600"/>
+              </a:spcBef>
+              <a:spcAft>
+                <a:spcPts val="0"/>
+              </a:spcAft>
+              <a:buClr>
+                <a:schemeClr val="accent1"/>
+              </a:buClr>
+              <a:buSzPts val="1100"/>
+              <a:buFont typeface="Lato"/>
+              <a:buChar char="○"/>
+              <a:defRPr sz="1100" b="0" i="0" u="none" strike="noStrike" cap="none">
+                <a:solidFill>
+                  <a:schemeClr val="accent1"/>
+                </a:solidFill>
+                <a:latin typeface="Lato"/>
+                <a:ea typeface="Lato"/>
+                <a:cs typeface="Lato"/>
+                <a:sym typeface="Lato"/>
+              </a:defRPr>
+            </a:lvl8pPr>
+            <a:lvl9pPr marL="4114800" marR="0" lvl="8" indent="-298450" algn="l" rtl="0">
+              <a:lnSpc>
+                <a:spcPct val="115000"/>
+              </a:lnSpc>
+              <a:spcBef>
+                <a:spcPts val="1600"/>
+              </a:spcBef>
+              <a:spcAft>
+                <a:spcPts val="1600"/>
+              </a:spcAft>
+              <a:buClr>
+                <a:schemeClr val="accent1"/>
+              </a:buClr>
+              <a:buSzPts val="1100"/>
+              <a:buFont typeface="Lato"/>
+              <a:buChar char="■"/>
+              <a:defRPr sz="1100" b="0" i="0" u="none" strike="noStrike" cap="none">
+                <a:solidFill>
+                  <a:schemeClr val="accent1"/>
+                </a:solidFill>
+                <a:latin typeface="Lato"/>
+                <a:ea typeface="Lato"/>
+                <a:cs typeface="Lato"/>
+                <a:sym typeface="Lato"/>
+              </a:defRPr>
+            </a:lvl9pPr>
+          </a:lstStyle>
+          <a:p>
+            <a:pPr marL="146050" indent="0">
+              <a:buNone/>
+            </a:pPr>
+            <a:endParaRPr lang="en-US" dirty="0"/>
+          </a:p>
+          <a:p>
+            <a:pPr marL="146050" indent="0">
+              <a:buNone/>
+            </a:pPr>
+            <a:endParaRPr lang="en-US" dirty="0"/>
+          </a:p>
+        </p:txBody>
+      </p:sp>
+    </p:spTree>
+    <p:custDataLst>
+      <p:tags r:id="rId1"/>
+    </p:custDataLst>
+    <p:extLst>
+      <p:ext uri="{BB962C8B-B14F-4D97-AF65-F5344CB8AC3E}">
+        <p14:creationId xmlns:p14="http://schemas.microsoft.com/office/powerpoint/2010/main" val="2932630224"/>
+      </p:ext>
+    </p:extLst>
+  </p:cSld>
+  <p:clrMapOvr>
+    <a:masterClrMapping/>
+  </p:clrMapOvr>
+</p:sld>
+</file>
+
+<file path=ppt/slides/slide26.xml><?xml version="1.0" encoding="utf-8"?>
+<p:sld xmlns:a="http://schemas.openxmlformats.org/drawingml/2006/main" xmlns:r="http://schemas.openxmlformats.org/officeDocument/2006/relationships" xmlns:p="http://schemas.openxmlformats.org/presentationml/2006/main">
+  <p:cSld>
+    <p:spTree>
+      <p:nvGrpSpPr>
+        <p:cNvPr id="1" name=""/>
+        <p:cNvGrpSpPr/>
+        <p:nvPr/>
+      </p:nvGrpSpPr>
+      <p:grpSpPr>
+        <a:xfrm>
+          <a:off x="0" y="0"/>
+          <a:ext cx="0" cy="0"/>
+          <a:chOff x="0" y="0"/>
+          <a:chExt cx="0" cy="0"/>
+        </a:xfrm>
+      </p:grpSpPr>
+      <p:sp>
+        <p:nvSpPr>
+          <p:cNvPr id="2" name="Text Placeholder 1">
+            <a:extLst>
+              <a:ext uri="{FF2B5EF4-FFF2-40B4-BE49-F238E27FC236}">
+                <a16:creationId xmlns:a16="http://schemas.microsoft.com/office/drawing/2014/main" id="{8B170740-DB3F-076A-A2D2-9555F51D2D32}"/>
+              </a:ext>
+            </a:extLst>
+          </p:cNvPr>
+          <p:cNvSpPr>
+            <a:spLocks noGrp="1"/>
+          </p:cNvSpPr>
+          <p:nvPr>
+            <p:ph type="body" idx="1"/>
+          </p:nvPr>
+        </p:nvSpPr>
+        <p:spPr>
+          <a:xfrm>
+            <a:off x="729450" y="726744"/>
+            <a:ext cx="7688700" cy="1034400"/>
+          </a:xfrm>
+        </p:spPr>
+        <p:txBody>
+          <a:bodyPr/>
+          <a:lstStyle/>
+          <a:p>
+            <a:pPr marL="146050" indent="0">
+              <a:buNone/>
+            </a:pPr>
+            <a:r>
+              <a:rPr kumimoji="0" lang="en-US" sz="2600" b="1" i="0" u="none" strike="noStrike" kern="0" cap="none" spc="0" normalizeH="0" baseline="0" noProof="0" dirty="0">
+                <a:ln>
+                  <a:noFill/>
+                </a:ln>
+                <a:solidFill>
+                  <a:srgbClr val="1A1A1A"/>
+                </a:solidFill>
+                <a:effectLst/>
+                <a:uLnTx/>
+                <a:uFillTx/>
+                <a:latin typeface="Raleway"/>
+                <a:sym typeface="Raleway"/>
+              </a:rPr>
+              <a:t>Objective 2</a:t>
+            </a:r>
+          </a:p>
+          <a:p>
+            <a:pPr marL="146050" indent="0">
+              <a:buNone/>
+            </a:pPr>
+            <a:r>
+              <a:rPr lang="en-US" sz="1400" b="1" dirty="0">
+                <a:solidFill>
+                  <a:schemeClr val="bg1">
+                    <a:lumMod val="65000"/>
+                  </a:schemeClr>
+                </a:solidFill>
+                <a:latin typeface="Raleway"/>
+                <a:sym typeface="Raleway"/>
+              </a:rPr>
+              <a:t>2. LDA</a:t>
+            </a:r>
+          </a:p>
+          <a:p>
+            <a:pPr marL="146050" indent="0">
+              <a:buNone/>
+            </a:pPr>
+            <a:r>
+              <a:rPr lang="en-US" dirty="0">
+                <a:solidFill>
+                  <a:schemeClr val="bg1">
+                    <a:lumMod val="65000"/>
+                  </a:schemeClr>
+                </a:solidFill>
+              </a:rPr>
+              <a:t>    Model Performance</a:t>
+            </a:r>
+          </a:p>
+        </p:txBody>
+      </p:sp>
+      <p:graphicFrame>
+        <p:nvGraphicFramePr>
+          <p:cNvPr id="3" name="Table 3">
+            <a:extLst>
+              <a:ext uri="{FF2B5EF4-FFF2-40B4-BE49-F238E27FC236}">
+                <a16:creationId xmlns:a16="http://schemas.microsoft.com/office/drawing/2014/main" id="{CA4AB027-E888-2C3E-8C1E-4D6BB2527F50}"/>
+              </a:ext>
+            </a:extLst>
+          </p:cNvPr>
+          <p:cNvGraphicFramePr>
+            <a:graphicFrameLocks noGrp="1"/>
+          </p:cNvGraphicFramePr>
+          <p:nvPr>
+            <p:extLst>
+              <p:ext uri="{D42A27DB-BD31-4B8C-83A1-F6EECF244321}">
+                <p14:modId xmlns:p14="http://schemas.microsoft.com/office/powerpoint/2010/main" val="802744540"/>
+              </p:ext>
+            </p:extLst>
+          </p:nvPr>
+        </p:nvGraphicFramePr>
+        <p:xfrm>
+          <a:off x="290152" y="1761144"/>
+          <a:ext cx="4064000" cy="2966720"/>
+        </p:xfrm>
+        <a:graphic>
+          <a:graphicData uri="http://schemas.openxmlformats.org/drawingml/2006/table">
+            <a:tbl>
+              <a:tblPr firstRow="1" bandRow="1">
+                <a:tableStyleId>{5C22544A-7EE6-4342-B048-85BDC9FD1C3A}</a:tableStyleId>
+              </a:tblPr>
+              <a:tblGrid>
+                <a:gridCol w="2032000">
+                  <a:extLst>
+                    <a:ext uri="{9D8B030D-6E8A-4147-A177-3AD203B41FA5}">
+                      <a16:colId xmlns:a16="http://schemas.microsoft.com/office/drawing/2014/main" val="2004211147"/>
+                    </a:ext>
+                  </a:extLst>
+                </a:gridCol>
+                <a:gridCol w="2032000">
+                  <a:extLst>
+                    <a:ext uri="{9D8B030D-6E8A-4147-A177-3AD203B41FA5}">
+                      <a16:colId xmlns:a16="http://schemas.microsoft.com/office/drawing/2014/main" val="2024557235"/>
+                    </a:ext>
+                  </a:extLst>
+                </a:gridCol>
+              </a:tblGrid>
+              <a:tr h="370840">
+                <a:tc>
+                  <a:txBody>
+                    <a:bodyPr/>
+                    <a:lstStyle/>
+                    <a:p>
+                      <a:r>
+                        <a:rPr lang="en-US" dirty="0"/>
+                        <a:t>Metric</a:t>
+                      </a:r>
+                    </a:p>
+                  </a:txBody>
+                  <a:tcPr/>
+                </a:tc>
+                <a:tc>
+                  <a:txBody>
+                    <a:bodyPr/>
+                    <a:lstStyle/>
+                    <a:p>
+                      <a:r>
+                        <a:rPr lang="en-US" dirty="0"/>
+                        <a:t>Score</a:t>
+                      </a:r>
+                    </a:p>
+                  </a:txBody>
+                  <a:tcPr/>
+                </a:tc>
+                <a:extLst>
+                  <a:ext uri="{0D108BD9-81ED-4DB2-BD59-A6C34878D82A}">
+                    <a16:rowId xmlns:a16="http://schemas.microsoft.com/office/drawing/2014/main" val="606250503"/>
+                  </a:ext>
+                </a:extLst>
+              </a:tr>
+              <a:tr h="370840">
+                <a:tc>
+                  <a:txBody>
+                    <a:bodyPr/>
+                    <a:lstStyle/>
+                    <a:p>
+                      <a:r>
+                        <a:rPr lang="en-US" dirty="0"/>
+                        <a:t>AIC</a:t>
+                      </a:r>
+                    </a:p>
+                  </a:txBody>
+                  <a:tcPr/>
+                </a:tc>
+                <a:tc>
+                  <a:txBody>
+                    <a:bodyPr/>
+                    <a:lstStyle/>
+                    <a:p>
+                      <a:endParaRPr lang="en-US" dirty="0"/>
+                    </a:p>
+                  </a:txBody>
+                  <a:tcPr/>
+                </a:tc>
+                <a:extLst>
+                  <a:ext uri="{0D108BD9-81ED-4DB2-BD59-A6C34878D82A}">
+                    <a16:rowId xmlns:a16="http://schemas.microsoft.com/office/drawing/2014/main" val="3146497599"/>
+                  </a:ext>
+                </a:extLst>
+              </a:tr>
+              <a:tr h="370840">
+                <a:tc>
+                  <a:txBody>
+                    <a:bodyPr/>
+                    <a:lstStyle/>
+                    <a:p>
+                      <a:r>
+                        <a:rPr lang="en-US" dirty="0"/>
+                        <a:t>Accuracy</a:t>
+                      </a:r>
+                    </a:p>
+                  </a:txBody>
+                  <a:tcPr/>
+                </a:tc>
+                <a:tc>
+                  <a:txBody>
+                    <a:bodyPr/>
+                    <a:lstStyle/>
+                    <a:p>
+                      <a:r>
+                        <a:rPr lang="en-US" dirty="0"/>
+                        <a:t>83%</a:t>
+                      </a:r>
+                    </a:p>
+                  </a:txBody>
+                  <a:tcPr/>
+                </a:tc>
+                <a:extLst>
+                  <a:ext uri="{0D108BD9-81ED-4DB2-BD59-A6C34878D82A}">
+                    <a16:rowId xmlns:a16="http://schemas.microsoft.com/office/drawing/2014/main" val="1616612204"/>
+                  </a:ext>
+                </a:extLst>
+              </a:tr>
+              <a:tr h="370840">
+                <a:tc>
+                  <a:txBody>
+                    <a:bodyPr/>
+                    <a:lstStyle/>
+                    <a:p>
+                      <a:r>
+                        <a:rPr lang="en-US" dirty="0"/>
+                        <a:t>Sensitivity</a:t>
+                      </a:r>
+                    </a:p>
+                  </a:txBody>
+                  <a:tcPr/>
+                </a:tc>
+                <a:tc>
+                  <a:txBody>
+                    <a:bodyPr/>
+                    <a:lstStyle/>
+                    <a:p>
+                      <a:r>
+                        <a:rPr lang="en-US" dirty="0"/>
+                        <a:t>82%</a:t>
+                      </a:r>
+                    </a:p>
+                  </a:txBody>
+                  <a:tcPr/>
+                </a:tc>
+                <a:extLst>
+                  <a:ext uri="{0D108BD9-81ED-4DB2-BD59-A6C34878D82A}">
+                    <a16:rowId xmlns:a16="http://schemas.microsoft.com/office/drawing/2014/main" val="2652376005"/>
+                  </a:ext>
+                </a:extLst>
+              </a:tr>
+              <a:tr h="370840">
+                <a:tc>
+                  <a:txBody>
+                    <a:bodyPr/>
+                    <a:lstStyle/>
+                    <a:p>
+                      <a:r>
+                        <a:rPr lang="en-US" dirty="0"/>
+                        <a:t>Specificity</a:t>
+                      </a:r>
+                    </a:p>
+                  </a:txBody>
+                  <a:tcPr/>
+                </a:tc>
+                <a:tc>
+                  <a:txBody>
+                    <a:bodyPr/>
+                    <a:lstStyle/>
+                    <a:p>
+                      <a:r>
+                        <a:rPr lang="en-US" dirty="0"/>
+                        <a:t>86%</a:t>
+                      </a:r>
+                    </a:p>
+                  </a:txBody>
+                  <a:tcPr/>
+                </a:tc>
+                <a:extLst>
+                  <a:ext uri="{0D108BD9-81ED-4DB2-BD59-A6C34878D82A}">
+                    <a16:rowId xmlns:a16="http://schemas.microsoft.com/office/drawing/2014/main" val="3781162483"/>
+                  </a:ext>
+                </a:extLst>
+              </a:tr>
+              <a:tr h="370840">
+                <a:tc>
+                  <a:txBody>
+                    <a:bodyPr/>
+                    <a:lstStyle/>
+                    <a:p>
+                      <a:r>
+                        <a:rPr lang="en-US" dirty="0"/>
+                        <a:t>PPV</a:t>
+                      </a:r>
+                    </a:p>
+                  </a:txBody>
+                  <a:tcPr/>
+                </a:tc>
+                <a:tc>
+                  <a:txBody>
+                    <a:bodyPr/>
+                    <a:lstStyle/>
+                    <a:p>
+                      <a:r>
+                        <a:rPr lang="en-US" dirty="0"/>
+                        <a:t>98%</a:t>
+                      </a:r>
+                    </a:p>
+                  </a:txBody>
+                  <a:tcPr/>
+                </a:tc>
+                <a:extLst>
+                  <a:ext uri="{0D108BD9-81ED-4DB2-BD59-A6C34878D82A}">
+                    <a16:rowId xmlns:a16="http://schemas.microsoft.com/office/drawing/2014/main" val="3095442458"/>
+                  </a:ext>
+                </a:extLst>
+              </a:tr>
+              <a:tr h="370840">
+                <a:tc>
+                  <a:txBody>
+                    <a:bodyPr/>
+                    <a:lstStyle/>
+                    <a:p>
+                      <a:r>
+                        <a:rPr lang="en-US" dirty="0"/>
+                        <a:t>NPV</a:t>
+                      </a:r>
+                    </a:p>
+                  </a:txBody>
+                  <a:tcPr/>
+                </a:tc>
+                <a:tc>
+                  <a:txBody>
+                    <a:bodyPr/>
+                    <a:lstStyle/>
+                    <a:p>
+                      <a:r>
+                        <a:rPr lang="en-US" dirty="0"/>
+                        <a:t>39%</a:t>
+                      </a:r>
+                    </a:p>
+                  </a:txBody>
+                  <a:tcPr/>
+                </a:tc>
+                <a:extLst>
+                  <a:ext uri="{0D108BD9-81ED-4DB2-BD59-A6C34878D82A}">
+                    <a16:rowId xmlns:a16="http://schemas.microsoft.com/office/drawing/2014/main" val="2715389844"/>
+                  </a:ext>
+                </a:extLst>
+              </a:tr>
+              <a:tr h="370840">
+                <a:tc>
+                  <a:txBody>
+                    <a:bodyPr/>
+                    <a:lstStyle/>
+                    <a:p>
+                      <a:r>
+                        <a:rPr lang="en-US" dirty="0"/>
+                        <a:t>AUROC</a:t>
+                      </a:r>
+                    </a:p>
+                  </a:txBody>
+                  <a:tcPr/>
+                </a:tc>
+                <a:tc>
+                  <a:txBody>
+                    <a:bodyPr/>
+                    <a:lstStyle/>
+                    <a:p>
+                      <a:endParaRPr lang="en-US" dirty="0"/>
+                    </a:p>
+                  </a:txBody>
+                  <a:tcPr/>
+                </a:tc>
+                <a:extLst>
+                  <a:ext uri="{0D108BD9-81ED-4DB2-BD59-A6C34878D82A}">
+                    <a16:rowId xmlns:a16="http://schemas.microsoft.com/office/drawing/2014/main" val="3759069719"/>
+                  </a:ext>
+                </a:extLst>
+              </a:tr>
+            </a:tbl>
+          </a:graphicData>
+        </a:graphic>
+      </p:graphicFrame>
+      <p:pic>
+        <p:nvPicPr>
+          <p:cNvPr id="6" name="Picture 5">
+            <a:extLst>
+              <a:ext uri="{FF2B5EF4-FFF2-40B4-BE49-F238E27FC236}">
+                <a16:creationId xmlns:a16="http://schemas.microsoft.com/office/drawing/2014/main" id="{08BEE029-0E8E-158A-F4C6-A416E30DD488}"/>
+              </a:ext>
+            </a:extLst>
+          </p:cNvPr>
+          <p:cNvPicPr>
+            <a:picLocks noChangeAspect="1"/>
+          </p:cNvPicPr>
+          <p:nvPr/>
+        </p:nvPicPr>
+        <p:blipFill>
+          <a:blip r:embed="rId4"/>
+          <a:stretch>
+            <a:fillRect/>
+          </a:stretch>
+        </p:blipFill>
+        <p:spPr>
+          <a:xfrm>
+            <a:off x="4572000" y="1761144"/>
+            <a:ext cx="4572000" cy="2822289"/>
+          </a:xfrm>
+          <a:prstGeom prst="rect">
+            <a:avLst/>
+          </a:prstGeom>
+        </p:spPr>
+      </p:pic>
+    </p:spTree>
+    <p:custDataLst>
+      <p:tags r:id="rId1"/>
+    </p:custDataLst>
+    <p:extLst>
+      <p:ext uri="{BB962C8B-B14F-4D97-AF65-F5344CB8AC3E}">
+        <p14:creationId xmlns:p14="http://schemas.microsoft.com/office/powerpoint/2010/main" val="2612505702"/>
+      </p:ext>
+    </p:extLst>
+  </p:cSld>
+  <p:clrMapOvr>
+    <a:masterClrMapping/>
+  </p:clrMapOvr>
+</p:sld>
+</file>
+
+<file path=ppt/slides/slide27.xml><?xml version="1.0" encoding="utf-8"?>
+<p:sld xmlns:a="http://schemas.openxmlformats.org/drawingml/2006/main" xmlns:r="http://schemas.openxmlformats.org/officeDocument/2006/relationships" xmlns:p="http://schemas.openxmlformats.org/presentationml/2006/main">
+  <p:cSld>
+    <p:spTree>
+      <p:nvGrpSpPr>
+        <p:cNvPr id="1" name=""/>
+        <p:cNvGrpSpPr/>
+        <p:nvPr/>
+      </p:nvGrpSpPr>
+      <p:grpSpPr>
+        <a:xfrm>
+          <a:off x="0" y="0"/>
+          <a:ext cx="0" cy="0"/>
+          <a:chOff x="0" y="0"/>
+          <a:chExt cx="0" cy="0"/>
+        </a:xfrm>
+      </p:grpSpPr>
+      <p:sp>
+        <p:nvSpPr>
+          <p:cNvPr id="2" name="Text Placeholder 1">
+            <a:extLst>
+              <a:ext uri="{FF2B5EF4-FFF2-40B4-BE49-F238E27FC236}">
+                <a16:creationId xmlns:a16="http://schemas.microsoft.com/office/drawing/2014/main" id="{8B170740-DB3F-076A-A2D2-9555F51D2D32}"/>
+              </a:ext>
+            </a:extLst>
+          </p:cNvPr>
+          <p:cNvSpPr>
+            <a:spLocks noGrp="1"/>
+          </p:cNvSpPr>
+          <p:nvPr>
+            <p:ph type="body" idx="1"/>
+          </p:nvPr>
+        </p:nvSpPr>
+        <p:spPr>
+          <a:xfrm>
+            <a:off x="729450" y="726744"/>
+            <a:ext cx="7688700" cy="1034400"/>
+          </a:xfrm>
+        </p:spPr>
+        <p:txBody>
+          <a:bodyPr/>
+          <a:lstStyle/>
+          <a:p>
+            <a:pPr marL="146050" indent="0">
+              <a:buNone/>
+            </a:pPr>
+            <a:r>
+              <a:rPr kumimoji="0" lang="en-US" sz="2600" b="1" i="0" u="none" strike="noStrike" kern="0" cap="none" spc="0" normalizeH="0" baseline="0" noProof="0" dirty="0">
+                <a:ln>
+                  <a:noFill/>
+                </a:ln>
+                <a:solidFill>
+                  <a:srgbClr val="1A1A1A"/>
+                </a:solidFill>
+                <a:effectLst/>
+                <a:uLnTx/>
+                <a:uFillTx/>
+                <a:latin typeface="Raleway"/>
+                <a:sym typeface="Raleway"/>
+              </a:rPr>
+              <a:t>Objective 2</a:t>
+            </a:r>
+          </a:p>
+          <a:p>
+            <a:pPr marL="146050" indent="0">
+              <a:buNone/>
+            </a:pPr>
+            <a:r>
+              <a:rPr lang="en-US" sz="1400" b="1" dirty="0">
+                <a:solidFill>
+                  <a:schemeClr val="bg1">
+                    <a:lumMod val="65000"/>
+                  </a:schemeClr>
+                </a:solidFill>
+                <a:latin typeface="Raleway"/>
+                <a:sym typeface="Raleway"/>
+              </a:rPr>
+              <a:t>2. QDA</a:t>
+            </a:r>
+          </a:p>
+          <a:p>
+            <a:pPr marL="146050" indent="0">
+              <a:buNone/>
+            </a:pPr>
+            <a:r>
+              <a:rPr lang="en-US" dirty="0">
+                <a:solidFill>
+                  <a:schemeClr val="bg1">
+                    <a:lumMod val="65000"/>
+                  </a:schemeClr>
+                </a:solidFill>
+              </a:rPr>
+              <a:t>    Model Performance</a:t>
+            </a:r>
+          </a:p>
+        </p:txBody>
+      </p:sp>
+      <p:graphicFrame>
+        <p:nvGraphicFramePr>
+          <p:cNvPr id="3" name="Table 3">
+            <a:extLst>
+              <a:ext uri="{FF2B5EF4-FFF2-40B4-BE49-F238E27FC236}">
+                <a16:creationId xmlns:a16="http://schemas.microsoft.com/office/drawing/2014/main" id="{CA4AB027-E888-2C3E-8C1E-4D6BB2527F50}"/>
+              </a:ext>
+            </a:extLst>
+          </p:cNvPr>
+          <p:cNvGraphicFramePr>
+            <a:graphicFrameLocks noGrp="1"/>
+          </p:cNvGraphicFramePr>
+          <p:nvPr>
+            <p:extLst>
+              <p:ext uri="{D42A27DB-BD31-4B8C-83A1-F6EECF244321}">
+                <p14:modId xmlns:p14="http://schemas.microsoft.com/office/powerpoint/2010/main" val="3700225681"/>
+              </p:ext>
+            </p:extLst>
+          </p:nvPr>
+        </p:nvGraphicFramePr>
+        <p:xfrm>
+          <a:off x="290151" y="1898997"/>
+          <a:ext cx="4064000" cy="2966720"/>
+        </p:xfrm>
+        <a:graphic>
+          <a:graphicData uri="http://schemas.openxmlformats.org/drawingml/2006/table">
+            <a:tbl>
+              <a:tblPr firstRow="1" bandRow="1">
+                <a:tableStyleId>{5C22544A-7EE6-4342-B048-85BDC9FD1C3A}</a:tableStyleId>
+              </a:tblPr>
+              <a:tblGrid>
+                <a:gridCol w="2032000">
+                  <a:extLst>
+                    <a:ext uri="{9D8B030D-6E8A-4147-A177-3AD203B41FA5}">
+                      <a16:colId xmlns:a16="http://schemas.microsoft.com/office/drawing/2014/main" val="2004211147"/>
+                    </a:ext>
+                  </a:extLst>
+                </a:gridCol>
+                <a:gridCol w="2032000">
+                  <a:extLst>
+                    <a:ext uri="{9D8B030D-6E8A-4147-A177-3AD203B41FA5}">
+                      <a16:colId xmlns:a16="http://schemas.microsoft.com/office/drawing/2014/main" val="2024557235"/>
+                    </a:ext>
+                  </a:extLst>
+                </a:gridCol>
+              </a:tblGrid>
+              <a:tr h="370840">
+                <a:tc>
+                  <a:txBody>
+                    <a:bodyPr/>
+                    <a:lstStyle/>
+                    <a:p>
+                      <a:r>
+                        <a:rPr lang="en-US" dirty="0"/>
+                        <a:t>Metric</a:t>
+                      </a:r>
+                    </a:p>
+                  </a:txBody>
+                  <a:tcPr/>
+                </a:tc>
+                <a:tc>
+                  <a:txBody>
+                    <a:bodyPr/>
+                    <a:lstStyle/>
+                    <a:p>
+                      <a:r>
+                        <a:rPr lang="en-US" dirty="0"/>
+                        <a:t>Score</a:t>
+                      </a:r>
+                    </a:p>
+                  </a:txBody>
+                  <a:tcPr/>
+                </a:tc>
+                <a:extLst>
+                  <a:ext uri="{0D108BD9-81ED-4DB2-BD59-A6C34878D82A}">
+                    <a16:rowId xmlns:a16="http://schemas.microsoft.com/office/drawing/2014/main" val="606250503"/>
+                  </a:ext>
+                </a:extLst>
+              </a:tr>
+              <a:tr h="370840">
+                <a:tc>
+                  <a:txBody>
+                    <a:bodyPr/>
+                    <a:lstStyle/>
+                    <a:p>
+                      <a:r>
+                        <a:rPr lang="en-US" dirty="0"/>
+                        <a:t>AIC</a:t>
+                      </a:r>
+                    </a:p>
+                  </a:txBody>
+                  <a:tcPr/>
+                </a:tc>
+                <a:tc>
+                  <a:txBody>
+                    <a:bodyPr/>
+                    <a:lstStyle/>
+                    <a:p>
+                      <a:endParaRPr lang="en-US" dirty="0"/>
+                    </a:p>
+                  </a:txBody>
+                  <a:tcPr/>
+                </a:tc>
+                <a:extLst>
+                  <a:ext uri="{0D108BD9-81ED-4DB2-BD59-A6C34878D82A}">
+                    <a16:rowId xmlns:a16="http://schemas.microsoft.com/office/drawing/2014/main" val="3146497599"/>
+                  </a:ext>
+                </a:extLst>
+              </a:tr>
+              <a:tr h="370840">
+                <a:tc>
+                  <a:txBody>
+                    <a:bodyPr/>
+                    <a:lstStyle/>
+                    <a:p>
+                      <a:r>
+                        <a:rPr lang="en-US" dirty="0"/>
+                        <a:t>Accuracy</a:t>
+                      </a:r>
+                    </a:p>
+                  </a:txBody>
+                  <a:tcPr/>
+                </a:tc>
+                <a:tc>
+                  <a:txBody>
+                    <a:bodyPr/>
+                    <a:lstStyle/>
+                    <a:p>
+                      <a:r>
+                        <a:rPr lang="en-US" dirty="0"/>
+                        <a:t>12%</a:t>
+                      </a:r>
+                    </a:p>
+                  </a:txBody>
+                  <a:tcPr/>
+                </a:tc>
+                <a:extLst>
+                  <a:ext uri="{0D108BD9-81ED-4DB2-BD59-A6C34878D82A}">
+                    <a16:rowId xmlns:a16="http://schemas.microsoft.com/office/drawing/2014/main" val="1616612204"/>
+                  </a:ext>
+                </a:extLst>
+              </a:tr>
+              <a:tr h="370840">
+                <a:tc>
+                  <a:txBody>
+                    <a:bodyPr/>
+                    <a:lstStyle/>
+                    <a:p>
+                      <a:r>
+                        <a:rPr lang="en-US" dirty="0"/>
+                        <a:t>Sensitivity</a:t>
+                      </a:r>
+                    </a:p>
+                  </a:txBody>
+                  <a:tcPr/>
+                </a:tc>
+                <a:tc>
+                  <a:txBody>
+                    <a:bodyPr/>
+                    <a:lstStyle/>
+                    <a:p>
+                      <a:r>
+                        <a:rPr lang="en-US" dirty="0"/>
+                        <a:t>0%</a:t>
+                      </a:r>
+                    </a:p>
+                  </a:txBody>
+                  <a:tcPr/>
+                </a:tc>
+                <a:extLst>
+                  <a:ext uri="{0D108BD9-81ED-4DB2-BD59-A6C34878D82A}">
+                    <a16:rowId xmlns:a16="http://schemas.microsoft.com/office/drawing/2014/main" val="2652376005"/>
+                  </a:ext>
+                </a:extLst>
+              </a:tr>
+              <a:tr h="370840">
+                <a:tc>
+                  <a:txBody>
+                    <a:bodyPr/>
+                    <a:lstStyle/>
+                    <a:p>
+                      <a:r>
+                        <a:rPr lang="en-US" dirty="0"/>
+                        <a:t>Specificity</a:t>
+                      </a:r>
+                    </a:p>
+                  </a:txBody>
+                  <a:tcPr/>
+                </a:tc>
+                <a:tc>
+                  <a:txBody>
+                    <a:bodyPr/>
+                    <a:lstStyle/>
+                    <a:p>
+                      <a:r>
+                        <a:rPr lang="en-US" dirty="0"/>
+                        <a:t>100%</a:t>
+                      </a:r>
+                    </a:p>
+                  </a:txBody>
+                  <a:tcPr/>
+                </a:tc>
+                <a:extLst>
+                  <a:ext uri="{0D108BD9-81ED-4DB2-BD59-A6C34878D82A}">
+                    <a16:rowId xmlns:a16="http://schemas.microsoft.com/office/drawing/2014/main" val="3781162483"/>
+                  </a:ext>
+                </a:extLst>
+              </a:tr>
+              <a:tr h="370840">
+                <a:tc>
+                  <a:txBody>
+                    <a:bodyPr/>
+                    <a:lstStyle/>
+                    <a:p>
+                      <a:r>
+                        <a:rPr lang="en-US" dirty="0"/>
+                        <a:t>PPV</a:t>
+                      </a:r>
+                    </a:p>
+                  </a:txBody>
+                  <a:tcPr/>
+                </a:tc>
+                <a:tc>
+                  <a:txBody>
+                    <a:bodyPr/>
+                    <a:lstStyle/>
+                    <a:p>
+                      <a:r>
+                        <a:rPr lang="en-US" dirty="0" err="1"/>
+                        <a:t>NaN</a:t>
+                      </a:r>
+                      <a:endParaRPr lang="en-US" dirty="0"/>
+                    </a:p>
+                  </a:txBody>
+                  <a:tcPr/>
+                </a:tc>
+                <a:extLst>
+                  <a:ext uri="{0D108BD9-81ED-4DB2-BD59-A6C34878D82A}">
+                    <a16:rowId xmlns:a16="http://schemas.microsoft.com/office/drawing/2014/main" val="3095442458"/>
+                  </a:ext>
+                </a:extLst>
+              </a:tr>
+              <a:tr h="370840">
+                <a:tc>
+                  <a:txBody>
+                    <a:bodyPr/>
+                    <a:lstStyle/>
+                    <a:p>
+                      <a:r>
+                        <a:rPr lang="en-US" dirty="0"/>
+                        <a:t>NPV</a:t>
+                      </a:r>
+                    </a:p>
+                  </a:txBody>
+                  <a:tcPr/>
+                </a:tc>
+                <a:tc>
+                  <a:txBody>
+                    <a:bodyPr/>
+                    <a:lstStyle/>
+                    <a:p>
+                      <a:r>
+                        <a:rPr lang="en-US" dirty="0"/>
+                        <a:t>12%</a:t>
+                      </a:r>
+                    </a:p>
+                  </a:txBody>
+                  <a:tcPr/>
+                </a:tc>
+                <a:extLst>
+                  <a:ext uri="{0D108BD9-81ED-4DB2-BD59-A6C34878D82A}">
+                    <a16:rowId xmlns:a16="http://schemas.microsoft.com/office/drawing/2014/main" val="2715389844"/>
+                  </a:ext>
+                </a:extLst>
+              </a:tr>
+              <a:tr h="370840">
+                <a:tc>
+                  <a:txBody>
+                    <a:bodyPr/>
+                    <a:lstStyle/>
+                    <a:p>
+                      <a:r>
+                        <a:rPr lang="en-US" dirty="0"/>
+                        <a:t>AUROC</a:t>
+                      </a:r>
+                    </a:p>
+                  </a:txBody>
+                  <a:tcPr/>
+                </a:tc>
+                <a:tc>
+                  <a:txBody>
+                    <a:bodyPr/>
+                    <a:lstStyle/>
+                    <a:p>
+                      <a:endParaRPr lang="en-US" dirty="0"/>
+                    </a:p>
+                  </a:txBody>
+                  <a:tcPr/>
+                </a:tc>
+                <a:extLst>
+                  <a:ext uri="{0D108BD9-81ED-4DB2-BD59-A6C34878D82A}">
+                    <a16:rowId xmlns:a16="http://schemas.microsoft.com/office/drawing/2014/main" val="3759069719"/>
+                  </a:ext>
+                </a:extLst>
+              </a:tr>
+            </a:tbl>
+          </a:graphicData>
+        </a:graphic>
+      </p:graphicFrame>
+      <p:pic>
+        <p:nvPicPr>
+          <p:cNvPr id="7" name="Picture 6">
+            <a:extLst>
+              <a:ext uri="{FF2B5EF4-FFF2-40B4-BE49-F238E27FC236}">
+                <a16:creationId xmlns:a16="http://schemas.microsoft.com/office/drawing/2014/main" id="{D1AFFDB8-5F4E-77F8-D45F-552FEB9BEA86}"/>
+              </a:ext>
+            </a:extLst>
+          </p:cNvPr>
+          <p:cNvPicPr>
+            <a:picLocks noChangeAspect="1"/>
+          </p:cNvPicPr>
+          <p:nvPr/>
+        </p:nvPicPr>
+        <p:blipFill>
+          <a:blip r:embed="rId4"/>
+          <a:stretch>
+            <a:fillRect/>
+          </a:stretch>
+        </p:blipFill>
+        <p:spPr>
+          <a:xfrm>
+            <a:off x="4572000" y="1898997"/>
+            <a:ext cx="4536385" cy="2800304"/>
+          </a:xfrm>
+          <a:prstGeom prst="rect">
+            <a:avLst/>
+          </a:prstGeom>
+        </p:spPr>
+      </p:pic>
+      <p:sp>
+        <p:nvSpPr>
+          <p:cNvPr id="10" name="TextBox 9">
+            <a:extLst>
+              <a:ext uri="{FF2B5EF4-FFF2-40B4-BE49-F238E27FC236}">
+                <a16:creationId xmlns:a16="http://schemas.microsoft.com/office/drawing/2014/main" id="{3520D124-676E-6B81-37F2-9801558FF72B}"/>
+              </a:ext>
+            </a:extLst>
+          </p:cNvPr>
+          <p:cNvSpPr txBox="1"/>
+          <p:nvPr/>
+        </p:nvSpPr>
+        <p:spPr>
+          <a:xfrm>
+            <a:off x="3453020" y="874612"/>
+            <a:ext cx="4572000" cy="738664"/>
+          </a:xfrm>
+          <a:prstGeom prst="rect">
+            <a:avLst/>
+          </a:prstGeom>
+          <a:noFill/>
+        </p:spPr>
+        <p:txBody>
+          <a:bodyPr wrap="square">
+            <a:spAutoFit/>
+          </a:bodyPr>
+          <a:lstStyle/>
+          <a:p>
+            <a:r>
+              <a:rPr lang="en-US" dirty="0"/>
+              <a:t>Note: QDA does not perform very well here. The optimal threshold was 0 which returns </a:t>
+            </a:r>
+            <a:r>
+              <a:rPr lang="en-US" dirty="0" err="1"/>
+              <a:t>NaN’s</a:t>
+            </a:r>
+            <a:r>
+              <a:rPr lang="en-US" dirty="0"/>
+              <a:t> in certain performance metrics. </a:t>
+            </a:r>
+          </a:p>
+        </p:txBody>
+      </p:sp>
+    </p:spTree>
+    <p:custDataLst>
+      <p:tags r:id="rId1"/>
+    </p:custDataLst>
+    <p:extLst>
+      <p:ext uri="{BB962C8B-B14F-4D97-AF65-F5344CB8AC3E}">
+        <p14:creationId xmlns:p14="http://schemas.microsoft.com/office/powerpoint/2010/main" val="1824139110"/>
+      </p:ext>
+    </p:extLst>
+  </p:cSld>
+  <p:clrMapOvr>
+    <a:masterClrMapping/>
+  </p:clrMapOvr>
+</p:sld>
+</file>
+
+<file path=ppt/slides/slide28.xml><?xml version="1.0" encoding="utf-8"?>
+<p:sld xmlns:a="http://schemas.openxmlformats.org/drawingml/2006/main" xmlns:r="http://schemas.openxmlformats.org/officeDocument/2006/relationships" xmlns:p="http://schemas.openxmlformats.org/presentationml/2006/main">
+  <p:cSld>
+    <p:spTree>
+      <p:nvGrpSpPr>
+        <p:cNvPr id="1" name=""/>
+        <p:cNvGrpSpPr/>
+        <p:nvPr/>
+      </p:nvGrpSpPr>
+      <p:grpSpPr>
+        <a:xfrm>
+          <a:off x="0" y="0"/>
+          <a:ext cx="0" cy="0"/>
+          <a:chOff x="0" y="0"/>
+          <a:chExt cx="0" cy="0"/>
+        </a:xfrm>
+      </p:grpSpPr>
+      <p:sp>
+        <p:nvSpPr>
+          <p:cNvPr id="2" name="Text Placeholder 1">
+            <a:extLst>
+              <a:ext uri="{FF2B5EF4-FFF2-40B4-BE49-F238E27FC236}">
+                <a16:creationId xmlns:a16="http://schemas.microsoft.com/office/drawing/2014/main" id="{8B170740-DB3F-076A-A2D2-9555F51D2D32}"/>
+              </a:ext>
+            </a:extLst>
+          </p:cNvPr>
+          <p:cNvSpPr>
+            <a:spLocks noGrp="1"/>
+          </p:cNvSpPr>
+          <p:nvPr>
+            <p:ph type="body" idx="1"/>
+          </p:nvPr>
+        </p:nvSpPr>
+        <p:spPr>
+          <a:xfrm>
+            <a:off x="729450" y="726744"/>
+            <a:ext cx="7688700" cy="1034400"/>
+          </a:xfrm>
+        </p:spPr>
+        <p:txBody>
+          <a:bodyPr/>
+          <a:lstStyle/>
+          <a:p>
+            <a:pPr marL="146050" indent="0">
+              <a:buNone/>
+            </a:pPr>
+            <a:r>
+              <a:rPr kumimoji="0" lang="en-US" sz="2600" b="1" i="0" u="none" strike="noStrike" kern="0" cap="none" spc="0" normalizeH="0" baseline="0" noProof="0" dirty="0">
+                <a:ln>
+                  <a:noFill/>
+                </a:ln>
+                <a:solidFill>
+                  <a:srgbClr val="1A1A1A"/>
+                </a:solidFill>
+                <a:effectLst/>
+                <a:uLnTx/>
+                <a:uFillTx/>
+                <a:latin typeface="Raleway"/>
+                <a:sym typeface="Raleway"/>
+              </a:rPr>
+              <a:t>Objective 2</a:t>
+            </a:r>
+          </a:p>
+          <a:p>
+            <a:pPr marL="146050" indent="0">
+              <a:buNone/>
+            </a:pPr>
+            <a:r>
+              <a:rPr lang="en-US" sz="1400" b="1" dirty="0">
+                <a:solidFill>
+                  <a:schemeClr val="bg1">
+                    <a:lumMod val="65000"/>
+                  </a:schemeClr>
+                </a:solidFill>
+                <a:latin typeface="Raleway"/>
+                <a:sym typeface="Raleway"/>
+              </a:rPr>
+              <a:t>3. KNN Model (Non-Parametric) </a:t>
+            </a:r>
+            <a:endParaRPr lang="en-US" dirty="0">
+              <a:solidFill>
+                <a:schemeClr val="bg1">
+                  <a:lumMod val="65000"/>
+                </a:schemeClr>
+              </a:solidFill>
+            </a:endParaRPr>
+          </a:p>
+        </p:txBody>
+      </p:sp>
+      <p:sp>
+        <p:nvSpPr>
+          <p:cNvPr id="5" name="Text Placeholder 2">
+            <a:extLst>
+              <a:ext uri="{FF2B5EF4-FFF2-40B4-BE49-F238E27FC236}">
+                <a16:creationId xmlns:a16="http://schemas.microsoft.com/office/drawing/2014/main" id="{80A4736F-1EF9-09F0-5145-9AB37B5FE409}"/>
+              </a:ext>
+            </a:extLst>
+          </p:cNvPr>
+          <p:cNvSpPr txBox="1">
+            <a:spLocks/>
+          </p:cNvSpPr>
+          <p:nvPr/>
+        </p:nvSpPr>
+        <p:spPr>
+          <a:xfrm>
+            <a:off x="725850" y="1761143"/>
+            <a:ext cx="7688700" cy="1111264"/>
+          </a:xfrm>
+          <a:prstGeom prst="rect">
+            <a:avLst/>
+          </a:prstGeom>
+          <a:noFill/>
+          <a:ln>
+            <a:noFill/>
+          </a:ln>
+        </p:spPr>
+        <p:txBody>
+          <a:bodyPr spcFirstLastPara="1" wrap="square" lIns="91425" tIns="91425" rIns="91425" bIns="91425" anchor="t" anchorCtr="0">
+            <a:noAutofit/>
+          </a:bodyPr>
+          <a:lstStyle>
+            <a:defPPr marR="0" lvl="0" algn="l" rtl="0">
+              <a:lnSpc>
+                <a:spcPct val="100000"/>
+              </a:lnSpc>
+              <a:spcBef>
+                <a:spcPts val="0"/>
+              </a:spcBef>
+              <a:spcAft>
+                <a:spcPts val="0"/>
+              </a:spcAft>
+            </a:defPPr>
+            <a:lvl1pPr marL="457200" marR="0" lvl="0" indent="-311150" algn="l" rtl="0">
+              <a:lnSpc>
+                <a:spcPct val="115000"/>
+              </a:lnSpc>
+              <a:spcBef>
+                <a:spcPts val="0"/>
+              </a:spcBef>
+              <a:spcAft>
+                <a:spcPts val="0"/>
+              </a:spcAft>
+              <a:buClr>
+                <a:schemeClr val="accent1"/>
+              </a:buClr>
+              <a:buSzPts val="1300"/>
+              <a:buFont typeface="Lato"/>
+              <a:buChar char="●"/>
+              <a:defRPr sz="1300" b="0" i="0" u="none" strike="noStrike" cap="none">
+                <a:solidFill>
+                  <a:schemeClr val="accent1"/>
+                </a:solidFill>
+                <a:latin typeface="Lato"/>
+                <a:ea typeface="Lato"/>
+                <a:cs typeface="Lato"/>
+                <a:sym typeface="Lato"/>
+              </a:defRPr>
+            </a:lvl1pPr>
+            <a:lvl2pPr marL="914400" marR="0" lvl="1" indent="-298450" algn="l" rtl="0">
+              <a:lnSpc>
+                <a:spcPct val="115000"/>
+              </a:lnSpc>
+              <a:spcBef>
+                <a:spcPts val="1600"/>
+              </a:spcBef>
+              <a:spcAft>
+                <a:spcPts val="0"/>
+              </a:spcAft>
+              <a:buClr>
+                <a:schemeClr val="accent1"/>
+              </a:buClr>
+              <a:buSzPts val="1100"/>
+              <a:buFont typeface="Lato"/>
+              <a:buChar char="○"/>
+              <a:defRPr sz="1100" b="0" i="0" u="none" strike="noStrike" cap="none">
+                <a:solidFill>
+                  <a:schemeClr val="accent1"/>
+                </a:solidFill>
+                <a:latin typeface="Lato"/>
+                <a:ea typeface="Lato"/>
+                <a:cs typeface="Lato"/>
+                <a:sym typeface="Lato"/>
+              </a:defRPr>
+            </a:lvl2pPr>
+            <a:lvl3pPr marL="1371600" marR="0" lvl="2" indent="-298450" algn="l" rtl="0">
+              <a:lnSpc>
+                <a:spcPct val="115000"/>
+              </a:lnSpc>
+              <a:spcBef>
+                <a:spcPts val="1600"/>
+              </a:spcBef>
+              <a:spcAft>
+                <a:spcPts val="0"/>
+              </a:spcAft>
+              <a:buClr>
+                <a:schemeClr val="accent1"/>
+              </a:buClr>
+              <a:buSzPts val="1100"/>
+              <a:buFont typeface="Lato"/>
+              <a:buChar char="■"/>
+              <a:defRPr sz="1100" b="0" i="0" u="none" strike="noStrike" cap="none">
+                <a:solidFill>
+                  <a:schemeClr val="accent1"/>
+                </a:solidFill>
+                <a:latin typeface="Lato"/>
+                <a:ea typeface="Lato"/>
+                <a:cs typeface="Lato"/>
+                <a:sym typeface="Lato"/>
+              </a:defRPr>
+            </a:lvl3pPr>
+            <a:lvl4pPr marL="1828800" marR="0" lvl="3" indent="-298450" algn="l" rtl="0">
+              <a:lnSpc>
+                <a:spcPct val="115000"/>
+              </a:lnSpc>
+              <a:spcBef>
+                <a:spcPts val="1600"/>
+              </a:spcBef>
+              <a:spcAft>
+                <a:spcPts val="0"/>
+              </a:spcAft>
+              <a:buClr>
+                <a:schemeClr val="accent1"/>
+              </a:buClr>
+              <a:buSzPts val="1100"/>
+              <a:buFont typeface="Lato"/>
+              <a:buChar char="●"/>
+              <a:defRPr sz="1100" b="0" i="0" u="none" strike="noStrike" cap="none">
+                <a:solidFill>
+                  <a:schemeClr val="accent1"/>
+                </a:solidFill>
+                <a:latin typeface="Lato"/>
+                <a:ea typeface="Lato"/>
+                <a:cs typeface="Lato"/>
+                <a:sym typeface="Lato"/>
+              </a:defRPr>
+            </a:lvl4pPr>
+            <a:lvl5pPr marL="2286000" marR="0" lvl="4" indent="-298450" algn="l" rtl="0">
+              <a:lnSpc>
+                <a:spcPct val="115000"/>
+              </a:lnSpc>
+              <a:spcBef>
+                <a:spcPts val="1600"/>
+              </a:spcBef>
+              <a:spcAft>
+                <a:spcPts val="0"/>
+              </a:spcAft>
+              <a:buClr>
+                <a:schemeClr val="accent1"/>
+              </a:buClr>
+              <a:buSzPts val="1100"/>
+              <a:buFont typeface="Lato"/>
+              <a:buChar char="○"/>
+              <a:defRPr sz="1100" b="0" i="0" u="none" strike="noStrike" cap="none">
+                <a:solidFill>
+                  <a:schemeClr val="accent1"/>
+                </a:solidFill>
+                <a:latin typeface="Lato"/>
+                <a:ea typeface="Lato"/>
+                <a:cs typeface="Lato"/>
+                <a:sym typeface="Lato"/>
+              </a:defRPr>
+            </a:lvl5pPr>
+            <a:lvl6pPr marL="2743200" marR="0" lvl="5" indent="-298450" algn="l" rtl="0">
+              <a:lnSpc>
+                <a:spcPct val="115000"/>
+              </a:lnSpc>
+              <a:spcBef>
+                <a:spcPts val="1600"/>
+              </a:spcBef>
+              <a:spcAft>
+                <a:spcPts val="0"/>
+              </a:spcAft>
+              <a:buClr>
+                <a:schemeClr val="accent1"/>
+              </a:buClr>
+              <a:buSzPts val="1100"/>
+              <a:buFont typeface="Lato"/>
+              <a:buChar char="■"/>
+              <a:defRPr sz="1100" b="0" i="0" u="none" strike="noStrike" cap="none">
+                <a:solidFill>
+                  <a:schemeClr val="accent1"/>
+                </a:solidFill>
+                <a:latin typeface="Lato"/>
+                <a:ea typeface="Lato"/>
+                <a:cs typeface="Lato"/>
+                <a:sym typeface="Lato"/>
+              </a:defRPr>
+            </a:lvl6pPr>
+            <a:lvl7pPr marL="3200400" marR="0" lvl="6" indent="-298450" algn="l" rtl="0">
+              <a:lnSpc>
+                <a:spcPct val="115000"/>
+              </a:lnSpc>
+              <a:spcBef>
+                <a:spcPts val="1600"/>
+              </a:spcBef>
+              <a:spcAft>
+                <a:spcPts val="0"/>
+              </a:spcAft>
+              <a:buClr>
+                <a:schemeClr val="accent1"/>
+              </a:buClr>
+              <a:buSzPts val="1100"/>
+              <a:buFont typeface="Lato"/>
+              <a:buChar char="●"/>
+              <a:defRPr sz="1100" b="0" i="0" u="none" strike="noStrike" cap="none">
+                <a:solidFill>
+                  <a:schemeClr val="accent1"/>
+                </a:solidFill>
+                <a:latin typeface="Lato"/>
+                <a:ea typeface="Lato"/>
+                <a:cs typeface="Lato"/>
+                <a:sym typeface="Lato"/>
+              </a:defRPr>
+            </a:lvl7pPr>
+            <a:lvl8pPr marL="3657600" marR="0" lvl="7" indent="-298450" algn="l" rtl="0">
+              <a:lnSpc>
+                <a:spcPct val="115000"/>
+              </a:lnSpc>
+              <a:spcBef>
+                <a:spcPts val="1600"/>
+              </a:spcBef>
+              <a:spcAft>
+                <a:spcPts val="0"/>
+              </a:spcAft>
+              <a:buClr>
+                <a:schemeClr val="accent1"/>
+              </a:buClr>
+              <a:buSzPts val="1100"/>
+              <a:buFont typeface="Lato"/>
+              <a:buChar char="○"/>
+              <a:defRPr sz="1100" b="0" i="0" u="none" strike="noStrike" cap="none">
+                <a:solidFill>
+                  <a:schemeClr val="accent1"/>
+                </a:solidFill>
+                <a:latin typeface="Lato"/>
+                <a:ea typeface="Lato"/>
+                <a:cs typeface="Lato"/>
+                <a:sym typeface="Lato"/>
+              </a:defRPr>
+            </a:lvl8pPr>
+            <a:lvl9pPr marL="4114800" marR="0" lvl="8" indent="-298450" algn="l" rtl="0">
+              <a:lnSpc>
+                <a:spcPct val="115000"/>
+              </a:lnSpc>
+              <a:spcBef>
+                <a:spcPts val="1600"/>
+              </a:spcBef>
+              <a:spcAft>
+                <a:spcPts val="1600"/>
+              </a:spcAft>
+              <a:buClr>
+                <a:schemeClr val="accent1"/>
+              </a:buClr>
+              <a:buSzPts val="1100"/>
+              <a:buFont typeface="Lato"/>
+              <a:buChar char="■"/>
+              <a:defRPr sz="1100" b="0" i="0" u="none" strike="noStrike" cap="none">
+                <a:solidFill>
+                  <a:schemeClr val="accent1"/>
+                </a:solidFill>
+                <a:latin typeface="Lato"/>
+                <a:ea typeface="Lato"/>
+                <a:cs typeface="Lato"/>
+                <a:sym typeface="Lato"/>
+              </a:defRPr>
+            </a:lvl9pPr>
+          </a:lstStyle>
+          <a:p>
+            <a:pPr marL="146050" indent="0">
+              <a:buNone/>
+            </a:pPr>
+            <a:endParaRPr lang="en-US" dirty="0"/>
+          </a:p>
+          <a:p>
+            <a:pPr marL="146050" indent="0">
+              <a:buNone/>
+            </a:pPr>
+            <a:endParaRPr lang="en-US" dirty="0"/>
+          </a:p>
+        </p:txBody>
+      </p:sp>
+    </p:spTree>
+    <p:custDataLst>
+      <p:tags r:id="rId1"/>
+    </p:custDataLst>
+    <p:extLst>
+      <p:ext uri="{BB962C8B-B14F-4D97-AF65-F5344CB8AC3E}">
+        <p14:creationId xmlns:p14="http://schemas.microsoft.com/office/powerpoint/2010/main" val="1981833743"/>
+      </p:ext>
+    </p:extLst>
+  </p:cSld>
+  <p:clrMapOvr>
+    <a:masterClrMapping/>
+  </p:clrMapOvr>
+</p:sld>
+</file>
+
+<file path=ppt/slides/slide29.xml><?xml version="1.0" encoding="utf-8"?>
+<p:sld xmlns:a="http://schemas.openxmlformats.org/drawingml/2006/main" xmlns:r="http://schemas.openxmlformats.org/officeDocument/2006/relationships" xmlns:p="http://schemas.openxmlformats.org/presentationml/2006/main">
+  <p:cSld>
+    <p:spTree>
+      <p:nvGrpSpPr>
+        <p:cNvPr id="1" name=""/>
+        <p:cNvGrpSpPr/>
+        <p:nvPr/>
+      </p:nvGrpSpPr>
+      <p:grpSpPr>
+        <a:xfrm>
+          <a:off x="0" y="0"/>
+          <a:ext cx="0" cy="0"/>
+          <a:chOff x="0" y="0"/>
+          <a:chExt cx="0" cy="0"/>
+        </a:xfrm>
+      </p:grpSpPr>
+      <p:sp>
+        <p:nvSpPr>
+          <p:cNvPr id="2" name="Text Placeholder 1">
+            <a:extLst>
+              <a:ext uri="{FF2B5EF4-FFF2-40B4-BE49-F238E27FC236}">
+                <a16:creationId xmlns:a16="http://schemas.microsoft.com/office/drawing/2014/main" id="{8B170740-DB3F-076A-A2D2-9555F51D2D32}"/>
+              </a:ext>
+            </a:extLst>
+          </p:cNvPr>
+          <p:cNvSpPr>
+            <a:spLocks noGrp="1"/>
+          </p:cNvSpPr>
+          <p:nvPr>
+            <p:ph type="body" idx="1"/>
+          </p:nvPr>
+        </p:nvSpPr>
+        <p:spPr>
+          <a:xfrm>
+            <a:off x="729450" y="726744"/>
+            <a:ext cx="7688700" cy="1034400"/>
+          </a:xfrm>
+        </p:spPr>
+        <p:txBody>
+          <a:bodyPr/>
+          <a:lstStyle/>
+          <a:p>
+            <a:pPr marL="146050" indent="0">
+              <a:buNone/>
+            </a:pPr>
+            <a:r>
+              <a:rPr kumimoji="0" lang="en-US" sz="2600" b="1" i="0" u="none" strike="noStrike" kern="0" cap="none" spc="0" normalizeH="0" baseline="0" noProof="0" dirty="0">
+                <a:ln>
+                  <a:noFill/>
+                </a:ln>
+                <a:solidFill>
+                  <a:srgbClr val="1A1A1A"/>
+                </a:solidFill>
+                <a:effectLst/>
+                <a:uLnTx/>
+                <a:uFillTx/>
+                <a:latin typeface="Raleway"/>
+                <a:sym typeface="Raleway"/>
+              </a:rPr>
+              <a:t>Objective 2</a:t>
+            </a:r>
+          </a:p>
+          <a:p>
+            <a:pPr marL="146050" indent="0">
+              <a:buNone/>
+            </a:pPr>
+            <a:r>
+              <a:rPr lang="en-US" sz="1400" b="1" dirty="0">
+                <a:solidFill>
+                  <a:schemeClr val="bg1">
+                    <a:lumMod val="65000"/>
+                  </a:schemeClr>
+                </a:solidFill>
+                <a:latin typeface="Raleway"/>
+                <a:sym typeface="Raleway"/>
+              </a:rPr>
+              <a:t>2. KNN Model (Non-Parametric)</a:t>
+            </a:r>
+          </a:p>
+          <a:p>
+            <a:pPr marL="146050" indent="0">
+              <a:buNone/>
+            </a:pPr>
+            <a:r>
+              <a:rPr lang="en-US" dirty="0">
+                <a:solidFill>
+                  <a:schemeClr val="bg1">
+                    <a:lumMod val="65000"/>
+                  </a:schemeClr>
+                </a:solidFill>
+              </a:rPr>
+              <a:t>    Model Performance</a:t>
+            </a:r>
+          </a:p>
+        </p:txBody>
+      </p:sp>
+      <p:graphicFrame>
+        <p:nvGraphicFramePr>
+          <p:cNvPr id="3" name="Table 3">
+            <a:extLst>
+              <a:ext uri="{FF2B5EF4-FFF2-40B4-BE49-F238E27FC236}">
+                <a16:creationId xmlns:a16="http://schemas.microsoft.com/office/drawing/2014/main" id="{CA4AB027-E888-2C3E-8C1E-4D6BB2527F50}"/>
+              </a:ext>
+            </a:extLst>
+          </p:cNvPr>
+          <p:cNvGraphicFramePr>
+            <a:graphicFrameLocks noGrp="1"/>
+          </p:cNvGraphicFramePr>
+          <p:nvPr/>
+        </p:nvGraphicFramePr>
+        <p:xfrm>
+          <a:off x="725850" y="1761144"/>
+          <a:ext cx="4064000" cy="2966720"/>
+        </p:xfrm>
+        <a:graphic>
+          <a:graphicData uri="http://schemas.openxmlformats.org/drawingml/2006/table">
+            <a:tbl>
+              <a:tblPr firstRow="1" bandRow="1">
+                <a:tableStyleId>{5C22544A-7EE6-4342-B048-85BDC9FD1C3A}</a:tableStyleId>
+              </a:tblPr>
+              <a:tblGrid>
+                <a:gridCol w="2032000">
+                  <a:extLst>
+                    <a:ext uri="{9D8B030D-6E8A-4147-A177-3AD203B41FA5}">
+                      <a16:colId xmlns:a16="http://schemas.microsoft.com/office/drawing/2014/main" val="2004211147"/>
+                    </a:ext>
+                  </a:extLst>
+                </a:gridCol>
+                <a:gridCol w="2032000">
+                  <a:extLst>
+                    <a:ext uri="{9D8B030D-6E8A-4147-A177-3AD203B41FA5}">
+                      <a16:colId xmlns:a16="http://schemas.microsoft.com/office/drawing/2014/main" val="2024557235"/>
+                    </a:ext>
+                  </a:extLst>
+                </a:gridCol>
+              </a:tblGrid>
+              <a:tr h="370840">
+                <a:tc>
+                  <a:txBody>
+                    <a:bodyPr/>
+                    <a:lstStyle/>
+                    <a:p>
+                      <a:r>
+                        <a:rPr lang="en-US" dirty="0"/>
+                        <a:t>Metric</a:t>
+                      </a:r>
+                    </a:p>
+                  </a:txBody>
+                  <a:tcPr/>
+                </a:tc>
+                <a:tc>
+                  <a:txBody>
+                    <a:bodyPr/>
+                    <a:lstStyle/>
+                    <a:p>
+                      <a:r>
+                        <a:rPr lang="en-US" dirty="0"/>
+                        <a:t>Score</a:t>
+                      </a:r>
+                    </a:p>
+                  </a:txBody>
+                  <a:tcPr/>
+                </a:tc>
+                <a:extLst>
+                  <a:ext uri="{0D108BD9-81ED-4DB2-BD59-A6C34878D82A}">
+                    <a16:rowId xmlns:a16="http://schemas.microsoft.com/office/drawing/2014/main" val="606250503"/>
+                  </a:ext>
+                </a:extLst>
+              </a:tr>
+              <a:tr h="370840">
+                <a:tc>
+                  <a:txBody>
+                    <a:bodyPr/>
+                    <a:lstStyle/>
+                    <a:p>
+                      <a:r>
+                        <a:rPr lang="en-US" dirty="0"/>
+                        <a:t>AIC</a:t>
+                      </a:r>
+                    </a:p>
+                  </a:txBody>
+                  <a:tcPr/>
+                </a:tc>
+                <a:tc>
+                  <a:txBody>
+                    <a:bodyPr/>
+                    <a:lstStyle/>
+                    <a:p>
+                      <a:endParaRPr lang="en-US" dirty="0"/>
+                    </a:p>
+                  </a:txBody>
+                  <a:tcPr/>
+                </a:tc>
+                <a:extLst>
+                  <a:ext uri="{0D108BD9-81ED-4DB2-BD59-A6C34878D82A}">
+                    <a16:rowId xmlns:a16="http://schemas.microsoft.com/office/drawing/2014/main" val="3146497599"/>
+                  </a:ext>
+                </a:extLst>
+              </a:tr>
+              <a:tr h="370840">
+                <a:tc>
+                  <a:txBody>
+                    <a:bodyPr/>
+                    <a:lstStyle/>
+                    <a:p>
+                      <a:r>
+                        <a:rPr lang="en-US" dirty="0"/>
+                        <a:t>Accuracy</a:t>
+                      </a:r>
+                    </a:p>
+                  </a:txBody>
+                  <a:tcPr/>
+                </a:tc>
+                <a:tc>
+                  <a:txBody>
+                    <a:bodyPr/>
+                    <a:lstStyle/>
+                    <a:p>
+                      <a:endParaRPr lang="en-US" dirty="0"/>
+                    </a:p>
+                  </a:txBody>
+                  <a:tcPr/>
+                </a:tc>
+                <a:extLst>
+                  <a:ext uri="{0D108BD9-81ED-4DB2-BD59-A6C34878D82A}">
+                    <a16:rowId xmlns:a16="http://schemas.microsoft.com/office/drawing/2014/main" val="1616612204"/>
+                  </a:ext>
+                </a:extLst>
+              </a:tr>
+              <a:tr h="370840">
+                <a:tc>
+                  <a:txBody>
+                    <a:bodyPr/>
+                    <a:lstStyle/>
+                    <a:p>
+                      <a:r>
+                        <a:rPr lang="en-US" dirty="0"/>
+                        <a:t>Sensitivity</a:t>
+                      </a:r>
+                    </a:p>
+                  </a:txBody>
+                  <a:tcPr/>
+                </a:tc>
+                <a:tc>
+                  <a:txBody>
+                    <a:bodyPr/>
+                    <a:lstStyle/>
+                    <a:p>
+                      <a:endParaRPr lang="en-US" dirty="0"/>
+                    </a:p>
+                  </a:txBody>
+                  <a:tcPr/>
+                </a:tc>
+                <a:extLst>
+                  <a:ext uri="{0D108BD9-81ED-4DB2-BD59-A6C34878D82A}">
+                    <a16:rowId xmlns:a16="http://schemas.microsoft.com/office/drawing/2014/main" val="2652376005"/>
+                  </a:ext>
+                </a:extLst>
+              </a:tr>
+              <a:tr h="370840">
+                <a:tc>
+                  <a:txBody>
+                    <a:bodyPr/>
+                    <a:lstStyle/>
+                    <a:p>
+                      <a:r>
+                        <a:rPr lang="en-US" dirty="0"/>
+                        <a:t>Specificity</a:t>
+                      </a:r>
+                    </a:p>
+                  </a:txBody>
+                  <a:tcPr/>
+                </a:tc>
+                <a:tc>
+                  <a:txBody>
+                    <a:bodyPr/>
+                    <a:lstStyle/>
+                    <a:p>
+                      <a:endParaRPr lang="en-US" dirty="0"/>
+                    </a:p>
+                  </a:txBody>
+                  <a:tcPr/>
+                </a:tc>
+                <a:extLst>
+                  <a:ext uri="{0D108BD9-81ED-4DB2-BD59-A6C34878D82A}">
+                    <a16:rowId xmlns:a16="http://schemas.microsoft.com/office/drawing/2014/main" val="3781162483"/>
+                  </a:ext>
+                </a:extLst>
+              </a:tr>
+              <a:tr h="370840">
+                <a:tc>
+                  <a:txBody>
+                    <a:bodyPr/>
+                    <a:lstStyle/>
+                    <a:p>
+                      <a:r>
+                        <a:rPr lang="en-US" dirty="0"/>
+                        <a:t>PPV</a:t>
+                      </a:r>
+                    </a:p>
+                  </a:txBody>
+                  <a:tcPr/>
+                </a:tc>
+                <a:tc>
+                  <a:txBody>
+                    <a:bodyPr/>
+                    <a:lstStyle/>
+                    <a:p>
+                      <a:endParaRPr lang="en-US" dirty="0"/>
+                    </a:p>
+                  </a:txBody>
+                  <a:tcPr/>
+                </a:tc>
+                <a:extLst>
+                  <a:ext uri="{0D108BD9-81ED-4DB2-BD59-A6C34878D82A}">
+                    <a16:rowId xmlns:a16="http://schemas.microsoft.com/office/drawing/2014/main" val="3095442458"/>
+                  </a:ext>
+                </a:extLst>
+              </a:tr>
+              <a:tr h="370840">
+                <a:tc>
+                  <a:txBody>
+                    <a:bodyPr/>
+                    <a:lstStyle/>
+                    <a:p>
+                      <a:r>
+                        <a:rPr lang="en-US" dirty="0"/>
+                        <a:t>NPV</a:t>
+                      </a:r>
+                    </a:p>
+                  </a:txBody>
+                  <a:tcPr/>
+                </a:tc>
+                <a:tc>
+                  <a:txBody>
+                    <a:bodyPr/>
+                    <a:lstStyle/>
+                    <a:p>
+                      <a:endParaRPr lang="en-US" dirty="0"/>
+                    </a:p>
+                  </a:txBody>
+                  <a:tcPr/>
+                </a:tc>
+                <a:extLst>
+                  <a:ext uri="{0D108BD9-81ED-4DB2-BD59-A6C34878D82A}">
+                    <a16:rowId xmlns:a16="http://schemas.microsoft.com/office/drawing/2014/main" val="2715389844"/>
+                  </a:ext>
+                </a:extLst>
+              </a:tr>
+              <a:tr h="370840">
+                <a:tc>
+                  <a:txBody>
+                    <a:bodyPr/>
+                    <a:lstStyle/>
+                    <a:p>
+                      <a:r>
+                        <a:rPr lang="en-US" dirty="0"/>
+                        <a:t>AUROC</a:t>
+                      </a:r>
+                    </a:p>
+                  </a:txBody>
+                  <a:tcPr/>
+                </a:tc>
+                <a:tc>
+                  <a:txBody>
+                    <a:bodyPr/>
+                    <a:lstStyle/>
+                    <a:p>
+                      <a:endParaRPr lang="en-US" dirty="0"/>
+                    </a:p>
+                  </a:txBody>
+                  <a:tcPr/>
+                </a:tc>
+                <a:extLst>
+                  <a:ext uri="{0D108BD9-81ED-4DB2-BD59-A6C34878D82A}">
+                    <a16:rowId xmlns:a16="http://schemas.microsoft.com/office/drawing/2014/main" val="3759069719"/>
+                  </a:ext>
+                </a:extLst>
+              </a:tr>
+            </a:tbl>
+          </a:graphicData>
+        </a:graphic>
+      </p:graphicFrame>
+      <p:pic>
+        <p:nvPicPr>
+          <p:cNvPr id="5" name="Picture 4">
+            <a:extLst>
+              <a:ext uri="{FF2B5EF4-FFF2-40B4-BE49-F238E27FC236}">
+                <a16:creationId xmlns:a16="http://schemas.microsoft.com/office/drawing/2014/main" id="{94917740-2CE1-C737-5A58-88E54369727B}"/>
+              </a:ext>
+            </a:extLst>
+          </p:cNvPr>
+          <p:cNvPicPr>
+            <a:picLocks noChangeAspect="1"/>
+          </p:cNvPicPr>
+          <p:nvPr/>
+        </p:nvPicPr>
+        <p:blipFill>
+          <a:blip r:embed="rId4"/>
+          <a:stretch>
+            <a:fillRect/>
+          </a:stretch>
+        </p:blipFill>
+        <p:spPr>
+          <a:xfrm>
+            <a:off x="5042452" y="2065944"/>
+            <a:ext cx="3982278" cy="2457635"/>
+          </a:xfrm>
+          <a:prstGeom prst="rect">
+            <a:avLst/>
+          </a:prstGeom>
+        </p:spPr>
+      </p:pic>
+    </p:spTree>
+    <p:custDataLst>
+      <p:tags r:id="rId1"/>
+    </p:custDataLst>
+    <p:extLst>
+      <p:ext uri="{BB962C8B-B14F-4D97-AF65-F5344CB8AC3E}">
+        <p14:creationId xmlns:p14="http://schemas.microsoft.com/office/powerpoint/2010/main" val="1414478187"/>
+      </p:ext>
+    </p:extLst>
   </p:cSld>
   <p:clrMapOvr>
     <a:masterClrMapping/>
@@ -16877,6 +23222,952 @@
                 <a:srgbClr val="FFFFFF"/>
               </a:solidFill>
             </a:endParaRPr>
+          </a:p>
+        </p:txBody>
+      </p:sp>
+    </p:spTree>
+  </p:cSld>
+  <p:clrMapOvr>
+    <a:masterClrMapping/>
+  </p:clrMapOvr>
+</p:sld>
+</file>
+
+<file path=ppt/slides/slide30.xml><?xml version="1.0" encoding="utf-8"?>
+<p:sld xmlns:a="http://schemas.openxmlformats.org/drawingml/2006/main" xmlns:r="http://schemas.openxmlformats.org/officeDocument/2006/relationships" xmlns:p="http://schemas.openxmlformats.org/presentationml/2006/main">
+  <p:cSld>
+    <p:spTree>
+      <p:nvGrpSpPr>
+        <p:cNvPr id="1" name=""/>
+        <p:cNvGrpSpPr/>
+        <p:nvPr/>
+      </p:nvGrpSpPr>
+      <p:grpSpPr>
+        <a:xfrm>
+          <a:off x="0" y="0"/>
+          <a:ext cx="0" cy="0"/>
+          <a:chOff x="0" y="0"/>
+          <a:chExt cx="0" cy="0"/>
+        </a:xfrm>
+      </p:grpSpPr>
+      <p:sp>
+        <p:nvSpPr>
+          <p:cNvPr id="2" name="Text Placeholder 1">
+            <a:extLst>
+              <a:ext uri="{FF2B5EF4-FFF2-40B4-BE49-F238E27FC236}">
+                <a16:creationId xmlns:a16="http://schemas.microsoft.com/office/drawing/2014/main" id="{8B170740-DB3F-076A-A2D2-9555F51D2D32}"/>
+              </a:ext>
+            </a:extLst>
+          </p:cNvPr>
+          <p:cNvSpPr>
+            <a:spLocks noGrp="1"/>
+          </p:cNvSpPr>
+          <p:nvPr>
+            <p:ph type="body" idx="1"/>
+          </p:nvPr>
+        </p:nvSpPr>
+        <p:spPr>
+          <a:xfrm>
+            <a:off x="729450" y="726744"/>
+            <a:ext cx="7688700" cy="1034400"/>
+          </a:xfrm>
+        </p:spPr>
+        <p:txBody>
+          <a:bodyPr/>
+          <a:lstStyle/>
+          <a:p>
+            <a:pPr marL="146050" indent="0">
+              <a:buNone/>
+            </a:pPr>
+            <a:r>
+              <a:rPr kumimoji="0" lang="en-US" sz="2600" b="1" i="0" u="none" strike="noStrike" kern="0" cap="none" spc="0" normalizeH="0" baseline="0" noProof="0" dirty="0">
+                <a:ln>
+                  <a:noFill/>
+                </a:ln>
+                <a:solidFill>
+                  <a:srgbClr val="1A1A1A"/>
+                </a:solidFill>
+                <a:effectLst/>
+                <a:uLnTx/>
+                <a:uFillTx/>
+                <a:latin typeface="Raleway"/>
+                <a:sym typeface="Raleway"/>
+              </a:rPr>
+              <a:t>Objective 2</a:t>
+            </a:r>
+          </a:p>
+          <a:p>
+            <a:pPr marL="146050" indent="0">
+              <a:buNone/>
+            </a:pPr>
+            <a:r>
+              <a:rPr lang="en-US" sz="1400" b="1" dirty="0">
+                <a:solidFill>
+                  <a:schemeClr val="bg1">
+                    <a:lumMod val="65000"/>
+                  </a:schemeClr>
+                </a:solidFill>
+                <a:latin typeface="Raleway"/>
+                <a:sym typeface="Raleway"/>
+              </a:rPr>
+              <a:t>4. </a:t>
+            </a:r>
+            <a:r>
+              <a:rPr lang="en-US" sz="1400" b="1" dirty="0" err="1">
+                <a:solidFill>
+                  <a:schemeClr val="bg1">
+                    <a:lumMod val="65000"/>
+                  </a:schemeClr>
+                </a:solidFill>
+                <a:latin typeface="Raleway"/>
+                <a:sym typeface="Raleway"/>
+              </a:rPr>
+              <a:t>eXtreme</a:t>
+            </a:r>
+            <a:r>
+              <a:rPr lang="en-US" sz="1400" b="1" dirty="0">
+                <a:solidFill>
+                  <a:schemeClr val="bg1">
+                    <a:lumMod val="65000"/>
+                  </a:schemeClr>
+                </a:solidFill>
+                <a:latin typeface="Raleway"/>
+                <a:sym typeface="Raleway"/>
+              </a:rPr>
+              <a:t> Gradient Boosting Model (Non-Parametric) </a:t>
+            </a:r>
+            <a:endParaRPr lang="en-US" dirty="0">
+              <a:solidFill>
+                <a:schemeClr val="bg1">
+                  <a:lumMod val="65000"/>
+                </a:schemeClr>
+              </a:solidFill>
+            </a:endParaRPr>
+          </a:p>
+        </p:txBody>
+      </p:sp>
+      <p:sp>
+        <p:nvSpPr>
+          <p:cNvPr id="5" name="Text Placeholder 2">
+            <a:extLst>
+              <a:ext uri="{FF2B5EF4-FFF2-40B4-BE49-F238E27FC236}">
+                <a16:creationId xmlns:a16="http://schemas.microsoft.com/office/drawing/2014/main" id="{80A4736F-1EF9-09F0-5145-9AB37B5FE409}"/>
+              </a:ext>
+            </a:extLst>
+          </p:cNvPr>
+          <p:cNvSpPr txBox="1">
+            <a:spLocks/>
+          </p:cNvSpPr>
+          <p:nvPr/>
+        </p:nvSpPr>
+        <p:spPr>
+          <a:xfrm>
+            <a:off x="725850" y="1761143"/>
+            <a:ext cx="7688700" cy="1111264"/>
+          </a:xfrm>
+          <a:prstGeom prst="rect">
+            <a:avLst/>
+          </a:prstGeom>
+          <a:noFill/>
+          <a:ln>
+            <a:noFill/>
+          </a:ln>
+        </p:spPr>
+        <p:txBody>
+          <a:bodyPr spcFirstLastPara="1" wrap="square" lIns="91425" tIns="91425" rIns="91425" bIns="91425" anchor="t" anchorCtr="0">
+            <a:noAutofit/>
+          </a:bodyPr>
+          <a:lstStyle>
+            <a:defPPr marR="0" lvl="0" algn="l" rtl="0">
+              <a:lnSpc>
+                <a:spcPct val="100000"/>
+              </a:lnSpc>
+              <a:spcBef>
+                <a:spcPts val="0"/>
+              </a:spcBef>
+              <a:spcAft>
+                <a:spcPts val="0"/>
+              </a:spcAft>
+            </a:defPPr>
+            <a:lvl1pPr marL="457200" marR="0" lvl="0" indent="-311150" algn="l" rtl="0">
+              <a:lnSpc>
+                <a:spcPct val="115000"/>
+              </a:lnSpc>
+              <a:spcBef>
+                <a:spcPts val="0"/>
+              </a:spcBef>
+              <a:spcAft>
+                <a:spcPts val="0"/>
+              </a:spcAft>
+              <a:buClr>
+                <a:schemeClr val="accent1"/>
+              </a:buClr>
+              <a:buSzPts val="1300"/>
+              <a:buFont typeface="Lato"/>
+              <a:buChar char="●"/>
+              <a:defRPr sz="1300" b="0" i="0" u="none" strike="noStrike" cap="none">
+                <a:solidFill>
+                  <a:schemeClr val="accent1"/>
+                </a:solidFill>
+                <a:latin typeface="Lato"/>
+                <a:ea typeface="Lato"/>
+                <a:cs typeface="Lato"/>
+                <a:sym typeface="Lato"/>
+              </a:defRPr>
+            </a:lvl1pPr>
+            <a:lvl2pPr marL="914400" marR="0" lvl="1" indent="-298450" algn="l" rtl="0">
+              <a:lnSpc>
+                <a:spcPct val="115000"/>
+              </a:lnSpc>
+              <a:spcBef>
+                <a:spcPts val="1600"/>
+              </a:spcBef>
+              <a:spcAft>
+                <a:spcPts val="0"/>
+              </a:spcAft>
+              <a:buClr>
+                <a:schemeClr val="accent1"/>
+              </a:buClr>
+              <a:buSzPts val="1100"/>
+              <a:buFont typeface="Lato"/>
+              <a:buChar char="○"/>
+              <a:defRPr sz="1100" b="0" i="0" u="none" strike="noStrike" cap="none">
+                <a:solidFill>
+                  <a:schemeClr val="accent1"/>
+                </a:solidFill>
+                <a:latin typeface="Lato"/>
+                <a:ea typeface="Lato"/>
+                <a:cs typeface="Lato"/>
+                <a:sym typeface="Lato"/>
+              </a:defRPr>
+            </a:lvl2pPr>
+            <a:lvl3pPr marL="1371600" marR="0" lvl="2" indent="-298450" algn="l" rtl="0">
+              <a:lnSpc>
+                <a:spcPct val="115000"/>
+              </a:lnSpc>
+              <a:spcBef>
+                <a:spcPts val="1600"/>
+              </a:spcBef>
+              <a:spcAft>
+                <a:spcPts val="0"/>
+              </a:spcAft>
+              <a:buClr>
+                <a:schemeClr val="accent1"/>
+              </a:buClr>
+              <a:buSzPts val="1100"/>
+              <a:buFont typeface="Lato"/>
+              <a:buChar char="■"/>
+              <a:defRPr sz="1100" b="0" i="0" u="none" strike="noStrike" cap="none">
+                <a:solidFill>
+                  <a:schemeClr val="accent1"/>
+                </a:solidFill>
+                <a:latin typeface="Lato"/>
+                <a:ea typeface="Lato"/>
+                <a:cs typeface="Lato"/>
+                <a:sym typeface="Lato"/>
+              </a:defRPr>
+            </a:lvl3pPr>
+            <a:lvl4pPr marL="1828800" marR="0" lvl="3" indent="-298450" algn="l" rtl="0">
+              <a:lnSpc>
+                <a:spcPct val="115000"/>
+              </a:lnSpc>
+              <a:spcBef>
+                <a:spcPts val="1600"/>
+              </a:spcBef>
+              <a:spcAft>
+                <a:spcPts val="0"/>
+              </a:spcAft>
+              <a:buClr>
+                <a:schemeClr val="accent1"/>
+              </a:buClr>
+              <a:buSzPts val="1100"/>
+              <a:buFont typeface="Lato"/>
+              <a:buChar char="●"/>
+              <a:defRPr sz="1100" b="0" i="0" u="none" strike="noStrike" cap="none">
+                <a:solidFill>
+                  <a:schemeClr val="accent1"/>
+                </a:solidFill>
+                <a:latin typeface="Lato"/>
+                <a:ea typeface="Lato"/>
+                <a:cs typeface="Lato"/>
+                <a:sym typeface="Lato"/>
+              </a:defRPr>
+            </a:lvl4pPr>
+            <a:lvl5pPr marL="2286000" marR="0" lvl="4" indent="-298450" algn="l" rtl="0">
+              <a:lnSpc>
+                <a:spcPct val="115000"/>
+              </a:lnSpc>
+              <a:spcBef>
+                <a:spcPts val="1600"/>
+              </a:spcBef>
+              <a:spcAft>
+                <a:spcPts val="0"/>
+              </a:spcAft>
+              <a:buClr>
+                <a:schemeClr val="accent1"/>
+              </a:buClr>
+              <a:buSzPts val="1100"/>
+              <a:buFont typeface="Lato"/>
+              <a:buChar char="○"/>
+              <a:defRPr sz="1100" b="0" i="0" u="none" strike="noStrike" cap="none">
+                <a:solidFill>
+                  <a:schemeClr val="accent1"/>
+                </a:solidFill>
+                <a:latin typeface="Lato"/>
+                <a:ea typeface="Lato"/>
+                <a:cs typeface="Lato"/>
+                <a:sym typeface="Lato"/>
+              </a:defRPr>
+            </a:lvl5pPr>
+            <a:lvl6pPr marL="2743200" marR="0" lvl="5" indent="-298450" algn="l" rtl="0">
+              <a:lnSpc>
+                <a:spcPct val="115000"/>
+              </a:lnSpc>
+              <a:spcBef>
+                <a:spcPts val="1600"/>
+              </a:spcBef>
+              <a:spcAft>
+                <a:spcPts val="0"/>
+              </a:spcAft>
+              <a:buClr>
+                <a:schemeClr val="accent1"/>
+              </a:buClr>
+              <a:buSzPts val="1100"/>
+              <a:buFont typeface="Lato"/>
+              <a:buChar char="■"/>
+              <a:defRPr sz="1100" b="0" i="0" u="none" strike="noStrike" cap="none">
+                <a:solidFill>
+                  <a:schemeClr val="accent1"/>
+                </a:solidFill>
+                <a:latin typeface="Lato"/>
+                <a:ea typeface="Lato"/>
+                <a:cs typeface="Lato"/>
+                <a:sym typeface="Lato"/>
+              </a:defRPr>
+            </a:lvl6pPr>
+            <a:lvl7pPr marL="3200400" marR="0" lvl="6" indent="-298450" algn="l" rtl="0">
+              <a:lnSpc>
+                <a:spcPct val="115000"/>
+              </a:lnSpc>
+              <a:spcBef>
+                <a:spcPts val="1600"/>
+              </a:spcBef>
+              <a:spcAft>
+                <a:spcPts val="0"/>
+              </a:spcAft>
+              <a:buClr>
+                <a:schemeClr val="accent1"/>
+              </a:buClr>
+              <a:buSzPts val="1100"/>
+              <a:buFont typeface="Lato"/>
+              <a:buChar char="●"/>
+              <a:defRPr sz="1100" b="0" i="0" u="none" strike="noStrike" cap="none">
+                <a:solidFill>
+                  <a:schemeClr val="accent1"/>
+                </a:solidFill>
+                <a:latin typeface="Lato"/>
+                <a:ea typeface="Lato"/>
+                <a:cs typeface="Lato"/>
+                <a:sym typeface="Lato"/>
+              </a:defRPr>
+            </a:lvl7pPr>
+            <a:lvl8pPr marL="3657600" marR="0" lvl="7" indent="-298450" algn="l" rtl="0">
+              <a:lnSpc>
+                <a:spcPct val="115000"/>
+              </a:lnSpc>
+              <a:spcBef>
+                <a:spcPts val="1600"/>
+              </a:spcBef>
+              <a:spcAft>
+                <a:spcPts val="0"/>
+              </a:spcAft>
+              <a:buClr>
+                <a:schemeClr val="accent1"/>
+              </a:buClr>
+              <a:buSzPts val="1100"/>
+              <a:buFont typeface="Lato"/>
+              <a:buChar char="○"/>
+              <a:defRPr sz="1100" b="0" i="0" u="none" strike="noStrike" cap="none">
+                <a:solidFill>
+                  <a:schemeClr val="accent1"/>
+                </a:solidFill>
+                <a:latin typeface="Lato"/>
+                <a:ea typeface="Lato"/>
+                <a:cs typeface="Lato"/>
+                <a:sym typeface="Lato"/>
+              </a:defRPr>
+            </a:lvl8pPr>
+            <a:lvl9pPr marL="4114800" marR="0" lvl="8" indent="-298450" algn="l" rtl="0">
+              <a:lnSpc>
+                <a:spcPct val="115000"/>
+              </a:lnSpc>
+              <a:spcBef>
+                <a:spcPts val="1600"/>
+              </a:spcBef>
+              <a:spcAft>
+                <a:spcPts val="1600"/>
+              </a:spcAft>
+              <a:buClr>
+                <a:schemeClr val="accent1"/>
+              </a:buClr>
+              <a:buSzPts val="1100"/>
+              <a:buFont typeface="Lato"/>
+              <a:buChar char="■"/>
+              <a:defRPr sz="1100" b="0" i="0" u="none" strike="noStrike" cap="none">
+                <a:solidFill>
+                  <a:schemeClr val="accent1"/>
+                </a:solidFill>
+                <a:latin typeface="Lato"/>
+                <a:ea typeface="Lato"/>
+                <a:cs typeface="Lato"/>
+                <a:sym typeface="Lato"/>
+              </a:defRPr>
+            </a:lvl9pPr>
+          </a:lstStyle>
+          <a:p>
+            <a:pPr marL="146050" indent="0">
+              <a:buNone/>
+            </a:pPr>
+            <a:endParaRPr lang="en-US" dirty="0"/>
+          </a:p>
+          <a:p>
+            <a:pPr marL="146050" indent="0">
+              <a:buNone/>
+            </a:pPr>
+            <a:endParaRPr lang="en-US" dirty="0"/>
+          </a:p>
+        </p:txBody>
+      </p:sp>
+    </p:spTree>
+    <p:custDataLst>
+      <p:tags r:id="rId1"/>
+    </p:custDataLst>
+    <p:extLst>
+      <p:ext uri="{BB962C8B-B14F-4D97-AF65-F5344CB8AC3E}">
+        <p14:creationId xmlns:p14="http://schemas.microsoft.com/office/powerpoint/2010/main" val="2289817130"/>
+      </p:ext>
+    </p:extLst>
+  </p:cSld>
+  <p:clrMapOvr>
+    <a:masterClrMapping/>
+  </p:clrMapOvr>
+</p:sld>
+</file>
+
+<file path=ppt/slides/slide31.xml><?xml version="1.0" encoding="utf-8"?>
+<p:sld xmlns:a="http://schemas.openxmlformats.org/drawingml/2006/main" xmlns:r="http://schemas.openxmlformats.org/officeDocument/2006/relationships" xmlns:p="http://schemas.openxmlformats.org/presentationml/2006/main">
+  <p:cSld>
+    <p:spTree>
+      <p:nvGrpSpPr>
+        <p:cNvPr id="1" name=""/>
+        <p:cNvGrpSpPr/>
+        <p:nvPr/>
+      </p:nvGrpSpPr>
+      <p:grpSpPr>
+        <a:xfrm>
+          <a:off x="0" y="0"/>
+          <a:ext cx="0" cy="0"/>
+          <a:chOff x="0" y="0"/>
+          <a:chExt cx="0" cy="0"/>
+        </a:xfrm>
+      </p:grpSpPr>
+      <p:sp>
+        <p:nvSpPr>
+          <p:cNvPr id="2" name="Text Placeholder 1">
+            <a:extLst>
+              <a:ext uri="{FF2B5EF4-FFF2-40B4-BE49-F238E27FC236}">
+                <a16:creationId xmlns:a16="http://schemas.microsoft.com/office/drawing/2014/main" id="{8B170740-DB3F-076A-A2D2-9555F51D2D32}"/>
+              </a:ext>
+            </a:extLst>
+          </p:cNvPr>
+          <p:cNvSpPr>
+            <a:spLocks noGrp="1"/>
+          </p:cNvSpPr>
+          <p:nvPr>
+            <p:ph type="body" idx="1"/>
+          </p:nvPr>
+        </p:nvSpPr>
+        <p:spPr>
+          <a:xfrm>
+            <a:off x="729450" y="726744"/>
+            <a:ext cx="7688700" cy="1034400"/>
+          </a:xfrm>
+        </p:spPr>
+        <p:txBody>
+          <a:bodyPr/>
+          <a:lstStyle/>
+          <a:p>
+            <a:pPr marL="146050" indent="0">
+              <a:buNone/>
+            </a:pPr>
+            <a:r>
+              <a:rPr kumimoji="0" lang="en-US" sz="2600" b="1" i="0" u="none" strike="noStrike" kern="0" cap="none" spc="0" normalizeH="0" baseline="0" noProof="0" dirty="0">
+                <a:ln>
+                  <a:noFill/>
+                </a:ln>
+                <a:solidFill>
+                  <a:srgbClr val="1A1A1A"/>
+                </a:solidFill>
+                <a:effectLst/>
+                <a:uLnTx/>
+                <a:uFillTx/>
+                <a:latin typeface="Raleway"/>
+                <a:sym typeface="Raleway"/>
+              </a:rPr>
+              <a:t>Objective 2</a:t>
+            </a:r>
+          </a:p>
+          <a:p>
+            <a:pPr marL="146050" indent="0">
+              <a:buNone/>
+            </a:pPr>
+            <a:r>
+              <a:rPr lang="en-US" sz="1400" b="1" dirty="0">
+                <a:solidFill>
+                  <a:schemeClr val="bg1">
+                    <a:lumMod val="65000"/>
+                  </a:schemeClr>
+                </a:solidFill>
+                <a:latin typeface="Raleway"/>
+                <a:sym typeface="Raleway"/>
+              </a:rPr>
+              <a:t>2. </a:t>
+            </a:r>
+            <a:r>
+              <a:rPr lang="en-US" sz="1400" b="1" dirty="0" err="1">
+                <a:solidFill>
+                  <a:schemeClr val="bg1">
+                    <a:lumMod val="65000"/>
+                  </a:schemeClr>
+                </a:solidFill>
+                <a:latin typeface="Raleway"/>
+                <a:sym typeface="Raleway"/>
+              </a:rPr>
+              <a:t>eXtreme</a:t>
+            </a:r>
+            <a:r>
+              <a:rPr lang="en-US" sz="1400" b="1" dirty="0">
+                <a:solidFill>
+                  <a:schemeClr val="bg1">
+                    <a:lumMod val="65000"/>
+                  </a:schemeClr>
+                </a:solidFill>
+                <a:latin typeface="Raleway"/>
+                <a:sym typeface="Raleway"/>
+              </a:rPr>
+              <a:t> Gradient Boosting Model</a:t>
+            </a:r>
+          </a:p>
+          <a:p>
+            <a:pPr marL="146050" indent="0">
+              <a:buNone/>
+            </a:pPr>
+            <a:r>
+              <a:rPr lang="en-US" dirty="0">
+                <a:solidFill>
+                  <a:schemeClr val="bg1">
+                    <a:lumMod val="65000"/>
+                  </a:schemeClr>
+                </a:solidFill>
+              </a:rPr>
+              <a:t>    Model Performance</a:t>
+            </a:r>
+          </a:p>
+        </p:txBody>
+      </p:sp>
+      <p:graphicFrame>
+        <p:nvGraphicFramePr>
+          <p:cNvPr id="3" name="Table 3">
+            <a:extLst>
+              <a:ext uri="{FF2B5EF4-FFF2-40B4-BE49-F238E27FC236}">
+                <a16:creationId xmlns:a16="http://schemas.microsoft.com/office/drawing/2014/main" id="{CA4AB027-E888-2C3E-8C1E-4D6BB2527F50}"/>
+              </a:ext>
+            </a:extLst>
+          </p:cNvPr>
+          <p:cNvGraphicFramePr>
+            <a:graphicFrameLocks noGrp="1"/>
+          </p:cNvGraphicFramePr>
+          <p:nvPr/>
+        </p:nvGraphicFramePr>
+        <p:xfrm>
+          <a:off x="725850" y="1761144"/>
+          <a:ext cx="4064000" cy="2966720"/>
+        </p:xfrm>
+        <a:graphic>
+          <a:graphicData uri="http://schemas.openxmlformats.org/drawingml/2006/table">
+            <a:tbl>
+              <a:tblPr firstRow="1" bandRow="1">
+                <a:tableStyleId>{5C22544A-7EE6-4342-B048-85BDC9FD1C3A}</a:tableStyleId>
+              </a:tblPr>
+              <a:tblGrid>
+                <a:gridCol w="2032000">
+                  <a:extLst>
+                    <a:ext uri="{9D8B030D-6E8A-4147-A177-3AD203B41FA5}">
+                      <a16:colId xmlns:a16="http://schemas.microsoft.com/office/drawing/2014/main" val="2004211147"/>
+                    </a:ext>
+                  </a:extLst>
+                </a:gridCol>
+                <a:gridCol w="2032000">
+                  <a:extLst>
+                    <a:ext uri="{9D8B030D-6E8A-4147-A177-3AD203B41FA5}">
+                      <a16:colId xmlns:a16="http://schemas.microsoft.com/office/drawing/2014/main" val="2024557235"/>
+                    </a:ext>
+                  </a:extLst>
+                </a:gridCol>
+              </a:tblGrid>
+              <a:tr h="370840">
+                <a:tc>
+                  <a:txBody>
+                    <a:bodyPr/>
+                    <a:lstStyle/>
+                    <a:p>
+                      <a:r>
+                        <a:rPr lang="en-US" dirty="0"/>
+                        <a:t>Metric</a:t>
+                      </a:r>
+                    </a:p>
+                  </a:txBody>
+                  <a:tcPr/>
+                </a:tc>
+                <a:tc>
+                  <a:txBody>
+                    <a:bodyPr/>
+                    <a:lstStyle/>
+                    <a:p>
+                      <a:r>
+                        <a:rPr lang="en-US" dirty="0"/>
+                        <a:t>Score</a:t>
+                      </a:r>
+                    </a:p>
+                  </a:txBody>
+                  <a:tcPr/>
+                </a:tc>
+                <a:extLst>
+                  <a:ext uri="{0D108BD9-81ED-4DB2-BD59-A6C34878D82A}">
+                    <a16:rowId xmlns:a16="http://schemas.microsoft.com/office/drawing/2014/main" val="606250503"/>
+                  </a:ext>
+                </a:extLst>
+              </a:tr>
+              <a:tr h="370840">
+                <a:tc>
+                  <a:txBody>
+                    <a:bodyPr/>
+                    <a:lstStyle/>
+                    <a:p>
+                      <a:r>
+                        <a:rPr lang="en-US" dirty="0"/>
+                        <a:t>AIC</a:t>
+                      </a:r>
+                    </a:p>
+                  </a:txBody>
+                  <a:tcPr/>
+                </a:tc>
+                <a:tc>
+                  <a:txBody>
+                    <a:bodyPr/>
+                    <a:lstStyle/>
+                    <a:p>
+                      <a:endParaRPr lang="en-US" dirty="0"/>
+                    </a:p>
+                  </a:txBody>
+                  <a:tcPr/>
+                </a:tc>
+                <a:extLst>
+                  <a:ext uri="{0D108BD9-81ED-4DB2-BD59-A6C34878D82A}">
+                    <a16:rowId xmlns:a16="http://schemas.microsoft.com/office/drawing/2014/main" val="3146497599"/>
+                  </a:ext>
+                </a:extLst>
+              </a:tr>
+              <a:tr h="370840">
+                <a:tc>
+                  <a:txBody>
+                    <a:bodyPr/>
+                    <a:lstStyle/>
+                    <a:p>
+                      <a:r>
+                        <a:rPr lang="en-US" dirty="0"/>
+                        <a:t>Accuracy</a:t>
+                      </a:r>
+                    </a:p>
+                  </a:txBody>
+                  <a:tcPr/>
+                </a:tc>
+                <a:tc>
+                  <a:txBody>
+                    <a:bodyPr/>
+                    <a:lstStyle/>
+                    <a:p>
+                      <a:endParaRPr lang="en-US" dirty="0"/>
+                    </a:p>
+                  </a:txBody>
+                  <a:tcPr/>
+                </a:tc>
+                <a:extLst>
+                  <a:ext uri="{0D108BD9-81ED-4DB2-BD59-A6C34878D82A}">
+                    <a16:rowId xmlns:a16="http://schemas.microsoft.com/office/drawing/2014/main" val="1616612204"/>
+                  </a:ext>
+                </a:extLst>
+              </a:tr>
+              <a:tr h="370840">
+                <a:tc>
+                  <a:txBody>
+                    <a:bodyPr/>
+                    <a:lstStyle/>
+                    <a:p>
+                      <a:r>
+                        <a:rPr lang="en-US" dirty="0"/>
+                        <a:t>Sensitivity</a:t>
+                      </a:r>
+                    </a:p>
+                  </a:txBody>
+                  <a:tcPr/>
+                </a:tc>
+                <a:tc>
+                  <a:txBody>
+                    <a:bodyPr/>
+                    <a:lstStyle/>
+                    <a:p>
+                      <a:endParaRPr lang="en-US" dirty="0"/>
+                    </a:p>
+                  </a:txBody>
+                  <a:tcPr/>
+                </a:tc>
+                <a:extLst>
+                  <a:ext uri="{0D108BD9-81ED-4DB2-BD59-A6C34878D82A}">
+                    <a16:rowId xmlns:a16="http://schemas.microsoft.com/office/drawing/2014/main" val="2652376005"/>
+                  </a:ext>
+                </a:extLst>
+              </a:tr>
+              <a:tr h="370840">
+                <a:tc>
+                  <a:txBody>
+                    <a:bodyPr/>
+                    <a:lstStyle/>
+                    <a:p>
+                      <a:r>
+                        <a:rPr lang="en-US" dirty="0"/>
+                        <a:t>Specificity</a:t>
+                      </a:r>
+                    </a:p>
+                  </a:txBody>
+                  <a:tcPr/>
+                </a:tc>
+                <a:tc>
+                  <a:txBody>
+                    <a:bodyPr/>
+                    <a:lstStyle/>
+                    <a:p>
+                      <a:endParaRPr lang="en-US" dirty="0"/>
+                    </a:p>
+                  </a:txBody>
+                  <a:tcPr/>
+                </a:tc>
+                <a:extLst>
+                  <a:ext uri="{0D108BD9-81ED-4DB2-BD59-A6C34878D82A}">
+                    <a16:rowId xmlns:a16="http://schemas.microsoft.com/office/drawing/2014/main" val="3781162483"/>
+                  </a:ext>
+                </a:extLst>
+              </a:tr>
+              <a:tr h="370840">
+                <a:tc>
+                  <a:txBody>
+                    <a:bodyPr/>
+                    <a:lstStyle/>
+                    <a:p>
+                      <a:r>
+                        <a:rPr lang="en-US" dirty="0"/>
+                        <a:t>PPV</a:t>
+                      </a:r>
+                    </a:p>
+                  </a:txBody>
+                  <a:tcPr/>
+                </a:tc>
+                <a:tc>
+                  <a:txBody>
+                    <a:bodyPr/>
+                    <a:lstStyle/>
+                    <a:p>
+                      <a:endParaRPr lang="en-US" dirty="0"/>
+                    </a:p>
+                  </a:txBody>
+                  <a:tcPr/>
+                </a:tc>
+                <a:extLst>
+                  <a:ext uri="{0D108BD9-81ED-4DB2-BD59-A6C34878D82A}">
+                    <a16:rowId xmlns:a16="http://schemas.microsoft.com/office/drawing/2014/main" val="3095442458"/>
+                  </a:ext>
+                </a:extLst>
+              </a:tr>
+              <a:tr h="370840">
+                <a:tc>
+                  <a:txBody>
+                    <a:bodyPr/>
+                    <a:lstStyle/>
+                    <a:p>
+                      <a:r>
+                        <a:rPr lang="en-US" dirty="0"/>
+                        <a:t>NPV</a:t>
+                      </a:r>
+                    </a:p>
+                  </a:txBody>
+                  <a:tcPr/>
+                </a:tc>
+                <a:tc>
+                  <a:txBody>
+                    <a:bodyPr/>
+                    <a:lstStyle/>
+                    <a:p>
+                      <a:endParaRPr lang="en-US" dirty="0"/>
+                    </a:p>
+                  </a:txBody>
+                  <a:tcPr/>
+                </a:tc>
+                <a:extLst>
+                  <a:ext uri="{0D108BD9-81ED-4DB2-BD59-A6C34878D82A}">
+                    <a16:rowId xmlns:a16="http://schemas.microsoft.com/office/drawing/2014/main" val="2715389844"/>
+                  </a:ext>
+                </a:extLst>
+              </a:tr>
+              <a:tr h="370840">
+                <a:tc>
+                  <a:txBody>
+                    <a:bodyPr/>
+                    <a:lstStyle/>
+                    <a:p>
+                      <a:r>
+                        <a:rPr lang="en-US" dirty="0"/>
+                        <a:t>AUROC</a:t>
+                      </a:r>
+                    </a:p>
+                  </a:txBody>
+                  <a:tcPr/>
+                </a:tc>
+                <a:tc>
+                  <a:txBody>
+                    <a:bodyPr/>
+                    <a:lstStyle/>
+                    <a:p>
+                      <a:endParaRPr lang="en-US" dirty="0"/>
+                    </a:p>
+                  </a:txBody>
+                  <a:tcPr/>
+                </a:tc>
+                <a:extLst>
+                  <a:ext uri="{0D108BD9-81ED-4DB2-BD59-A6C34878D82A}">
+                    <a16:rowId xmlns:a16="http://schemas.microsoft.com/office/drawing/2014/main" val="3759069719"/>
+                  </a:ext>
+                </a:extLst>
+              </a:tr>
+            </a:tbl>
+          </a:graphicData>
+        </a:graphic>
+      </p:graphicFrame>
+      <p:pic>
+        <p:nvPicPr>
+          <p:cNvPr id="5" name="Picture 4">
+            <a:extLst>
+              <a:ext uri="{FF2B5EF4-FFF2-40B4-BE49-F238E27FC236}">
+                <a16:creationId xmlns:a16="http://schemas.microsoft.com/office/drawing/2014/main" id="{94917740-2CE1-C737-5A58-88E54369727B}"/>
+              </a:ext>
+            </a:extLst>
+          </p:cNvPr>
+          <p:cNvPicPr>
+            <a:picLocks noChangeAspect="1"/>
+          </p:cNvPicPr>
+          <p:nvPr/>
+        </p:nvPicPr>
+        <p:blipFill>
+          <a:blip r:embed="rId4"/>
+          <a:stretch>
+            <a:fillRect/>
+          </a:stretch>
+        </p:blipFill>
+        <p:spPr>
+          <a:xfrm>
+            <a:off x="5042452" y="2065944"/>
+            <a:ext cx="3982278" cy="2457635"/>
+          </a:xfrm>
+          <a:prstGeom prst="rect">
+            <a:avLst/>
+          </a:prstGeom>
+        </p:spPr>
+      </p:pic>
+    </p:spTree>
+    <p:custDataLst>
+      <p:tags r:id="rId1"/>
+    </p:custDataLst>
+    <p:extLst>
+      <p:ext uri="{BB962C8B-B14F-4D97-AF65-F5344CB8AC3E}">
+        <p14:creationId xmlns:p14="http://schemas.microsoft.com/office/powerpoint/2010/main" val="2361612830"/>
+      </p:ext>
+    </p:extLst>
+  </p:cSld>
+  <p:clrMapOvr>
+    <a:masterClrMapping/>
+  </p:clrMapOvr>
+</p:sld>
+</file>
+
+<file path=ppt/slides/slide32.xml><?xml version="1.0" encoding="utf-8"?>
+<p:sld xmlns:a="http://schemas.openxmlformats.org/drawingml/2006/main" xmlns:r="http://schemas.openxmlformats.org/officeDocument/2006/relationships" xmlns:p="http://schemas.openxmlformats.org/presentationml/2006/main">
+  <p:cSld>
+    <p:spTree>
+      <p:nvGrpSpPr>
+        <p:cNvPr id="1" name="Shape 738"/>
+        <p:cNvGrpSpPr/>
+        <p:nvPr/>
+      </p:nvGrpSpPr>
+      <p:grpSpPr>
+        <a:xfrm>
+          <a:off x="0" y="0"/>
+          <a:ext cx="0" cy="0"/>
+          <a:chOff x="0" y="0"/>
+          <a:chExt cx="0" cy="0"/>
+        </a:xfrm>
+      </p:grpSpPr>
+      <p:sp>
+        <p:nvSpPr>
+          <p:cNvPr id="739" name="Google Shape;739;p37"/>
+          <p:cNvSpPr txBox="1">
+            <a:spLocks noGrp="1"/>
+          </p:cNvSpPr>
+          <p:nvPr>
+            <p:ph type="ctrTitle"/>
+          </p:nvPr>
+        </p:nvSpPr>
+        <p:spPr>
+          <a:xfrm>
+            <a:off x="729450" y="1322450"/>
+            <a:ext cx="7688100" cy="1664700"/>
+          </a:xfrm>
+          <a:prstGeom prst="rect">
+            <a:avLst/>
+          </a:prstGeom>
+        </p:spPr>
+        <p:txBody>
+          <a:bodyPr spcFirstLastPara="1" wrap="square" lIns="91425" tIns="91425" rIns="91425" bIns="91425" anchor="t" anchorCtr="0">
+            <a:noAutofit/>
+          </a:bodyPr>
+          <a:lstStyle/>
+          <a:p>
+            <a:pPr marL="0" lvl="0" indent="0" algn="l" rtl="0">
+              <a:spcBef>
+                <a:spcPts val="0"/>
+              </a:spcBef>
+              <a:spcAft>
+                <a:spcPts val="0"/>
+              </a:spcAft>
+              <a:buNone/>
+            </a:pPr>
+            <a:r>
+              <a:rPr lang="en-GB" sz="4800">
+                <a:solidFill>
+                  <a:srgbClr val="000000"/>
+                </a:solidFill>
+              </a:rPr>
+              <a:t>Thank you.</a:t>
+            </a:r>
+            <a:endParaRPr/>
           </a:p>
         </p:txBody>
       </p:sp>
@@ -19209,7 +26500,7 @@
         </p:nvSpPr>
         <p:spPr>
           <a:xfrm>
-            <a:off x="439814" y="1974829"/>
+            <a:off x="364313" y="1689603"/>
             <a:ext cx="3367978" cy="332143"/>
           </a:xfrm>
           <a:prstGeom prst="rect">
@@ -19476,17 +26767,25 @@
               <a:buNone/>
             </a:pPr>
             <a:r>
+              <a:rPr lang="en-US" b="1" dirty="0"/>
+              <a:t>Previous Outcome</a:t>
+            </a:r>
+            <a:r>
+              <a:rPr lang="en-US" dirty="0"/>
+              <a:t>: Outcome of the previous marketing campaign</a:t>
+            </a:r>
+          </a:p>
+          <a:p>
+            <a:endParaRPr lang="en-US" dirty="0"/>
+          </a:p>
+          <a:p>
+            <a:r>
               <a:rPr lang="en-US" dirty="0"/>
               <a:t>The “success” category in Previous outcome is significantly more likely to have another success </a:t>
             </a:r>
           </a:p>
           <a:p>
-            <a:pPr marL="146050" indent="0">
-              <a:buNone/>
-            </a:pPr>
-            <a:endParaRPr lang="en-US" dirty="0"/>
-          </a:p>
-          <a:p>
+            <a:pPr lvl="1"/>
             <a:r>
               <a:rPr lang="en-US" dirty="0"/>
               <a:t>Around 65% are likely to have another success </a:t>
@@ -19530,6 +26829,53 @@
           </a:prstGeom>
         </p:spPr>
       </p:pic>
+      <p:sp>
+        <p:nvSpPr>
+          <p:cNvPr id="3" name="Rectangle 2">
+            <a:extLst>
+              <a:ext uri="{FF2B5EF4-FFF2-40B4-BE49-F238E27FC236}">
+                <a16:creationId xmlns:a16="http://schemas.microsoft.com/office/drawing/2014/main" id="{C0FD18BB-63B2-4E69-C00E-BCC1A30FBD8A}"/>
+              </a:ext>
+            </a:extLst>
+          </p:cNvPr>
+          <p:cNvSpPr/>
+          <p:nvPr/>
+        </p:nvSpPr>
+        <p:spPr>
+          <a:xfrm>
+            <a:off x="6539948" y="2021746"/>
+            <a:ext cx="974035" cy="2619828"/>
+          </a:xfrm>
+          <a:prstGeom prst="rect">
+            <a:avLst/>
+          </a:prstGeom>
+          <a:noFill/>
+        </p:spPr>
+        <p:style>
+          <a:lnRef idx="2">
+            <a:schemeClr val="accent1">
+              <a:shade val="50000"/>
+            </a:schemeClr>
+          </a:lnRef>
+          <a:fillRef idx="1">
+            <a:schemeClr val="accent1"/>
+          </a:fillRef>
+          <a:effectRef idx="0">
+            <a:schemeClr val="accent1"/>
+          </a:effectRef>
+          <a:fontRef idx="minor">
+            <a:schemeClr val="lt1"/>
+          </a:fontRef>
+        </p:style>
+        <p:txBody>
+          <a:bodyPr rtlCol="0" anchor="ctr"/>
+          <a:lstStyle/>
+          <a:p>
+            <a:pPr algn="ctr"/>
+            <a:endParaRPr lang="en-US"/>
+          </a:p>
+        </p:txBody>
+      </p:sp>
     </p:spTree>
     <p:custDataLst>
       <p:tags r:id="rId1"/>
@@ -19554,7 +26900,7 @@
 
 <file path=ppt/tags/tag10.xml><?xml version="1.0" encoding="utf-8"?>
 <p:tagLst xmlns:a="http://schemas.openxmlformats.org/drawingml/2006/main" xmlns:r="http://schemas.openxmlformats.org/officeDocument/2006/relationships" xmlns:p="http://schemas.openxmlformats.org/presentationml/2006/main">
-  <p:tag name="TIMING" val="|12.7|1.8|1|1.2|1.6|1.1|1.4|1.3|1.5|1.6|21.8"/>
+  <p:tag name="TIMING" val="|3.2|4.7|2.3"/>
 </p:tagLst>
 </file>
 
@@ -19576,9 +26922,81 @@
 </p:tagLst>
 </file>
 
+<file path=ppt/tags/tag14.xml><?xml version="1.0" encoding="utf-8"?>
+<p:tagLst xmlns:a="http://schemas.openxmlformats.org/drawingml/2006/main" xmlns:r="http://schemas.openxmlformats.org/officeDocument/2006/relationships" xmlns:p="http://schemas.openxmlformats.org/presentationml/2006/main">
+  <p:tag name="TIMING" val="|12.7|1.8|1|1.2|1.6|1.1|1.4|1.3|1.5|1.6|21.8"/>
+</p:tagLst>
+</file>
+
+<file path=ppt/tags/tag15.xml><?xml version="1.0" encoding="utf-8"?>
+<p:tagLst xmlns:a="http://schemas.openxmlformats.org/drawingml/2006/main" xmlns:r="http://schemas.openxmlformats.org/officeDocument/2006/relationships" xmlns:p="http://schemas.openxmlformats.org/presentationml/2006/main">
+  <p:tag name="TIMING" val="|12.7|1.8|1|1.2|1.6|1.1|1.4|1.3|1.5|1.6|21.8"/>
+</p:tagLst>
+</file>
+
+<file path=ppt/tags/tag16.xml><?xml version="1.0" encoding="utf-8"?>
+<p:tagLst xmlns:a="http://schemas.openxmlformats.org/drawingml/2006/main" xmlns:r="http://schemas.openxmlformats.org/officeDocument/2006/relationships" xmlns:p="http://schemas.openxmlformats.org/presentationml/2006/main">
+  <p:tag name="TIMING" val="|12.7|1.8|1|1.2|1.6|1.1|1.4|1.3|1.5|1.6|21.8"/>
+</p:tagLst>
+</file>
+
+<file path=ppt/tags/tag17.xml><?xml version="1.0" encoding="utf-8"?>
+<p:tagLst xmlns:a="http://schemas.openxmlformats.org/drawingml/2006/main" xmlns:r="http://schemas.openxmlformats.org/officeDocument/2006/relationships" xmlns:p="http://schemas.openxmlformats.org/presentationml/2006/main">
+  <p:tag name="TIMING" val="|12.7|1.8|1|1.2|1.6|1.1|1.4|1.3|1.5|1.6|21.8"/>
+</p:tagLst>
+</file>
+
+<file path=ppt/tags/tag18.xml><?xml version="1.0" encoding="utf-8"?>
+<p:tagLst xmlns:a="http://schemas.openxmlformats.org/drawingml/2006/main" xmlns:r="http://schemas.openxmlformats.org/officeDocument/2006/relationships" xmlns:p="http://schemas.openxmlformats.org/presentationml/2006/main">
+  <p:tag name="TIMING" val="|12.7|1.8|1|1.2|1.6|1.1|1.4|1.3|1.5|1.6|21.8"/>
+</p:tagLst>
+</file>
+
+<file path=ppt/tags/tag19.xml><?xml version="1.0" encoding="utf-8"?>
+<p:tagLst xmlns:a="http://schemas.openxmlformats.org/drawingml/2006/main" xmlns:r="http://schemas.openxmlformats.org/officeDocument/2006/relationships" xmlns:p="http://schemas.openxmlformats.org/presentationml/2006/main">
+  <p:tag name="TIMING" val="|12.7|1.8|1|1.2|1.6|1.1|1.4|1.3|1.5|1.6|21.8"/>
+</p:tagLst>
+</file>
+
 <file path=ppt/tags/tag2.xml><?xml version="1.0" encoding="utf-8"?>
 <p:tagLst xmlns:a="http://schemas.openxmlformats.org/drawingml/2006/main" xmlns:r="http://schemas.openxmlformats.org/officeDocument/2006/relationships" xmlns:p="http://schemas.openxmlformats.org/presentationml/2006/main">
   <p:tag name="TIMING" val="|3.2|4.7|2.3"/>
+</p:tagLst>
+</file>
+
+<file path=ppt/tags/tag20.xml><?xml version="1.0" encoding="utf-8"?>
+<p:tagLst xmlns:a="http://schemas.openxmlformats.org/drawingml/2006/main" xmlns:r="http://schemas.openxmlformats.org/officeDocument/2006/relationships" xmlns:p="http://schemas.openxmlformats.org/presentationml/2006/main">
+  <p:tag name="TIMING" val="|12.7|1.8|1|1.2|1.6|1.1|1.4|1.3|1.5|1.6|21.8"/>
+</p:tagLst>
+</file>
+
+<file path=ppt/tags/tag21.xml><?xml version="1.0" encoding="utf-8"?>
+<p:tagLst xmlns:a="http://schemas.openxmlformats.org/drawingml/2006/main" xmlns:r="http://schemas.openxmlformats.org/officeDocument/2006/relationships" xmlns:p="http://schemas.openxmlformats.org/presentationml/2006/main">
+  <p:tag name="TIMING" val="|12.7|1.8|1|1.2|1.6|1.1|1.4|1.3|1.5|1.6|21.8"/>
+</p:tagLst>
+</file>
+
+<file path=ppt/tags/tag22.xml><?xml version="1.0" encoding="utf-8"?>
+<p:tagLst xmlns:a="http://schemas.openxmlformats.org/drawingml/2006/main" xmlns:r="http://schemas.openxmlformats.org/officeDocument/2006/relationships" xmlns:p="http://schemas.openxmlformats.org/presentationml/2006/main">
+  <p:tag name="TIMING" val="|12.7|1.8|1|1.2|1.6|1.1|1.4|1.3|1.5|1.6|21.8"/>
+</p:tagLst>
+</file>
+
+<file path=ppt/tags/tag23.xml><?xml version="1.0" encoding="utf-8"?>
+<p:tagLst xmlns:a="http://schemas.openxmlformats.org/drawingml/2006/main" xmlns:r="http://schemas.openxmlformats.org/officeDocument/2006/relationships" xmlns:p="http://schemas.openxmlformats.org/presentationml/2006/main">
+  <p:tag name="TIMING" val="|12.7|1.8|1|1.2|1.6|1.1|1.4|1.3|1.5|1.6|21.8"/>
+</p:tagLst>
+</file>
+
+<file path=ppt/tags/tag24.xml><?xml version="1.0" encoding="utf-8"?>
+<p:tagLst xmlns:a="http://schemas.openxmlformats.org/drawingml/2006/main" xmlns:r="http://schemas.openxmlformats.org/officeDocument/2006/relationships" xmlns:p="http://schemas.openxmlformats.org/presentationml/2006/main">
+  <p:tag name="TIMING" val="|12.7|1.8|1|1.2|1.6|1.1|1.4|1.3|1.5|1.6|21.8"/>
+</p:tagLst>
+</file>
+
+<file path=ppt/tags/tag25.xml><?xml version="1.0" encoding="utf-8"?>
+<p:tagLst xmlns:a="http://schemas.openxmlformats.org/drawingml/2006/main" xmlns:r="http://schemas.openxmlformats.org/officeDocument/2006/relationships" xmlns:p="http://schemas.openxmlformats.org/presentationml/2006/main">
+  <p:tag name="TIMING" val="|12.7|1.8|1|1.2|1.6|1.1|1.4|1.3|1.5|1.6|21.8"/>
 </p:tagLst>
 </file>
 

--- a/Project2_Chang_Craus_Yule.pptx
+++ b/Project2_Chang_Craus_Yule.pptx
@@ -30,13 +30,13 @@
     <p:sldId id="300" r:id="rId21"/>
     <p:sldId id="313" r:id="rId22"/>
     <p:sldId id="314" r:id="rId23"/>
-    <p:sldId id="318" r:id="rId24"/>
-    <p:sldId id="319" r:id="rId25"/>
-    <p:sldId id="315" r:id="rId26"/>
-    <p:sldId id="322" r:id="rId27"/>
-    <p:sldId id="320" r:id="rId28"/>
-    <p:sldId id="316" r:id="rId29"/>
-    <p:sldId id="323" r:id="rId30"/>
+    <p:sldId id="319" r:id="rId24"/>
+    <p:sldId id="315" r:id="rId25"/>
+    <p:sldId id="322" r:id="rId26"/>
+    <p:sldId id="320" r:id="rId27"/>
+    <p:sldId id="316" r:id="rId28"/>
+    <p:sldId id="323" r:id="rId29"/>
+    <p:sldId id="325" r:id="rId30"/>
     <p:sldId id="317" r:id="rId31"/>
     <p:sldId id="324" r:id="rId32"/>
     <p:sldId id="275" r:id="rId33"/>
@@ -310,7 +310,7 @@
 <file path=ppt/revisionInfo.xml><?xml version="1.0" encoding="utf-8"?>
 <p1510:revInfo xmlns:a="http://schemas.openxmlformats.org/drawingml/2006/main" xmlns:r="http://schemas.openxmlformats.org/officeDocument/2006/relationships" xmlns:p1510="http://schemas.microsoft.com/office/powerpoint/2015/10/main">
   <p1510:revLst>
-    <p1510:client id="{32165585-CB35-4C33-B919-9B0DD83E6E32}" v="59" dt="2023-04-11T02:10:57.894"/>
+    <p1510:client id="{32165585-CB35-4C33-B919-9B0DD83E6E32}" v="80" dt="2023-04-11T21:03:48.105"/>
   </p1510:revLst>
 </p1510:revInfo>
 </file>
@@ -320,7 +320,7 @@
   <pc:docChgLst>
     <pc:chgData name="Carolina Craus" userId="bae62b9d695bbdd6" providerId="LiveId" clId="{32165585-CB35-4C33-B919-9B0DD83E6E32}"/>
     <pc:docChg chg="undo redo custSel addSld delSld modSld sldOrd">
-      <pc:chgData name="Carolina Craus" userId="bae62b9d695bbdd6" providerId="LiveId" clId="{32165585-CB35-4C33-B919-9B0DD83E6E32}" dt="2023-04-11T02:12:42.380" v="2927" actId="692"/>
+      <pc:chgData name="Carolina Craus" userId="bae62b9d695bbdd6" providerId="LiveId" clId="{32165585-CB35-4C33-B919-9B0DD83E6E32}" dt="2023-04-11T21:04:49.058" v="3485" actId="1076"/>
       <pc:docMkLst>
         <pc:docMk/>
       </pc:docMkLst>
@@ -654,7 +654,7 @@
         </pc:sldMkLst>
       </pc:sldChg>
       <pc:sldChg chg="addSp delSp modSp add mod ord">
-        <pc:chgData name="Carolina Craus" userId="bae62b9d695bbdd6" providerId="LiveId" clId="{32165585-CB35-4C33-B919-9B0DD83E6E32}" dt="2023-04-10T23:54:26.735" v="1702" actId="20577"/>
+        <pc:chgData name="Carolina Craus" userId="bae62b9d695bbdd6" providerId="LiveId" clId="{32165585-CB35-4C33-B919-9B0DD83E6E32}" dt="2023-04-11T16:32:31.205" v="3310" actId="1076"/>
         <pc:sldMkLst>
           <pc:docMk/>
           <pc:sldMk cId="3650616390" sldId="312"/>
@@ -665,6 +665,14 @@
             <pc:docMk/>
             <pc:sldMk cId="3650616390" sldId="312"/>
             <ac:spMk id="2" creationId="{8B170740-DB3F-076A-A2D2-9555F51D2D32}"/>
+          </ac:spMkLst>
+        </pc:spChg>
+        <pc:spChg chg="add mod">
+          <ac:chgData name="Carolina Craus" userId="bae62b9d695bbdd6" providerId="LiveId" clId="{32165585-CB35-4C33-B919-9B0DD83E6E32}" dt="2023-04-11T16:32:31.205" v="3310" actId="1076"/>
+          <ac:spMkLst>
+            <pc:docMk/>
+            <pc:sldMk cId="3650616390" sldId="312"/>
+            <ac:spMk id="3" creationId="{FA3D0E03-443F-D359-1F98-DD5743C83E0F}"/>
           </ac:spMkLst>
         </pc:spChg>
         <pc:spChg chg="add del">
@@ -692,7 +700,7 @@
           </ac:spMkLst>
         </pc:spChg>
         <pc:spChg chg="mod">
-          <ac:chgData name="Carolina Craus" userId="bae62b9d695bbdd6" providerId="LiveId" clId="{32165585-CB35-4C33-B919-9B0DD83E6E32}" dt="2023-04-10T23:54:26.735" v="1702" actId="20577"/>
+          <ac:chgData name="Carolina Craus" userId="bae62b9d695bbdd6" providerId="LiveId" clId="{32165585-CB35-4C33-B919-9B0DD83E6E32}" dt="2023-04-11T16:31:27.335" v="3190" actId="20577"/>
           <ac:spMkLst>
             <pc:docMk/>
             <pc:sldMk cId="3650616390" sldId="312"/>
@@ -708,7 +716,7 @@
           </ac:picMkLst>
         </pc:picChg>
         <pc:picChg chg="add mod">
-          <ac:chgData name="Carolina Craus" userId="bae62b9d695bbdd6" providerId="LiveId" clId="{32165585-CB35-4C33-B919-9B0DD83E6E32}" dt="2023-04-10T22:13:11.240" v="1478" actId="1076"/>
+          <ac:chgData name="Carolina Craus" userId="bae62b9d695bbdd6" providerId="LiveId" clId="{32165585-CB35-4C33-B919-9B0DD83E6E32}" dt="2023-04-11T16:31:39.446" v="3193" actId="1076"/>
           <ac:picMkLst>
             <pc:docMk/>
             <pc:sldMk cId="3650616390" sldId="312"/>
@@ -724,13 +732,13 @@
         </pc:sldMkLst>
       </pc:sldChg>
       <pc:sldChg chg="addSp delSp modSp add mod ord">
-        <pc:chgData name="Carolina Craus" userId="bae62b9d695bbdd6" providerId="LiveId" clId="{32165585-CB35-4C33-B919-9B0DD83E6E32}" dt="2023-04-11T00:34:29.838" v="2207" actId="14100"/>
+        <pc:chgData name="Carolina Craus" userId="bae62b9d695bbdd6" providerId="LiveId" clId="{32165585-CB35-4C33-B919-9B0DD83E6E32}" dt="2023-04-11T16:18:45.914" v="3021" actId="14100"/>
         <pc:sldMkLst>
           <pc:docMk/>
           <pc:sldMk cId="3948659839" sldId="313"/>
         </pc:sldMkLst>
         <pc:spChg chg="mod">
-          <ac:chgData name="Carolina Craus" userId="bae62b9d695bbdd6" providerId="LiveId" clId="{32165585-CB35-4C33-B919-9B0DD83E6E32}" dt="2023-04-11T00:15:11.699" v="1709" actId="20577"/>
+          <ac:chgData name="Carolina Craus" userId="bae62b9d695bbdd6" providerId="LiveId" clId="{32165585-CB35-4C33-B919-9B0DD83E6E32}" dt="2023-04-11T16:15:57.726" v="2946" actId="1076"/>
           <ac:spMkLst>
             <pc:docMk/>
             <pc:sldMk cId="3948659839" sldId="313"/>
@@ -738,7 +746,7 @@
           </ac:spMkLst>
         </pc:spChg>
         <pc:spChg chg="add mod">
-          <ac:chgData name="Carolina Craus" userId="bae62b9d695bbdd6" providerId="LiveId" clId="{32165585-CB35-4C33-B919-9B0DD83E6E32}" dt="2023-04-11T00:27:16.826" v="2036" actId="13822"/>
+          <ac:chgData name="Carolina Craus" userId="bae62b9d695bbdd6" providerId="LiveId" clId="{32165585-CB35-4C33-B919-9B0DD83E6E32}" dt="2023-04-11T16:17:46.222" v="3002" actId="1076"/>
           <ac:spMkLst>
             <pc:docMk/>
             <pc:sldMk cId="3948659839" sldId="313"/>
@@ -746,7 +754,7 @@
           </ac:spMkLst>
         </pc:spChg>
         <pc:spChg chg="mod">
-          <ac:chgData name="Carolina Craus" userId="bae62b9d695bbdd6" providerId="LiveId" clId="{32165585-CB35-4C33-B919-9B0DD83E6E32}" dt="2023-04-11T00:32:54.764" v="2184" actId="20577"/>
+          <ac:chgData name="Carolina Craus" userId="bae62b9d695bbdd6" providerId="LiveId" clId="{32165585-CB35-4C33-B919-9B0DD83E6E32}" dt="2023-04-11T16:17:44.154" v="3001" actId="1076"/>
           <ac:spMkLst>
             <pc:docMk/>
             <pc:sldMk cId="3948659839" sldId="313"/>
@@ -754,7 +762,7 @@
           </ac:spMkLst>
         </pc:spChg>
         <pc:spChg chg="add mod">
-          <ac:chgData name="Carolina Craus" userId="bae62b9d695bbdd6" providerId="LiveId" clId="{32165585-CB35-4C33-B919-9B0DD83E6E32}" dt="2023-04-11T00:33:47.756" v="2196" actId="1076"/>
+          <ac:chgData name="Carolina Craus" userId="bae62b9d695bbdd6" providerId="LiveId" clId="{32165585-CB35-4C33-B919-9B0DD83E6E32}" dt="2023-04-11T16:16:28.545" v="2956" actId="1076"/>
           <ac:spMkLst>
             <pc:docMk/>
             <pc:sldMk cId="3948659839" sldId="313"/>
@@ -778,7 +786,15 @@
           </ac:spMkLst>
         </pc:spChg>
         <pc:spChg chg="add mod">
-          <ac:chgData name="Carolina Craus" userId="bae62b9d695bbdd6" providerId="LiveId" clId="{32165585-CB35-4C33-B919-9B0DD83E6E32}" dt="2023-04-11T00:33:43.638" v="2195" actId="1076"/>
+          <ac:chgData name="Carolina Craus" userId="bae62b9d695bbdd6" providerId="LiveId" clId="{32165585-CB35-4C33-B919-9B0DD83E6E32}" dt="2023-04-11T16:18:11.539" v="3010" actId="1076"/>
+          <ac:spMkLst>
+            <pc:docMk/>
+            <pc:sldMk cId="3948659839" sldId="313"/>
+            <ac:spMk id="14" creationId="{235B448C-A29E-C37B-FACB-37DB40F069ED}"/>
+          </ac:spMkLst>
+        </pc:spChg>
+        <pc:spChg chg="add mod">
+          <ac:chgData name="Carolina Craus" userId="bae62b9d695bbdd6" providerId="LiveId" clId="{32165585-CB35-4C33-B919-9B0DD83E6E32}" dt="2023-04-11T16:18:04.217" v="3009" actId="1076"/>
           <ac:spMkLst>
             <pc:docMk/>
             <pc:sldMk cId="3948659839" sldId="313"/>
@@ -786,7 +802,7 @@
           </ac:spMkLst>
         </pc:spChg>
         <pc:spChg chg="add mod">
-          <ac:chgData name="Carolina Craus" userId="bae62b9d695bbdd6" providerId="LiveId" clId="{32165585-CB35-4C33-B919-9B0DD83E6E32}" dt="2023-04-11T00:33:39.695" v="2194" actId="1076"/>
+          <ac:chgData name="Carolina Craus" userId="bae62b9d695bbdd6" providerId="LiveId" clId="{32165585-CB35-4C33-B919-9B0DD83E6E32}" dt="2023-04-11T16:18:02.248" v="3008" actId="1076"/>
           <ac:spMkLst>
             <pc:docMk/>
             <pc:sldMk cId="3948659839" sldId="313"/>
@@ -794,7 +810,7 @@
           </ac:spMkLst>
         </pc:spChg>
         <pc:spChg chg="add mod">
-          <ac:chgData name="Carolina Craus" userId="bae62b9d695bbdd6" providerId="LiveId" clId="{32165585-CB35-4C33-B919-9B0DD83E6E32}" dt="2023-04-11T00:33:30.780" v="2193" actId="1076"/>
+          <ac:chgData name="Carolina Craus" userId="bae62b9d695bbdd6" providerId="LiveId" clId="{32165585-CB35-4C33-B919-9B0DD83E6E32}" dt="2023-04-11T16:18:16.366" v="3011" actId="1076"/>
           <ac:spMkLst>
             <pc:docMk/>
             <pc:sldMk cId="3948659839" sldId="313"/>
@@ -817,8 +833,8 @@
             <ac:cxnSpMk id="13" creationId="{5F70714E-EFC6-2B2F-A8C0-39BE5507BA5C}"/>
           </ac:cxnSpMkLst>
         </pc:cxnChg>
-        <pc:cxnChg chg="add">
-          <ac:chgData name="Carolina Craus" userId="bae62b9d695bbdd6" providerId="LiveId" clId="{32165585-CB35-4C33-B919-9B0DD83E6E32}" dt="2023-04-11T00:33:52.534" v="2197" actId="11529"/>
+        <pc:cxnChg chg="add mod">
+          <ac:chgData name="Carolina Craus" userId="bae62b9d695bbdd6" providerId="LiveId" clId="{32165585-CB35-4C33-B919-9B0DD83E6E32}" dt="2023-04-11T16:17:48.842" v="3003" actId="14100"/>
           <ac:cxnSpMkLst>
             <pc:docMk/>
             <pc:sldMk cId="3948659839" sldId="313"/>
@@ -826,7 +842,7 @@
           </ac:cxnSpMkLst>
         </pc:cxnChg>
         <pc:cxnChg chg="add mod">
-          <ac:chgData name="Carolina Craus" userId="bae62b9d695bbdd6" providerId="LiveId" clId="{32165585-CB35-4C33-B919-9B0DD83E6E32}" dt="2023-04-11T00:34:06.134" v="2199" actId="14100"/>
+          <ac:chgData name="Carolina Craus" userId="bae62b9d695bbdd6" providerId="LiveId" clId="{32165585-CB35-4C33-B919-9B0DD83E6E32}" dt="2023-04-11T16:18:19.841" v="3012" actId="14100"/>
           <ac:cxnSpMkLst>
             <pc:docMk/>
             <pc:sldMk cId="3948659839" sldId="313"/>
@@ -834,7 +850,7 @@
           </ac:cxnSpMkLst>
         </pc:cxnChg>
         <pc:cxnChg chg="add mod">
-          <ac:chgData name="Carolina Craus" userId="bae62b9d695bbdd6" providerId="LiveId" clId="{32165585-CB35-4C33-B919-9B0DD83E6E32}" dt="2023-04-11T00:34:19.075" v="2203" actId="14100"/>
+          <ac:chgData name="Carolina Craus" userId="bae62b9d695bbdd6" providerId="LiveId" clId="{32165585-CB35-4C33-B919-9B0DD83E6E32}" dt="2023-04-11T16:18:32.606" v="3016" actId="14100"/>
           <ac:cxnSpMkLst>
             <pc:docMk/>
             <pc:sldMk cId="3948659839" sldId="313"/>
@@ -842,26 +858,42 @@
           </ac:cxnSpMkLst>
         </pc:cxnChg>
         <pc:cxnChg chg="add mod">
-          <ac:chgData name="Carolina Craus" userId="bae62b9d695bbdd6" providerId="LiveId" clId="{32165585-CB35-4C33-B919-9B0DD83E6E32}" dt="2023-04-11T00:34:29.838" v="2207" actId="14100"/>
+          <ac:chgData name="Carolina Craus" userId="bae62b9d695bbdd6" providerId="LiveId" clId="{32165585-CB35-4C33-B919-9B0DD83E6E32}" dt="2023-04-11T16:18:38.091" v="3018" actId="14100"/>
           <ac:cxnSpMkLst>
             <pc:docMk/>
             <pc:sldMk cId="3948659839" sldId="313"/>
             <ac:cxnSpMk id="27" creationId="{28B69205-172E-1187-7805-065C3467D5FE}"/>
           </ac:cxnSpMkLst>
         </pc:cxnChg>
+        <pc:cxnChg chg="add mod">
+          <ac:chgData name="Carolina Craus" userId="bae62b9d695bbdd6" providerId="LiveId" clId="{32165585-CB35-4C33-B919-9B0DD83E6E32}" dt="2023-04-11T16:18:45.914" v="3021" actId="14100"/>
+          <ac:cxnSpMkLst>
+            <pc:docMk/>
+            <pc:sldMk cId="3948659839" sldId="313"/>
+            <ac:cxnSpMk id="28" creationId="{5DAC86BB-CAFD-B33D-F3AC-46BDB6104B5E}"/>
+          </ac:cxnSpMkLst>
+        </pc:cxnChg>
       </pc:sldChg>
-      <pc:sldChg chg="delSp modSp add mod">
-        <pc:chgData name="Carolina Craus" userId="bae62b9d695bbdd6" providerId="LiveId" clId="{32165585-CB35-4C33-B919-9B0DD83E6E32}" dt="2023-04-11T01:17:35.616" v="2397" actId="20577"/>
+      <pc:sldChg chg="addSp delSp modSp add mod">
+        <pc:chgData name="Carolina Craus" userId="bae62b9d695bbdd6" providerId="LiveId" clId="{32165585-CB35-4C33-B919-9B0DD83E6E32}" dt="2023-04-11T21:04:49.058" v="3485" actId="1076"/>
         <pc:sldMkLst>
           <pc:docMk/>
           <pc:sldMk cId="1416291944" sldId="314"/>
         </pc:sldMkLst>
         <pc:spChg chg="mod">
-          <ac:chgData name="Carolina Craus" userId="bae62b9d695bbdd6" providerId="LiveId" clId="{32165585-CB35-4C33-B919-9B0DD83E6E32}" dt="2023-04-11T01:17:35.616" v="2397" actId="20577"/>
+          <ac:chgData name="Carolina Craus" userId="bae62b9d695bbdd6" providerId="LiveId" clId="{32165585-CB35-4C33-B919-9B0DD83E6E32}" dt="2023-04-11T21:04:49.058" v="3485" actId="1076"/>
           <ac:spMkLst>
             <pc:docMk/>
             <pc:sldMk cId="1416291944" sldId="314"/>
             <ac:spMk id="2" creationId="{8B170740-DB3F-076A-A2D2-9555F51D2D32}"/>
+          </ac:spMkLst>
+        </pc:spChg>
+        <pc:spChg chg="add del">
+          <ac:chgData name="Carolina Craus" userId="bae62b9d695bbdd6" providerId="LiveId" clId="{32165585-CB35-4C33-B919-9B0DD83E6E32}" dt="2023-04-11T21:02:36.653" v="3443"/>
+          <ac:spMkLst>
+            <pc:docMk/>
+            <pc:sldMk cId="1416291944" sldId="314"/>
+            <ac:spMk id="3" creationId="{6D9819F1-9278-1A5C-2B30-EC52294B8CEB}"/>
           </ac:spMkLst>
         </pc:spChg>
         <pc:spChg chg="del">
@@ -888,6 +920,30 @@
             <ac:spMk id="6" creationId="{5D44B9AC-78E7-7ABF-9BE3-F3394203712C}"/>
           </ac:spMkLst>
         </pc:spChg>
+        <pc:spChg chg="add del">
+          <ac:chgData name="Carolina Craus" userId="bae62b9d695bbdd6" providerId="LiveId" clId="{32165585-CB35-4C33-B919-9B0DD83E6E32}" dt="2023-04-11T21:02:52.752" v="3450"/>
+          <ac:spMkLst>
+            <pc:docMk/>
+            <pc:sldMk cId="1416291944" sldId="314"/>
+            <ac:spMk id="6" creationId="{E49733DE-75C1-B643-2E4F-54191AAA319D}"/>
+          </ac:spMkLst>
+        </pc:spChg>
+        <pc:spChg chg="add del">
+          <ac:chgData name="Carolina Craus" userId="bae62b9d695bbdd6" providerId="LiveId" clId="{32165585-CB35-4C33-B919-9B0DD83E6E32}" dt="2023-04-11T21:03:17.671" v="3460"/>
+          <ac:spMkLst>
+            <pc:docMk/>
+            <pc:sldMk cId="1416291944" sldId="314"/>
+            <ac:spMk id="8" creationId="{3CC0965F-7176-A69B-6B99-E5273F43AC02}"/>
+          </ac:spMkLst>
+        </pc:spChg>
+        <pc:spChg chg="add del">
+          <ac:chgData name="Carolina Craus" userId="bae62b9d695bbdd6" providerId="LiveId" clId="{32165585-CB35-4C33-B919-9B0DD83E6E32}" dt="2023-04-11T21:03:48.086" v="3470"/>
+          <ac:spMkLst>
+            <pc:docMk/>
+            <pc:sldMk cId="1416291944" sldId="314"/>
+            <ac:spMk id="10" creationId="{2DD66360-1BD4-AC8E-0C7B-55342E7DF2A5}"/>
+          </ac:spMkLst>
+        </pc:spChg>
         <pc:spChg chg="del">
           <ac:chgData name="Carolina Craus" userId="bae62b9d695bbdd6" providerId="LiveId" clId="{32165585-CB35-4C33-B919-9B0DD83E6E32}" dt="2023-04-11T00:37:01.453" v="2209" actId="478"/>
           <ac:spMkLst>
@@ -912,6 +968,38 @@
             <ac:spMk id="18" creationId="{5516CC17-0DAA-CF95-C9CA-DF1CECD8F6FD}"/>
           </ac:spMkLst>
         </pc:spChg>
+        <pc:picChg chg="add mod">
+          <ac:chgData name="Carolina Craus" userId="bae62b9d695bbdd6" providerId="LiveId" clId="{32165585-CB35-4C33-B919-9B0DD83E6E32}" dt="2023-04-11T21:03:27.120" v="3465" actId="1076"/>
+          <ac:picMkLst>
+            <pc:docMk/>
+            <pc:sldMk cId="1416291944" sldId="314"/>
+            <ac:picMk id="4" creationId="{99C8CA08-3452-56B6-3BC4-65991832A913}"/>
+          </ac:picMkLst>
+        </pc:picChg>
+        <pc:picChg chg="add mod">
+          <ac:chgData name="Carolina Craus" userId="bae62b9d695bbdd6" providerId="LiveId" clId="{32165585-CB35-4C33-B919-9B0DD83E6E32}" dt="2023-04-11T21:04:15.417" v="3480" actId="1076"/>
+          <ac:picMkLst>
+            <pc:docMk/>
+            <pc:sldMk cId="1416291944" sldId="314"/>
+            <ac:picMk id="7" creationId="{515EF7C4-762C-1145-DD80-7827D9A3215A}"/>
+          </ac:picMkLst>
+        </pc:picChg>
+        <pc:picChg chg="add mod">
+          <ac:chgData name="Carolina Craus" userId="bae62b9d695bbdd6" providerId="LiveId" clId="{32165585-CB35-4C33-B919-9B0DD83E6E32}" dt="2023-04-11T21:03:31.580" v="3466" actId="1076"/>
+          <ac:picMkLst>
+            <pc:docMk/>
+            <pc:sldMk cId="1416291944" sldId="314"/>
+            <ac:picMk id="9" creationId="{7B8E1D54-81AD-E490-EC86-9FB342FE2745}"/>
+          </ac:picMkLst>
+        </pc:picChg>
+        <pc:picChg chg="add mod">
+          <ac:chgData name="Carolina Craus" userId="bae62b9d695bbdd6" providerId="LiveId" clId="{32165585-CB35-4C33-B919-9B0DD83E6E32}" dt="2023-04-11T21:04:33.371" v="3484" actId="14100"/>
+          <ac:picMkLst>
+            <pc:docMk/>
+            <pc:sldMk cId="1416291944" sldId="314"/>
+            <ac:picMk id="11" creationId="{7B8FD7CC-3226-C8C1-00B4-6F5174939AAD}"/>
+          </ac:picMkLst>
+        </pc:picChg>
         <pc:cxnChg chg="del">
           <ac:chgData name="Carolina Craus" userId="bae62b9d695bbdd6" providerId="LiveId" clId="{32165585-CB35-4C33-B919-9B0DD83E6E32}" dt="2023-04-11T00:37:01.453" v="2209" actId="478"/>
           <ac:cxnSpMkLst>
@@ -946,13 +1034,13 @@
         </pc:cxnChg>
       </pc:sldChg>
       <pc:sldChg chg="modSp add mod">
-        <pc:chgData name="Carolina Craus" userId="bae62b9d695bbdd6" providerId="LiveId" clId="{32165585-CB35-4C33-B919-9B0DD83E6E32}" dt="2023-04-11T02:05:47.916" v="2616" actId="20577"/>
+        <pc:chgData name="Carolina Craus" userId="bae62b9d695bbdd6" providerId="LiveId" clId="{32165585-CB35-4C33-B919-9B0DD83E6E32}" dt="2023-04-11T16:34:54.581" v="3378" actId="20577"/>
         <pc:sldMkLst>
           <pc:docMk/>
           <pc:sldMk cId="2932630224" sldId="315"/>
         </pc:sldMkLst>
         <pc:spChg chg="mod">
-          <ac:chgData name="Carolina Craus" userId="bae62b9d695bbdd6" providerId="LiveId" clId="{32165585-CB35-4C33-B919-9B0DD83E6E32}" dt="2023-04-11T02:05:47.916" v="2616" actId="20577"/>
+          <ac:chgData name="Carolina Craus" userId="bae62b9d695bbdd6" providerId="LiveId" clId="{32165585-CB35-4C33-B919-9B0DD83E6E32}" dt="2023-04-11T16:34:54.581" v="3378" actId="20577"/>
           <ac:spMkLst>
             <pc:docMk/>
             <pc:sldMk cId="2932630224" sldId="315"/>
@@ -998,8 +1086,8 @@
           </ac:picMkLst>
         </pc:picChg>
       </pc:sldChg>
-      <pc:sldChg chg="addSp delSp modSp add mod">
-        <pc:chgData name="Carolina Craus" userId="bae62b9d695bbdd6" providerId="LiveId" clId="{32165585-CB35-4C33-B919-9B0DD83E6E32}" dt="2023-04-11T02:12:42.380" v="2927" actId="692"/>
+      <pc:sldChg chg="addSp delSp modSp add del mod">
+        <pc:chgData name="Carolina Craus" userId="bae62b9d695bbdd6" providerId="LiveId" clId="{32165585-CB35-4C33-B919-9B0DD83E6E32}" dt="2023-04-11T20:31:17.837" v="3412" actId="47"/>
         <pc:sldMkLst>
           <pc:docMk/>
           <pc:sldMk cId="888533275" sldId="318"/>
@@ -1020,8 +1108,8 @@
             <ac:spMk id="4" creationId="{F3FF5CB8-026B-31AE-F6B4-6CB99725E31D}"/>
           </ac:spMkLst>
         </pc:spChg>
-        <pc:spChg chg="mod">
-          <ac:chgData name="Carolina Craus" userId="bae62b9d695bbdd6" providerId="LiveId" clId="{32165585-CB35-4C33-B919-9B0DD83E6E32}" dt="2023-04-11T02:12:42.380" v="2927" actId="692"/>
+        <pc:spChg chg="del mod">
+          <ac:chgData name="Carolina Craus" userId="bae62b9d695bbdd6" providerId="LiveId" clId="{32165585-CB35-4C33-B919-9B0DD83E6E32}" dt="2023-04-11T20:31:04.183" v="3411" actId="478"/>
           <ac:spMkLst>
             <pc:docMk/>
             <pc:sldMk cId="888533275" sldId="318"/>
@@ -1217,8 +1305,8 @@
           </ac:picMkLst>
         </pc:picChg>
       </pc:sldChg>
-      <pc:sldChg chg="modSp add mod">
-        <pc:chgData name="Carolina Craus" userId="bae62b9d695bbdd6" providerId="LiveId" clId="{32165585-CB35-4C33-B919-9B0DD83E6E32}" dt="2023-04-11T02:06:50.085" v="2679" actId="20577"/>
+      <pc:sldChg chg="addSp delSp modSp add mod">
+        <pc:chgData name="Carolina Craus" userId="bae62b9d695bbdd6" providerId="LiveId" clId="{32165585-CB35-4C33-B919-9B0DD83E6E32}" dt="2023-04-11T16:35:45.571" v="3387" actId="14100"/>
         <pc:sldMkLst>
           <pc:docMk/>
           <pc:sldMk cId="1414478187" sldId="323"/>
@@ -1231,6 +1319,38 @@
             <ac:spMk id="2" creationId="{8B170740-DB3F-076A-A2D2-9555F51D2D32}"/>
           </ac:spMkLst>
         </pc:spChg>
+        <pc:spChg chg="add del">
+          <ac:chgData name="Carolina Craus" userId="bae62b9d695bbdd6" providerId="LiveId" clId="{32165585-CB35-4C33-B919-9B0DD83E6E32}" dt="2023-04-11T16:35:33.628" v="3381"/>
+          <ac:spMkLst>
+            <pc:docMk/>
+            <pc:sldMk cId="1414478187" sldId="323"/>
+            <ac:spMk id="4" creationId="{CC5EA836-646B-8058-D297-9EE4F0981D6A}"/>
+          </ac:spMkLst>
+        </pc:spChg>
+        <pc:graphicFrameChg chg="modGraphic">
+          <ac:chgData name="Carolina Craus" userId="bae62b9d695bbdd6" providerId="LiveId" clId="{32165585-CB35-4C33-B919-9B0DD83E6E32}" dt="2023-04-11T16:15:26.548" v="2942" actId="20577"/>
+          <ac:graphicFrameMkLst>
+            <pc:docMk/>
+            <pc:sldMk cId="1414478187" sldId="323"/>
+            <ac:graphicFrameMk id="3" creationId="{CA4AB027-E888-2C3E-8C1E-4D6BB2527F50}"/>
+          </ac:graphicFrameMkLst>
+        </pc:graphicFrameChg>
+        <pc:picChg chg="del">
+          <ac:chgData name="Carolina Craus" userId="bae62b9d695bbdd6" providerId="LiveId" clId="{32165585-CB35-4C33-B919-9B0DD83E6E32}" dt="2023-04-11T16:35:31.415" v="3379" actId="478"/>
+          <ac:picMkLst>
+            <pc:docMk/>
+            <pc:sldMk cId="1414478187" sldId="323"/>
+            <ac:picMk id="5" creationId="{94917740-2CE1-C737-5A58-88E54369727B}"/>
+          </ac:picMkLst>
+        </pc:picChg>
+        <pc:picChg chg="add mod">
+          <ac:chgData name="Carolina Craus" userId="bae62b9d695bbdd6" providerId="LiveId" clId="{32165585-CB35-4C33-B919-9B0DD83E6E32}" dt="2023-04-11T16:35:45.571" v="3387" actId="14100"/>
+          <ac:picMkLst>
+            <pc:docMk/>
+            <pc:sldMk cId="1414478187" sldId="323"/>
+            <ac:picMk id="6" creationId="{0EA10C3A-1C31-1BCD-4890-66EFEC0113B2}"/>
+          </ac:picMkLst>
+        </pc:picChg>
       </pc:sldChg>
       <pc:sldChg chg="modSp add mod">
         <pc:chgData name="Carolina Craus" userId="bae62b9d695bbdd6" providerId="LiveId" clId="{32165585-CB35-4C33-B919-9B0DD83E6E32}" dt="2023-04-11T02:07:17.796" v="2719" actId="20577"/>
@@ -1246,6 +1366,53 @@
             <ac:spMk id="2" creationId="{8B170740-DB3F-076A-A2D2-9555F51D2D32}"/>
           </ac:spMkLst>
         </pc:spChg>
+      </pc:sldChg>
+      <pc:sldChg chg="addSp delSp modSp add mod ord">
+        <pc:chgData name="Carolina Craus" userId="bae62b9d695bbdd6" providerId="LiveId" clId="{32165585-CB35-4C33-B919-9B0DD83E6E32}" dt="2023-04-11T16:36:36.953" v="3410" actId="20577"/>
+        <pc:sldMkLst>
+          <pc:docMk/>
+          <pc:sldMk cId="3757629853" sldId="325"/>
+        </pc:sldMkLst>
+        <pc:spChg chg="mod">
+          <ac:chgData name="Carolina Craus" userId="bae62b9d695bbdd6" providerId="LiveId" clId="{32165585-CB35-4C33-B919-9B0DD83E6E32}" dt="2023-04-11T16:19:21.735" v="3042" actId="20577"/>
+          <ac:spMkLst>
+            <pc:docMk/>
+            <pc:sldMk cId="3757629853" sldId="325"/>
+            <ac:spMk id="2" creationId="{8B170740-DB3F-076A-A2D2-9555F51D2D32}"/>
+          </ac:spMkLst>
+        </pc:spChg>
+        <pc:spChg chg="add del">
+          <ac:chgData name="Carolina Craus" userId="bae62b9d695bbdd6" providerId="LiveId" clId="{32165585-CB35-4C33-B919-9B0DD83E6E32}" dt="2023-04-11T16:36:06.955" v="3392"/>
+          <ac:spMkLst>
+            <pc:docMk/>
+            <pc:sldMk cId="3757629853" sldId="325"/>
+            <ac:spMk id="4" creationId="{12263CA4-1AF6-1B89-19C4-37BB40F01B9C}"/>
+          </ac:spMkLst>
+        </pc:spChg>
+        <pc:graphicFrameChg chg="modGraphic">
+          <ac:chgData name="Carolina Craus" userId="bae62b9d695bbdd6" providerId="LiveId" clId="{32165585-CB35-4C33-B919-9B0DD83E6E32}" dt="2023-04-11T16:36:36.953" v="3410" actId="20577"/>
+          <ac:graphicFrameMkLst>
+            <pc:docMk/>
+            <pc:sldMk cId="3757629853" sldId="325"/>
+            <ac:graphicFrameMk id="3" creationId="{CA4AB027-E888-2C3E-8C1E-4D6BB2527F50}"/>
+          </ac:graphicFrameMkLst>
+        </pc:graphicFrameChg>
+        <pc:picChg chg="del">
+          <ac:chgData name="Carolina Craus" userId="bae62b9d695bbdd6" providerId="LiveId" clId="{32165585-CB35-4C33-B919-9B0DD83E6E32}" dt="2023-04-11T16:36:01.492" v="3390" actId="478"/>
+          <ac:picMkLst>
+            <pc:docMk/>
+            <pc:sldMk cId="3757629853" sldId="325"/>
+            <ac:picMk id="5" creationId="{94917740-2CE1-C737-5A58-88E54369727B}"/>
+          </ac:picMkLst>
+        </pc:picChg>
+        <pc:picChg chg="add mod">
+          <ac:chgData name="Carolina Craus" userId="bae62b9d695bbdd6" providerId="LiveId" clId="{32165585-CB35-4C33-B919-9B0DD83E6E32}" dt="2023-04-11T16:36:10.983" v="3395" actId="1076"/>
+          <ac:picMkLst>
+            <pc:docMk/>
+            <pc:sldMk cId="3757629853" sldId="325"/>
+            <ac:picMk id="6" creationId="{AC91B4BA-2879-5EA6-8154-51C2477B5AEE}"/>
+          </ac:picMkLst>
+        </pc:picChg>
       </pc:sldChg>
     </pc:docChg>
   </pc:docChgLst>
@@ -2857,7 +3024,7 @@
     </p:spTree>
     <p:extLst>
       <p:ext uri="{BB962C8B-B14F-4D97-AF65-F5344CB8AC3E}">
-        <p14:creationId xmlns:p14="http://schemas.microsoft.com/office/powerpoint/2010/main" val="1315237066"/>
+        <p14:creationId xmlns:p14="http://schemas.microsoft.com/office/powerpoint/2010/main" val="932338961"/>
       </p:ext>
     </p:extLst>
   </p:cSld>
@@ -2926,7 +3093,7 @@
     </p:spTree>
     <p:extLst>
       <p:ext uri="{BB962C8B-B14F-4D97-AF65-F5344CB8AC3E}">
-        <p14:creationId xmlns:p14="http://schemas.microsoft.com/office/powerpoint/2010/main" val="932338961"/>
+        <p14:creationId xmlns:p14="http://schemas.microsoft.com/office/powerpoint/2010/main" val="1276508841"/>
       </p:ext>
     </p:extLst>
   </p:cSld>
@@ -2995,7 +3162,7 @@
     </p:spTree>
     <p:extLst>
       <p:ext uri="{BB962C8B-B14F-4D97-AF65-F5344CB8AC3E}">
-        <p14:creationId xmlns:p14="http://schemas.microsoft.com/office/powerpoint/2010/main" val="1276508841"/>
+        <p14:creationId xmlns:p14="http://schemas.microsoft.com/office/powerpoint/2010/main" val="1890091762"/>
       </p:ext>
     </p:extLst>
   </p:cSld>
@@ -3064,7 +3231,7 @@
     </p:spTree>
     <p:extLst>
       <p:ext uri="{BB962C8B-B14F-4D97-AF65-F5344CB8AC3E}">
-        <p14:creationId xmlns:p14="http://schemas.microsoft.com/office/powerpoint/2010/main" val="1890091762"/>
+        <p14:creationId xmlns:p14="http://schemas.microsoft.com/office/powerpoint/2010/main" val="145002961"/>
       </p:ext>
     </p:extLst>
   </p:cSld>
@@ -3133,7 +3300,7 @@
     </p:spTree>
     <p:extLst>
       <p:ext uri="{BB962C8B-B14F-4D97-AF65-F5344CB8AC3E}">
-        <p14:creationId xmlns:p14="http://schemas.microsoft.com/office/powerpoint/2010/main" val="145002961"/>
+        <p14:creationId xmlns:p14="http://schemas.microsoft.com/office/powerpoint/2010/main" val="3210921180"/>
       </p:ext>
     </p:extLst>
   </p:cSld>
@@ -3202,7 +3369,7 @@
     </p:spTree>
     <p:extLst>
       <p:ext uri="{BB962C8B-B14F-4D97-AF65-F5344CB8AC3E}">
-        <p14:creationId xmlns:p14="http://schemas.microsoft.com/office/powerpoint/2010/main" val="3210921180"/>
+        <p14:creationId xmlns:p14="http://schemas.microsoft.com/office/powerpoint/2010/main" val="2429201677"/>
       </p:ext>
     </p:extLst>
   </p:cSld>
@@ -3271,7 +3438,7 @@
     </p:spTree>
     <p:extLst>
       <p:ext uri="{BB962C8B-B14F-4D97-AF65-F5344CB8AC3E}">
-        <p14:creationId xmlns:p14="http://schemas.microsoft.com/office/powerpoint/2010/main" val="2429201677"/>
+        <p14:creationId xmlns:p14="http://schemas.microsoft.com/office/powerpoint/2010/main" val="2231860709"/>
       </p:ext>
     </p:extLst>
   </p:cSld>
@@ -15494,7 +15661,7 @@
         <p:spPr>
           <a:xfrm>
             <a:off x="348345" y="4287845"/>
-            <a:ext cx="5607004" cy="855655"/>
+            <a:ext cx="4089432" cy="855655"/>
           </a:xfrm>
           <a:prstGeom prst="rect">
             <a:avLst/>
@@ -15761,16 +15928,7 @@
             </a:pPr>
             <a:r>
               <a:rPr lang="en-US" dirty="0"/>
-              <a:t>Loess plot of Age suggests </a:t>
-            </a:r>
-          </a:p>
-          <a:p>
-            <a:pPr marL="146050" indent="0">
-              <a:buNone/>
-            </a:pPr>
-            <a:r>
-              <a:rPr lang="en-US" dirty="0"/>
-              <a:t>Expected to be part of the model </a:t>
+              <a:t>Loess plot suggests Age could be expected to be part of the model, however, it was not significant in the models</a:t>
             </a:r>
           </a:p>
         </p:txBody>
@@ -15827,7 +15985,7 @@
         </p:blipFill>
         <p:spPr>
           <a:xfrm>
-            <a:off x="4706224" y="1761144"/>
+            <a:off x="4706224" y="1721402"/>
             <a:ext cx="4222983" cy="2606184"/>
           </a:xfrm>
           <a:prstGeom prst="rect">
@@ -15835,6 +15993,311 @@
           </a:prstGeom>
         </p:spPr>
       </p:pic>
+      <p:sp>
+        <p:nvSpPr>
+          <p:cNvPr id="3" name="Text Placeholder 2">
+            <a:extLst>
+              <a:ext uri="{FF2B5EF4-FFF2-40B4-BE49-F238E27FC236}">
+                <a16:creationId xmlns:a16="http://schemas.microsoft.com/office/drawing/2014/main" id="{FA3D0E03-443F-D359-1F98-DD5743C83E0F}"/>
+              </a:ext>
+            </a:extLst>
+          </p:cNvPr>
+          <p:cNvSpPr txBox="1">
+            <a:spLocks/>
+          </p:cNvSpPr>
+          <p:nvPr/>
+        </p:nvSpPr>
+        <p:spPr>
+          <a:xfrm>
+            <a:off x="4839775" y="4287844"/>
+            <a:ext cx="4089432" cy="855655"/>
+          </a:xfrm>
+          <a:prstGeom prst="rect">
+            <a:avLst/>
+          </a:prstGeom>
+          <a:noFill/>
+          <a:ln>
+            <a:noFill/>
+          </a:ln>
+        </p:spPr>
+        <p:txBody>
+          <a:bodyPr spcFirstLastPara="1" wrap="square" lIns="91425" tIns="91425" rIns="91425" bIns="91425" anchor="t" anchorCtr="0">
+            <a:noAutofit/>
+          </a:bodyPr>
+          <a:lstStyle>
+            <a:defPPr marR="0" lvl="0" algn="l" rtl="0">
+              <a:lnSpc>
+                <a:spcPct val="100000"/>
+              </a:lnSpc>
+              <a:spcBef>
+                <a:spcPts val="0"/>
+              </a:spcBef>
+              <a:spcAft>
+                <a:spcPts val="0"/>
+              </a:spcAft>
+            </a:defPPr>
+            <a:lvl1pPr marL="457200" marR="0" lvl="0" indent="-311150" algn="l" rtl="0">
+              <a:lnSpc>
+                <a:spcPct val="115000"/>
+              </a:lnSpc>
+              <a:spcBef>
+                <a:spcPts val="0"/>
+              </a:spcBef>
+              <a:spcAft>
+                <a:spcPts val="0"/>
+              </a:spcAft>
+              <a:buClr>
+                <a:schemeClr val="accent1"/>
+              </a:buClr>
+              <a:buSzPts val="1300"/>
+              <a:buFont typeface="Lato"/>
+              <a:buChar char="●"/>
+              <a:defRPr sz="1300" b="0" i="0" u="none" strike="noStrike" cap="none">
+                <a:solidFill>
+                  <a:schemeClr val="accent1"/>
+                </a:solidFill>
+                <a:latin typeface="Lato"/>
+                <a:ea typeface="Lato"/>
+                <a:cs typeface="Lato"/>
+                <a:sym typeface="Lato"/>
+              </a:defRPr>
+            </a:lvl1pPr>
+            <a:lvl2pPr marL="914400" marR="0" lvl="1" indent="-298450" algn="l" rtl="0">
+              <a:lnSpc>
+                <a:spcPct val="115000"/>
+              </a:lnSpc>
+              <a:spcBef>
+                <a:spcPts val="1600"/>
+              </a:spcBef>
+              <a:spcAft>
+                <a:spcPts val="0"/>
+              </a:spcAft>
+              <a:buClr>
+                <a:schemeClr val="accent1"/>
+              </a:buClr>
+              <a:buSzPts val="1100"/>
+              <a:buFont typeface="Lato"/>
+              <a:buChar char="○"/>
+              <a:defRPr sz="1100" b="0" i="0" u="none" strike="noStrike" cap="none">
+                <a:solidFill>
+                  <a:schemeClr val="accent1"/>
+                </a:solidFill>
+                <a:latin typeface="Lato"/>
+                <a:ea typeface="Lato"/>
+                <a:cs typeface="Lato"/>
+                <a:sym typeface="Lato"/>
+              </a:defRPr>
+            </a:lvl2pPr>
+            <a:lvl3pPr marL="1371600" marR="0" lvl="2" indent="-298450" algn="l" rtl="0">
+              <a:lnSpc>
+                <a:spcPct val="115000"/>
+              </a:lnSpc>
+              <a:spcBef>
+                <a:spcPts val="1600"/>
+              </a:spcBef>
+              <a:spcAft>
+                <a:spcPts val="0"/>
+              </a:spcAft>
+              <a:buClr>
+                <a:schemeClr val="accent1"/>
+              </a:buClr>
+              <a:buSzPts val="1100"/>
+              <a:buFont typeface="Lato"/>
+              <a:buChar char="■"/>
+              <a:defRPr sz="1100" b="0" i="0" u="none" strike="noStrike" cap="none">
+                <a:solidFill>
+                  <a:schemeClr val="accent1"/>
+                </a:solidFill>
+                <a:latin typeface="Lato"/>
+                <a:ea typeface="Lato"/>
+                <a:cs typeface="Lato"/>
+                <a:sym typeface="Lato"/>
+              </a:defRPr>
+            </a:lvl3pPr>
+            <a:lvl4pPr marL="1828800" marR="0" lvl="3" indent="-298450" algn="l" rtl="0">
+              <a:lnSpc>
+                <a:spcPct val="115000"/>
+              </a:lnSpc>
+              <a:spcBef>
+                <a:spcPts val="1600"/>
+              </a:spcBef>
+              <a:spcAft>
+                <a:spcPts val="0"/>
+              </a:spcAft>
+              <a:buClr>
+                <a:schemeClr val="accent1"/>
+              </a:buClr>
+              <a:buSzPts val="1100"/>
+              <a:buFont typeface="Lato"/>
+              <a:buChar char="●"/>
+              <a:defRPr sz="1100" b="0" i="0" u="none" strike="noStrike" cap="none">
+                <a:solidFill>
+                  <a:schemeClr val="accent1"/>
+                </a:solidFill>
+                <a:latin typeface="Lato"/>
+                <a:ea typeface="Lato"/>
+                <a:cs typeface="Lato"/>
+                <a:sym typeface="Lato"/>
+              </a:defRPr>
+            </a:lvl4pPr>
+            <a:lvl5pPr marL="2286000" marR="0" lvl="4" indent="-298450" algn="l" rtl="0">
+              <a:lnSpc>
+                <a:spcPct val="115000"/>
+              </a:lnSpc>
+              <a:spcBef>
+                <a:spcPts val="1600"/>
+              </a:spcBef>
+              <a:spcAft>
+                <a:spcPts val="0"/>
+              </a:spcAft>
+              <a:buClr>
+                <a:schemeClr val="accent1"/>
+              </a:buClr>
+              <a:buSzPts val="1100"/>
+              <a:buFont typeface="Lato"/>
+              <a:buChar char="○"/>
+              <a:defRPr sz="1100" b="0" i="0" u="none" strike="noStrike" cap="none">
+                <a:solidFill>
+                  <a:schemeClr val="accent1"/>
+                </a:solidFill>
+                <a:latin typeface="Lato"/>
+                <a:ea typeface="Lato"/>
+                <a:cs typeface="Lato"/>
+                <a:sym typeface="Lato"/>
+              </a:defRPr>
+            </a:lvl5pPr>
+            <a:lvl6pPr marL="2743200" marR="0" lvl="5" indent="-298450" algn="l" rtl="0">
+              <a:lnSpc>
+                <a:spcPct val="115000"/>
+              </a:lnSpc>
+              <a:spcBef>
+                <a:spcPts val="1600"/>
+              </a:spcBef>
+              <a:spcAft>
+                <a:spcPts val="0"/>
+              </a:spcAft>
+              <a:buClr>
+                <a:schemeClr val="accent1"/>
+              </a:buClr>
+              <a:buSzPts val="1100"/>
+              <a:buFont typeface="Lato"/>
+              <a:buChar char="■"/>
+              <a:defRPr sz="1100" b="0" i="0" u="none" strike="noStrike" cap="none">
+                <a:solidFill>
+                  <a:schemeClr val="accent1"/>
+                </a:solidFill>
+                <a:latin typeface="Lato"/>
+                <a:ea typeface="Lato"/>
+                <a:cs typeface="Lato"/>
+                <a:sym typeface="Lato"/>
+              </a:defRPr>
+            </a:lvl6pPr>
+            <a:lvl7pPr marL="3200400" marR="0" lvl="6" indent="-298450" algn="l" rtl="0">
+              <a:lnSpc>
+                <a:spcPct val="115000"/>
+              </a:lnSpc>
+              <a:spcBef>
+                <a:spcPts val="1600"/>
+              </a:spcBef>
+              <a:spcAft>
+                <a:spcPts val="0"/>
+              </a:spcAft>
+              <a:buClr>
+                <a:schemeClr val="accent1"/>
+              </a:buClr>
+              <a:buSzPts val="1100"/>
+              <a:buFont typeface="Lato"/>
+              <a:buChar char="●"/>
+              <a:defRPr sz="1100" b="0" i="0" u="none" strike="noStrike" cap="none">
+                <a:solidFill>
+                  <a:schemeClr val="accent1"/>
+                </a:solidFill>
+                <a:latin typeface="Lato"/>
+                <a:ea typeface="Lato"/>
+                <a:cs typeface="Lato"/>
+                <a:sym typeface="Lato"/>
+              </a:defRPr>
+            </a:lvl7pPr>
+            <a:lvl8pPr marL="3657600" marR="0" lvl="7" indent="-298450" algn="l" rtl="0">
+              <a:lnSpc>
+                <a:spcPct val="115000"/>
+              </a:lnSpc>
+              <a:spcBef>
+                <a:spcPts val="1600"/>
+              </a:spcBef>
+              <a:spcAft>
+                <a:spcPts val="0"/>
+              </a:spcAft>
+              <a:buClr>
+                <a:schemeClr val="accent1"/>
+              </a:buClr>
+              <a:buSzPts val="1100"/>
+              <a:buFont typeface="Lato"/>
+              <a:buChar char="○"/>
+              <a:defRPr sz="1100" b="0" i="0" u="none" strike="noStrike" cap="none">
+                <a:solidFill>
+                  <a:schemeClr val="accent1"/>
+                </a:solidFill>
+                <a:latin typeface="Lato"/>
+                <a:ea typeface="Lato"/>
+                <a:cs typeface="Lato"/>
+                <a:sym typeface="Lato"/>
+              </a:defRPr>
+            </a:lvl8pPr>
+            <a:lvl9pPr marL="4114800" marR="0" lvl="8" indent="-298450" algn="l" rtl="0">
+              <a:lnSpc>
+                <a:spcPct val="115000"/>
+              </a:lnSpc>
+              <a:spcBef>
+                <a:spcPts val="1600"/>
+              </a:spcBef>
+              <a:spcAft>
+                <a:spcPts val="1600"/>
+              </a:spcAft>
+              <a:buClr>
+                <a:schemeClr val="accent1"/>
+              </a:buClr>
+              <a:buSzPts val="1100"/>
+              <a:buFont typeface="Lato"/>
+              <a:buChar char="■"/>
+              <a:defRPr sz="1100" b="0" i="0" u="none" strike="noStrike" cap="none">
+                <a:solidFill>
+                  <a:schemeClr val="accent1"/>
+                </a:solidFill>
+                <a:latin typeface="Lato"/>
+                <a:ea typeface="Lato"/>
+                <a:cs typeface="Lato"/>
+                <a:sym typeface="Lato"/>
+              </a:defRPr>
+            </a:lvl9pPr>
+          </a:lstStyle>
+          <a:p>
+            <a:pPr marL="146050" indent="0">
+              <a:buNone/>
+            </a:pPr>
+            <a:r>
+              <a:rPr lang="en-US" dirty="0"/>
+              <a:t>Loess plot suggests </a:t>
+            </a:r>
+            <a:r>
+              <a:rPr lang="en-US" dirty="0" err="1"/>
+              <a:t>Pdays</a:t>
+            </a:r>
+            <a:r>
+              <a:rPr lang="en-US" dirty="0"/>
+              <a:t> us expected to be part of the model, showing a linear relationship exists between </a:t>
+            </a:r>
+            <a:r>
+              <a:rPr lang="en-US" dirty="0" err="1"/>
+              <a:t>Pdays</a:t>
+            </a:r>
+            <a:r>
+              <a:rPr lang="en-US" dirty="0"/>
+              <a:t> and Subscription</a:t>
+            </a:r>
+          </a:p>
+        </p:txBody>
+      </p:sp>
     </p:spTree>
     <p:custDataLst>
       <p:tags r:id="rId1"/>
@@ -18858,8 +19321,8 @@
         </p:nvSpPr>
         <p:spPr>
           <a:xfrm>
-            <a:off x="725850" y="1761143"/>
-            <a:ext cx="7688700" cy="1111264"/>
+            <a:off x="355903" y="1761142"/>
+            <a:ext cx="2347834" cy="2447245"/>
           </a:xfrm>
           <a:prstGeom prst="rect">
             <a:avLst/>
@@ -19170,7 +19633,7 @@
         </p:nvSpPr>
         <p:spPr>
           <a:xfrm>
-            <a:off x="725850" y="3766930"/>
+            <a:off x="2911577" y="2571750"/>
             <a:ext cx="1868263" cy="735496"/>
           </a:xfrm>
           <a:prstGeom prst="rect">
@@ -19219,7 +19682,7 @@
         </p:nvSpPr>
         <p:spPr>
           <a:xfrm>
-            <a:off x="3410487" y="2452014"/>
+            <a:off x="5989358" y="740624"/>
             <a:ext cx="1977887" cy="675861"/>
           </a:xfrm>
           <a:prstGeom prst="rect">
@@ -19268,7 +19731,7 @@
         </p:nvSpPr>
         <p:spPr>
           <a:xfrm>
-            <a:off x="3465301" y="3230345"/>
+            <a:off x="6129653" y="1760090"/>
             <a:ext cx="1749287" cy="470921"/>
           </a:xfrm>
           <a:prstGeom prst="rect">
@@ -19317,7 +19780,7 @@
         </p:nvSpPr>
         <p:spPr>
           <a:xfrm>
-            <a:off x="3524788" y="3795272"/>
+            <a:off x="6101826" y="2494010"/>
             <a:ext cx="1749287" cy="470921"/>
           </a:xfrm>
           <a:prstGeom prst="rect">
@@ -19373,7 +19836,7 @@
         </p:nvSpPr>
         <p:spPr>
           <a:xfrm>
-            <a:off x="3465301" y="4360199"/>
+            <a:off x="6042337" y="4049008"/>
             <a:ext cx="1868263" cy="735496"/>
           </a:xfrm>
           <a:prstGeom prst="rect">
@@ -19403,7 +19866,7 @@
             <a:pPr algn="ctr"/>
             <a:r>
               <a:rPr lang="en-US" dirty="0"/>
-              <a:t>4. </a:t>
+              <a:t>5. </a:t>
             </a:r>
             <a:r>
               <a:rPr lang="en-US" dirty="0" err="1"/>
@@ -19432,13 +19895,16 @@
               </a:ext>
             </a:extLst>
           </p:cNvPr>
-          <p:cNvCxnSpPr/>
+          <p:cNvCxnSpPr>
+            <a:cxnSpLocks/>
+            <a:stCxn id="3" idx="3"/>
+          </p:cNvCxnSpPr>
           <p:nvPr/>
         </p:nvCxnSpPr>
         <p:spPr>
           <a:xfrm flipV="1">
-            <a:off x="2703443" y="2845412"/>
-            <a:ext cx="556592" cy="1289266"/>
+            <a:off x="4779840" y="1483788"/>
+            <a:ext cx="1361107" cy="1455710"/>
           </a:xfrm>
           <a:prstGeom prst="straightConnector1">
             <a:avLst/>
@@ -19478,8 +19944,8 @@
         </p:nvCxnSpPr>
         <p:spPr>
           <a:xfrm flipV="1">
-            <a:off x="2700963" y="3465805"/>
-            <a:ext cx="618707" cy="668873"/>
+            <a:off x="4801152" y="2150869"/>
+            <a:ext cx="1241185" cy="797445"/>
           </a:xfrm>
           <a:prstGeom prst="straightConnector1">
             <a:avLst/>
@@ -19514,14 +19980,15 @@
           </p:cNvPr>
           <p:cNvCxnSpPr>
             <a:cxnSpLocks/>
+            <a:stCxn id="3" idx="3"/>
             <a:endCxn id="17" idx="1"/>
           </p:cNvCxnSpPr>
           <p:nvPr/>
         </p:nvCxnSpPr>
         <p:spPr>
           <a:xfrm flipV="1">
-            <a:off x="2683592" y="4030733"/>
-            <a:ext cx="841196" cy="103945"/>
+            <a:off x="4779840" y="2729471"/>
+            <a:ext cx="1321986" cy="210027"/>
           </a:xfrm>
           <a:prstGeom prst="straightConnector1">
             <a:avLst/>
@@ -19556,14 +20023,113 @@
           </p:cNvPr>
           <p:cNvCxnSpPr>
             <a:cxnSpLocks/>
+            <a:endCxn id="14" idx="1"/>
+          </p:cNvCxnSpPr>
+          <p:nvPr/>
+        </p:nvCxnSpPr>
+        <p:spPr>
+          <a:xfrm>
+            <a:off x="4740719" y="2891266"/>
+            <a:ext cx="1221824" cy="650799"/>
+          </a:xfrm>
+          <a:prstGeom prst="straightConnector1">
+            <a:avLst/>
+          </a:prstGeom>
+          <a:ln>
+            <a:tailEnd type="triangle"/>
+          </a:ln>
+        </p:spPr>
+        <p:style>
+          <a:lnRef idx="1">
+            <a:schemeClr val="accent1"/>
+          </a:lnRef>
+          <a:fillRef idx="0">
+            <a:schemeClr val="accent1"/>
+          </a:fillRef>
+          <a:effectRef idx="0">
+            <a:schemeClr val="accent1"/>
+          </a:effectRef>
+          <a:fontRef idx="minor">
+            <a:schemeClr val="tx1"/>
+          </a:fontRef>
+        </p:style>
+      </p:cxnSp>
+      <p:sp>
+        <p:nvSpPr>
+          <p:cNvPr id="14" name="Rectangle 13">
+            <a:extLst>
+              <a:ext uri="{FF2B5EF4-FFF2-40B4-BE49-F238E27FC236}">
+                <a16:creationId xmlns:a16="http://schemas.microsoft.com/office/drawing/2014/main" id="{235B448C-A29E-C37B-FACB-37DB40F069ED}"/>
+              </a:ext>
+            </a:extLst>
+          </p:cNvPr>
+          <p:cNvSpPr/>
+          <p:nvPr/>
+        </p:nvSpPr>
+        <p:spPr>
+          <a:xfrm>
+            <a:off x="5962543" y="3243457"/>
+            <a:ext cx="2027852" cy="597215"/>
+          </a:xfrm>
+          <a:prstGeom prst="rect">
+            <a:avLst/>
+          </a:prstGeom>
+        </p:spPr>
+        <p:style>
+          <a:lnRef idx="2">
+            <a:schemeClr val="accent2">
+              <a:shade val="50000"/>
+            </a:schemeClr>
+          </a:lnRef>
+          <a:fillRef idx="1">
+            <a:schemeClr val="accent2"/>
+          </a:fillRef>
+          <a:effectRef idx="0">
+            <a:schemeClr val="accent2"/>
+          </a:effectRef>
+          <a:fontRef idx="minor">
+            <a:schemeClr val="lt1"/>
+          </a:fontRef>
+        </p:style>
+        <p:txBody>
+          <a:bodyPr rtlCol="0" anchor="ctr"/>
+          <a:lstStyle/>
+          <a:p>
+            <a:pPr algn="ctr"/>
+            <a:r>
+              <a:rPr lang="en-US" dirty="0"/>
+              <a:t>4. Random Forest Model </a:t>
+            </a:r>
+          </a:p>
+          <a:p>
+            <a:pPr algn="ctr"/>
+            <a:r>
+              <a:rPr lang="en-US" dirty="0"/>
+              <a:t>(Non-Parametric)</a:t>
+            </a:r>
+          </a:p>
+        </p:txBody>
+      </p:sp>
+      <p:cxnSp>
+        <p:nvCxnSpPr>
+          <p:cNvPr id="28" name="Straight Arrow Connector 27">
+            <a:extLst>
+              <a:ext uri="{FF2B5EF4-FFF2-40B4-BE49-F238E27FC236}">
+                <a16:creationId xmlns:a16="http://schemas.microsoft.com/office/drawing/2014/main" id="{5DAC86BB-CAFD-B33D-F3AC-46BDB6104B5E}"/>
+              </a:ext>
+            </a:extLst>
+          </p:cNvPr>
+          <p:cNvCxnSpPr>
+            <a:cxnSpLocks/>
+            <a:stCxn id="3" idx="3"/>
             <a:endCxn id="18" idx="1"/>
           </p:cNvCxnSpPr>
           <p:nvPr/>
         </p:nvCxnSpPr>
         <p:spPr>
           <a:xfrm>
-            <a:off x="2683592" y="4128093"/>
-            <a:ext cx="781709" cy="599854"/>
+            <a:off x="4779840" y="2939498"/>
+            <a:ext cx="1262497" cy="1477258"/>
           </a:xfrm>
           <a:prstGeom prst="straightConnector1">
             <a:avLst/>
@@ -19638,7 +20204,7 @@
         </p:nvSpPr>
         <p:spPr>
           <a:xfrm>
-            <a:off x="729450" y="726744"/>
+            <a:off x="501443" y="441519"/>
             <a:ext cx="7688700" cy="1034400"/>
           </a:xfrm>
         </p:spPr>
@@ -19695,8 +20261,20 @@
                   </a:schemeClr>
                 </a:solidFill>
               </a:rPr>
-              <a:t>    EDA</a:t>
+              <a:t>    EDA: Loess Plots for Duration</a:t>
             </a:r>
+          </a:p>
+          <a:p>
+            <a:pPr marL="146050" indent="0">
+              <a:buNone/>
+            </a:pPr>
+            <a:endParaRPr lang="en-US" dirty="0">
+              <a:solidFill>
+                <a:schemeClr val="bg1">
+                  <a:lumMod val="65000"/>
+                </a:schemeClr>
+              </a:solidFill>
+            </a:endParaRPr>
           </a:p>
         </p:txBody>
       </p:sp>
@@ -19992,6 +20570,126 @@
           </a:p>
         </p:txBody>
       </p:sp>
+      <p:pic>
+        <p:nvPicPr>
+          <p:cNvPr id="4" name="Picture 3">
+            <a:extLst>
+              <a:ext uri="{FF2B5EF4-FFF2-40B4-BE49-F238E27FC236}">
+                <a16:creationId xmlns:a16="http://schemas.microsoft.com/office/drawing/2014/main" id="{99C8CA08-3452-56B6-3BC4-65991832A913}"/>
+              </a:ext>
+            </a:extLst>
+          </p:cNvPr>
+          <p:cNvPicPr>
+            <a:picLocks noChangeAspect="1"/>
+          </p:cNvPicPr>
+          <p:nvPr/>
+        </p:nvPicPr>
+        <p:blipFill>
+          <a:blip r:embed="rId4"/>
+          <a:stretch>
+            <a:fillRect/>
+          </a:stretch>
+        </p:blipFill>
+        <p:spPr>
+          <a:xfrm>
+            <a:off x="501443" y="1761143"/>
+            <a:ext cx="2753647" cy="1699393"/>
+          </a:xfrm>
+          <a:prstGeom prst="rect">
+            <a:avLst/>
+          </a:prstGeom>
+        </p:spPr>
+      </p:pic>
+      <p:pic>
+        <p:nvPicPr>
+          <p:cNvPr id="7" name="Picture 6">
+            <a:extLst>
+              <a:ext uri="{FF2B5EF4-FFF2-40B4-BE49-F238E27FC236}">
+                <a16:creationId xmlns:a16="http://schemas.microsoft.com/office/drawing/2014/main" id="{515EF7C4-762C-1145-DD80-7827D9A3215A}"/>
+              </a:ext>
+            </a:extLst>
+          </p:cNvPr>
+          <p:cNvPicPr>
+            <a:picLocks noChangeAspect="1"/>
+          </p:cNvPicPr>
+          <p:nvPr/>
+        </p:nvPicPr>
+        <p:blipFill>
+          <a:blip r:embed="rId5"/>
+          <a:stretch>
+            <a:fillRect/>
+          </a:stretch>
+        </p:blipFill>
+        <p:spPr>
+          <a:xfrm>
+            <a:off x="3479497" y="1761142"/>
+            <a:ext cx="2753646" cy="1699393"/>
+          </a:xfrm>
+          <a:prstGeom prst="rect">
+            <a:avLst/>
+          </a:prstGeom>
+        </p:spPr>
+      </p:pic>
+      <p:pic>
+        <p:nvPicPr>
+          <p:cNvPr id="9" name="Picture 8">
+            <a:extLst>
+              <a:ext uri="{FF2B5EF4-FFF2-40B4-BE49-F238E27FC236}">
+                <a16:creationId xmlns:a16="http://schemas.microsoft.com/office/drawing/2014/main" id="{7B8E1D54-81AD-E490-EC86-9FB342FE2745}"/>
+              </a:ext>
+            </a:extLst>
+          </p:cNvPr>
+          <p:cNvPicPr>
+            <a:picLocks noChangeAspect="1"/>
+          </p:cNvPicPr>
+          <p:nvPr/>
+        </p:nvPicPr>
+        <p:blipFill>
+          <a:blip r:embed="rId6"/>
+          <a:stretch>
+            <a:fillRect/>
+          </a:stretch>
+        </p:blipFill>
+        <p:spPr>
+          <a:xfrm>
+            <a:off x="501443" y="3498339"/>
+            <a:ext cx="2665770" cy="1645161"/>
+          </a:xfrm>
+          <a:prstGeom prst="rect">
+            <a:avLst/>
+          </a:prstGeom>
+        </p:spPr>
+      </p:pic>
+      <p:pic>
+        <p:nvPicPr>
+          <p:cNvPr id="11" name="Picture 10">
+            <a:extLst>
+              <a:ext uri="{FF2B5EF4-FFF2-40B4-BE49-F238E27FC236}">
+                <a16:creationId xmlns:a16="http://schemas.microsoft.com/office/drawing/2014/main" id="{7B8FD7CC-3226-C8C1-00B4-6F5174939AAD}"/>
+              </a:ext>
+            </a:extLst>
+          </p:cNvPr>
+          <p:cNvPicPr>
+            <a:picLocks noChangeAspect="1"/>
+          </p:cNvPicPr>
+          <p:nvPr/>
+        </p:nvPicPr>
+        <p:blipFill>
+          <a:blip r:embed="rId7"/>
+          <a:stretch>
+            <a:fillRect/>
+          </a:stretch>
+        </p:blipFill>
+        <p:spPr>
+          <a:xfrm>
+            <a:off x="3508492" y="3498339"/>
+            <a:ext cx="2665770" cy="1645161"/>
+          </a:xfrm>
+          <a:prstGeom prst="rect">
+            <a:avLst/>
+          </a:prstGeom>
+        </p:spPr>
+      </p:pic>
     </p:spTree>
     <p:custDataLst>
       <p:tags r:id="rId1"/>
@@ -20009,485 +20707,6 @@
 </file>
 
 <file path=ppt/slides/slide23.xml><?xml version="1.0" encoding="utf-8"?>
-<p:sld xmlns:a="http://schemas.openxmlformats.org/drawingml/2006/main" xmlns:r="http://schemas.openxmlformats.org/officeDocument/2006/relationships" xmlns:p="http://schemas.openxmlformats.org/presentationml/2006/main">
-  <p:cSld>
-    <p:spTree>
-      <p:nvGrpSpPr>
-        <p:cNvPr id="1" name=""/>
-        <p:cNvGrpSpPr/>
-        <p:nvPr/>
-      </p:nvGrpSpPr>
-      <p:grpSpPr>
-        <a:xfrm>
-          <a:off x="0" y="0"/>
-          <a:ext cx="0" cy="0"/>
-          <a:chOff x="0" y="0"/>
-          <a:chExt cx="0" cy="0"/>
-        </a:xfrm>
-      </p:grpSpPr>
-      <p:sp>
-        <p:nvSpPr>
-          <p:cNvPr id="2" name="Text Placeholder 1">
-            <a:extLst>
-              <a:ext uri="{FF2B5EF4-FFF2-40B4-BE49-F238E27FC236}">
-                <a16:creationId xmlns:a16="http://schemas.microsoft.com/office/drawing/2014/main" id="{8B170740-DB3F-076A-A2D2-9555F51D2D32}"/>
-              </a:ext>
-            </a:extLst>
-          </p:cNvPr>
-          <p:cNvSpPr>
-            <a:spLocks noGrp="1"/>
-          </p:cNvSpPr>
-          <p:nvPr>
-            <p:ph type="body" idx="1"/>
-          </p:nvPr>
-        </p:nvSpPr>
-        <p:spPr>
-          <a:xfrm>
-            <a:off x="729450" y="726744"/>
-            <a:ext cx="7688700" cy="1034400"/>
-          </a:xfrm>
-        </p:spPr>
-        <p:txBody>
-          <a:bodyPr/>
-          <a:lstStyle/>
-          <a:p>
-            <a:pPr marL="146050" indent="0">
-              <a:buNone/>
-            </a:pPr>
-            <a:r>
-              <a:rPr kumimoji="0" lang="en-US" sz="2600" b="1" i="0" u="none" strike="noStrike" kern="0" cap="none" spc="0" normalizeH="0" baseline="0" noProof="0" dirty="0">
-                <a:ln>
-                  <a:noFill/>
-                </a:ln>
-                <a:solidFill>
-                  <a:srgbClr val="1A1A1A"/>
-                </a:solidFill>
-                <a:effectLst/>
-                <a:uLnTx/>
-                <a:uFillTx/>
-                <a:latin typeface="Raleway"/>
-                <a:sym typeface="Raleway"/>
-              </a:rPr>
-              <a:t>Objective 2</a:t>
-            </a:r>
-          </a:p>
-          <a:p>
-            <a:pPr marL="146050" indent="0">
-              <a:buNone/>
-            </a:pPr>
-            <a:r>
-              <a:rPr lang="en-US" sz="1400" b="1" dirty="0">
-                <a:solidFill>
-                  <a:schemeClr val="bg1">
-                    <a:lumMod val="65000"/>
-                  </a:schemeClr>
-                </a:solidFill>
-                <a:latin typeface="Raleway"/>
-                <a:sym typeface="Raleway"/>
-              </a:rPr>
-              <a:t>1. Higher Complexity Logistic Regression Model</a:t>
-            </a:r>
-          </a:p>
-          <a:p>
-            <a:pPr marL="146050" indent="0">
-              <a:buNone/>
-            </a:pPr>
-            <a:r>
-              <a:rPr lang="en-US" dirty="0">
-                <a:solidFill>
-                  <a:schemeClr val="bg1">
-                    <a:lumMod val="65000"/>
-                  </a:schemeClr>
-                </a:solidFill>
-              </a:rPr>
-              <a:t>    Model Building</a:t>
-            </a:r>
-          </a:p>
-        </p:txBody>
-      </p:sp>
-      <p:sp>
-        <p:nvSpPr>
-          <p:cNvPr id="5" name="Text Placeholder 2">
-            <a:extLst>
-              <a:ext uri="{FF2B5EF4-FFF2-40B4-BE49-F238E27FC236}">
-                <a16:creationId xmlns:a16="http://schemas.microsoft.com/office/drawing/2014/main" id="{80A4736F-1EF9-09F0-5145-9AB37B5FE409}"/>
-              </a:ext>
-            </a:extLst>
-          </p:cNvPr>
-          <p:cNvSpPr txBox="1">
-            <a:spLocks/>
-          </p:cNvSpPr>
-          <p:nvPr/>
-        </p:nvSpPr>
-        <p:spPr>
-          <a:xfrm>
-            <a:off x="344557" y="1761143"/>
-            <a:ext cx="8069993" cy="1111264"/>
-          </a:xfrm>
-          <a:prstGeom prst="rect">
-            <a:avLst/>
-          </a:prstGeom>
-          <a:noFill/>
-          <a:ln>
-            <a:solidFill>
-              <a:schemeClr val="accent1"/>
-            </a:solidFill>
-          </a:ln>
-        </p:spPr>
-        <p:txBody>
-          <a:bodyPr spcFirstLastPara="1" wrap="square" lIns="91425" tIns="91425" rIns="91425" bIns="91425" anchor="t" anchorCtr="0">
-            <a:noAutofit/>
-          </a:bodyPr>
-          <a:lstStyle>
-            <a:defPPr marR="0" lvl="0" algn="l" rtl="0">
-              <a:lnSpc>
-                <a:spcPct val="100000"/>
-              </a:lnSpc>
-              <a:spcBef>
-                <a:spcPts val="0"/>
-              </a:spcBef>
-              <a:spcAft>
-                <a:spcPts val="0"/>
-              </a:spcAft>
-            </a:defPPr>
-            <a:lvl1pPr marL="457200" marR="0" lvl="0" indent="-311150" algn="l" rtl="0">
-              <a:lnSpc>
-                <a:spcPct val="115000"/>
-              </a:lnSpc>
-              <a:spcBef>
-                <a:spcPts val="0"/>
-              </a:spcBef>
-              <a:spcAft>
-                <a:spcPts val="0"/>
-              </a:spcAft>
-              <a:buClr>
-                <a:schemeClr val="accent1"/>
-              </a:buClr>
-              <a:buSzPts val="1300"/>
-              <a:buFont typeface="Lato"/>
-              <a:buChar char="●"/>
-              <a:defRPr sz="1300" b="0" i="0" u="none" strike="noStrike" cap="none">
-                <a:solidFill>
-                  <a:schemeClr val="accent1"/>
-                </a:solidFill>
-                <a:latin typeface="Lato"/>
-                <a:ea typeface="Lato"/>
-                <a:cs typeface="Lato"/>
-                <a:sym typeface="Lato"/>
-              </a:defRPr>
-            </a:lvl1pPr>
-            <a:lvl2pPr marL="914400" marR="0" lvl="1" indent="-298450" algn="l" rtl="0">
-              <a:lnSpc>
-                <a:spcPct val="115000"/>
-              </a:lnSpc>
-              <a:spcBef>
-                <a:spcPts val="1600"/>
-              </a:spcBef>
-              <a:spcAft>
-                <a:spcPts val="0"/>
-              </a:spcAft>
-              <a:buClr>
-                <a:schemeClr val="accent1"/>
-              </a:buClr>
-              <a:buSzPts val="1100"/>
-              <a:buFont typeface="Lato"/>
-              <a:buChar char="○"/>
-              <a:defRPr sz="1100" b="0" i="0" u="none" strike="noStrike" cap="none">
-                <a:solidFill>
-                  <a:schemeClr val="accent1"/>
-                </a:solidFill>
-                <a:latin typeface="Lato"/>
-                <a:ea typeface="Lato"/>
-                <a:cs typeface="Lato"/>
-                <a:sym typeface="Lato"/>
-              </a:defRPr>
-            </a:lvl2pPr>
-            <a:lvl3pPr marL="1371600" marR="0" lvl="2" indent="-298450" algn="l" rtl="0">
-              <a:lnSpc>
-                <a:spcPct val="115000"/>
-              </a:lnSpc>
-              <a:spcBef>
-                <a:spcPts val="1600"/>
-              </a:spcBef>
-              <a:spcAft>
-                <a:spcPts val="0"/>
-              </a:spcAft>
-              <a:buClr>
-                <a:schemeClr val="accent1"/>
-              </a:buClr>
-              <a:buSzPts val="1100"/>
-              <a:buFont typeface="Lato"/>
-              <a:buChar char="■"/>
-              <a:defRPr sz="1100" b="0" i="0" u="none" strike="noStrike" cap="none">
-                <a:solidFill>
-                  <a:schemeClr val="accent1"/>
-                </a:solidFill>
-                <a:latin typeface="Lato"/>
-                <a:ea typeface="Lato"/>
-                <a:cs typeface="Lato"/>
-                <a:sym typeface="Lato"/>
-              </a:defRPr>
-            </a:lvl3pPr>
-            <a:lvl4pPr marL="1828800" marR="0" lvl="3" indent="-298450" algn="l" rtl="0">
-              <a:lnSpc>
-                <a:spcPct val="115000"/>
-              </a:lnSpc>
-              <a:spcBef>
-                <a:spcPts val="1600"/>
-              </a:spcBef>
-              <a:spcAft>
-                <a:spcPts val="0"/>
-              </a:spcAft>
-              <a:buClr>
-                <a:schemeClr val="accent1"/>
-              </a:buClr>
-              <a:buSzPts val="1100"/>
-              <a:buFont typeface="Lato"/>
-              <a:buChar char="●"/>
-              <a:defRPr sz="1100" b="0" i="0" u="none" strike="noStrike" cap="none">
-                <a:solidFill>
-                  <a:schemeClr val="accent1"/>
-                </a:solidFill>
-                <a:latin typeface="Lato"/>
-                <a:ea typeface="Lato"/>
-                <a:cs typeface="Lato"/>
-                <a:sym typeface="Lato"/>
-              </a:defRPr>
-            </a:lvl4pPr>
-            <a:lvl5pPr marL="2286000" marR="0" lvl="4" indent="-298450" algn="l" rtl="0">
-              <a:lnSpc>
-                <a:spcPct val="115000"/>
-              </a:lnSpc>
-              <a:spcBef>
-                <a:spcPts val="1600"/>
-              </a:spcBef>
-              <a:spcAft>
-                <a:spcPts val="0"/>
-              </a:spcAft>
-              <a:buClr>
-                <a:schemeClr val="accent1"/>
-              </a:buClr>
-              <a:buSzPts val="1100"/>
-              <a:buFont typeface="Lato"/>
-              <a:buChar char="○"/>
-              <a:defRPr sz="1100" b="0" i="0" u="none" strike="noStrike" cap="none">
-                <a:solidFill>
-                  <a:schemeClr val="accent1"/>
-                </a:solidFill>
-                <a:latin typeface="Lato"/>
-                <a:ea typeface="Lato"/>
-                <a:cs typeface="Lato"/>
-                <a:sym typeface="Lato"/>
-              </a:defRPr>
-            </a:lvl5pPr>
-            <a:lvl6pPr marL="2743200" marR="0" lvl="5" indent="-298450" algn="l" rtl="0">
-              <a:lnSpc>
-                <a:spcPct val="115000"/>
-              </a:lnSpc>
-              <a:spcBef>
-                <a:spcPts val="1600"/>
-              </a:spcBef>
-              <a:spcAft>
-                <a:spcPts val="0"/>
-              </a:spcAft>
-              <a:buClr>
-                <a:schemeClr val="accent1"/>
-              </a:buClr>
-              <a:buSzPts val="1100"/>
-              <a:buFont typeface="Lato"/>
-              <a:buChar char="■"/>
-              <a:defRPr sz="1100" b="0" i="0" u="none" strike="noStrike" cap="none">
-                <a:solidFill>
-                  <a:schemeClr val="accent1"/>
-                </a:solidFill>
-                <a:latin typeface="Lato"/>
-                <a:ea typeface="Lato"/>
-                <a:cs typeface="Lato"/>
-                <a:sym typeface="Lato"/>
-              </a:defRPr>
-            </a:lvl6pPr>
-            <a:lvl7pPr marL="3200400" marR="0" lvl="6" indent="-298450" algn="l" rtl="0">
-              <a:lnSpc>
-                <a:spcPct val="115000"/>
-              </a:lnSpc>
-              <a:spcBef>
-                <a:spcPts val="1600"/>
-              </a:spcBef>
-              <a:spcAft>
-                <a:spcPts val="0"/>
-              </a:spcAft>
-              <a:buClr>
-                <a:schemeClr val="accent1"/>
-              </a:buClr>
-              <a:buSzPts val="1100"/>
-              <a:buFont typeface="Lato"/>
-              <a:buChar char="●"/>
-              <a:defRPr sz="1100" b="0" i="0" u="none" strike="noStrike" cap="none">
-                <a:solidFill>
-                  <a:schemeClr val="accent1"/>
-                </a:solidFill>
-                <a:latin typeface="Lato"/>
-                <a:ea typeface="Lato"/>
-                <a:cs typeface="Lato"/>
-                <a:sym typeface="Lato"/>
-              </a:defRPr>
-            </a:lvl7pPr>
-            <a:lvl8pPr marL="3657600" marR="0" lvl="7" indent="-298450" algn="l" rtl="0">
-              <a:lnSpc>
-                <a:spcPct val="115000"/>
-              </a:lnSpc>
-              <a:spcBef>
-                <a:spcPts val="1600"/>
-              </a:spcBef>
-              <a:spcAft>
-                <a:spcPts val="0"/>
-              </a:spcAft>
-              <a:buClr>
-                <a:schemeClr val="accent1"/>
-              </a:buClr>
-              <a:buSzPts val="1100"/>
-              <a:buFont typeface="Lato"/>
-              <a:buChar char="○"/>
-              <a:defRPr sz="1100" b="0" i="0" u="none" strike="noStrike" cap="none">
-                <a:solidFill>
-                  <a:schemeClr val="accent1"/>
-                </a:solidFill>
-                <a:latin typeface="Lato"/>
-                <a:ea typeface="Lato"/>
-                <a:cs typeface="Lato"/>
-                <a:sym typeface="Lato"/>
-              </a:defRPr>
-            </a:lvl8pPr>
-            <a:lvl9pPr marL="4114800" marR="0" lvl="8" indent="-298450" algn="l" rtl="0">
-              <a:lnSpc>
-                <a:spcPct val="115000"/>
-              </a:lnSpc>
-              <a:spcBef>
-                <a:spcPts val="1600"/>
-              </a:spcBef>
-              <a:spcAft>
-                <a:spcPts val="1600"/>
-              </a:spcAft>
-              <a:buClr>
-                <a:schemeClr val="accent1"/>
-              </a:buClr>
-              <a:buSzPts val="1100"/>
-              <a:buFont typeface="Lato"/>
-              <a:buChar char="■"/>
-              <a:defRPr sz="1100" b="0" i="0" u="none" strike="noStrike" cap="none">
-                <a:solidFill>
-                  <a:schemeClr val="accent1"/>
-                </a:solidFill>
-                <a:latin typeface="Lato"/>
-                <a:ea typeface="Lato"/>
-                <a:cs typeface="Lato"/>
-                <a:sym typeface="Lato"/>
-              </a:defRPr>
-            </a:lvl9pPr>
-          </a:lstStyle>
-          <a:p>
-            <a:pPr marL="146050" indent="0">
-              <a:buNone/>
-            </a:pPr>
-            <a:r>
-              <a:rPr lang="en-US" b="1" dirty="0"/>
-              <a:t>Logistic Regression Formula</a:t>
-            </a:r>
-            <a:r>
-              <a:rPr lang="en-US" dirty="0"/>
-              <a:t>:</a:t>
-            </a:r>
-          </a:p>
-          <a:p>
-            <a:pPr marL="146050" indent="0">
-              <a:buNone/>
-            </a:pPr>
-            <a:r>
-              <a:rPr lang="en-US" dirty="0"/>
-              <a:t> factor(y) ~ </a:t>
-            </a:r>
-            <a:r>
-              <a:rPr lang="en-US" dirty="0" err="1"/>
-              <a:t>poutcome</a:t>
-            </a:r>
-            <a:r>
-              <a:rPr lang="en-US" dirty="0"/>
-              <a:t> + log(duration + 1) + </a:t>
-            </a:r>
-            <a:r>
-              <a:rPr lang="en-US" dirty="0" err="1"/>
-              <a:t>poutcome:log</a:t>
-            </a:r>
-            <a:r>
-              <a:rPr lang="en-US" dirty="0"/>
-              <a:t>(duration + 1) + month + </a:t>
-            </a:r>
-            <a:r>
-              <a:rPr lang="en-US" dirty="0" err="1"/>
-              <a:t>month:log</a:t>
-            </a:r>
-            <a:r>
-              <a:rPr lang="en-US" dirty="0"/>
-              <a:t>(duration + 1) + contact + housing + </a:t>
-            </a:r>
-            <a:r>
-              <a:rPr lang="en-US" dirty="0" err="1"/>
-              <a:t>housing:log</a:t>
-            </a:r>
-            <a:r>
-              <a:rPr lang="en-US" dirty="0"/>
-              <a:t>(duration + 1) + job + campaign + </a:t>
-            </a:r>
-            <a:r>
-              <a:rPr lang="en-US" dirty="0" err="1"/>
-              <a:t>campaign:log</a:t>
-            </a:r>
-            <a:r>
-              <a:rPr lang="en-US" dirty="0"/>
-              <a:t>(duration + 1) + loan + </a:t>
-            </a:r>
-            <a:r>
-              <a:rPr lang="en-US" dirty="0" err="1"/>
-              <a:t>loan:log</a:t>
-            </a:r>
-            <a:r>
-              <a:rPr lang="en-US" dirty="0"/>
-              <a:t>(duration + 1) + marital + </a:t>
-            </a:r>
-            <a:r>
-              <a:rPr lang="en-US" dirty="0" err="1"/>
-              <a:t>marital:log</a:t>
-            </a:r>
-            <a:r>
-              <a:rPr lang="en-US" dirty="0"/>
-              <a:t>(duration + 1) + education + day + balance + previous</a:t>
-            </a:r>
-          </a:p>
-          <a:p>
-            <a:pPr marL="146050" indent="0">
-              <a:buNone/>
-            </a:pPr>
-            <a:endParaRPr lang="en-US" dirty="0"/>
-          </a:p>
-        </p:txBody>
-      </p:sp>
-    </p:spTree>
-    <p:custDataLst>
-      <p:tags r:id="rId1"/>
-    </p:custDataLst>
-    <p:extLst>
-      <p:ext uri="{BB962C8B-B14F-4D97-AF65-F5344CB8AC3E}">
-        <p14:creationId xmlns:p14="http://schemas.microsoft.com/office/powerpoint/2010/main" val="888533275"/>
-      </p:ext>
-    </p:extLst>
-  </p:cSld>
-  <p:clrMapOvr>
-    <a:masterClrMapping/>
-  </p:clrMapOvr>
-</p:sld>
-</file>
-
-<file path=ppt/slides/slide24.xml><?xml version="1.0" encoding="utf-8"?>
 <p:sld xmlns:a="http://schemas.openxmlformats.org/drawingml/2006/main" xmlns:r="http://schemas.openxmlformats.org/officeDocument/2006/relationships" xmlns:p="http://schemas.openxmlformats.org/presentationml/2006/main">
   <p:cSld>
     <p:spTree>
@@ -20938,7 +21157,7 @@
 </p:sld>
 </file>
 
-<file path=ppt/slides/slide25.xml><?xml version="1.0" encoding="utf-8"?>
+<file path=ppt/slides/slide24.xml><?xml version="1.0" encoding="utf-8"?>
 <p:sld xmlns:a="http://schemas.openxmlformats.org/drawingml/2006/main" xmlns:r="http://schemas.openxmlformats.org/officeDocument/2006/relationships" xmlns:p="http://schemas.openxmlformats.org/presentationml/2006/main">
   <p:cSld>
     <p:spTree>
@@ -21015,14 +21234,31 @@
                 <a:latin typeface="Raleway"/>
                 <a:sym typeface="Raleway"/>
               </a:rPr>
-              <a:t>2. LDA Model Performance</a:t>
+              <a:t>2. LDA and QDA Models</a:t>
             </a:r>
-            <a:endParaRPr lang="en-US" dirty="0">
+          </a:p>
+          <a:p>
+            <a:pPr marL="146050" indent="0">
+              <a:buNone/>
+            </a:pPr>
+            <a:r>
+              <a:rPr lang="en-US" sz="1400" dirty="0">
+                <a:solidFill>
+                  <a:schemeClr val="bg1">
+                    <a:lumMod val="65000"/>
+                  </a:schemeClr>
+                </a:solidFill>
+              </a:rPr>
+              <a:t>    EDA</a:t>
+            </a:r>
+            <a:endParaRPr lang="en-US" sz="1400" b="1" dirty="0">
               <a:solidFill>
                 <a:schemeClr val="bg1">
                   <a:lumMod val="65000"/>
                 </a:schemeClr>
               </a:solidFill>
+              <a:latin typeface="Raleway"/>
+              <a:sym typeface="Raleway"/>
             </a:endParaRPr>
           </a:p>
         </p:txBody>
@@ -21335,7 +21571,7 @@
 </p:sld>
 </file>
 
-<file path=ppt/slides/slide26.xml><?xml version="1.0" encoding="utf-8"?>
+<file path=ppt/slides/slide25.xml><?xml version="1.0" encoding="utf-8"?>
 <p:sld xmlns:a="http://schemas.openxmlformats.org/drawingml/2006/main" xmlns:r="http://schemas.openxmlformats.org/officeDocument/2006/relationships" xmlns:p="http://schemas.openxmlformats.org/presentationml/2006/main">
   <p:cSld>
     <p:spTree>
@@ -21786,7 +22022,7 @@
 </p:sld>
 </file>
 
-<file path=ppt/slides/slide27.xml><?xml version="1.0" encoding="utf-8"?>
+<file path=ppt/slides/slide26.xml><?xml version="1.0" encoding="utf-8"?>
 <p:sld xmlns:a="http://schemas.openxmlformats.org/drawingml/2006/main" xmlns:r="http://schemas.openxmlformats.org/officeDocument/2006/relationships" xmlns:p="http://schemas.openxmlformats.org/presentationml/2006/main">
   <p:cSld>
     <p:spTree>
@@ -22281,7 +22517,7 @@
 </p:sld>
 </file>
 
-<file path=ppt/slides/slide28.xml><?xml version="1.0" encoding="utf-8"?>
+<file path=ppt/slides/slide27.xml><?xml version="1.0" encoding="utf-8"?>
 <p:sld xmlns:a="http://schemas.openxmlformats.org/drawingml/2006/main" xmlns:r="http://schemas.openxmlformats.org/officeDocument/2006/relationships" xmlns:p="http://schemas.openxmlformats.org/presentationml/2006/main">
   <p:cSld>
     <p:spTree>
@@ -22678,7 +22914,7 @@
 </p:sld>
 </file>
 
-<file path=ppt/slides/slide29.xml><?xml version="1.0" encoding="utf-8"?>
+<file path=ppt/slides/slide28.xml><?xml version="1.0" encoding="utf-8"?>
 <p:sld xmlns:a="http://schemas.openxmlformats.org/drawingml/2006/main" xmlns:r="http://schemas.openxmlformats.org/officeDocument/2006/relationships" xmlns:p="http://schemas.openxmlformats.org/presentationml/2006/main">
   <p:cSld>
     <p:spTree>
@@ -22787,7 +23023,13 @@
           <p:cNvGraphicFramePr>
             <a:graphicFrameLocks noGrp="1"/>
           </p:cNvGraphicFramePr>
-          <p:nvPr/>
+          <p:nvPr>
+            <p:extLst>
+              <p:ext uri="{D42A27DB-BD31-4B8C-83A1-F6EECF244321}">
+                <p14:modId xmlns:p14="http://schemas.microsoft.com/office/powerpoint/2010/main" val="3937336343"/>
+              </p:ext>
+            </p:extLst>
+          </p:nvPr>
         </p:nvGraphicFramePr>
         <p:xfrm>
           <a:off x="725850" y="1761144"/>
@@ -22897,7 +23139,10 @@
                     <a:bodyPr/>
                     <a:lstStyle/>
                     <a:p>
-                      <a:endParaRPr lang="en-US" dirty="0"/>
+                      <a:r>
+                        <a:rPr lang="en-US" dirty="0"/>
+                        <a:t>81%</a:t>
+                      </a:r>
                     </a:p>
                   </a:txBody>
                   <a:tcPr/>
@@ -22927,7 +23172,10 @@
                     <a:bodyPr/>
                     <a:lstStyle/>
                     <a:p>
-                      <a:endParaRPr lang="en-US" dirty="0"/>
+                      <a:r>
+                        <a:rPr lang="en-US" dirty="0"/>
+                        <a:t>83%</a:t>
+                      </a:r>
                     </a:p>
                   </a:txBody>
                   <a:tcPr/>
@@ -22957,7 +23205,10 @@
                     <a:bodyPr/>
                     <a:lstStyle/>
                     <a:p>
-                      <a:endParaRPr lang="en-US" dirty="0"/>
+                      <a:r>
+                        <a:rPr lang="en-US" dirty="0"/>
+                        <a:t>66%</a:t>
+                      </a:r>
                     </a:p>
                   </a:txBody>
                   <a:tcPr/>
@@ -22987,7 +23238,10 @@
                     <a:bodyPr/>
                     <a:lstStyle/>
                     <a:p>
-                      <a:endParaRPr lang="en-US" dirty="0"/>
+                      <a:r>
+                        <a:rPr lang="en-US" dirty="0"/>
+                        <a:t>95%</a:t>
+                      </a:r>
                     </a:p>
                   </a:txBody>
                   <a:tcPr/>
@@ -23017,7 +23271,10 @@
                     <a:bodyPr/>
                     <a:lstStyle/>
                     <a:p>
-                      <a:endParaRPr lang="en-US" dirty="0"/>
+                      <a:r>
+                        <a:rPr lang="en-US" dirty="0"/>
+                        <a:t>34%</a:t>
+                      </a:r>
                     </a:p>
                   </a:txBody>
                   <a:tcPr/>
@@ -23064,10 +23321,10 @@
       </p:graphicFrame>
       <p:pic>
         <p:nvPicPr>
-          <p:cNvPr id="5" name="Picture 4">
+          <p:cNvPr id="6" name="Picture 5">
             <a:extLst>
               <a:ext uri="{FF2B5EF4-FFF2-40B4-BE49-F238E27FC236}">
-                <a16:creationId xmlns:a16="http://schemas.microsoft.com/office/drawing/2014/main" id="{94917740-2CE1-C737-5A58-88E54369727B}"/>
+                <a16:creationId xmlns:a16="http://schemas.microsoft.com/office/drawing/2014/main" id="{0EA10C3A-1C31-1BCD-4890-66EFEC0113B2}"/>
               </a:ext>
             </a:extLst>
           </p:cNvPr>
@@ -23084,8 +23341,8 @@
         </p:blipFill>
         <p:spPr>
           <a:xfrm>
-            <a:off x="5042452" y="2065944"/>
-            <a:ext cx="3982278" cy="2457635"/>
+            <a:off x="4952487" y="2008282"/>
+            <a:ext cx="4117588" cy="2541140"/>
           </a:xfrm>
           <a:prstGeom prst="rect">
             <a:avLst/>
@@ -23099,6 +23356,457 @@
     <p:extLst>
       <p:ext uri="{BB962C8B-B14F-4D97-AF65-F5344CB8AC3E}">
         <p14:creationId xmlns:p14="http://schemas.microsoft.com/office/powerpoint/2010/main" val="1414478187"/>
+      </p:ext>
+    </p:extLst>
+  </p:cSld>
+  <p:clrMapOvr>
+    <a:masterClrMapping/>
+  </p:clrMapOvr>
+</p:sld>
+</file>
+
+<file path=ppt/slides/slide29.xml><?xml version="1.0" encoding="utf-8"?>
+<p:sld xmlns:a="http://schemas.openxmlformats.org/drawingml/2006/main" xmlns:r="http://schemas.openxmlformats.org/officeDocument/2006/relationships" xmlns:p="http://schemas.openxmlformats.org/presentationml/2006/main">
+  <p:cSld>
+    <p:spTree>
+      <p:nvGrpSpPr>
+        <p:cNvPr id="1" name=""/>
+        <p:cNvGrpSpPr/>
+        <p:nvPr/>
+      </p:nvGrpSpPr>
+      <p:grpSpPr>
+        <a:xfrm>
+          <a:off x="0" y="0"/>
+          <a:ext cx="0" cy="0"/>
+          <a:chOff x="0" y="0"/>
+          <a:chExt cx="0" cy="0"/>
+        </a:xfrm>
+      </p:grpSpPr>
+      <p:sp>
+        <p:nvSpPr>
+          <p:cNvPr id="2" name="Text Placeholder 1">
+            <a:extLst>
+              <a:ext uri="{FF2B5EF4-FFF2-40B4-BE49-F238E27FC236}">
+                <a16:creationId xmlns:a16="http://schemas.microsoft.com/office/drawing/2014/main" id="{8B170740-DB3F-076A-A2D2-9555F51D2D32}"/>
+              </a:ext>
+            </a:extLst>
+          </p:cNvPr>
+          <p:cNvSpPr>
+            <a:spLocks noGrp="1"/>
+          </p:cNvSpPr>
+          <p:nvPr>
+            <p:ph type="body" idx="1"/>
+          </p:nvPr>
+        </p:nvSpPr>
+        <p:spPr>
+          <a:xfrm>
+            <a:off x="729450" y="726744"/>
+            <a:ext cx="7688700" cy="1034400"/>
+          </a:xfrm>
+        </p:spPr>
+        <p:txBody>
+          <a:bodyPr/>
+          <a:lstStyle/>
+          <a:p>
+            <a:pPr marL="146050" indent="0">
+              <a:buNone/>
+            </a:pPr>
+            <a:r>
+              <a:rPr kumimoji="0" lang="en-US" sz="2600" b="1" i="0" u="none" strike="noStrike" kern="0" cap="none" spc="0" normalizeH="0" baseline="0" noProof="0" dirty="0">
+                <a:ln>
+                  <a:noFill/>
+                </a:ln>
+                <a:solidFill>
+                  <a:srgbClr val="1A1A1A"/>
+                </a:solidFill>
+                <a:effectLst/>
+                <a:uLnTx/>
+                <a:uFillTx/>
+                <a:latin typeface="Raleway"/>
+                <a:sym typeface="Raleway"/>
+              </a:rPr>
+              <a:t>Objective 2</a:t>
+            </a:r>
+          </a:p>
+          <a:p>
+            <a:pPr marL="146050" indent="0">
+              <a:buNone/>
+            </a:pPr>
+            <a:r>
+              <a:rPr lang="en-US" sz="1400" b="1" dirty="0">
+                <a:solidFill>
+                  <a:schemeClr val="bg1">
+                    <a:lumMod val="65000"/>
+                  </a:schemeClr>
+                </a:solidFill>
+                <a:latin typeface="Raleway"/>
+                <a:sym typeface="Raleway"/>
+              </a:rPr>
+              <a:t>4. Random Forest Model (Non-Parametric)</a:t>
+            </a:r>
+          </a:p>
+          <a:p>
+            <a:pPr marL="146050" indent="0">
+              <a:buNone/>
+            </a:pPr>
+            <a:r>
+              <a:rPr lang="en-US" dirty="0">
+                <a:solidFill>
+                  <a:schemeClr val="bg1">
+                    <a:lumMod val="65000"/>
+                  </a:schemeClr>
+                </a:solidFill>
+              </a:rPr>
+              <a:t>    Model Performance</a:t>
+            </a:r>
+          </a:p>
+        </p:txBody>
+      </p:sp>
+      <p:graphicFrame>
+        <p:nvGraphicFramePr>
+          <p:cNvPr id="3" name="Table 3">
+            <a:extLst>
+              <a:ext uri="{FF2B5EF4-FFF2-40B4-BE49-F238E27FC236}">
+                <a16:creationId xmlns:a16="http://schemas.microsoft.com/office/drawing/2014/main" id="{CA4AB027-E888-2C3E-8C1E-4D6BB2527F50}"/>
+              </a:ext>
+            </a:extLst>
+          </p:cNvPr>
+          <p:cNvGraphicFramePr>
+            <a:graphicFrameLocks noGrp="1"/>
+          </p:cNvGraphicFramePr>
+          <p:nvPr>
+            <p:extLst>
+              <p:ext uri="{D42A27DB-BD31-4B8C-83A1-F6EECF244321}">
+                <p14:modId xmlns:p14="http://schemas.microsoft.com/office/powerpoint/2010/main" val="3506630069"/>
+              </p:ext>
+            </p:extLst>
+          </p:nvPr>
+        </p:nvGraphicFramePr>
+        <p:xfrm>
+          <a:off x="725850" y="1761144"/>
+          <a:ext cx="4064000" cy="2966720"/>
+        </p:xfrm>
+        <a:graphic>
+          <a:graphicData uri="http://schemas.openxmlformats.org/drawingml/2006/table">
+            <a:tbl>
+              <a:tblPr firstRow="1" bandRow="1">
+                <a:tableStyleId>{5C22544A-7EE6-4342-B048-85BDC9FD1C3A}</a:tableStyleId>
+              </a:tblPr>
+              <a:tblGrid>
+                <a:gridCol w="2032000">
+                  <a:extLst>
+                    <a:ext uri="{9D8B030D-6E8A-4147-A177-3AD203B41FA5}">
+                      <a16:colId xmlns:a16="http://schemas.microsoft.com/office/drawing/2014/main" val="2004211147"/>
+                    </a:ext>
+                  </a:extLst>
+                </a:gridCol>
+                <a:gridCol w="2032000">
+                  <a:extLst>
+                    <a:ext uri="{9D8B030D-6E8A-4147-A177-3AD203B41FA5}">
+                      <a16:colId xmlns:a16="http://schemas.microsoft.com/office/drawing/2014/main" val="2024557235"/>
+                    </a:ext>
+                  </a:extLst>
+                </a:gridCol>
+              </a:tblGrid>
+              <a:tr h="370840">
+                <a:tc>
+                  <a:txBody>
+                    <a:bodyPr/>
+                    <a:lstStyle/>
+                    <a:p>
+                      <a:r>
+                        <a:rPr lang="en-US" dirty="0"/>
+                        <a:t>Metric</a:t>
+                      </a:r>
+                    </a:p>
+                  </a:txBody>
+                  <a:tcPr/>
+                </a:tc>
+                <a:tc>
+                  <a:txBody>
+                    <a:bodyPr/>
+                    <a:lstStyle/>
+                    <a:p>
+                      <a:r>
+                        <a:rPr lang="en-US" dirty="0"/>
+                        <a:t>Score</a:t>
+                      </a:r>
+                    </a:p>
+                  </a:txBody>
+                  <a:tcPr/>
+                </a:tc>
+                <a:extLst>
+                  <a:ext uri="{0D108BD9-81ED-4DB2-BD59-A6C34878D82A}">
+                    <a16:rowId xmlns:a16="http://schemas.microsoft.com/office/drawing/2014/main" val="606250503"/>
+                  </a:ext>
+                </a:extLst>
+              </a:tr>
+              <a:tr h="370840">
+                <a:tc>
+                  <a:txBody>
+                    <a:bodyPr/>
+                    <a:lstStyle/>
+                    <a:p>
+                      <a:r>
+                        <a:rPr lang="en-US" dirty="0"/>
+                        <a:t>AIC</a:t>
+                      </a:r>
+                    </a:p>
+                  </a:txBody>
+                  <a:tcPr/>
+                </a:tc>
+                <a:tc>
+                  <a:txBody>
+                    <a:bodyPr/>
+                    <a:lstStyle/>
+                    <a:p>
+                      <a:endParaRPr lang="en-US" dirty="0"/>
+                    </a:p>
+                  </a:txBody>
+                  <a:tcPr/>
+                </a:tc>
+                <a:extLst>
+                  <a:ext uri="{0D108BD9-81ED-4DB2-BD59-A6C34878D82A}">
+                    <a16:rowId xmlns:a16="http://schemas.microsoft.com/office/drawing/2014/main" val="3146497599"/>
+                  </a:ext>
+                </a:extLst>
+              </a:tr>
+              <a:tr h="370840">
+                <a:tc>
+                  <a:txBody>
+                    <a:bodyPr/>
+                    <a:lstStyle/>
+                    <a:p>
+                      <a:r>
+                        <a:rPr lang="en-US" dirty="0"/>
+                        <a:t>Accuracy</a:t>
+                      </a:r>
+                    </a:p>
+                  </a:txBody>
+                  <a:tcPr/>
+                </a:tc>
+                <a:tc>
+                  <a:txBody>
+                    <a:bodyPr/>
+                    <a:lstStyle/>
+                    <a:p>
+                      <a:r>
+                        <a:rPr lang="en-US" dirty="0"/>
+                        <a:t>84%</a:t>
+                      </a:r>
+                    </a:p>
+                  </a:txBody>
+                  <a:tcPr/>
+                </a:tc>
+                <a:extLst>
+                  <a:ext uri="{0D108BD9-81ED-4DB2-BD59-A6C34878D82A}">
+                    <a16:rowId xmlns:a16="http://schemas.microsoft.com/office/drawing/2014/main" val="1616612204"/>
+                  </a:ext>
+                </a:extLst>
+              </a:tr>
+              <a:tr h="370840">
+                <a:tc>
+                  <a:txBody>
+                    <a:bodyPr/>
+                    <a:lstStyle/>
+                    <a:p>
+                      <a:r>
+                        <a:rPr lang="en-US" dirty="0"/>
+                        <a:t>Sensitivity</a:t>
+                      </a:r>
+                    </a:p>
+                  </a:txBody>
+                  <a:tcPr/>
+                </a:tc>
+                <a:tc>
+                  <a:txBody>
+                    <a:bodyPr/>
+                    <a:lstStyle/>
+                    <a:p>
+                      <a:r>
+                        <a:rPr lang="en-US" dirty="0"/>
+                        <a:t>83%</a:t>
+                      </a:r>
+                    </a:p>
+                  </a:txBody>
+                  <a:tcPr/>
+                </a:tc>
+                <a:extLst>
+                  <a:ext uri="{0D108BD9-81ED-4DB2-BD59-A6C34878D82A}">
+                    <a16:rowId xmlns:a16="http://schemas.microsoft.com/office/drawing/2014/main" val="2652376005"/>
+                  </a:ext>
+                </a:extLst>
+              </a:tr>
+              <a:tr h="370840">
+                <a:tc>
+                  <a:txBody>
+                    <a:bodyPr/>
+                    <a:lstStyle/>
+                    <a:p>
+                      <a:r>
+                        <a:rPr lang="en-US" dirty="0"/>
+                        <a:t>Specificity</a:t>
+                      </a:r>
+                    </a:p>
+                  </a:txBody>
+                  <a:tcPr/>
+                </a:tc>
+                <a:tc>
+                  <a:txBody>
+                    <a:bodyPr/>
+                    <a:lstStyle/>
+                    <a:p>
+                      <a:r>
+                        <a:rPr lang="en-US" dirty="0"/>
+                        <a:t>91%</a:t>
+                      </a:r>
+                    </a:p>
+                  </a:txBody>
+                  <a:tcPr/>
+                </a:tc>
+                <a:extLst>
+                  <a:ext uri="{0D108BD9-81ED-4DB2-BD59-A6C34878D82A}">
+                    <a16:rowId xmlns:a16="http://schemas.microsoft.com/office/drawing/2014/main" val="3781162483"/>
+                  </a:ext>
+                </a:extLst>
+              </a:tr>
+              <a:tr h="370840">
+                <a:tc>
+                  <a:txBody>
+                    <a:bodyPr/>
+                    <a:lstStyle/>
+                    <a:p>
+                      <a:r>
+                        <a:rPr lang="en-US" dirty="0"/>
+                        <a:t>PPV</a:t>
+                      </a:r>
+                    </a:p>
+                  </a:txBody>
+                  <a:tcPr/>
+                </a:tc>
+                <a:tc>
+                  <a:txBody>
+                    <a:bodyPr/>
+                    <a:lstStyle/>
+                    <a:p>
+                      <a:r>
+                        <a:rPr lang="en-US" dirty="0"/>
+                        <a:t>99%</a:t>
+                      </a:r>
+                    </a:p>
+                  </a:txBody>
+                  <a:tcPr/>
+                </a:tc>
+                <a:extLst>
+                  <a:ext uri="{0D108BD9-81ED-4DB2-BD59-A6C34878D82A}">
+                    <a16:rowId xmlns:a16="http://schemas.microsoft.com/office/drawing/2014/main" val="3095442458"/>
+                  </a:ext>
+                </a:extLst>
+              </a:tr>
+              <a:tr h="370840">
+                <a:tc>
+                  <a:txBody>
+                    <a:bodyPr/>
+                    <a:lstStyle/>
+                    <a:p>
+                      <a:r>
+                        <a:rPr lang="en-US" dirty="0"/>
+                        <a:t>NPV</a:t>
+                      </a:r>
+                    </a:p>
+                  </a:txBody>
+                  <a:tcPr/>
+                </a:tc>
+                <a:tc>
+                  <a:txBody>
+                    <a:bodyPr/>
+                    <a:lstStyle/>
+                    <a:p>
+                      <a:r>
+                        <a:rPr lang="en-US" dirty="0"/>
+                        <a:t>41%</a:t>
+                      </a:r>
+                    </a:p>
+                  </a:txBody>
+                  <a:tcPr/>
+                </a:tc>
+                <a:extLst>
+                  <a:ext uri="{0D108BD9-81ED-4DB2-BD59-A6C34878D82A}">
+                    <a16:rowId xmlns:a16="http://schemas.microsoft.com/office/drawing/2014/main" val="2715389844"/>
+                  </a:ext>
+                </a:extLst>
+              </a:tr>
+              <a:tr h="370840">
+                <a:tc>
+                  <a:txBody>
+                    <a:bodyPr/>
+                    <a:lstStyle/>
+                    <a:p>
+                      <a:r>
+                        <a:rPr lang="en-US" dirty="0"/>
+                        <a:t>AUROC</a:t>
+                      </a:r>
+                    </a:p>
+                  </a:txBody>
+                  <a:tcPr/>
+                </a:tc>
+                <a:tc>
+                  <a:txBody>
+                    <a:bodyPr/>
+                    <a:lstStyle/>
+                    <a:p>
+                      <a:endParaRPr lang="en-US" dirty="0"/>
+                    </a:p>
+                  </a:txBody>
+                  <a:tcPr/>
+                </a:tc>
+                <a:extLst>
+                  <a:ext uri="{0D108BD9-81ED-4DB2-BD59-A6C34878D82A}">
+                    <a16:rowId xmlns:a16="http://schemas.microsoft.com/office/drawing/2014/main" val="3759069719"/>
+                  </a:ext>
+                </a:extLst>
+              </a:tr>
+            </a:tbl>
+          </a:graphicData>
+        </a:graphic>
+      </p:graphicFrame>
+      <p:pic>
+        <p:nvPicPr>
+          <p:cNvPr id="6" name="Picture 5">
+            <a:extLst>
+              <a:ext uri="{FF2B5EF4-FFF2-40B4-BE49-F238E27FC236}">
+                <a16:creationId xmlns:a16="http://schemas.microsoft.com/office/drawing/2014/main" id="{AC91B4BA-2879-5EA6-8154-51C2477B5AEE}"/>
+              </a:ext>
+            </a:extLst>
+          </p:cNvPr>
+          <p:cNvPicPr>
+            <a:picLocks noChangeAspect="1"/>
+          </p:cNvPicPr>
+          <p:nvPr/>
+        </p:nvPicPr>
+        <p:blipFill>
+          <a:blip r:embed="rId4"/>
+          <a:stretch>
+            <a:fillRect/>
+          </a:stretch>
+        </p:blipFill>
+        <p:spPr>
+          <a:xfrm>
+            <a:off x="4965208" y="2030595"/>
+            <a:ext cx="3933963" cy="2427817"/>
+          </a:xfrm>
+          <a:prstGeom prst="rect">
+            <a:avLst/>
+          </a:prstGeom>
+        </p:spPr>
+      </p:pic>
+    </p:spTree>
+    <p:custDataLst>
+      <p:tags r:id="rId1"/>
+    </p:custDataLst>
+    <p:extLst>
+      <p:ext uri="{BB962C8B-B14F-4D97-AF65-F5344CB8AC3E}">
+        <p14:creationId xmlns:p14="http://schemas.microsoft.com/office/powerpoint/2010/main" val="3757629853"/>
       </p:ext>
     </p:extLst>
   </p:cSld>

--- a/Project2_Chang_Craus_Yule.pptx
+++ b/Project2_Chang_Craus_Yule.pptx
@@ -5,7 +5,7 @@
     <p:sldMasterId id="2147483664" r:id="rId1"/>
   </p:sldMasterIdLst>
   <p:notesMasterIdLst>
-    <p:notesMasterId r:id="rId34"/>
+    <p:notesMasterId r:id="rId36"/>
   </p:notesMasterIdLst>
   <p:sldIdLst>
     <p:sldId id="256" r:id="rId2"/>
@@ -30,33 +30,35 @@
     <p:sldId id="300" r:id="rId21"/>
     <p:sldId id="313" r:id="rId22"/>
     <p:sldId id="314" r:id="rId23"/>
-    <p:sldId id="319" r:id="rId24"/>
-    <p:sldId id="315" r:id="rId25"/>
-    <p:sldId id="322" r:id="rId26"/>
-    <p:sldId id="320" r:id="rId27"/>
-    <p:sldId id="316" r:id="rId28"/>
-    <p:sldId id="323" r:id="rId29"/>
-    <p:sldId id="325" r:id="rId30"/>
-    <p:sldId id="317" r:id="rId31"/>
-    <p:sldId id="324" r:id="rId32"/>
-    <p:sldId id="275" r:id="rId33"/>
+    <p:sldId id="326" r:id="rId24"/>
+    <p:sldId id="327" r:id="rId25"/>
+    <p:sldId id="319" r:id="rId26"/>
+    <p:sldId id="315" r:id="rId27"/>
+    <p:sldId id="322" r:id="rId28"/>
+    <p:sldId id="320" r:id="rId29"/>
+    <p:sldId id="316" r:id="rId30"/>
+    <p:sldId id="323" r:id="rId31"/>
+    <p:sldId id="325" r:id="rId32"/>
+    <p:sldId id="317" r:id="rId33"/>
+    <p:sldId id="324" r:id="rId34"/>
+    <p:sldId id="275" r:id="rId35"/>
   </p:sldIdLst>
   <p:sldSz cx="9144000" cy="5143500" type="screen16x9"/>
   <p:notesSz cx="6858000" cy="9144000"/>
   <p:embeddedFontLst>
     <p:embeddedFont>
       <p:font typeface="Lato" panose="020F0502020204030203" pitchFamily="34" charset="0"/>
-      <p:regular r:id="rId35"/>
-      <p:bold r:id="rId36"/>
-      <p:italic r:id="rId37"/>
-      <p:boldItalic r:id="rId38"/>
+      <p:regular r:id="rId37"/>
+      <p:bold r:id="rId38"/>
+      <p:italic r:id="rId39"/>
+      <p:boldItalic r:id="rId40"/>
     </p:embeddedFont>
     <p:embeddedFont>
       <p:font typeface="Raleway" pitchFamily="2" charset="0"/>
-      <p:regular r:id="rId39"/>
-      <p:bold r:id="rId40"/>
-      <p:italic r:id="rId41"/>
-      <p:boldItalic r:id="rId42"/>
+      <p:regular r:id="rId41"/>
+      <p:bold r:id="rId42"/>
+      <p:italic r:id="rId43"/>
+      <p:boldItalic r:id="rId44"/>
     </p:embeddedFont>
   </p:embeddedFontLst>
   <p:defaultTextStyle>
@@ -310,7 +312,7 @@
 <file path=ppt/revisionInfo.xml><?xml version="1.0" encoding="utf-8"?>
 <p1510:revInfo xmlns:a="http://schemas.openxmlformats.org/drawingml/2006/main" xmlns:r="http://schemas.openxmlformats.org/officeDocument/2006/relationships" xmlns:p1510="http://schemas.microsoft.com/office/powerpoint/2015/10/main">
   <p1510:revLst>
-    <p1510:client id="{32165585-CB35-4C33-B919-9B0DD83E6E32}" v="80" dt="2023-04-11T21:03:48.105"/>
+    <p1510:client id="{32165585-CB35-4C33-B919-9B0DD83E6E32}" v="96" dt="2023-04-11T21:15:15.606"/>
   </p1510:revLst>
 </p1510:revInfo>
 </file>
@@ -320,7 +322,7 @@
   <pc:docChgLst>
     <pc:chgData name="Carolina Craus" userId="bae62b9d695bbdd6" providerId="LiveId" clId="{32165585-CB35-4C33-B919-9B0DD83E6E32}"/>
     <pc:docChg chg="undo redo custSel addSld delSld modSld sldOrd">
-      <pc:chgData name="Carolina Craus" userId="bae62b9d695bbdd6" providerId="LiveId" clId="{32165585-CB35-4C33-B919-9B0DD83E6E32}" dt="2023-04-11T21:04:49.058" v="3485" actId="1076"/>
+      <pc:chgData name="Carolina Craus" userId="bae62b9d695bbdd6" providerId="LiveId" clId="{32165585-CB35-4C33-B919-9B0DD83E6E32}" dt="2023-04-11T21:16:14.928" v="3579" actId="1076"/>
       <pc:docMkLst>
         <pc:docMk/>
       </pc:docMkLst>
@@ -1126,7 +1128,7 @@
         </pc:spChg>
       </pc:sldChg>
       <pc:sldChg chg="addSp delSp modSp add mod ord">
-        <pc:chgData name="Carolina Craus" userId="bae62b9d695bbdd6" providerId="LiveId" clId="{32165585-CB35-4C33-B919-9B0DD83E6E32}" dt="2023-04-11T02:03:31.656" v="2589" actId="20577"/>
+        <pc:chgData name="Carolina Craus" userId="bae62b9d695bbdd6" providerId="LiveId" clId="{32165585-CB35-4C33-B919-9B0DD83E6E32}" dt="2023-04-11T21:16:14.928" v="3579" actId="1076"/>
         <pc:sldMkLst>
           <pc:docMk/>
           <pc:sldMk cId="2662757459" sldId="319"/>
@@ -1147,8 +1149,16 @@
             <ac:spMk id="4" creationId="{F11EAF8F-BBA0-44A9-E86F-B98F6DCA8CD8}"/>
           </ac:spMkLst>
         </pc:spChg>
-        <pc:graphicFrameChg chg="modGraphic">
-          <ac:chgData name="Carolina Craus" userId="bae62b9d695bbdd6" providerId="LiveId" clId="{32165585-CB35-4C33-B919-9B0DD83E6E32}" dt="2023-04-11T02:03:31.656" v="2589" actId="20577"/>
+        <pc:spChg chg="add mod">
+          <ac:chgData name="Carolina Craus" userId="bae62b9d695bbdd6" providerId="LiveId" clId="{32165585-CB35-4C33-B919-9B0DD83E6E32}" dt="2023-04-11T21:16:14.928" v="3579" actId="1076"/>
+          <ac:spMkLst>
+            <pc:docMk/>
+            <pc:sldMk cId="2662757459" sldId="319"/>
+            <ac:spMk id="4" creationId="{F22F73C5-C6FC-25F6-B7E9-36F7ECAF6468}"/>
+          </ac:spMkLst>
+        </pc:spChg>
+        <pc:graphicFrameChg chg="mod modGraphic">
+          <ac:chgData name="Carolina Craus" userId="bae62b9d695bbdd6" providerId="LiveId" clId="{32165585-CB35-4C33-B919-9B0DD83E6E32}" dt="2023-04-11T21:15:07.903" v="3544" actId="20577"/>
           <ac:graphicFrameMkLst>
             <pc:docMk/>
             <pc:sldMk cId="2662757459" sldId="319"/>
@@ -1368,7 +1378,7 @@
         </pc:spChg>
       </pc:sldChg>
       <pc:sldChg chg="addSp delSp modSp add mod ord">
-        <pc:chgData name="Carolina Craus" userId="bae62b9d695bbdd6" providerId="LiveId" clId="{32165585-CB35-4C33-B919-9B0DD83E6E32}" dt="2023-04-11T16:36:36.953" v="3410" actId="20577"/>
+        <pc:chgData name="Carolina Craus" userId="bae62b9d695bbdd6" providerId="LiveId" clId="{32165585-CB35-4C33-B919-9B0DD83E6E32}" dt="2023-04-11T21:15:01.781" v="3542" actId="21"/>
         <pc:sldMkLst>
           <pc:docMk/>
           <pc:sldMk cId="3757629853" sldId="325"/>
@@ -1389,8 +1399,8 @@
             <ac:spMk id="4" creationId="{12263CA4-1AF6-1B89-19C4-37BB40F01B9C}"/>
           </ac:spMkLst>
         </pc:spChg>
-        <pc:graphicFrameChg chg="modGraphic">
-          <ac:chgData name="Carolina Craus" userId="bae62b9d695bbdd6" providerId="LiveId" clId="{32165585-CB35-4C33-B919-9B0DD83E6E32}" dt="2023-04-11T16:36:36.953" v="3410" actId="20577"/>
+        <pc:graphicFrameChg chg="mod modGraphic">
+          <ac:chgData name="Carolina Craus" userId="bae62b9d695bbdd6" providerId="LiveId" clId="{32165585-CB35-4C33-B919-9B0DD83E6E32}" dt="2023-04-11T21:15:01.781" v="3542" actId="21"/>
           <ac:graphicFrameMkLst>
             <pc:docMk/>
             <pc:sldMk cId="3757629853" sldId="325"/>
@@ -1413,6 +1423,132 @@
             <ac:picMk id="6" creationId="{AC91B4BA-2879-5EA6-8154-51C2477B5AEE}"/>
           </ac:picMkLst>
         </pc:picChg>
+      </pc:sldChg>
+      <pc:sldChg chg="addSp delSp modSp add mod">
+        <pc:chgData name="Carolina Craus" userId="bae62b9d695bbdd6" providerId="LiveId" clId="{32165585-CB35-4C33-B919-9B0DD83E6E32}" dt="2023-04-11T21:09:22.432" v="3527" actId="1076"/>
+        <pc:sldMkLst>
+          <pc:docMk/>
+          <pc:sldMk cId="970406821" sldId="326"/>
+        </pc:sldMkLst>
+        <pc:spChg chg="mod">
+          <ac:chgData name="Carolina Craus" userId="bae62b9d695bbdd6" providerId="LiveId" clId="{32165585-CB35-4C33-B919-9B0DD83E6E32}" dt="2023-04-11T21:07:37.399" v="3491" actId="20577"/>
+          <ac:spMkLst>
+            <pc:docMk/>
+            <pc:sldMk cId="970406821" sldId="326"/>
+            <ac:spMk id="2" creationId="{8B170740-DB3F-076A-A2D2-9555F51D2D32}"/>
+          </ac:spMkLst>
+        </pc:spChg>
+        <pc:spChg chg="add del">
+          <ac:chgData name="Carolina Craus" userId="bae62b9d695bbdd6" providerId="LiveId" clId="{32165585-CB35-4C33-B919-9B0DD83E6E32}" dt="2023-04-11T21:07:47.439" v="3493"/>
+          <ac:spMkLst>
+            <pc:docMk/>
+            <pc:sldMk cId="970406821" sldId="326"/>
+            <ac:spMk id="3" creationId="{97321447-467E-A5A0-431E-44F79F8783F3}"/>
+          </ac:spMkLst>
+        </pc:spChg>
+        <pc:spChg chg="add del">
+          <ac:chgData name="Carolina Craus" userId="bae62b9d695bbdd6" providerId="LiveId" clId="{32165585-CB35-4C33-B919-9B0DD83E6E32}" dt="2023-04-11T21:08:12.689" v="3498"/>
+          <ac:spMkLst>
+            <pc:docMk/>
+            <pc:sldMk cId="970406821" sldId="326"/>
+            <ac:spMk id="8" creationId="{28F4503B-A72E-C09F-BE5D-27E4088B88B3}"/>
+          </ac:spMkLst>
+        </pc:spChg>
+        <pc:spChg chg="add del">
+          <ac:chgData name="Carolina Craus" userId="bae62b9d695bbdd6" providerId="LiveId" clId="{32165585-CB35-4C33-B919-9B0DD83E6E32}" dt="2023-04-11T21:08:35.601" v="3508"/>
+          <ac:spMkLst>
+            <pc:docMk/>
+            <pc:sldMk cId="970406821" sldId="326"/>
+            <ac:spMk id="12" creationId="{3C4A65C2-D3C6-D00B-854C-4A3E10B119A9}"/>
+          </ac:spMkLst>
+        </pc:spChg>
+        <pc:spChg chg="add del">
+          <ac:chgData name="Carolina Craus" userId="bae62b9d695bbdd6" providerId="LiveId" clId="{32165585-CB35-4C33-B919-9B0DD83E6E32}" dt="2023-04-11T21:09:01.480" v="3520"/>
+          <ac:spMkLst>
+            <pc:docMk/>
+            <pc:sldMk cId="970406821" sldId="326"/>
+            <ac:spMk id="14" creationId="{48494E0C-5EE7-EC99-BE9F-AFC6772A4A03}"/>
+          </ac:spMkLst>
+        </pc:spChg>
+        <pc:picChg chg="del">
+          <ac:chgData name="Carolina Craus" userId="bae62b9d695bbdd6" providerId="LiveId" clId="{32165585-CB35-4C33-B919-9B0DD83E6E32}" dt="2023-04-11T21:07:30.185" v="3487" actId="478"/>
+          <ac:picMkLst>
+            <pc:docMk/>
+            <pc:sldMk cId="970406821" sldId="326"/>
+            <ac:picMk id="4" creationId="{99C8CA08-3452-56B6-3BC4-65991832A913}"/>
+          </ac:picMkLst>
+        </pc:picChg>
+        <pc:picChg chg="add mod">
+          <ac:chgData name="Carolina Craus" userId="bae62b9d695bbdd6" providerId="LiveId" clId="{32165585-CB35-4C33-B919-9B0DD83E6E32}" dt="2023-04-11T21:08:46.323" v="3515" actId="1076"/>
+          <ac:picMkLst>
+            <pc:docMk/>
+            <pc:sldMk cId="970406821" sldId="326"/>
+            <ac:picMk id="6" creationId="{CDDB0D08-163E-1278-6032-296F259ACDE0}"/>
+          </ac:picMkLst>
+        </pc:picChg>
+        <pc:picChg chg="del">
+          <ac:chgData name="Carolina Craus" userId="bae62b9d695bbdd6" providerId="LiveId" clId="{32165585-CB35-4C33-B919-9B0DD83E6E32}" dt="2023-04-11T21:07:30.185" v="3487" actId="478"/>
+          <ac:picMkLst>
+            <pc:docMk/>
+            <pc:sldMk cId="970406821" sldId="326"/>
+            <ac:picMk id="7" creationId="{515EF7C4-762C-1145-DD80-7827D9A3215A}"/>
+          </ac:picMkLst>
+        </pc:picChg>
+        <pc:picChg chg="del">
+          <ac:chgData name="Carolina Craus" userId="bae62b9d695bbdd6" providerId="LiveId" clId="{32165585-CB35-4C33-B919-9B0DD83E6E32}" dt="2023-04-11T21:07:33.064" v="3488" actId="478"/>
+          <ac:picMkLst>
+            <pc:docMk/>
+            <pc:sldMk cId="970406821" sldId="326"/>
+            <ac:picMk id="9" creationId="{7B8E1D54-81AD-E490-EC86-9FB342FE2745}"/>
+          </ac:picMkLst>
+        </pc:picChg>
+        <pc:picChg chg="add mod">
+          <ac:chgData name="Carolina Craus" userId="bae62b9d695bbdd6" providerId="LiveId" clId="{32165585-CB35-4C33-B919-9B0DD83E6E32}" dt="2023-04-11T21:09:13.111" v="3525" actId="1076"/>
+          <ac:picMkLst>
+            <pc:docMk/>
+            <pc:sldMk cId="970406821" sldId="326"/>
+            <ac:picMk id="10" creationId="{87E10284-C3D0-AA3D-7DB1-081CC73D6419}"/>
+          </ac:picMkLst>
+        </pc:picChg>
+        <pc:picChg chg="del">
+          <ac:chgData name="Carolina Craus" userId="bae62b9d695bbdd6" providerId="LiveId" clId="{32165585-CB35-4C33-B919-9B0DD83E6E32}" dt="2023-04-11T21:07:33.064" v="3488" actId="478"/>
+          <ac:picMkLst>
+            <pc:docMk/>
+            <pc:sldMk cId="970406821" sldId="326"/>
+            <ac:picMk id="11" creationId="{7B8FD7CC-3226-C8C1-00B4-6F5174939AAD}"/>
+          </ac:picMkLst>
+        </pc:picChg>
+        <pc:picChg chg="add mod">
+          <ac:chgData name="Carolina Craus" userId="bae62b9d695bbdd6" providerId="LiveId" clId="{32165585-CB35-4C33-B919-9B0DD83E6E32}" dt="2023-04-11T21:08:49.580" v="3516" actId="1076"/>
+          <ac:picMkLst>
+            <pc:docMk/>
+            <pc:sldMk cId="970406821" sldId="326"/>
+            <ac:picMk id="13" creationId="{F255F49D-83EF-0B9C-EFB1-7A432C90224D}"/>
+          </ac:picMkLst>
+        </pc:picChg>
+        <pc:picChg chg="add mod">
+          <ac:chgData name="Carolina Craus" userId="bae62b9d695bbdd6" providerId="LiveId" clId="{32165585-CB35-4C33-B919-9B0DD83E6E32}" dt="2023-04-11T21:09:22.432" v="3527" actId="1076"/>
+          <ac:picMkLst>
+            <pc:docMk/>
+            <pc:sldMk cId="970406821" sldId="326"/>
+            <ac:picMk id="15" creationId="{5762083F-6790-2F6E-2C35-17A28E993B0D}"/>
+          </ac:picMkLst>
+        </pc:picChg>
+      </pc:sldChg>
+      <pc:sldChg chg="modSp add mod">
+        <pc:chgData name="Carolina Craus" userId="bae62b9d695bbdd6" providerId="LiveId" clId="{32165585-CB35-4C33-B919-9B0DD83E6E32}" dt="2023-04-11T21:09:42.373" v="3540" actId="20577"/>
+        <pc:sldMkLst>
+          <pc:docMk/>
+          <pc:sldMk cId="4086477333" sldId="327"/>
+        </pc:sldMkLst>
+        <pc:spChg chg="mod">
+          <ac:chgData name="Carolina Craus" userId="bae62b9d695bbdd6" providerId="LiveId" clId="{32165585-CB35-4C33-B919-9B0DD83E6E32}" dt="2023-04-11T21:09:42.373" v="3540" actId="20577"/>
+          <ac:spMkLst>
+            <pc:docMk/>
+            <pc:sldMk cId="4086477333" sldId="327"/>
+            <ac:spMk id="2" creationId="{8B170740-DB3F-076A-A2D2-9555F51D2D32}"/>
+          </ac:spMkLst>
+        </pc:spChg>
       </pc:sldChg>
     </pc:docChg>
   </pc:docChgLst>
@@ -3024,7 +3160,7 @@
     </p:spTree>
     <p:extLst>
       <p:ext uri="{BB962C8B-B14F-4D97-AF65-F5344CB8AC3E}">
-        <p14:creationId xmlns:p14="http://schemas.microsoft.com/office/powerpoint/2010/main" val="932338961"/>
+        <p14:creationId xmlns:p14="http://schemas.microsoft.com/office/powerpoint/2010/main" val="2553330111"/>
       </p:ext>
     </p:extLst>
   </p:cSld>
@@ -3093,7 +3229,7 @@
     </p:spTree>
     <p:extLst>
       <p:ext uri="{BB962C8B-B14F-4D97-AF65-F5344CB8AC3E}">
-        <p14:creationId xmlns:p14="http://schemas.microsoft.com/office/powerpoint/2010/main" val="1276508841"/>
+        <p14:creationId xmlns:p14="http://schemas.microsoft.com/office/powerpoint/2010/main" val="42152897"/>
       </p:ext>
     </p:extLst>
   </p:cSld>
@@ -3162,7 +3298,7 @@
     </p:spTree>
     <p:extLst>
       <p:ext uri="{BB962C8B-B14F-4D97-AF65-F5344CB8AC3E}">
-        <p14:creationId xmlns:p14="http://schemas.microsoft.com/office/powerpoint/2010/main" val="1890091762"/>
+        <p14:creationId xmlns:p14="http://schemas.microsoft.com/office/powerpoint/2010/main" val="932338961"/>
       </p:ext>
     </p:extLst>
   </p:cSld>
@@ -3231,7 +3367,7 @@
     </p:spTree>
     <p:extLst>
       <p:ext uri="{BB962C8B-B14F-4D97-AF65-F5344CB8AC3E}">
-        <p14:creationId xmlns:p14="http://schemas.microsoft.com/office/powerpoint/2010/main" val="145002961"/>
+        <p14:creationId xmlns:p14="http://schemas.microsoft.com/office/powerpoint/2010/main" val="1276508841"/>
       </p:ext>
     </p:extLst>
   </p:cSld>
@@ -3300,7 +3436,7 @@
     </p:spTree>
     <p:extLst>
       <p:ext uri="{BB962C8B-B14F-4D97-AF65-F5344CB8AC3E}">
-        <p14:creationId xmlns:p14="http://schemas.microsoft.com/office/powerpoint/2010/main" val="3210921180"/>
+        <p14:creationId xmlns:p14="http://schemas.microsoft.com/office/powerpoint/2010/main" val="1890091762"/>
       </p:ext>
     </p:extLst>
   </p:cSld>
@@ -3369,7 +3505,7 @@
     </p:spTree>
     <p:extLst>
       <p:ext uri="{BB962C8B-B14F-4D97-AF65-F5344CB8AC3E}">
-        <p14:creationId xmlns:p14="http://schemas.microsoft.com/office/powerpoint/2010/main" val="2429201677"/>
+        <p14:creationId xmlns:p14="http://schemas.microsoft.com/office/powerpoint/2010/main" val="145002961"/>
       </p:ext>
     </p:extLst>
   </p:cSld>
@@ -3438,7 +3574,7 @@
     </p:spTree>
     <p:extLst>
       <p:ext uri="{BB962C8B-B14F-4D97-AF65-F5344CB8AC3E}">
-        <p14:creationId xmlns:p14="http://schemas.microsoft.com/office/powerpoint/2010/main" val="2231860709"/>
+        <p14:creationId xmlns:p14="http://schemas.microsoft.com/office/powerpoint/2010/main" val="3210921180"/>
       </p:ext>
     </p:extLst>
   </p:cSld>
@@ -3611,7 +3747,7 @@
     </p:spTree>
     <p:extLst>
       <p:ext uri="{BB962C8B-B14F-4D97-AF65-F5344CB8AC3E}">
-        <p14:creationId xmlns:p14="http://schemas.microsoft.com/office/powerpoint/2010/main" val="3976591838"/>
+        <p14:creationId xmlns:p14="http://schemas.microsoft.com/office/powerpoint/2010/main" val="2429201677"/>
       </p:ext>
     </p:extLst>
   </p:cSld>
@@ -3680,6 +3816,144 @@
     </p:spTree>
     <p:extLst>
       <p:ext uri="{BB962C8B-B14F-4D97-AF65-F5344CB8AC3E}">
+        <p14:creationId xmlns:p14="http://schemas.microsoft.com/office/powerpoint/2010/main" val="2231860709"/>
+      </p:ext>
+    </p:extLst>
+  </p:cSld>
+  <p:clrMapOvr>
+    <a:masterClrMapping/>
+  </p:clrMapOvr>
+</p:notes>
+</file>
+
+<file path=ppt/notesSlides/notesSlide32.xml><?xml version="1.0" encoding="utf-8"?>
+<p:notes xmlns:a="http://schemas.openxmlformats.org/drawingml/2006/main" xmlns:r="http://schemas.openxmlformats.org/officeDocument/2006/relationships" xmlns:p="http://schemas.openxmlformats.org/presentationml/2006/main">
+  <p:cSld>
+    <p:spTree>
+      <p:nvGrpSpPr>
+        <p:cNvPr id="1" name=""/>
+        <p:cNvGrpSpPr/>
+        <p:nvPr/>
+      </p:nvGrpSpPr>
+      <p:grpSpPr>
+        <a:xfrm>
+          <a:off x="0" y="0"/>
+          <a:ext cx="0" cy="0"/>
+          <a:chOff x="0" y="0"/>
+          <a:chExt cx="0" cy="0"/>
+        </a:xfrm>
+      </p:grpSpPr>
+      <p:sp>
+        <p:nvSpPr>
+          <p:cNvPr id="2" name="Slide Image Placeholder 1"/>
+          <p:cNvSpPr>
+            <a:spLocks noGrp="1" noRot="1" noChangeAspect="1"/>
+          </p:cNvSpPr>
+          <p:nvPr>
+            <p:ph type="sldImg"/>
+          </p:nvPr>
+        </p:nvSpPr>
+        <p:spPr>
+          <a:xfrm>
+            <a:off x="381000" y="685800"/>
+            <a:ext cx="6096000" cy="3429000"/>
+          </a:xfrm>
+        </p:spPr>
+      </p:sp>
+      <p:sp>
+        <p:nvSpPr>
+          <p:cNvPr id="3" name="Notes Placeholder 2"/>
+          <p:cNvSpPr>
+            <a:spLocks noGrp="1"/>
+          </p:cNvSpPr>
+          <p:nvPr>
+            <p:ph type="body" idx="1"/>
+          </p:nvPr>
+        </p:nvSpPr>
+        <p:spPr/>
+        <p:txBody>
+          <a:bodyPr/>
+          <a:lstStyle/>
+          <a:p>
+            <a:pPr marL="139700" indent="0">
+              <a:buNone/>
+            </a:pPr>
+            <a:endParaRPr lang="en-US" dirty="0"/>
+          </a:p>
+        </p:txBody>
+      </p:sp>
+    </p:spTree>
+    <p:extLst>
+      <p:ext uri="{BB962C8B-B14F-4D97-AF65-F5344CB8AC3E}">
+        <p14:creationId xmlns:p14="http://schemas.microsoft.com/office/powerpoint/2010/main" val="3976591838"/>
+      </p:ext>
+    </p:extLst>
+  </p:cSld>
+  <p:clrMapOvr>
+    <a:masterClrMapping/>
+  </p:clrMapOvr>
+</p:notes>
+</file>
+
+<file path=ppt/notesSlides/notesSlide33.xml><?xml version="1.0" encoding="utf-8"?>
+<p:notes xmlns:a="http://schemas.openxmlformats.org/drawingml/2006/main" xmlns:r="http://schemas.openxmlformats.org/officeDocument/2006/relationships" xmlns:p="http://schemas.openxmlformats.org/presentationml/2006/main">
+  <p:cSld>
+    <p:spTree>
+      <p:nvGrpSpPr>
+        <p:cNvPr id="1" name=""/>
+        <p:cNvGrpSpPr/>
+        <p:nvPr/>
+      </p:nvGrpSpPr>
+      <p:grpSpPr>
+        <a:xfrm>
+          <a:off x="0" y="0"/>
+          <a:ext cx="0" cy="0"/>
+          <a:chOff x="0" y="0"/>
+          <a:chExt cx="0" cy="0"/>
+        </a:xfrm>
+      </p:grpSpPr>
+      <p:sp>
+        <p:nvSpPr>
+          <p:cNvPr id="2" name="Slide Image Placeholder 1"/>
+          <p:cNvSpPr>
+            <a:spLocks noGrp="1" noRot="1" noChangeAspect="1"/>
+          </p:cNvSpPr>
+          <p:nvPr>
+            <p:ph type="sldImg"/>
+          </p:nvPr>
+        </p:nvSpPr>
+        <p:spPr>
+          <a:xfrm>
+            <a:off x="381000" y="685800"/>
+            <a:ext cx="6096000" cy="3429000"/>
+          </a:xfrm>
+        </p:spPr>
+      </p:sp>
+      <p:sp>
+        <p:nvSpPr>
+          <p:cNvPr id="3" name="Notes Placeholder 2"/>
+          <p:cNvSpPr>
+            <a:spLocks noGrp="1"/>
+          </p:cNvSpPr>
+          <p:nvPr>
+            <p:ph type="body" idx="1"/>
+          </p:nvPr>
+        </p:nvSpPr>
+        <p:spPr/>
+        <p:txBody>
+          <a:bodyPr/>
+          <a:lstStyle/>
+          <a:p>
+            <a:pPr marL="139700" indent="0">
+              <a:buNone/>
+            </a:pPr>
+            <a:endParaRPr lang="en-US" dirty="0"/>
+          </a:p>
+        </p:txBody>
+      </p:sp>
+    </p:spTree>
+    <p:extLst>
+      <p:ext uri="{BB962C8B-B14F-4D97-AF65-F5344CB8AC3E}">
         <p14:creationId xmlns:p14="http://schemas.microsoft.com/office/powerpoint/2010/main" val="3457968200"/>
       </p:ext>
     </p:extLst>
@@ -3690,7 +3964,7 @@
 </p:notes>
 </file>
 
-<file path=ppt/notesSlides/notesSlide32.xml><?xml version="1.0" encoding="utf-8"?>
+<file path=ppt/notesSlides/notesSlide34.xml><?xml version="1.0" encoding="utf-8"?>
 <p:notes xmlns:a="http://schemas.openxmlformats.org/drawingml/2006/main" xmlns:r="http://schemas.openxmlformats.org/officeDocument/2006/relationships" xmlns:p="http://schemas.openxmlformats.org/presentationml/2006/main" showMasterSp="0" showMasterPhAnim="0">
   <p:cSld>
     <p:spTree>
@@ -20741,6 +21015,1080 @@
         </p:nvSpPr>
         <p:spPr>
           <a:xfrm>
+            <a:off x="501443" y="441519"/>
+            <a:ext cx="7688700" cy="1034400"/>
+          </a:xfrm>
+        </p:spPr>
+        <p:txBody>
+          <a:bodyPr/>
+          <a:lstStyle/>
+          <a:p>
+            <a:pPr marL="146050" indent="0">
+              <a:buNone/>
+            </a:pPr>
+            <a:r>
+              <a:rPr kumimoji="0" lang="en-US" sz="2600" b="1" i="0" u="none" strike="noStrike" kern="0" cap="none" spc="0" normalizeH="0" baseline="0" noProof="0" dirty="0">
+                <a:ln>
+                  <a:noFill/>
+                </a:ln>
+                <a:solidFill>
+                  <a:srgbClr val="1A1A1A"/>
+                </a:solidFill>
+                <a:effectLst/>
+                <a:uLnTx/>
+                <a:uFillTx/>
+                <a:latin typeface="Raleway"/>
+                <a:sym typeface="Raleway"/>
+              </a:rPr>
+              <a:t>Objective 2</a:t>
+            </a:r>
+          </a:p>
+          <a:p>
+            <a:pPr marL="146050" indent="0">
+              <a:buNone/>
+            </a:pPr>
+            <a:r>
+              <a:rPr lang="en-US" sz="1400" b="1" dirty="0">
+                <a:solidFill>
+                  <a:schemeClr val="bg1">
+                    <a:lumMod val="65000"/>
+                  </a:schemeClr>
+                </a:solidFill>
+                <a:latin typeface="Raleway"/>
+                <a:sym typeface="Raleway"/>
+              </a:rPr>
+              <a:t>1. Higher Complexity Logistic Regression Model</a:t>
+            </a:r>
+          </a:p>
+          <a:p>
+            <a:pPr marL="146050" indent="0">
+              <a:buNone/>
+            </a:pPr>
+            <a:r>
+              <a:rPr lang="en-US" dirty="0">
+                <a:solidFill>
+                  <a:schemeClr val="bg1">
+                    <a:lumMod val="65000"/>
+                  </a:schemeClr>
+                </a:solidFill>
+              </a:rPr>
+              <a:t>    EDA: Box Plots for Duration</a:t>
+            </a:r>
+          </a:p>
+          <a:p>
+            <a:pPr marL="146050" indent="0">
+              <a:buNone/>
+            </a:pPr>
+            <a:endParaRPr lang="en-US" dirty="0">
+              <a:solidFill>
+                <a:schemeClr val="bg1">
+                  <a:lumMod val="65000"/>
+                </a:schemeClr>
+              </a:solidFill>
+            </a:endParaRPr>
+          </a:p>
+        </p:txBody>
+      </p:sp>
+      <p:sp>
+        <p:nvSpPr>
+          <p:cNvPr id="5" name="Text Placeholder 2">
+            <a:extLst>
+              <a:ext uri="{FF2B5EF4-FFF2-40B4-BE49-F238E27FC236}">
+                <a16:creationId xmlns:a16="http://schemas.microsoft.com/office/drawing/2014/main" id="{80A4736F-1EF9-09F0-5145-9AB37B5FE409}"/>
+              </a:ext>
+            </a:extLst>
+          </p:cNvPr>
+          <p:cNvSpPr txBox="1">
+            <a:spLocks/>
+          </p:cNvSpPr>
+          <p:nvPr/>
+        </p:nvSpPr>
+        <p:spPr>
+          <a:xfrm>
+            <a:off x="725850" y="1761143"/>
+            <a:ext cx="7688700" cy="1111264"/>
+          </a:xfrm>
+          <a:prstGeom prst="rect">
+            <a:avLst/>
+          </a:prstGeom>
+          <a:noFill/>
+          <a:ln>
+            <a:noFill/>
+          </a:ln>
+        </p:spPr>
+        <p:txBody>
+          <a:bodyPr spcFirstLastPara="1" wrap="square" lIns="91425" tIns="91425" rIns="91425" bIns="91425" anchor="t" anchorCtr="0">
+            <a:noAutofit/>
+          </a:bodyPr>
+          <a:lstStyle>
+            <a:defPPr marR="0" lvl="0" algn="l" rtl="0">
+              <a:lnSpc>
+                <a:spcPct val="100000"/>
+              </a:lnSpc>
+              <a:spcBef>
+                <a:spcPts val="0"/>
+              </a:spcBef>
+              <a:spcAft>
+                <a:spcPts val="0"/>
+              </a:spcAft>
+            </a:defPPr>
+            <a:lvl1pPr marL="457200" marR="0" lvl="0" indent="-311150" algn="l" rtl="0">
+              <a:lnSpc>
+                <a:spcPct val="115000"/>
+              </a:lnSpc>
+              <a:spcBef>
+                <a:spcPts val="0"/>
+              </a:spcBef>
+              <a:spcAft>
+                <a:spcPts val="0"/>
+              </a:spcAft>
+              <a:buClr>
+                <a:schemeClr val="accent1"/>
+              </a:buClr>
+              <a:buSzPts val="1300"/>
+              <a:buFont typeface="Lato"/>
+              <a:buChar char="●"/>
+              <a:defRPr sz="1300" b="0" i="0" u="none" strike="noStrike" cap="none">
+                <a:solidFill>
+                  <a:schemeClr val="accent1"/>
+                </a:solidFill>
+                <a:latin typeface="Lato"/>
+                <a:ea typeface="Lato"/>
+                <a:cs typeface="Lato"/>
+                <a:sym typeface="Lato"/>
+              </a:defRPr>
+            </a:lvl1pPr>
+            <a:lvl2pPr marL="914400" marR="0" lvl="1" indent="-298450" algn="l" rtl="0">
+              <a:lnSpc>
+                <a:spcPct val="115000"/>
+              </a:lnSpc>
+              <a:spcBef>
+                <a:spcPts val="1600"/>
+              </a:spcBef>
+              <a:spcAft>
+                <a:spcPts val="0"/>
+              </a:spcAft>
+              <a:buClr>
+                <a:schemeClr val="accent1"/>
+              </a:buClr>
+              <a:buSzPts val="1100"/>
+              <a:buFont typeface="Lato"/>
+              <a:buChar char="○"/>
+              <a:defRPr sz="1100" b="0" i="0" u="none" strike="noStrike" cap="none">
+                <a:solidFill>
+                  <a:schemeClr val="accent1"/>
+                </a:solidFill>
+                <a:latin typeface="Lato"/>
+                <a:ea typeface="Lato"/>
+                <a:cs typeface="Lato"/>
+                <a:sym typeface="Lato"/>
+              </a:defRPr>
+            </a:lvl2pPr>
+            <a:lvl3pPr marL="1371600" marR="0" lvl="2" indent="-298450" algn="l" rtl="0">
+              <a:lnSpc>
+                <a:spcPct val="115000"/>
+              </a:lnSpc>
+              <a:spcBef>
+                <a:spcPts val="1600"/>
+              </a:spcBef>
+              <a:spcAft>
+                <a:spcPts val="0"/>
+              </a:spcAft>
+              <a:buClr>
+                <a:schemeClr val="accent1"/>
+              </a:buClr>
+              <a:buSzPts val="1100"/>
+              <a:buFont typeface="Lato"/>
+              <a:buChar char="■"/>
+              <a:defRPr sz="1100" b="0" i="0" u="none" strike="noStrike" cap="none">
+                <a:solidFill>
+                  <a:schemeClr val="accent1"/>
+                </a:solidFill>
+                <a:latin typeface="Lato"/>
+                <a:ea typeface="Lato"/>
+                <a:cs typeface="Lato"/>
+                <a:sym typeface="Lato"/>
+              </a:defRPr>
+            </a:lvl3pPr>
+            <a:lvl4pPr marL="1828800" marR="0" lvl="3" indent="-298450" algn="l" rtl="0">
+              <a:lnSpc>
+                <a:spcPct val="115000"/>
+              </a:lnSpc>
+              <a:spcBef>
+                <a:spcPts val="1600"/>
+              </a:spcBef>
+              <a:spcAft>
+                <a:spcPts val="0"/>
+              </a:spcAft>
+              <a:buClr>
+                <a:schemeClr val="accent1"/>
+              </a:buClr>
+              <a:buSzPts val="1100"/>
+              <a:buFont typeface="Lato"/>
+              <a:buChar char="●"/>
+              <a:defRPr sz="1100" b="0" i="0" u="none" strike="noStrike" cap="none">
+                <a:solidFill>
+                  <a:schemeClr val="accent1"/>
+                </a:solidFill>
+                <a:latin typeface="Lato"/>
+                <a:ea typeface="Lato"/>
+                <a:cs typeface="Lato"/>
+                <a:sym typeface="Lato"/>
+              </a:defRPr>
+            </a:lvl4pPr>
+            <a:lvl5pPr marL="2286000" marR="0" lvl="4" indent="-298450" algn="l" rtl="0">
+              <a:lnSpc>
+                <a:spcPct val="115000"/>
+              </a:lnSpc>
+              <a:spcBef>
+                <a:spcPts val="1600"/>
+              </a:spcBef>
+              <a:spcAft>
+                <a:spcPts val="0"/>
+              </a:spcAft>
+              <a:buClr>
+                <a:schemeClr val="accent1"/>
+              </a:buClr>
+              <a:buSzPts val="1100"/>
+              <a:buFont typeface="Lato"/>
+              <a:buChar char="○"/>
+              <a:defRPr sz="1100" b="0" i="0" u="none" strike="noStrike" cap="none">
+                <a:solidFill>
+                  <a:schemeClr val="accent1"/>
+                </a:solidFill>
+                <a:latin typeface="Lato"/>
+                <a:ea typeface="Lato"/>
+                <a:cs typeface="Lato"/>
+                <a:sym typeface="Lato"/>
+              </a:defRPr>
+            </a:lvl5pPr>
+            <a:lvl6pPr marL="2743200" marR="0" lvl="5" indent="-298450" algn="l" rtl="0">
+              <a:lnSpc>
+                <a:spcPct val="115000"/>
+              </a:lnSpc>
+              <a:spcBef>
+                <a:spcPts val="1600"/>
+              </a:spcBef>
+              <a:spcAft>
+                <a:spcPts val="0"/>
+              </a:spcAft>
+              <a:buClr>
+                <a:schemeClr val="accent1"/>
+              </a:buClr>
+              <a:buSzPts val="1100"/>
+              <a:buFont typeface="Lato"/>
+              <a:buChar char="■"/>
+              <a:defRPr sz="1100" b="0" i="0" u="none" strike="noStrike" cap="none">
+                <a:solidFill>
+                  <a:schemeClr val="accent1"/>
+                </a:solidFill>
+                <a:latin typeface="Lato"/>
+                <a:ea typeface="Lato"/>
+                <a:cs typeface="Lato"/>
+                <a:sym typeface="Lato"/>
+              </a:defRPr>
+            </a:lvl6pPr>
+            <a:lvl7pPr marL="3200400" marR="0" lvl="6" indent="-298450" algn="l" rtl="0">
+              <a:lnSpc>
+                <a:spcPct val="115000"/>
+              </a:lnSpc>
+              <a:spcBef>
+                <a:spcPts val="1600"/>
+              </a:spcBef>
+              <a:spcAft>
+                <a:spcPts val="0"/>
+              </a:spcAft>
+              <a:buClr>
+                <a:schemeClr val="accent1"/>
+              </a:buClr>
+              <a:buSzPts val="1100"/>
+              <a:buFont typeface="Lato"/>
+              <a:buChar char="●"/>
+              <a:defRPr sz="1100" b="0" i="0" u="none" strike="noStrike" cap="none">
+                <a:solidFill>
+                  <a:schemeClr val="accent1"/>
+                </a:solidFill>
+                <a:latin typeface="Lato"/>
+                <a:ea typeface="Lato"/>
+                <a:cs typeface="Lato"/>
+                <a:sym typeface="Lato"/>
+              </a:defRPr>
+            </a:lvl7pPr>
+            <a:lvl8pPr marL="3657600" marR="0" lvl="7" indent="-298450" algn="l" rtl="0">
+              <a:lnSpc>
+                <a:spcPct val="115000"/>
+              </a:lnSpc>
+              <a:spcBef>
+                <a:spcPts val="1600"/>
+              </a:spcBef>
+              <a:spcAft>
+                <a:spcPts val="0"/>
+              </a:spcAft>
+              <a:buClr>
+                <a:schemeClr val="accent1"/>
+              </a:buClr>
+              <a:buSzPts val="1100"/>
+              <a:buFont typeface="Lato"/>
+              <a:buChar char="○"/>
+              <a:defRPr sz="1100" b="0" i="0" u="none" strike="noStrike" cap="none">
+                <a:solidFill>
+                  <a:schemeClr val="accent1"/>
+                </a:solidFill>
+                <a:latin typeface="Lato"/>
+                <a:ea typeface="Lato"/>
+                <a:cs typeface="Lato"/>
+                <a:sym typeface="Lato"/>
+              </a:defRPr>
+            </a:lvl8pPr>
+            <a:lvl9pPr marL="4114800" marR="0" lvl="8" indent="-298450" algn="l" rtl="0">
+              <a:lnSpc>
+                <a:spcPct val="115000"/>
+              </a:lnSpc>
+              <a:spcBef>
+                <a:spcPts val="1600"/>
+              </a:spcBef>
+              <a:spcAft>
+                <a:spcPts val="1600"/>
+              </a:spcAft>
+              <a:buClr>
+                <a:schemeClr val="accent1"/>
+              </a:buClr>
+              <a:buSzPts val="1100"/>
+              <a:buFont typeface="Lato"/>
+              <a:buChar char="■"/>
+              <a:defRPr sz="1100" b="0" i="0" u="none" strike="noStrike" cap="none">
+                <a:solidFill>
+                  <a:schemeClr val="accent1"/>
+                </a:solidFill>
+                <a:latin typeface="Lato"/>
+                <a:ea typeface="Lato"/>
+                <a:cs typeface="Lato"/>
+                <a:sym typeface="Lato"/>
+              </a:defRPr>
+            </a:lvl9pPr>
+          </a:lstStyle>
+          <a:p>
+            <a:pPr marL="146050" indent="0">
+              <a:buNone/>
+            </a:pPr>
+            <a:endParaRPr lang="en-US" dirty="0"/>
+          </a:p>
+          <a:p>
+            <a:pPr marL="146050" indent="0">
+              <a:buNone/>
+            </a:pPr>
+            <a:endParaRPr lang="en-US" dirty="0"/>
+          </a:p>
+        </p:txBody>
+      </p:sp>
+      <p:pic>
+        <p:nvPicPr>
+          <p:cNvPr id="6" name="Picture 5">
+            <a:extLst>
+              <a:ext uri="{FF2B5EF4-FFF2-40B4-BE49-F238E27FC236}">
+                <a16:creationId xmlns:a16="http://schemas.microsoft.com/office/drawing/2014/main" id="{CDDB0D08-163E-1278-6032-296F259ACDE0}"/>
+              </a:ext>
+            </a:extLst>
+          </p:cNvPr>
+          <p:cNvPicPr>
+            <a:picLocks noChangeAspect="1"/>
+          </p:cNvPicPr>
+          <p:nvPr/>
+        </p:nvPicPr>
+        <p:blipFill>
+          <a:blip r:embed="rId4"/>
+          <a:stretch>
+            <a:fillRect/>
+          </a:stretch>
+        </p:blipFill>
+        <p:spPr>
+          <a:xfrm>
+            <a:off x="209864" y="1521683"/>
+            <a:ext cx="2743292" cy="1693003"/>
+          </a:xfrm>
+          <a:prstGeom prst="rect">
+            <a:avLst/>
+          </a:prstGeom>
+        </p:spPr>
+      </p:pic>
+      <p:pic>
+        <p:nvPicPr>
+          <p:cNvPr id="10" name="Picture 9">
+            <a:extLst>
+              <a:ext uri="{FF2B5EF4-FFF2-40B4-BE49-F238E27FC236}">
+                <a16:creationId xmlns:a16="http://schemas.microsoft.com/office/drawing/2014/main" id="{87E10284-C3D0-AA3D-7DB1-081CC73D6419}"/>
+              </a:ext>
+            </a:extLst>
+          </p:cNvPr>
+          <p:cNvPicPr>
+            <a:picLocks noChangeAspect="1"/>
+          </p:cNvPicPr>
+          <p:nvPr/>
+        </p:nvPicPr>
+        <p:blipFill>
+          <a:blip r:embed="rId5"/>
+          <a:stretch>
+            <a:fillRect/>
+          </a:stretch>
+        </p:blipFill>
+        <p:spPr>
+          <a:xfrm>
+            <a:off x="2974147" y="1521683"/>
+            <a:ext cx="2743291" cy="1693003"/>
+          </a:xfrm>
+          <a:prstGeom prst="rect">
+            <a:avLst/>
+          </a:prstGeom>
+        </p:spPr>
+      </p:pic>
+      <p:pic>
+        <p:nvPicPr>
+          <p:cNvPr id="13" name="Picture 12">
+            <a:extLst>
+              <a:ext uri="{FF2B5EF4-FFF2-40B4-BE49-F238E27FC236}">
+                <a16:creationId xmlns:a16="http://schemas.microsoft.com/office/drawing/2014/main" id="{F255F49D-83EF-0B9C-EFB1-7A432C90224D}"/>
+              </a:ext>
+            </a:extLst>
+          </p:cNvPr>
+          <p:cNvPicPr>
+            <a:picLocks noChangeAspect="1"/>
+          </p:cNvPicPr>
+          <p:nvPr/>
+        </p:nvPicPr>
+        <p:blipFill>
+          <a:blip r:embed="rId6"/>
+          <a:stretch>
+            <a:fillRect/>
+          </a:stretch>
+        </p:blipFill>
+        <p:spPr>
+          <a:xfrm>
+            <a:off x="337168" y="3260450"/>
+            <a:ext cx="2615988" cy="1614438"/>
+          </a:xfrm>
+          <a:prstGeom prst="rect">
+            <a:avLst/>
+          </a:prstGeom>
+        </p:spPr>
+      </p:pic>
+      <p:pic>
+        <p:nvPicPr>
+          <p:cNvPr id="15" name="Picture 14">
+            <a:extLst>
+              <a:ext uri="{FF2B5EF4-FFF2-40B4-BE49-F238E27FC236}">
+                <a16:creationId xmlns:a16="http://schemas.microsoft.com/office/drawing/2014/main" id="{5762083F-6790-2F6E-2C35-17A28E993B0D}"/>
+              </a:ext>
+            </a:extLst>
+          </p:cNvPr>
+          <p:cNvPicPr>
+            <a:picLocks noChangeAspect="1"/>
+          </p:cNvPicPr>
+          <p:nvPr/>
+        </p:nvPicPr>
+        <p:blipFill>
+          <a:blip r:embed="rId7"/>
+          <a:stretch>
+            <a:fillRect/>
+          </a:stretch>
+        </p:blipFill>
+        <p:spPr>
+          <a:xfrm>
+            <a:off x="3058768" y="3247279"/>
+            <a:ext cx="2658670" cy="1640779"/>
+          </a:xfrm>
+          <a:prstGeom prst="rect">
+            <a:avLst/>
+          </a:prstGeom>
+        </p:spPr>
+      </p:pic>
+    </p:spTree>
+    <p:custDataLst>
+      <p:tags r:id="rId1"/>
+    </p:custDataLst>
+    <p:extLst>
+      <p:ext uri="{BB962C8B-B14F-4D97-AF65-F5344CB8AC3E}">
+        <p14:creationId xmlns:p14="http://schemas.microsoft.com/office/powerpoint/2010/main" val="970406821"/>
+      </p:ext>
+    </p:extLst>
+  </p:cSld>
+  <p:clrMapOvr>
+    <a:masterClrMapping/>
+  </p:clrMapOvr>
+</p:sld>
+</file>
+
+<file path=ppt/slides/slide24.xml><?xml version="1.0" encoding="utf-8"?>
+<p:sld xmlns:a="http://schemas.openxmlformats.org/drawingml/2006/main" xmlns:r="http://schemas.openxmlformats.org/officeDocument/2006/relationships" xmlns:p="http://schemas.openxmlformats.org/presentationml/2006/main">
+  <p:cSld>
+    <p:spTree>
+      <p:nvGrpSpPr>
+        <p:cNvPr id="1" name=""/>
+        <p:cNvGrpSpPr/>
+        <p:nvPr/>
+      </p:nvGrpSpPr>
+      <p:grpSpPr>
+        <a:xfrm>
+          <a:off x="0" y="0"/>
+          <a:ext cx="0" cy="0"/>
+          <a:chOff x="0" y="0"/>
+          <a:chExt cx="0" cy="0"/>
+        </a:xfrm>
+      </p:grpSpPr>
+      <p:sp>
+        <p:nvSpPr>
+          <p:cNvPr id="2" name="Text Placeholder 1">
+            <a:extLst>
+              <a:ext uri="{FF2B5EF4-FFF2-40B4-BE49-F238E27FC236}">
+                <a16:creationId xmlns:a16="http://schemas.microsoft.com/office/drawing/2014/main" id="{8B170740-DB3F-076A-A2D2-9555F51D2D32}"/>
+              </a:ext>
+            </a:extLst>
+          </p:cNvPr>
+          <p:cNvSpPr>
+            <a:spLocks noGrp="1"/>
+          </p:cNvSpPr>
+          <p:nvPr>
+            <p:ph type="body" idx="1"/>
+          </p:nvPr>
+        </p:nvSpPr>
+        <p:spPr>
+          <a:xfrm>
+            <a:off x="501443" y="441519"/>
+            <a:ext cx="7688700" cy="1034400"/>
+          </a:xfrm>
+        </p:spPr>
+        <p:txBody>
+          <a:bodyPr/>
+          <a:lstStyle/>
+          <a:p>
+            <a:pPr marL="146050" indent="0">
+              <a:buNone/>
+            </a:pPr>
+            <a:r>
+              <a:rPr kumimoji="0" lang="en-US" sz="2600" b="1" i="0" u="none" strike="noStrike" kern="0" cap="none" spc="0" normalizeH="0" baseline="0" noProof="0" dirty="0">
+                <a:ln>
+                  <a:noFill/>
+                </a:ln>
+                <a:solidFill>
+                  <a:srgbClr val="1A1A1A"/>
+                </a:solidFill>
+                <a:effectLst/>
+                <a:uLnTx/>
+                <a:uFillTx/>
+                <a:latin typeface="Raleway"/>
+                <a:sym typeface="Raleway"/>
+              </a:rPr>
+              <a:t>Objective 2</a:t>
+            </a:r>
+          </a:p>
+          <a:p>
+            <a:pPr marL="146050" indent="0">
+              <a:buNone/>
+            </a:pPr>
+            <a:r>
+              <a:rPr lang="en-US" sz="1400" b="1" dirty="0">
+                <a:solidFill>
+                  <a:schemeClr val="bg1">
+                    <a:lumMod val="65000"/>
+                  </a:schemeClr>
+                </a:solidFill>
+                <a:latin typeface="Raleway"/>
+                <a:sym typeface="Raleway"/>
+              </a:rPr>
+              <a:t>1. Higher Complexity Logistic Regression Model</a:t>
+            </a:r>
+          </a:p>
+          <a:p>
+            <a:pPr marL="146050" indent="0">
+              <a:buNone/>
+            </a:pPr>
+            <a:r>
+              <a:rPr lang="en-US" dirty="0">
+                <a:solidFill>
+                  <a:schemeClr val="bg1">
+                    <a:lumMod val="65000"/>
+                  </a:schemeClr>
+                </a:solidFill>
+              </a:rPr>
+              <a:t>    EDA: Box Plots for log(Balance)</a:t>
+            </a:r>
+          </a:p>
+          <a:p>
+            <a:pPr marL="146050" indent="0">
+              <a:buNone/>
+            </a:pPr>
+            <a:endParaRPr lang="en-US" dirty="0">
+              <a:solidFill>
+                <a:schemeClr val="bg1">
+                  <a:lumMod val="65000"/>
+                </a:schemeClr>
+              </a:solidFill>
+            </a:endParaRPr>
+          </a:p>
+        </p:txBody>
+      </p:sp>
+      <p:sp>
+        <p:nvSpPr>
+          <p:cNvPr id="5" name="Text Placeholder 2">
+            <a:extLst>
+              <a:ext uri="{FF2B5EF4-FFF2-40B4-BE49-F238E27FC236}">
+                <a16:creationId xmlns:a16="http://schemas.microsoft.com/office/drawing/2014/main" id="{80A4736F-1EF9-09F0-5145-9AB37B5FE409}"/>
+              </a:ext>
+            </a:extLst>
+          </p:cNvPr>
+          <p:cNvSpPr txBox="1">
+            <a:spLocks/>
+          </p:cNvSpPr>
+          <p:nvPr/>
+        </p:nvSpPr>
+        <p:spPr>
+          <a:xfrm>
+            <a:off x="725850" y="1761143"/>
+            <a:ext cx="7688700" cy="1111264"/>
+          </a:xfrm>
+          <a:prstGeom prst="rect">
+            <a:avLst/>
+          </a:prstGeom>
+          <a:noFill/>
+          <a:ln>
+            <a:noFill/>
+          </a:ln>
+        </p:spPr>
+        <p:txBody>
+          <a:bodyPr spcFirstLastPara="1" wrap="square" lIns="91425" tIns="91425" rIns="91425" bIns="91425" anchor="t" anchorCtr="0">
+            <a:noAutofit/>
+          </a:bodyPr>
+          <a:lstStyle>
+            <a:defPPr marR="0" lvl="0" algn="l" rtl="0">
+              <a:lnSpc>
+                <a:spcPct val="100000"/>
+              </a:lnSpc>
+              <a:spcBef>
+                <a:spcPts val="0"/>
+              </a:spcBef>
+              <a:spcAft>
+                <a:spcPts val="0"/>
+              </a:spcAft>
+            </a:defPPr>
+            <a:lvl1pPr marL="457200" marR="0" lvl="0" indent="-311150" algn="l" rtl="0">
+              <a:lnSpc>
+                <a:spcPct val="115000"/>
+              </a:lnSpc>
+              <a:spcBef>
+                <a:spcPts val="0"/>
+              </a:spcBef>
+              <a:spcAft>
+                <a:spcPts val="0"/>
+              </a:spcAft>
+              <a:buClr>
+                <a:schemeClr val="accent1"/>
+              </a:buClr>
+              <a:buSzPts val="1300"/>
+              <a:buFont typeface="Lato"/>
+              <a:buChar char="●"/>
+              <a:defRPr sz="1300" b="0" i="0" u="none" strike="noStrike" cap="none">
+                <a:solidFill>
+                  <a:schemeClr val="accent1"/>
+                </a:solidFill>
+                <a:latin typeface="Lato"/>
+                <a:ea typeface="Lato"/>
+                <a:cs typeface="Lato"/>
+                <a:sym typeface="Lato"/>
+              </a:defRPr>
+            </a:lvl1pPr>
+            <a:lvl2pPr marL="914400" marR="0" lvl="1" indent="-298450" algn="l" rtl="0">
+              <a:lnSpc>
+                <a:spcPct val="115000"/>
+              </a:lnSpc>
+              <a:spcBef>
+                <a:spcPts val="1600"/>
+              </a:spcBef>
+              <a:spcAft>
+                <a:spcPts val="0"/>
+              </a:spcAft>
+              <a:buClr>
+                <a:schemeClr val="accent1"/>
+              </a:buClr>
+              <a:buSzPts val="1100"/>
+              <a:buFont typeface="Lato"/>
+              <a:buChar char="○"/>
+              <a:defRPr sz="1100" b="0" i="0" u="none" strike="noStrike" cap="none">
+                <a:solidFill>
+                  <a:schemeClr val="accent1"/>
+                </a:solidFill>
+                <a:latin typeface="Lato"/>
+                <a:ea typeface="Lato"/>
+                <a:cs typeface="Lato"/>
+                <a:sym typeface="Lato"/>
+              </a:defRPr>
+            </a:lvl2pPr>
+            <a:lvl3pPr marL="1371600" marR="0" lvl="2" indent="-298450" algn="l" rtl="0">
+              <a:lnSpc>
+                <a:spcPct val="115000"/>
+              </a:lnSpc>
+              <a:spcBef>
+                <a:spcPts val="1600"/>
+              </a:spcBef>
+              <a:spcAft>
+                <a:spcPts val="0"/>
+              </a:spcAft>
+              <a:buClr>
+                <a:schemeClr val="accent1"/>
+              </a:buClr>
+              <a:buSzPts val="1100"/>
+              <a:buFont typeface="Lato"/>
+              <a:buChar char="■"/>
+              <a:defRPr sz="1100" b="0" i="0" u="none" strike="noStrike" cap="none">
+                <a:solidFill>
+                  <a:schemeClr val="accent1"/>
+                </a:solidFill>
+                <a:latin typeface="Lato"/>
+                <a:ea typeface="Lato"/>
+                <a:cs typeface="Lato"/>
+                <a:sym typeface="Lato"/>
+              </a:defRPr>
+            </a:lvl3pPr>
+            <a:lvl4pPr marL="1828800" marR="0" lvl="3" indent="-298450" algn="l" rtl="0">
+              <a:lnSpc>
+                <a:spcPct val="115000"/>
+              </a:lnSpc>
+              <a:spcBef>
+                <a:spcPts val="1600"/>
+              </a:spcBef>
+              <a:spcAft>
+                <a:spcPts val="0"/>
+              </a:spcAft>
+              <a:buClr>
+                <a:schemeClr val="accent1"/>
+              </a:buClr>
+              <a:buSzPts val="1100"/>
+              <a:buFont typeface="Lato"/>
+              <a:buChar char="●"/>
+              <a:defRPr sz="1100" b="0" i="0" u="none" strike="noStrike" cap="none">
+                <a:solidFill>
+                  <a:schemeClr val="accent1"/>
+                </a:solidFill>
+                <a:latin typeface="Lato"/>
+                <a:ea typeface="Lato"/>
+                <a:cs typeface="Lato"/>
+                <a:sym typeface="Lato"/>
+              </a:defRPr>
+            </a:lvl4pPr>
+            <a:lvl5pPr marL="2286000" marR="0" lvl="4" indent="-298450" algn="l" rtl="0">
+              <a:lnSpc>
+                <a:spcPct val="115000"/>
+              </a:lnSpc>
+              <a:spcBef>
+                <a:spcPts val="1600"/>
+              </a:spcBef>
+              <a:spcAft>
+                <a:spcPts val="0"/>
+              </a:spcAft>
+              <a:buClr>
+                <a:schemeClr val="accent1"/>
+              </a:buClr>
+              <a:buSzPts val="1100"/>
+              <a:buFont typeface="Lato"/>
+              <a:buChar char="○"/>
+              <a:defRPr sz="1100" b="0" i="0" u="none" strike="noStrike" cap="none">
+                <a:solidFill>
+                  <a:schemeClr val="accent1"/>
+                </a:solidFill>
+                <a:latin typeface="Lato"/>
+                <a:ea typeface="Lato"/>
+                <a:cs typeface="Lato"/>
+                <a:sym typeface="Lato"/>
+              </a:defRPr>
+            </a:lvl5pPr>
+            <a:lvl6pPr marL="2743200" marR="0" lvl="5" indent="-298450" algn="l" rtl="0">
+              <a:lnSpc>
+                <a:spcPct val="115000"/>
+              </a:lnSpc>
+              <a:spcBef>
+                <a:spcPts val="1600"/>
+              </a:spcBef>
+              <a:spcAft>
+                <a:spcPts val="0"/>
+              </a:spcAft>
+              <a:buClr>
+                <a:schemeClr val="accent1"/>
+              </a:buClr>
+              <a:buSzPts val="1100"/>
+              <a:buFont typeface="Lato"/>
+              <a:buChar char="■"/>
+              <a:defRPr sz="1100" b="0" i="0" u="none" strike="noStrike" cap="none">
+                <a:solidFill>
+                  <a:schemeClr val="accent1"/>
+                </a:solidFill>
+                <a:latin typeface="Lato"/>
+                <a:ea typeface="Lato"/>
+                <a:cs typeface="Lato"/>
+                <a:sym typeface="Lato"/>
+              </a:defRPr>
+            </a:lvl6pPr>
+            <a:lvl7pPr marL="3200400" marR="0" lvl="6" indent="-298450" algn="l" rtl="0">
+              <a:lnSpc>
+                <a:spcPct val="115000"/>
+              </a:lnSpc>
+              <a:spcBef>
+                <a:spcPts val="1600"/>
+              </a:spcBef>
+              <a:spcAft>
+                <a:spcPts val="0"/>
+              </a:spcAft>
+              <a:buClr>
+                <a:schemeClr val="accent1"/>
+              </a:buClr>
+              <a:buSzPts val="1100"/>
+              <a:buFont typeface="Lato"/>
+              <a:buChar char="●"/>
+              <a:defRPr sz="1100" b="0" i="0" u="none" strike="noStrike" cap="none">
+                <a:solidFill>
+                  <a:schemeClr val="accent1"/>
+                </a:solidFill>
+                <a:latin typeface="Lato"/>
+                <a:ea typeface="Lato"/>
+                <a:cs typeface="Lato"/>
+                <a:sym typeface="Lato"/>
+              </a:defRPr>
+            </a:lvl7pPr>
+            <a:lvl8pPr marL="3657600" marR="0" lvl="7" indent="-298450" algn="l" rtl="0">
+              <a:lnSpc>
+                <a:spcPct val="115000"/>
+              </a:lnSpc>
+              <a:spcBef>
+                <a:spcPts val="1600"/>
+              </a:spcBef>
+              <a:spcAft>
+                <a:spcPts val="0"/>
+              </a:spcAft>
+              <a:buClr>
+                <a:schemeClr val="accent1"/>
+              </a:buClr>
+              <a:buSzPts val="1100"/>
+              <a:buFont typeface="Lato"/>
+              <a:buChar char="○"/>
+              <a:defRPr sz="1100" b="0" i="0" u="none" strike="noStrike" cap="none">
+                <a:solidFill>
+                  <a:schemeClr val="accent1"/>
+                </a:solidFill>
+                <a:latin typeface="Lato"/>
+                <a:ea typeface="Lato"/>
+                <a:cs typeface="Lato"/>
+                <a:sym typeface="Lato"/>
+              </a:defRPr>
+            </a:lvl8pPr>
+            <a:lvl9pPr marL="4114800" marR="0" lvl="8" indent="-298450" algn="l" rtl="0">
+              <a:lnSpc>
+                <a:spcPct val="115000"/>
+              </a:lnSpc>
+              <a:spcBef>
+                <a:spcPts val="1600"/>
+              </a:spcBef>
+              <a:spcAft>
+                <a:spcPts val="1600"/>
+              </a:spcAft>
+              <a:buClr>
+                <a:schemeClr val="accent1"/>
+              </a:buClr>
+              <a:buSzPts val="1100"/>
+              <a:buFont typeface="Lato"/>
+              <a:buChar char="■"/>
+              <a:defRPr sz="1100" b="0" i="0" u="none" strike="noStrike" cap="none">
+                <a:solidFill>
+                  <a:schemeClr val="accent1"/>
+                </a:solidFill>
+                <a:latin typeface="Lato"/>
+                <a:ea typeface="Lato"/>
+                <a:cs typeface="Lato"/>
+                <a:sym typeface="Lato"/>
+              </a:defRPr>
+            </a:lvl9pPr>
+          </a:lstStyle>
+          <a:p>
+            <a:pPr marL="146050" indent="0">
+              <a:buNone/>
+            </a:pPr>
+            <a:endParaRPr lang="en-US" dirty="0"/>
+          </a:p>
+          <a:p>
+            <a:pPr marL="146050" indent="0">
+              <a:buNone/>
+            </a:pPr>
+            <a:endParaRPr lang="en-US" dirty="0"/>
+          </a:p>
+        </p:txBody>
+      </p:sp>
+      <p:pic>
+        <p:nvPicPr>
+          <p:cNvPr id="6" name="Picture 5">
+            <a:extLst>
+              <a:ext uri="{FF2B5EF4-FFF2-40B4-BE49-F238E27FC236}">
+                <a16:creationId xmlns:a16="http://schemas.microsoft.com/office/drawing/2014/main" id="{CDDB0D08-163E-1278-6032-296F259ACDE0}"/>
+              </a:ext>
+            </a:extLst>
+          </p:cNvPr>
+          <p:cNvPicPr>
+            <a:picLocks noChangeAspect="1"/>
+          </p:cNvPicPr>
+          <p:nvPr/>
+        </p:nvPicPr>
+        <p:blipFill>
+          <a:blip r:embed="rId4"/>
+          <a:stretch>
+            <a:fillRect/>
+          </a:stretch>
+        </p:blipFill>
+        <p:spPr>
+          <a:xfrm>
+            <a:off x="209864" y="1521683"/>
+            <a:ext cx="2743292" cy="1693003"/>
+          </a:xfrm>
+          <a:prstGeom prst="rect">
+            <a:avLst/>
+          </a:prstGeom>
+        </p:spPr>
+      </p:pic>
+      <p:pic>
+        <p:nvPicPr>
+          <p:cNvPr id="10" name="Picture 9">
+            <a:extLst>
+              <a:ext uri="{FF2B5EF4-FFF2-40B4-BE49-F238E27FC236}">
+                <a16:creationId xmlns:a16="http://schemas.microsoft.com/office/drawing/2014/main" id="{87E10284-C3D0-AA3D-7DB1-081CC73D6419}"/>
+              </a:ext>
+            </a:extLst>
+          </p:cNvPr>
+          <p:cNvPicPr>
+            <a:picLocks noChangeAspect="1"/>
+          </p:cNvPicPr>
+          <p:nvPr/>
+        </p:nvPicPr>
+        <p:blipFill>
+          <a:blip r:embed="rId5"/>
+          <a:stretch>
+            <a:fillRect/>
+          </a:stretch>
+        </p:blipFill>
+        <p:spPr>
+          <a:xfrm>
+            <a:off x="2974147" y="1521683"/>
+            <a:ext cx="2743291" cy="1693003"/>
+          </a:xfrm>
+          <a:prstGeom prst="rect">
+            <a:avLst/>
+          </a:prstGeom>
+        </p:spPr>
+      </p:pic>
+      <p:pic>
+        <p:nvPicPr>
+          <p:cNvPr id="13" name="Picture 12">
+            <a:extLst>
+              <a:ext uri="{FF2B5EF4-FFF2-40B4-BE49-F238E27FC236}">
+                <a16:creationId xmlns:a16="http://schemas.microsoft.com/office/drawing/2014/main" id="{F255F49D-83EF-0B9C-EFB1-7A432C90224D}"/>
+              </a:ext>
+            </a:extLst>
+          </p:cNvPr>
+          <p:cNvPicPr>
+            <a:picLocks noChangeAspect="1"/>
+          </p:cNvPicPr>
+          <p:nvPr/>
+        </p:nvPicPr>
+        <p:blipFill>
+          <a:blip r:embed="rId6"/>
+          <a:stretch>
+            <a:fillRect/>
+          </a:stretch>
+        </p:blipFill>
+        <p:spPr>
+          <a:xfrm>
+            <a:off x="337168" y="3260450"/>
+            <a:ext cx="2615988" cy="1614438"/>
+          </a:xfrm>
+          <a:prstGeom prst="rect">
+            <a:avLst/>
+          </a:prstGeom>
+        </p:spPr>
+      </p:pic>
+      <p:pic>
+        <p:nvPicPr>
+          <p:cNvPr id="15" name="Picture 14">
+            <a:extLst>
+              <a:ext uri="{FF2B5EF4-FFF2-40B4-BE49-F238E27FC236}">
+                <a16:creationId xmlns:a16="http://schemas.microsoft.com/office/drawing/2014/main" id="{5762083F-6790-2F6E-2C35-17A28E993B0D}"/>
+              </a:ext>
+            </a:extLst>
+          </p:cNvPr>
+          <p:cNvPicPr>
+            <a:picLocks noChangeAspect="1"/>
+          </p:cNvPicPr>
+          <p:nvPr/>
+        </p:nvPicPr>
+        <p:blipFill>
+          <a:blip r:embed="rId7"/>
+          <a:stretch>
+            <a:fillRect/>
+          </a:stretch>
+        </p:blipFill>
+        <p:spPr>
+          <a:xfrm>
+            <a:off x="3058768" y="3247279"/>
+            <a:ext cx="2658670" cy="1640779"/>
+          </a:xfrm>
+          <a:prstGeom prst="rect">
+            <a:avLst/>
+          </a:prstGeom>
+        </p:spPr>
+      </p:pic>
+    </p:spTree>
+    <p:custDataLst>
+      <p:tags r:id="rId1"/>
+    </p:custDataLst>
+    <p:extLst>
+      <p:ext uri="{BB962C8B-B14F-4D97-AF65-F5344CB8AC3E}">
+        <p14:creationId xmlns:p14="http://schemas.microsoft.com/office/powerpoint/2010/main" val="4086477333"/>
+      </p:ext>
+    </p:extLst>
+  </p:cSld>
+  <p:clrMapOvr>
+    <a:masterClrMapping/>
+  </p:clrMapOvr>
+</p:sld>
+</file>
+
+<file path=ppt/slides/slide25.xml><?xml version="1.0" encoding="utf-8"?>
+<p:sld xmlns:a="http://schemas.openxmlformats.org/drawingml/2006/main" xmlns:r="http://schemas.openxmlformats.org/officeDocument/2006/relationships" xmlns:p="http://schemas.openxmlformats.org/presentationml/2006/main">
+  <p:cSld>
+    <p:spTree>
+      <p:nvGrpSpPr>
+        <p:cNvPr id="1" name=""/>
+        <p:cNvGrpSpPr/>
+        <p:nvPr/>
+      </p:nvGrpSpPr>
+      <p:grpSpPr>
+        <a:xfrm>
+          <a:off x="0" y="0"/>
+          <a:ext cx="0" cy="0"/>
+          <a:chOff x="0" y="0"/>
+          <a:chExt cx="0" cy="0"/>
+        </a:xfrm>
+      </p:grpSpPr>
+      <p:sp>
+        <p:nvSpPr>
+          <p:cNvPr id="2" name="Text Placeholder 1">
+            <a:extLst>
+              <a:ext uri="{FF2B5EF4-FFF2-40B4-BE49-F238E27FC236}">
+                <a16:creationId xmlns:a16="http://schemas.microsoft.com/office/drawing/2014/main" id="{8B170740-DB3F-076A-A2D2-9555F51D2D32}"/>
+              </a:ext>
+            </a:extLst>
+          </p:cNvPr>
+          <p:cNvSpPr>
+            <a:spLocks noGrp="1"/>
+          </p:cNvSpPr>
+          <p:nvPr>
+            <p:ph type="body" idx="1"/>
+          </p:nvPr>
+        </p:nvSpPr>
+        <p:spPr>
+          <a:xfrm>
             <a:off x="729450" y="726744"/>
             <a:ext cx="7688700" cy="1034400"/>
           </a:xfrm>
@@ -20818,7 +22166,7 @@
           <p:nvPr>
             <p:extLst>
               <p:ext uri="{D42A27DB-BD31-4B8C-83A1-F6EECF244321}">
-                <p14:modId xmlns:p14="http://schemas.microsoft.com/office/powerpoint/2010/main" val="157162833"/>
+                <p14:modId xmlns:p14="http://schemas.microsoft.com/office/powerpoint/2010/main" val="2356804853"/>
               </p:ext>
             </p:extLst>
           </p:nvPr>
@@ -20901,7 +22249,29 @@
                     <a:bodyPr/>
                     <a:lstStyle/>
                     <a:p>
-                      <a:endParaRPr lang="en-US" dirty="0"/>
+                      <a:pPr marL="0" marR="0" lvl="0" indent="0" algn="l" defTabSz="914400" rtl="0" eaLnBrk="1" fontAlgn="auto" latinLnBrk="0" hangingPunct="1">
+                        <a:lnSpc>
+                          <a:spcPct val="100000"/>
+                        </a:lnSpc>
+                        <a:spcBef>
+                          <a:spcPts val="0"/>
+                        </a:spcBef>
+                        <a:spcAft>
+                          <a:spcPts val="0"/>
+                        </a:spcAft>
+                        <a:buClr>
+                          <a:srgbClr val="000000"/>
+                        </a:buClr>
+                        <a:buSzTx/>
+                        <a:buFont typeface="Arial"/>
+                        <a:buNone/>
+                        <a:tabLst/>
+                        <a:defRPr/>
+                      </a:pPr>
+                      <a:r>
+                        <a:rPr lang="en-US" dirty="0"/>
+                        <a:t>14080.66</a:t>
+                      </a:r>
                     </a:p>
                   </a:txBody>
                   <a:tcPr/>
@@ -21141,6 +22511,45 @@
           </a:prstGeom>
         </p:spPr>
       </p:pic>
+      <p:sp>
+        <p:nvSpPr>
+          <p:cNvPr id="4" name="TextBox 3">
+            <a:extLst>
+              <a:ext uri="{FF2B5EF4-FFF2-40B4-BE49-F238E27FC236}">
+                <a16:creationId xmlns:a16="http://schemas.microsoft.com/office/drawing/2014/main" id="{F22F73C5-C6FC-25F6-B7E9-36F7ECAF6468}"/>
+              </a:ext>
+            </a:extLst>
+          </p:cNvPr>
+          <p:cNvSpPr txBox="1"/>
+          <p:nvPr/>
+        </p:nvSpPr>
+        <p:spPr>
+          <a:xfrm>
+            <a:off x="3813835" y="2090947"/>
+            <a:ext cx="1029164" cy="415498"/>
+          </a:xfrm>
+          <a:prstGeom prst="rect">
+            <a:avLst/>
+          </a:prstGeom>
+          <a:noFill/>
+        </p:spPr>
+        <p:txBody>
+          <a:bodyPr wrap="square" rtlCol="0">
+            <a:spAutoFit/>
+          </a:bodyPr>
+          <a:lstStyle/>
+          <a:p>
+            <a:r>
+              <a:rPr lang="en-US" sz="1000" dirty="0">
+                <a:solidFill>
+                  <a:srgbClr val="FF0000"/>
+                </a:solidFill>
+              </a:rPr>
+              <a:t>Lower than simple model</a:t>
+            </a:r>
+          </a:p>
+        </p:txBody>
+      </p:sp>
     </p:spTree>
     <p:custDataLst>
       <p:tags r:id="rId1"/>
@@ -21157,7 +22566,7 @@
 </p:sld>
 </file>
 
-<file path=ppt/slides/slide24.xml><?xml version="1.0" encoding="utf-8"?>
+<file path=ppt/slides/slide26.xml><?xml version="1.0" encoding="utf-8"?>
 <p:sld xmlns:a="http://schemas.openxmlformats.org/drawingml/2006/main" xmlns:r="http://schemas.openxmlformats.org/officeDocument/2006/relationships" xmlns:p="http://schemas.openxmlformats.org/presentationml/2006/main">
   <p:cSld>
     <p:spTree>
@@ -21571,7 +22980,7 @@
 </p:sld>
 </file>
 
-<file path=ppt/slides/slide25.xml><?xml version="1.0" encoding="utf-8"?>
+<file path=ppt/slides/slide27.xml><?xml version="1.0" encoding="utf-8"?>
 <p:sld xmlns:a="http://schemas.openxmlformats.org/drawingml/2006/main" xmlns:r="http://schemas.openxmlformats.org/officeDocument/2006/relationships" xmlns:p="http://schemas.openxmlformats.org/presentationml/2006/main">
   <p:cSld>
     <p:spTree>
@@ -22022,7 +23431,7 @@
 </p:sld>
 </file>
 
-<file path=ppt/slides/slide26.xml><?xml version="1.0" encoding="utf-8"?>
+<file path=ppt/slides/slide28.xml><?xml version="1.0" encoding="utf-8"?>
 <p:sld xmlns:a="http://schemas.openxmlformats.org/drawingml/2006/main" xmlns:r="http://schemas.openxmlformats.org/officeDocument/2006/relationships" xmlns:p="http://schemas.openxmlformats.org/presentationml/2006/main">
   <p:cSld>
     <p:spTree>
@@ -22517,7 +23926,7 @@
 </p:sld>
 </file>
 
-<file path=ppt/slides/slide27.xml><?xml version="1.0" encoding="utf-8"?>
+<file path=ppt/slides/slide29.xml><?xml version="1.0" encoding="utf-8"?>
 <p:sld xmlns:a="http://schemas.openxmlformats.org/drawingml/2006/main" xmlns:r="http://schemas.openxmlformats.org/officeDocument/2006/relationships" xmlns:p="http://schemas.openxmlformats.org/presentationml/2006/main">
   <p:cSld>
     <p:spTree>
@@ -22914,7 +24323,132 @@
 </p:sld>
 </file>
 
-<file path=ppt/slides/slide28.xml><?xml version="1.0" encoding="utf-8"?>
+<file path=ppt/slides/slide3.xml><?xml version="1.0" encoding="utf-8"?>
+<p:sld xmlns:a="http://schemas.openxmlformats.org/drawingml/2006/main" xmlns:r="http://schemas.openxmlformats.org/officeDocument/2006/relationships" xmlns:p="http://schemas.openxmlformats.org/presentationml/2006/main">
+  <p:cSld>
+    <p:bg>
+      <p:bgPr>
+        <a:solidFill>
+          <a:srgbClr val="434343"/>
+        </a:solidFill>
+        <a:effectLst/>
+      </p:bgPr>
+    </p:bg>
+    <p:spTree>
+      <p:nvGrpSpPr>
+        <p:cNvPr id="1" name="Shape 217"/>
+        <p:cNvGrpSpPr/>
+        <p:nvPr/>
+      </p:nvGrpSpPr>
+      <p:grpSpPr>
+        <a:xfrm>
+          <a:off x="0" y="0"/>
+          <a:ext cx="0" cy="0"/>
+          <a:chOff x="0" y="0"/>
+          <a:chExt cx="0" cy="0"/>
+        </a:xfrm>
+      </p:grpSpPr>
+      <p:sp>
+        <p:nvSpPr>
+          <p:cNvPr id="218" name="Google Shape;218;p22"/>
+          <p:cNvSpPr txBox="1">
+            <a:spLocks noGrp="1"/>
+          </p:cNvSpPr>
+          <p:nvPr>
+            <p:ph type="title"/>
+          </p:nvPr>
+        </p:nvSpPr>
+        <p:spPr>
+          <a:xfrm>
+            <a:off x="729450" y="1322450"/>
+            <a:ext cx="7010100" cy="350700"/>
+          </a:xfrm>
+          <a:prstGeom prst="rect">
+            <a:avLst/>
+          </a:prstGeom>
+        </p:spPr>
+        <p:txBody>
+          <a:bodyPr spcFirstLastPara="1" wrap="square" lIns="91425" tIns="91425" rIns="91425" bIns="91425" anchor="t" anchorCtr="0">
+            <a:noAutofit/>
+          </a:bodyPr>
+          <a:lstStyle/>
+          <a:p>
+            <a:pPr marL="0" lvl="0" indent="0" algn="l" rtl="0">
+              <a:spcBef>
+                <a:spcPts val="0"/>
+              </a:spcBef>
+              <a:spcAft>
+                <a:spcPts val="0"/>
+              </a:spcAft>
+              <a:buNone/>
+            </a:pPr>
+            <a:r>
+              <a:rPr lang="en-GB" sz="1200" dirty="0"/>
+              <a:t>Introduction</a:t>
+            </a:r>
+            <a:endParaRPr sz="1200" dirty="0"/>
+          </a:p>
+        </p:txBody>
+      </p:sp>
+      <p:sp>
+        <p:nvSpPr>
+          <p:cNvPr id="219" name="Google Shape;219;p22"/>
+          <p:cNvSpPr txBox="1">
+            <a:spLocks noGrp="1"/>
+          </p:cNvSpPr>
+          <p:nvPr>
+            <p:ph type="body" idx="4294967295"/>
+          </p:nvPr>
+        </p:nvSpPr>
+        <p:spPr>
+          <a:xfrm>
+            <a:off x="729450" y="1749350"/>
+            <a:ext cx="7010100" cy="2628300"/>
+          </a:xfrm>
+          <a:prstGeom prst="rect">
+            <a:avLst/>
+          </a:prstGeom>
+        </p:spPr>
+        <p:txBody>
+          <a:bodyPr spcFirstLastPara="1" wrap="square" lIns="91425" tIns="91425" rIns="91425" bIns="91425" anchor="t" anchorCtr="0">
+            <a:noAutofit/>
+          </a:bodyPr>
+          <a:lstStyle/>
+          <a:p>
+            <a:pPr marL="0" lvl="0" indent="0" algn="l" rtl="0">
+              <a:spcBef>
+                <a:spcPts val="0"/>
+              </a:spcBef>
+              <a:spcAft>
+                <a:spcPts val="1600"/>
+              </a:spcAft>
+              <a:buNone/>
+            </a:pPr>
+            <a:r>
+              <a:rPr lang="en-GB" sz="3000" i="1" dirty="0">
+                <a:solidFill>
+                  <a:srgbClr val="FFFFFF"/>
+                </a:solidFill>
+              </a:rPr>
+              <a:t>“Given a large data set containing term deposit marketing success, can we better understand what effects the success rate and how to better predict it?”</a:t>
+            </a:r>
+            <a:endParaRPr sz="3000" i="1" dirty="0">
+              <a:solidFill>
+                <a:srgbClr val="FFFFFF"/>
+              </a:solidFill>
+            </a:endParaRPr>
+          </a:p>
+        </p:txBody>
+      </p:sp>
+    </p:spTree>
+  </p:cSld>
+  <p:clrMapOvr>
+    <a:masterClrMapping/>
+  </p:clrMapOvr>
+</p:sld>
+</file>
+
+<file path=ppt/slides/slide30.xml><?xml version="1.0" encoding="utf-8"?>
 <p:sld xmlns:a="http://schemas.openxmlformats.org/drawingml/2006/main" xmlns:r="http://schemas.openxmlformats.org/officeDocument/2006/relationships" xmlns:p="http://schemas.openxmlformats.org/presentationml/2006/main">
   <p:cSld>
     <p:spTree>
@@ -23365,7 +24899,7 @@
 </p:sld>
 </file>
 
-<file path=ppt/slides/slide29.xml><?xml version="1.0" encoding="utf-8"?>
+<file path=ppt/slides/slide31.xml><?xml version="1.0" encoding="utf-8"?>
 <p:sld xmlns:a="http://schemas.openxmlformats.org/drawingml/2006/main" xmlns:r="http://schemas.openxmlformats.org/officeDocument/2006/relationships" xmlns:p="http://schemas.openxmlformats.org/presentationml/2006/main">
   <p:cSld>
     <p:spTree>
@@ -23477,7 +25011,7 @@
           <p:nvPr>
             <p:extLst>
               <p:ext uri="{D42A27DB-BD31-4B8C-83A1-F6EECF244321}">
-                <p14:modId xmlns:p14="http://schemas.microsoft.com/office/powerpoint/2010/main" val="3506630069"/>
+                <p14:modId xmlns:p14="http://schemas.microsoft.com/office/powerpoint/2010/main" val="2846055796"/>
               </p:ext>
             </p:extLst>
           </p:nvPr>
@@ -23816,132 +25350,7 @@
 </p:sld>
 </file>
 
-<file path=ppt/slides/slide3.xml><?xml version="1.0" encoding="utf-8"?>
-<p:sld xmlns:a="http://schemas.openxmlformats.org/drawingml/2006/main" xmlns:r="http://schemas.openxmlformats.org/officeDocument/2006/relationships" xmlns:p="http://schemas.openxmlformats.org/presentationml/2006/main">
-  <p:cSld>
-    <p:bg>
-      <p:bgPr>
-        <a:solidFill>
-          <a:srgbClr val="434343"/>
-        </a:solidFill>
-        <a:effectLst/>
-      </p:bgPr>
-    </p:bg>
-    <p:spTree>
-      <p:nvGrpSpPr>
-        <p:cNvPr id="1" name="Shape 217"/>
-        <p:cNvGrpSpPr/>
-        <p:nvPr/>
-      </p:nvGrpSpPr>
-      <p:grpSpPr>
-        <a:xfrm>
-          <a:off x="0" y="0"/>
-          <a:ext cx="0" cy="0"/>
-          <a:chOff x="0" y="0"/>
-          <a:chExt cx="0" cy="0"/>
-        </a:xfrm>
-      </p:grpSpPr>
-      <p:sp>
-        <p:nvSpPr>
-          <p:cNvPr id="218" name="Google Shape;218;p22"/>
-          <p:cNvSpPr txBox="1">
-            <a:spLocks noGrp="1"/>
-          </p:cNvSpPr>
-          <p:nvPr>
-            <p:ph type="title"/>
-          </p:nvPr>
-        </p:nvSpPr>
-        <p:spPr>
-          <a:xfrm>
-            <a:off x="729450" y="1322450"/>
-            <a:ext cx="7010100" cy="350700"/>
-          </a:xfrm>
-          <a:prstGeom prst="rect">
-            <a:avLst/>
-          </a:prstGeom>
-        </p:spPr>
-        <p:txBody>
-          <a:bodyPr spcFirstLastPara="1" wrap="square" lIns="91425" tIns="91425" rIns="91425" bIns="91425" anchor="t" anchorCtr="0">
-            <a:noAutofit/>
-          </a:bodyPr>
-          <a:lstStyle/>
-          <a:p>
-            <a:pPr marL="0" lvl="0" indent="0" algn="l" rtl="0">
-              <a:spcBef>
-                <a:spcPts val="0"/>
-              </a:spcBef>
-              <a:spcAft>
-                <a:spcPts val="0"/>
-              </a:spcAft>
-              <a:buNone/>
-            </a:pPr>
-            <a:r>
-              <a:rPr lang="en-GB" sz="1200" dirty="0"/>
-              <a:t>Introduction</a:t>
-            </a:r>
-            <a:endParaRPr sz="1200" dirty="0"/>
-          </a:p>
-        </p:txBody>
-      </p:sp>
-      <p:sp>
-        <p:nvSpPr>
-          <p:cNvPr id="219" name="Google Shape;219;p22"/>
-          <p:cNvSpPr txBox="1">
-            <a:spLocks noGrp="1"/>
-          </p:cNvSpPr>
-          <p:nvPr>
-            <p:ph type="body" idx="4294967295"/>
-          </p:nvPr>
-        </p:nvSpPr>
-        <p:spPr>
-          <a:xfrm>
-            <a:off x="729450" y="1749350"/>
-            <a:ext cx="7010100" cy="2628300"/>
-          </a:xfrm>
-          <a:prstGeom prst="rect">
-            <a:avLst/>
-          </a:prstGeom>
-        </p:spPr>
-        <p:txBody>
-          <a:bodyPr spcFirstLastPara="1" wrap="square" lIns="91425" tIns="91425" rIns="91425" bIns="91425" anchor="t" anchorCtr="0">
-            <a:noAutofit/>
-          </a:bodyPr>
-          <a:lstStyle/>
-          <a:p>
-            <a:pPr marL="0" lvl="0" indent="0" algn="l" rtl="0">
-              <a:spcBef>
-                <a:spcPts val="0"/>
-              </a:spcBef>
-              <a:spcAft>
-                <a:spcPts val="1600"/>
-              </a:spcAft>
-              <a:buNone/>
-            </a:pPr>
-            <a:r>
-              <a:rPr lang="en-GB" sz="3000" i="1" dirty="0">
-                <a:solidFill>
-                  <a:srgbClr val="FFFFFF"/>
-                </a:solidFill>
-              </a:rPr>
-              <a:t>“Given a large data set containing term deposit marketing success, can we better understand what effects the success rate and how to better predict it?”</a:t>
-            </a:r>
-            <a:endParaRPr sz="3000" i="1" dirty="0">
-              <a:solidFill>
-                <a:srgbClr val="FFFFFF"/>
-              </a:solidFill>
-            </a:endParaRPr>
-          </a:p>
-        </p:txBody>
-      </p:sp>
-    </p:spTree>
-  </p:cSld>
-  <p:clrMapOvr>
-    <a:masterClrMapping/>
-  </p:clrMapOvr>
-</p:sld>
-</file>
-
-<file path=ppt/slides/slide30.xml><?xml version="1.0" encoding="utf-8"?>
+<file path=ppt/slides/slide32.xml><?xml version="1.0" encoding="utf-8"?>
 <p:sld xmlns:a="http://schemas.openxmlformats.org/drawingml/2006/main" xmlns:r="http://schemas.openxmlformats.org/officeDocument/2006/relationships" xmlns:p="http://schemas.openxmlformats.org/presentationml/2006/main">
   <p:cSld>
     <p:spTree>
@@ -24362,7 +25771,7 @@
 </p:sld>
 </file>
 
-<file path=ppt/slides/slide31.xml><?xml version="1.0" encoding="utf-8"?>
+<file path=ppt/slides/slide33.xml><?xml version="1.0" encoding="utf-8"?>
 <p:sld xmlns:a="http://schemas.openxmlformats.org/drawingml/2006/main" xmlns:r="http://schemas.openxmlformats.org/officeDocument/2006/relationships" xmlns:p="http://schemas.openxmlformats.org/presentationml/2006/main">
   <p:cSld>
     <p:spTree>
@@ -24816,7 +26225,7 @@
 </p:sld>
 </file>
 
-<file path=ppt/slides/slide32.xml><?xml version="1.0" encoding="utf-8"?>
+<file path=ppt/slides/slide34.xml><?xml version="1.0" encoding="utf-8"?>
 <p:sld xmlns:a="http://schemas.openxmlformats.org/drawingml/2006/main" xmlns:r="http://schemas.openxmlformats.org/officeDocument/2006/relationships" xmlns:p="http://schemas.openxmlformats.org/presentationml/2006/main">
   <p:cSld>
     <p:spTree>
@@ -27703,6 +29112,18 @@
 </file>
 
 <file path=ppt/tags/tag25.xml><?xml version="1.0" encoding="utf-8"?>
+<p:tagLst xmlns:a="http://schemas.openxmlformats.org/drawingml/2006/main" xmlns:r="http://schemas.openxmlformats.org/officeDocument/2006/relationships" xmlns:p="http://schemas.openxmlformats.org/presentationml/2006/main">
+  <p:tag name="TIMING" val="|12.7|1.8|1|1.2|1.6|1.1|1.4|1.3|1.5|1.6|21.8"/>
+</p:tagLst>
+</file>
+
+<file path=ppt/tags/tag26.xml><?xml version="1.0" encoding="utf-8"?>
+<p:tagLst xmlns:a="http://schemas.openxmlformats.org/drawingml/2006/main" xmlns:r="http://schemas.openxmlformats.org/officeDocument/2006/relationships" xmlns:p="http://schemas.openxmlformats.org/presentationml/2006/main">
+  <p:tag name="TIMING" val="|12.7|1.8|1|1.2|1.6|1.1|1.4|1.3|1.5|1.6|21.8"/>
+</p:tagLst>
+</file>
+
+<file path=ppt/tags/tag27.xml><?xml version="1.0" encoding="utf-8"?>
 <p:tagLst xmlns:a="http://schemas.openxmlformats.org/drawingml/2006/main" xmlns:r="http://schemas.openxmlformats.org/officeDocument/2006/relationships" xmlns:p="http://schemas.openxmlformats.org/presentationml/2006/main">
   <p:tag name="TIMING" val="|12.7|1.8|1|1.2|1.6|1.1|1.4|1.3|1.5|1.6|21.8"/>
 </p:tagLst>

--- a/Project2_Chang_Craus_Yule.pptx
+++ b/Project2_Chang_Craus_Yule.pptx
@@ -5,7 +5,7 @@
     <p:sldMasterId id="2147483664" r:id="rId1"/>
   </p:sldMasterIdLst>
   <p:notesMasterIdLst>
-    <p:notesMasterId r:id="rId36"/>
+    <p:notesMasterId r:id="rId35"/>
   </p:notesMasterIdLst>
   <p:sldIdLst>
     <p:sldId id="256" r:id="rId2"/>
@@ -20,45 +20,44 @@
     <p:sldId id="308" r:id="rId11"/>
     <p:sldId id="310" r:id="rId12"/>
     <p:sldId id="311" r:id="rId13"/>
-    <p:sldId id="309" r:id="rId14"/>
-    <p:sldId id="312" r:id="rId15"/>
-    <p:sldId id="293" r:id="rId16"/>
-    <p:sldId id="294" r:id="rId17"/>
-    <p:sldId id="303" r:id="rId18"/>
-    <p:sldId id="304" r:id="rId19"/>
-    <p:sldId id="305" r:id="rId20"/>
-    <p:sldId id="300" r:id="rId21"/>
-    <p:sldId id="313" r:id="rId22"/>
-    <p:sldId id="314" r:id="rId23"/>
-    <p:sldId id="326" r:id="rId24"/>
-    <p:sldId id="327" r:id="rId25"/>
-    <p:sldId id="319" r:id="rId26"/>
-    <p:sldId id="315" r:id="rId27"/>
+    <p:sldId id="328" r:id="rId14"/>
+    <p:sldId id="309" r:id="rId15"/>
+    <p:sldId id="312" r:id="rId16"/>
+    <p:sldId id="293" r:id="rId17"/>
+    <p:sldId id="294" r:id="rId18"/>
+    <p:sldId id="303" r:id="rId19"/>
+    <p:sldId id="304" r:id="rId20"/>
+    <p:sldId id="305" r:id="rId21"/>
+    <p:sldId id="300" r:id="rId22"/>
+    <p:sldId id="313" r:id="rId23"/>
+    <p:sldId id="314" r:id="rId24"/>
+    <p:sldId id="326" r:id="rId25"/>
+    <p:sldId id="327" r:id="rId26"/>
+    <p:sldId id="319" r:id="rId27"/>
     <p:sldId id="322" r:id="rId28"/>
     <p:sldId id="320" r:id="rId29"/>
-    <p:sldId id="316" r:id="rId30"/>
-    <p:sldId id="323" r:id="rId31"/>
-    <p:sldId id="325" r:id="rId32"/>
-    <p:sldId id="317" r:id="rId33"/>
-    <p:sldId id="324" r:id="rId34"/>
-    <p:sldId id="275" r:id="rId35"/>
+    <p:sldId id="323" r:id="rId30"/>
+    <p:sldId id="325" r:id="rId31"/>
+    <p:sldId id="324" r:id="rId32"/>
+    <p:sldId id="329" r:id="rId33"/>
+    <p:sldId id="275" r:id="rId34"/>
   </p:sldIdLst>
   <p:sldSz cx="9144000" cy="5143500" type="screen16x9"/>
   <p:notesSz cx="6858000" cy="9144000"/>
   <p:embeddedFontLst>
     <p:embeddedFont>
       <p:font typeface="Lato" panose="020F0502020204030203" pitchFamily="34" charset="0"/>
-      <p:regular r:id="rId37"/>
-      <p:bold r:id="rId38"/>
-      <p:italic r:id="rId39"/>
-      <p:boldItalic r:id="rId40"/>
+      <p:regular r:id="rId36"/>
+      <p:bold r:id="rId37"/>
+      <p:italic r:id="rId38"/>
+      <p:boldItalic r:id="rId39"/>
     </p:embeddedFont>
     <p:embeddedFont>
       <p:font typeface="Raleway" pitchFamily="2" charset="0"/>
-      <p:regular r:id="rId41"/>
-      <p:bold r:id="rId42"/>
-      <p:italic r:id="rId43"/>
-      <p:boldItalic r:id="rId44"/>
+      <p:regular r:id="rId40"/>
+      <p:bold r:id="rId41"/>
+      <p:italic r:id="rId42"/>
+      <p:boldItalic r:id="rId43"/>
     </p:embeddedFont>
   </p:embeddedFontLst>
   <p:defaultTextStyle>
@@ -312,7 +311,7 @@
 <file path=ppt/revisionInfo.xml><?xml version="1.0" encoding="utf-8"?>
 <p1510:revInfo xmlns:a="http://schemas.openxmlformats.org/drawingml/2006/main" xmlns:r="http://schemas.openxmlformats.org/officeDocument/2006/relationships" xmlns:p1510="http://schemas.microsoft.com/office/powerpoint/2015/10/main">
   <p1510:revLst>
-    <p1510:client id="{32165585-CB35-4C33-B919-9B0DD83E6E32}" v="96" dt="2023-04-11T21:15:15.606"/>
+    <p1510:client id="{32165585-CB35-4C33-B919-9B0DD83E6E32}" v="139" dt="2023-04-11T22:50:00.746"/>
   </p1510:revLst>
 </p1510:revInfo>
 </file>
@@ -322,10 +321,216 @@
   <pc:docChgLst>
     <pc:chgData name="Carolina Craus" userId="bae62b9d695bbdd6" providerId="LiveId" clId="{32165585-CB35-4C33-B919-9B0DD83E6E32}"/>
     <pc:docChg chg="undo redo custSel addSld delSld modSld sldOrd">
-      <pc:chgData name="Carolina Craus" userId="bae62b9d695bbdd6" providerId="LiveId" clId="{32165585-CB35-4C33-B919-9B0DD83E6E32}" dt="2023-04-11T21:16:14.928" v="3579" actId="1076"/>
+      <pc:chgData name="Carolina Craus" userId="bae62b9d695bbdd6" providerId="LiveId" clId="{32165585-CB35-4C33-B919-9B0DD83E6E32}" dt="2023-04-11T22:51:23.303" v="5344" actId="20577"/>
       <pc:docMkLst>
         <pc:docMk/>
       </pc:docMkLst>
+      <pc:sldChg chg="addSp delSp modSp mod">
+        <pc:chgData name="Carolina Craus" userId="bae62b9d695bbdd6" providerId="LiveId" clId="{32165585-CB35-4C33-B919-9B0DD83E6E32}" dt="2023-04-11T21:33:18.049" v="3788" actId="1076"/>
+        <pc:sldMkLst>
+          <pc:docMk/>
+          <pc:sldMk cId="2746955582" sldId="301"/>
+        </pc:sldMkLst>
+        <pc:spChg chg="mod">
+          <ac:chgData name="Carolina Craus" userId="bae62b9d695bbdd6" providerId="LiveId" clId="{32165585-CB35-4C33-B919-9B0DD83E6E32}" dt="2023-04-11T21:33:18.049" v="3788" actId="1076"/>
+          <ac:spMkLst>
+            <pc:docMk/>
+            <pc:sldMk cId="2746955582" sldId="301"/>
+            <ac:spMk id="8" creationId="{3B13F08B-AEE4-4C95-21B6-8DF753ECA5AD}"/>
+          </ac:spMkLst>
+        </pc:spChg>
+        <pc:spChg chg="mod">
+          <ac:chgData name="Carolina Craus" userId="bae62b9d695bbdd6" providerId="LiveId" clId="{32165585-CB35-4C33-B919-9B0DD83E6E32}" dt="2023-04-11T21:33:09.935" v="3787" actId="1076"/>
+          <ac:spMkLst>
+            <pc:docMk/>
+            <pc:sldMk cId="2746955582" sldId="301"/>
+            <ac:spMk id="9" creationId="{740C2E26-B0DA-FFA0-354A-1828785E7CA8}"/>
+          </ac:spMkLst>
+        </pc:spChg>
+        <pc:spChg chg="add mod">
+          <ac:chgData name="Carolina Craus" userId="bae62b9d695bbdd6" providerId="LiveId" clId="{32165585-CB35-4C33-B919-9B0DD83E6E32}" dt="2023-04-11T21:28:46.271" v="3677" actId="14100"/>
+          <ac:spMkLst>
+            <pc:docMk/>
+            <pc:sldMk cId="2746955582" sldId="301"/>
+            <ac:spMk id="38" creationId="{8704C5F0-AF40-4B5C-9C6C-D48F050A59D2}"/>
+          </ac:spMkLst>
+        </pc:spChg>
+        <pc:spChg chg="add mod">
+          <ac:chgData name="Carolina Craus" userId="bae62b9d695bbdd6" providerId="LiveId" clId="{32165585-CB35-4C33-B919-9B0DD83E6E32}" dt="2023-04-11T21:28:59.238" v="3679" actId="207"/>
+          <ac:spMkLst>
+            <pc:docMk/>
+            <pc:sldMk cId="2746955582" sldId="301"/>
+            <ac:spMk id="39" creationId="{BEF24FB0-985F-98A9-7DA1-3B669E369D74}"/>
+          </ac:spMkLst>
+        </pc:spChg>
+        <pc:spChg chg="add mod">
+          <ac:chgData name="Carolina Craus" userId="bae62b9d695bbdd6" providerId="LiveId" clId="{32165585-CB35-4C33-B919-9B0DD83E6E32}" dt="2023-04-11T21:32:08.822" v="3763" actId="1076"/>
+          <ac:spMkLst>
+            <pc:docMk/>
+            <pc:sldMk cId="2746955582" sldId="301"/>
+            <ac:spMk id="40" creationId="{EB78E4ED-D1F3-FEE9-72DB-99394469C0B1}"/>
+          </ac:spMkLst>
+        </pc:spChg>
+        <pc:spChg chg="add mod">
+          <ac:chgData name="Carolina Craus" userId="bae62b9d695bbdd6" providerId="LiveId" clId="{32165585-CB35-4C33-B919-9B0DD83E6E32}" dt="2023-04-11T21:33:05.550" v="3786" actId="14100"/>
+          <ac:spMkLst>
+            <pc:docMk/>
+            <pc:sldMk cId="2746955582" sldId="301"/>
+            <ac:spMk id="41" creationId="{917DAFA1-D297-D676-BCA0-9C449C1CDB59}"/>
+          </ac:spMkLst>
+        </pc:spChg>
+        <pc:picChg chg="del mod">
+          <ac:chgData name="Carolina Craus" userId="bae62b9d695bbdd6" providerId="LiveId" clId="{32165585-CB35-4C33-B919-9B0DD83E6E32}" dt="2023-04-11T21:25:49.358" v="3619" actId="478"/>
+          <ac:picMkLst>
+            <pc:docMk/>
+            <pc:sldMk cId="2746955582" sldId="301"/>
+            <ac:picMk id="3" creationId="{C81EEBFD-FAD6-A381-FD47-437AED0D45C0}"/>
+          </ac:picMkLst>
+        </pc:picChg>
+        <pc:picChg chg="add mod">
+          <ac:chgData name="Carolina Craus" userId="bae62b9d695bbdd6" providerId="LiveId" clId="{32165585-CB35-4C33-B919-9B0DD83E6E32}" dt="2023-04-11T21:28:23.571" v="3652" actId="1076"/>
+          <ac:picMkLst>
+            <pc:docMk/>
+            <pc:sldMk cId="2746955582" sldId="301"/>
+            <ac:picMk id="5" creationId="{C21D10EE-EA8F-F7FE-3B62-CC556FA6A62B}"/>
+          </ac:picMkLst>
+        </pc:picChg>
+        <pc:picChg chg="add mod">
+          <ac:chgData name="Carolina Craus" userId="bae62b9d695bbdd6" providerId="LiveId" clId="{32165585-CB35-4C33-B919-9B0DD83E6E32}" dt="2023-04-11T21:28:18.364" v="3650" actId="1076"/>
+          <ac:picMkLst>
+            <pc:docMk/>
+            <pc:sldMk cId="2746955582" sldId="301"/>
+            <ac:picMk id="7" creationId="{2BE2F230-CD31-416D-0C39-53D3E03A1F49}"/>
+          </ac:picMkLst>
+        </pc:picChg>
+        <pc:picChg chg="add mod">
+          <ac:chgData name="Carolina Craus" userId="bae62b9d695bbdd6" providerId="LiveId" clId="{32165585-CB35-4C33-B919-9B0DD83E6E32}" dt="2023-04-11T21:28:21.528" v="3651" actId="1076"/>
+          <ac:picMkLst>
+            <pc:docMk/>
+            <pc:sldMk cId="2746955582" sldId="301"/>
+            <ac:picMk id="11" creationId="{BFEE9C77-AB39-8C29-977B-BB6EB129BACC}"/>
+          </ac:picMkLst>
+        </pc:picChg>
+        <pc:picChg chg="add mod">
+          <ac:chgData name="Carolina Craus" userId="bae62b9d695bbdd6" providerId="LiveId" clId="{32165585-CB35-4C33-B919-9B0DD83E6E32}" dt="2023-04-11T21:24:41.325" v="3602" actId="1076"/>
+          <ac:picMkLst>
+            <pc:docMk/>
+            <pc:sldMk cId="2746955582" sldId="301"/>
+            <ac:picMk id="13" creationId="{432ADFBE-BECD-1A0F-38A8-26ACC6C87B65}"/>
+          </ac:picMkLst>
+        </pc:picChg>
+        <pc:picChg chg="add mod">
+          <ac:chgData name="Carolina Craus" userId="bae62b9d695bbdd6" providerId="LiveId" clId="{32165585-CB35-4C33-B919-9B0DD83E6E32}" dt="2023-04-11T21:28:13.789" v="3649" actId="1076"/>
+          <ac:picMkLst>
+            <pc:docMk/>
+            <pc:sldMk cId="2746955582" sldId="301"/>
+            <ac:picMk id="15" creationId="{0CDA193F-5561-D92B-C57C-69C1E87BD10D}"/>
+          </ac:picMkLst>
+        </pc:picChg>
+        <pc:picChg chg="add mod">
+          <ac:chgData name="Carolina Craus" userId="bae62b9d695bbdd6" providerId="LiveId" clId="{32165585-CB35-4C33-B919-9B0DD83E6E32}" dt="2023-04-11T21:28:02.071" v="3646" actId="1076"/>
+          <ac:picMkLst>
+            <pc:docMk/>
+            <pc:sldMk cId="2746955582" sldId="301"/>
+            <ac:picMk id="17" creationId="{2CBCEF21-23E1-A659-7882-3B985FCE1570}"/>
+          </ac:picMkLst>
+        </pc:picChg>
+        <pc:picChg chg="add mod">
+          <ac:chgData name="Carolina Craus" userId="bae62b9d695bbdd6" providerId="LiveId" clId="{32165585-CB35-4C33-B919-9B0DD83E6E32}" dt="2023-04-11T21:25:47.257" v="3618" actId="1076"/>
+          <ac:picMkLst>
+            <pc:docMk/>
+            <pc:sldMk cId="2746955582" sldId="301"/>
+            <ac:picMk id="19" creationId="{BEA2125A-6A1B-EDC8-B83D-42E1F5DDE27E}"/>
+          </ac:picMkLst>
+        </pc:picChg>
+        <pc:picChg chg="add mod">
+          <ac:chgData name="Carolina Craus" userId="bae62b9d695bbdd6" providerId="LiveId" clId="{32165585-CB35-4C33-B919-9B0DD83E6E32}" dt="2023-04-11T21:32:49.126" v="3780" actId="1076"/>
+          <ac:picMkLst>
+            <pc:docMk/>
+            <pc:sldMk cId="2746955582" sldId="301"/>
+            <ac:picMk id="21" creationId="{586EFDA4-1806-D924-D1F1-693805D32CB2}"/>
+          </ac:picMkLst>
+        </pc:picChg>
+        <pc:picChg chg="add mod">
+          <ac:chgData name="Carolina Craus" userId="bae62b9d695bbdd6" providerId="LiveId" clId="{32165585-CB35-4C33-B919-9B0DD83E6E32}" dt="2023-04-11T21:31:43.761" v="3754" actId="1076"/>
+          <ac:picMkLst>
+            <pc:docMk/>
+            <pc:sldMk cId="2746955582" sldId="301"/>
+            <ac:picMk id="23" creationId="{D0194FDA-8654-0A27-47A1-FD09F7D9085D}"/>
+          </ac:picMkLst>
+        </pc:picChg>
+        <pc:picChg chg="add mod">
+          <ac:chgData name="Carolina Craus" userId="bae62b9d695bbdd6" providerId="LiveId" clId="{32165585-CB35-4C33-B919-9B0DD83E6E32}" dt="2023-04-11T21:32:54.565" v="3782" actId="1076"/>
+          <ac:picMkLst>
+            <pc:docMk/>
+            <pc:sldMk cId="2746955582" sldId="301"/>
+            <ac:picMk id="25" creationId="{5B8F49F0-0183-1348-0114-8A16DC494B53}"/>
+          </ac:picMkLst>
+        </pc:picChg>
+        <pc:picChg chg="add mod">
+          <ac:chgData name="Carolina Craus" userId="bae62b9d695bbdd6" providerId="LiveId" clId="{32165585-CB35-4C33-B919-9B0DD83E6E32}" dt="2023-04-11T21:32:29.689" v="3771" actId="1076"/>
+          <ac:picMkLst>
+            <pc:docMk/>
+            <pc:sldMk cId="2746955582" sldId="301"/>
+            <ac:picMk id="27" creationId="{DA5BD391-0E0F-51C6-FECB-1EE1D14A8831}"/>
+          </ac:picMkLst>
+        </pc:picChg>
+        <pc:picChg chg="add mod">
+          <ac:chgData name="Carolina Craus" userId="bae62b9d695bbdd6" providerId="LiveId" clId="{32165585-CB35-4C33-B919-9B0DD83E6E32}" dt="2023-04-11T21:32:43.287" v="3778" actId="1076"/>
+          <ac:picMkLst>
+            <pc:docMk/>
+            <pc:sldMk cId="2746955582" sldId="301"/>
+            <ac:picMk id="29" creationId="{B609A20C-F99B-7B8D-EA5D-E6D1229224A7}"/>
+          </ac:picMkLst>
+        </pc:picChg>
+        <pc:picChg chg="add mod">
+          <ac:chgData name="Carolina Craus" userId="bae62b9d695bbdd6" providerId="LiveId" clId="{32165585-CB35-4C33-B919-9B0DD83E6E32}" dt="2023-04-11T21:32:04.659" v="3761" actId="1076"/>
+          <ac:picMkLst>
+            <pc:docMk/>
+            <pc:sldMk cId="2746955582" sldId="301"/>
+            <ac:picMk id="31" creationId="{9ADC92F5-FD7D-A33A-B1E4-C3F4D9A9BDD5}"/>
+          </ac:picMkLst>
+        </pc:picChg>
+        <pc:picChg chg="add mod">
+          <ac:chgData name="Carolina Craus" userId="bae62b9d695bbdd6" providerId="LiveId" clId="{32165585-CB35-4C33-B919-9B0DD83E6E32}" dt="2023-04-11T21:32:46.848" v="3779" actId="1076"/>
+          <ac:picMkLst>
+            <pc:docMk/>
+            <pc:sldMk cId="2746955582" sldId="301"/>
+            <ac:picMk id="33" creationId="{3710DB4F-BA7B-EE65-EC43-578C2965B1DD}"/>
+          </ac:picMkLst>
+        </pc:picChg>
+        <pc:picChg chg="add mod">
+          <ac:chgData name="Carolina Craus" userId="bae62b9d695bbdd6" providerId="LiveId" clId="{32165585-CB35-4C33-B919-9B0DD83E6E32}" dt="2023-04-11T21:32:25.901" v="3770" actId="1076"/>
+          <ac:picMkLst>
+            <pc:docMk/>
+            <pc:sldMk cId="2746955582" sldId="301"/>
+            <ac:picMk id="35" creationId="{AD1A68DD-33F6-BA92-7FFF-7A146DEE668E}"/>
+          </ac:picMkLst>
+        </pc:picChg>
+        <pc:picChg chg="add mod">
+          <ac:chgData name="Carolina Craus" userId="bae62b9d695bbdd6" providerId="LiveId" clId="{32165585-CB35-4C33-B919-9B0DD83E6E32}" dt="2023-04-11T21:32:12.286" v="3764" actId="1076"/>
+          <ac:picMkLst>
+            <pc:docMk/>
+            <pc:sldMk cId="2746955582" sldId="301"/>
+            <ac:picMk id="37" creationId="{42B7A585-BF85-322F-F8B0-DB34762F3D06}"/>
+          </ac:picMkLst>
+        </pc:picChg>
+      </pc:sldChg>
+      <pc:sldChg chg="modSp mod">
+        <pc:chgData name="Carolina Craus" userId="bae62b9d695bbdd6" providerId="LiveId" clId="{32165585-CB35-4C33-B919-9B0DD83E6E32}" dt="2023-04-11T22:12:54.735" v="4626" actId="14734"/>
+        <pc:sldMkLst>
+          <pc:docMk/>
+          <pc:sldMk cId="1484455841" sldId="304"/>
+        </pc:sldMkLst>
+        <pc:graphicFrameChg chg="modGraphic">
+          <ac:chgData name="Carolina Craus" userId="bae62b9d695bbdd6" providerId="LiveId" clId="{32165585-CB35-4C33-B919-9B0DD83E6E32}" dt="2023-04-11T22:12:54.735" v="4626" actId="14734"/>
+          <ac:graphicFrameMkLst>
+            <pc:docMk/>
+            <pc:sldMk cId="1484455841" sldId="304"/>
+            <ac:graphicFrameMk id="3" creationId="{CA4AB027-E888-2C3E-8C1E-4D6BB2527F50}"/>
+          </ac:graphicFrameMkLst>
+        </pc:graphicFrameChg>
+      </pc:sldChg>
       <pc:sldChg chg="addSp modSp add mod">
         <pc:chgData name="Carolina Craus" userId="bae62b9d695bbdd6" providerId="LiveId" clId="{32165585-CB35-4C33-B919-9B0DD83E6E32}" dt="2023-04-11T00:41:47.691" v="2371" actId="14100"/>
         <pc:sldMkLst>
@@ -531,7 +736,7 @@
         </pc:picChg>
       </pc:sldChg>
       <pc:sldChg chg="addSp delSp modSp add mod ord">
-        <pc:chgData name="Carolina Craus" userId="bae62b9d695bbdd6" providerId="LiveId" clId="{32165585-CB35-4C33-B919-9B0DD83E6E32}" dt="2023-04-11T00:41:19.647" v="2365" actId="14100"/>
+        <pc:chgData name="Carolina Craus" userId="bae62b9d695bbdd6" providerId="LiveId" clId="{32165585-CB35-4C33-B919-9B0DD83E6E32}" dt="2023-04-11T22:47:19.062" v="5251" actId="20577"/>
         <pc:sldMkLst>
           <pc:docMk/>
           <pc:sldMk cId="3618412313" sldId="310"/>
@@ -569,7 +774,7 @@
           </ac:spMkLst>
         </pc:spChg>
         <pc:spChg chg="mod">
-          <ac:chgData name="Carolina Craus" userId="bae62b9d695bbdd6" providerId="LiveId" clId="{32165585-CB35-4C33-B919-9B0DD83E6E32}" dt="2023-04-10T22:50:20.482" v="1599" actId="20577"/>
+          <ac:chgData name="Carolina Craus" userId="bae62b9d695bbdd6" providerId="LiveId" clId="{32165585-CB35-4C33-B919-9B0DD83E6E32}" dt="2023-04-11T22:47:19.062" v="5251" actId="20577"/>
           <ac:spMkLst>
             <pc:docMk/>
             <pc:sldMk cId="3618412313" sldId="310"/>
@@ -656,7 +861,7 @@
         </pc:sldMkLst>
       </pc:sldChg>
       <pc:sldChg chg="addSp delSp modSp add mod ord">
-        <pc:chgData name="Carolina Craus" userId="bae62b9d695bbdd6" providerId="LiveId" clId="{32165585-CB35-4C33-B919-9B0DD83E6E32}" dt="2023-04-11T16:32:31.205" v="3310" actId="1076"/>
+        <pc:chgData name="Carolina Craus" userId="bae62b9d695bbdd6" providerId="LiveId" clId="{32165585-CB35-4C33-B919-9B0DD83E6E32}" dt="2023-04-11T21:36:23.490" v="3818" actId="1076"/>
         <pc:sldMkLst>
           <pc:docMk/>
           <pc:sldMk cId="3650616390" sldId="312"/>
@@ -670,7 +875,7 @@
           </ac:spMkLst>
         </pc:spChg>
         <pc:spChg chg="add mod">
-          <ac:chgData name="Carolina Craus" userId="bae62b9d695bbdd6" providerId="LiveId" clId="{32165585-CB35-4C33-B919-9B0DD83E6E32}" dt="2023-04-11T16:32:31.205" v="3310" actId="1076"/>
+          <ac:chgData name="Carolina Craus" userId="bae62b9d695bbdd6" providerId="LiveId" clId="{32165585-CB35-4C33-B919-9B0DD83E6E32}" dt="2023-04-11T21:35:45.215" v="3813" actId="21"/>
           <ac:spMkLst>
             <pc:docMk/>
             <pc:sldMk cId="3650616390" sldId="312"/>
@@ -683,6 +888,14 @@
             <pc:docMk/>
             <pc:sldMk cId="3650616390" sldId="312"/>
             <ac:spMk id="4" creationId="{6D5E8EB1-1806-B38A-8B77-6CF18796F9C6}"/>
+          </ac:spMkLst>
+        </pc:spChg>
+        <pc:spChg chg="add del">
+          <ac:chgData name="Carolina Craus" userId="bae62b9d695bbdd6" providerId="LiveId" clId="{32165585-CB35-4C33-B919-9B0DD83E6E32}" dt="2023-04-11T21:35:15.381" v="3805"/>
+          <ac:spMkLst>
+            <pc:docMk/>
+            <pc:sldMk cId="3650616390" sldId="312"/>
+            <ac:spMk id="4" creationId="{839DC715-F98A-E554-CD9C-A107F31B502E}"/>
           </ac:spMkLst>
         </pc:spChg>
         <pc:spChg chg="add del">
@@ -702,7 +915,7 @@
           </ac:spMkLst>
         </pc:spChg>
         <pc:spChg chg="mod">
-          <ac:chgData name="Carolina Craus" userId="bae62b9d695bbdd6" providerId="LiveId" clId="{32165585-CB35-4C33-B919-9B0DD83E6E32}" dt="2023-04-11T16:31:27.335" v="3190" actId="20577"/>
+          <ac:chgData name="Carolina Craus" userId="bae62b9d695bbdd6" providerId="LiveId" clId="{32165585-CB35-4C33-B919-9B0DD83E6E32}" dt="2023-04-11T21:35:48.749" v="3816" actId="5793"/>
           <ac:spMkLst>
             <pc:docMk/>
             <pc:sldMk cId="3650616390" sldId="312"/>
@@ -710,7 +923,15 @@
           </ac:spMkLst>
         </pc:spChg>
         <pc:picChg chg="add mod">
-          <ac:chgData name="Carolina Craus" userId="bae62b9d695bbdd6" providerId="LiveId" clId="{32165585-CB35-4C33-B919-9B0DD83E6E32}" dt="2023-04-10T22:12:51.253" v="1471" actId="1076"/>
+          <ac:chgData name="Carolina Craus" userId="bae62b9d695bbdd6" providerId="LiveId" clId="{32165585-CB35-4C33-B919-9B0DD83E6E32}" dt="2023-04-11T21:36:23.490" v="3818" actId="1076"/>
+          <ac:picMkLst>
+            <pc:docMk/>
+            <pc:sldMk cId="3650616390" sldId="312"/>
+            <ac:picMk id="5" creationId="{5668D02C-C584-F075-19AC-D6F7339EB78E}"/>
+          </ac:picMkLst>
+        </pc:picChg>
+        <pc:picChg chg="add mod">
+          <ac:chgData name="Carolina Craus" userId="bae62b9d695bbdd6" providerId="LiveId" clId="{32165585-CB35-4C33-B919-9B0DD83E6E32}" dt="2023-04-11T21:33:55.763" v="3789" actId="14100"/>
           <ac:picMkLst>
             <pc:docMk/>
             <pc:sldMk cId="3650616390" sldId="312"/>
@@ -718,7 +939,7 @@
           </ac:picMkLst>
         </pc:picChg>
         <pc:picChg chg="add mod">
-          <ac:chgData name="Carolina Craus" userId="bae62b9d695bbdd6" providerId="LiveId" clId="{32165585-CB35-4C33-B919-9B0DD83E6E32}" dt="2023-04-11T16:31:39.446" v="3193" actId="1076"/>
+          <ac:chgData name="Carolina Craus" userId="bae62b9d695bbdd6" providerId="LiveId" clId="{32165585-CB35-4C33-B919-9B0DD83E6E32}" dt="2023-04-11T21:34:08.413" v="3791" actId="1076"/>
           <ac:picMkLst>
             <pc:docMk/>
             <pc:sldMk cId="3650616390" sldId="312"/>
@@ -1035,8 +1256,8 @@
           </ac:cxnSpMkLst>
         </pc:cxnChg>
       </pc:sldChg>
-      <pc:sldChg chg="modSp add mod">
-        <pc:chgData name="Carolina Craus" userId="bae62b9d695bbdd6" providerId="LiveId" clId="{32165585-CB35-4C33-B919-9B0DD83E6E32}" dt="2023-04-11T16:34:54.581" v="3378" actId="20577"/>
+      <pc:sldChg chg="modSp add del mod">
+        <pc:chgData name="Carolina Craus" userId="bae62b9d695bbdd6" providerId="LiveId" clId="{32165585-CB35-4C33-B919-9B0DD83E6E32}" dt="2023-04-11T21:54:18.360" v="4292" actId="47"/>
         <pc:sldMkLst>
           <pc:docMk/>
           <pc:sldMk cId="2932630224" sldId="315"/>
@@ -1050,8 +1271,8 @@
           </ac:spMkLst>
         </pc:spChg>
       </pc:sldChg>
-      <pc:sldChg chg="modSp add mod">
-        <pc:chgData name="Carolina Craus" userId="bae62b9d695bbdd6" providerId="LiveId" clId="{32165585-CB35-4C33-B919-9B0DD83E6E32}" dt="2023-04-11T00:38:08.331" v="2318" actId="20577"/>
+      <pc:sldChg chg="modSp add del mod">
+        <pc:chgData name="Carolina Craus" userId="bae62b9d695bbdd6" providerId="LiveId" clId="{32165585-CB35-4C33-B919-9B0DD83E6E32}" dt="2023-04-11T21:54:29.486" v="4294" actId="47"/>
         <pc:sldMkLst>
           <pc:docMk/>
           <pc:sldMk cId="1981833743" sldId="316"/>
@@ -1065,8 +1286,8 @@
           </ac:spMkLst>
         </pc:spChg>
       </pc:sldChg>
-      <pc:sldChg chg="delSp modSp add mod">
-        <pc:chgData name="Carolina Craus" userId="bae62b9d695bbdd6" providerId="LiveId" clId="{32165585-CB35-4C33-B919-9B0DD83E6E32}" dt="2023-04-11T02:07:02.535" v="2680"/>
+      <pc:sldChg chg="delSp modSp add del mod">
+        <pc:chgData name="Carolina Craus" userId="bae62b9d695bbdd6" providerId="LiveId" clId="{32165585-CB35-4C33-B919-9B0DD83E6E32}" dt="2023-04-11T21:54:24.044" v="4293" actId="47"/>
         <pc:sldMkLst>
           <pc:docMk/>
           <pc:sldMk cId="2289817130" sldId="317"/>
@@ -1128,7 +1349,7 @@
         </pc:spChg>
       </pc:sldChg>
       <pc:sldChg chg="addSp delSp modSp add mod ord">
-        <pc:chgData name="Carolina Craus" userId="bae62b9d695bbdd6" providerId="LiveId" clId="{32165585-CB35-4C33-B919-9B0DD83E6E32}" dt="2023-04-11T21:16:14.928" v="3579" actId="1076"/>
+        <pc:chgData name="Carolina Craus" userId="bae62b9d695bbdd6" providerId="LiveId" clId="{32165585-CB35-4C33-B919-9B0DD83E6E32}" dt="2023-04-11T22:50:56.229" v="5341" actId="20577"/>
         <pc:sldMkLst>
           <pc:docMk/>
           <pc:sldMk cId="2662757459" sldId="319"/>
@@ -1157,8 +1378,16 @@
             <ac:spMk id="4" creationId="{F22F73C5-C6FC-25F6-B7E9-36F7ECAF6468}"/>
           </ac:spMkLst>
         </pc:spChg>
+        <pc:spChg chg="add mod">
+          <ac:chgData name="Carolina Craus" userId="bae62b9d695bbdd6" providerId="LiveId" clId="{32165585-CB35-4C33-B919-9B0DD83E6E32}" dt="2023-04-11T22:03:07.608" v="4341"/>
+          <ac:spMkLst>
+            <pc:docMk/>
+            <pc:sldMk cId="2662757459" sldId="319"/>
+            <ac:spMk id="6" creationId="{2922D83F-A0E3-B2B9-7DFB-4703C585A13D}"/>
+          </ac:spMkLst>
+        </pc:spChg>
         <pc:graphicFrameChg chg="mod modGraphic">
-          <ac:chgData name="Carolina Craus" userId="bae62b9d695bbdd6" providerId="LiveId" clId="{32165585-CB35-4C33-B919-9B0DD83E6E32}" dt="2023-04-11T21:15:07.903" v="3544" actId="20577"/>
+          <ac:chgData name="Carolina Craus" userId="bae62b9d695bbdd6" providerId="LiveId" clId="{32165585-CB35-4C33-B919-9B0DD83E6E32}" dt="2023-04-11T22:50:56.229" v="5341" actId="20577"/>
           <ac:graphicFrameMkLst>
             <pc:docMk/>
             <pc:sldMk cId="2662757459" sldId="319"/>
@@ -1183,7 +1412,7 @@
         </pc:picChg>
       </pc:sldChg>
       <pc:sldChg chg="addSp delSp modSp add mod ord">
-        <pc:chgData name="Carolina Craus" userId="bae62b9d695bbdd6" providerId="LiveId" clId="{32165585-CB35-4C33-B919-9B0DD83E6E32}" dt="2023-04-11T02:12:09.353" v="2926" actId="1076"/>
+        <pc:chgData name="Carolina Craus" userId="bae62b9d695bbdd6" providerId="LiveId" clId="{32165585-CB35-4C33-B919-9B0DD83E6E32}" dt="2023-04-11T22:50:26.045" v="5312" actId="2165"/>
         <pc:sldMkLst>
           <pc:docMk/>
           <pc:sldMk cId="1824139110" sldId="320"/>
@@ -1194,6 +1423,14 @@
             <pc:docMk/>
             <pc:sldMk cId="1824139110" sldId="320"/>
             <ac:spMk id="2" creationId="{8B170740-DB3F-076A-A2D2-9555F51D2D32}"/>
+          </ac:spMkLst>
+        </pc:spChg>
+        <pc:spChg chg="add mod">
+          <ac:chgData name="Carolina Craus" userId="bae62b9d695bbdd6" providerId="LiveId" clId="{32165585-CB35-4C33-B919-9B0DD83E6E32}" dt="2023-04-11T22:02:45.465" v="4338" actId="1076"/>
+          <ac:spMkLst>
+            <pc:docMk/>
+            <pc:sldMk cId="1824139110" sldId="320"/>
+            <ac:spMk id="4" creationId="{91244887-45BE-17BE-9909-362188BA3B69}"/>
           </ac:spMkLst>
         </pc:spChg>
         <pc:spChg chg="add del">
@@ -1221,7 +1458,7 @@
           </ac:spMkLst>
         </pc:spChg>
         <pc:graphicFrameChg chg="mod modGraphic">
-          <ac:chgData name="Carolina Craus" userId="bae62b9d695bbdd6" providerId="LiveId" clId="{32165585-CB35-4C33-B919-9B0DD83E6E32}" dt="2023-04-11T02:10:50.454" v="2786" actId="20577"/>
+          <ac:chgData name="Carolina Craus" userId="bae62b9d695bbdd6" providerId="LiveId" clId="{32165585-CB35-4C33-B919-9B0DD83E6E32}" dt="2023-04-11T22:50:26.045" v="5312" actId="2165"/>
           <ac:graphicFrameMkLst>
             <pc:docMk/>
             <pc:sldMk cId="1824139110" sldId="320"/>
@@ -1269,7 +1506,7 @@
         </pc:spChg>
       </pc:sldChg>
       <pc:sldChg chg="addSp delSp modSp add mod ord">
-        <pc:chgData name="Carolina Craus" userId="bae62b9d695bbdd6" providerId="LiveId" clId="{32165585-CB35-4C33-B919-9B0DD83E6E32}" dt="2023-04-11T02:09:27.103" v="2756" actId="1076"/>
+        <pc:chgData name="Carolina Craus" userId="bae62b9d695bbdd6" providerId="LiveId" clId="{32165585-CB35-4C33-B919-9B0DD83E6E32}" dt="2023-04-11T22:50:43.498" v="5327" actId="20577"/>
         <pc:sldMkLst>
           <pc:docMk/>
           <pc:sldMk cId="2612505702" sldId="322"/>
@@ -1282,6 +1519,14 @@
             <ac:spMk id="2" creationId="{8B170740-DB3F-076A-A2D2-9555F51D2D32}"/>
           </ac:spMkLst>
         </pc:spChg>
+        <pc:spChg chg="add mod">
+          <ac:chgData name="Carolina Craus" userId="bae62b9d695bbdd6" providerId="LiveId" clId="{32165585-CB35-4C33-B919-9B0DD83E6E32}" dt="2023-04-11T22:03:02.924" v="4340" actId="1076"/>
+          <ac:spMkLst>
+            <pc:docMk/>
+            <pc:sldMk cId="2612505702" sldId="322"/>
+            <ac:spMk id="4" creationId="{4C0F0186-48F5-3B15-E63E-533E4DBF68E1}"/>
+          </ac:spMkLst>
+        </pc:spChg>
         <pc:spChg chg="add del">
           <ac:chgData name="Carolina Craus" userId="bae62b9d695bbdd6" providerId="LiveId" clId="{32165585-CB35-4C33-B919-9B0DD83E6E32}" dt="2023-04-11T02:09:11.105" v="2748"/>
           <ac:spMkLst>
@@ -1291,7 +1536,7 @@
           </ac:spMkLst>
         </pc:spChg>
         <pc:graphicFrameChg chg="mod modGraphic">
-          <ac:chgData name="Carolina Craus" userId="bae62b9d695bbdd6" providerId="LiveId" clId="{32165585-CB35-4C33-B919-9B0DD83E6E32}" dt="2023-04-11T02:09:21.387" v="2753" actId="1076"/>
+          <ac:chgData name="Carolina Craus" userId="bae62b9d695bbdd6" providerId="LiveId" clId="{32165585-CB35-4C33-B919-9B0DD83E6E32}" dt="2023-04-11T22:50:43.498" v="5327" actId="20577"/>
           <ac:graphicFrameMkLst>
             <pc:docMk/>
             <pc:sldMk cId="2612505702" sldId="322"/>
@@ -1316,7 +1561,7 @@
         </pc:picChg>
       </pc:sldChg>
       <pc:sldChg chg="addSp delSp modSp add mod">
-        <pc:chgData name="Carolina Craus" userId="bae62b9d695bbdd6" providerId="LiveId" clId="{32165585-CB35-4C33-B919-9B0DD83E6E32}" dt="2023-04-11T16:35:45.571" v="3387" actId="14100"/>
+        <pc:chgData name="Carolina Craus" userId="bae62b9d695bbdd6" providerId="LiveId" clId="{32165585-CB35-4C33-B919-9B0DD83E6E32}" dt="2023-04-11T22:50:10.997" v="5295" actId="20577"/>
         <pc:sldMkLst>
           <pc:docMk/>
           <pc:sldMk cId="1414478187" sldId="323"/>
@@ -1329,6 +1574,14 @@
             <ac:spMk id="2" creationId="{8B170740-DB3F-076A-A2D2-9555F51D2D32}"/>
           </ac:spMkLst>
         </pc:spChg>
+        <pc:spChg chg="add mod">
+          <ac:chgData name="Carolina Craus" userId="bae62b9d695bbdd6" providerId="LiveId" clId="{32165585-CB35-4C33-B919-9B0DD83E6E32}" dt="2023-04-11T22:02:36.185" v="4336"/>
+          <ac:spMkLst>
+            <pc:docMk/>
+            <pc:sldMk cId="1414478187" sldId="323"/>
+            <ac:spMk id="4" creationId="{47EB185E-7089-26C1-CBA1-8D2EE9848B74}"/>
+          </ac:spMkLst>
+        </pc:spChg>
         <pc:spChg chg="add del">
           <ac:chgData name="Carolina Craus" userId="bae62b9d695bbdd6" providerId="LiveId" clId="{32165585-CB35-4C33-B919-9B0DD83E6E32}" dt="2023-04-11T16:35:33.628" v="3381"/>
           <ac:spMkLst>
@@ -1337,8 +1590,8 @@
             <ac:spMk id="4" creationId="{CC5EA836-646B-8058-D297-9EE4F0981D6A}"/>
           </ac:spMkLst>
         </pc:spChg>
-        <pc:graphicFrameChg chg="modGraphic">
-          <ac:chgData name="Carolina Craus" userId="bae62b9d695bbdd6" providerId="LiveId" clId="{32165585-CB35-4C33-B919-9B0DD83E6E32}" dt="2023-04-11T16:15:26.548" v="2942" actId="20577"/>
+        <pc:graphicFrameChg chg="mod modGraphic">
+          <ac:chgData name="Carolina Craus" userId="bae62b9d695bbdd6" providerId="LiveId" clId="{32165585-CB35-4C33-B919-9B0DD83E6E32}" dt="2023-04-11T22:50:10.997" v="5295" actId="20577"/>
           <ac:graphicFrameMkLst>
             <pc:docMk/>
             <pc:sldMk cId="1414478187" sldId="323"/>
@@ -1362,8 +1615,8 @@
           </ac:picMkLst>
         </pc:picChg>
       </pc:sldChg>
-      <pc:sldChg chg="modSp add mod">
-        <pc:chgData name="Carolina Craus" userId="bae62b9d695bbdd6" providerId="LiveId" clId="{32165585-CB35-4C33-B919-9B0DD83E6E32}" dt="2023-04-11T02:07:17.796" v="2719" actId="20577"/>
+      <pc:sldChg chg="addSp modSp add mod">
+        <pc:chgData name="Carolina Craus" userId="bae62b9d695bbdd6" providerId="LiveId" clId="{32165585-CB35-4C33-B919-9B0DD83E6E32}" dt="2023-04-11T22:49:21.163" v="5268" actId="20577"/>
         <pc:sldMkLst>
           <pc:docMk/>
           <pc:sldMk cId="2361612830" sldId="324"/>
@@ -1376,9 +1629,25 @@
             <ac:spMk id="2" creationId="{8B170740-DB3F-076A-A2D2-9555F51D2D32}"/>
           </ac:spMkLst>
         </pc:spChg>
+        <pc:spChg chg="add mod">
+          <ac:chgData name="Carolina Craus" userId="bae62b9d695bbdd6" providerId="LiveId" clId="{32165585-CB35-4C33-B919-9B0DD83E6E32}" dt="2023-04-11T22:02:22.820" v="4334" actId="1076"/>
+          <ac:spMkLst>
+            <pc:docMk/>
+            <pc:sldMk cId="2361612830" sldId="324"/>
+            <ac:spMk id="4" creationId="{9AFCD676-B744-95D1-AFFE-F1E839B33462}"/>
+          </ac:spMkLst>
+        </pc:spChg>
+        <pc:graphicFrameChg chg="mod modGraphic">
+          <ac:chgData name="Carolina Craus" userId="bae62b9d695bbdd6" providerId="LiveId" clId="{32165585-CB35-4C33-B919-9B0DD83E6E32}" dt="2023-04-11T22:49:21.163" v="5268" actId="20577"/>
+          <ac:graphicFrameMkLst>
+            <pc:docMk/>
+            <pc:sldMk cId="2361612830" sldId="324"/>
+            <ac:graphicFrameMk id="3" creationId="{CA4AB027-E888-2C3E-8C1E-4D6BB2527F50}"/>
+          </ac:graphicFrameMkLst>
+        </pc:graphicFrameChg>
       </pc:sldChg>
       <pc:sldChg chg="addSp delSp modSp add mod ord">
-        <pc:chgData name="Carolina Craus" userId="bae62b9d695bbdd6" providerId="LiveId" clId="{32165585-CB35-4C33-B919-9B0DD83E6E32}" dt="2023-04-11T21:15:01.781" v="3542" actId="21"/>
+        <pc:chgData name="Carolina Craus" userId="bae62b9d695bbdd6" providerId="LiveId" clId="{32165585-CB35-4C33-B919-9B0DD83E6E32}" dt="2023-04-11T22:50:00.746" v="5278"/>
         <pc:sldMkLst>
           <pc:docMk/>
           <pc:sldMk cId="3757629853" sldId="325"/>
@@ -1399,8 +1668,24 @@
             <ac:spMk id="4" creationId="{12263CA4-1AF6-1B89-19C4-37BB40F01B9C}"/>
           </ac:spMkLst>
         </pc:spChg>
+        <pc:spChg chg="add mod">
+          <ac:chgData name="Carolina Craus" userId="bae62b9d695bbdd6" providerId="LiveId" clId="{32165585-CB35-4C33-B919-9B0DD83E6E32}" dt="2023-04-11T22:02:30.876" v="4335"/>
+          <ac:spMkLst>
+            <pc:docMk/>
+            <pc:sldMk cId="3757629853" sldId="325"/>
+            <ac:spMk id="4" creationId="{F7C73826-631B-7061-BBB8-56B30C5B7C20}"/>
+          </ac:spMkLst>
+        </pc:spChg>
+        <pc:spChg chg="add del">
+          <ac:chgData name="Carolina Craus" userId="bae62b9d695bbdd6" providerId="LiveId" clId="{32165585-CB35-4C33-B919-9B0DD83E6E32}" dt="2023-04-11T22:49:59.463" v="5277"/>
+          <ac:spMkLst>
+            <pc:docMk/>
+            <pc:sldMk cId="3757629853" sldId="325"/>
+            <ac:spMk id="5" creationId="{36A6B443-3C32-E4CD-B1C1-B577030BA2CB}"/>
+          </ac:spMkLst>
+        </pc:spChg>
         <pc:graphicFrameChg chg="mod modGraphic">
-          <ac:chgData name="Carolina Craus" userId="bae62b9d695bbdd6" providerId="LiveId" clId="{32165585-CB35-4C33-B919-9B0DD83E6E32}" dt="2023-04-11T21:15:01.781" v="3542" actId="21"/>
+          <ac:chgData name="Carolina Craus" userId="bae62b9d695bbdd6" providerId="LiveId" clId="{32165585-CB35-4C33-B919-9B0DD83E6E32}" dt="2023-04-11T22:50:00.746" v="5278"/>
           <ac:graphicFrameMkLst>
             <pc:docMk/>
             <pc:sldMk cId="3757629853" sldId="325"/>
@@ -1549,6 +1834,131 @@
             <ac:spMk id="2" creationId="{8B170740-DB3F-076A-A2D2-9555F51D2D32}"/>
           </ac:spMkLst>
         </pc:spChg>
+      </pc:sldChg>
+      <pc:sldChg chg="addSp delSp modSp add mod ord">
+        <pc:chgData name="Carolina Craus" userId="bae62b9d695bbdd6" providerId="LiveId" clId="{32165585-CB35-4C33-B919-9B0DD83E6E32}" dt="2023-04-11T22:38:21.100" v="4922" actId="113"/>
+        <pc:sldMkLst>
+          <pc:docMk/>
+          <pc:sldMk cId="2880998697" sldId="328"/>
+        </pc:sldMkLst>
+        <pc:spChg chg="mod">
+          <ac:chgData name="Carolina Craus" userId="bae62b9d695bbdd6" providerId="LiveId" clId="{32165585-CB35-4C33-B919-9B0DD83E6E32}" dt="2023-04-11T21:38:10.033" v="3851" actId="20577"/>
+          <ac:spMkLst>
+            <pc:docMk/>
+            <pc:sldMk cId="2880998697" sldId="328"/>
+            <ac:spMk id="2" creationId="{8B170740-DB3F-076A-A2D2-9555F51D2D32}"/>
+          </ac:spMkLst>
+        </pc:spChg>
+        <pc:spChg chg="add del">
+          <ac:chgData name="Carolina Craus" userId="bae62b9d695bbdd6" providerId="LiveId" clId="{32165585-CB35-4C33-B919-9B0DD83E6E32}" dt="2023-04-11T21:41:15.211" v="3857"/>
+          <ac:spMkLst>
+            <pc:docMk/>
+            <pc:sldMk cId="2880998697" sldId="328"/>
+            <ac:spMk id="3" creationId="{551F33F6-6CEC-7664-91EC-D069FB87BE58}"/>
+          </ac:spMkLst>
+        </pc:spChg>
+        <pc:spChg chg="add del">
+          <ac:chgData name="Carolina Craus" userId="bae62b9d695bbdd6" providerId="LiveId" clId="{32165585-CB35-4C33-B919-9B0DD83E6E32}" dt="2023-04-11T21:42:24.342" v="3862"/>
+          <ac:spMkLst>
+            <pc:docMk/>
+            <pc:sldMk cId="2880998697" sldId="328"/>
+            <ac:spMk id="5" creationId="{4C1656CC-0B1C-B6CC-B00B-FCBDC2BE6456}"/>
+          </ac:spMkLst>
+        </pc:spChg>
+        <pc:spChg chg="add mod">
+          <ac:chgData name="Carolina Craus" userId="bae62b9d695bbdd6" providerId="LiveId" clId="{32165585-CB35-4C33-B919-9B0DD83E6E32}" dt="2023-04-11T22:38:21.100" v="4922" actId="113"/>
+          <ac:spMkLst>
+            <pc:docMk/>
+            <pc:sldMk cId="2880998697" sldId="328"/>
+            <ac:spMk id="7" creationId="{383C16D0-5DC3-72CE-B3A5-A8D9C48FC76D}"/>
+          </ac:spMkLst>
+        </pc:spChg>
+        <pc:spChg chg="mod">
+          <ac:chgData name="Carolina Craus" userId="bae62b9d695bbdd6" providerId="LiveId" clId="{32165585-CB35-4C33-B919-9B0DD83E6E32}" dt="2023-04-11T21:43:01.949" v="3879" actId="1076"/>
+          <ac:spMkLst>
+            <pc:docMk/>
+            <pc:sldMk cId="2880998697" sldId="328"/>
+            <ac:spMk id="8" creationId="{3B13F08B-AEE4-4C95-21B6-8DF753ECA5AD}"/>
+          </ac:spMkLst>
+        </pc:spChg>
+        <pc:picChg chg="add mod">
+          <ac:chgData name="Carolina Craus" userId="bae62b9d695bbdd6" providerId="LiveId" clId="{32165585-CB35-4C33-B919-9B0DD83E6E32}" dt="2023-04-11T22:37:10.424" v="4865" actId="1076"/>
+          <ac:picMkLst>
+            <pc:docMk/>
+            <pc:sldMk cId="2880998697" sldId="328"/>
+            <ac:picMk id="4" creationId="{69AF771B-6B50-0C92-A6C0-DED551FFA861}"/>
+          </ac:picMkLst>
+        </pc:picChg>
+        <pc:picChg chg="add mod">
+          <ac:chgData name="Carolina Craus" userId="bae62b9d695bbdd6" providerId="LiveId" clId="{32165585-CB35-4C33-B919-9B0DD83E6E32}" dt="2023-04-11T21:43:11.043" v="3883" actId="1076"/>
+          <ac:picMkLst>
+            <pc:docMk/>
+            <pc:sldMk cId="2880998697" sldId="328"/>
+            <ac:picMk id="6" creationId="{1B961BDE-A522-A062-5AF2-B8FC0FFB67BC}"/>
+          </ac:picMkLst>
+        </pc:picChg>
+      </pc:sldChg>
+      <pc:sldChg chg="addSp delSp modSp add mod ord">
+        <pc:chgData name="Carolina Craus" userId="bae62b9d695bbdd6" providerId="LiveId" clId="{32165585-CB35-4C33-B919-9B0DD83E6E32}" dt="2023-04-11T22:51:23.303" v="5344" actId="20577"/>
+        <pc:sldMkLst>
+          <pc:docMk/>
+          <pc:sldMk cId="2789260674" sldId="329"/>
+        </pc:sldMkLst>
+        <pc:spChg chg="mod">
+          <ac:chgData name="Carolina Craus" userId="bae62b9d695bbdd6" providerId="LiveId" clId="{32165585-CB35-4C33-B919-9B0DD83E6E32}" dt="2023-04-11T22:05:46.604" v="4458" actId="20577"/>
+          <ac:spMkLst>
+            <pc:docMk/>
+            <pc:sldMk cId="2789260674" sldId="329"/>
+            <ac:spMk id="2" creationId="{8B170740-DB3F-076A-A2D2-9555F51D2D32}"/>
+          </ac:spMkLst>
+        </pc:spChg>
+        <pc:graphicFrameChg chg="add mod modGraphic">
+          <ac:chgData name="Carolina Craus" userId="bae62b9d695bbdd6" providerId="LiveId" clId="{32165585-CB35-4C33-B919-9B0DD83E6E32}" dt="2023-04-11T22:51:23.303" v="5344" actId="20577"/>
+          <ac:graphicFrameMkLst>
+            <pc:docMk/>
+            <pc:sldMk cId="2789260674" sldId="329"/>
+            <ac:graphicFrameMk id="3" creationId="{C9587D79-8223-4E1A-232F-F9310F0A96A3}"/>
+          </ac:graphicFrameMkLst>
+        </pc:graphicFrameChg>
+        <pc:picChg chg="del mod">
+          <ac:chgData name="Carolina Craus" userId="bae62b9d695bbdd6" providerId="LiveId" clId="{32165585-CB35-4C33-B919-9B0DD83E6E32}" dt="2023-04-11T22:04:55.207" v="4349" actId="478"/>
+          <ac:picMkLst>
+            <pc:docMk/>
+            <pc:sldMk cId="2789260674" sldId="329"/>
+            <ac:picMk id="4" creationId="{99C8CA08-3452-56B6-3BC4-65991832A913}"/>
+          </ac:picMkLst>
+        </pc:picChg>
+        <pc:picChg chg="del mod">
+          <ac:chgData name="Carolina Craus" userId="bae62b9d695bbdd6" providerId="LiveId" clId="{32165585-CB35-4C33-B919-9B0DD83E6E32}" dt="2023-04-11T22:04:53.684" v="4348" actId="478"/>
+          <ac:picMkLst>
+            <pc:docMk/>
+            <pc:sldMk cId="2789260674" sldId="329"/>
+            <ac:picMk id="7" creationId="{515EF7C4-762C-1145-DD80-7827D9A3215A}"/>
+          </ac:picMkLst>
+        </pc:picChg>
+        <pc:picChg chg="del">
+          <ac:chgData name="Carolina Craus" userId="bae62b9d695bbdd6" providerId="LiveId" clId="{32165585-CB35-4C33-B919-9B0DD83E6E32}" dt="2023-04-11T22:04:57.444" v="4351" actId="478"/>
+          <ac:picMkLst>
+            <pc:docMk/>
+            <pc:sldMk cId="2789260674" sldId="329"/>
+            <ac:picMk id="9" creationId="{7B8E1D54-81AD-E490-EC86-9FB342FE2745}"/>
+          </ac:picMkLst>
+        </pc:picChg>
+        <pc:picChg chg="del">
+          <ac:chgData name="Carolina Craus" userId="bae62b9d695bbdd6" providerId="LiveId" clId="{32165585-CB35-4C33-B919-9B0DD83E6E32}" dt="2023-04-11T22:04:56.370" v="4350" actId="478"/>
+          <ac:picMkLst>
+            <pc:docMk/>
+            <pc:sldMk cId="2789260674" sldId="329"/>
+            <ac:picMk id="11" creationId="{7B8FD7CC-3226-C8C1-00B4-6F5174939AAD}"/>
+          </ac:picMkLst>
+        </pc:picChg>
+      </pc:sldChg>
+      <pc:sldChg chg="new del">
+        <pc:chgData name="Carolina Craus" userId="bae62b9d695bbdd6" providerId="LiveId" clId="{32165585-CB35-4C33-B919-9B0DD83E6E32}" dt="2023-04-11T22:38:34.027" v="4924" actId="680"/>
+        <pc:sldMkLst>
+          <pc:docMk/>
+          <pc:sldMk cId="1171925959" sldId="330"/>
+        </pc:sldMkLst>
       </pc:sldChg>
     </pc:docChg>
   </pc:docChgLst>
@@ -2366,7 +2776,7 @@
     </p:spTree>
     <p:extLst>
       <p:ext uri="{BB962C8B-B14F-4D97-AF65-F5344CB8AC3E}">
-        <p14:creationId xmlns:p14="http://schemas.microsoft.com/office/powerpoint/2010/main" val="12658897"/>
+        <p14:creationId xmlns:p14="http://schemas.microsoft.com/office/powerpoint/2010/main" val="3162523659"/>
       </p:ext>
     </p:extLst>
   </p:cSld>
@@ -2435,7 +2845,7 @@
     </p:spTree>
     <p:extLst>
       <p:ext uri="{BB962C8B-B14F-4D97-AF65-F5344CB8AC3E}">
-        <p14:creationId xmlns:p14="http://schemas.microsoft.com/office/powerpoint/2010/main" val="3627234146"/>
+        <p14:creationId xmlns:p14="http://schemas.microsoft.com/office/powerpoint/2010/main" val="12658897"/>
       </p:ext>
     </p:extLst>
   </p:cSld>
@@ -2504,7 +2914,7 @@
     </p:spTree>
     <p:extLst>
       <p:ext uri="{BB962C8B-B14F-4D97-AF65-F5344CB8AC3E}">
-        <p14:creationId xmlns:p14="http://schemas.microsoft.com/office/powerpoint/2010/main" val="3868119659"/>
+        <p14:creationId xmlns:p14="http://schemas.microsoft.com/office/powerpoint/2010/main" val="3627234146"/>
       </p:ext>
     </p:extLst>
   </p:cSld>
@@ -2573,7 +2983,7 @@
     </p:spTree>
     <p:extLst>
       <p:ext uri="{BB962C8B-B14F-4D97-AF65-F5344CB8AC3E}">
-        <p14:creationId xmlns:p14="http://schemas.microsoft.com/office/powerpoint/2010/main" val="579046869"/>
+        <p14:creationId xmlns:p14="http://schemas.microsoft.com/office/powerpoint/2010/main" val="3868119659"/>
       </p:ext>
     </p:extLst>
   </p:cSld>
@@ -2642,7 +3052,7 @@
     </p:spTree>
     <p:extLst>
       <p:ext uri="{BB962C8B-B14F-4D97-AF65-F5344CB8AC3E}">
-        <p14:creationId xmlns:p14="http://schemas.microsoft.com/office/powerpoint/2010/main" val="1994813416"/>
+        <p14:creationId xmlns:p14="http://schemas.microsoft.com/office/powerpoint/2010/main" val="579046869"/>
       </p:ext>
     </p:extLst>
   </p:cSld>
@@ -2711,7 +3121,7 @@
     </p:spTree>
     <p:extLst>
       <p:ext uri="{BB962C8B-B14F-4D97-AF65-F5344CB8AC3E}">
-        <p14:creationId xmlns:p14="http://schemas.microsoft.com/office/powerpoint/2010/main" val="2131577643"/>
+        <p14:creationId xmlns:p14="http://schemas.microsoft.com/office/powerpoint/2010/main" val="1994813416"/>
       </p:ext>
     </p:extLst>
   </p:cSld>
@@ -2780,7 +3190,7 @@
     </p:spTree>
     <p:extLst>
       <p:ext uri="{BB962C8B-B14F-4D97-AF65-F5344CB8AC3E}">
-        <p14:creationId xmlns:p14="http://schemas.microsoft.com/office/powerpoint/2010/main" val="3189567172"/>
+        <p14:creationId xmlns:p14="http://schemas.microsoft.com/office/powerpoint/2010/main" val="2131577643"/>
       </p:ext>
     </p:extLst>
   </p:cSld>
@@ -2953,7 +3363,7 @@
     </p:spTree>
     <p:extLst>
       <p:ext uri="{BB962C8B-B14F-4D97-AF65-F5344CB8AC3E}">
-        <p14:creationId xmlns:p14="http://schemas.microsoft.com/office/powerpoint/2010/main" val="1238886777"/>
+        <p14:creationId xmlns:p14="http://schemas.microsoft.com/office/powerpoint/2010/main" val="3189567172"/>
       </p:ext>
     </p:extLst>
   </p:cSld>
@@ -3022,7 +3432,7 @@
     </p:spTree>
     <p:extLst>
       <p:ext uri="{BB962C8B-B14F-4D97-AF65-F5344CB8AC3E}">
-        <p14:creationId xmlns:p14="http://schemas.microsoft.com/office/powerpoint/2010/main" val="2859231044"/>
+        <p14:creationId xmlns:p14="http://schemas.microsoft.com/office/powerpoint/2010/main" val="1238886777"/>
       </p:ext>
     </p:extLst>
   </p:cSld>
@@ -3091,7 +3501,7 @@
     </p:spTree>
     <p:extLst>
       <p:ext uri="{BB962C8B-B14F-4D97-AF65-F5344CB8AC3E}">
-        <p14:creationId xmlns:p14="http://schemas.microsoft.com/office/powerpoint/2010/main" val="1505577267"/>
+        <p14:creationId xmlns:p14="http://schemas.microsoft.com/office/powerpoint/2010/main" val="2859231044"/>
       </p:ext>
     </p:extLst>
   </p:cSld>
@@ -3160,7 +3570,7 @@
     </p:spTree>
     <p:extLst>
       <p:ext uri="{BB962C8B-B14F-4D97-AF65-F5344CB8AC3E}">
-        <p14:creationId xmlns:p14="http://schemas.microsoft.com/office/powerpoint/2010/main" val="2553330111"/>
+        <p14:creationId xmlns:p14="http://schemas.microsoft.com/office/powerpoint/2010/main" val="1505577267"/>
       </p:ext>
     </p:extLst>
   </p:cSld>
@@ -3229,7 +3639,7 @@
     </p:spTree>
     <p:extLst>
       <p:ext uri="{BB962C8B-B14F-4D97-AF65-F5344CB8AC3E}">
-        <p14:creationId xmlns:p14="http://schemas.microsoft.com/office/powerpoint/2010/main" val="42152897"/>
+        <p14:creationId xmlns:p14="http://schemas.microsoft.com/office/powerpoint/2010/main" val="2553330111"/>
       </p:ext>
     </p:extLst>
   </p:cSld>
@@ -3298,7 +3708,7 @@
     </p:spTree>
     <p:extLst>
       <p:ext uri="{BB962C8B-B14F-4D97-AF65-F5344CB8AC3E}">
-        <p14:creationId xmlns:p14="http://schemas.microsoft.com/office/powerpoint/2010/main" val="932338961"/>
+        <p14:creationId xmlns:p14="http://schemas.microsoft.com/office/powerpoint/2010/main" val="42152897"/>
       </p:ext>
     </p:extLst>
   </p:cSld>
@@ -3367,7 +3777,7 @@
     </p:spTree>
     <p:extLst>
       <p:ext uri="{BB962C8B-B14F-4D97-AF65-F5344CB8AC3E}">
-        <p14:creationId xmlns:p14="http://schemas.microsoft.com/office/powerpoint/2010/main" val="1276508841"/>
+        <p14:creationId xmlns:p14="http://schemas.microsoft.com/office/powerpoint/2010/main" val="932338961"/>
       </p:ext>
     </p:extLst>
   </p:cSld>
@@ -3574,7 +3984,7 @@
     </p:spTree>
     <p:extLst>
       <p:ext uri="{BB962C8B-B14F-4D97-AF65-F5344CB8AC3E}">
-        <p14:creationId xmlns:p14="http://schemas.microsoft.com/office/powerpoint/2010/main" val="3210921180"/>
+        <p14:creationId xmlns:p14="http://schemas.microsoft.com/office/powerpoint/2010/main" val="2429201677"/>
       </p:ext>
     </p:extLst>
   </p:cSld>
@@ -3747,7 +4157,7 @@
     </p:spTree>
     <p:extLst>
       <p:ext uri="{BB962C8B-B14F-4D97-AF65-F5344CB8AC3E}">
-        <p14:creationId xmlns:p14="http://schemas.microsoft.com/office/powerpoint/2010/main" val="2429201677"/>
+        <p14:creationId xmlns:p14="http://schemas.microsoft.com/office/powerpoint/2010/main" val="2231860709"/>
       </p:ext>
     </p:extLst>
   </p:cSld>
@@ -3816,7 +4226,7 @@
     </p:spTree>
     <p:extLst>
       <p:ext uri="{BB962C8B-B14F-4D97-AF65-F5344CB8AC3E}">
-        <p14:creationId xmlns:p14="http://schemas.microsoft.com/office/powerpoint/2010/main" val="2231860709"/>
+        <p14:creationId xmlns:p14="http://schemas.microsoft.com/office/powerpoint/2010/main" val="3457968200"/>
       </p:ext>
     </p:extLst>
   </p:cSld>
@@ -3885,7 +4295,7 @@
     </p:spTree>
     <p:extLst>
       <p:ext uri="{BB962C8B-B14F-4D97-AF65-F5344CB8AC3E}">
-        <p14:creationId xmlns:p14="http://schemas.microsoft.com/office/powerpoint/2010/main" val="3976591838"/>
+        <p14:creationId xmlns:p14="http://schemas.microsoft.com/office/powerpoint/2010/main" val="3488256296"/>
       </p:ext>
     </p:extLst>
   </p:cSld>
@@ -3896,75 +4306,6 @@
 </file>
 
 <file path=ppt/notesSlides/notesSlide33.xml><?xml version="1.0" encoding="utf-8"?>
-<p:notes xmlns:a="http://schemas.openxmlformats.org/drawingml/2006/main" xmlns:r="http://schemas.openxmlformats.org/officeDocument/2006/relationships" xmlns:p="http://schemas.openxmlformats.org/presentationml/2006/main">
-  <p:cSld>
-    <p:spTree>
-      <p:nvGrpSpPr>
-        <p:cNvPr id="1" name=""/>
-        <p:cNvGrpSpPr/>
-        <p:nvPr/>
-      </p:nvGrpSpPr>
-      <p:grpSpPr>
-        <a:xfrm>
-          <a:off x="0" y="0"/>
-          <a:ext cx="0" cy="0"/>
-          <a:chOff x="0" y="0"/>
-          <a:chExt cx="0" cy="0"/>
-        </a:xfrm>
-      </p:grpSpPr>
-      <p:sp>
-        <p:nvSpPr>
-          <p:cNvPr id="2" name="Slide Image Placeholder 1"/>
-          <p:cNvSpPr>
-            <a:spLocks noGrp="1" noRot="1" noChangeAspect="1"/>
-          </p:cNvSpPr>
-          <p:nvPr>
-            <p:ph type="sldImg"/>
-          </p:nvPr>
-        </p:nvSpPr>
-        <p:spPr>
-          <a:xfrm>
-            <a:off x="381000" y="685800"/>
-            <a:ext cx="6096000" cy="3429000"/>
-          </a:xfrm>
-        </p:spPr>
-      </p:sp>
-      <p:sp>
-        <p:nvSpPr>
-          <p:cNvPr id="3" name="Notes Placeholder 2"/>
-          <p:cNvSpPr>
-            <a:spLocks noGrp="1"/>
-          </p:cNvSpPr>
-          <p:nvPr>
-            <p:ph type="body" idx="1"/>
-          </p:nvPr>
-        </p:nvSpPr>
-        <p:spPr/>
-        <p:txBody>
-          <a:bodyPr/>
-          <a:lstStyle/>
-          <a:p>
-            <a:pPr marL="139700" indent="0">
-              <a:buNone/>
-            </a:pPr>
-            <a:endParaRPr lang="en-US" dirty="0"/>
-          </a:p>
-        </p:txBody>
-      </p:sp>
-    </p:spTree>
-    <p:extLst>
-      <p:ext uri="{BB962C8B-B14F-4D97-AF65-F5344CB8AC3E}">
-        <p14:creationId xmlns:p14="http://schemas.microsoft.com/office/powerpoint/2010/main" val="3457968200"/>
-      </p:ext>
-    </p:extLst>
-  </p:cSld>
-  <p:clrMapOvr>
-    <a:masterClrMapping/>
-  </p:clrMapOvr>
-</p:notes>
-</file>
-
-<file path=ppt/notesSlides/notesSlide34.xml><?xml version="1.0" encoding="utf-8"?>
 <p:notes xmlns:a="http://schemas.openxmlformats.org/drawingml/2006/main" xmlns:r="http://schemas.openxmlformats.org/officeDocument/2006/relationships" xmlns:p="http://schemas.openxmlformats.org/presentationml/2006/main" showMasterSp="0" showMasterPhAnim="0">
   <p:cSld>
     <p:spTree>
@@ -14265,7 +14606,7 @@
         <p:spPr>
           <a:xfrm>
             <a:off x="725850" y="1761143"/>
-            <a:ext cx="2025739" cy="2332685"/>
+            <a:ext cx="2579412" cy="2332685"/>
           </a:xfrm>
           <a:prstGeom prst="rect">
             <a:avLst/>
@@ -14530,7 +14871,36 @@
             <a:pPr marL="146050" indent="0">
               <a:buNone/>
             </a:pPr>
+            <a:r>
+              <a:rPr lang="en-US" dirty="0"/>
+              <a:t>Age seems like it could potentially affect the results of </a:t>
+            </a:r>
+            <a:r>
+              <a:rPr lang="en-US" dirty="0" err="1"/>
+              <a:t>subscribtions</a:t>
+            </a:r>
+            <a:r>
+              <a:rPr lang="en-US" dirty="0"/>
+              <a:t> to term renewals</a:t>
+            </a:r>
+          </a:p>
+          <a:p>
+            <a:pPr marL="146050" indent="0">
+              <a:buNone/>
+            </a:pPr>
             <a:endParaRPr lang="en-US" dirty="0"/>
+          </a:p>
+          <a:p>
+            <a:r>
+              <a:rPr lang="en-US" dirty="0"/>
+              <a:t>Many of the clients are between 30-45 years old</a:t>
+            </a:r>
+          </a:p>
+          <a:p>
+            <a:r>
+              <a:rPr lang="en-US" dirty="0"/>
+              <a:t>Data is unbalanced </a:t>
+            </a:r>
           </a:p>
         </p:txBody>
       </p:sp>
@@ -15182,6 +15552,769 @@
                   </a:schemeClr>
                 </a:solidFill>
               </a:rPr>
+              <a:t>Relationship between Call Duration and Subscriptions</a:t>
+            </a:r>
+          </a:p>
+        </p:txBody>
+      </p:sp>
+      <p:sp>
+        <p:nvSpPr>
+          <p:cNvPr id="8" name="Text Placeholder 2">
+            <a:extLst>
+              <a:ext uri="{FF2B5EF4-FFF2-40B4-BE49-F238E27FC236}">
+                <a16:creationId xmlns:a16="http://schemas.microsoft.com/office/drawing/2014/main" id="{3B13F08B-AEE4-4C95-21B6-8DF753ECA5AD}"/>
+              </a:ext>
+            </a:extLst>
+          </p:cNvPr>
+          <p:cNvSpPr txBox="1">
+            <a:spLocks/>
+          </p:cNvSpPr>
+          <p:nvPr/>
+        </p:nvSpPr>
+        <p:spPr>
+          <a:xfrm flipH="1">
+            <a:off x="2742719" y="4019375"/>
+            <a:ext cx="1098958" cy="653774"/>
+          </a:xfrm>
+          <a:prstGeom prst="rect">
+            <a:avLst/>
+          </a:prstGeom>
+          <a:noFill/>
+          <a:ln>
+            <a:noFill/>
+          </a:ln>
+        </p:spPr>
+        <p:txBody>
+          <a:bodyPr spcFirstLastPara="1" wrap="square" lIns="91425" tIns="91425" rIns="91425" bIns="91425" anchor="t" anchorCtr="0">
+            <a:noAutofit/>
+          </a:bodyPr>
+          <a:lstStyle>
+            <a:defPPr marR="0" lvl="0" algn="l" rtl="0">
+              <a:lnSpc>
+                <a:spcPct val="100000"/>
+              </a:lnSpc>
+              <a:spcBef>
+                <a:spcPts val="0"/>
+              </a:spcBef>
+              <a:spcAft>
+                <a:spcPts val="0"/>
+              </a:spcAft>
+            </a:defPPr>
+            <a:lvl1pPr marL="457200" marR="0" lvl="0" indent="-311150" algn="l" rtl="0">
+              <a:lnSpc>
+                <a:spcPct val="115000"/>
+              </a:lnSpc>
+              <a:spcBef>
+                <a:spcPts val="0"/>
+              </a:spcBef>
+              <a:spcAft>
+                <a:spcPts val="0"/>
+              </a:spcAft>
+              <a:buClr>
+                <a:schemeClr val="accent1"/>
+              </a:buClr>
+              <a:buSzPts val="1300"/>
+              <a:buFont typeface="Lato"/>
+              <a:buChar char="●"/>
+              <a:defRPr sz="1300" b="0" i="0" u="none" strike="noStrike" cap="none">
+                <a:solidFill>
+                  <a:schemeClr val="accent1"/>
+                </a:solidFill>
+                <a:latin typeface="Lato"/>
+                <a:ea typeface="Lato"/>
+                <a:cs typeface="Lato"/>
+                <a:sym typeface="Lato"/>
+              </a:defRPr>
+            </a:lvl1pPr>
+            <a:lvl2pPr marL="914400" marR="0" lvl="1" indent="-298450" algn="l" rtl="0">
+              <a:lnSpc>
+                <a:spcPct val="115000"/>
+              </a:lnSpc>
+              <a:spcBef>
+                <a:spcPts val="1600"/>
+              </a:spcBef>
+              <a:spcAft>
+                <a:spcPts val="0"/>
+              </a:spcAft>
+              <a:buClr>
+                <a:schemeClr val="accent1"/>
+              </a:buClr>
+              <a:buSzPts val="1100"/>
+              <a:buFont typeface="Lato"/>
+              <a:buChar char="○"/>
+              <a:defRPr sz="1100" b="0" i="0" u="none" strike="noStrike" cap="none">
+                <a:solidFill>
+                  <a:schemeClr val="accent1"/>
+                </a:solidFill>
+                <a:latin typeface="Lato"/>
+                <a:ea typeface="Lato"/>
+                <a:cs typeface="Lato"/>
+                <a:sym typeface="Lato"/>
+              </a:defRPr>
+            </a:lvl2pPr>
+            <a:lvl3pPr marL="1371600" marR="0" lvl="2" indent="-298450" algn="l" rtl="0">
+              <a:lnSpc>
+                <a:spcPct val="115000"/>
+              </a:lnSpc>
+              <a:spcBef>
+                <a:spcPts val="1600"/>
+              </a:spcBef>
+              <a:spcAft>
+                <a:spcPts val="0"/>
+              </a:spcAft>
+              <a:buClr>
+                <a:schemeClr val="accent1"/>
+              </a:buClr>
+              <a:buSzPts val="1100"/>
+              <a:buFont typeface="Lato"/>
+              <a:buChar char="■"/>
+              <a:defRPr sz="1100" b="0" i="0" u="none" strike="noStrike" cap="none">
+                <a:solidFill>
+                  <a:schemeClr val="accent1"/>
+                </a:solidFill>
+                <a:latin typeface="Lato"/>
+                <a:ea typeface="Lato"/>
+                <a:cs typeface="Lato"/>
+                <a:sym typeface="Lato"/>
+              </a:defRPr>
+            </a:lvl3pPr>
+            <a:lvl4pPr marL="1828800" marR="0" lvl="3" indent="-298450" algn="l" rtl="0">
+              <a:lnSpc>
+                <a:spcPct val="115000"/>
+              </a:lnSpc>
+              <a:spcBef>
+                <a:spcPts val="1600"/>
+              </a:spcBef>
+              <a:spcAft>
+                <a:spcPts val="0"/>
+              </a:spcAft>
+              <a:buClr>
+                <a:schemeClr val="accent1"/>
+              </a:buClr>
+              <a:buSzPts val="1100"/>
+              <a:buFont typeface="Lato"/>
+              <a:buChar char="●"/>
+              <a:defRPr sz="1100" b="0" i="0" u="none" strike="noStrike" cap="none">
+                <a:solidFill>
+                  <a:schemeClr val="accent1"/>
+                </a:solidFill>
+                <a:latin typeface="Lato"/>
+                <a:ea typeface="Lato"/>
+                <a:cs typeface="Lato"/>
+                <a:sym typeface="Lato"/>
+              </a:defRPr>
+            </a:lvl4pPr>
+            <a:lvl5pPr marL="2286000" marR="0" lvl="4" indent="-298450" algn="l" rtl="0">
+              <a:lnSpc>
+                <a:spcPct val="115000"/>
+              </a:lnSpc>
+              <a:spcBef>
+                <a:spcPts val="1600"/>
+              </a:spcBef>
+              <a:spcAft>
+                <a:spcPts val="0"/>
+              </a:spcAft>
+              <a:buClr>
+                <a:schemeClr val="accent1"/>
+              </a:buClr>
+              <a:buSzPts val="1100"/>
+              <a:buFont typeface="Lato"/>
+              <a:buChar char="○"/>
+              <a:defRPr sz="1100" b="0" i="0" u="none" strike="noStrike" cap="none">
+                <a:solidFill>
+                  <a:schemeClr val="accent1"/>
+                </a:solidFill>
+                <a:latin typeface="Lato"/>
+                <a:ea typeface="Lato"/>
+                <a:cs typeface="Lato"/>
+                <a:sym typeface="Lato"/>
+              </a:defRPr>
+            </a:lvl5pPr>
+            <a:lvl6pPr marL="2743200" marR="0" lvl="5" indent="-298450" algn="l" rtl="0">
+              <a:lnSpc>
+                <a:spcPct val="115000"/>
+              </a:lnSpc>
+              <a:spcBef>
+                <a:spcPts val="1600"/>
+              </a:spcBef>
+              <a:spcAft>
+                <a:spcPts val="0"/>
+              </a:spcAft>
+              <a:buClr>
+                <a:schemeClr val="accent1"/>
+              </a:buClr>
+              <a:buSzPts val="1100"/>
+              <a:buFont typeface="Lato"/>
+              <a:buChar char="■"/>
+              <a:defRPr sz="1100" b="0" i="0" u="none" strike="noStrike" cap="none">
+                <a:solidFill>
+                  <a:schemeClr val="accent1"/>
+                </a:solidFill>
+                <a:latin typeface="Lato"/>
+                <a:ea typeface="Lato"/>
+                <a:cs typeface="Lato"/>
+                <a:sym typeface="Lato"/>
+              </a:defRPr>
+            </a:lvl6pPr>
+            <a:lvl7pPr marL="3200400" marR="0" lvl="6" indent="-298450" algn="l" rtl="0">
+              <a:lnSpc>
+                <a:spcPct val="115000"/>
+              </a:lnSpc>
+              <a:spcBef>
+                <a:spcPts val="1600"/>
+              </a:spcBef>
+              <a:spcAft>
+                <a:spcPts val="0"/>
+              </a:spcAft>
+              <a:buClr>
+                <a:schemeClr val="accent1"/>
+              </a:buClr>
+              <a:buSzPts val="1100"/>
+              <a:buFont typeface="Lato"/>
+              <a:buChar char="●"/>
+              <a:defRPr sz="1100" b="0" i="0" u="none" strike="noStrike" cap="none">
+                <a:solidFill>
+                  <a:schemeClr val="accent1"/>
+                </a:solidFill>
+                <a:latin typeface="Lato"/>
+                <a:ea typeface="Lato"/>
+                <a:cs typeface="Lato"/>
+                <a:sym typeface="Lato"/>
+              </a:defRPr>
+            </a:lvl7pPr>
+            <a:lvl8pPr marL="3657600" marR="0" lvl="7" indent="-298450" algn="l" rtl="0">
+              <a:lnSpc>
+                <a:spcPct val="115000"/>
+              </a:lnSpc>
+              <a:spcBef>
+                <a:spcPts val="1600"/>
+              </a:spcBef>
+              <a:spcAft>
+                <a:spcPts val="0"/>
+              </a:spcAft>
+              <a:buClr>
+                <a:schemeClr val="accent1"/>
+              </a:buClr>
+              <a:buSzPts val="1100"/>
+              <a:buFont typeface="Lato"/>
+              <a:buChar char="○"/>
+              <a:defRPr sz="1100" b="0" i="0" u="none" strike="noStrike" cap="none">
+                <a:solidFill>
+                  <a:schemeClr val="accent1"/>
+                </a:solidFill>
+                <a:latin typeface="Lato"/>
+                <a:ea typeface="Lato"/>
+                <a:cs typeface="Lato"/>
+                <a:sym typeface="Lato"/>
+              </a:defRPr>
+            </a:lvl8pPr>
+            <a:lvl9pPr marL="4114800" marR="0" lvl="8" indent="-298450" algn="l" rtl="0">
+              <a:lnSpc>
+                <a:spcPct val="115000"/>
+              </a:lnSpc>
+              <a:spcBef>
+                <a:spcPts val="1600"/>
+              </a:spcBef>
+              <a:spcAft>
+                <a:spcPts val="1600"/>
+              </a:spcAft>
+              <a:buClr>
+                <a:schemeClr val="accent1"/>
+              </a:buClr>
+              <a:buSzPts val="1100"/>
+              <a:buFont typeface="Lato"/>
+              <a:buChar char="■"/>
+              <a:defRPr sz="1100" b="0" i="0" u="none" strike="noStrike" cap="none">
+                <a:solidFill>
+                  <a:schemeClr val="accent1"/>
+                </a:solidFill>
+                <a:latin typeface="Lato"/>
+                <a:ea typeface="Lato"/>
+                <a:cs typeface="Lato"/>
+                <a:sym typeface="Lato"/>
+              </a:defRPr>
+            </a:lvl9pPr>
+          </a:lstStyle>
+          <a:p>
+            <a:endParaRPr lang="en-US" dirty="0"/>
+          </a:p>
+        </p:txBody>
+      </p:sp>
+      <p:pic>
+        <p:nvPicPr>
+          <p:cNvPr id="4" name="Picture 3">
+            <a:extLst>
+              <a:ext uri="{FF2B5EF4-FFF2-40B4-BE49-F238E27FC236}">
+                <a16:creationId xmlns:a16="http://schemas.microsoft.com/office/drawing/2014/main" id="{69AF771B-6B50-0C92-A6C0-DED551FFA861}"/>
+              </a:ext>
+            </a:extLst>
+          </p:cNvPr>
+          <p:cNvPicPr>
+            <a:picLocks noChangeAspect="1"/>
+          </p:cNvPicPr>
+          <p:nvPr/>
+        </p:nvPicPr>
+        <p:blipFill>
+          <a:blip r:embed="rId4"/>
+          <a:stretch>
+            <a:fillRect/>
+          </a:stretch>
+        </p:blipFill>
+        <p:spPr>
+          <a:xfrm>
+            <a:off x="5444313" y="596332"/>
+            <a:ext cx="3699687" cy="2283236"/>
+          </a:xfrm>
+          <a:prstGeom prst="rect">
+            <a:avLst/>
+          </a:prstGeom>
+        </p:spPr>
+      </p:pic>
+      <p:pic>
+        <p:nvPicPr>
+          <p:cNvPr id="6" name="Picture 5">
+            <a:extLst>
+              <a:ext uri="{FF2B5EF4-FFF2-40B4-BE49-F238E27FC236}">
+                <a16:creationId xmlns:a16="http://schemas.microsoft.com/office/drawing/2014/main" id="{1B961BDE-A522-A062-5AF2-B8FC0FFB67BC}"/>
+              </a:ext>
+            </a:extLst>
+          </p:cNvPr>
+          <p:cNvPicPr>
+            <a:picLocks noChangeAspect="1"/>
+          </p:cNvPicPr>
+          <p:nvPr/>
+        </p:nvPicPr>
+        <p:blipFill>
+          <a:blip r:embed="rId5"/>
+          <a:stretch>
+            <a:fillRect/>
+          </a:stretch>
+        </p:blipFill>
+        <p:spPr>
+          <a:xfrm>
+            <a:off x="5543387" y="2879568"/>
+            <a:ext cx="3485041" cy="2150768"/>
+          </a:xfrm>
+          <a:prstGeom prst="rect">
+            <a:avLst/>
+          </a:prstGeom>
+        </p:spPr>
+      </p:pic>
+      <p:sp>
+        <p:nvSpPr>
+          <p:cNvPr id="7" name="Text Placeholder 2">
+            <a:extLst>
+              <a:ext uri="{FF2B5EF4-FFF2-40B4-BE49-F238E27FC236}">
+                <a16:creationId xmlns:a16="http://schemas.microsoft.com/office/drawing/2014/main" id="{383C16D0-5DC3-72CE-B3A5-A8D9C48FC76D}"/>
+              </a:ext>
+            </a:extLst>
+          </p:cNvPr>
+          <p:cNvSpPr txBox="1">
+            <a:spLocks/>
+          </p:cNvSpPr>
+          <p:nvPr/>
+        </p:nvSpPr>
+        <p:spPr>
+          <a:xfrm>
+            <a:off x="302004" y="1945700"/>
+            <a:ext cx="4269996" cy="2844413"/>
+          </a:xfrm>
+          <a:prstGeom prst="rect">
+            <a:avLst/>
+          </a:prstGeom>
+          <a:noFill/>
+          <a:ln>
+            <a:noFill/>
+          </a:ln>
+        </p:spPr>
+        <p:txBody>
+          <a:bodyPr spcFirstLastPara="1" wrap="square" lIns="91425" tIns="91425" rIns="91425" bIns="91425" anchor="t" anchorCtr="0">
+            <a:noAutofit/>
+          </a:bodyPr>
+          <a:lstStyle>
+            <a:defPPr marR="0" lvl="0" algn="l" rtl="0">
+              <a:lnSpc>
+                <a:spcPct val="100000"/>
+              </a:lnSpc>
+              <a:spcBef>
+                <a:spcPts val="0"/>
+              </a:spcBef>
+              <a:spcAft>
+                <a:spcPts val="0"/>
+              </a:spcAft>
+            </a:defPPr>
+            <a:lvl1pPr marL="457200" marR="0" lvl="0" indent="-311150" algn="l" rtl="0">
+              <a:lnSpc>
+                <a:spcPct val="115000"/>
+              </a:lnSpc>
+              <a:spcBef>
+                <a:spcPts val="0"/>
+              </a:spcBef>
+              <a:spcAft>
+                <a:spcPts val="0"/>
+              </a:spcAft>
+              <a:buClr>
+                <a:schemeClr val="accent1"/>
+              </a:buClr>
+              <a:buSzPts val="1300"/>
+              <a:buFont typeface="Lato"/>
+              <a:buChar char="●"/>
+              <a:defRPr sz="1300" b="0" i="0" u="none" strike="noStrike" cap="none">
+                <a:solidFill>
+                  <a:schemeClr val="accent1"/>
+                </a:solidFill>
+                <a:latin typeface="Lato"/>
+                <a:ea typeface="Lato"/>
+                <a:cs typeface="Lato"/>
+                <a:sym typeface="Lato"/>
+              </a:defRPr>
+            </a:lvl1pPr>
+            <a:lvl2pPr marL="914400" marR="0" lvl="1" indent="-298450" algn="l" rtl="0">
+              <a:lnSpc>
+                <a:spcPct val="115000"/>
+              </a:lnSpc>
+              <a:spcBef>
+                <a:spcPts val="1600"/>
+              </a:spcBef>
+              <a:spcAft>
+                <a:spcPts val="0"/>
+              </a:spcAft>
+              <a:buClr>
+                <a:schemeClr val="accent1"/>
+              </a:buClr>
+              <a:buSzPts val="1100"/>
+              <a:buFont typeface="Lato"/>
+              <a:buChar char="○"/>
+              <a:defRPr sz="1100" b="0" i="0" u="none" strike="noStrike" cap="none">
+                <a:solidFill>
+                  <a:schemeClr val="accent1"/>
+                </a:solidFill>
+                <a:latin typeface="Lato"/>
+                <a:ea typeface="Lato"/>
+                <a:cs typeface="Lato"/>
+                <a:sym typeface="Lato"/>
+              </a:defRPr>
+            </a:lvl2pPr>
+            <a:lvl3pPr marL="1371600" marR="0" lvl="2" indent="-298450" algn="l" rtl="0">
+              <a:lnSpc>
+                <a:spcPct val="115000"/>
+              </a:lnSpc>
+              <a:spcBef>
+                <a:spcPts val="1600"/>
+              </a:spcBef>
+              <a:spcAft>
+                <a:spcPts val="0"/>
+              </a:spcAft>
+              <a:buClr>
+                <a:schemeClr val="accent1"/>
+              </a:buClr>
+              <a:buSzPts val="1100"/>
+              <a:buFont typeface="Lato"/>
+              <a:buChar char="■"/>
+              <a:defRPr sz="1100" b="0" i="0" u="none" strike="noStrike" cap="none">
+                <a:solidFill>
+                  <a:schemeClr val="accent1"/>
+                </a:solidFill>
+                <a:latin typeface="Lato"/>
+                <a:ea typeface="Lato"/>
+                <a:cs typeface="Lato"/>
+                <a:sym typeface="Lato"/>
+              </a:defRPr>
+            </a:lvl3pPr>
+            <a:lvl4pPr marL="1828800" marR="0" lvl="3" indent="-298450" algn="l" rtl="0">
+              <a:lnSpc>
+                <a:spcPct val="115000"/>
+              </a:lnSpc>
+              <a:spcBef>
+                <a:spcPts val="1600"/>
+              </a:spcBef>
+              <a:spcAft>
+                <a:spcPts val="0"/>
+              </a:spcAft>
+              <a:buClr>
+                <a:schemeClr val="accent1"/>
+              </a:buClr>
+              <a:buSzPts val="1100"/>
+              <a:buFont typeface="Lato"/>
+              <a:buChar char="●"/>
+              <a:defRPr sz="1100" b="0" i="0" u="none" strike="noStrike" cap="none">
+                <a:solidFill>
+                  <a:schemeClr val="accent1"/>
+                </a:solidFill>
+                <a:latin typeface="Lato"/>
+                <a:ea typeface="Lato"/>
+                <a:cs typeface="Lato"/>
+                <a:sym typeface="Lato"/>
+              </a:defRPr>
+            </a:lvl4pPr>
+            <a:lvl5pPr marL="2286000" marR="0" lvl="4" indent="-298450" algn="l" rtl="0">
+              <a:lnSpc>
+                <a:spcPct val="115000"/>
+              </a:lnSpc>
+              <a:spcBef>
+                <a:spcPts val="1600"/>
+              </a:spcBef>
+              <a:spcAft>
+                <a:spcPts val="0"/>
+              </a:spcAft>
+              <a:buClr>
+                <a:schemeClr val="accent1"/>
+              </a:buClr>
+              <a:buSzPts val="1100"/>
+              <a:buFont typeface="Lato"/>
+              <a:buChar char="○"/>
+              <a:defRPr sz="1100" b="0" i="0" u="none" strike="noStrike" cap="none">
+                <a:solidFill>
+                  <a:schemeClr val="accent1"/>
+                </a:solidFill>
+                <a:latin typeface="Lato"/>
+                <a:ea typeface="Lato"/>
+                <a:cs typeface="Lato"/>
+                <a:sym typeface="Lato"/>
+              </a:defRPr>
+            </a:lvl5pPr>
+            <a:lvl6pPr marL="2743200" marR="0" lvl="5" indent="-298450" algn="l" rtl="0">
+              <a:lnSpc>
+                <a:spcPct val="115000"/>
+              </a:lnSpc>
+              <a:spcBef>
+                <a:spcPts val="1600"/>
+              </a:spcBef>
+              <a:spcAft>
+                <a:spcPts val="0"/>
+              </a:spcAft>
+              <a:buClr>
+                <a:schemeClr val="accent1"/>
+              </a:buClr>
+              <a:buSzPts val="1100"/>
+              <a:buFont typeface="Lato"/>
+              <a:buChar char="■"/>
+              <a:defRPr sz="1100" b="0" i="0" u="none" strike="noStrike" cap="none">
+                <a:solidFill>
+                  <a:schemeClr val="accent1"/>
+                </a:solidFill>
+                <a:latin typeface="Lato"/>
+                <a:ea typeface="Lato"/>
+                <a:cs typeface="Lato"/>
+                <a:sym typeface="Lato"/>
+              </a:defRPr>
+            </a:lvl6pPr>
+            <a:lvl7pPr marL="3200400" marR="0" lvl="6" indent="-298450" algn="l" rtl="0">
+              <a:lnSpc>
+                <a:spcPct val="115000"/>
+              </a:lnSpc>
+              <a:spcBef>
+                <a:spcPts val="1600"/>
+              </a:spcBef>
+              <a:spcAft>
+                <a:spcPts val="0"/>
+              </a:spcAft>
+              <a:buClr>
+                <a:schemeClr val="accent1"/>
+              </a:buClr>
+              <a:buSzPts val="1100"/>
+              <a:buFont typeface="Lato"/>
+              <a:buChar char="●"/>
+              <a:defRPr sz="1100" b="0" i="0" u="none" strike="noStrike" cap="none">
+                <a:solidFill>
+                  <a:schemeClr val="accent1"/>
+                </a:solidFill>
+                <a:latin typeface="Lato"/>
+                <a:ea typeface="Lato"/>
+                <a:cs typeface="Lato"/>
+                <a:sym typeface="Lato"/>
+              </a:defRPr>
+            </a:lvl7pPr>
+            <a:lvl8pPr marL="3657600" marR="0" lvl="7" indent="-298450" algn="l" rtl="0">
+              <a:lnSpc>
+                <a:spcPct val="115000"/>
+              </a:lnSpc>
+              <a:spcBef>
+                <a:spcPts val="1600"/>
+              </a:spcBef>
+              <a:spcAft>
+                <a:spcPts val="0"/>
+              </a:spcAft>
+              <a:buClr>
+                <a:schemeClr val="accent1"/>
+              </a:buClr>
+              <a:buSzPts val="1100"/>
+              <a:buFont typeface="Lato"/>
+              <a:buChar char="○"/>
+              <a:defRPr sz="1100" b="0" i="0" u="none" strike="noStrike" cap="none">
+                <a:solidFill>
+                  <a:schemeClr val="accent1"/>
+                </a:solidFill>
+                <a:latin typeface="Lato"/>
+                <a:ea typeface="Lato"/>
+                <a:cs typeface="Lato"/>
+                <a:sym typeface="Lato"/>
+              </a:defRPr>
+            </a:lvl8pPr>
+            <a:lvl9pPr marL="4114800" marR="0" lvl="8" indent="-298450" algn="l" rtl="0">
+              <a:lnSpc>
+                <a:spcPct val="115000"/>
+              </a:lnSpc>
+              <a:spcBef>
+                <a:spcPts val="1600"/>
+              </a:spcBef>
+              <a:spcAft>
+                <a:spcPts val="1600"/>
+              </a:spcAft>
+              <a:buClr>
+                <a:schemeClr val="accent1"/>
+              </a:buClr>
+              <a:buSzPts val="1100"/>
+              <a:buFont typeface="Lato"/>
+              <a:buChar char="■"/>
+              <a:defRPr sz="1100" b="0" i="0" u="none" strike="noStrike" cap="none">
+                <a:solidFill>
+                  <a:schemeClr val="accent1"/>
+                </a:solidFill>
+                <a:latin typeface="Lato"/>
+                <a:ea typeface="Lato"/>
+                <a:cs typeface="Lato"/>
+                <a:sym typeface="Lato"/>
+              </a:defRPr>
+            </a:lvl9pPr>
+          </a:lstStyle>
+          <a:p>
+            <a:pPr marL="146050" indent="0">
+              <a:buNone/>
+            </a:pPr>
+            <a:r>
+              <a:rPr lang="en-US" b="1" dirty="0"/>
+              <a:t>Call Duration</a:t>
+            </a:r>
+            <a:r>
+              <a:rPr lang="en-US" dirty="0"/>
+              <a:t>: Last contact duration, in seconds </a:t>
+            </a:r>
+          </a:p>
+          <a:p>
+            <a:pPr marL="146050" indent="0">
+              <a:buNone/>
+            </a:pPr>
+            <a:endParaRPr lang="en-US" dirty="0"/>
+          </a:p>
+          <a:p>
+            <a:pPr marL="146050" indent="0">
+              <a:buNone/>
+            </a:pPr>
+            <a:endParaRPr lang="en-US" dirty="0"/>
+          </a:p>
+          <a:p>
+            <a:r>
+              <a:rPr lang="en-US" dirty="0"/>
+              <a:t>We see a more normal distribution looking at the graph of the log transformed Duration variables </a:t>
+            </a:r>
+          </a:p>
+          <a:p>
+            <a:r>
+              <a:rPr lang="en-US" dirty="0"/>
+              <a:t>Call Duration between 5-7.5 minutes seem to highly increase the chances of a client subscribing to a term deposit </a:t>
+            </a:r>
+          </a:p>
+          <a:p>
+            <a:pPr lvl="1"/>
+            <a:r>
+              <a:rPr lang="en-US" dirty="0"/>
+              <a:t>No term deposit subscriptions under 3 minutes</a:t>
+            </a:r>
+          </a:p>
+        </p:txBody>
+      </p:sp>
+    </p:spTree>
+    <p:custDataLst>
+      <p:tags r:id="rId1"/>
+    </p:custDataLst>
+    <p:extLst>
+      <p:ext uri="{BB962C8B-B14F-4D97-AF65-F5344CB8AC3E}">
+        <p14:creationId xmlns:p14="http://schemas.microsoft.com/office/powerpoint/2010/main" val="2880998697"/>
+      </p:ext>
+    </p:extLst>
+  </p:cSld>
+  <p:clrMapOvr>
+    <a:masterClrMapping/>
+  </p:clrMapOvr>
+</p:sld>
+</file>
+
+<file path=ppt/slides/slide14.xml><?xml version="1.0" encoding="utf-8"?>
+<p:sld xmlns:a="http://schemas.openxmlformats.org/drawingml/2006/main" xmlns:r="http://schemas.openxmlformats.org/officeDocument/2006/relationships" xmlns:p="http://schemas.openxmlformats.org/presentationml/2006/main">
+  <p:cSld>
+    <p:spTree>
+      <p:nvGrpSpPr>
+        <p:cNvPr id="1" name=""/>
+        <p:cNvGrpSpPr/>
+        <p:nvPr/>
+      </p:nvGrpSpPr>
+      <p:grpSpPr>
+        <a:xfrm>
+          <a:off x="0" y="0"/>
+          <a:ext cx="0" cy="0"/>
+          <a:chOff x="0" y="0"/>
+          <a:chExt cx="0" cy="0"/>
+        </a:xfrm>
+      </p:grpSpPr>
+      <p:sp>
+        <p:nvSpPr>
+          <p:cNvPr id="2" name="Text Placeholder 1">
+            <a:extLst>
+              <a:ext uri="{FF2B5EF4-FFF2-40B4-BE49-F238E27FC236}">
+                <a16:creationId xmlns:a16="http://schemas.microsoft.com/office/drawing/2014/main" id="{8B170740-DB3F-076A-A2D2-9555F51D2D32}"/>
+              </a:ext>
+            </a:extLst>
+          </p:cNvPr>
+          <p:cNvSpPr>
+            <a:spLocks noGrp="1"/>
+          </p:cNvSpPr>
+          <p:nvPr>
+            <p:ph type="body" idx="1"/>
+          </p:nvPr>
+        </p:nvSpPr>
+        <p:spPr>
+          <a:xfrm>
+            <a:off x="729450" y="726744"/>
+            <a:ext cx="7688700" cy="1034400"/>
+          </a:xfrm>
+        </p:spPr>
+        <p:txBody>
+          <a:bodyPr/>
+          <a:lstStyle/>
+          <a:p>
+            <a:pPr marL="146050" indent="0">
+              <a:buNone/>
+            </a:pPr>
+            <a:r>
+              <a:rPr kumimoji="0" lang="en-US" sz="2600" b="1" i="0" u="none" strike="noStrike" kern="0" cap="none" spc="0" normalizeH="0" baseline="0" noProof="0" dirty="0">
+                <a:ln>
+                  <a:noFill/>
+                </a:ln>
+                <a:solidFill>
+                  <a:srgbClr val="1A1A1A"/>
+                </a:solidFill>
+                <a:effectLst/>
+                <a:uLnTx/>
+                <a:uFillTx/>
+                <a:latin typeface="Raleway"/>
+                <a:sym typeface="Raleway"/>
+              </a:rPr>
+              <a:t>Exploratory Data Analysis</a:t>
+            </a:r>
+          </a:p>
+          <a:p>
+            <a:pPr marL="146050" indent="0">
+              <a:buNone/>
+            </a:pPr>
+            <a:r>
+              <a:rPr lang="en-US" dirty="0">
+                <a:solidFill>
+                  <a:schemeClr val="bg1">
+                    <a:lumMod val="65000"/>
+                  </a:schemeClr>
+                </a:solidFill>
+              </a:rPr>
               <a:t>Correlation Plot and Heatmap </a:t>
             </a:r>
           </a:p>
@@ -15838,7 +16971,7 @@
 </p:sld>
 </file>
 
-<file path=ppt/slides/slide14.xml><?xml version="1.0" encoding="utf-8"?>
+<file path=ppt/slides/slide15.xml><?xml version="1.0" encoding="utf-8"?>
 <p:sld xmlns:a="http://schemas.openxmlformats.org/drawingml/2006/main" xmlns:r="http://schemas.openxmlformats.org/officeDocument/2006/relationships" xmlns:p="http://schemas.openxmlformats.org/presentationml/2006/main">
   <p:cSld>
     <p:spTree>
@@ -15934,8 +17067,8 @@
         </p:nvSpPr>
         <p:spPr>
           <a:xfrm>
-            <a:off x="348345" y="4287845"/>
-            <a:ext cx="4089432" cy="855655"/>
+            <a:off x="5907667" y="1708010"/>
+            <a:ext cx="3021540" cy="1034400"/>
           </a:xfrm>
           <a:prstGeom prst="rect">
             <a:avLst/>
@@ -16197,13 +17330,30 @@
             </a:lvl9pPr>
           </a:lstStyle>
           <a:p>
-            <a:pPr marL="146050" indent="0">
-              <a:buNone/>
-            </a:pPr>
             <a:r>
               <a:rPr lang="en-US" dirty="0"/>
               <a:t>Loess plot suggests Age could be expected to be part of the model, however, it was not significant in the models</a:t>
             </a:r>
+          </a:p>
+          <a:p>
+            <a:r>
+              <a:rPr lang="en-US" dirty="0"/>
+              <a:t>Loess plot suggests </a:t>
+            </a:r>
+            <a:r>
+              <a:rPr lang="en-US" dirty="0" err="1"/>
+              <a:t>Pdays</a:t>
+            </a:r>
+            <a:r>
+              <a:rPr lang="en-US" dirty="0"/>
+              <a:t> us expected to be part of the model, showing a linear relationship exists</a:t>
+            </a:r>
+          </a:p>
+          <a:p>
+            <a:pPr marL="146050" indent="0">
+              <a:buNone/>
+            </a:pPr>
+            <a:endParaRPr lang="en-US" dirty="0"/>
           </a:p>
         </p:txBody>
       </p:sp>
@@ -16229,8 +17379,8 @@
         </p:blipFill>
         <p:spPr>
           <a:xfrm>
-            <a:off x="214793" y="1663294"/>
-            <a:ext cx="4357207" cy="2689019"/>
+            <a:off x="214793" y="1663295"/>
+            <a:ext cx="2606223" cy="1608412"/>
           </a:xfrm>
           <a:prstGeom prst="rect">
             <a:avLst/>
@@ -16259,8 +17409,8 @@
         </p:blipFill>
         <p:spPr>
           <a:xfrm>
-            <a:off x="4706224" y="1721402"/>
-            <a:ext cx="4222983" cy="2606184"/>
+            <a:off x="214792" y="3271707"/>
+            <a:ext cx="2606223" cy="1608412"/>
           </a:xfrm>
           <a:prstGeom prst="rect">
             <a:avLst/>
@@ -16283,8 +17433,8 @@
         </p:nvSpPr>
         <p:spPr>
           <a:xfrm>
-            <a:off x="4839775" y="4287844"/>
-            <a:ext cx="4089432" cy="855655"/>
+            <a:off x="2821015" y="3322784"/>
+            <a:ext cx="2133600" cy="850172"/>
           </a:xfrm>
           <a:prstGeom prst="rect">
             <a:avLst/>
@@ -16549,29 +17699,40 @@
             <a:pPr marL="146050" indent="0">
               <a:buNone/>
             </a:pPr>
-            <a:r>
-              <a:rPr lang="en-US" dirty="0"/>
-              <a:t>Loess plot suggests </a:t>
-            </a:r>
-            <a:r>
-              <a:rPr lang="en-US" dirty="0" err="1"/>
-              <a:t>Pdays</a:t>
-            </a:r>
-            <a:r>
-              <a:rPr lang="en-US" dirty="0"/>
-              <a:t> us expected to be part of the model, showing a linear relationship exists between </a:t>
-            </a:r>
-            <a:r>
-              <a:rPr lang="en-US" dirty="0" err="1"/>
-              <a:t>Pdays</a:t>
-            </a:r>
-            <a:r>
-              <a:rPr lang="en-US" dirty="0"/>
-              <a:t> and Subscription</a:t>
-            </a:r>
+            <a:endParaRPr lang="en-US" dirty="0"/>
           </a:p>
         </p:txBody>
       </p:sp>
+      <p:pic>
+        <p:nvPicPr>
+          <p:cNvPr id="5" name="Picture 4">
+            <a:extLst>
+              <a:ext uri="{FF2B5EF4-FFF2-40B4-BE49-F238E27FC236}">
+                <a16:creationId xmlns:a16="http://schemas.microsoft.com/office/drawing/2014/main" id="{5668D02C-C584-F075-19AC-D6F7339EB78E}"/>
+              </a:ext>
+            </a:extLst>
+          </p:cNvPr>
+          <p:cNvPicPr>
+            <a:picLocks noChangeAspect="1"/>
+          </p:cNvPicPr>
+          <p:nvPr/>
+        </p:nvPicPr>
+        <p:blipFill>
+          <a:blip r:embed="rId6"/>
+          <a:stretch>
+            <a:fillRect/>
+          </a:stretch>
+        </p:blipFill>
+        <p:spPr>
+          <a:xfrm>
+            <a:off x="2950014" y="2225210"/>
+            <a:ext cx="2793819" cy="1724185"/>
+          </a:xfrm>
+          <a:prstGeom prst="rect">
+            <a:avLst/>
+          </a:prstGeom>
+        </p:spPr>
+      </p:pic>
     </p:spTree>
     <p:custDataLst>
       <p:tags r:id="rId1"/>
@@ -16588,7 +17749,7 @@
 </p:sld>
 </file>
 
-<file path=ppt/slides/slide15.xml><?xml version="1.0" encoding="utf-8"?>
+<file path=ppt/slides/slide16.xml><?xml version="1.0" encoding="utf-8"?>
 <p:sld xmlns:a="http://schemas.openxmlformats.org/drawingml/2006/main" xmlns:r="http://schemas.openxmlformats.org/officeDocument/2006/relationships" xmlns:p="http://schemas.openxmlformats.org/presentationml/2006/main">
   <p:cSld>
     <p:spTree>
@@ -16646,7 +17807,7 @@
 </p:sld>
 </file>
 
-<file path=ppt/slides/slide16.xml><?xml version="1.0" encoding="utf-8"?>
+<file path=ppt/slides/slide17.xml><?xml version="1.0" encoding="utf-8"?>
 <p:sld xmlns:a="http://schemas.openxmlformats.org/drawingml/2006/main" xmlns:r="http://schemas.openxmlformats.org/officeDocument/2006/relationships" xmlns:p="http://schemas.openxmlformats.org/presentationml/2006/main">
   <p:cSld>
     <p:spTree>
@@ -17338,7 +18499,7 @@
 </p:sld>
 </file>
 
-<file path=ppt/slides/slide17.xml><?xml version="1.0" encoding="utf-8"?>
+<file path=ppt/slides/slide18.xml><?xml version="1.0" encoding="utf-8"?>
 <p:sld xmlns:a="http://schemas.openxmlformats.org/drawingml/2006/main" xmlns:r="http://schemas.openxmlformats.org/officeDocument/2006/relationships" xmlns:p="http://schemas.openxmlformats.org/presentationml/2006/main">
   <p:cSld>
     <p:spTree>
@@ -18115,7 +19276,7 @@
 </p:sld>
 </file>
 
-<file path=ppt/slides/slide18.xml><?xml version="1.0" encoding="utf-8"?>
+<file path=ppt/slides/slide19.xml><?xml version="1.0" encoding="utf-8"?>
 <p:sld xmlns:a="http://schemas.openxmlformats.org/drawingml/2006/main" xmlns:r="http://schemas.openxmlformats.org/officeDocument/2006/relationships" xmlns:p="http://schemas.openxmlformats.org/presentationml/2006/main">
   <p:cSld>
     <p:spTree>
@@ -18219,14 +19380,14 @@
           <p:nvPr>
             <p:extLst>
               <p:ext uri="{D42A27DB-BD31-4B8C-83A1-F6EECF244321}">
-                <p14:modId xmlns:p14="http://schemas.microsoft.com/office/powerpoint/2010/main" val="1525066425"/>
+                <p14:modId xmlns:p14="http://schemas.microsoft.com/office/powerpoint/2010/main" val="3397842689"/>
               </p:ext>
             </p:extLst>
           </p:nvPr>
         </p:nvGraphicFramePr>
         <p:xfrm>
           <a:off x="725850" y="1761144"/>
-          <a:ext cx="4064000" cy="2966720"/>
+          <a:ext cx="4064000" cy="3039083"/>
         </p:xfrm>
         <a:graphic>
           <a:graphicData uri="http://schemas.openxmlformats.org/drawingml/2006/table">
@@ -18448,7 +19609,7 @@
                   </a:ext>
                 </a:extLst>
               </a:tr>
-              <a:tr h="370840">
+              <a:tr h="443203">
                 <a:tc>
                   <a:txBody>
                     <a:bodyPr/>
@@ -18564,7 +19725,378 @@
 </p:sld>
 </file>
 
-<file path=ppt/slides/slide19.xml><?xml version="1.0" encoding="utf-8"?>
+<file path=ppt/slides/slide2.xml><?xml version="1.0" encoding="utf-8"?>
+<p:sld xmlns:a="http://schemas.openxmlformats.org/drawingml/2006/main" xmlns:r="http://schemas.openxmlformats.org/officeDocument/2006/relationships" xmlns:p="http://schemas.openxmlformats.org/presentationml/2006/main">
+  <p:cSld>
+    <p:bg>
+      <p:bgPr>
+        <a:solidFill>
+          <a:schemeClr val="dk1"/>
+        </a:solidFill>
+        <a:effectLst/>
+      </p:bgPr>
+    </p:bg>
+    <p:spTree>
+      <p:nvGrpSpPr>
+        <p:cNvPr id="1" name="Shape 181"/>
+        <p:cNvGrpSpPr/>
+        <p:nvPr/>
+      </p:nvGrpSpPr>
+      <p:grpSpPr>
+        <a:xfrm>
+          <a:off x="0" y="0"/>
+          <a:ext cx="0" cy="0"/>
+          <a:chOff x="0" y="0"/>
+          <a:chExt cx="0" cy="0"/>
+        </a:xfrm>
+      </p:grpSpPr>
+      <p:sp>
+        <p:nvSpPr>
+          <p:cNvPr id="182" name="Google Shape;182;p19"/>
+          <p:cNvSpPr txBox="1">
+            <a:spLocks noGrp="1"/>
+          </p:cNvSpPr>
+          <p:nvPr>
+            <p:ph type="title"/>
+          </p:nvPr>
+        </p:nvSpPr>
+        <p:spPr>
+          <a:xfrm>
+            <a:off x="1308150" y="1318650"/>
+            <a:ext cx="7110000" cy="535200"/>
+          </a:xfrm>
+          <a:prstGeom prst="rect">
+            <a:avLst/>
+          </a:prstGeom>
+        </p:spPr>
+        <p:txBody>
+          <a:bodyPr spcFirstLastPara="1" wrap="square" lIns="91425" tIns="91425" rIns="91425" bIns="91425" anchor="t" anchorCtr="0">
+            <a:noAutofit/>
+          </a:bodyPr>
+          <a:lstStyle/>
+          <a:p>
+            <a:pPr marL="0" lvl="0" indent="0" algn="l" rtl="0">
+              <a:spcBef>
+                <a:spcPts val="0"/>
+              </a:spcBef>
+              <a:spcAft>
+                <a:spcPts val="0"/>
+              </a:spcAft>
+              <a:buNone/>
+            </a:pPr>
+            <a:r>
+              <a:rPr lang="en-GB"/>
+              <a:t>TOC</a:t>
+            </a:r>
+            <a:endParaRPr/>
+          </a:p>
+        </p:txBody>
+      </p:sp>
+      <p:sp>
+        <p:nvSpPr>
+          <p:cNvPr id="183" name="Google Shape;183;p19"/>
+          <p:cNvSpPr txBox="1"/>
+          <p:nvPr/>
+        </p:nvSpPr>
+        <p:spPr>
+          <a:xfrm>
+            <a:off x="1293836" y="2303219"/>
+            <a:ext cx="3200400" cy="640080"/>
+          </a:xfrm>
+          <a:prstGeom prst="rect">
+            <a:avLst/>
+          </a:prstGeom>
+          <a:noFill/>
+          <a:ln>
+            <a:noFill/>
+          </a:ln>
+        </p:spPr>
+        <p:txBody>
+          <a:bodyPr spcFirstLastPara="1" wrap="square" lIns="91425" tIns="91425" rIns="91425" bIns="91425" anchor="ctr" anchorCtr="0">
+            <a:noAutofit/>
+          </a:bodyPr>
+          <a:lstStyle/>
+          <a:p>
+            <a:pPr marL="0" lvl="0" indent="0" algn="l" rtl="0">
+              <a:spcBef>
+                <a:spcPts val="0"/>
+              </a:spcBef>
+              <a:spcAft>
+                <a:spcPts val="0"/>
+              </a:spcAft>
+              <a:buNone/>
+            </a:pPr>
+            <a:r>
+              <a:rPr lang="en-GB" sz="1600" dirty="0">
+                <a:solidFill>
+                  <a:srgbClr val="FFFFFF"/>
+                </a:solidFill>
+                <a:uFill>
+                  <a:noFill/>
+                </a:uFill>
+                <a:latin typeface="Raleway"/>
+                <a:ea typeface="Raleway"/>
+                <a:cs typeface="Raleway"/>
+                <a:sym typeface="Raleway"/>
+              </a:rPr>
+              <a:t>Introduction</a:t>
+            </a:r>
+            <a:endParaRPr sz="1600" dirty="0">
+              <a:solidFill>
+                <a:srgbClr val="FFFFFF"/>
+              </a:solidFill>
+              <a:latin typeface="Raleway"/>
+              <a:ea typeface="Raleway"/>
+              <a:cs typeface="Raleway"/>
+              <a:sym typeface="Raleway"/>
+            </a:endParaRPr>
+          </a:p>
+        </p:txBody>
+      </p:sp>
+      <p:sp>
+        <p:nvSpPr>
+          <p:cNvPr id="185" name="Google Shape;185;p19"/>
+          <p:cNvSpPr txBox="1"/>
+          <p:nvPr/>
+        </p:nvSpPr>
+        <p:spPr>
+          <a:xfrm>
+            <a:off x="1308150" y="2628719"/>
+            <a:ext cx="3200400" cy="640080"/>
+          </a:xfrm>
+          <a:prstGeom prst="rect">
+            <a:avLst/>
+          </a:prstGeom>
+          <a:noFill/>
+          <a:ln>
+            <a:noFill/>
+          </a:ln>
+        </p:spPr>
+        <p:txBody>
+          <a:bodyPr spcFirstLastPara="1" wrap="square" lIns="91425" tIns="91425" rIns="91425" bIns="91425" anchor="ctr" anchorCtr="0">
+            <a:noAutofit/>
+          </a:bodyPr>
+          <a:lstStyle/>
+          <a:p>
+            <a:pPr marL="0" lvl="0" indent="0" algn="l" rtl="0">
+              <a:spcBef>
+                <a:spcPts val="0"/>
+              </a:spcBef>
+              <a:spcAft>
+                <a:spcPts val="0"/>
+              </a:spcAft>
+              <a:buNone/>
+            </a:pPr>
+            <a:r>
+              <a:rPr lang="en-US" sz="1600" dirty="0">
+                <a:solidFill>
+                  <a:srgbClr val="FFFFFF"/>
+                </a:solidFill>
+                <a:latin typeface="Raleway"/>
+                <a:ea typeface="Raleway"/>
+                <a:cs typeface="Raleway"/>
+                <a:sym typeface="Raleway"/>
+              </a:rPr>
+              <a:t>Exploratory Data Analysis (EDA)</a:t>
+            </a:r>
+            <a:endParaRPr sz="1600" dirty="0">
+              <a:solidFill>
+                <a:srgbClr val="FFFFFF"/>
+              </a:solidFill>
+              <a:latin typeface="Raleway"/>
+              <a:ea typeface="Raleway"/>
+              <a:cs typeface="Raleway"/>
+              <a:sym typeface="Raleway"/>
+            </a:endParaRPr>
+          </a:p>
+        </p:txBody>
+      </p:sp>
+      <p:sp>
+        <p:nvSpPr>
+          <p:cNvPr id="186" name="Google Shape;186;p19"/>
+          <p:cNvSpPr txBox="1"/>
+          <p:nvPr/>
+        </p:nvSpPr>
+        <p:spPr>
+          <a:xfrm>
+            <a:off x="1293836" y="2954219"/>
+            <a:ext cx="3200400" cy="640080"/>
+          </a:xfrm>
+          <a:prstGeom prst="rect">
+            <a:avLst/>
+          </a:prstGeom>
+          <a:noFill/>
+          <a:ln>
+            <a:noFill/>
+          </a:ln>
+        </p:spPr>
+        <p:txBody>
+          <a:bodyPr spcFirstLastPara="1" wrap="square" lIns="91425" tIns="91425" rIns="91425" bIns="91425" anchor="ctr" anchorCtr="0">
+            <a:noAutofit/>
+          </a:bodyPr>
+          <a:lstStyle/>
+          <a:p>
+            <a:pPr marL="0" lvl="0" indent="0" algn="l" rtl="0">
+              <a:spcBef>
+                <a:spcPts val="0"/>
+              </a:spcBef>
+              <a:spcAft>
+                <a:spcPts val="0"/>
+              </a:spcAft>
+              <a:buNone/>
+            </a:pPr>
+            <a:r>
+              <a:rPr lang="en-GB" sz="1600" dirty="0">
+                <a:solidFill>
+                  <a:srgbClr val="FFFFFF"/>
+                </a:solidFill>
+                <a:uFill>
+                  <a:noFill/>
+                </a:uFill>
+                <a:latin typeface="Raleway"/>
+                <a:ea typeface="Raleway"/>
+                <a:cs typeface="Raleway"/>
+                <a:sym typeface="Raleway"/>
+              </a:rPr>
+              <a:t>Objective 1 Results</a:t>
+            </a:r>
+            <a:endParaRPr sz="1600" dirty="0">
+              <a:solidFill>
+                <a:srgbClr val="FFFFFF"/>
+              </a:solidFill>
+              <a:latin typeface="Raleway"/>
+              <a:ea typeface="Raleway"/>
+              <a:cs typeface="Raleway"/>
+              <a:sym typeface="Raleway"/>
+            </a:endParaRPr>
+          </a:p>
+        </p:txBody>
+      </p:sp>
+      <p:sp>
+        <p:nvSpPr>
+          <p:cNvPr id="2" name="Google Shape;186;p19">
+            <a:extLst>
+              <a:ext uri="{FF2B5EF4-FFF2-40B4-BE49-F238E27FC236}">
+                <a16:creationId xmlns:a16="http://schemas.microsoft.com/office/drawing/2014/main" id="{125EAB59-E379-1C72-48C4-2ADA045C9068}"/>
+              </a:ext>
+            </a:extLst>
+          </p:cNvPr>
+          <p:cNvSpPr txBox="1"/>
+          <p:nvPr/>
+        </p:nvSpPr>
+        <p:spPr>
+          <a:xfrm>
+            <a:off x="1308151" y="3279719"/>
+            <a:ext cx="2960109" cy="640080"/>
+          </a:xfrm>
+          <a:prstGeom prst="rect">
+            <a:avLst/>
+          </a:prstGeom>
+          <a:noFill/>
+          <a:ln>
+            <a:noFill/>
+          </a:ln>
+        </p:spPr>
+        <p:txBody>
+          <a:bodyPr spcFirstLastPara="1" wrap="square" lIns="91425" tIns="91425" rIns="91425" bIns="91425" anchor="ctr" anchorCtr="0">
+            <a:noAutofit/>
+          </a:bodyPr>
+          <a:lstStyle/>
+          <a:p>
+            <a:pPr marL="0" lvl="0" indent="0" algn="l" rtl="0">
+              <a:spcBef>
+                <a:spcPts val="0"/>
+              </a:spcBef>
+              <a:spcAft>
+                <a:spcPts val="0"/>
+              </a:spcAft>
+              <a:buNone/>
+            </a:pPr>
+            <a:r>
+              <a:rPr lang="en-GB" sz="1600" dirty="0">
+                <a:solidFill>
+                  <a:srgbClr val="FFFFFF"/>
+                </a:solidFill>
+                <a:uFill>
+                  <a:noFill/>
+                </a:uFill>
+                <a:latin typeface="Raleway"/>
+                <a:ea typeface="Raleway"/>
+                <a:cs typeface="Raleway"/>
+                <a:sym typeface="Raleway"/>
+              </a:rPr>
+              <a:t>Objective 2 Results</a:t>
+            </a:r>
+          </a:p>
+        </p:txBody>
+      </p:sp>
+      <p:sp>
+        <p:nvSpPr>
+          <p:cNvPr id="3" name="Google Shape;186;p19">
+            <a:extLst>
+              <a:ext uri="{FF2B5EF4-FFF2-40B4-BE49-F238E27FC236}">
+                <a16:creationId xmlns:a16="http://schemas.microsoft.com/office/drawing/2014/main" id="{F0367B07-B0C9-4D17-D091-E541CF5DFA2F}"/>
+              </a:ext>
+            </a:extLst>
+          </p:cNvPr>
+          <p:cNvSpPr txBox="1"/>
+          <p:nvPr/>
+        </p:nvSpPr>
+        <p:spPr>
+          <a:xfrm>
+            <a:off x="1283965" y="3605219"/>
+            <a:ext cx="2960109" cy="640080"/>
+          </a:xfrm>
+          <a:prstGeom prst="rect">
+            <a:avLst/>
+          </a:prstGeom>
+          <a:noFill/>
+          <a:ln>
+            <a:noFill/>
+          </a:ln>
+        </p:spPr>
+        <p:txBody>
+          <a:bodyPr spcFirstLastPara="1" wrap="square" lIns="91425" tIns="91425" rIns="91425" bIns="91425" anchor="ctr" anchorCtr="0">
+            <a:noAutofit/>
+          </a:bodyPr>
+          <a:lstStyle/>
+          <a:p>
+            <a:pPr marL="0" lvl="0" indent="0" algn="l" rtl="0">
+              <a:spcBef>
+                <a:spcPts val="0"/>
+              </a:spcBef>
+              <a:spcAft>
+                <a:spcPts val="0"/>
+              </a:spcAft>
+              <a:buNone/>
+            </a:pPr>
+            <a:r>
+              <a:rPr lang="en-GB" sz="1600" dirty="0">
+                <a:solidFill>
+                  <a:srgbClr val="FFFFFF"/>
+                </a:solidFill>
+                <a:uFill>
+                  <a:noFill/>
+                </a:uFill>
+                <a:latin typeface="Raleway"/>
+                <a:ea typeface="Raleway"/>
+                <a:cs typeface="Raleway"/>
+                <a:sym typeface="Raleway"/>
+              </a:rPr>
+              <a:t>Concluding Remarks</a:t>
+            </a:r>
+          </a:p>
+        </p:txBody>
+      </p:sp>
+    </p:spTree>
+  </p:cSld>
+  <p:clrMapOvr>
+    <a:masterClrMapping/>
+  </p:clrMapOvr>
+</p:sld>
+</file>
+
+<file path=ppt/slides/slide20.xml><?xml version="1.0" encoding="utf-8"?>
 <p:sld xmlns:a="http://schemas.openxmlformats.org/drawingml/2006/main" xmlns:r="http://schemas.openxmlformats.org/officeDocument/2006/relationships" xmlns:p="http://schemas.openxmlformats.org/presentationml/2006/main">
   <p:cSld>
     <p:spTree>
@@ -19061,378 +20593,7 @@
 </p:sld>
 </file>
 
-<file path=ppt/slides/slide2.xml><?xml version="1.0" encoding="utf-8"?>
-<p:sld xmlns:a="http://schemas.openxmlformats.org/drawingml/2006/main" xmlns:r="http://schemas.openxmlformats.org/officeDocument/2006/relationships" xmlns:p="http://schemas.openxmlformats.org/presentationml/2006/main">
-  <p:cSld>
-    <p:bg>
-      <p:bgPr>
-        <a:solidFill>
-          <a:schemeClr val="dk1"/>
-        </a:solidFill>
-        <a:effectLst/>
-      </p:bgPr>
-    </p:bg>
-    <p:spTree>
-      <p:nvGrpSpPr>
-        <p:cNvPr id="1" name="Shape 181"/>
-        <p:cNvGrpSpPr/>
-        <p:nvPr/>
-      </p:nvGrpSpPr>
-      <p:grpSpPr>
-        <a:xfrm>
-          <a:off x="0" y="0"/>
-          <a:ext cx="0" cy="0"/>
-          <a:chOff x="0" y="0"/>
-          <a:chExt cx="0" cy="0"/>
-        </a:xfrm>
-      </p:grpSpPr>
-      <p:sp>
-        <p:nvSpPr>
-          <p:cNvPr id="182" name="Google Shape;182;p19"/>
-          <p:cNvSpPr txBox="1">
-            <a:spLocks noGrp="1"/>
-          </p:cNvSpPr>
-          <p:nvPr>
-            <p:ph type="title"/>
-          </p:nvPr>
-        </p:nvSpPr>
-        <p:spPr>
-          <a:xfrm>
-            <a:off x="1308150" y="1318650"/>
-            <a:ext cx="7110000" cy="535200"/>
-          </a:xfrm>
-          <a:prstGeom prst="rect">
-            <a:avLst/>
-          </a:prstGeom>
-        </p:spPr>
-        <p:txBody>
-          <a:bodyPr spcFirstLastPara="1" wrap="square" lIns="91425" tIns="91425" rIns="91425" bIns="91425" anchor="t" anchorCtr="0">
-            <a:noAutofit/>
-          </a:bodyPr>
-          <a:lstStyle/>
-          <a:p>
-            <a:pPr marL="0" lvl="0" indent="0" algn="l" rtl="0">
-              <a:spcBef>
-                <a:spcPts val="0"/>
-              </a:spcBef>
-              <a:spcAft>
-                <a:spcPts val="0"/>
-              </a:spcAft>
-              <a:buNone/>
-            </a:pPr>
-            <a:r>
-              <a:rPr lang="en-GB"/>
-              <a:t>TOC</a:t>
-            </a:r>
-            <a:endParaRPr/>
-          </a:p>
-        </p:txBody>
-      </p:sp>
-      <p:sp>
-        <p:nvSpPr>
-          <p:cNvPr id="183" name="Google Shape;183;p19"/>
-          <p:cNvSpPr txBox="1"/>
-          <p:nvPr/>
-        </p:nvSpPr>
-        <p:spPr>
-          <a:xfrm>
-            <a:off x="1293836" y="2303219"/>
-            <a:ext cx="3200400" cy="640080"/>
-          </a:xfrm>
-          <a:prstGeom prst="rect">
-            <a:avLst/>
-          </a:prstGeom>
-          <a:noFill/>
-          <a:ln>
-            <a:noFill/>
-          </a:ln>
-        </p:spPr>
-        <p:txBody>
-          <a:bodyPr spcFirstLastPara="1" wrap="square" lIns="91425" tIns="91425" rIns="91425" bIns="91425" anchor="ctr" anchorCtr="0">
-            <a:noAutofit/>
-          </a:bodyPr>
-          <a:lstStyle/>
-          <a:p>
-            <a:pPr marL="0" lvl="0" indent="0" algn="l" rtl="0">
-              <a:spcBef>
-                <a:spcPts val="0"/>
-              </a:spcBef>
-              <a:spcAft>
-                <a:spcPts val="0"/>
-              </a:spcAft>
-              <a:buNone/>
-            </a:pPr>
-            <a:r>
-              <a:rPr lang="en-GB" sz="1600" dirty="0">
-                <a:solidFill>
-                  <a:srgbClr val="FFFFFF"/>
-                </a:solidFill>
-                <a:uFill>
-                  <a:noFill/>
-                </a:uFill>
-                <a:latin typeface="Raleway"/>
-                <a:ea typeface="Raleway"/>
-                <a:cs typeface="Raleway"/>
-                <a:sym typeface="Raleway"/>
-              </a:rPr>
-              <a:t>Introduction</a:t>
-            </a:r>
-            <a:endParaRPr sz="1600" dirty="0">
-              <a:solidFill>
-                <a:srgbClr val="FFFFFF"/>
-              </a:solidFill>
-              <a:latin typeface="Raleway"/>
-              <a:ea typeface="Raleway"/>
-              <a:cs typeface="Raleway"/>
-              <a:sym typeface="Raleway"/>
-            </a:endParaRPr>
-          </a:p>
-        </p:txBody>
-      </p:sp>
-      <p:sp>
-        <p:nvSpPr>
-          <p:cNvPr id="185" name="Google Shape;185;p19"/>
-          <p:cNvSpPr txBox="1"/>
-          <p:nvPr/>
-        </p:nvSpPr>
-        <p:spPr>
-          <a:xfrm>
-            <a:off x="1308150" y="2628719"/>
-            <a:ext cx="3200400" cy="640080"/>
-          </a:xfrm>
-          <a:prstGeom prst="rect">
-            <a:avLst/>
-          </a:prstGeom>
-          <a:noFill/>
-          <a:ln>
-            <a:noFill/>
-          </a:ln>
-        </p:spPr>
-        <p:txBody>
-          <a:bodyPr spcFirstLastPara="1" wrap="square" lIns="91425" tIns="91425" rIns="91425" bIns="91425" anchor="ctr" anchorCtr="0">
-            <a:noAutofit/>
-          </a:bodyPr>
-          <a:lstStyle/>
-          <a:p>
-            <a:pPr marL="0" lvl="0" indent="0" algn="l" rtl="0">
-              <a:spcBef>
-                <a:spcPts val="0"/>
-              </a:spcBef>
-              <a:spcAft>
-                <a:spcPts val="0"/>
-              </a:spcAft>
-              <a:buNone/>
-            </a:pPr>
-            <a:r>
-              <a:rPr lang="en-US" sz="1600" dirty="0">
-                <a:solidFill>
-                  <a:srgbClr val="FFFFFF"/>
-                </a:solidFill>
-                <a:latin typeface="Raleway"/>
-                <a:ea typeface="Raleway"/>
-                <a:cs typeface="Raleway"/>
-                <a:sym typeface="Raleway"/>
-              </a:rPr>
-              <a:t>Exploratory Data Analysis (EDA)</a:t>
-            </a:r>
-            <a:endParaRPr sz="1600" dirty="0">
-              <a:solidFill>
-                <a:srgbClr val="FFFFFF"/>
-              </a:solidFill>
-              <a:latin typeface="Raleway"/>
-              <a:ea typeface="Raleway"/>
-              <a:cs typeface="Raleway"/>
-              <a:sym typeface="Raleway"/>
-            </a:endParaRPr>
-          </a:p>
-        </p:txBody>
-      </p:sp>
-      <p:sp>
-        <p:nvSpPr>
-          <p:cNvPr id="186" name="Google Shape;186;p19"/>
-          <p:cNvSpPr txBox="1"/>
-          <p:nvPr/>
-        </p:nvSpPr>
-        <p:spPr>
-          <a:xfrm>
-            <a:off x="1293836" y="2954219"/>
-            <a:ext cx="3200400" cy="640080"/>
-          </a:xfrm>
-          <a:prstGeom prst="rect">
-            <a:avLst/>
-          </a:prstGeom>
-          <a:noFill/>
-          <a:ln>
-            <a:noFill/>
-          </a:ln>
-        </p:spPr>
-        <p:txBody>
-          <a:bodyPr spcFirstLastPara="1" wrap="square" lIns="91425" tIns="91425" rIns="91425" bIns="91425" anchor="ctr" anchorCtr="0">
-            <a:noAutofit/>
-          </a:bodyPr>
-          <a:lstStyle/>
-          <a:p>
-            <a:pPr marL="0" lvl="0" indent="0" algn="l" rtl="0">
-              <a:spcBef>
-                <a:spcPts val="0"/>
-              </a:spcBef>
-              <a:spcAft>
-                <a:spcPts val="0"/>
-              </a:spcAft>
-              <a:buNone/>
-            </a:pPr>
-            <a:r>
-              <a:rPr lang="en-GB" sz="1600" dirty="0">
-                <a:solidFill>
-                  <a:srgbClr val="FFFFFF"/>
-                </a:solidFill>
-                <a:uFill>
-                  <a:noFill/>
-                </a:uFill>
-                <a:latin typeface="Raleway"/>
-                <a:ea typeface="Raleway"/>
-                <a:cs typeface="Raleway"/>
-                <a:sym typeface="Raleway"/>
-              </a:rPr>
-              <a:t>Objective 1 Results</a:t>
-            </a:r>
-            <a:endParaRPr sz="1600" dirty="0">
-              <a:solidFill>
-                <a:srgbClr val="FFFFFF"/>
-              </a:solidFill>
-              <a:latin typeface="Raleway"/>
-              <a:ea typeface="Raleway"/>
-              <a:cs typeface="Raleway"/>
-              <a:sym typeface="Raleway"/>
-            </a:endParaRPr>
-          </a:p>
-        </p:txBody>
-      </p:sp>
-      <p:sp>
-        <p:nvSpPr>
-          <p:cNvPr id="2" name="Google Shape;186;p19">
-            <a:extLst>
-              <a:ext uri="{FF2B5EF4-FFF2-40B4-BE49-F238E27FC236}">
-                <a16:creationId xmlns:a16="http://schemas.microsoft.com/office/drawing/2014/main" id="{125EAB59-E379-1C72-48C4-2ADA045C9068}"/>
-              </a:ext>
-            </a:extLst>
-          </p:cNvPr>
-          <p:cNvSpPr txBox="1"/>
-          <p:nvPr/>
-        </p:nvSpPr>
-        <p:spPr>
-          <a:xfrm>
-            <a:off x="1308151" y="3279719"/>
-            <a:ext cx="2960109" cy="640080"/>
-          </a:xfrm>
-          <a:prstGeom prst="rect">
-            <a:avLst/>
-          </a:prstGeom>
-          <a:noFill/>
-          <a:ln>
-            <a:noFill/>
-          </a:ln>
-        </p:spPr>
-        <p:txBody>
-          <a:bodyPr spcFirstLastPara="1" wrap="square" lIns="91425" tIns="91425" rIns="91425" bIns="91425" anchor="ctr" anchorCtr="0">
-            <a:noAutofit/>
-          </a:bodyPr>
-          <a:lstStyle/>
-          <a:p>
-            <a:pPr marL="0" lvl="0" indent="0" algn="l" rtl="0">
-              <a:spcBef>
-                <a:spcPts val="0"/>
-              </a:spcBef>
-              <a:spcAft>
-                <a:spcPts val="0"/>
-              </a:spcAft>
-              <a:buNone/>
-            </a:pPr>
-            <a:r>
-              <a:rPr lang="en-GB" sz="1600" dirty="0">
-                <a:solidFill>
-                  <a:srgbClr val="FFFFFF"/>
-                </a:solidFill>
-                <a:uFill>
-                  <a:noFill/>
-                </a:uFill>
-                <a:latin typeface="Raleway"/>
-                <a:ea typeface="Raleway"/>
-                <a:cs typeface="Raleway"/>
-                <a:sym typeface="Raleway"/>
-              </a:rPr>
-              <a:t>Objective 2 Results</a:t>
-            </a:r>
-          </a:p>
-        </p:txBody>
-      </p:sp>
-      <p:sp>
-        <p:nvSpPr>
-          <p:cNvPr id="3" name="Google Shape;186;p19">
-            <a:extLst>
-              <a:ext uri="{FF2B5EF4-FFF2-40B4-BE49-F238E27FC236}">
-                <a16:creationId xmlns:a16="http://schemas.microsoft.com/office/drawing/2014/main" id="{F0367B07-B0C9-4D17-D091-E541CF5DFA2F}"/>
-              </a:ext>
-            </a:extLst>
-          </p:cNvPr>
-          <p:cNvSpPr txBox="1"/>
-          <p:nvPr/>
-        </p:nvSpPr>
-        <p:spPr>
-          <a:xfrm>
-            <a:off x="1283965" y="3605219"/>
-            <a:ext cx="2960109" cy="640080"/>
-          </a:xfrm>
-          <a:prstGeom prst="rect">
-            <a:avLst/>
-          </a:prstGeom>
-          <a:noFill/>
-          <a:ln>
-            <a:noFill/>
-          </a:ln>
-        </p:spPr>
-        <p:txBody>
-          <a:bodyPr spcFirstLastPara="1" wrap="square" lIns="91425" tIns="91425" rIns="91425" bIns="91425" anchor="ctr" anchorCtr="0">
-            <a:noAutofit/>
-          </a:bodyPr>
-          <a:lstStyle/>
-          <a:p>
-            <a:pPr marL="0" lvl="0" indent="0" algn="l" rtl="0">
-              <a:spcBef>
-                <a:spcPts val="0"/>
-              </a:spcBef>
-              <a:spcAft>
-                <a:spcPts val="0"/>
-              </a:spcAft>
-              <a:buNone/>
-            </a:pPr>
-            <a:r>
-              <a:rPr lang="en-GB" sz="1600" dirty="0">
-                <a:solidFill>
-                  <a:srgbClr val="FFFFFF"/>
-                </a:solidFill>
-                <a:uFill>
-                  <a:noFill/>
-                </a:uFill>
-                <a:latin typeface="Raleway"/>
-                <a:ea typeface="Raleway"/>
-                <a:cs typeface="Raleway"/>
-                <a:sym typeface="Raleway"/>
-              </a:rPr>
-              <a:t>Concluding Remarks</a:t>
-            </a:r>
-          </a:p>
-        </p:txBody>
-      </p:sp>
-    </p:spTree>
-  </p:cSld>
-  <p:clrMapOvr>
-    <a:masterClrMapping/>
-  </p:clrMapOvr>
-</p:sld>
-</file>
-
-<file path=ppt/slides/slide20.xml><?xml version="1.0" encoding="utf-8"?>
+<file path=ppt/slides/slide21.xml><?xml version="1.0" encoding="utf-8"?>
 <p:sld xmlns:a="http://schemas.openxmlformats.org/drawingml/2006/main" xmlns:r="http://schemas.openxmlformats.org/officeDocument/2006/relationships" xmlns:p="http://schemas.openxmlformats.org/presentationml/2006/main">
   <p:cSld>
     <p:spTree>
@@ -19490,7 +20651,7 @@
 </p:sld>
 </file>
 
-<file path=ppt/slides/slide21.xml><?xml version="1.0" encoding="utf-8"?>
+<file path=ppt/slides/slide22.xml><?xml version="1.0" encoding="utf-8"?>
 <p:sld xmlns:a="http://schemas.openxmlformats.org/drawingml/2006/main" xmlns:r="http://schemas.openxmlformats.org/officeDocument/2006/relationships" xmlns:p="http://schemas.openxmlformats.org/presentationml/2006/main">
   <p:cSld>
     <p:spTree>
@@ -20140,15 +21301,7 @@
             <a:pPr algn="ctr"/>
             <a:r>
               <a:rPr lang="en-US" dirty="0"/>
-              <a:t>5. </a:t>
-            </a:r>
-            <a:r>
-              <a:rPr lang="en-US" dirty="0" err="1"/>
-              <a:t>eXtreme</a:t>
-            </a:r>
-            <a:r>
-              <a:rPr lang="en-US" dirty="0"/>
-              <a:t> Gradient Boosting Model </a:t>
+              <a:t>5. eXtreme Gradient Boosting Model </a:t>
             </a:r>
           </a:p>
           <a:p>
@@ -20443,7 +21596,7 @@
 </p:sld>
 </file>
 
-<file path=ppt/slides/slide22.xml><?xml version="1.0" encoding="utf-8"?>
+<file path=ppt/slides/slide23.xml><?xml version="1.0" encoding="utf-8"?>
 <p:sld xmlns:a="http://schemas.openxmlformats.org/drawingml/2006/main" xmlns:r="http://schemas.openxmlformats.org/officeDocument/2006/relationships" xmlns:p="http://schemas.openxmlformats.org/presentationml/2006/main">
   <p:cSld>
     <p:spTree>
@@ -20980,7 +22133,7 @@
 </p:sld>
 </file>
 
-<file path=ppt/slides/slide23.xml><?xml version="1.0" encoding="utf-8"?>
+<file path=ppt/slides/slide24.xml><?xml version="1.0" encoding="utf-8"?>
 <p:sld xmlns:a="http://schemas.openxmlformats.org/drawingml/2006/main" xmlns:r="http://schemas.openxmlformats.org/officeDocument/2006/relationships" xmlns:p="http://schemas.openxmlformats.org/presentationml/2006/main">
   <p:cSld>
     <p:spTree>
@@ -21517,7 +22670,7 @@
 </p:sld>
 </file>
 
-<file path=ppt/slides/slide24.xml><?xml version="1.0" encoding="utf-8"?>
+<file path=ppt/slides/slide25.xml><?xml version="1.0" encoding="utf-8"?>
 <p:sld xmlns:a="http://schemas.openxmlformats.org/drawingml/2006/main" xmlns:r="http://schemas.openxmlformats.org/officeDocument/2006/relationships" xmlns:p="http://schemas.openxmlformats.org/presentationml/2006/main">
   <p:cSld>
     <p:spTree>
@@ -22054,7 +23207,7 @@
 </p:sld>
 </file>
 
-<file path=ppt/slides/slide25.xml><?xml version="1.0" encoding="utf-8"?>
+<file path=ppt/slides/slide26.xml><?xml version="1.0" encoding="utf-8"?>
 <p:sld xmlns:a="http://schemas.openxmlformats.org/drawingml/2006/main" xmlns:r="http://schemas.openxmlformats.org/officeDocument/2006/relationships" xmlns:p="http://schemas.openxmlformats.org/presentationml/2006/main">
   <p:cSld>
     <p:spTree>
@@ -22166,14 +23319,14 @@
           <p:nvPr>
             <p:extLst>
               <p:ext uri="{D42A27DB-BD31-4B8C-83A1-F6EECF244321}">
-                <p14:modId xmlns:p14="http://schemas.microsoft.com/office/powerpoint/2010/main" val="2356804853"/>
+                <p14:modId xmlns:p14="http://schemas.microsoft.com/office/powerpoint/2010/main" val="2871109126"/>
               </p:ext>
             </p:extLst>
           </p:nvPr>
         </p:nvGraphicFramePr>
         <p:xfrm>
           <a:off x="725850" y="1761144"/>
-          <a:ext cx="4064000" cy="2966720"/>
+          <a:ext cx="4064000" cy="3337560"/>
         </p:xfrm>
         <a:graphic>
           <a:graphicData uri="http://schemas.openxmlformats.org/drawingml/2006/table">
@@ -22389,6 +23542,39 @@
                     <a:p>
                       <a:r>
                         <a:rPr lang="en-US" dirty="0"/>
+                        <a:t>Prevalence</a:t>
+                      </a:r>
+                    </a:p>
+                  </a:txBody>
+                  <a:tcPr/>
+                </a:tc>
+                <a:tc>
+                  <a:txBody>
+                    <a:bodyPr/>
+                    <a:lstStyle/>
+                    <a:p>
+                      <a:r>
+                        <a:rPr lang="en-US" dirty="0"/>
+                        <a:t>88%</a:t>
+                      </a:r>
+                    </a:p>
+                  </a:txBody>
+                  <a:tcPr/>
+                </a:tc>
+                <a:extLst>
+                  <a:ext uri="{0D108BD9-81ED-4DB2-BD59-A6C34878D82A}">
+                    <a16:rowId xmlns:a16="http://schemas.microsoft.com/office/drawing/2014/main" val="72159903"/>
+                  </a:ext>
+                </a:extLst>
+              </a:tr>
+              <a:tr h="370840">
+                <a:tc>
+                  <a:txBody>
+                    <a:bodyPr/>
+                    <a:lstStyle/>
+                    <a:p>
+                      <a:r>
+                        <a:rPr lang="en-US" dirty="0"/>
                         <a:t>PPV</a:t>
                       </a:r>
                     </a:p>
@@ -22466,7 +23652,10 @@
                     <a:bodyPr/>
                     <a:lstStyle/>
                     <a:p>
-                      <a:endParaRPr lang="en-US" dirty="0"/>
+                      <a:r>
+                        <a:rPr lang="en-US" dirty="0"/>
+                        <a:t>0.9149</a:t>
+                      </a:r>
                     </a:p>
                   </a:txBody>
                   <a:tcPr/>
@@ -22550,417 +23739,38 @@
           </a:p>
         </p:txBody>
       </p:sp>
-    </p:spTree>
-    <p:custDataLst>
-      <p:tags r:id="rId1"/>
-    </p:custDataLst>
-    <p:extLst>
-      <p:ext uri="{BB962C8B-B14F-4D97-AF65-F5344CB8AC3E}">
-        <p14:creationId xmlns:p14="http://schemas.microsoft.com/office/powerpoint/2010/main" val="2662757459"/>
-      </p:ext>
-    </p:extLst>
-  </p:cSld>
-  <p:clrMapOvr>
-    <a:masterClrMapping/>
-  </p:clrMapOvr>
-</p:sld>
-</file>
-
-<file path=ppt/slides/slide26.xml><?xml version="1.0" encoding="utf-8"?>
-<p:sld xmlns:a="http://schemas.openxmlformats.org/drawingml/2006/main" xmlns:r="http://schemas.openxmlformats.org/officeDocument/2006/relationships" xmlns:p="http://schemas.openxmlformats.org/presentationml/2006/main">
-  <p:cSld>
-    <p:spTree>
-      <p:nvGrpSpPr>
-        <p:cNvPr id="1" name=""/>
-        <p:cNvGrpSpPr/>
-        <p:nvPr/>
-      </p:nvGrpSpPr>
-      <p:grpSpPr>
-        <a:xfrm>
-          <a:off x="0" y="0"/>
-          <a:ext cx="0" cy="0"/>
-          <a:chOff x="0" y="0"/>
-          <a:chExt cx="0" cy="0"/>
-        </a:xfrm>
-      </p:grpSpPr>
       <p:sp>
         <p:nvSpPr>
-          <p:cNvPr id="2" name="Text Placeholder 1">
+          <p:cNvPr id="6" name="TextBox 5">
             <a:extLst>
               <a:ext uri="{FF2B5EF4-FFF2-40B4-BE49-F238E27FC236}">
-                <a16:creationId xmlns:a16="http://schemas.microsoft.com/office/drawing/2014/main" id="{8B170740-DB3F-076A-A2D2-9555F51D2D32}"/>
+                <a16:creationId xmlns:a16="http://schemas.microsoft.com/office/drawing/2014/main" id="{2922D83F-A0E3-B2B9-7DFB-4703C585A13D}"/>
               </a:ext>
             </a:extLst>
           </p:cNvPr>
-          <p:cNvSpPr>
-            <a:spLocks noGrp="1"/>
-          </p:cNvSpPr>
-          <p:nvPr>
-            <p:ph type="body" idx="1"/>
-          </p:nvPr>
-        </p:nvSpPr>
-        <p:spPr>
-          <a:xfrm>
-            <a:off x="729450" y="726744"/>
-            <a:ext cx="7688700" cy="1034400"/>
-          </a:xfrm>
-        </p:spPr>
-        <p:txBody>
-          <a:bodyPr/>
-          <a:lstStyle/>
-          <a:p>
-            <a:pPr marL="146050" indent="0">
-              <a:buNone/>
-            </a:pPr>
-            <a:r>
-              <a:rPr kumimoji="0" lang="en-US" sz="2600" b="1" i="0" u="none" strike="noStrike" kern="0" cap="none" spc="0" normalizeH="0" baseline="0" noProof="0" dirty="0">
-                <a:ln>
-                  <a:noFill/>
-                </a:ln>
-                <a:solidFill>
-                  <a:srgbClr val="1A1A1A"/>
-                </a:solidFill>
-                <a:effectLst/>
-                <a:uLnTx/>
-                <a:uFillTx/>
-                <a:latin typeface="Raleway"/>
-                <a:sym typeface="Raleway"/>
-              </a:rPr>
-              <a:t>Objective 2</a:t>
-            </a:r>
-          </a:p>
-          <a:p>
-            <a:pPr marL="146050" indent="0">
-              <a:buNone/>
-            </a:pPr>
-            <a:r>
-              <a:rPr lang="en-US" sz="1400" b="1" dirty="0">
-                <a:solidFill>
-                  <a:schemeClr val="bg1">
-                    <a:lumMod val="65000"/>
-                  </a:schemeClr>
-                </a:solidFill>
-                <a:latin typeface="Raleway"/>
-                <a:sym typeface="Raleway"/>
-              </a:rPr>
-              <a:t>2. LDA and QDA Models</a:t>
-            </a:r>
-          </a:p>
-          <a:p>
-            <a:pPr marL="146050" indent="0">
-              <a:buNone/>
-            </a:pPr>
-            <a:r>
-              <a:rPr lang="en-US" sz="1400" dirty="0">
-                <a:solidFill>
-                  <a:schemeClr val="bg1">
-                    <a:lumMod val="65000"/>
-                  </a:schemeClr>
-                </a:solidFill>
-              </a:rPr>
-              <a:t>    EDA</a:t>
-            </a:r>
-            <a:endParaRPr lang="en-US" sz="1400" b="1" dirty="0">
-              <a:solidFill>
-                <a:schemeClr val="bg1">
-                  <a:lumMod val="65000"/>
-                </a:schemeClr>
-              </a:solidFill>
-              <a:latin typeface="Raleway"/>
-              <a:sym typeface="Raleway"/>
-            </a:endParaRPr>
-          </a:p>
-        </p:txBody>
-      </p:sp>
-      <p:sp>
-        <p:nvSpPr>
-          <p:cNvPr id="5" name="Text Placeholder 2">
-            <a:extLst>
-              <a:ext uri="{FF2B5EF4-FFF2-40B4-BE49-F238E27FC236}">
-                <a16:creationId xmlns:a16="http://schemas.microsoft.com/office/drawing/2014/main" id="{80A4736F-1EF9-09F0-5145-9AB37B5FE409}"/>
-              </a:ext>
-            </a:extLst>
-          </p:cNvPr>
-          <p:cNvSpPr txBox="1">
-            <a:spLocks/>
-          </p:cNvSpPr>
+          <p:cNvSpPr txBox="1"/>
           <p:nvPr/>
         </p:nvSpPr>
         <p:spPr>
           <a:xfrm>
-            <a:off x="725850" y="1761143"/>
-            <a:ext cx="7688700" cy="1111264"/>
+            <a:off x="6467334" y="1997434"/>
+            <a:ext cx="1132513" cy="304800"/>
           </a:xfrm>
           <a:prstGeom prst="rect">
             <a:avLst/>
           </a:prstGeom>
           <a:noFill/>
-          <a:ln>
-            <a:noFill/>
-          </a:ln>
         </p:spPr>
         <p:txBody>
-          <a:bodyPr spcFirstLastPara="1" wrap="square" lIns="91425" tIns="91425" rIns="91425" bIns="91425" anchor="t" anchorCtr="0">
-            <a:noAutofit/>
+          <a:bodyPr wrap="square" rtlCol="0">
+            <a:spAutoFit/>
           </a:bodyPr>
-          <a:lstStyle>
-            <a:defPPr marR="0" lvl="0" algn="l" rtl="0">
-              <a:lnSpc>
-                <a:spcPct val="100000"/>
-              </a:lnSpc>
-              <a:spcBef>
-                <a:spcPts val="0"/>
-              </a:spcBef>
-              <a:spcAft>
-                <a:spcPts val="0"/>
-              </a:spcAft>
-            </a:defPPr>
-            <a:lvl1pPr marL="457200" marR="0" lvl="0" indent="-311150" algn="l" rtl="0">
-              <a:lnSpc>
-                <a:spcPct val="115000"/>
-              </a:lnSpc>
-              <a:spcBef>
-                <a:spcPts val="0"/>
-              </a:spcBef>
-              <a:spcAft>
-                <a:spcPts val="0"/>
-              </a:spcAft>
-              <a:buClr>
-                <a:schemeClr val="accent1"/>
-              </a:buClr>
-              <a:buSzPts val="1300"/>
-              <a:buFont typeface="Lato"/>
-              <a:buChar char="●"/>
-              <a:defRPr sz="1300" b="0" i="0" u="none" strike="noStrike" cap="none">
-                <a:solidFill>
-                  <a:schemeClr val="accent1"/>
-                </a:solidFill>
-                <a:latin typeface="Lato"/>
-                <a:ea typeface="Lato"/>
-                <a:cs typeface="Lato"/>
-                <a:sym typeface="Lato"/>
-              </a:defRPr>
-            </a:lvl1pPr>
-            <a:lvl2pPr marL="914400" marR="0" lvl="1" indent="-298450" algn="l" rtl="0">
-              <a:lnSpc>
-                <a:spcPct val="115000"/>
-              </a:lnSpc>
-              <a:spcBef>
-                <a:spcPts val="1600"/>
-              </a:spcBef>
-              <a:spcAft>
-                <a:spcPts val="0"/>
-              </a:spcAft>
-              <a:buClr>
-                <a:schemeClr val="accent1"/>
-              </a:buClr>
-              <a:buSzPts val="1100"/>
-              <a:buFont typeface="Lato"/>
-              <a:buChar char="○"/>
-              <a:defRPr sz="1100" b="0" i="0" u="none" strike="noStrike" cap="none">
-                <a:solidFill>
-                  <a:schemeClr val="accent1"/>
-                </a:solidFill>
-                <a:latin typeface="Lato"/>
-                <a:ea typeface="Lato"/>
-                <a:cs typeface="Lato"/>
-                <a:sym typeface="Lato"/>
-              </a:defRPr>
-            </a:lvl2pPr>
-            <a:lvl3pPr marL="1371600" marR="0" lvl="2" indent="-298450" algn="l" rtl="0">
-              <a:lnSpc>
-                <a:spcPct val="115000"/>
-              </a:lnSpc>
-              <a:spcBef>
-                <a:spcPts val="1600"/>
-              </a:spcBef>
-              <a:spcAft>
-                <a:spcPts val="0"/>
-              </a:spcAft>
-              <a:buClr>
-                <a:schemeClr val="accent1"/>
-              </a:buClr>
-              <a:buSzPts val="1100"/>
-              <a:buFont typeface="Lato"/>
-              <a:buChar char="■"/>
-              <a:defRPr sz="1100" b="0" i="0" u="none" strike="noStrike" cap="none">
-                <a:solidFill>
-                  <a:schemeClr val="accent1"/>
-                </a:solidFill>
-                <a:latin typeface="Lato"/>
-                <a:ea typeface="Lato"/>
-                <a:cs typeface="Lato"/>
-                <a:sym typeface="Lato"/>
-              </a:defRPr>
-            </a:lvl3pPr>
-            <a:lvl4pPr marL="1828800" marR="0" lvl="3" indent="-298450" algn="l" rtl="0">
-              <a:lnSpc>
-                <a:spcPct val="115000"/>
-              </a:lnSpc>
-              <a:spcBef>
-                <a:spcPts val="1600"/>
-              </a:spcBef>
-              <a:spcAft>
-                <a:spcPts val="0"/>
-              </a:spcAft>
-              <a:buClr>
-                <a:schemeClr val="accent1"/>
-              </a:buClr>
-              <a:buSzPts val="1100"/>
-              <a:buFont typeface="Lato"/>
-              <a:buChar char="●"/>
-              <a:defRPr sz="1100" b="0" i="0" u="none" strike="noStrike" cap="none">
-                <a:solidFill>
-                  <a:schemeClr val="accent1"/>
-                </a:solidFill>
-                <a:latin typeface="Lato"/>
-                <a:ea typeface="Lato"/>
-                <a:cs typeface="Lato"/>
-                <a:sym typeface="Lato"/>
-              </a:defRPr>
-            </a:lvl4pPr>
-            <a:lvl5pPr marL="2286000" marR="0" lvl="4" indent="-298450" algn="l" rtl="0">
-              <a:lnSpc>
-                <a:spcPct val="115000"/>
-              </a:lnSpc>
-              <a:spcBef>
-                <a:spcPts val="1600"/>
-              </a:spcBef>
-              <a:spcAft>
-                <a:spcPts val="0"/>
-              </a:spcAft>
-              <a:buClr>
-                <a:schemeClr val="accent1"/>
-              </a:buClr>
-              <a:buSzPts val="1100"/>
-              <a:buFont typeface="Lato"/>
-              <a:buChar char="○"/>
-              <a:defRPr sz="1100" b="0" i="0" u="none" strike="noStrike" cap="none">
-                <a:solidFill>
-                  <a:schemeClr val="accent1"/>
-                </a:solidFill>
-                <a:latin typeface="Lato"/>
-                <a:ea typeface="Lato"/>
-                <a:cs typeface="Lato"/>
-                <a:sym typeface="Lato"/>
-              </a:defRPr>
-            </a:lvl5pPr>
-            <a:lvl6pPr marL="2743200" marR="0" lvl="5" indent="-298450" algn="l" rtl="0">
-              <a:lnSpc>
-                <a:spcPct val="115000"/>
-              </a:lnSpc>
-              <a:spcBef>
-                <a:spcPts val="1600"/>
-              </a:spcBef>
-              <a:spcAft>
-                <a:spcPts val="0"/>
-              </a:spcAft>
-              <a:buClr>
-                <a:schemeClr val="accent1"/>
-              </a:buClr>
-              <a:buSzPts val="1100"/>
-              <a:buFont typeface="Lato"/>
-              <a:buChar char="■"/>
-              <a:defRPr sz="1100" b="0" i="0" u="none" strike="noStrike" cap="none">
-                <a:solidFill>
-                  <a:schemeClr val="accent1"/>
-                </a:solidFill>
-                <a:latin typeface="Lato"/>
-                <a:ea typeface="Lato"/>
-                <a:cs typeface="Lato"/>
-                <a:sym typeface="Lato"/>
-              </a:defRPr>
-            </a:lvl6pPr>
-            <a:lvl7pPr marL="3200400" marR="0" lvl="6" indent="-298450" algn="l" rtl="0">
-              <a:lnSpc>
-                <a:spcPct val="115000"/>
-              </a:lnSpc>
-              <a:spcBef>
-                <a:spcPts val="1600"/>
-              </a:spcBef>
-              <a:spcAft>
-                <a:spcPts val="0"/>
-              </a:spcAft>
-              <a:buClr>
-                <a:schemeClr val="accent1"/>
-              </a:buClr>
-              <a:buSzPts val="1100"/>
-              <a:buFont typeface="Lato"/>
-              <a:buChar char="●"/>
-              <a:defRPr sz="1100" b="0" i="0" u="none" strike="noStrike" cap="none">
-                <a:solidFill>
-                  <a:schemeClr val="accent1"/>
-                </a:solidFill>
-                <a:latin typeface="Lato"/>
-                <a:ea typeface="Lato"/>
-                <a:cs typeface="Lato"/>
-                <a:sym typeface="Lato"/>
-              </a:defRPr>
-            </a:lvl7pPr>
-            <a:lvl8pPr marL="3657600" marR="0" lvl="7" indent="-298450" algn="l" rtl="0">
-              <a:lnSpc>
-                <a:spcPct val="115000"/>
-              </a:lnSpc>
-              <a:spcBef>
-                <a:spcPts val="1600"/>
-              </a:spcBef>
-              <a:spcAft>
-                <a:spcPts val="0"/>
-              </a:spcAft>
-              <a:buClr>
-                <a:schemeClr val="accent1"/>
-              </a:buClr>
-              <a:buSzPts val="1100"/>
-              <a:buFont typeface="Lato"/>
-              <a:buChar char="○"/>
-              <a:defRPr sz="1100" b="0" i="0" u="none" strike="noStrike" cap="none">
-                <a:solidFill>
-                  <a:schemeClr val="accent1"/>
-                </a:solidFill>
-                <a:latin typeface="Lato"/>
-                <a:ea typeface="Lato"/>
-                <a:cs typeface="Lato"/>
-                <a:sym typeface="Lato"/>
-              </a:defRPr>
-            </a:lvl8pPr>
-            <a:lvl9pPr marL="4114800" marR="0" lvl="8" indent="-298450" algn="l" rtl="0">
-              <a:lnSpc>
-                <a:spcPct val="115000"/>
-              </a:lnSpc>
-              <a:spcBef>
-                <a:spcPts val="1600"/>
-              </a:spcBef>
-              <a:spcAft>
-                <a:spcPts val="1600"/>
-              </a:spcAft>
-              <a:buClr>
-                <a:schemeClr val="accent1"/>
-              </a:buClr>
-              <a:buSzPts val="1100"/>
-              <a:buFont typeface="Lato"/>
-              <a:buChar char="■"/>
-              <a:defRPr sz="1100" b="0" i="0" u="none" strike="noStrike" cap="none">
-                <a:solidFill>
-                  <a:schemeClr val="accent1"/>
-                </a:solidFill>
-                <a:latin typeface="Lato"/>
-                <a:ea typeface="Lato"/>
-                <a:cs typeface="Lato"/>
-                <a:sym typeface="Lato"/>
-              </a:defRPr>
-            </a:lvl9pPr>
-          </a:lstStyle>
+          <a:lstStyle/>
           <a:p>
-            <a:pPr marL="146050" indent="0">
-              <a:buNone/>
-            </a:pPr>
-            <a:endParaRPr lang="en-US" dirty="0"/>
-          </a:p>
-          <a:p>
-            <a:pPr marL="146050" indent="0">
-              <a:buNone/>
-            </a:pPr>
-            <a:endParaRPr lang="en-US" dirty="0"/>
+            <a:r>
+              <a:rPr lang="en-US" b="1" dirty="0"/>
+              <a:t>ROC Curve</a:t>
+            </a:r>
           </a:p>
         </p:txBody>
       </p:sp>
@@ -22970,7 +23780,7 @@
     </p:custDataLst>
     <p:extLst>
       <p:ext uri="{BB962C8B-B14F-4D97-AF65-F5344CB8AC3E}">
-        <p14:creationId xmlns:p14="http://schemas.microsoft.com/office/powerpoint/2010/main" val="2932630224"/>
+        <p14:creationId xmlns:p14="http://schemas.microsoft.com/office/powerpoint/2010/main" val="2662757459"/>
       </p:ext>
     </p:extLst>
   </p:cSld>
@@ -23092,7 +23902,7 @@
           <p:nvPr>
             <p:extLst>
               <p:ext uri="{D42A27DB-BD31-4B8C-83A1-F6EECF244321}">
-                <p14:modId xmlns:p14="http://schemas.microsoft.com/office/powerpoint/2010/main" val="802744540"/>
+                <p14:modId xmlns:p14="http://schemas.microsoft.com/office/powerpoint/2010/main" val="1610109968"/>
               </p:ext>
             </p:extLst>
           </p:nvPr>
@@ -23153,36 +23963,6 @@
                 <a:extLst>
                   <a:ext uri="{0D108BD9-81ED-4DB2-BD59-A6C34878D82A}">
                     <a16:rowId xmlns:a16="http://schemas.microsoft.com/office/drawing/2014/main" val="606250503"/>
-                  </a:ext>
-                </a:extLst>
-              </a:tr>
-              <a:tr h="370840">
-                <a:tc>
-                  <a:txBody>
-                    <a:bodyPr/>
-                    <a:lstStyle/>
-                    <a:p>
-                      <a:r>
-                        <a:rPr lang="en-US" dirty="0"/>
-                        <a:t>AIC</a:t>
-                      </a:r>
-                    </a:p>
-                  </a:txBody>
-                  <a:tcPr/>
-                </a:tc>
-                <a:tc>
-                  <a:txBody>
-                    <a:bodyPr/>
-                    <a:lstStyle/>
-                    <a:p>
-                      <a:endParaRPr lang="en-US" dirty="0"/>
-                    </a:p>
-                  </a:txBody>
-                  <a:tcPr/>
-                </a:tc>
-                <a:extLst>
-                  <a:ext uri="{0D108BD9-81ED-4DB2-BD59-A6C34878D82A}">
-                    <a16:rowId xmlns:a16="http://schemas.microsoft.com/office/drawing/2014/main" val="3146497599"/>
                   </a:ext>
                 </a:extLst>
               </a:tr>
@@ -23293,6 +24073,39 @@
                     <a:p>
                       <a:r>
                         <a:rPr lang="en-US" dirty="0"/>
+                        <a:t>Prevalence</a:t>
+                      </a:r>
+                    </a:p>
+                  </a:txBody>
+                  <a:tcPr/>
+                </a:tc>
+                <a:tc>
+                  <a:txBody>
+                    <a:bodyPr/>
+                    <a:lstStyle/>
+                    <a:p>
+                      <a:r>
+                        <a:rPr lang="en-US" dirty="0"/>
+                        <a:t>88%</a:t>
+                      </a:r>
+                    </a:p>
+                  </a:txBody>
+                  <a:tcPr/>
+                </a:tc>
+                <a:extLst>
+                  <a:ext uri="{0D108BD9-81ED-4DB2-BD59-A6C34878D82A}">
+                    <a16:rowId xmlns:a16="http://schemas.microsoft.com/office/drawing/2014/main" val="3281780633"/>
+                  </a:ext>
+                </a:extLst>
+              </a:tr>
+              <a:tr h="370840">
+                <a:tc>
+                  <a:txBody>
+                    <a:bodyPr/>
+                    <a:lstStyle/>
+                    <a:p>
+                      <a:r>
+                        <a:rPr lang="en-US" dirty="0"/>
                         <a:t>PPV</a:t>
                       </a:r>
                     </a:p>
@@ -23370,7 +24183,10 @@
                     <a:bodyPr/>
                     <a:lstStyle/>
                     <a:p>
-                      <a:endParaRPr lang="en-US" dirty="0"/>
+                      <a:r>
+                        <a:rPr lang="en-US" dirty="0"/>
+                        <a:t>0.9117</a:t>
+                      </a:r>
                     </a:p>
                   </a:txBody>
                   <a:tcPr/>
@@ -23415,6 +24231,41 @@
           </a:prstGeom>
         </p:spPr>
       </p:pic>
+      <p:sp>
+        <p:nvSpPr>
+          <p:cNvPr id="4" name="TextBox 3">
+            <a:extLst>
+              <a:ext uri="{FF2B5EF4-FFF2-40B4-BE49-F238E27FC236}">
+                <a16:creationId xmlns:a16="http://schemas.microsoft.com/office/drawing/2014/main" id="{4C0F0186-48F5-3B15-E63E-533E4DBF68E1}"/>
+              </a:ext>
+            </a:extLst>
+          </p:cNvPr>
+          <p:cNvSpPr txBox="1"/>
+          <p:nvPr/>
+        </p:nvSpPr>
+        <p:spPr>
+          <a:xfrm>
+            <a:off x="6291743" y="1761144"/>
+            <a:ext cx="1132513" cy="304800"/>
+          </a:xfrm>
+          <a:prstGeom prst="rect">
+            <a:avLst/>
+          </a:prstGeom>
+          <a:noFill/>
+        </p:spPr>
+        <p:txBody>
+          <a:bodyPr wrap="square" rtlCol="0">
+            <a:spAutoFit/>
+          </a:bodyPr>
+          <a:lstStyle/>
+          <a:p>
+            <a:r>
+              <a:rPr lang="en-US" b="1" dirty="0"/>
+              <a:t>ROC Curve</a:t>
+            </a:r>
+          </a:p>
+        </p:txBody>
+      </p:sp>
     </p:spTree>
     <p:custDataLst>
       <p:tags r:id="rId1"/>
@@ -23543,7 +24394,7 @@
           <p:nvPr>
             <p:extLst>
               <p:ext uri="{D42A27DB-BD31-4B8C-83A1-F6EECF244321}">
-                <p14:modId xmlns:p14="http://schemas.microsoft.com/office/powerpoint/2010/main" val="3700225681"/>
+                <p14:modId xmlns:p14="http://schemas.microsoft.com/office/powerpoint/2010/main" val="2914566121"/>
               </p:ext>
             </p:extLst>
           </p:nvPr>
@@ -23604,36 +24455,6 @@
                 <a:extLst>
                   <a:ext uri="{0D108BD9-81ED-4DB2-BD59-A6C34878D82A}">
                     <a16:rowId xmlns:a16="http://schemas.microsoft.com/office/drawing/2014/main" val="606250503"/>
-                  </a:ext>
-                </a:extLst>
-              </a:tr>
-              <a:tr h="370840">
-                <a:tc>
-                  <a:txBody>
-                    <a:bodyPr/>
-                    <a:lstStyle/>
-                    <a:p>
-                      <a:r>
-                        <a:rPr lang="en-US" dirty="0"/>
-                        <a:t>AIC</a:t>
-                      </a:r>
-                    </a:p>
-                  </a:txBody>
-                  <a:tcPr/>
-                </a:tc>
-                <a:tc>
-                  <a:txBody>
-                    <a:bodyPr/>
-                    <a:lstStyle/>
-                    <a:p>
-                      <a:endParaRPr lang="en-US" dirty="0"/>
-                    </a:p>
-                  </a:txBody>
-                  <a:tcPr/>
-                </a:tc>
-                <a:extLst>
-                  <a:ext uri="{0D108BD9-81ED-4DB2-BD59-A6C34878D82A}">
-                    <a16:rowId xmlns:a16="http://schemas.microsoft.com/office/drawing/2014/main" val="3146497599"/>
                   </a:ext>
                 </a:extLst>
               </a:tr>
@@ -23744,6 +24565,39 @@
                     <a:p>
                       <a:r>
                         <a:rPr lang="en-US" dirty="0"/>
+                        <a:t>Prevalence</a:t>
+                      </a:r>
+                    </a:p>
+                  </a:txBody>
+                  <a:tcPr/>
+                </a:tc>
+                <a:tc>
+                  <a:txBody>
+                    <a:bodyPr/>
+                    <a:lstStyle/>
+                    <a:p>
+                      <a:r>
+                        <a:rPr lang="en-US" dirty="0"/>
+                        <a:t>88%</a:t>
+                      </a:r>
+                    </a:p>
+                  </a:txBody>
+                  <a:tcPr/>
+                </a:tc>
+                <a:extLst>
+                  <a:ext uri="{0D108BD9-81ED-4DB2-BD59-A6C34878D82A}">
+                    <a16:rowId xmlns:a16="http://schemas.microsoft.com/office/drawing/2014/main" val="1543732116"/>
+                  </a:ext>
+                </a:extLst>
+              </a:tr>
+              <a:tr h="370840">
+                <a:tc>
+                  <a:txBody>
+                    <a:bodyPr/>
+                    <a:lstStyle/>
+                    <a:p>
+                      <a:r>
+                        <a:rPr lang="en-US" dirty="0"/>
                         <a:t>PPV</a:t>
                       </a:r>
                     </a:p>
@@ -23822,7 +24676,10 @@
                     <a:bodyPr/>
                     <a:lstStyle/>
                     <a:p>
-                      <a:endParaRPr lang="en-US" dirty="0"/>
+                      <a:r>
+                        <a:rPr lang="en-US" dirty="0"/>
+                        <a:t>0.838</a:t>
+                      </a:r>
                     </a:p>
                   </a:txBody>
                   <a:tcPr/>
@@ -23910,6 +24767,41 @@
           </a:p>
         </p:txBody>
       </p:sp>
+      <p:sp>
+        <p:nvSpPr>
+          <p:cNvPr id="4" name="TextBox 3">
+            <a:extLst>
+              <a:ext uri="{FF2B5EF4-FFF2-40B4-BE49-F238E27FC236}">
+                <a16:creationId xmlns:a16="http://schemas.microsoft.com/office/drawing/2014/main" id="{91244887-45BE-17BE-9909-362188BA3B69}"/>
+              </a:ext>
+            </a:extLst>
+          </p:cNvPr>
+          <p:cNvSpPr txBox="1"/>
+          <p:nvPr/>
+        </p:nvSpPr>
+        <p:spPr>
+          <a:xfrm>
+            <a:off x="6273935" y="1909012"/>
+            <a:ext cx="1132513" cy="304800"/>
+          </a:xfrm>
+          <a:prstGeom prst="rect">
+            <a:avLst/>
+          </a:prstGeom>
+          <a:noFill/>
+        </p:spPr>
+        <p:txBody>
+          <a:bodyPr wrap="square" rtlCol="0">
+            <a:spAutoFit/>
+          </a:bodyPr>
+          <a:lstStyle/>
+          <a:p>
+            <a:r>
+              <a:rPr lang="en-US" b="1" dirty="0"/>
+              <a:t>ROC Curve</a:t>
+            </a:r>
+          </a:p>
+        </p:txBody>
+      </p:sp>
     </p:spTree>
     <p:custDataLst>
       <p:tags r:id="rId1"/>
@@ -24003,528 +24895,6 @@
                 <a:latin typeface="Raleway"/>
                 <a:sym typeface="Raleway"/>
               </a:rPr>
-              <a:t>3. KNN Model (Non-Parametric) </a:t>
-            </a:r>
-            <a:endParaRPr lang="en-US" dirty="0">
-              <a:solidFill>
-                <a:schemeClr val="bg1">
-                  <a:lumMod val="65000"/>
-                </a:schemeClr>
-              </a:solidFill>
-            </a:endParaRPr>
-          </a:p>
-        </p:txBody>
-      </p:sp>
-      <p:sp>
-        <p:nvSpPr>
-          <p:cNvPr id="5" name="Text Placeholder 2">
-            <a:extLst>
-              <a:ext uri="{FF2B5EF4-FFF2-40B4-BE49-F238E27FC236}">
-                <a16:creationId xmlns:a16="http://schemas.microsoft.com/office/drawing/2014/main" id="{80A4736F-1EF9-09F0-5145-9AB37B5FE409}"/>
-              </a:ext>
-            </a:extLst>
-          </p:cNvPr>
-          <p:cNvSpPr txBox="1">
-            <a:spLocks/>
-          </p:cNvSpPr>
-          <p:nvPr/>
-        </p:nvSpPr>
-        <p:spPr>
-          <a:xfrm>
-            <a:off x="725850" y="1761143"/>
-            <a:ext cx="7688700" cy="1111264"/>
-          </a:xfrm>
-          <a:prstGeom prst="rect">
-            <a:avLst/>
-          </a:prstGeom>
-          <a:noFill/>
-          <a:ln>
-            <a:noFill/>
-          </a:ln>
-        </p:spPr>
-        <p:txBody>
-          <a:bodyPr spcFirstLastPara="1" wrap="square" lIns="91425" tIns="91425" rIns="91425" bIns="91425" anchor="t" anchorCtr="0">
-            <a:noAutofit/>
-          </a:bodyPr>
-          <a:lstStyle>
-            <a:defPPr marR="0" lvl="0" algn="l" rtl="0">
-              <a:lnSpc>
-                <a:spcPct val="100000"/>
-              </a:lnSpc>
-              <a:spcBef>
-                <a:spcPts val="0"/>
-              </a:spcBef>
-              <a:spcAft>
-                <a:spcPts val="0"/>
-              </a:spcAft>
-            </a:defPPr>
-            <a:lvl1pPr marL="457200" marR="0" lvl="0" indent="-311150" algn="l" rtl="0">
-              <a:lnSpc>
-                <a:spcPct val="115000"/>
-              </a:lnSpc>
-              <a:spcBef>
-                <a:spcPts val="0"/>
-              </a:spcBef>
-              <a:spcAft>
-                <a:spcPts val="0"/>
-              </a:spcAft>
-              <a:buClr>
-                <a:schemeClr val="accent1"/>
-              </a:buClr>
-              <a:buSzPts val="1300"/>
-              <a:buFont typeface="Lato"/>
-              <a:buChar char="●"/>
-              <a:defRPr sz="1300" b="0" i="0" u="none" strike="noStrike" cap="none">
-                <a:solidFill>
-                  <a:schemeClr val="accent1"/>
-                </a:solidFill>
-                <a:latin typeface="Lato"/>
-                <a:ea typeface="Lato"/>
-                <a:cs typeface="Lato"/>
-                <a:sym typeface="Lato"/>
-              </a:defRPr>
-            </a:lvl1pPr>
-            <a:lvl2pPr marL="914400" marR="0" lvl="1" indent="-298450" algn="l" rtl="0">
-              <a:lnSpc>
-                <a:spcPct val="115000"/>
-              </a:lnSpc>
-              <a:spcBef>
-                <a:spcPts val="1600"/>
-              </a:spcBef>
-              <a:spcAft>
-                <a:spcPts val="0"/>
-              </a:spcAft>
-              <a:buClr>
-                <a:schemeClr val="accent1"/>
-              </a:buClr>
-              <a:buSzPts val="1100"/>
-              <a:buFont typeface="Lato"/>
-              <a:buChar char="○"/>
-              <a:defRPr sz="1100" b="0" i="0" u="none" strike="noStrike" cap="none">
-                <a:solidFill>
-                  <a:schemeClr val="accent1"/>
-                </a:solidFill>
-                <a:latin typeface="Lato"/>
-                <a:ea typeface="Lato"/>
-                <a:cs typeface="Lato"/>
-                <a:sym typeface="Lato"/>
-              </a:defRPr>
-            </a:lvl2pPr>
-            <a:lvl3pPr marL="1371600" marR="0" lvl="2" indent="-298450" algn="l" rtl="0">
-              <a:lnSpc>
-                <a:spcPct val="115000"/>
-              </a:lnSpc>
-              <a:spcBef>
-                <a:spcPts val="1600"/>
-              </a:spcBef>
-              <a:spcAft>
-                <a:spcPts val="0"/>
-              </a:spcAft>
-              <a:buClr>
-                <a:schemeClr val="accent1"/>
-              </a:buClr>
-              <a:buSzPts val="1100"/>
-              <a:buFont typeface="Lato"/>
-              <a:buChar char="■"/>
-              <a:defRPr sz="1100" b="0" i="0" u="none" strike="noStrike" cap="none">
-                <a:solidFill>
-                  <a:schemeClr val="accent1"/>
-                </a:solidFill>
-                <a:latin typeface="Lato"/>
-                <a:ea typeface="Lato"/>
-                <a:cs typeface="Lato"/>
-                <a:sym typeface="Lato"/>
-              </a:defRPr>
-            </a:lvl3pPr>
-            <a:lvl4pPr marL="1828800" marR="0" lvl="3" indent="-298450" algn="l" rtl="0">
-              <a:lnSpc>
-                <a:spcPct val="115000"/>
-              </a:lnSpc>
-              <a:spcBef>
-                <a:spcPts val="1600"/>
-              </a:spcBef>
-              <a:spcAft>
-                <a:spcPts val="0"/>
-              </a:spcAft>
-              <a:buClr>
-                <a:schemeClr val="accent1"/>
-              </a:buClr>
-              <a:buSzPts val="1100"/>
-              <a:buFont typeface="Lato"/>
-              <a:buChar char="●"/>
-              <a:defRPr sz="1100" b="0" i="0" u="none" strike="noStrike" cap="none">
-                <a:solidFill>
-                  <a:schemeClr val="accent1"/>
-                </a:solidFill>
-                <a:latin typeface="Lato"/>
-                <a:ea typeface="Lato"/>
-                <a:cs typeface="Lato"/>
-                <a:sym typeface="Lato"/>
-              </a:defRPr>
-            </a:lvl4pPr>
-            <a:lvl5pPr marL="2286000" marR="0" lvl="4" indent="-298450" algn="l" rtl="0">
-              <a:lnSpc>
-                <a:spcPct val="115000"/>
-              </a:lnSpc>
-              <a:spcBef>
-                <a:spcPts val="1600"/>
-              </a:spcBef>
-              <a:spcAft>
-                <a:spcPts val="0"/>
-              </a:spcAft>
-              <a:buClr>
-                <a:schemeClr val="accent1"/>
-              </a:buClr>
-              <a:buSzPts val="1100"/>
-              <a:buFont typeface="Lato"/>
-              <a:buChar char="○"/>
-              <a:defRPr sz="1100" b="0" i="0" u="none" strike="noStrike" cap="none">
-                <a:solidFill>
-                  <a:schemeClr val="accent1"/>
-                </a:solidFill>
-                <a:latin typeface="Lato"/>
-                <a:ea typeface="Lato"/>
-                <a:cs typeface="Lato"/>
-                <a:sym typeface="Lato"/>
-              </a:defRPr>
-            </a:lvl5pPr>
-            <a:lvl6pPr marL="2743200" marR="0" lvl="5" indent="-298450" algn="l" rtl="0">
-              <a:lnSpc>
-                <a:spcPct val="115000"/>
-              </a:lnSpc>
-              <a:spcBef>
-                <a:spcPts val="1600"/>
-              </a:spcBef>
-              <a:spcAft>
-                <a:spcPts val="0"/>
-              </a:spcAft>
-              <a:buClr>
-                <a:schemeClr val="accent1"/>
-              </a:buClr>
-              <a:buSzPts val="1100"/>
-              <a:buFont typeface="Lato"/>
-              <a:buChar char="■"/>
-              <a:defRPr sz="1100" b="0" i="0" u="none" strike="noStrike" cap="none">
-                <a:solidFill>
-                  <a:schemeClr val="accent1"/>
-                </a:solidFill>
-                <a:latin typeface="Lato"/>
-                <a:ea typeface="Lato"/>
-                <a:cs typeface="Lato"/>
-                <a:sym typeface="Lato"/>
-              </a:defRPr>
-            </a:lvl6pPr>
-            <a:lvl7pPr marL="3200400" marR="0" lvl="6" indent="-298450" algn="l" rtl="0">
-              <a:lnSpc>
-                <a:spcPct val="115000"/>
-              </a:lnSpc>
-              <a:spcBef>
-                <a:spcPts val="1600"/>
-              </a:spcBef>
-              <a:spcAft>
-                <a:spcPts val="0"/>
-              </a:spcAft>
-              <a:buClr>
-                <a:schemeClr val="accent1"/>
-              </a:buClr>
-              <a:buSzPts val="1100"/>
-              <a:buFont typeface="Lato"/>
-              <a:buChar char="●"/>
-              <a:defRPr sz="1100" b="0" i="0" u="none" strike="noStrike" cap="none">
-                <a:solidFill>
-                  <a:schemeClr val="accent1"/>
-                </a:solidFill>
-                <a:latin typeface="Lato"/>
-                <a:ea typeface="Lato"/>
-                <a:cs typeface="Lato"/>
-                <a:sym typeface="Lato"/>
-              </a:defRPr>
-            </a:lvl7pPr>
-            <a:lvl8pPr marL="3657600" marR="0" lvl="7" indent="-298450" algn="l" rtl="0">
-              <a:lnSpc>
-                <a:spcPct val="115000"/>
-              </a:lnSpc>
-              <a:spcBef>
-                <a:spcPts val="1600"/>
-              </a:spcBef>
-              <a:spcAft>
-                <a:spcPts val="0"/>
-              </a:spcAft>
-              <a:buClr>
-                <a:schemeClr val="accent1"/>
-              </a:buClr>
-              <a:buSzPts val="1100"/>
-              <a:buFont typeface="Lato"/>
-              <a:buChar char="○"/>
-              <a:defRPr sz="1100" b="0" i="0" u="none" strike="noStrike" cap="none">
-                <a:solidFill>
-                  <a:schemeClr val="accent1"/>
-                </a:solidFill>
-                <a:latin typeface="Lato"/>
-                <a:ea typeface="Lato"/>
-                <a:cs typeface="Lato"/>
-                <a:sym typeface="Lato"/>
-              </a:defRPr>
-            </a:lvl8pPr>
-            <a:lvl9pPr marL="4114800" marR="0" lvl="8" indent="-298450" algn="l" rtl="0">
-              <a:lnSpc>
-                <a:spcPct val="115000"/>
-              </a:lnSpc>
-              <a:spcBef>
-                <a:spcPts val="1600"/>
-              </a:spcBef>
-              <a:spcAft>
-                <a:spcPts val="1600"/>
-              </a:spcAft>
-              <a:buClr>
-                <a:schemeClr val="accent1"/>
-              </a:buClr>
-              <a:buSzPts val="1100"/>
-              <a:buFont typeface="Lato"/>
-              <a:buChar char="■"/>
-              <a:defRPr sz="1100" b="0" i="0" u="none" strike="noStrike" cap="none">
-                <a:solidFill>
-                  <a:schemeClr val="accent1"/>
-                </a:solidFill>
-                <a:latin typeface="Lato"/>
-                <a:ea typeface="Lato"/>
-                <a:cs typeface="Lato"/>
-                <a:sym typeface="Lato"/>
-              </a:defRPr>
-            </a:lvl9pPr>
-          </a:lstStyle>
-          <a:p>
-            <a:pPr marL="146050" indent="0">
-              <a:buNone/>
-            </a:pPr>
-            <a:endParaRPr lang="en-US" dirty="0"/>
-          </a:p>
-          <a:p>
-            <a:pPr marL="146050" indent="0">
-              <a:buNone/>
-            </a:pPr>
-            <a:endParaRPr lang="en-US" dirty="0"/>
-          </a:p>
-        </p:txBody>
-      </p:sp>
-    </p:spTree>
-    <p:custDataLst>
-      <p:tags r:id="rId1"/>
-    </p:custDataLst>
-    <p:extLst>
-      <p:ext uri="{BB962C8B-B14F-4D97-AF65-F5344CB8AC3E}">
-        <p14:creationId xmlns:p14="http://schemas.microsoft.com/office/powerpoint/2010/main" val="1981833743"/>
-      </p:ext>
-    </p:extLst>
-  </p:cSld>
-  <p:clrMapOvr>
-    <a:masterClrMapping/>
-  </p:clrMapOvr>
-</p:sld>
-</file>
-
-<file path=ppt/slides/slide3.xml><?xml version="1.0" encoding="utf-8"?>
-<p:sld xmlns:a="http://schemas.openxmlformats.org/drawingml/2006/main" xmlns:r="http://schemas.openxmlformats.org/officeDocument/2006/relationships" xmlns:p="http://schemas.openxmlformats.org/presentationml/2006/main">
-  <p:cSld>
-    <p:bg>
-      <p:bgPr>
-        <a:solidFill>
-          <a:srgbClr val="434343"/>
-        </a:solidFill>
-        <a:effectLst/>
-      </p:bgPr>
-    </p:bg>
-    <p:spTree>
-      <p:nvGrpSpPr>
-        <p:cNvPr id="1" name="Shape 217"/>
-        <p:cNvGrpSpPr/>
-        <p:nvPr/>
-      </p:nvGrpSpPr>
-      <p:grpSpPr>
-        <a:xfrm>
-          <a:off x="0" y="0"/>
-          <a:ext cx="0" cy="0"/>
-          <a:chOff x="0" y="0"/>
-          <a:chExt cx="0" cy="0"/>
-        </a:xfrm>
-      </p:grpSpPr>
-      <p:sp>
-        <p:nvSpPr>
-          <p:cNvPr id="218" name="Google Shape;218;p22"/>
-          <p:cNvSpPr txBox="1">
-            <a:spLocks noGrp="1"/>
-          </p:cNvSpPr>
-          <p:nvPr>
-            <p:ph type="title"/>
-          </p:nvPr>
-        </p:nvSpPr>
-        <p:spPr>
-          <a:xfrm>
-            <a:off x="729450" y="1322450"/>
-            <a:ext cx="7010100" cy="350700"/>
-          </a:xfrm>
-          <a:prstGeom prst="rect">
-            <a:avLst/>
-          </a:prstGeom>
-        </p:spPr>
-        <p:txBody>
-          <a:bodyPr spcFirstLastPara="1" wrap="square" lIns="91425" tIns="91425" rIns="91425" bIns="91425" anchor="t" anchorCtr="0">
-            <a:noAutofit/>
-          </a:bodyPr>
-          <a:lstStyle/>
-          <a:p>
-            <a:pPr marL="0" lvl="0" indent="0" algn="l" rtl="0">
-              <a:spcBef>
-                <a:spcPts val="0"/>
-              </a:spcBef>
-              <a:spcAft>
-                <a:spcPts val="0"/>
-              </a:spcAft>
-              <a:buNone/>
-            </a:pPr>
-            <a:r>
-              <a:rPr lang="en-GB" sz="1200" dirty="0"/>
-              <a:t>Introduction</a:t>
-            </a:r>
-            <a:endParaRPr sz="1200" dirty="0"/>
-          </a:p>
-        </p:txBody>
-      </p:sp>
-      <p:sp>
-        <p:nvSpPr>
-          <p:cNvPr id="219" name="Google Shape;219;p22"/>
-          <p:cNvSpPr txBox="1">
-            <a:spLocks noGrp="1"/>
-          </p:cNvSpPr>
-          <p:nvPr>
-            <p:ph type="body" idx="4294967295"/>
-          </p:nvPr>
-        </p:nvSpPr>
-        <p:spPr>
-          <a:xfrm>
-            <a:off x="729450" y="1749350"/>
-            <a:ext cx="7010100" cy="2628300"/>
-          </a:xfrm>
-          <a:prstGeom prst="rect">
-            <a:avLst/>
-          </a:prstGeom>
-        </p:spPr>
-        <p:txBody>
-          <a:bodyPr spcFirstLastPara="1" wrap="square" lIns="91425" tIns="91425" rIns="91425" bIns="91425" anchor="t" anchorCtr="0">
-            <a:noAutofit/>
-          </a:bodyPr>
-          <a:lstStyle/>
-          <a:p>
-            <a:pPr marL="0" lvl="0" indent="0" algn="l" rtl="0">
-              <a:spcBef>
-                <a:spcPts val="0"/>
-              </a:spcBef>
-              <a:spcAft>
-                <a:spcPts val="1600"/>
-              </a:spcAft>
-              <a:buNone/>
-            </a:pPr>
-            <a:r>
-              <a:rPr lang="en-GB" sz="3000" i="1" dirty="0">
-                <a:solidFill>
-                  <a:srgbClr val="FFFFFF"/>
-                </a:solidFill>
-              </a:rPr>
-              <a:t>“Given a large data set containing term deposit marketing success, can we better understand what effects the success rate and how to better predict it?”</a:t>
-            </a:r>
-            <a:endParaRPr sz="3000" i="1" dirty="0">
-              <a:solidFill>
-                <a:srgbClr val="FFFFFF"/>
-              </a:solidFill>
-            </a:endParaRPr>
-          </a:p>
-        </p:txBody>
-      </p:sp>
-    </p:spTree>
-  </p:cSld>
-  <p:clrMapOvr>
-    <a:masterClrMapping/>
-  </p:clrMapOvr>
-</p:sld>
-</file>
-
-<file path=ppt/slides/slide30.xml><?xml version="1.0" encoding="utf-8"?>
-<p:sld xmlns:a="http://schemas.openxmlformats.org/drawingml/2006/main" xmlns:r="http://schemas.openxmlformats.org/officeDocument/2006/relationships" xmlns:p="http://schemas.openxmlformats.org/presentationml/2006/main">
-  <p:cSld>
-    <p:spTree>
-      <p:nvGrpSpPr>
-        <p:cNvPr id="1" name=""/>
-        <p:cNvGrpSpPr/>
-        <p:nvPr/>
-      </p:nvGrpSpPr>
-      <p:grpSpPr>
-        <a:xfrm>
-          <a:off x="0" y="0"/>
-          <a:ext cx="0" cy="0"/>
-          <a:chOff x="0" y="0"/>
-          <a:chExt cx="0" cy="0"/>
-        </a:xfrm>
-      </p:grpSpPr>
-      <p:sp>
-        <p:nvSpPr>
-          <p:cNvPr id="2" name="Text Placeholder 1">
-            <a:extLst>
-              <a:ext uri="{FF2B5EF4-FFF2-40B4-BE49-F238E27FC236}">
-                <a16:creationId xmlns:a16="http://schemas.microsoft.com/office/drawing/2014/main" id="{8B170740-DB3F-076A-A2D2-9555F51D2D32}"/>
-              </a:ext>
-            </a:extLst>
-          </p:cNvPr>
-          <p:cNvSpPr>
-            <a:spLocks noGrp="1"/>
-          </p:cNvSpPr>
-          <p:nvPr>
-            <p:ph type="body" idx="1"/>
-          </p:nvPr>
-        </p:nvSpPr>
-        <p:spPr>
-          <a:xfrm>
-            <a:off x="729450" y="726744"/>
-            <a:ext cx="7688700" cy="1034400"/>
-          </a:xfrm>
-        </p:spPr>
-        <p:txBody>
-          <a:bodyPr/>
-          <a:lstStyle/>
-          <a:p>
-            <a:pPr marL="146050" indent="0">
-              <a:buNone/>
-            </a:pPr>
-            <a:r>
-              <a:rPr kumimoji="0" lang="en-US" sz="2600" b="1" i="0" u="none" strike="noStrike" kern="0" cap="none" spc="0" normalizeH="0" baseline="0" noProof="0" dirty="0">
-                <a:ln>
-                  <a:noFill/>
-                </a:ln>
-                <a:solidFill>
-                  <a:srgbClr val="1A1A1A"/>
-                </a:solidFill>
-                <a:effectLst/>
-                <a:uLnTx/>
-                <a:uFillTx/>
-                <a:latin typeface="Raleway"/>
-                <a:sym typeface="Raleway"/>
-              </a:rPr>
-              <a:t>Objective 2</a:t>
-            </a:r>
-          </a:p>
-          <a:p>
-            <a:pPr marL="146050" indent="0">
-              <a:buNone/>
-            </a:pPr>
-            <a:r>
-              <a:rPr lang="en-US" sz="1400" b="1" dirty="0">
-                <a:solidFill>
-                  <a:schemeClr val="bg1">
-                    <a:lumMod val="65000"/>
-                  </a:schemeClr>
-                </a:solidFill>
-                <a:latin typeface="Raleway"/>
-                <a:sym typeface="Raleway"/>
-              </a:rPr>
               <a:t>2. KNN Model (Non-Parametric)</a:t>
             </a:r>
           </a:p>
@@ -24560,7 +24930,7 @@
           <p:nvPr>
             <p:extLst>
               <p:ext uri="{D42A27DB-BD31-4B8C-83A1-F6EECF244321}">
-                <p14:modId xmlns:p14="http://schemas.microsoft.com/office/powerpoint/2010/main" val="3937336343"/>
+                <p14:modId xmlns:p14="http://schemas.microsoft.com/office/powerpoint/2010/main" val="2632431765"/>
               </p:ext>
             </p:extLst>
           </p:nvPr>
@@ -24621,36 +24991,6 @@
                 <a:extLst>
                   <a:ext uri="{0D108BD9-81ED-4DB2-BD59-A6C34878D82A}">
                     <a16:rowId xmlns:a16="http://schemas.microsoft.com/office/drawing/2014/main" val="606250503"/>
-                  </a:ext>
-                </a:extLst>
-              </a:tr>
-              <a:tr h="370840">
-                <a:tc>
-                  <a:txBody>
-                    <a:bodyPr/>
-                    <a:lstStyle/>
-                    <a:p>
-                      <a:r>
-                        <a:rPr lang="en-US" dirty="0"/>
-                        <a:t>AIC</a:t>
-                      </a:r>
-                    </a:p>
-                  </a:txBody>
-                  <a:tcPr/>
-                </a:tc>
-                <a:tc>
-                  <a:txBody>
-                    <a:bodyPr/>
-                    <a:lstStyle/>
-                    <a:p>
-                      <a:endParaRPr lang="en-US" dirty="0"/>
-                    </a:p>
-                  </a:txBody>
-                  <a:tcPr/>
-                </a:tc>
-                <a:extLst>
-                  <a:ext uri="{0D108BD9-81ED-4DB2-BD59-A6C34878D82A}">
-                    <a16:rowId xmlns:a16="http://schemas.microsoft.com/office/drawing/2014/main" val="3146497599"/>
                   </a:ext>
                 </a:extLst>
               </a:tr>
@@ -24761,6 +25101,39 @@
                     <a:p>
                       <a:r>
                         <a:rPr lang="en-US" dirty="0"/>
+                        <a:t>Prevalence </a:t>
+                      </a:r>
+                    </a:p>
+                  </a:txBody>
+                  <a:tcPr/>
+                </a:tc>
+                <a:tc>
+                  <a:txBody>
+                    <a:bodyPr/>
+                    <a:lstStyle/>
+                    <a:p>
+                      <a:r>
+                        <a:rPr lang="en-US" dirty="0"/>
+                        <a:t>88%</a:t>
+                      </a:r>
+                    </a:p>
+                  </a:txBody>
+                  <a:tcPr/>
+                </a:tc>
+                <a:extLst>
+                  <a:ext uri="{0D108BD9-81ED-4DB2-BD59-A6C34878D82A}">
+                    <a16:rowId xmlns:a16="http://schemas.microsoft.com/office/drawing/2014/main" val="3694797418"/>
+                  </a:ext>
+                </a:extLst>
+              </a:tr>
+              <a:tr h="370840">
+                <a:tc>
+                  <a:txBody>
+                    <a:bodyPr/>
+                    <a:lstStyle/>
+                    <a:p>
+                      <a:r>
+                        <a:rPr lang="en-US" dirty="0"/>
                         <a:t>PPV</a:t>
                       </a:r>
                     </a:p>
@@ -24838,7 +25211,10 @@
                     <a:bodyPr/>
                     <a:lstStyle/>
                     <a:p>
-                      <a:endParaRPr lang="en-US" dirty="0"/>
+                      <a:r>
+                        <a:rPr lang="en-US" dirty="0"/>
+                        <a:t>0.7963</a:t>
+                      </a:r>
                     </a:p>
                   </a:txBody>
                   <a:tcPr/>
@@ -24883,6 +25259,41 @@
           </a:prstGeom>
         </p:spPr>
       </p:pic>
+      <p:sp>
+        <p:nvSpPr>
+          <p:cNvPr id="4" name="TextBox 3">
+            <a:extLst>
+              <a:ext uri="{FF2B5EF4-FFF2-40B4-BE49-F238E27FC236}">
+                <a16:creationId xmlns:a16="http://schemas.microsoft.com/office/drawing/2014/main" id="{47EB185E-7089-26C1-CBA1-8D2EE9848B74}"/>
+              </a:ext>
+            </a:extLst>
+          </p:cNvPr>
+          <p:cNvSpPr txBox="1"/>
+          <p:nvPr/>
+        </p:nvSpPr>
+        <p:spPr>
+          <a:xfrm>
+            <a:off x="6467334" y="1997434"/>
+            <a:ext cx="1132513" cy="304800"/>
+          </a:xfrm>
+          <a:prstGeom prst="rect">
+            <a:avLst/>
+          </a:prstGeom>
+          <a:noFill/>
+        </p:spPr>
+        <p:txBody>
+          <a:bodyPr wrap="square" rtlCol="0">
+            <a:spAutoFit/>
+          </a:bodyPr>
+          <a:lstStyle/>
+          <a:p>
+            <a:r>
+              <a:rPr lang="en-US" b="1" dirty="0"/>
+              <a:t>ROC Curve</a:t>
+            </a:r>
+          </a:p>
+        </p:txBody>
+      </p:sp>
     </p:spTree>
     <p:custDataLst>
       <p:tags r:id="rId1"/>
@@ -24899,7 +25310,132 @@
 </p:sld>
 </file>
 
-<file path=ppt/slides/slide31.xml><?xml version="1.0" encoding="utf-8"?>
+<file path=ppt/slides/slide3.xml><?xml version="1.0" encoding="utf-8"?>
+<p:sld xmlns:a="http://schemas.openxmlformats.org/drawingml/2006/main" xmlns:r="http://schemas.openxmlformats.org/officeDocument/2006/relationships" xmlns:p="http://schemas.openxmlformats.org/presentationml/2006/main">
+  <p:cSld>
+    <p:bg>
+      <p:bgPr>
+        <a:solidFill>
+          <a:srgbClr val="434343"/>
+        </a:solidFill>
+        <a:effectLst/>
+      </p:bgPr>
+    </p:bg>
+    <p:spTree>
+      <p:nvGrpSpPr>
+        <p:cNvPr id="1" name="Shape 217"/>
+        <p:cNvGrpSpPr/>
+        <p:nvPr/>
+      </p:nvGrpSpPr>
+      <p:grpSpPr>
+        <a:xfrm>
+          <a:off x="0" y="0"/>
+          <a:ext cx="0" cy="0"/>
+          <a:chOff x="0" y="0"/>
+          <a:chExt cx="0" cy="0"/>
+        </a:xfrm>
+      </p:grpSpPr>
+      <p:sp>
+        <p:nvSpPr>
+          <p:cNvPr id="218" name="Google Shape;218;p22"/>
+          <p:cNvSpPr txBox="1">
+            <a:spLocks noGrp="1"/>
+          </p:cNvSpPr>
+          <p:nvPr>
+            <p:ph type="title"/>
+          </p:nvPr>
+        </p:nvSpPr>
+        <p:spPr>
+          <a:xfrm>
+            <a:off x="729450" y="1322450"/>
+            <a:ext cx="7010100" cy="350700"/>
+          </a:xfrm>
+          <a:prstGeom prst="rect">
+            <a:avLst/>
+          </a:prstGeom>
+        </p:spPr>
+        <p:txBody>
+          <a:bodyPr spcFirstLastPara="1" wrap="square" lIns="91425" tIns="91425" rIns="91425" bIns="91425" anchor="t" anchorCtr="0">
+            <a:noAutofit/>
+          </a:bodyPr>
+          <a:lstStyle/>
+          <a:p>
+            <a:pPr marL="0" lvl="0" indent="0" algn="l" rtl="0">
+              <a:spcBef>
+                <a:spcPts val="0"/>
+              </a:spcBef>
+              <a:spcAft>
+                <a:spcPts val="0"/>
+              </a:spcAft>
+              <a:buNone/>
+            </a:pPr>
+            <a:r>
+              <a:rPr lang="en-GB" sz="1200" dirty="0"/>
+              <a:t>Introduction</a:t>
+            </a:r>
+            <a:endParaRPr sz="1200" dirty="0"/>
+          </a:p>
+        </p:txBody>
+      </p:sp>
+      <p:sp>
+        <p:nvSpPr>
+          <p:cNvPr id="219" name="Google Shape;219;p22"/>
+          <p:cNvSpPr txBox="1">
+            <a:spLocks noGrp="1"/>
+          </p:cNvSpPr>
+          <p:nvPr>
+            <p:ph type="body" idx="4294967295"/>
+          </p:nvPr>
+        </p:nvSpPr>
+        <p:spPr>
+          <a:xfrm>
+            <a:off x="729450" y="1749350"/>
+            <a:ext cx="7010100" cy="2628300"/>
+          </a:xfrm>
+          <a:prstGeom prst="rect">
+            <a:avLst/>
+          </a:prstGeom>
+        </p:spPr>
+        <p:txBody>
+          <a:bodyPr spcFirstLastPara="1" wrap="square" lIns="91425" tIns="91425" rIns="91425" bIns="91425" anchor="t" anchorCtr="0">
+            <a:noAutofit/>
+          </a:bodyPr>
+          <a:lstStyle/>
+          <a:p>
+            <a:pPr marL="0" lvl="0" indent="0" algn="l" rtl="0">
+              <a:spcBef>
+                <a:spcPts val="0"/>
+              </a:spcBef>
+              <a:spcAft>
+                <a:spcPts val="1600"/>
+              </a:spcAft>
+              <a:buNone/>
+            </a:pPr>
+            <a:r>
+              <a:rPr lang="en-GB" sz="3000" i="1" dirty="0">
+                <a:solidFill>
+                  <a:srgbClr val="FFFFFF"/>
+                </a:solidFill>
+              </a:rPr>
+              <a:t>“Given a large data set containing term deposit marketing success, can we better understand what effects the success rate and how to better predict it?”</a:t>
+            </a:r>
+            <a:endParaRPr sz="3000" i="1" dirty="0">
+              <a:solidFill>
+                <a:srgbClr val="FFFFFF"/>
+              </a:solidFill>
+            </a:endParaRPr>
+          </a:p>
+        </p:txBody>
+      </p:sp>
+    </p:spTree>
+  </p:cSld>
+  <p:clrMapOvr>
+    <a:masterClrMapping/>
+  </p:clrMapOvr>
+</p:sld>
+</file>
+
+<file path=ppt/slides/slide30.xml><?xml version="1.0" encoding="utf-8"?>
 <p:sld xmlns:a="http://schemas.openxmlformats.org/drawingml/2006/main" xmlns:r="http://schemas.openxmlformats.org/officeDocument/2006/relationships" xmlns:p="http://schemas.openxmlformats.org/presentationml/2006/main">
   <p:cSld>
     <p:spTree>
@@ -25011,7 +25547,7 @@
           <p:nvPr>
             <p:extLst>
               <p:ext uri="{D42A27DB-BD31-4B8C-83A1-F6EECF244321}">
-                <p14:modId xmlns:p14="http://schemas.microsoft.com/office/powerpoint/2010/main" val="2846055796"/>
+                <p14:modId xmlns:p14="http://schemas.microsoft.com/office/powerpoint/2010/main" val="605132313"/>
               </p:ext>
             </p:extLst>
           </p:nvPr>
@@ -25072,36 +25608,6 @@
                 <a:extLst>
                   <a:ext uri="{0D108BD9-81ED-4DB2-BD59-A6C34878D82A}">
                     <a16:rowId xmlns:a16="http://schemas.microsoft.com/office/drawing/2014/main" val="606250503"/>
-                  </a:ext>
-                </a:extLst>
-              </a:tr>
-              <a:tr h="370840">
-                <a:tc>
-                  <a:txBody>
-                    <a:bodyPr/>
-                    <a:lstStyle/>
-                    <a:p>
-                      <a:r>
-                        <a:rPr lang="en-US" dirty="0"/>
-                        <a:t>AIC</a:t>
-                      </a:r>
-                    </a:p>
-                  </a:txBody>
-                  <a:tcPr/>
-                </a:tc>
-                <a:tc>
-                  <a:txBody>
-                    <a:bodyPr/>
-                    <a:lstStyle/>
-                    <a:p>
-                      <a:endParaRPr lang="en-US" dirty="0"/>
-                    </a:p>
-                  </a:txBody>
-                  <a:tcPr/>
-                </a:tc>
-                <a:extLst>
-                  <a:ext uri="{0D108BD9-81ED-4DB2-BD59-A6C34878D82A}">
-                    <a16:rowId xmlns:a16="http://schemas.microsoft.com/office/drawing/2014/main" val="3146497599"/>
                   </a:ext>
                 </a:extLst>
               </a:tr>
@@ -25212,6 +25718,39 @@
                     <a:p>
                       <a:r>
                         <a:rPr lang="en-US" dirty="0"/>
+                        <a:t>Prevalence</a:t>
+                      </a:r>
+                    </a:p>
+                  </a:txBody>
+                  <a:tcPr/>
+                </a:tc>
+                <a:tc>
+                  <a:txBody>
+                    <a:bodyPr/>
+                    <a:lstStyle/>
+                    <a:p>
+                      <a:r>
+                        <a:rPr lang="en-US" dirty="0"/>
+                        <a:t>88%</a:t>
+                      </a:r>
+                    </a:p>
+                  </a:txBody>
+                  <a:tcPr/>
+                </a:tc>
+                <a:extLst>
+                  <a:ext uri="{0D108BD9-81ED-4DB2-BD59-A6C34878D82A}">
+                    <a16:rowId xmlns:a16="http://schemas.microsoft.com/office/drawing/2014/main" val="3435403748"/>
+                  </a:ext>
+                </a:extLst>
+              </a:tr>
+              <a:tr h="370840">
+                <a:tc>
+                  <a:txBody>
+                    <a:bodyPr/>
+                    <a:lstStyle/>
+                    <a:p>
+                      <a:r>
+                        <a:rPr lang="en-US" dirty="0"/>
                         <a:t>PPV</a:t>
                       </a:r>
                     </a:p>
@@ -25289,7 +25828,10 @@
                     <a:bodyPr/>
                     <a:lstStyle/>
                     <a:p>
-                      <a:endParaRPr lang="en-US" dirty="0"/>
+                      <a:r>
+                        <a:rPr lang="en-US" dirty="0"/>
+                        <a:t>0.9281</a:t>
+                      </a:r>
                     </a:p>
                   </a:txBody>
                   <a:tcPr/>
@@ -25334,6 +25876,41 @@
           </a:prstGeom>
         </p:spPr>
       </p:pic>
+      <p:sp>
+        <p:nvSpPr>
+          <p:cNvPr id="4" name="TextBox 3">
+            <a:extLst>
+              <a:ext uri="{FF2B5EF4-FFF2-40B4-BE49-F238E27FC236}">
+                <a16:creationId xmlns:a16="http://schemas.microsoft.com/office/drawing/2014/main" id="{F7C73826-631B-7061-BBB8-56B30C5B7C20}"/>
+              </a:ext>
+            </a:extLst>
+          </p:cNvPr>
+          <p:cNvSpPr txBox="1"/>
+          <p:nvPr/>
+        </p:nvSpPr>
+        <p:spPr>
+          <a:xfrm>
+            <a:off x="6467334" y="1997434"/>
+            <a:ext cx="1132513" cy="304800"/>
+          </a:xfrm>
+          <a:prstGeom prst="rect">
+            <a:avLst/>
+          </a:prstGeom>
+          <a:noFill/>
+        </p:spPr>
+        <p:txBody>
+          <a:bodyPr wrap="square" rtlCol="0">
+            <a:spAutoFit/>
+          </a:bodyPr>
+          <a:lstStyle/>
+          <a:p>
+            <a:r>
+              <a:rPr lang="en-US" b="1" dirty="0"/>
+              <a:t>ROC Curve</a:t>
+            </a:r>
+          </a:p>
+        </p:txBody>
+      </p:sp>
     </p:spTree>
     <p:custDataLst>
       <p:tags r:id="rId1"/>
@@ -25350,7 +25927,7 @@
 </p:sld>
 </file>
 
-<file path=ppt/slides/slide32.xml><?xml version="1.0" encoding="utf-8"?>
+<file path=ppt/slides/slide31.xml><?xml version="1.0" encoding="utf-8"?>
 <p:sld xmlns:a="http://schemas.openxmlformats.org/drawingml/2006/main" xmlns:r="http://schemas.openxmlformats.org/officeDocument/2006/relationships" xmlns:p="http://schemas.openxmlformats.org/presentationml/2006/main">
   <p:cSld>
     <p:spTree>
@@ -25427,452 +26004,7 @@
                 <a:latin typeface="Raleway"/>
                 <a:sym typeface="Raleway"/>
               </a:rPr>
-              <a:t>4. </a:t>
-            </a:r>
-            <a:r>
-              <a:rPr lang="en-US" sz="1400" b="1" dirty="0" err="1">
-                <a:solidFill>
-                  <a:schemeClr val="bg1">
-                    <a:lumMod val="65000"/>
-                  </a:schemeClr>
-                </a:solidFill>
-                <a:latin typeface="Raleway"/>
-                <a:sym typeface="Raleway"/>
-              </a:rPr>
-              <a:t>eXtreme</a:t>
-            </a:r>
-            <a:r>
-              <a:rPr lang="en-US" sz="1400" b="1" dirty="0">
-                <a:solidFill>
-                  <a:schemeClr val="bg1">
-                    <a:lumMod val="65000"/>
-                  </a:schemeClr>
-                </a:solidFill>
-                <a:latin typeface="Raleway"/>
-                <a:sym typeface="Raleway"/>
-              </a:rPr>
-              <a:t> Gradient Boosting Model (Non-Parametric) </a:t>
-            </a:r>
-            <a:endParaRPr lang="en-US" dirty="0">
-              <a:solidFill>
-                <a:schemeClr val="bg1">
-                  <a:lumMod val="65000"/>
-                </a:schemeClr>
-              </a:solidFill>
-            </a:endParaRPr>
-          </a:p>
-        </p:txBody>
-      </p:sp>
-      <p:sp>
-        <p:nvSpPr>
-          <p:cNvPr id="5" name="Text Placeholder 2">
-            <a:extLst>
-              <a:ext uri="{FF2B5EF4-FFF2-40B4-BE49-F238E27FC236}">
-                <a16:creationId xmlns:a16="http://schemas.microsoft.com/office/drawing/2014/main" id="{80A4736F-1EF9-09F0-5145-9AB37B5FE409}"/>
-              </a:ext>
-            </a:extLst>
-          </p:cNvPr>
-          <p:cNvSpPr txBox="1">
-            <a:spLocks/>
-          </p:cNvSpPr>
-          <p:nvPr/>
-        </p:nvSpPr>
-        <p:spPr>
-          <a:xfrm>
-            <a:off x="725850" y="1761143"/>
-            <a:ext cx="7688700" cy="1111264"/>
-          </a:xfrm>
-          <a:prstGeom prst="rect">
-            <a:avLst/>
-          </a:prstGeom>
-          <a:noFill/>
-          <a:ln>
-            <a:noFill/>
-          </a:ln>
-        </p:spPr>
-        <p:txBody>
-          <a:bodyPr spcFirstLastPara="1" wrap="square" lIns="91425" tIns="91425" rIns="91425" bIns="91425" anchor="t" anchorCtr="0">
-            <a:noAutofit/>
-          </a:bodyPr>
-          <a:lstStyle>
-            <a:defPPr marR="0" lvl="0" algn="l" rtl="0">
-              <a:lnSpc>
-                <a:spcPct val="100000"/>
-              </a:lnSpc>
-              <a:spcBef>
-                <a:spcPts val="0"/>
-              </a:spcBef>
-              <a:spcAft>
-                <a:spcPts val="0"/>
-              </a:spcAft>
-            </a:defPPr>
-            <a:lvl1pPr marL="457200" marR="0" lvl="0" indent="-311150" algn="l" rtl="0">
-              <a:lnSpc>
-                <a:spcPct val="115000"/>
-              </a:lnSpc>
-              <a:spcBef>
-                <a:spcPts val="0"/>
-              </a:spcBef>
-              <a:spcAft>
-                <a:spcPts val="0"/>
-              </a:spcAft>
-              <a:buClr>
-                <a:schemeClr val="accent1"/>
-              </a:buClr>
-              <a:buSzPts val="1300"/>
-              <a:buFont typeface="Lato"/>
-              <a:buChar char="●"/>
-              <a:defRPr sz="1300" b="0" i="0" u="none" strike="noStrike" cap="none">
-                <a:solidFill>
-                  <a:schemeClr val="accent1"/>
-                </a:solidFill>
-                <a:latin typeface="Lato"/>
-                <a:ea typeface="Lato"/>
-                <a:cs typeface="Lato"/>
-                <a:sym typeface="Lato"/>
-              </a:defRPr>
-            </a:lvl1pPr>
-            <a:lvl2pPr marL="914400" marR="0" lvl="1" indent="-298450" algn="l" rtl="0">
-              <a:lnSpc>
-                <a:spcPct val="115000"/>
-              </a:lnSpc>
-              <a:spcBef>
-                <a:spcPts val="1600"/>
-              </a:spcBef>
-              <a:spcAft>
-                <a:spcPts val="0"/>
-              </a:spcAft>
-              <a:buClr>
-                <a:schemeClr val="accent1"/>
-              </a:buClr>
-              <a:buSzPts val="1100"/>
-              <a:buFont typeface="Lato"/>
-              <a:buChar char="○"/>
-              <a:defRPr sz="1100" b="0" i="0" u="none" strike="noStrike" cap="none">
-                <a:solidFill>
-                  <a:schemeClr val="accent1"/>
-                </a:solidFill>
-                <a:latin typeface="Lato"/>
-                <a:ea typeface="Lato"/>
-                <a:cs typeface="Lato"/>
-                <a:sym typeface="Lato"/>
-              </a:defRPr>
-            </a:lvl2pPr>
-            <a:lvl3pPr marL="1371600" marR="0" lvl="2" indent="-298450" algn="l" rtl="0">
-              <a:lnSpc>
-                <a:spcPct val="115000"/>
-              </a:lnSpc>
-              <a:spcBef>
-                <a:spcPts val="1600"/>
-              </a:spcBef>
-              <a:spcAft>
-                <a:spcPts val="0"/>
-              </a:spcAft>
-              <a:buClr>
-                <a:schemeClr val="accent1"/>
-              </a:buClr>
-              <a:buSzPts val="1100"/>
-              <a:buFont typeface="Lato"/>
-              <a:buChar char="■"/>
-              <a:defRPr sz="1100" b="0" i="0" u="none" strike="noStrike" cap="none">
-                <a:solidFill>
-                  <a:schemeClr val="accent1"/>
-                </a:solidFill>
-                <a:latin typeface="Lato"/>
-                <a:ea typeface="Lato"/>
-                <a:cs typeface="Lato"/>
-                <a:sym typeface="Lato"/>
-              </a:defRPr>
-            </a:lvl3pPr>
-            <a:lvl4pPr marL="1828800" marR="0" lvl="3" indent="-298450" algn="l" rtl="0">
-              <a:lnSpc>
-                <a:spcPct val="115000"/>
-              </a:lnSpc>
-              <a:spcBef>
-                <a:spcPts val="1600"/>
-              </a:spcBef>
-              <a:spcAft>
-                <a:spcPts val="0"/>
-              </a:spcAft>
-              <a:buClr>
-                <a:schemeClr val="accent1"/>
-              </a:buClr>
-              <a:buSzPts val="1100"/>
-              <a:buFont typeface="Lato"/>
-              <a:buChar char="●"/>
-              <a:defRPr sz="1100" b="0" i="0" u="none" strike="noStrike" cap="none">
-                <a:solidFill>
-                  <a:schemeClr val="accent1"/>
-                </a:solidFill>
-                <a:latin typeface="Lato"/>
-                <a:ea typeface="Lato"/>
-                <a:cs typeface="Lato"/>
-                <a:sym typeface="Lato"/>
-              </a:defRPr>
-            </a:lvl4pPr>
-            <a:lvl5pPr marL="2286000" marR="0" lvl="4" indent="-298450" algn="l" rtl="0">
-              <a:lnSpc>
-                <a:spcPct val="115000"/>
-              </a:lnSpc>
-              <a:spcBef>
-                <a:spcPts val="1600"/>
-              </a:spcBef>
-              <a:spcAft>
-                <a:spcPts val="0"/>
-              </a:spcAft>
-              <a:buClr>
-                <a:schemeClr val="accent1"/>
-              </a:buClr>
-              <a:buSzPts val="1100"/>
-              <a:buFont typeface="Lato"/>
-              <a:buChar char="○"/>
-              <a:defRPr sz="1100" b="0" i="0" u="none" strike="noStrike" cap="none">
-                <a:solidFill>
-                  <a:schemeClr val="accent1"/>
-                </a:solidFill>
-                <a:latin typeface="Lato"/>
-                <a:ea typeface="Lato"/>
-                <a:cs typeface="Lato"/>
-                <a:sym typeface="Lato"/>
-              </a:defRPr>
-            </a:lvl5pPr>
-            <a:lvl6pPr marL="2743200" marR="0" lvl="5" indent="-298450" algn="l" rtl="0">
-              <a:lnSpc>
-                <a:spcPct val="115000"/>
-              </a:lnSpc>
-              <a:spcBef>
-                <a:spcPts val="1600"/>
-              </a:spcBef>
-              <a:spcAft>
-                <a:spcPts val="0"/>
-              </a:spcAft>
-              <a:buClr>
-                <a:schemeClr val="accent1"/>
-              </a:buClr>
-              <a:buSzPts val="1100"/>
-              <a:buFont typeface="Lato"/>
-              <a:buChar char="■"/>
-              <a:defRPr sz="1100" b="0" i="0" u="none" strike="noStrike" cap="none">
-                <a:solidFill>
-                  <a:schemeClr val="accent1"/>
-                </a:solidFill>
-                <a:latin typeface="Lato"/>
-                <a:ea typeface="Lato"/>
-                <a:cs typeface="Lato"/>
-                <a:sym typeface="Lato"/>
-              </a:defRPr>
-            </a:lvl6pPr>
-            <a:lvl7pPr marL="3200400" marR="0" lvl="6" indent="-298450" algn="l" rtl="0">
-              <a:lnSpc>
-                <a:spcPct val="115000"/>
-              </a:lnSpc>
-              <a:spcBef>
-                <a:spcPts val="1600"/>
-              </a:spcBef>
-              <a:spcAft>
-                <a:spcPts val="0"/>
-              </a:spcAft>
-              <a:buClr>
-                <a:schemeClr val="accent1"/>
-              </a:buClr>
-              <a:buSzPts val="1100"/>
-              <a:buFont typeface="Lato"/>
-              <a:buChar char="●"/>
-              <a:defRPr sz="1100" b="0" i="0" u="none" strike="noStrike" cap="none">
-                <a:solidFill>
-                  <a:schemeClr val="accent1"/>
-                </a:solidFill>
-                <a:latin typeface="Lato"/>
-                <a:ea typeface="Lato"/>
-                <a:cs typeface="Lato"/>
-                <a:sym typeface="Lato"/>
-              </a:defRPr>
-            </a:lvl7pPr>
-            <a:lvl8pPr marL="3657600" marR="0" lvl="7" indent="-298450" algn="l" rtl="0">
-              <a:lnSpc>
-                <a:spcPct val="115000"/>
-              </a:lnSpc>
-              <a:spcBef>
-                <a:spcPts val="1600"/>
-              </a:spcBef>
-              <a:spcAft>
-                <a:spcPts val="0"/>
-              </a:spcAft>
-              <a:buClr>
-                <a:schemeClr val="accent1"/>
-              </a:buClr>
-              <a:buSzPts val="1100"/>
-              <a:buFont typeface="Lato"/>
-              <a:buChar char="○"/>
-              <a:defRPr sz="1100" b="0" i="0" u="none" strike="noStrike" cap="none">
-                <a:solidFill>
-                  <a:schemeClr val="accent1"/>
-                </a:solidFill>
-                <a:latin typeface="Lato"/>
-                <a:ea typeface="Lato"/>
-                <a:cs typeface="Lato"/>
-                <a:sym typeface="Lato"/>
-              </a:defRPr>
-            </a:lvl8pPr>
-            <a:lvl9pPr marL="4114800" marR="0" lvl="8" indent="-298450" algn="l" rtl="0">
-              <a:lnSpc>
-                <a:spcPct val="115000"/>
-              </a:lnSpc>
-              <a:spcBef>
-                <a:spcPts val="1600"/>
-              </a:spcBef>
-              <a:spcAft>
-                <a:spcPts val="1600"/>
-              </a:spcAft>
-              <a:buClr>
-                <a:schemeClr val="accent1"/>
-              </a:buClr>
-              <a:buSzPts val="1100"/>
-              <a:buFont typeface="Lato"/>
-              <a:buChar char="■"/>
-              <a:defRPr sz="1100" b="0" i="0" u="none" strike="noStrike" cap="none">
-                <a:solidFill>
-                  <a:schemeClr val="accent1"/>
-                </a:solidFill>
-                <a:latin typeface="Lato"/>
-                <a:ea typeface="Lato"/>
-                <a:cs typeface="Lato"/>
-                <a:sym typeface="Lato"/>
-              </a:defRPr>
-            </a:lvl9pPr>
-          </a:lstStyle>
-          <a:p>
-            <a:pPr marL="146050" indent="0">
-              <a:buNone/>
-            </a:pPr>
-            <a:endParaRPr lang="en-US" dirty="0"/>
-          </a:p>
-          <a:p>
-            <a:pPr marL="146050" indent="0">
-              <a:buNone/>
-            </a:pPr>
-            <a:endParaRPr lang="en-US" dirty="0"/>
-          </a:p>
-        </p:txBody>
-      </p:sp>
-    </p:spTree>
-    <p:custDataLst>
-      <p:tags r:id="rId1"/>
-    </p:custDataLst>
-    <p:extLst>
-      <p:ext uri="{BB962C8B-B14F-4D97-AF65-F5344CB8AC3E}">
-        <p14:creationId xmlns:p14="http://schemas.microsoft.com/office/powerpoint/2010/main" val="2289817130"/>
-      </p:ext>
-    </p:extLst>
-  </p:cSld>
-  <p:clrMapOvr>
-    <a:masterClrMapping/>
-  </p:clrMapOvr>
-</p:sld>
-</file>
-
-<file path=ppt/slides/slide33.xml><?xml version="1.0" encoding="utf-8"?>
-<p:sld xmlns:a="http://schemas.openxmlformats.org/drawingml/2006/main" xmlns:r="http://schemas.openxmlformats.org/officeDocument/2006/relationships" xmlns:p="http://schemas.openxmlformats.org/presentationml/2006/main">
-  <p:cSld>
-    <p:spTree>
-      <p:nvGrpSpPr>
-        <p:cNvPr id="1" name=""/>
-        <p:cNvGrpSpPr/>
-        <p:nvPr/>
-      </p:nvGrpSpPr>
-      <p:grpSpPr>
-        <a:xfrm>
-          <a:off x="0" y="0"/>
-          <a:ext cx="0" cy="0"/>
-          <a:chOff x="0" y="0"/>
-          <a:chExt cx="0" cy="0"/>
-        </a:xfrm>
-      </p:grpSpPr>
-      <p:sp>
-        <p:nvSpPr>
-          <p:cNvPr id="2" name="Text Placeholder 1">
-            <a:extLst>
-              <a:ext uri="{FF2B5EF4-FFF2-40B4-BE49-F238E27FC236}">
-                <a16:creationId xmlns:a16="http://schemas.microsoft.com/office/drawing/2014/main" id="{8B170740-DB3F-076A-A2D2-9555F51D2D32}"/>
-              </a:ext>
-            </a:extLst>
-          </p:cNvPr>
-          <p:cNvSpPr>
-            <a:spLocks noGrp="1"/>
-          </p:cNvSpPr>
-          <p:nvPr>
-            <p:ph type="body" idx="1"/>
-          </p:nvPr>
-        </p:nvSpPr>
-        <p:spPr>
-          <a:xfrm>
-            <a:off x="729450" y="726744"/>
-            <a:ext cx="7688700" cy="1034400"/>
-          </a:xfrm>
-        </p:spPr>
-        <p:txBody>
-          <a:bodyPr/>
-          <a:lstStyle/>
-          <a:p>
-            <a:pPr marL="146050" indent="0">
-              <a:buNone/>
-            </a:pPr>
-            <a:r>
-              <a:rPr kumimoji="0" lang="en-US" sz="2600" b="1" i="0" u="none" strike="noStrike" kern="0" cap="none" spc="0" normalizeH="0" baseline="0" noProof="0" dirty="0">
-                <a:ln>
-                  <a:noFill/>
-                </a:ln>
-                <a:solidFill>
-                  <a:srgbClr val="1A1A1A"/>
-                </a:solidFill>
-                <a:effectLst/>
-                <a:uLnTx/>
-                <a:uFillTx/>
-                <a:latin typeface="Raleway"/>
-                <a:sym typeface="Raleway"/>
-              </a:rPr>
-              <a:t>Objective 2</a:t>
-            </a:r>
-          </a:p>
-          <a:p>
-            <a:pPr marL="146050" indent="0">
-              <a:buNone/>
-            </a:pPr>
-            <a:r>
-              <a:rPr lang="en-US" sz="1400" b="1" dirty="0">
-                <a:solidFill>
-                  <a:schemeClr val="bg1">
-                    <a:lumMod val="65000"/>
-                  </a:schemeClr>
-                </a:solidFill>
-                <a:latin typeface="Raleway"/>
-                <a:sym typeface="Raleway"/>
-              </a:rPr>
-              <a:t>2. </a:t>
-            </a:r>
-            <a:r>
-              <a:rPr lang="en-US" sz="1400" b="1" dirty="0" err="1">
-                <a:solidFill>
-                  <a:schemeClr val="bg1">
-                    <a:lumMod val="65000"/>
-                  </a:schemeClr>
-                </a:solidFill>
-                <a:latin typeface="Raleway"/>
-                <a:sym typeface="Raleway"/>
-              </a:rPr>
-              <a:t>eXtreme</a:t>
-            </a:r>
-            <a:r>
-              <a:rPr lang="en-US" sz="1400" b="1" dirty="0">
-                <a:solidFill>
-                  <a:schemeClr val="bg1">
-                    <a:lumMod val="65000"/>
-                  </a:schemeClr>
-                </a:solidFill>
-                <a:latin typeface="Raleway"/>
-                <a:sym typeface="Raleway"/>
-              </a:rPr>
-              <a:t> Gradient Boosting Model</a:t>
+              <a:t>2. eXtreme Gradient Boosting Model</a:t>
             </a:r>
           </a:p>
           <a:p>
@@ -25904,7 +26036,13 @@
           <p:cNvGraphicFramePr>
             <a:graphicFrameLocks noGrp="1"/>
           </p:cNvGraphicFramePr>
-          <p:nvPr/>
+          <p:nvPr>
+            <p:extLst>
+              <p:ext uri="{D42A27DB-BD31-4B8C-83A1-F6EECF244321}">
+                <p14:modId xmlns:p14="http://schemas.microsoft.com/office/powerpoint/2010/main" val="2328897651"/>
+              </p:ext>
+            </p:extLst>
+          </p:nvPr>
         </p:nvGraphicFramePr>
         <p:xfrm>
           <a:off x="725850" y="1761144"/>
@@ -25973,36 +26111,6 @@
                     <a:p>
                       <a:r>
                         <a:rPr lang="en-US" dirty="0"/>
-                        <a:t>AIC</a:t>
-                      </a:r>
-                    </a:p>
-                  </a:txBody>
-                  <a:tcPr/>
-                </a:tc>
-                <a:tc>
-                  <a:txBody>
-                    <a:bodyPr/>
-                    <a:lstStyle/>
-                    <a:p>
-                      <a:endParaRPr lang="en-US" dirty="0"/>
-                    </a:p>
-                  </a:txBody>
-                  <a:tcPr/>
-                </a:tc>
-                <a:extLst>
-                  <a:ext uri="{0D108BD9-81ED-4DB2-BD59-A6C34878D82A}">
-                    <a16:rowId xmlns:a16="http://schemas.microsoft.com/office/drawing/2014/main" val="3146497599"/>
-                  </a:ext>
-                </a:extLst>
-              </a:tr>
-              <a:tr h="370840">
-                <a:tc>
-                  <a:txBody>
-                    <a:bodyPr/>
-                    <a:lstStyle/>
-                    <a:p>
-                      <a:r>
-                        <a:rPr lang="en-US" dirty="0"/>
                         <a:t>Accuracy</a:t>
                       </a:r>
                     </a:p>
@@ -26014,7 +26122,10 @@
                     <a:bodyPr/>
                     <a:lstStyle/>
                     <a:p>
-                      <a:endParaRPr lang="en-US" dirty="0"/>
+                      <a:r>
+                        <a:rPr lang="en-US" dirty="0"/>
+                        <a:t>83%</a:t>
+                      </a:r>
                     </a:p>
                   </a:txBody>
                   <a:tcPr/>
@@ -26044,7 +26155,10 @@
                     <a:bodyPr/>
                     <a:lstStyle/>
                     <a:p>
-                      <a:endParaRPr lang="en-US" dirty="0"/>
+                      <a:r>
+                        <a:rPr lang="en-US" dirty="0"/>
+                        <a:t>82%</a:t>
+                      </a:r>
                     </a:p>
                   </a:txBody>
                   <a:tcPr/>
@@ -26074,7 +26188,10 @@
                     <a:bodyPr/>
                     <a:lstStyle/>
                     <a:p>
-                      <a:endParaRPr lang="en-US" dirty="0"/>
+                      <a:r>
+                        <a:rPr lang="en-US" dirty="0"/>
+                        <a:t>92%</a:t>
+                      </a:r>
                     </a:p>
                   </a:txBody>
                   <a:tcPr/>
@@ -26082,6 +26199,39 @@
                 <a:extLst>
                   <a:ext uri="{0D108BD9-81ED-4DB2-BD59-A6C34878D82A}">
                     <a16:rowId xmlns:a16="http://schemas.microsoft.com/office/drawing/2014/main" val="3781162483"/>
+                  </a:ext>
+                </a:extLst>
+              </a:tr>
+              <a:tr h="370840">
+                <a:tc>
+                  <a:txBody>
+                    <a:bodyPr/>
+                    <a:lstStyle/>
+                    <a:p>
+                      <a:r>
+                        <a:rPr lang="en-US" dirty="0"/>
+                        <a:t>Prevalence</a:t>
+                      </a:r>
+                    </a:p>
+                  </a:txBody>
+                  <a:tcPr/>
+                </a:tc>
+                <a:tc>
+                  <a:txBody>
+                    <a:bodyPr/>
+                    <a:lstStyle/>
+                    <a:p>
+                      <a:r>
+                        <a:rPr lang="en-US" dirty="0"/>
+                        <a:t>88%</a:t>
+                      </a:r>
+                    </a:p>
+                  </a:txBody>
+                  <a:tcPr/>
+                </a:tc>
+                <a:extLst>
+                  <a:ext uri="{0D108BD9-81ED-4DB2-BD59-A6C34878D82A}">
+                    <a16:rowId xmlns:a16="http://schemas.microsoft.com/office/drawing/2014/main" val="201209153"/>
                   </a:ext>
                 </a:extLst>
               </a:tr>
@@ -26104,7 +26254,10 @@
                     <a:bodyPr/>
                     <a:lstStyle/>
                     <a:p>
-                      <a:endParaRPr lang="en-US" dirty="0"/>
+                      <a:r>
+                        <a:rPr lang="en-US" dirty="0"/>
+                        <a:t>99%</a:t>
+                      </a:r>
                     </a:p>
                   </a:txBody>
                   <a:tcPr/>
@@ -26134,7 +26287,10 @@
                     <a:bodyPr/>
                     <a:lstStyle/>
                     <a:p>
-                      <a:endParaRPr lang="en-US" dirty="0"/>
+                      <a:r>
+                        <a:rPr lang="en-US" dirty="0"/>
+                        <a:t>40%</a:t>
+                      </a:r>
                     </a:p>
                   </a:txBody>
                   <a:tcPr/>
@@ -26164,7 +26320,29 @@
                     <a:bodyPr/>
                     <a:lstStyle/>
                     <a:p>
-                      <a:endParaRPr lang="en-US" dirty="0"/>
+                      <a:pPr marL="0" marR="0" lvl="0" indent="0" algn="l" defTabSz="914400" rtl="0" eaLnBrk="1" fontAlgn="auto" latinLnBrk="0" hangingPunct="1">
+                        <a:lnSpc>
+                          <a:spcPct val="100000"/>
+                        </a:lnSpc>
+                        <a:spcBef>
+                          <a:spcPts val="0"/>
+                        </a:spcBef>
+                        <a:spcAft>
+                          <a:spcPts val="0"/>
+                        </a:spcAft>
+                        <a:buClr>
+                          <a:srgbClr val="000000"/>
+                        </a:buClr>
+                        <a:buSzTx/>
+                        <a:buFont typeface="Arial"/>
+                        <a:buNone/>
+                        <a:tabLst/>
+                        <a:defRPr/>
+                      </a:pPr>
+                      <a:r>
+                        <a:rPr lang="en-US" dirty="0"/>
+                        <a:t>0.9333</a:t>
+                      </a:r>
                     </a:p>
                   </a:txBody>
                   <a:tcPr/>
@@ -26209,6 +26387,41 @@
           </a:prstGeom>
         </p:spPr>
       </p:pic>
+      <p:sp>
+        <p:nvSpPr>
+          <p:cNvPr id="4" name="TextBox 3">
+            <a:extLst>
+              <a:ext uri="{FF2B5EF4-FFF2-40B4-BE49-F238E27FC236}">
+                <a16:creationId xmlns:a16="http://schemas.microsoft.com/office/drawing/2014/main" id="{9AFCD676-B744-95D1-AFFE-F1E839B33462}"/>
+              </a:ext>
+            </a:extLst>
+          </p:cNvPr>
+          <p:cNvSpPr txBox="1"/>
+          <p:nvPr/>
+        </p:nvSpPr>
+        <p:spPr>
+          <a:xfrm>
+            <a:off x="6467334" y="1997434"/>
+            <a:ext cx="1132513" cy="304800"/>
+          </a:xfrm>
+          <a:prstGeom prst="rect">
+            <a:avLst/>
+          </a:prstGeom>
+          <a:noFill/>
+        </p:spPr>
+        <p:txBody>
+          <a:bodyPr wrap="square" rtlCol="0">
+            <a:spAutoFit/>
+          </a:bodyPr>
+          <a:lstStyle/>
+          <a:p>
+            <a:r>
+              <a:rPr lang="en-US" b="1" dirty="0"/>
+              <a:t>ROC Curve</a:t>
+            </a:r>
+          </a:p>
+        </p:txBody>
+      </p:sp>
     </p:spTree>
     <p:custDataLst>
       <p:tags r:id="rId1"/>
@@ -26225,7 +26438,1685 @@
 </p:sld>
 </file>
 
-<file path=ppt/slides/slide34.xml><?xml version="1.0" encoding="utf-8"?>
+<file path=ppt/slides/slide32.xml><?xml version="1.0" encoding="utf-8"?>
+<p:sld xmlns:a="http://schemas.openxmlformats.org/drawingml/2006/main" xmlns:r="http://schemas.openxmlformats.org/officeDocument/2006/relationships" xmlns:p="http://schemas.openxmlformats.org/presentationml/2006/main">
+  <p:cSld>
+    <p:spTree>
+      <p:nvGrpSpPr>
+        <p:cNvPr id="1" name=""/>
+        <p:cNvGrpSpPr/>
+        <p:nvPr/>
+      </p:nvGrpSpPr>
+      <p:grpSpPr>
+        <a:xfrm>
+          <a:off x="0" y="0"/>
+          <a:ext cx="0" cy="0"/>
+          <a:chOff x="0" y="0"/>
+          <a:chExt cx="0" cy="0"/>
+        </a:xfrm>
+      </p:grpSpPr>
+      <p:sp>
+        <p:nvSpPr>
+          <p:cNvPr id="2" name="Text Placeholder 1">
+            <a:extLst>
+              <a:ext uri="{FF2B5EF4-FFF2-40B4-BE49-F238E27FC236}">
+                <a16:creationId xmlns:a16="http://schemas.microsoft.com/office/drawing/2014/main" id="{8B170740-DB3F-076A-A2D2-9555F51D2D32}"/>
+              </a:ext>
+            </a:extLst>
+          </p:cNvPr>
+          <p:cNvSpPr>
+            <a:spLocks noGrp="1"/>
+          </p:cNvSpPr>
+          <p:nvPr>
+            <p:ph type="body" idx="1"/>
+          </p:nvPr>
+        </p:nvSpPr>
+        <p:spPr>
+          <a:xfrm>
+            <a:off x="501443" y="441519"/>
+            <a:ext cx="7688700" cy="1034400"/>
+          </a:xfrm>
+        </p:spPr>
+        <p:txBody>
+          <a:bodyPr/>
+          <a:lstStyle/>
+          <a:p>
+            <a:pPr marL="146050" indent="0">
+              <a:buNone/>
+            </a:pPr>
+            <a:r>
+              <a:rPr kumimoji="0" lang="en-US" sz="2600" b="1" i="0" u="none" strike="noStrike" kern="0" cap="none" spc="0" normalizeH="0" baseline="0" noProof="0" dirty="0">
+                <a:ln>
+                  <a:noFill/>
+                </a:ln>
+                <a:solidFill>
+                  <a:srgbClr val="1A1A1A"/>
+                </a:solidFill>
+                <a:effectLst/>
+                <a:uLnTx/>
+                <a:uFillTx/>
+                <a:latin typeface="Raleway"/>
+                <a:sym typeface="Raleway"/>
+              </a:rPr>
+              <a:t>Objective 2</a:t>
+            </a:r>
+          </a:p>
+          <a:p>
+            <a:pPr marL="146050" indent="0">
+              <a:buNone/>
+            </a:pPr>
+            <a:r>
+              <a:rPr lang="en-US" sz="1400" b="1" dirty="0">
+                <a:solidFill>
+                  <a:schemeClr val="bg1">
+                    <a:lumMod val="65000"/>
+                  </a:schemeClr>
+                </a:solidFill>
+                <a:latin typeface="Raleway"/>
+                <a:sym typeface="Raleway"/>
+              </a:rPr>
+              <a:t>Conclusion: Best Model Performance</a:t>
+            </a:r>
+          </a:p>
+          <a:p>
+            <a:pPr marL="146050" indent="0">
+              <a:buNone/>
+            </a:pPr>
+            <a:endParaRPr lang="en-US" dirty="0">
+              <a:solidFill>
+                <a:schemeClr val="bg1">
+                  <a:lumMod val="65000"/>
+                </a:schemeClr>
+              </a:solidFill>
+            </a:endParaRPr>
+          </a:p>
+        </p:txBody>
+      </p:sp>
+      <p:sp>
+        <p:nvSpPr>
+          <p:cNvPr id="5" name="Text Placeholder 2">
+            <a:extLst>
+              <a:ext uri="{FF2B5EF4-FFF2-40B4-BE49-F238E27FC236}">
+                <a16:creationId xmlns:a16="http://schemas.microsoft.com/office/drawing/2014/main" id="{80A4736F-1EF9-09F0-5145-9AB37B5FE409}"/>
+              </a:ext>
+            </a:extLst>
+          </p:cNvPr>
+          <p:cNvSpPr txBox="1">
+            <a:spLocks/>
+          </p:cNvSpPr>
+          <p:nvPr/>
+        </p:nvSpPr>
+        <p:spPr>
+          <a:xfrm>
+            <a:off x="725850" y="1761143"/>
+            <a:ext cx="7688700" cy="1111264"/>
+          </a:xfrm>
+          <a:prstGeom prst="rect">
+            <a:avLst/>
+          </a:prstGeom>
+          <a:noFill/>
+          <a:ln>
+            <a:noFill/>
+          </a:ln>
+        </p:spPr>
+        <p:txBody>
+          <a:bodyPr spcFirstLastPara="1" wrap="square" lIns="91425" tIns="91425" rIns="91425" bIns="91425" anchor="t" anchorCtr="0">
+            <a:noAutofit/>
+          </a:bodyPr>
+          <a:lstStyle>
+            <a:defPPr marR="0" lvl="0" algn="l" rtl="0">
+              <a:lnSpc>
+                <a:spcPct val="100000"/>
+              </a:lnSpc>
+              <a:spcBef>
+                <a:spcPts val="0"/>
+              </a:spcBef>
+              <a:spcAft>
+                <a:spcPts val="0"/>
+              </a:spcAft>
+            </a:defPPr>
+            <a:lvl1pPr marL="457200" marR="0" lvl="0" indent="-311150" algn="l" rtl="0">
+              <a:lnSpc>
+                <a:spcPct val="115000"/>
+              </a:lnSpc>
+              <a:spcBef>
+                <a:spcPts val="0"/>
+              </a:spcBef>
+              <a:spcAft>
+                <a:spcPts val="0"/>
+              </a:spcAft>
+              <a:buClr>
+                <a:schemeClr val="accent1"/>
+              </a:buClr>
+              <a:buSzPts val="1300"/>
+              <a:buFont typeface="Lato"/>
+              <a:buChar char="●"/>
+              <a:defRPr sz="1300" b="0" i="0" u="none" strike="noStrike" cap="none">
+                <a:solidFill>
+                  <a:schemeClr val="accent1"/>
+                </a:solidFill>
+                <a:latin typeface="Lato"/>
+                <a:ea typeface="Lato"/>
+                <a:cs typeface="Lato"/>
+                <a:sym typeface="Lato"/>
+              </a:defRPr>
+            </a:lvl1pPr>
+            <a:lvl2pPr marL="914400" marR="0" lvl="1" indent="-298450" algn="l" rtl="0">
+              <a:lnSpc>
+                <a:spcPct val="115000"/>
+              </a:lnSpc>
+              <a:spcBef>
+                <a:spcPts val="1600"/>
+              </a:spcBef>
+              <a:spcAft>
+                <a:spcPts val="0"/>
+              </a:spcAft>
+              <a:buClr>
+                <a:schemeClr val="accent1"/>
+              </a:buClr>
+              <a:buSzPts val="1100"/>
+              <a:buFont typeface="Lato"/>
+              <a:buChar char="○"/>
+              <a:defRPr sz="1100" b="0" i="0" u="none" strike="noStrike" cap="none">
+                <a:solidFill>
+                  <a:schemeClr val="accent1"/>
+                </a:solidFill>
+                <a:latin typeface="Lato"/>
+                <a:ea typeface="Lato"/>
+                <a:cs typeface="Lato"/>
+                <a:sym typeface="Lato"/>
+              </a:defRPr>
+            </a:lvl2pPr>
+            <a:lvl3pPr marL="1371600" marR="0" lvl="2" indent="-298450" algn="l" rtl="0">
+              <a:lnSpc>
+                <a:spcPct val="115000"/>
+              </a:lnSpc>
+              <a:spcBef>
+                <a:spcPts val="1600"/>
+              </a:spcBef>
+              <a:spcAft>
+                <a:spcPts val="0"/>
+              </a:spcAft>
+              <a:buClr>
+                <a:schemeClr val="accent1"/>
+              </a:buClr>
+              <a:buSzPts val="1100"/>
+              <a:buFont typeface="Lato"/>
+              <a:buChar char="■"/>
+              <a:defRPr sz="1100" b="0" i="0" u="none" strike="noStrike" cap="none">
+                <a:solidFill>
+                  <a:schemeClr val="accent1"/>
+                </a:solidFill>
+                <a:latin typeface="Lato"/>
+                <a:ea typeface="Lato"/>
+                <a:cs typeface="Lato"/>
+                <a:sym typeface="Lato"/>
+              </a:defRPr>
+            </a:lvl3pPr>
+            <a:lvl4pPr marL="1828800" marR="0" lvl="3" indent="-298450" algn="l" rtl="0">
+              <a:lnSpc>
+                <a:spcPct val="115000"/>
+              </a:lnSpc>
+              <a:spcBef>
+                <a:spcPts val="1600"/>
+              </a:spcBef>
+              <a:spcAft>
+                <a:spcPts val="0"/>
+              </a:spcAft>
+              <a:buClr>
+                <a:schemeClr val="accent1"/>
+              </a:buClr>
+              <a:buSzPts val="1100"/>
+              <a:buFont typeface="Lato"/>
+              <a:buChar char="●"/>
+              <a:defRPr sz="1100" b="0" i="0" u="none" strike="noStrike" cap="none">
+                <a:solidFill>
+                  <a:schemeClr val="accent1"/>
+                </a:solidFill>
+                <a:latin typeface="Lato"/>
+                <a:ea typeface="Lato"/>
+                <a:cs typeface="Lato"/>
+                <a:sym typeface="Lato"/>
+              </a:defRPr>
+            </a:lvl4pPr>
+            <a:lvl5pPr marL="2286000" marR="0" lvl="4" indent="-298450" algn="l" rtl="0">
+              <a:lnSpc>
+                <a:spcPct val="115000"/>
+              </a:lnSpc>
+              <a:spcBef>
+                <a:spcPts val="1600"/>
+              </a:spcBef>
+              <a:spcAft>
+                <a:spcPts val="0"/>
+              </a:spcAft>
+              <a:buClr>
+                <a:schemeClr val="accent1"/>
+              </a:buClr>
+              <a:buSzPts val="1100"/>
+              <a:buFont typeface="Lato"/>
+              <a:buChar char="○"/>
+              <a:defRPr sz="1100" b="0" i="0" u="none" strike="noStrike" cap="none">
+                <a:solidFill>
+                  <a:schemeClr val="accent1"/>
+                </a:solidFill>
+                <a:latin typeface="Lato"/>
+                <a:ea typeface="Lato"/>
+                <a:cs typeface="Lato"/>
+                <a:sym typeface="Lato"/>
+              </a:defRPr>
+            </a:lvl5pPr>
+            <a:lvl6pPr marL="2743200" marR="0" lvl="5" indent="-298450" algn="l" rtl="0">
+              <a:lnSpc>
+                <a:spcPct val="115000"/>
+              </a:lnSpc>
+              <a:spcBef>
+                <a:spcPts val="1600"/>
+              </a:spcBef>
+              <a:spcAft>
+                <a:spcPts val="0"/>
+              </a:spcAft>
+              <a:buClr>
+                <a:schemeClr val="accent1"/>
+              </a:buClr>
+              <a:buSzPts val="1100"/>
+              <a:buFont typeface="Lato"/>
+              <a:buChar char="■"/>
+              <a:defRPr sz="1100" b="0" i="0" u="none" strike="noStrike" cap="none">
+                <a:solidFill>
+                  <a:schemeClr val="accent1"/>
+                </a:solidFill>
+                <a:latin typeface="Lato"/>
+                <a:ea typeface="Lato"/>
+                <a:cs typeface="Lato"/>
+                <a:sym typeface="Lato"/>
+              </a:defRPr>
+            </a:lvl6pPr>
+            <a:lvl7pPr marL="3200400" marR="0" lvl="6" indent="-298450" algn="l" rtl="0">
+              <a:lnSpc>
+                <a:spcPct val="115000"/>
+              </a:lnSpc>
+              <a:spcBef>
+                <a:spcPts val="1600"/>
+              </a:spcBef>
+              <a:spcAft>
+                <a:spcPts val="0"/>
+              </a:spcAft>
+              <a:buClr>
+                <a:schemeClr val="accent1"/>
+              </a:buClr>
+              <a:buSzPts val="1100"/>
+              <a:buFont typeface="Lato"/>
+              <a:buChar char="●"/>
+              <a:defRPr sz="1100" b="0" i="0" u="none" strike="noStrike" cap="none">
+                <a:solidFill>
+                  <a:schemeClr val="accent1"/>
+                </a:solidFill>
+                <a:latin typeface="Lato"/>
+                <a:ea typeface="Lato"/>
+                <a:cs typeface="Lato"/>
+                <a:sym typeface="Lato"/>
+              </a:defRPr>
+            </a:lvl7pPr>
+            <a:lvl8pPr marL="3657600" marR="0" lvl="7" indent="-298450" algn="l" rtl="0">
+              <a:lnSpc>
+                <a:spcPct val="115000"/>
+              </a:lnSpc>
+              <a:spcBef>
+                <a:spcPts val="1600"/>
+              </a:spcBef>
+              <a:spcAft>
+                <a:spcPts val="0"/>
+              </a:spcAft>
+              <a:buClr>
+                <a:schemeClr val="accent1"/>
+              </a:buClr>
+              <a:buSzPts val="1100"/>
+              <a:buFont typeface="Lato"/>
+              <a:buChar char="○"/>
+              <a:defRPr sz="1100" b="0" i="0" u="none" strike="noStrike" cap="none">
+                <a:solidFill>
+                  <a:schemeClr val="accent1"/>
+                </a:solidFill>
+                <a:latin typeface="Lato"/>
+                <a:ea typeface="Lato"/>
+                <a:cs typeface="Lato"/>
+                <a:sym typeface="Lato"/>
+              </a:defRPr>
+            </a:lvl8pPr>
+            <a:lvl9pPr marL="4114800" marR="0" lvl="8" indent="-298450" algn="l" rtl="0">
+              <a:lnSpc>
+                <a:spcPct val="115000"/>
+              </a:lnSpc>
+              <a:spcBef>
+                <a:spcPts val="1600"/>
+              </a:spcBef>
+              <a:spcAft>
+                <a:spcPts val="1600"/>
+              </a:spcAft>
+              <a:buClr>
+                <a:schemeClr val="accent1"/>
+              </a:buClr>
+              <a:buSzPts val="1100"/>
+              <a:buFont typeface="Lato"/>
+              <a:buChar char="■"/>
+              <a:defRPr sz="1100" b="0" i="0" u="none" strike="noStrike" cap="none">
+                <a:solidFill>
+                  <a:schemeClr val="accent1"/>
+                </a:solidFill>
+                <a:latin typeface="Lato"/>
+                <a:ea typeface="Lato"/>
+                <a:cs typeface="Lato"/>
+                <a:sym typeface="Lato"/>
+              </a:defRPr>
+            </a:lvl9pPr>
+          </a:lstStyle>
+          <a:p>
+            <a:pPr marL="146050" indent="0">
+              <a:buNone/>
+            </a:pPr>
+            <a:endParaRPr lang="en-US" dirty="0"/>
+          </a:p>
+          <a:p>
+            <a:pPr marL="146050" indent="0">
+              <a:buNone/>
+            </a:pPr>
+            <a:endParaRPr lang="en-US" dirty="0"/>
+          </a:p>
+        </p:txBody>
+      </p:sp>
+      <p:graphicFrame>
+        <p:nvGraphicFramePr>
+          <p:cNvPr id="3" name="Table 3">
+            <a:extLst>
+              <a:ext uri="{FF2B5EF4-FFF2-40B4-BE49-F238E27FC236}">
+                <a16:creationId xmlns:a16="http://schemas.microsoft.com/office/drawing/2014/main" id="{C9587D79-8223-4E1A-232F-F9310F0A96A3}"/>
+              </a:ext>
+            </a:extLst>
+          </p:cNvPr>
+          <p:cNvGraphicFramePr>
+            <a:graphicFrameLocks noGrp="1"/>
+          </p:cNvGraphicFramePr>
+          <p:nvPr>
+            <p:extLst>
+              <p:ext uri="{D42A27DB-BD31-4B8C-83A1-F6EECF244321}">
+                <p14:modId xmlns:p14="http://schemas.microsoft.com/office/powerpoint/2010/main" val="2800463273"/>
+              </p:ext>
+            </p:extLst>
+          </p:nvPr>
+        </p:nvGraphicFramePr>
+        <p:xfrm>
+          <a:off x="725850" y="1475919"/>
+          <a:ext cx="7688701" cy="3482457"/>
+        </p:xfrm>
+        <a:graphic>
+          <a:graphicData uri="http://schemas.openxmlformats.org/drawingml/2006/table">
+            <a:tbl>
+              <a:tblPr firstRow="1" bandRow="1">
+                <a:tableStyleId>{5C22544A-7EE6-4342-B048-85BDC9FD1C3A}</a:tableStyleId>
+              </a:tblPr>
+              <a:tblGrid>
+                <a:gridCol w="1640610">
+                  <a:extLst>
+                    <a:ext uri="{9D8B030D-6E8A-4147-A177-3AD203B41FA5}">
+                      <a16:colId xmlns:a16="http://schemas.microsoft.com/office/drawing/2014/main" val="2004211147"/>
+                    </a:ext>
+                  </a:extLst>
+                </a:gridCol>
+                <a:gridCol w="1261980">
+                  <a:extLst>
+                    <a:ext uri="{9D8B030D-6E8A-4147-A177-3AD203B41FA5}">
+                      <a16:colId xmlns:a16="http://schemas.microsoft.com/office/drawing/2014/main" val="963812349"/>
+                    </a:ext>
+                  </a:extLst>
+                </a:gridCol>
+                <a:gridCol w="1082180">
+                  <a:extLst>
+                    <a:ext uri="{9D8B030D-6E8A-4147-A177-3AD203B41FA5}">
+                      <a16:colId xmlns:a16="http://schemas.microsoft.com/office/drawing/2014/main" val="358888845"/>
+                    </a:ext>
+                  </a:extLst>
+                </a:gridCol>
+                <a:gridCol w="1132514">
+                  <a:extLst>
+                    <a:ext uri="{9D8B030D-6E8A-4147-A177-3AD203B41FA5}">
+                      <a16:colId xmlns:a16="http://schemas.microsoft.com/office/drawing/2014/main" val="1896797492"/>
+                    </a:ext>
+                  </a:extLst>
+                </a:gridCol>
+                <a:gridCol w="771787">
+                  <a:extLst>
+                    <a:ext uri="{9D8B030D-6E8A-4147-A177-3AD203B41FA5}">
+                      <a16:colId xmlns:a16="http://schemas.microsoft.com/office/drawing/2014/main" val="2653355689"/>
+                    </a:ext>
+                  </a:extLst>
+                </a:gridCol>
+                <a:gridCol w="755009">
+                  <a:extLst>
+                    <a:ext uri="{9D8B030D-6E8A-4147-A177-3AD203B41FA5}">
+                      <a16:colId xmlns:a16="http://schemas.microsoft.com/office/drawing/2014/main" val="4136275059"/>
+                    </a:ext>
+                  </a:extLst>
+                </a:gridCol>
+                <a:gridCol w="1044621">
+                  <a:extLst>
+                    <a:ext uri="{9D8B030D-6E8A-4147-A177-3AD203B41FA5}">
+                      <a16:colId xmlns:a16="http://schemas.microsoft.com/office/drawing/2014/main" val="2024557235"/>
+                    </a:ext>
+                  </a:extLst>
+                </a:gridCol>
+              </a:tblGrid>
+              <a:tr h="444617">
+                <a:tc>
+                  <a:txBody>
+                    <a:bodyPr/>
+                    <a:lstStyle/>
+                    <a:p>
+                      <a:r>
+                        <a:rPr lang="en-US" dirty="0"/>
+                        <a:t>Model</a:t>
+                      </a:r>
+                    </a:p>
+                  </a:txBody>
+                  <a:tcPr/>
+                </a:tc>
+                <a:tc>
+                  <a:txBody>
+                    <a:bodyPr/>
+                    <a:lstStyle/>
+                    <a:p>
+                      <a:pPr algn="ctr"/>
+                      <a:r>
+                        <a:rPr lang="en-US" dirty="0"/>
+                        <a:t>Sensitivity</a:t>
+                      </a:r>
+                    </a:p>
+                  </a:txBody>
+                  <a:tcPr/>
+                </a:tc>
+                <a:tc>
+                  <a:txBody>
+                    <a:bodyPr/>
+                    <a:lstStyle/>
+                    <a:p>
+                      <a:pPr algn="ctr"/>
+                      <a:r>
+                        <a:rPr lang="en-US" dirty="0"/>
+                        <a:t>Specificity</a:t>
+                      </a:r>
+                    </a:p>
+                  </a:txBody>
+                  <a:tcPr/>
+                </a:tc>
+                <a:tc>
+                  <a:txBody>
+                    <a:bodyPr/>
+                    <a:lstStyle/>
+                    <a:p>
+                      <a:pPr algn="ctr"/>
+                      <a:r>
+                        <a:rPr lang="en-US" dirty="0"/>
+                        <a:t>Prevalence</a:t>
+                      </a:r>
+                    </a:p>
+                  </a:txBody>
+                  <a:tcPr/>
+                </a:tc>
+                <a:tc>
+                  <a:txBody>
+                    <a:bodyPr/>
+                    <a:lstStyle/>
+                    <a:p>
+                      <a:pPr algn="ctr"/>
+                      <a:r>
+                        <a:rPr lang="en-US" dirty="0"/>
+                        <a:t>PPV</a:t>
+                      </a:r>
+                    </a:p>
+                  </a:txBody>
+                  <a:tcPr/>
+                </a:tc>
+                <a:tc>
+                  <a:txBody>
+                    <a:bodyPr/>
+                    <a:lstStyle/>
+                    <a:p>
+                      <a:pPr algn="ctr"/>
+                      <a:r>
+                        <a:rPr lang="en-US" dirty="0"/>
+                        <a:t>NPV</a:t>
+                      </a:r>
+                    </a:p>
+                  </a:txBody>
+                  <a:tcPr/>
+                </a:tc>
+                <a:tc>
+                  <a:txBody>
+                    <a:bodyPr/>
+                    <a:lstStyle/>
+                    <a:p>
+                      <a:pPr algn="ctr"/>
+                      <a:r>
+                        <a:rPr lang="en-US" dirty="0"/>
+                        <a:t>AUROC</a:t>
+                      </a:r>
+                    </a:p>
+                  </a:txBody>
+                  <a:tcPr/>
+                </a:tc>
+                <a:extLst>
+                  <a:ext uri="{0D108BD9-81ED-4DB2-BD59-A6C34878D82A}">
+                    <a16:rowId xmlns:a16="http://schemas.microsoft.com/office/drawing/2014/main" val="606250503"/>
+                  </a:ext>
+                </a:extLst>
+              </a:tr>
+              <a:tr h="370840">
+                <a:tc>
+                  <a:txBody>
+                    <a:bodyPr/>
+                    <a:lstStyle/>
+                    <a:p>
+                      <a:r>
+                        <a:rPr lang="en-US" b="0" dirty="0"/>
+                        <a:t>Simple Stepwise Logistic Model</a:t>
+                      </a:r>
+                    </a:p>
+                  </a:txBody>
+                  <a:tcPr/>
+                </a:tc>
+                <a:tc>
+                  <a:txBody>
+                    <a:bodyPr/>
+                    <a:lstStyle/>
+                    <a:p>
+                      <a:pPr algn="ctr"/>
+                      <a:r>
+                        <a:rPr lang="en-US" dirty="0"/>
+                        <a:t>81%</a:t>
+                      </a:r>
+                    </a:p>
+                  </a:txBody>
+                  <a:tcPr/>
+                </a:tc>
+                <a:tc>
+                  <a:txBody>
+                    <a:bodyPr/>
+                    <a:lstStyle/>
+                    <a:p>
+                      <a:pPr algn="ctr"/>
+                      <a:r>
+                        <a:rPr lang="en-US" dirty="0"/>
+                        <a:t>86%</a:t>
+                      </a:r>
+                    </a:p>
+                  </a:txBody>
+                  <a:tcPr/>
+                </a:tc>
+                <a:tc>
+                  <a:txBody>
+                    <a:bodyPr/>
+                    <a:lstStyle/>
+                    <a:p>
+                      <a:pPr algn="ctr"/>
+                      <a:r>
+                        <a:rPr lang="en-US" dirty="0"/>
+                        <a:t>88%</a:t>
+                      </a:r>
+                    </a:p>
+                  </a:txBody>
+                  <a:tcPr/>
+                </a:tc>
+                <a:tc>
+                  <a:txBody>
+                    <a:bodyPr/>
+                    <a:lstStyle/>
+                    <a:p>
+                      <a:pPr algn="ctr"/>
+                      <a:r>
+                        <a:rPr lang="en-US" dirty="0"/>
+                        <a:t>97%</a:t>
+                      </a:r>
+                    </a:p>
+                  </a:txBody>
+                  <a:tcPr/>
+                </a:tc>
+                <a:tc>
+                  <a:txBody>
+                    <a:bodyPr/>
+                    <a:lstStyle/>
+                    <a:p>
+                      <a:pPr algn="ctr"/>
+                      <a:r>
+                        <a:rPr lang="en-US" dirty="0"/>
+                        <a:t>38%</a:t>
+                      </a:r>
+                    </a:p>
+                  </a:txBody>
+                  <a:tcPr/>
+                </a:tc>
+                <a:tc>
+                  <a:txBody>
+                    <a:bodyPr/>
+                    <a:lstStyle/>
+                    <a:p>
+                      <a:pPr marL="0" marR="0" lvl="0" indent="0" algn="ctr" defTabSz="914400" rtl="0" eaLnBrk="1" fontAlgn="auto" latinLnBrk="0" hangingPunct="1">
+                        <a:lnSpc>
+                          <a:spcPct val="100000"/>
+                        </a:lnSpc>
+                        <a:spcBef>
+                          <a:spcPts val="0"/>
+                        </a:spcBef>
+                        <a:spcAft>
+                          <a:spcPts val="0"/>
+                        </a:spcAft>
+                        <a:buClr>
+                          <a:srgbClr val="000000"/>
+                        </a:buClr>
+                        <a:buSzTx/>
+                        <a:buFont typeface="Arial"/>
+                        <a:buNone/>
+                        <a:tabLst/>
+                        <a:defRPr/>
+                      </a:pPr>
+                      <a:r>
+                        <a:rPr lang="en-US" dirty="0"/>
+                        <a:t>0.9045</a:t>
+                      </a:r>
+                    </a:p>
+                    <a:p>
+                      <a:pPr algn="ctr"/>
+                      <a:endParaRPr lang="en-US" dirty="0"/>
+                    </a:p>
+                  </a:txBody>
+                  <a:tcPr/>
+                </a:tc>
+                <a:extLst>
+                  <a:ext uri="{0D108BD9-81ED-4DB2-BD59-A6C34878D82A}">
+                    <a16:rowId xmlns:a16="http://schemas.microsoft.com/office/drawing/2014/main" val="1111098763"/>
+                  </a:ext>
+                </a:extLst>
+              </a:tr>
+              <a:tr h="518160">
+                <a:tc>
+                  <a:txBody>
+                    <a:bodyPr/>
+                    <a:lstStyle/>
+                    <a:p>
+                      <a:r>
+                        <a:rPr lang="en-US" b="0" dirty="0"/>
+                        <a:t>Complex Logistic Regression Model</a:t>
+                      </a:r>
+                    </a:p>
+                  </a:txBody>
+                  <a:tcPr/>
+                </a:tc>
+                <a:tc>
+                  <a:txBody>
+                    <a:bodyPr/>
+                    <a:lstStyle/>
+                    <a:p>
+                      <a:pPr marL="0" marR="0" lvl="0" indent="0" algn="ctr" defTabSz="914400" rtl="0" eaLnBrk="1" fontAlgn="auto" latinLnBrk="0" hangingPunct="1">
+                        <a:lnSpc>
+                          <a:spcPct val="100000"/>
+                        </a:lnSpc>
+                        <a:spcBef>
+                          <a:spcPts val="0"/>
+                        </a:spcBef>
+                        <a:spcAft>
+                          <a:spcPts val="0"/>
+                        </a:spcAft>
+                        <a:buClr>
+                          <a:srgbClr val="000000"/>
+                        </a:buClr>
+                        <a:buSzTx/>
+                        <a:buFont typeface="Arial"/>
+                        <a:buNone/>
+                        <a:tabLst/>
+                        <a:defRPr/>
+                      </a:pPr>
+                      <a:r>
+                        <a:rPr lang="en-US" dirty="0"/>
+                        <a:t>81%</a:t>
+                      </a:r>
+                    </a:p>
+                    <a:p>
+                      <a:pPr algn="ctr"/>
+                      <a:endParaRPr lang="en-US" dirty="0"/>
+                    </a:p>
+                  </a:txBody>
+                  <a:tcPr/>
+                </a:tc>
+                <a:tc>
+                  <a:txBody>
+                    <a:bodyPr/>
+                    <a:lstStyle/>
+                    <a:p>
+                      <a:pPr algn="ctr"/>
+                      <a:r>
+                        <a:rPr lang="en-US" dirty="0"/>
+                        <a:t>87%</a:t>
+                      </a:r>
+                    </a:p>
+                  </a:txBody>
+                  <a:tcPr/>
+                </a:tc>
+                <a:tc>
+                  <a:txBody>
+                    <a:bodyPr/>
+                    <a:lstStyle/>
+                    <a:p>
+                      <a:pPr marL="0" marR="0" lvl="0" indent="0" algn="ctr" defTabSz="914400" rtl="0" eaLnBrk="1" fontAlgn="auto" latinLnBrk="0" hangingPunct="1">
+                        <a:lnSpc>
+                          <a:spcPct val="100000"/>
+                        </a:lnSpc>
+                        <a:spcBef>
+                          <a:spcPts val="0"/>
+                        </a:spcBef>
+                        <a:spcAft>
+                          <a:spcPts val="0"/>
+                        </a:spcAft>
+                        <a:buClr>
+                          <a:srgbClr val="000000"/>
+                        </a:buClr>
+                        <a:buSzTx/>
+                        <a:buFont typeface="Arial"/>
+                        <a:buNone/>
+                        <a:tabLst/>
+                        <a:defRPr/>
+                      </a:pPr>
+                      <a:r>
+                        <a:rPr lang="en-US" dirty="0"/>
+                        <a:t>88%</a:t>
+                      </a:r>
+                    </a:p>
+                    <a:p>
+                      <a:pPr algn="ctr"/>
+                      <a:endParaRPr lang="en-US" dirty="0"/>
+                    </a:p>
+                  </a:txBody>
+                  <a:tcPr/>
+                </a:tc>
+                <a:tc>
+                  <a:txBody>
+                    <a:bodyPr/>
+                    <a:lstStyle/>
+                    <a:p>
+                      <a:pPr algn="ctr"/>
+                      <a:r>
+                        <a:rPr lang="en-US" dirty="0"/>
+                        <a:t>98%</a:t>
+                      </a:r>
+                    </a:p>
+                  </a:txBody>
+                  <a:tcPr/>
+                </a:tc>
+                <a:tc>
+                  <a:txBody>
+                    <a:bodyPr/>
+                    <a:lstStyle/>
+                    <a:p>
+                      <a:pPr marL="0" marR="0" lvl="0" indent="0" algn="ctr" defTabSz="914400" rtl="0" eaLnBrk="1" fontAlgn="auto" latinLnBrk="0" hangingPunct="1">
+                        <a:lnSpc>
+                          <a:spcPct val="100000"/>
+                        </a:lnSpc>
+                        <a:spcBef>
+                          <a:spcPts val="0"/>
+                        </a:spcBef>
+                        <a:spcAft>
+                          <a:spcPts val="0"/>
+                        </a:spcAft>
+                        <a:buClr>
+                          <a:srgbClr val="000000"/>
+                        </a:buClr>
+                        <a:buSzTx/>
+                        <a:buFont typeface="Arial"/>
+                        <a:buNone/>
+                        <a:tabLst/>
+                        <a:defRPr/>
+                      </a:pPr>
+                      <a:r>
+                        <a:rPr lang="en-US" dirty="0"/>
+                        <a:t>38%</a:t>
+                      </a:r>
+                    </a:p>
+                    <a:p>
+                      <a:pPr algn="ctr"/>
+                      <a:endParaRPr lang="en-US" dirty="0"/>
+                    </a:p>
+                  </a:txBody>
+                  <a:tcPr/>
+                </a:tc>
+                <a:tc>
+                  <a:txBody>
+                    <a:bodyPr/>
+                    <a:lstStyle/>
+                    <a:p>
+                      <a:pPr algn="ctr"/>
+                      <a:r>
+                        <a:rPr lang="en-US" dirty="0"/>
+                        <a:t>0.9149</a:t>
+                      </a:r>
+                    </a:p>
+                  </a:txBody>
+                  <a:tcPr/>
+                </a:tc>
+                <a:extLst>
+                  <a:ext uri="{0D108BD9-81ED-4DB2-BD59-A6C34878D82A}">
+                    <a16:rowId xmlns:a16="http://schemas.microsoft.com/office/drawing/2014/main" val="3146497599"/>
+                  </a:ext>
+                </a:extLst>
+              </a:tr>
+              <a:tr h="370840">
+                <a:tc>
+                  <a:txBody>
+                    <a:bodyPr/>
+                    <a:lstStyle/>
+                    <a:p>
+                      <a:r>
+                        <a:rPr lang="en-US" b="0" dirty="0"/>
+                        <a:t>LDA</a:t>
+                      </a:r>
+                    </a:p>
+                  </a:txBody>
+                  <a:tcPr/>
+                </a:tc>
+                <a:tc>
+                  <a:txBody>
+                    <a:bodyPr/>
+                    <a:lstStyle/>
+                    <a:p>
+                      <a:pPr algn="ctr"/>
+                      <a:r>
+                        <a:rPr lang="en-US" dirty="0"/>
+                        <a:t>82%</a:t>
+                      </a:r>
+                    </a:p>
+                  </a:txBody>
+                  <a:tcPr/>
+                </a:tc>
+                <a:tc>
+                  <a:txBody>
+                    <a:bodyPr/>
+                    <a:lstStyle/>
+                    <a:p>
+                      <a:pPr algn="ctr"/>
+                      <a:r>
+                        <a:rPr lang="en-US" dirty="0"/>
+                        <a:t>86%</a:t>
+                      </a:r>
+                    </a:p>
+                  </a:txBody>
+                  <a:tcPr/>
+                </a:tc>
+                <a:tc>
+                  <a:txBody>
+                    <a:bodyPr/>
+                    <a:lstStyle/>
+                    <a:p>
+                      <a:pPr marL="0" marR="0" lvl="0" indent="0" algn="ctr" defTabSz="914400" rtl="0" eaLnBrk="1" fontAlgn="auto" latinLnBrk="0" hangingPunct="1">
+                        <a:lnSpc>
+                          <a:spcPct val="100000"/>
+                        </a:lnSpc>
+                        <a:spcBef>
+                          <a:spcPts val="0"/>
+                        </a:spcBef>
+                        <a:spcAft>
+                          <a:spcPts val="0"/>
+                        </a:spcAft>
+                        <a:buClr>
+                          <a:srgbClr val="000000"/>
+                        </a:buClr>
+                        <a:buSzTx/>
+                        <a:buFont typeface="Arial"/>
+                        <a:buNone/>
+                        <a:tabLst/>
+                        <a:defRPr/>
+                      </a:pPr>
+                      <a:r>
+                        <a:rPr lang="en-US" dirty="0"/>
+                        <a:t>88%</a:t>
+                      </a:r>
+                    </a:p>
+                  </a:txBody>
+                  <a:tcPr/>
+                </a:tc>
+                <a:tc>
+                  <a:txBody>
+                    <a:bodyPr/>
+                    <a:lstStyle/>
+                    <a:p>
+                      <a:pPr algn="ctr"/>
+                      <a:r>
+                        <a:rPr lang="en-US" dirty="0"/>
+                        <a:t>98%</a:t>
+                      </a:r>
+                    </a:p>
+                  </a:txBody>
+                  <a:tcPr/>
+                </a:tc>
+                <a:tc>
+                  <a:txBody>
+                    <a:bodyPr/>
+                    <a:lstStyle/>
+                    <a:p>
+                      <a:pPr algn="ctr"/>
+                      <a:r>
+                        <a:rPr lang="en-US" dirty="0"/>
+                        <a:t>39%</a:t>
+                      </a:r>
+                    </a:p>
+                  </a:txBody>
+                  <a:tcPr/>
+                </a:tc>
+                <a:tc>
+                  <a:txBody>
+                    <a:bodyPr/>
+                    <a:lstStyle/>
+                    <a:p>
+                      <a:pPr algn="ctr"/>
+                      <a:r>
+                        <a:rPr lang="en-US" dirty="0"/>
+                        <a:t>0.9117</a:t>
+                      </a:r>
+                    </a:p>
+                  </a:txBody>
+                  <a:tcPr/>
+                </a:tc>
+                <a:extLst>
+                  <a:ext uri="{0D108BD9-81ED-4DB2-BD59-A6C34878D82A}">
+                    <a16:rowId xmlns:a16="http://schemas.microsoft.com/office/drawing/2014/main" val="1616612204"/>
+                  </a:ext>
+                </a:extLst>
+              </a:tr>
+              <a:tr h="370840">
+                <a:tc>
+                  <a:txBody>
+                    <a:bodyPr/>
+                    <a:lstStyle/>
+                    <a:p>
+                      <a:r>
+                        <a:rPr lang="en-US" b="0" dirty="0"/>
+                        <a:t>QDA</a:t>
+                      </a:r>
+                    </a:p>
+                  </a:txBody>
+                  <a:tcPr/>
+                </a:tc>
+                <a:tc>
+                  <a:txBody>
+                    <a:bodyPr/>
+                    <a:lstStyle/>
+                    <a:p>
+                      <a:pPr marL="0" marR="0" lvl="0" indent="0" algn="ctr" defTabSz="914400" rtl="0" eaLnBrk="1" fontAlgn="auto" latinLnBrk="0" hangingPunct="1">
+                        <a:lnSpc>
+                          <a:spcPct val="100000"/>
+                        </a:lnSpc>
+                        <a:spcBef>
+                          <a:spcPts val="0"/>
+                        </a:spcBef>
+                        <a:spcAft>
+                          <a:spcPts val="0"/>
+                        </a:spcAft>
+                        <a:buClr>
+                          <a:srgbClr val="000000"/>
+                        </a:buClr>
+                        <a:buSzTx/>
+                        <a:buFont typeface="Arial"/>
+                        <a:buNone/>
+                        <a:tabLst/>
+                        <a:defRPr/>
+                      </a:pPr>
+                      <a:r>
+                        <a:rPr lang="en-US" dirty="0"/>
+                        <a:t>0%</a:t>
+                      </a:r>
+                    </a:p>
+                  </a:txBody>
+                  <a:tcPr/>
+                </a:tc>
+                <a:tc>
+                  <a:txBody>
+                    <a:bodyPr/>
+                    <a:lstStyle/>
+                    <a:p>
+                      <a:pPr marL="0" marR="0" lvl="0" indent="0" algn="ctr" defTabSz="914400" rtl="0" eaLnBrk="1" fontAlgn="auto" latinLnBrk="0" hangingPunct="1">
+                        <a:lnSpc>
+                          <a:spcPct val="100000"/>
+                        </a:lnSpc>
+                        <a:spcBef>
+                          <a:spcPts val="0"/>
+                        </a:spcBef>
+                        <a:spcAft>
+                          <a:spcPts val="0"/>
+                        </a:spcAft>
+                        <a:buClr>
+                          <a:srgbClr val="000000"/>
+                        </a:buClr>
+                        <a:buSzTx/>
+                        <a:buFont typeface="Arial"/>
+                        <a:buNone/>
+                        <a:tabLst/>
+                        <a:defRPr/>
+                      </a:pPr>
+                      <a:r>
+                        <a:rPr lang="en-US" dirty="0"/>
+                        <a:t>100%</a:t>
+                      </a:r>
+                    </a:p>
+                  </a:txBody>
+                  <a:tcPr/>
+                </a:tc>
+                <a:tc>
+                  <a:txBody>
+                    <a:bodyPr/>
+                    <a:lstStyle/>
+                    <a:p>
+                      <a:pPr marL="0" marR="0" lvl="0" indent="0" algn="ctr" defTabSz="914400" rtl="0" eaLnBrk="1" fontAlgn="auto" latinLnBrk="0" hangingPunct="1">
+                        <a:lnSpc>
+                          <a:spcPct val="100000"/>
+                        </a:lnSpc>
+                        <a:spcBef>
+                          <a:spcPts val="0"/>
+                        </a:spcBef>
+                        <a:spcAft>
+                          <a:spcPts val="0"/>
+                        </a:spcAft>
+                        <a:buClr>
+                          <a:srgbClr val="000000"/>
+                        </a:buClr>
+                        <a:buSzTx/>
+                        <a:buFont typeface="Arial"/>
+                        <a:buNone/>
+                        <a:tabLst/>
+                        <a:defRPr/>
+                      </a:pPr>
+                      <a:r>
+                        <a:rPr lang="en-US" dirty="0"/>
+                        <a:t>88%</a:t>
+                      </a:r>
+                    </a:p>
+                  </a:txBody>
+                  <a:tcPr/>
+                </a:tc>
+                <a:tc>
+                  <a:txBody>
+                    <a:bodyPr/>
+                    <a:lstStyle/>
+                    <a:p>
+                      <a:pPr marL="0" marR="0" lvl="0" indent="0" algn="ctr" defTabSz="914400" rtl="0" eaLnBrk="1" fontAlgn="auto" latinLnBrk="0" hangingPunct="1">
+                        <a:lnSpc>
+                          <a:spcPct val="100000"/>
+                        </a:lnSpc>
+                        <a:spcBef>
+                          <a:spcPts val="0"/>
+                        </a:spcBef>
+                        <a:spcAft>
+                          <a:spcPts val="0"/>
+                        </a:spcAft>
+                        <a:buClr>
+                          <a:srgbClr val="000000"/>
+                        </a:buClr>
+                        <a:buSzTx/>
+                        <a:buFont typeface="Arial"/>
+                        <a:buNone/>
+                        <a:tabLst/>
+                        <a:defRPr/>
+                      </a:pPr>
+                      <a:r>
+                        <a:rPr lang="en-US" dirty="0" err="1"/>
+                        <a:t>NaN</a:t>
+                      </a:r>
+                      <a:endParaRPr lang="en-US" dirty="0"/>
+                    </a:p>
+                  </a:txBody>
+                  <a:tcPr/>
+                </a:tc>
+                <a:tc>
+                  <a:txBody>
+                    <a:bodyPr/>
+                    <a:lstStyle/>
+                    <a:p>
+                      <a:pPr marL="0" marR="0" lvl="0" indent="0" algn="ctr" defTabSz="914400" rtl="0" eaLnBrk="1" fontAlgn="auto" latinLnBrk="0" hangingPunct="1">
+                        <a:lnSpc>
+                          <a:spcPct val="100000"/>
+                        </a:lnSpc>
+                        <a:spcBef>
+                          <a:spcPts val="0"/>
+                        </a:spcBef>
+                        <a:spcAft>
+                          <a:spcPts val="0"/>
+                        </a:spcAft>
+                        <a:buClr>
+                          <a:srgbClr val="000000"/>
+                        </a:buClr>
+                        <a:buSzTx/>
+                        <a:buFont typeface="Arial"/>
+                        <a:buNone/>
+                        <a:tabLst/>
+                        <a:defRPr/>
+                      </a:pPr>
+                      <a:r>
+                        <a:rPr lang="en-US" dirty="0"/>
+                        <a:t>12%</a:t>
+                      </a:r>
+                    </a:p>
+                  </a:txBody>
+                  <a:tcPr/>
+                </a:tc>
+                <a:tc>
+                  <a:txBody>
+                    <a:bodyPr/>
+                    <a:lstStyle/>
+                    <a:p>
+                      <a:pPr marL="0" marR="0" lvl="0" indent="0" algn="ctr" defTabSz="914400" rtl="0" eaLnBrk="1" fontAlgn="auto" latinLnBrk="0" hangingPunct="1">
+                        <a:lnSpc>
+                          <a:spcPct val="100000"/>
+                        </a:lnSpc>
+                        <a:spcBef>
+                          <a:spcPts val="0"/>
+                        </a:spcBef>
+                        <a:spcAft>
+                          <a:spcPts val="0"/>
+                        </a:spcAft>
+                        <a:buClr>
+                          <a:srgbClr val="000000"/>
+                        </a:buClr>
+                        <a:buSzTx/>
+                        <a:buFont typeface="Arial"/>
+                        <a:buNone/>
+                        <a:tabLst/>
+                        <a:defRPr/>
+                      </a:pPr>
+                      <a:r>
+                        <a:rPr lang="en-US" dirty="0"/>
+                        <a:t>0.838</a:t>
+                      </a:r>
+                    </a:p>
+                  </a:txBody>
+                  <a:tcPr/>
+                </a:tc>
+                <a:extLst>
+                  <a:ext uri="{0D108BD9-81ED-4DB2-BD59-A6C34878D82A}">
+                    <a16:rowId xmlns:a16="http://schemas.microsoft.com/office/drawing/2014/main" val="2652376005"/>
+                  </a:ext>
+                </a:extLst>
+              </a:tr>
+              <a:tr h="370840">
+                <a:tc>
+                  <a:txBody>
+                    <a:bodyPr/>
+                    <a:lstStyle/>
+                    <a:p>
+                      <a:r>
+                        <a:rPr lang="en-US" b="0" dirty="0"/>
+                        <a:t>KNN</a:t>
+                      </a:r>
+                    </a:p>
+                  </a:txBody>
+                  <a:tcPr/>
+                </a:tc>
+                <a:tc>
+                  <a:txBody>
+                    <a:bodyPr/>
+                    <a:lstStyle/>
+                    <a:p>
+                      <a:pPr algn="ctr"/>
+                      <a:r>
+                        <a:rPr lang="en-US" dirty="0"/>
+                        <a:t>83%</a:t>
+                      </a:r>
+                    </a:p>
+                  </a:txBody>
+                  <a:tcPr/>
+                </a:tc>
+                <a:tc>
+                  <a:txBody>
+                    <a:bodyPr/>
+                    <a:lstStyle/>
+                    <a:p>
+                      <a:pPr algn="ctr"/>
+                      <a:r>
+                        <a:rPr lang="en-US" dirty="0"/>
+                        <a:t>66%</a:t>
+                      </a:r>
+                    </a:p>
+                  </a:txBody>
+                  <a:tcPr/>
+                </a:tc>
+                <a:tc>
+                  <a:txBody>
+                    <a:bodyPr/>
+                    <a:lstStyle/>
+                    <a:p>
+                      <a:pPr marL="0" marR="0" lvl="0" indent="0" algn="ctr" defTabSz="914400" rtl="0" eaLnBrk="1" fontAlgn="auto" latinLnBrk="0" hangingPunct="1">
+                        <a:lnSpc>
+                          <a:spcPct val="100000"/>
+                        </a:lnSpc>
+                        <a:spcBef>
+                          <a:spcPts val="0"/>
+                        </a:spcBef>
+                        <a:spcAft>
+                          <a:spcPts val="0"/>
+                        </a:spcAft>
+                        <a:buClr>
+                          <a:srgbClr val="000000"/>
+                        </a:buClr>
+                        <a:buSzTx/>
+                        <a:buFont typeface="Arial"/>
+                        <a:buNone/>
+                        <a:tabLst/>
+                        <a:defRPr/>
+                      </a:pPr>
+                      <a:r>
+                        <a:rPr lang="en-US" dirty="0"/>
+                        <a:t>88%</a:t>
+                      </a:r>
+                    </a:p>
+                  </a:txBody>
+                  <a:tcPr/>
+                </a:tc>
+                <a:tc>
+                  <a:txBody>
+                    <a:bodyPr/>
+                    <a:lstStyle/>
+                    <a:p>
+                      <a:pPr algn="ctr"/>
+                      <a:r>
+                        <a:rPr lang="en-US" dirty="0"/>
+                        <a:t>95%</a:t>
+                      </a:r>
+                    </a:p>
+                  </a:txBody>
+                  <a:tcPr/>
+                </a:tc>
+                <a:tc>
+                  <a:txBody>
+                    <a:bodyPr/>
+                    <a:lstStyle/>
+                    <a:p>
+                      <a:pPr algn="ctr"/>
+                      <a:r>
+                        <a:rPr lang="en-US" dirty="0"/>
+                        <a:t>34%</a:t>
+                      </a:r>
+                    </a:p>
+                  </a:txBody>
+                  <a:tcPr/>
+                </a:tc>
+                <a:tc>
+                  <a:txBody>
+                    <a:bodyPr/>
+                    <a:lstStyle/>
+                    <a:p>
+                      <a:pPr marL="0" marR="0" lvl="0" indent="0" algn="ctr" defTabSz="914400" rtl="0" eaLnBrk="1" fontAlgn="auto" latinLnBrk="0" hangingPunct="1">
+                        <a:lnSpc>
+                          <a:spcPct val="100000"/>
+                        </a:lnSpc>
+                        <a:spcBef>
+                          <a:spcPts val="0"/>
+                        </a:spcBef>
+                        <a:spcAft>
+                          <a:spcPts val="0"/>
+                        </a:spcAft>
+                        <a:buClr>
+                          <a:srgbClr val="000000"/>
+                        </a:buClr>
+                        <a:buSzTx/>
+                        <a:buFont typeface="Arial"/>
+                        <a:buNone/>
+                        <a:tabLst/>
+                        <a:defRPr/>
+                      </a:pPr>
+                      <a:r>
+                        <a:rPr lang="en-US" dirty="0"/>
+                        <a:t>0.7963</a:t>
+                      </a:r>
+                    </a:p>
+                  </a:txBody>
+                  <a:tcPr/>
+                </a:tc>
+                <a:extLst>
+                  <a:ext uri="{0D108BD9-81ED-4DB2-BD59-A6C34878D82A}">
+                    <a16:rowId xmlns:a16="http://schemas.microsoft.com/office/drawing/2014/main" val="3781162483"/>
+                  </a:ext>
+                </a:extLst>
+              </a:tr>
+              <a:tr h="370840">
+                <a:tc>
+                  <a:txBody>
+                    <a:bodyPr/>
+                    <a:lstStyle/>
+                    <a:p>
+                      <a:r>
+                        <a:rPr lang="en-US" b="0" dirty="0"/>
+                        <a:t>Random Forest</a:t>
+                      </a:r>
+                    </a:p>
+                  </a:txBody>
+                  <a:tcPr/>
+                </a:tc>
+                <a:tc>
+                  <a:txBody>
+                    <a:bodyPr/>
+                    <a:lstStyle/>
+                    <a:p>
+                      <a:pPr algn="ctr"/>
+                      <a:r>
+                        <a:rPr lang="en-US" dirty="0"/>
+                        <a:t>83%</a:t>
+                      </a:r>
+                    </a:p>
+                  </a:txBody>
+                  <a:tcPr/>
+                </a:tc>
+                <a:tc>
+                  <a:txBody>
+                    <a:bodyPr/>
+                    <a:lstStyle/>
+                    <a:p>
+                      <a:pPr algn="ctr"/>
+                      <a:r>
+                        <a:rPr lang="en-US" dirty="0"/>
+                        <a:t>91%</a:t>
+                      </a:r>
+                    </a:p>
+                  </a:txBody>
+                  <a:tcPr/>
+                </a:tc>
+                <a:tc>
+                  <a:txBody>
+                    <a:bodyPr/>
+                    <a:lstStyle/>
+                    <a:p>
+                      <a:pPr algn="ctr"/>
+                      <a:r>
+                        <a:rPr lang="en-US" dirty="0"/>
+                        <a:t>88%</a:t>
+                      </a:r>
+                    </a:p>
+                  </a:txBody>
+                  <a:tcPr/>
+                </a:tc>
+                <a:tc>
+                  <a:txBody>
+                    <a:bodyPr/>
+                    <a:lstStyle/>
+                    <a:p>
+                      <a:pPr algn="ctr"/>
+                      <a:r>
+                        <a:rPr lang="en-US" dirty="0"/>
+                        <a:t>99%</a:t>
+                      </a:r>
+                    </a:p>
+                  </a:txBody>
+                  <a:tcPr/>
+                </a:tc>
+                <a:tc>
+                  <a:txBody>
+                    <a:bodyPr/>
+                    <a:lstStyle/>
+                    <a:p>
+                      <a:pPr algn="ctr"/>
+                      <a:r>
+                        <a:rPr lang="en-US" dirty="0"/>
+                        <a:t>41%</a:t>
+                      </a:r>
+                    </a:p>
+                  </a:txBody>
+                  <a:tcPr/>
+                </a:tc>
+                <a:tc>
+                  <a:txBody>
+                    <a:bodyPr/>
+                    <a:lstStyle/>
+                    <a:p>
+                      <a:pPr algn="ctr"/>
+                      <a:r>
+                        <a:rPr lang="en-US" dirty="0"/>
+                        <a:t>0.9281</a:t>
+                      </a:r>
+                    </a:p>
+                  </a:txBody>
+                  <a:tcPr/>
+                </a:tc>
+                <a:extLst>
+                  <a:ext uri="{0D108BD9-81ED-4DB2-BD59-A6C34878D82A}">
+                    <a16:rowId xmlns:a16="http://schemas.microsoft.com/office/drawing/2014/main" val="3095442458"/>
+                  </a:ext>
+                </a:extLst>
+              </a:tr>
+              <a:tr h="518160">
+                <a:tc>
+                  <a:txBody>
+                    <a:bodyPr/>
+                    <a:lstStyle/>
+                    <a:p>
+                      <a:r>
+                        <a:rPr lang="en-US" b="0" dirty="0"/>
+                        <a:t>eXtreme Gradient Boosting</a:t>
+                      </a:r>
+                    </a:p>
+                  </a:txBody>
+                  <a:tcPr/>
+                </a:tc>
+                <a:tc>
+                  <a:txBody>
+                    <a:bodyPr/>
+                    <a:lstStyle/>
+                    <a:p>
+                      <a:pPr marL="0" marR="0" lvl="0" indent="0" algn="ctr" defTabSz="914400" rtl="0" eaLnBrk="1" fontAlgn="auto" latinLnBrk="0" hangingPunct="1">
+                        <a:lnSpc>
+                          <a:spcPct val="100000"/>
+                        </a:lnSpc>
+                        <a:spcBef>
+                          <a:spcPts val="0"/>
+                        </a:spcBef>
+                        <a:spcAft>
+                          <a:spcPts val="0"/>
+                        </a:spcAft>
+                        <a:buClr>
+                          <a:srgbClr val="000000"/>
+                        </a:buClr>
+                        <a:buSzTx/>
+                        <a:buFont typeface="Arial"/>
+                        <a:buNone/>
+                        <a:tabLst/>
+                        <a:defRPr/>
+                      </a:pPr>
+                      <a:r>
+                        <a:rPr lang="en-US" dirty="0"/>
+                        <a:t>82%</a:t>
+                      </a:r>
+                    </a:p>
+                  </a:txBody>
+                  <a:tcPr/>
+                </a:tc>
+                <a:tc>
+                  <a:txBody>
+                    <a:bodyPr/>
+                    <a:lstStyle/>
+                    <a:p>
+                      <a:pPr marL="0" marR="0" lvl="0" indent="0" algn="ctr" defTabSz="914400" rtl="0" eaLnBrk="1" fontAlgn="auto" latinLnBrk="0" hangingPunct="1">
+                        <a:lnSpc>
+                          <a:spcPct val="100000"/>
+                        </a:lnSpc>
+                        <a:spcBef>
+                          <a:spcPts val="0"/>
+                        </a:spcBef>
+                        <a:spcAft>
+                          <a:spcPts val="0"/>
+                        </a:spcAft>
+                        <a:buClr>
+                          <a:srgbClr val="000000"/>
+                        </a:buClr>
+                        <a:buSzTx/>
+                        <a:buFont typeface="Arial"/>
+                        <a:buNone/>
+                        <a:tabLst/>
+                        <a:defRPr/>
+                      </a:pPr>
+                      <a:r>
+                        <a:rPr lang="en-US" dirty="0"/>
+                        <a:t>92%</a:t>
+                      </a:r>
+                    </a:p>
+                  </a:txBody>
+                  <a:tcPr/>
+                </a:tc>
+                <a:tc>
+                  <a:txBody>
+                    <a:bodyPr/>
+                    <a:lstStyle/>
+                    <a:p>
+                      <a:pPr marL="0" marR="0" lvl="0" indent="0" algn="ctr" defTabSz="914400" rtl="0" eaLnBrk="1" fontAlgn="auto" latinLnBrk="0" hangingPunct="1">
+                        <a:lnSpc>
+                          <a:spcPct val="100000"/>
+                        </a:lnSpc>
+                        <a:spcBef>
+                          <a:spcPts val="0"/>
+                        </a:spcBef>
+                        <a:spcAft>
+                          <a:spcPts val="0"/>
+                        </a:spcAft>
+                        <a:buClr>
+                          <a:srgbClr val="000000"/>
+                        </a:buClr>
+                        <a:buSzTx/>
+                        <a:buFont typeface="Arial"/>
+                        <a:buNone/>
+                        <a:tabLst/>
+                        <a:defRPr/>
+                      </a:pPr>
+                      <a:r>
+                        <a:rPr lang="en-US" dirty="0"/>
+                        <a:t>88%</a:t>
+                      </a:r>
+                    </a:p>
+                  </a:txBody>
+                  <a:tcPr/>
+                </a:tc>
+                <a:tc>
+                  <a:txBody>
+                    <a:bodyPr/>
+                    <a:lstStyle/>
+                    <a:p>
+                      <a:pPr marL="0" marR="0" lvl="0" indent="0" algn="ctr" defTabSz="914400" rtl="0" eaLnBrk="1" fontAlgn="auto" latinLnBrk="0" hangingPunct="1">
+                        <a:lnSpc>
+                          <a:spcPct val="100000"/>
+                        </a:lnSpc>
+                        <a:spcBef>
+                          <a:spcPts val="0"/>
+                        </a:spcBef>
+                        <a:spcAft>
+                          <a:spcPts val="0"/>
+                        </a:spcAft>
+                        <a:buClr>
+                          <a:srgbClr val="000000"/>
+                        </a:buClr>
+                        <a:buSzTx/>
+                        <a:buFont typeface="Arial"/>
+                        <a:buNone/>
+                        <a:tabLst/>
+                        <a:defRPr/>
+                      </a:pPr>
+                      <a:r>
+                        <a:rPr lang="en-US" dirty="0"/>
+                        <a:t>99%</a:t>
+                      </a:r>
+                    </a:p>
+                  </a:txBody>
+                  <a:tcPr/>
+                </a:tc>
+                <a:tc>
+                  <a:txBody>
+                    <a:bodyPr/>
+                    <a:lstStyle/>
+                    <a:p>
+                      <a:pPr marL="0" marR="0" lvl="0" indent="0" algn="ctr" defTabSz="914400" rtl="0" eaLnBrk="1" fontAlgn="auto" latinLnBrk="0" hangingPunct="1">
+                        <a:lnSpc>
+                          <a:spcPct val="100000"/>
+                        </a:lnSpc>
+                        <a:spcBef>
+                          <a:spcPts val="0"/>
+                        </a:spcBef>
+                        <a:spcAft>
+                          <a:spcPts val="0"/>
+                        </a:spcAft>
+                        <a:buClr>
+                          <a:srgbClr val="000000"/>
+                        </a:buClr>
+                        <a:buSzTx/>
+                        <a:buFont typeface="Arial"/>
+                        <a:buNone/>
+                        <a:tabLst/>
+                        <a:defRPr/>
+                      </a:pPr>
+                      <a:r>
+                        <a:rPr lang="en-US" dirty="0"/>
+                        <a:t>40%</a:t>
+                      </a:r>
+                    </a:p>
+                  </a:txBody>
+                  <a:tcPr/>
+                </a:tc>
+                <a:tc>
+                  <a:txBody>
+                    <a:bodyPr/>
+                    <a:lstStyle/>
+                    <a:p>
+                      <a:pPr marL="0" marR="0" lvl="0" indent="0" algn="ctr" defTabSz="914400" rtl="0" eaLnBrk="1" fontAlgn="auto" latinLnBrk="0" hangingPunct="1">
+                        <a:lnSpc>
+                          <a:spcPct val="100000"/>
+                        </a:lnSpc>
+                        <a:spcBef>
+                          <a:spcPts val="0"/>
+                        </a:spcBef>
+                        <a:spcAft>
+                          <a:spcPts val="0"/>
+                        </a:spcAft>
+                        <a:buClr>
+                          <a:srgbClr val="000000"/>
+                        </a:buClr>
+                        <a:buSzTx/>
+                        <a:buFont typeface="Arial"/>
+                        <a:buNone/>
+                        <a:tabLst/>
+                        <a:defRPr/>
+                      </a:pPr>
+                      <a:r>
+                        <a:rPr lang="en-US" dirty="0"/>
+                        <a:t>0.9333</a:t>
+                      </a:r>
+                    </a:p>
+                  </a:txBody>
+                  <a:tcPr/>
+                </a:tc>
+                <a:extLst>
+                  <a:ext uri="{0D108BD9-81ED-4DB2-BD59-A6C34878D82A}">
+                    <a16:rowId xmlns:a16="http://schemas.microsoft.com/office/drawing/2014/main" val="2715389844"/>
+                  </a:ext>
+                </a:extLst>
+              </a:tr>
+            </a:tbl>
+          </a:graphicData>
+        </a:graphic>
+      </p:graphicFrame>
+    </p:spTree>
+    <p:custDataLst>
+      <p:tags r:id="rId1"/>
+    </p:custDataLst>
+    <p:extLst>
+      <p:ext uri="{BB962C8B-B14F-4D97-AF65-F5344CB8AC3E}">
+        <p14:creationId xmlns:p14="http://schemas.microsoft.com/office/powerpoint/2010/main" val="2789260674"/>
+      </p:ext>
+    </p:extLst>
+  </p:cSld>
+  <p:clrMapOvr>
+    <a:masterClrMapping/>
+  </p:clrMapOvr>
+</p:sld>
+</file>
+
+<file path=ppt/slides/slide33.xml><?xml version="1.0" encoding="utf-8"?>
 <p:sld xmlns:a="http://schemas.openxmlformats.org/drawingml/2006/main" xmlns:r="http://schemas.openxmlformats.org/officeDocument/2006/relationships" xmlns:p="http://schemas.openxmlformats.org/presentationml/2006/main">
   <p:cSld>
     <p:spTree>
@@ -27462,36 +29353,6 @@
           </a:p>
         </p:txBody>
       </p:sp>
-      <p:pic>
-        <p:nvPicPr>
-          <p:cNvPr id="3" name="Picture 2">
-            <a:extLst>
-              <a:ext uri="{FF2B5EF4-FFF2-40B4-BE49-F238E27FC236}">
-                <a16:creationId xmlns:a16="http://schemas.microsoft.com/office/drawing/2014/main" id="{C81EEBFD-FAD6-A381-FD47-437AED0D45C0}"/>
-              </a:ext>
-            </a:extLst>
-          </p:cNvPr>
-          <p:cNvPicPr>
-            <a:picLocks noChangeAspect="1"/>
-          </p:cNvPicPr>
-          <p:nvPr/>
-        </p:nvPicPr>
-        <p:blipFill>
-          <a:blip r:embed="rId4"/>
-          <a:stretch>
-            <a:fillRect/>
-          </a:stretch>
-        </p:blipFill>
-        <p:spPr>
-          <a:xfrm>
-            <a:off x="137160" y="2943037"/>
-            <a:ext cx="8869680" cy="1524380"/>
-          </a:xfrm>
-          <a:prstGeom prst="rect">
-            <a:avLst/>
-          </a:prstGeom>
-        </p:spPr>
-      </p:pic>
       <p:sp>
         <p:nvSpPr>
           <p:cNvPr id="8" name="Text Placeholder 2">
@@ -27508,8 +29369,8 @@
         </p:nvSpPr>
         <p:spPr>
           <a:xfrm>
-            <a:off x="725850" y="1761143"/>
-            <a:ext cx="5607004" cy="855655"/>
+            <a:off x="3576783" y="1407843"/>
+            <a:ext cx="3842158" cy="910625"/>
           </a:xfrm>
           <a:prstGeom prst="rect">
             <a:avLst/>
@@ -27843,7 +29704,7 @@
         </p:nvSpPr>
         <p:spPr>
           <a:xfrm>
-            <a:off x="2261915" y="4590072"/>
+            <a:off x="-601977" y="1709539"/>
             <a:ext cx="4620168" cy="402517"/>
           </a:xfrm>
           <a:prstGeom prst="rect">
@@ -28117,6 +29978,1166 @@
               </a:rPr>
               <a:t>No missing data was found</a:t>
             </a:r>
+          </a:p>
+        </p:txBody>
+      </p:sp>
+      <p:pic>
+        <p:nvPicPr>
+          <p:cNvPr id="5" name="Picture 4">
+            <a:extLst>
+              <a:ext uri="{FF2B5EF4-FFF2-40B4-BE49-F238E27FC236}">
+                <a16:creationId xmlns:a16="http://schemas.microsoft.com/office/drawing/2014/main" id="{C21D10EE-EA8F-F7FE-3B62-CC556FA6A62B}"/>
+              </a:ext>
+            </a:extLst>
+          </p:cNvPr>
+          <p:cNvPicPr>
+            <a:picLocks noChangeAspect="1"/>
+          </p:cNvPicPr>
+          <p:nvPr/>
+        </p:nvPicPr>
+        <p:blipFill>
+          <a:blip r:embed="rId4"/>
+          <a:stretch>
+            <a:fillRect/>
+          </a:stretch>
+        </p:blipFill>
+        <p:spPr>
+          <a:xfrm>
+            <a:off x="2089730" y="2345381"/>
+            <a:ext cx="817455" cy="847731"/>
+          </a:xfrm>
+          <a:prstGeom prst="rect">
+            <a:avLst/>
+          </a:prstGeom>
+        </p:spPr>
+      </p:pic>
+      <p:pic>
+        <p:nvPicPr>
+          <p:cNvPr id="7" name="Picture 6">
+            <a:extLst>
+              <a:ext uri="{FF2B5EF4-FFF2-40B4-BE49-F238E27FC236}">
+                <a16:creationId xmlns:a16="http://schemas.microsoft.com/office/drawing/2014/main" id="{2BE2F230-CD31-416D-0C39-53D3E03A1F49}"/>
+              </a:ext>
+            </a:extLst>
+          </p:cNvPr>
+          <p:cNvPicPr>
+            <a:picLocks noChangeAspect="1"/>
+          </p:cNvPicPr>
+          <p:nvPr/>
+        </p:nvPicPr>
+        <p:blipFill>
+          <a:blip r:embed="rId5"/>
+          <a:stretch>
+            <a:fillRect/>
+          </a:stretch>
+        </p:blipFill>
+        <p:spPr>
+          <a:xfrm>
+            <a:off x="2161749" y="4027427"/>
+            <a:ext cx="821769" cy="834315"/>
+          </a:xfrm>
+          <a:prstGeom prst="rect">
+            <a:avLst/>
+          </a:prstGeom>
+        </p:spPr>
+      </p:pic>
+      <p:pic>
+        <p:nvPicPr>
+          <p:cNvPr id="11" name="Picture 10">
+            <a:extLst>
+              <a:ext uri="{FF2B5EF4-FFF2-40B4-BE49-F238E27FC236}">
+                <a16:creationId xmlns:a16="http://schemas.microsoft.com/office/drawing/2014/main" id="{BFEE9C77-AB39-8C29-977B-BB6EB129BACC}"/>
+              </a:ext>
+            </a:extLst>
+          </p:cNvPr>
+          <p:cNvPicPr>
+            <a:picLocks noChangeAspect="1"/>
+          </p:cNvPicPr>
+          <p:nvPr/>
+        </p:nvPicPr>
+        <p:blipFill>
+          <a:blip r:embed="rId6"/>
+          <a:stretch>
+            <a:fillRect/>
+          </a:stretch>
+        </p:blipFill>
+        <p:spPr>
+          <a:xfrm>
+            <a:off x="1209803" y="3223102"/>
+            <a:ext cx="815126" cy="847731"/>
+          </a:xfrm>
+          <a:prstGeom prst="rect">
+            <a:avLst/>
+          </a:prstGeom>
+        </p:spPr>
+      </p:pic>
+      <p:pic>
+        <p:nvPicPr>
+          <p:cNvPr id="13" name="Picture 12">
+            <a:extLst>
+              <a:ext uri="{FF2B5EF4-FFF2-40B4-BE49-F238E27FC236}">
+                <a16:creationId xmlns:a16="http://schemas.microsoft.com/office/drawing/2014/main" id="{432ADFBE-BECD-1A0F-38A8-26ACC6C87B65}"/>
+              </a:ext>
+            </a:extLst>
+          </p:cNvPr>
+          <p:cNvPicPr>
+            <a:picLocks noChangeAspect="1"/>
+          </p:cNvPicPr>
+          <p:nvPr/>
+        </p:nvPicPr>
+        <p:blipFill>
+          <a:blip r:embed="rId7"/>
+          <a:stretch>
+            <a:fillRect/>
+          </a:stretch>
+        </p:blipFill>
+        <p:spPr>
+          <a:xfrm>
+            <a:off x="280028" y="3179696"/>
+            <a:ext cx="924798" cy="847731"/>
+          </a:xfrm>
+          <a:prstGeom prst="rect">
+            <a:avLst/>
+          </a:prstGeom>
+        </p:spPr>
+      </p:pic>
+      <p:pic>
+        <p:nvPicPr>
+          <p:cNvPr id="15" name="Picture 14">
+            <a:extLst>
+              <a:ext uri="{FF2B5EF4-FFF2-40B4-BE49-F238E27FC236}">
+                <a16:creationId xmlns:a16="http://schemas.microsoft.com/office/drawing/2014/main" id="{0CDA193F-5561-D92B-C57C-69C1E87BD10D}"/>
+              </a:ext>
+            </a:extLst>
+          </p:cNvPr>
+          <p:cNvPicPr>
+            <a:picLocks noChangeAspect="1"/>
+          </p:cNvPicPr>
+          <p:nvPr/>
+        </p:nvPicPr>
+        <p:blipFill>
+          <a:blip r:embed="rId8"/>
+          <a:stretch>
+            <a:fillRect/>
+          </a:stretch>
+        </p:blipFill>
+        <p:spPr>
+          <a:xfrm>
+            <a:off x="2056020" y="3207728"/>
+            <a:ext cx="813535" cy="819699"/>
+          </a:xfrm>
+          <a:prstGeom prst="rect">
+            <a:avLst/>
+          </a:prstGeom>
+        </p:spPr>
+      </p:pic>
+      <p:pic>
+        <p:nvPicPr>
+          <p:cNvPr id="17" name="Picture 16">
+            <a:extLst>
+              <a:ext uri="{FF2B5EF4-FFF2-40B4-BE49-F238E27FC236}">
+                <a16:creationId xmlns:a16="http://schemas.microsoft.com/office/drawing/2014/main" id="{2CBCEF21-23E1-A659-7882-3B985FCE1570}"/>
+              </a:ext>
+            </a:extLst>
+          </p:cNvPr>
+          <p:cNvPicPr>
+            <a:picLocks noChangeAspect="1"/>
+          </p:cNvPicPr>
+          <p:nvPr/>
+        </p:nvPicPr>
+        <p:blipFill>
+          <a:blip r:embed="rId9"/>
+          <a:stretch>
+            <a:fillRect/>
+          </a:stretch>
+        </p:blipFill>
+        <p:spPr>
+          <a:xfrm>
+            <a:off x="1339346" y="4114239"/>
+            <a:ext cx="737523" cy="786690"/>
+          </a:xfrm>
+          <a:prstGeom prst="rect">
+            <a:avLst/>
+          </a:prstGeom>
+        </p:spPr>
+      </p:pic>
+      <p:pic>
+        <p:nvPicPr>
+          <p:cNvPr id="19" name="Picture 18">
+            <a:extLst>
+              <a:ext uri="{FF2B5EF4-FFF2-40B4-BE49-F238E27FC236}">
+                <a16:creationId xmlns:a16="http://schemas.microsoft.com/office/drawing/2014/main" id="{BEA2125A-6A1B-EDC8-B83D-42E1F5DDE27E}"/>
+              </a:ext>
+            </a:extLst>
+          </p:cNvPr>
+          <p:cNvPicPr>
+            <a:picLocks noChangeAspect="1"/>
+          </p:cNvPicPr>
+          <p:nvPr/>
+        </p:nvPicPr>
+        <p:blipFill>
+          <a:blip r:embed="rId10"/>
+          <a:stretch>
+            <a:fillRect/>
+          </a:stretch>
+        </p:blipFill>
+        <p:spPr>
+          <a:xfrm>
+            <a:off x="351378" y="4114239"/>
+            <a:ext cx="853448" cy="747503"/>
+          </a:xfrm>
+          <a:prstGeom prst="rect">
+            <a:avLst/>
+          </a:prstGeom>
+        </p:spPr>
+      </p:pic>
+      <p:pic>
+        <p:nvPicPr>
+          <p:cNvPr id="21" name="Picture 20">
+            <a:extLst>
+              <a:ext uri="{FF2B5EF4-FFF2-40B4-BE49-F238E27FC236}">
+                <a16:creationId xmlns:a16="http://schemas.microsoft.com/office/drawing/2014/main" id="{586EFDA4-1806-D924-D1F1-693805D32CB2}"/>
+              </a:ext>
+            </a:extLst>
+          </p:cNvPr>
+          <p:cNvPicPr>
+            <a:picLocks noChangeAspect="1"/>
+          </p:cNvPicPr>
+          <p:nvPr/>
+        </p:nvPicPr>
+        <p:blipFill>
+          <a:blip r:embed="rId11"/>
+          <a:stretch>
+            <a:fillRect/>
+          </a:stretch>
+        </p:blipFill>
+        <p:spPr>
+          <a:xfrm>
+            <a:off x="6108905" y="3472662"/>
+            <a:ext cx="998350" cy="921058"/>
+          </a:xfrm>
+          <a:prstGeom prst="rect">
+            <a:avLst/>
+          </a:prstGeom>
+        </p:spPr>
+      </p:pic>
+      <p:pic>
+        <p:nvPicPr>
+          <p:cNvPr id="23" name="Picture 22">
+            <a:extLst>
+              <a:ext uri="{FF2B5EF4-FFF2-40B4-BE49-F238E27FC236}">
+                <a16:creationId xmlns:a16="http://schemas.microsoft.com/office/drawing/2014/main" id="{D0194FDA-8654-0A27-47A1-FD09F7D9085D}"/>
+              </a:ext>
+            </a:extLst>
+          </p:cNvPr>
+          <p:cNvPicPr>
+            <a:picLocks noChangeAspect="1"/>
+          </p:cNvPicPr>
+          <p:nvPr/>
+        </p:nvPicPr>
+        <p:blipFill>
+          <a:blip r:embed="rId12"/>
+          <a:stretch>
+            <a:fillRect/>
+          </a:stretch>
+        </p:blipFill>
+        <p:spPr>
+          <a:xfrm>
+            <a:off x="3637629" y="4219276"/>
+            <a:ext cx="936151" cy="576615"/>
+          </a:xfrm>
+          <a:prstGeom prst="rect">
+            <a:avLst/>
+          </a:prstGeom>
+        </p:spPr>
+      </p:pic>
+      <p:pic>
+        <p:nvPicPr>
+          <p:cNvPr id="25" name="Picture 24">
+            <a:extLst>
+              <a:ext uri="{FF2B5EF4-FFF2-40B4-BE49-F238E27FC236}">
+                <a16:creationId xmlns:a16="http://schemas.microsoft.com/office/drawing/2014/main" id="{5B8F49F0-0183-1348-0114-8A16DC494B53}"/>
+              </a:ext>
+            </a:extLst>
+          </p:cNvPr>
+          <p:cNvPicPr>
+            <a:picLocks noChangeAspect="1"/>
+          </p:cNvPicPr>
+          <p:nvPr/>
+        </p:nvPicPr>
+        <p:blipFill>
+          <a:blip r:embed="rId13"/>
+          <a:stretch>
+            <a:fillRect/>
+          </a:stretch>
+        </p:blipFill>
+        <p:spPr>
+          <a:xfrm>
+            <a:off x="6125484" y="2788619"/>
+            <a:ext cx="965192" cy="643462"/>
+          </a:xfrm>
+          <a:prstGeom prst="rect">
+            <a:avLst/>
+          </a:prstGeom>
+        </p:spPr>
+      </p:pic>
+      <p:pic>
+        <p:nvPicPr>
+          <p:cNvPr id="27" name="Picture 26">
+            <a:extLst>
+              <a:ext uri="{FF2B5EF4-FFF2-40B4-BE49-F238E27FC236}">
+                <a16:creationId xmlns:a16="http://schemas.microsoft.com/office/drawing/2014/main" id="{DA5BD391-0E0F-51C6-FECB-1EE1D14A8831}"/>
+              </a:ext>
+            </a:extLst>
+          </p:cNvPr>
+          <p:cNvPicPr>
+            <a:picLocks noChangeAspect="1"/>
+          </p:cNvPicPr>
+          <p:nvPr/>
+        </p:nvPicPr>
+        <p:blipFill>
+          <a:blip r:embed="rId14"/>
+          <a:stretch>
+            <a:fillRect/>
+          </a:stretch>
+        </p:blipFill>
+        <p:spPr>
+          <a:xfrm>
+            <a:off x="4540258" y="4335362"/>
+            <a:ext cx="736671" cy="432086"/>
+          </a:xfrm>
+          <a:prstGeom prst="rect">
+            <a:avLst/>
+          </a:prstGeom>
+        </p:spPr>
+      </p:pic>
+      <p:pic>
+        <p:nvPicPr>
+          <p:cNvPr id="29" name="Picture 28">
+            <a:extLst>
+              <a:ext uri="{FF2B5EF4-FFF2-40B4-BE49-F238E27FC236}">
+                <a16:creationId xmlns:a16="http://schemas.microsoft.com/office/drawing/2014/main" id="{B609A20C-F99B-7B8D-EA5D-E6D1229224A7}"/>
+              </a:ext>
+            </a:extLst>
+          </p:cNvPr>
+          <p:cNvPicPr>
+            <a:picLocks noChangeAspect="1"/>
+          </p:cNvPicPr>
+          <p:nvPr/>
+        </p:nvPicPr>
+        <p:blipFill>
+          <a:blip r:embed="rId15"/>
+          <a:stretch>
+            <a:fillRect/>
+          </a:stretch>
+        </p:blipFill>
+        <p:spPr>
+          <a:xfrm>
+            <a:off x="5360035" y="3818180"/>
+            <a:ext cx="665764" cy="381476"/>
+          </a:xfrm>
+          <a:prstGeom prst="rect">
+            <a:avLst/>
+          </a:prstGeom>
+        </p:spPr>
+      </p:pic>
+      <p:pic>
+        <p:nvPicPr>
+          <p:cNvPr id="31" name="Picture 30">
+            <a:extLst>
+              <a:ext uri="{FF2B5EF4-FFF2-40B4-BE49-F238E27FC236}">
+                <a16:creationId xmlns:a16="http://schemas.microsoft.com/office/drawing/2014/main" id="{9ADC92F5-FD7D-A33A-B1E4-C3F4D9A9BDD5}"/>
+              </a:ext>
+            </a:extLst>
+          </p:cNvPr>
+          <p:cNvPicPr>
+            <a:picLocks noChangeAspect="1"/>
+          </p:cNvPicPr>
+          <p:nvPr/>
+        </p:nvPicPr>
+        <p:blipFill>
+          <a:blip r:embed="rId16"/>
+          <a:stretch>
+            <a:fillRect/>
+          </a:stretch>
+        </p:blipFill>
+        <p:spPr>
+          <a:xfrm>
+            <a:off x="4652097" y="3851874"/>
+            <a:ext cx="624832" cy="381476"/>
+          </a:xfrm>
+          <a:prstGeom prst="rect">
+            <a:avLst/>
+          </a:prstGeom>
+        </p:spPr>
+      </p:pic>
+      <p:pic>
+        <p:nvPicPr>
+          <p:cNvPr id="33" name="Picture 32">
+            <a:extLst>
+              <a:ext uri="{FF2B5EF4-FFF2-40B4-BE49-F238E27FC236}">
+                <a16:creationId xmlns:a16="http://schemas.microsoft.com/office/drawing/2014/main" id="{3710DB4F-BA7B-EE65-EC43-578C2965B1DD}"/>
+              </a:ext>
+            </a:extLst>
+          </p:cNvPr>
+          <p:cNvPicPr>
+            <a:picLocks noChangeAspect="1"/>
+          </p:cNvPicPr>
+          <p:nvPr/>
+        </p:nvPicPr>
+        <p:blipFill>
+          <a:blip r:embed="rId17"/>
+          <a:stretch>
+            <a:fillRect/>
+          </a:stretch>
+        </p:blipFill>
+        <p:spPr>
+          <a:xfrm>
+            <a:off x="5291422" y="4228480"/>
+            <a:ext cx="933327" cy="562741"/>
+          </a:xfrm>
+          <a:prstGeom prst="rect">
+            <a:avLst/>
+          </a:prstGeom>
+        </p:spPr>
+      </p:pic>
+      <p:pic>
+        <p:nvPicPr>
+          <p:cNvPr id="35" name="Picture 34">
+            <a:extLst>
+              <a:ext uri="{FF2B5EF4-FFF2-40B4-BE49-F238E27FC236}">
+                <a16:creationId xmlns:a16="http://schemas.microsoft.com/office/drawing/2014/main" id="{AD1A68DD-33F6-BA92-7FFF-7A146DEE668E}"/>
+              </a:ext>
+            </a:extLst>
+          </p:cNvPr>
+          <p:cNvPicPr>
+            <a:picLocks noChangeAspect="1"/>
+          </p:cNvPicPr>
+          <p:nvPr/>
+        </p:nvPicPr>
+        <p:blipFill>
+          <a:blip r:embed="rId18"/>
+          <a:stretch>
+            <a:fillRect/>
+          </a:stretch>
+        </p:blipFill>
+        <p:spPr>
+          <a:xfrm>
+            <a:off x="4992275" y="2682236"/>
+            <a:ext cx="1011175" cy="1094858"/>
+          </a:xfrm>
+          <a:prstGeom prst="rect">
+            <a:avLst/>
+          </a:prstGeom>
+        </p:spPr>
+      </p:pic>
+      <p:pic>
+        <p:nvPicPr>
+          <p:cNvPr id="37" name="Picture 36">
+            <a:extLst>
+              <a:ext uri="{FF2B5EF4-FFF2-40B4-BE49-F238E27FC236}">
+                <a16:creationId xmlns:a16="http://schemas.microsoft.com/office/drawing/2014/main" id="{42B7A585-BF85-322F-F8B0-DB34762F3D06}"/>
+              </a:ext>
+            </a:extLst>
+          </p:cNvPr>
+          <p:cNvPicPr>
+            <a:picLocks noChangeAspect="1"/>
+          </p:cNvPicPr>
+          <p:nvPr/>
+        </p:nvPicPr>
+        <p:blipFill>
+          <a:blip r:embed="rId19"/>
+          <a:stretch>
+            <a:fillRect/>
+          </a:stretch>
+        </p:blipFill>
+        <p:spPr>
+          <a:xfrm>
+            <a:off x="3821212" y="3603561"/>
+            <a:ext cx="816392" cy="596095"/>
+          </a:xfrm>
+          <a:prstGeom prst="rect">
+            <a:avLst/>
+          </a:prstGeom>
+        </p:spPr>
+      </p:pic>
+      <p:sp>
+        <p:nvSpPr>
+          <p:cNvPr id="38" name="Text Placeholder 2">
+            <a:extLst>
+              <a:ext uri="{FF2B5EF4-FFF2-40B4-BE49-F238E27FC236}">
+                <a16:creationId xmlns:a16="http://schemas.microsoft.com/office/drawing/2014/main" id="{8704C5F0-AF40-4B5C-9C6C-D48F050A59D2}"/>
+              </a:ext>
+            </a:extLst>
+          </p:cNvPr>
+          <p:cNvSpPr txBox="1">
+            <a:spLocks/>
+          </p:cNvSpPr>
+          <p:nvPr/>
+        </p:nvSpPr>
+        <p:spPr>
+          <a:xfrm>
+            <a:off x="562062" y="2418153"/>
+            <a:ext cx="1225536" cy="544014"/>
+          </a:xfrm>
+          <a:prstGeom prst="rect">
+            <a:avLst/>
+          </a:prstGeom>
+          <a:noFill/>
+          <a:ln>
+            <a:noFill/>
+          </a:ln>
+        </p:spPr>
+        <p:txBody>
+          <a:bodyPr spcFirstLastPara="1" wrap="square" lIns="91425" tIns="91425" rIns="91425" bIns="91425" anchor="t" anchorCtr="0">
+            <a:noAutofit/>
+          </a:bodyPr>
+          <a:lstStyle>
+            <a:defPPr marR="0" lvl="0" algn="l" rtl="0">
+              <a:lnSpc>
+                <a:spcPct val="100000"/>
+              </a:lnSpc>
+              <a:spcBef>
+                <a:spcPts val="0"/>
+              </a:spcBef>
+              <a:spcAft>
+                <a:spcPts val="0"/>
+              </a:spcAft>
+            </a:defPPr>
+            <a:lvl1pPr marL="457200" marR="0" lvl="0" indent="-311150" algn="l" rtl="0">
+              <a:lnSpc>
+                <a:spcPct val="115000"/>
+              </a:lnSpc>
+              <a:spcBef>
+                <a:spcPts val="0"/>
+              </a:spcBef>
+              <a:spcAft>
+                <a:spcPts val="0"/>
+              </a:spcAft>
+              <a:buClr>
+                <a:schemeClr val="accent1"/>
+              </a:buClr>
+              <a:buSzPts val="1300"/>
+              <a:buFont typeface="Lato"/>
+              <a:buChar char="●"/>
+              <a:defRPr sz="1300" b="0" i="0" u="none" strike="noStrike" cap="none">
+                <a:solidFill>
+                  <a:schemeClr val="accent1"/>
+                </a:solidFill>
+                <a:latin typeface="Lato"/>
+                <a:ea typeface="Lato"/>
+                <a:cs typeface="Lato"/>
+                <a:sym typeface="Lato"/>
+              </a:defRPr>
+            </a:lvl1pPr>
+            <a:lvl2pPr marL="914400" marR="0" lvl="1" indent="-298450" algn="l" rtl="0">
+              <a:lnSpc>
+                <a:spcPct val="115000"/>
+              </a:lnSpc>
+              <a:spcBef>
+                <a:spcPts val="1600"/>
+              </a:spcBef>
+              <a:spcAft>
+                <a:spcPts val="0"/>
+              </a:spcAft>
+              <a:buClr>
+                <a:schemeClr val="accent1"/>
+              </a:buClr>
+              <a:buSzPts val="1100"/>
+              <a:buFont typeface="Lato"/>
+              <a:buChar char="○"/>
+              <a:defRPr sz="1100" b="0" i="0" u="none" strike="noStrike" cap="none">
+                <a:solidFill>
+                  <a:schemeClr val="accent1"/>
+                </a:solidFill>
+                <a:latin typeface="Lato"/>
+                <a:ea typeface="Lato"/>
+                <a:cs typeface="Lato"/>
+                <a:sym typeface="Lato"/>
+              </a:defRPr>
+            </a:lvl2pPr>
+            <a:lvl3pPr marL="1371600" marR="0" lvl="2" indent="-298450" algn="l" rtl="0">
+              <a:lnSpc>
+                <a:spcPct val="115000"/>
+              </a:lnSpc>
+              <a:spcBef>
+                <a:spcPts val="1600"/>
+              </a:spcBef>
+              <a:spcAft>
+                <a:spcPts val="0"/>
+              </a:spcAft>
+              <a:buClr>
+                <a:schemeClr val="accent1"/>
+              </a:buClr>
+              <a:buSzPts val="1100"/>
+              <a:buFont typeface="Lato"/>
+              <a:buChar char="■"/>
+              <a:defRPr sz="1100" b="0" i="0" u="none" strike="noStrike" cap="none">
+                <a:solidFill>
+                  <a:schemeClr val="accent1"/>
+                </a:solidFill>
+                <a:latin typeface="Lato"/>
+                <a:ea typeface="Lato"/>
+                <a:cs typeface="Lato"/>
+                <a:sym typeface="Lato"/>
+              </a:defRPr>
+            </a:lvl3pPr>
+            <a:lvl4pPr marL="1828800" marR="0" lvl="3" indent="-298450" algn="l" rtl="0">
+              <a:lnSpc>
+                <a:spcPct val="115000"/>
+              </a:lnSpc>
+              <a:spcBef>
+                <a:spcPts val="1600"/>
+              </a:spcBef>
+              <a:spcAft>
+                <a:spcPts val="0"/>
+              </a:spcAft>
+              <a:buClr>
+                <a:schemeClr val="accent1"/>
+              </a:buClr>
+              <a:buSzPts val="1100"/>
+              <a:buFont typeface="Lato"/>
+              <a:buChar char="●"/>
+              <a:defRPr sz="1100" b="0" i="0" u="none" strike="noStrike" cap="none">
+                <a:solidFill>
+                  <a:schemeClr val="accent1"/>
+                </a:solidFill>
+                <a:latin typeface="Lato"/>
+                <a:ea typeface="Lato"/>
+                <a:cs typeface="Lato"/>
+                <a:sym typeface="Lato"/>
+              </a:defRPr>
+            </a:lvl4pPr>
+            <a:lvl5pPr marL="2286000" marR="0" lvl="4" indent="-298450" algn="l" rtl="0">
+              <a:lnSpc>
+                <a:spcPct val="115000"/>
+              </a:lnSpc>
+              <a:spcBef>
+                <a:spcPts val="1600"/>
+              </a:spcBef>
+              <a:spcAft>
+                <a:spcPts val="0"/>
+              </a:spcAft>
+              <a:buClr>
+                <a:schemeClr val="accent1"/>
+              </a:buClr>
+              <a:buSzPts val="1100"/>
+              <a:buFont typeface="Lato"/>
+              <a:buChar char="○"/>
+              <a:defRPr sz="1100" b="0" i="0" u="none" strike="noStrike" cap="none">
+                <a:solidFill>
+                  <a:schemeClr val="accent1"/>
+                </a:solidFill>
+                <a:latin typeface="Lato"/>
+                <a:ea typeface="Lato"/>
+                <a:cs typeface="Lato"/>
+                <a:sym typeface="Lato"/>
+              </a:defRPr>
+            </a:lvl5pPr>
+            <a:lvl6pPr marL="2743200" marR="0" lvl="5" indent="-298450" algn="l" rtl="0">
+              <a:lnSpc>
+                <a:spcPct val="115000"/>
+              </a:lnSpc>
+              <a:spcBef>
+                <a:spcPts val="1600"/>
+              </a:spcBef>
+              <a:spcAft>
+                <a:spcPts val="0"/>
+              </a:spcAft>
+              <a:buClr>
+                <a:schemeClr val="accent1"/>
+              </a:buClr>
+              <a:buSzPts val="1100"/>
+              <a:buFont typeface="Lato"/>
+              <a:buChar char="■"/>
+              <a:defRPr sz="1100" b="0" i="0" u="none" strike="noStrike" cap="none">
+                <a:solidFill>
+                  <a:schemeClr val="accent1"/>
+                </a:solidFill>
+                <a:latin typeface="Lato"/>
+                <a:ea typeface="Lato"/>
+                <a:cs typeface="Lato"/>
+                <a:sym typeface="Lato"/>
+              </a:defRPr>
+            </a:lvl6pPr>
+            <a:lvl7pPr marL="3200400" marR="0" lvl="6" indent="-298450" algn="l" rtl="0">
+              <a:lnSpc>
+                <a:spcPct val="115000"/>
+              </a:lnSpc>
+              <a:spcBef>
+                <a:spcPts val="1600"/>
+              </a:spcBef>
+              <a:spcAft>
+                <a:spcPts val="0"/>
+              </a:spcAft>
+              <a:buClr>
+                <a:schemeClr val="accent1"/>
+              </a:buClr>
+              <a:buSzPts val="1100"/>
+              <a:buFont typeface="Lato"/>
+              <a:buChar char="●"/>
+              <a:defRPr sz="1100" b="0" i="0" u="none" strike="noStrike" cap="none">
+                <a:solidFill>
+                  <a:schemeClr val="accent1"/>
+                </a:solidFill>
+                <a:latin typeface="Lato"/>
+                <a:ea typeface="Lato"/>
+                <a:cs typeface="Lato"/>
+                <a:sym typeface="Lato"/>
+              </a:defRPr>
+            </a:lvl7pPr>
+            <a:lvl8pPr marL="3657600" marR="0" lvl="7" indent="-298450" algn="l" rtl="0">
+              <a:lnSpc>
+                <a:spcPct val="115000"/>
+              </a:lnSpc>
+              <a:spcBef>
+                <a:spcPts val="1600"/>
+              </a:spcBef>
+              <a:spcAft>
+                <a:spcPts val="0"/>
+              </a:spcAft>
+              <a:buClr>
+                <a:schemeClr val="accent1"/>
+              </a:buClr>
+              <a:buSzPts val="1100"/>
+              <a:buFont typeface="Lato"/>
+              <a:buChar char="○"/>
+              <a:defRPr sz="1100" b="0" i="0" u="none" strike="noStrike" cap="none">
+                <a:solidFill>
+                  <a:schemeClr val="accent1"/>
+                </a:solidFill>
+                <a:latin typeface="Lato"/>
+                <a:ea typeface="Lato"/>
+                <a:cs typeface="Lato"/>
+                <a:sym typeface="Lato"/>
+              </a:defRPr>
+            </a:lvl8pPr>
+            <a:lvl9pPr marL="4114800" marR="0" lvl="8" indent="-298450" algn="l" rtl="0">
+              <a:lnSpc>
+                <a:spcPct val="115000"/>
+              </a:lnSpc>
+              <a:spcBef>
+                <a:spcPts val="1600"/>
+              </a:spcBef>
+              <a:spcAft>
+                <a:spcPts val="1600"/>
+              </a:spcAft>
+              <a:buClr>
+                <a:schemeClr val="accent1"/>
+              </a:buClr>
+              <a:buSzPts val="1100"/>
+              <a:buFont typeface="Lato"/>
+              <a:buChar char="■"/>
+              <a:defRPr sz="1100" b="0" i="0" u="none" strike="noStrike" cap="none">
+                <a:solidFill>
+                  <a:schemeClr val="accent1"/>
+                </a:solidFill>
+                <a:latin typeface="Lato"/>
+                <a:ea typeface="Lato"/>
+                <a:cs typeface="Lato"/>
+                <a:sym typeface="Lato"/>
+              </a:defRPr>
+            </a:lvl9pPr>
+          </a:lstStyle>
+          <a:p>
+            <a:pPr marL="146050" indent="0" algn="ctr">
+              <a:buNone/>
+            </a:pPr>
+            <a:r>
+              <a:rPr lang="en-US" b="1" dirty="0">
+                <a:solidFill>
+                  <a:schemeClr val="bg2"/>
+                </a:solidFill>
+              </a:rPr>
+              <a:t>Numerical Variables</a:t>
+            </a:r>
+          </a:p>
+        </p:txBody>
+      </p:sp>
+      <p:sp>
+        <p:nvSpPr>
+          <p:cNvPr id="39" name="Rectangle 38">
+            <a:extLst>
+              <a:ext uri="{FF2B5EF4-FFF2-40B4-BE49-F238E27FC236}">
+                <a16:creationId xmlns:a16="http://schemas.microsoft.com/office/drawing/2014/main" id="{BEF24FB0-985F-98A9-7DA1-3B669E369D74}"/>
+              </a:ext>
+            </a:extLst>
+          </p:cNvPr>
+          <p:cNvSpPr/>
+          <p:nvPr/>
+        </p:nvSpPr>
+        <p:spPr>
+          <a:xfrm>
+            <a:off x="159391" y="2212719"/>
+            <a:ext cx="3061823" cy="2845842"/>
+          </a:xfrm>
+          <a:prstGeom prst="rect">
+            <a:avLst/>
+          </a:prstGeom>
+          <a:noFill/>
+        </p:spPr>
+        <p:style>
+          <a:lnRef idx="2">
+            <a:schemeClr val="accent1">
+              <a:shade val="50000"/>
+            </a:schemeClr>
+          </a:lnRef>
+          <a:fillRef idx="1">
+            <a:schemeClr val="accent1"/>
+          </a:fillRef>
+          <a:effectRef idx="0">
+            <a:schemeClr val="accent1"/>
+          </a:effectRef>
+          <a:fontRef idx="minor">
+            <a:schemeClr val="lt1"/>
+          </a:fontRef>
+        </p:style>
+        <p:txBody>
+          <a:bodyPr rtlCol="0" anchor="ctr"/>
+          <a:lstStyle/>
+          <a:p>
+            <a:pPr algn="ctr"/>
+            <a:endParaRPr lang="en-US"/>
+          </a:p>
+        </p:txBody>
+      </p:sp>
+      <p:sp>
+        <p:nvSpPr>
+          <p:cNvPr id="40" name="Text Placeholder 2">
+            <a:extLst>
+              <a:ext uri="{FF2B5EF4-FFF2-40B4-BE49-F238E27FC236}">
+                <a16:creationId xmlns:a16="http://schemas.microsoft.com/office/drawing/2014/main" id="{EB78E4ED-D1F3-FEE9-72DB-99394469C0B1}"/>
+              </a:ext>
+            </a:extLst>
+          </p:cNvPr>
+          <p:cNvSpPr txBox="1">
+            <a:spLocks/>
+          </p:cNvSpPr>
+          <p:nvPr/>
+        </p:nvSpPr>
+        <p:spPr>
+          <a:xfrm>
+            <a:off x="3720181" y="2838343"/>
+            <a:ext cx="1225536" cy="544014"/>
+          </a:xfrm>
+          <a:prstGeom prst="rect">
+            <a:avLst/>
+          </a:prstGeom>
+          <a:noFill/>
+          <a:ln>
+            <a:noFill/>
+          </a:ln>
+        </p:spPr>
+        <p:txBody>
+          <a:bodyPr spcFirstLastPara="1" wrap="square" lIns="91425" tIns="91425" rIns="91425" bIns="91425" anchor="t" anchorCtr="0">
+            <a:noAutofit/>
+          </a:bodyPr>
+          <a:lstStyle>
+            <a:defPPr marR="0" lvl="0" algn="l" rtl="0">
+              <a:lnSpc>
+                <a:spcPct val="100000"/>
+              </a:lnSpc>
+              <a:spcBef>
+                <a:spcPts val="0"/>
+              </a:spcBef>
+              <a:spcAft>
+                <a:spcPts val="0"/>
+              </a:spcAft>
+            </a:defPPr>
+            <a:lvl1pPr marL="457200" marR="0" lvl="0" indent="-311150" algn="l" rtl="0">
+              <a:lnSpc>
+                <a:spcPct val="115000"/>
+              </a:lnSpc>
+              <a:spcBef>
+                <a:spcPts val="0"/>
+              </a:spcBef>
+              <a:spcAft>
+                <a:spcPts val="0"/>
+              </a:spcAft>
+              <a:buClr>
+                <a:schemeClr val="accent1"/>
+              </a:buClr>
+              <a:buSzPts val="1300"/>
+              <a:buFont typeface="Lato"/>
+              <a:buChar char="●"/>
+              <a:defRPr sz="1300" b="0" i="0" u="none" strike="noStrike" cap="none">
+                <a:solidFill>
+                  <a:schemeClr val="accent1"/>
+                </a:solidFill>
+                <a:latin typeface="Lato"/>
+                <a:ea typeface="Lato"/>
+                <a:cs typeface="Lato"/>
+                <a:sym typeface="Lato"/>
+              </a:defRPr>
+            </a:lvl1pPr>
+            <a:lvl2pPr marL="914400" marR="0" lvl="1" indent="-298450" algn="l" rtl="0">
+              <a:lnSpc>
+                <a:spcPct val="115000"/>
+              </a:lnSpc>
+              <a:spcBef>
+                <a:spcPts val="1600"/>
+              </a:spcBef>
+              <a:spcAft>
+                <a:spcPts val="0"/>
+              </a:spcAft>
+              <a:buClr>
+                <a:schemeClr val="accent1"/>
+              </a:buClr>
+              <a:buSzPts val="1100"/>
+              <a:buFont typeface="Lato"/>
+              <a:buChar char="○"/>
+              <a:defRPr sz="1100" b="0" i="0" u="none" strike="noStrike" cap="none">
+                <a:solidFill>
+                  <a:schemeClr val="accent1"/>
+                </a:solidFill>
+                <a:latin typeface="Lato"/>
+                <a:ea typeface="Lato"/>
+                <a:cs typeface="Lato"/>
+                <a:sym typeface="Lato"/>
+              </a:defRPr>
+            </a:lvl2pPr>
+            <a:lvl3pPr marL="1371600" marR="0" lvl="2" indent="-298450" algn="l" rtl="0">
+              <a:lnSpc>
+                <a:spcPct val="115000"/>
+              </a:lnSpc>
+              <a:spcBef>
+                <a:spcPts val="1600"/>
+              </a:spcBef>
+              <a:spcAft>
+                <a:spcPts val="0"/>
+              </a:spcAft>
+              <a:buClr>
+                <a:schemeClr val="accent1"/>
+              </a:buClr>
+              <a:buSzPts val="1100"/>
+              <a:buFont typeface="Lato"/>
+              <a:buChar char="■"/>
+              <a:defRPr sz="1100" b="0" i="0" u="none" strike="noStrike" cap="none">
+                <a:solidFill>
+                  <a:schemeClr val="accent1"/>
+                </a:solidFill>
+                <a:latin typeface="Lato"/>
+                <a:ea typeface="Lato"/>
+                <a:cs typeface="Lato"/>
+                <a:sym typeface="Lato"/>
+              </a:defRPr>
+            </a:lvl3pPr>
+            <a:lvl4pPr marL="1828800" marR="0" lvl="3" indent="-298450" algn="l" rtl="0">
+              <a:lnSpc>
+                <a:spcPct val="115000"/>
+              </a:lnSpc>
+              <a:spcBef>
+                <a:spcPts val="1600"/>
+              </a:spcBef>
+              <a:spcAft>
+                <a:spcPts val="0"/>
+              </a:spcAft>
+              <a:buClr>
+                <a:schemeClr val="accent1"/>
+              </a:buClr>
+              <a:buSzPts val="1100"/>
+              <a:buFont typeface="Lato"/>
+              <a:buChar char="●"/>
+              <a:defRPr sz="1100" b="0" i="0" u="none" strike="noStrike" cap="none">
+                <a:solidFill>
+                  <a:schemeClr val="accent1"/>
+                </a:solidFill>
+                <a:latin typeface="Lato"/>
+                <a:ea typeface="Lato"/>
+                <a:cs typeface="Lato"/>
+                <a:sym typeface="Lato"/>
+              </a:defRPr>
+            </a:lvl4pPr>
+            <a:lvl5pPr marL="2286000" marR="0" lvl="4" indent="-298450" algn="l" rtl="0">
+              <a:lnSpc>
+                <a:spcPct val="115000"/>
+              </a:lnSpc>
+              <a:spcBef>
+                <a:spcPts val="1600"/>
+              </a:spcBef>
+              <a:spcAft>
+                <a:spcPts val="0"/>
+              </a:spcAft>
+              <a:buClr>
+                <a:schemeClr val="accent1"/>
+              </a:buClr>
+              <a:buSzPts val="1100"/>
+              <a:buFont typeface="Lato"/>
+              <a:buChar char="○"/>
+              <a:defRPr sz="1100" b="0" i="0" u="none" strike="noStrike" cap="none">
+                <a:solidFill>
+                  <a:schemeClr val="accent1"/>
+                </a:solidFill>
+                <a:latin typeface="Lato"/>
+                <a:ea typeface="Lato"/>
+                <a:cs typeface="Lato"/>
+                <a:sym typeface="Lato"/>
+              </a:defRPr>
+            </a:lvl5pPr>
+            <a:lvl6pPr marL="2743200" marR="0" lvl="5" indent="-298450" algn="l" rtl="0">
+              <a:lnSpc>
+                <a:spcPct val="115000"/>
+              </a:lnSpc>
+              <a:spcBef>
+                <a:spcPts val="1600"/>
+              </a:spcBef>
+              <a:spcAft>
+                <a:spcPts val="0"/>
+              </a:spcAft>
+              <a:buClr>
+                <a:schemeClr val="accent1"/>
+              </a:buClr>
+              <a:buSzPts val="1100"/>
+              <a:buFont typeface="Lato"/>
+              <a:buChar char="■"/>
+              <a:defRPr sz="1100" b="0" i="0" u="none" strike="noStrike" cap="none">
+                <a:solidFill>
+                  <a:schemeClr val="accent1"/>
+                </a:solidFill>
+                <a:latin typeface="Lato"/>
+                <a:ea typeface="Lato"/>
+                <a:cs typeface="Lato"/>
+                <a:sym typeface="Lato"/>
+              </a:defRPr>
+            </a:lvl6pPr>
+            <a:lvl7pPr marL="3200400" marR="0" lvl="6" indent="-298450" algn="l" rtl="0">
+              <a:lnSpc>
+                <a:spcPct val="115000"/>
+              </a:lnSpc>
+              <a:spcBef>
+                <a:spcPts val="1600"/>
+              </a:spcBef>
+              <a:spcAft>
+                <a:spcPts val="0"/>
+              </a:spcAft>
+              <a:buClr>
+                <a:schemeClr val="accent1"/>
+              </a:buClr>
+              <a:buSzPts val="1100"/>
+              <a:buFont typeface="Lato"/>
+              <a:buChar char="●"/>
+              <a:defRPr sz="1100" b="0" i="0" u="none" strike="noStrike" cap="none">
+                <a:solidFill>
+                  <a:schemeClr val="accent1"/>
+                </a:solidFill>
+                <a:latin typeface="Lato"/>
+                <a:ea typeface="Lato"/>
+                <a:cs typeface="Lato"/>
+                <a:sym typeface="Lato"/>
+              </a:defRPr>
+            </a:lvl7pPr>
+            <a:lvl8pPr marL="3657600" marR="0" lvl="7" indent="-298450" algn="l" rtl="0">
+              <a:lnSpc>
+                <a:spcPct val="115000"/>
+              </a:lnSpc>
+              <a:spcBef>
+                <a:spcPts val="1600"/>
+              </a:spcBef>
+              <a:spcAft>
+                <a:spcPts val="0"/>
+              </a:spcAft>
+              <a:buClr>
+                <a:schemeClr val="accent1"/>
+              </a:buClr>
+              <a:buSzPts val="1100"/>
+              <a:buFont typeface="Lato"/>
+              <a:buChar char="○"/>
+              <a:defRPr sz="1100" b="0" i="0" u="none" strike="noStrike" cap="none">
+                <a:solidFill>
+                  <a:schemeClr val="accent1"/>
+                </a:solidFill>
+                <a:latin typeface="Lato"/>
+                <a:ea typeface="Lato"/>
+                <a:cs typeface="Lato"/>
+                <a:sym typeface="Lato"/>
+              </a:defRPr>
+            </a:lvl8pPr>
+            <a:lvl9pPr marL="4114800" marR="0" lvl="8" indent="-298450" algn="l" rtl="0">
+              <a:lnSpc>
+                <a:spcPct val="115000"/>
+              </a:lnSpc>
+              <a:spcBef>
+                <a:spcPts val="1600"/>
+              </a:spcBef>
+              <a:spcAft>
+                <a:spcPts val="1600"/>
+              </a:spcAft>
+              <a:buClr>
+                <a:schemeClr val="accent1"/>
+              </a:buClr>
+              <a:buSzPts val="1100"/>
+              <a:buFont typeface="Lato"/>
+              <a:buChar char="■"/>
+              <a:defRPr sz="1100" b="0" i="0" u="none" strike="noStrike" cap="none">
+                <a:solidFill>
+                  <a:schemeClr val="accent1"/>
+                </a:solidFill>
+                <a:latin typeface="Lato"/>
+                <a:ea typeface="Lato"/>
+                <a:cs typeface="Lato"/>
+                <a:sym typeface="Lato"/>
+              </a:defRPr>
+            </a:lvl9pPr>
+          </a:lstStyle>
+          <a:p>
+            <a:pPr marL="146050" indent="0" algn="ctr">
+              <a:buNone/>
+            </a:pPr>
+            <a:r>
+              <a:rPr lang="en-US" b="1" dirty="0">
+                <a:solidFill>
+                  <a:schemeClr val="bg2"/>
+                </a:solidFill>
+              </a:rPr>
+              <a:t>Categorical Variables</a:t>
+            </a:r>
+          </a:p>
+        </p:txBody>
+      </p:sp>
+      <p:sp>
+        <p:nvSpPr>
+          <p:cNvPr id="41" name="Rectangle 40">
+            <a:extLst>
+              <a:ext uri="{FF2B5EF4-FFF2-40B4-BE49-F238E27FC236}">
+                <a16:creationId xmlns:a16="http://schemas.microsoft.com/office/drawing/2014/main" id="{917DAFA1-D297-D676-BCA0-9C449C1CDB59}"/>
+              </a:ext>
+            </a:extLst>
+          </p:cNvPr>
+          <p:cNvSpPr/>
+          <p:nvPr/>
+        </p:nvSpPr>
+        <p:spPr>
+          <a:xfrm>
+            <a:off x="3637629" y="2682235"/>
+            <a:ext cx="3635626" cy="2206381"/>
+          </a:xfrm>
+          <a:prstGeom prst="rect">
+            <a:avLst/>
+          </a:prstGeom>
+          <a:noFill/>
+        </p:spPr>
+        <p:style>
+          <a:lnRef idx="2">
+            <a:schemeClr val="accent1">
+              <a:shade val="50000"/>
+            </a:schemeClr>
+          </a:lnRef>
+          <a:fillRef idx="1">
+            <a:schemeClr val="accent1"/>
+          </a:fillRef>
+          <a:effectRef idx="0">
+            <a:schemeClr val="accent1"/>
+          </a:effectRef>
+          <a:fontRef idx="minor">
+            <a:schemeClr val="lt1"/>
+          </a:fontRef>
+        </p:style>
+        <p:txBody>
+          <a:bodyPr rtlCol="0" anchor="ctr"/>
+          <a:lstStyle/>
+          <a:p>
+            <a:pPr algn="ctr"/>
+            <a:endParaRPr lang="en-US"/>
           </a:p>
         </p:txBody>
       </p:sp>
@@ -29023,7 +32044,7 @@
 
 <file path=ppt/tags/tag11.xml><?xml version="1.0" encoding="utf-8"?>
 <p:tagLst xmlns:a="http://schemas.openxmlformats.org/drawingml/2006/main" xmlns:r="http://schemas.openxmlformats.org/officeDocument/2006/relationships" xmlns:p="http://schemas.openxmlformats.org/presentationml/2006/main">
-  <p:tag name="TIMING" val="|12.7|1.8|1|1.2|1.6|1.1|1.4|1.3|1.5|1.6|21.8"/>
+  <p:tag name="TIMING" val="|3.2|4.7|2.3"/>
 </p:tagLst>
 </file>
 
@@ -29118,12 +32139,6 @@
 </file>
 
 <file path=ppt/tags/tag26.xml><?xml version="1.0" encoding="utf-8"?>
-<p:tagLst xmlns:a="http://schemas.openxmlformats.org/drawingml/2006/main" xmlns:r="http://schemas.openxmlformats.org/officeDocument/2006/relationships" xmlns:p="http://schemas.openxmlformats.org/presentationml/2006/main">
-  <p:tag name="TIMING" val="|12.7|1.8|1|1.2|1.6|1.1|1.4|1.3|1.5|1.6|21.8"/>
-</p:tagLst>
-</file>
-
-<file path=ppt/tags/tag27.xml><?xml version="1.0" encoding="utf-8"?>
 <p:tagLst xmlns:a="http://schemas.openxmlformats.org/drawingml/2006/main" xmlns:r="http://schemas.openxmlformats.org/officeDocument/2006/relationships" xmlns:p="http://schemas.openxmlformats.org/presentationml/2006/main">
   <p:tag name="TIMING" val="|12.7|1.8|1|1.2|1.6|1.1|1.4|1.3|1.5|1.6|21.8"/>
 </p:tagLst>

--- a/Project2_Chang_Craus_Yule.pptx
+++ b/Project2_Chang_Craus_Yule.pptx
@@ -5,7 +5,7 @@
     <p:sldMasterId id="2147483664" r:id="rId1"/>
   </p:sldMasterIdLst>
   <p:notesMasterIdLst>
-    <p:notesMasterId r:id="rId35"/>
+    <p:notesMasterId r:id="rId36"/>
   </p:notesMasterIdLst>
   <p:sldIdLst>
     <p:sldId id="256" r:id="rId2"/>
@@ -15,49 +15,50 @@
     <p:sldId id="282" r:id="rId6"/>
     <p:sldId id="278" r:id="rId7"/>
     <p:sldId id="301" r:id="rId8"/>
-    <p:sldId id="302" r:id="rId9"/>
+    <p:sldId id="330" r:id="rId9"/>
     <p:sldId id="306" r:id="rId10"/>
     <p:sldId id="308" r:id="rId11"/>
     <p:sldId id="310" r:id="rId12"/>
     <p:sldId id="311" r:id="rId13"/>
     <p:sldId id="328" r:id="rId14"/>
     <p:sldId id="309" r:id="rId15"/>
-    <p:sldId id="312" r:id="rId16"/>
-    <p:sldId id="293" r:id="rId17"/>
-    <p:sldId id="294" r:id="rId18"/>
-    <p:sldId id="303" r:id="rId19"/>
-    <p:sldId id="304" r:id="rId20"/>
-    <p:sldId id="305" r:id="rId21"/>
-    <p:sldId id="300" r:id="rId22"/>
-    <p:sldId id="313" r:id="rId23"/>
-    <p:sldId id="314" r:id="rId24"/>
-    <p:sldId id="326" r:id="rId25"/>
-    <p:sldId id="327" r:id="rId26"/>
-    <p:sldId id="319" r:id="rId27"/>
-    <p:sldId id="322" r:id="rId28"/>
-    <p:sldId id="320" r:id="rId29"/>
-    <p:sldId id="323" r:id="rId30"/>
-    <p:sldId id="325" r:id="rId31"/>
-    <p:sldId id="324" r:id="rId32"/>
-    <p:sldId id="329" r:id="rId33"/>
-    <p:sldId id="275" r:id="rId34"/>
+    <p:sldId id="302" r:id="rId16"/>
+    <p:sldId id="312" r:id="rId17"/>
+    <p:sldId id="293" r:id="rId18"/>
+    <p:sldId id="294" r:id="rId19"/>
+    <p:sldId id="303" r:id="rId20"/>
+    <p:sldId id="304" r:id="rId21"/>
+    <p:sldId id="305" r:id="rId22"/>
+    <p:sldId id="300" r:id="rId23"/>
+    <p:sldId id="313" r:id="rId24"/>
+    <p:sldId id="314" r:id="rId25"/>
+    <p:sldId id="326" r:id="rId26"/>
+    <p:sldId id="327" r:id="rId27"/>
+    <p:sldId id="319" r:id="rId28"/>
+    <p:sldId id="322" r:id="rId29"/>
+    <p:sldId id="320" r:id="rId30"/>
+    <p:sldId id="323" r:id="rId31"/>
+    <p:sldId id="325" r:id="rId32"/>
+    <p:sldId id="324" r:id="rId33"/>
+    <p:sldId id="329" r:id="rId34"/>
+    <p:sldId id="275" r:id="rId35"/>
   </p:sldIdLst>
   <p:sldSz cx="9144000" cy="5143500" type="screen16x9"/>
   <p:notesSz cx="6858000" cy="9144000"/>
   <p:embeddedFontLst>
     <p:embeddedFont>
       <p:font typeface="Lato" panose="020F0502020204030203" pitchFamily="34" charset="0"/>
-      <p:regular r:id="rId36"/>
-      <p:bold r:id="rId37"/>
-      <p:italic r:id="rId38"/>
-      <p:boldItalic r:id="rId39"/>
+      <p:regular r:id="rId37"/>
+      <p:bold r:id="rId38"/>
+      <p:italic r:id="rId39"/>
+      <p:boldItalic r:id="rId40"/>
     </p:embeddedFont>
     <p:embeddedFont>
       <p:font typeface="Raleway" pitchFamily="2" charset="0"/>
-      <p:regular r:id="rId40"/>
-      <p:bold r:id="rId41"/>
-      <p:italic r:id="rId42"/>
-      <p:boldItalic r:id="rId43"/>
+      <p:regular r:id="rId41"/>
+      <p:bold r:id="rId42"/>
+      <p:italic r:id="rId43"/>
+      <p:boldItalic r:id="rId44"/>
     </p:embeddedFont>
   </p:embeddedFontLst>
   <p:defaultTextStyle>
@@ -311,7 +312,7 @@
 <file path=ppt/revisionInfo.xml><?xml version="1.0" encoding="utf-8"?>
 <p1510:revInfo xmlns:a="http://schemas.openxmlformats.org/drawingml/2006/main" xmlns:r="http://schemas.openxmlformats.org/officeDocument/2006/relationships" xmlns:p1510="http://schemas.microsoft.com/office/powerpoint/2015/10/main">
   <p1510:revLst>
-    <p1510:client id="{32165585-CB35-4C33-B919-9B0DD83E6E32}" v="139" dt="2023-04-11T22:50:00.746"/>
+    <p1510:client id="{32165585-CB35-4C33-B919-9B0DD83E6E32}" v="148" dt="2023-04-11T23:14:55.432"/>
   </p1510:revLst>
 </p1510:revInfo>
 </file>
@@ -321,7 +322,7 @@
   <pc:docChgLst>
     <pc:chgData name="Carolina Craus" userId="bae62b9d695bbdd6" providerId="LiveId" clId="{32165585-CB35-4C33-B919-9B0DD83E6E32}"/>
     <pc:docChg chg="undo redo custSel addSld delSld modSld sldOrd">
-      <pc:chgData name="Carolina Craus" userId="bae62b9d695bbdd6" providerId="LiveId" clId="{32165585-CB35-4C33-B919-9B0DD83E6E32}" dt="2023-04-11T22:51:23.303" v="5344" actId="20577"/>
+      <pc:chgData name="Carolina Craus" userId="bae62b9d695bbdd6" providerId="LiveId" clId="{32165585-CB35-4C33-B919-9B0DD83E6E32}" dt="2023-04-11T23:16:41.368" v="5682" actId="1076"/>
       <pc:docMkLst>
         <pc:docMk/>
       </pc:docMkLst>
@@ -513,6 +514,77 @@
             <pc:docMk/>
             <pc:sldMk cId="2746955582" sldId="301"/>
             <ac:picMk id="37" creationId="{42B7A585-BF85-322F-F8B0-DB34762F3D06}"/>
+          </ac:picMkLst>
+        </pc:picChg>
+      </pc:sldChg>
+      <pc:sldChg chg="addSp delSp modSp mod ord">
+        <pc:chgData name="Carolina Craus" userId="bae62b9d695bbdd6" providerId="LiveId" clId="{32165585-CB35-4C33-B919-9B0DD83E6E32}" dt="2023-04-11T23:16:41.368" v="5682" actId="1076"/>
+        <pc:sldMkLst>
+          <pc:docMk/>
+          <pc:sldMk cId="1076605799" sldId="302"/>
+        </pc:sldMkLst>
+        <pc:spChg chg="mod">
+          <ac:chgData name="Carolina Craus" userId="bae62b9d695bbdd6" providerId="LiveId" clId="{32165585-CB35-4C33-B919-9B0DD83E6E32}" dt="2023-04-11T23:13:22.709" v="5430" actId="20577"/>
+          <ac:spMkLst>
+            <pc:docMk/>
+            <pc:sldMk cId="1076605799" sldId="302"/>
+            <ac:spMk id="2" creationId="{8B170740-DB3F-076A-A2D2-9555F51D2D32}"/>
+          </ac:spMkLst>
+        </pc:spChg>
+        <pc:spChg chg="add del">
+          <ac:chgData name="Carolina Craus" userId="bae62b9d695bbdd6" providerId="LiveId" clId="{32165585-CB35-4C33-B919-9B0DD83E6E32}" dt="2023-04-11T23:13:31.890" v="5432"/>
+          <ac:spMkLst>
+            <pc:docMk/>
+            <pc:sldMk cId="1076605799" sldId="302"/>
+            <ac:spMk id="3" creationId="{0A81D008-8E20-DD05-1D9F-D9F40A8C85D2}"/>
+          </ac:spMkLst>
+        </pc:spChg>
+        <pc:spChg chg="add del">
+          <ac:chgData name="Carolina Craus" userId="bae62b9d695bbdd6" providerId="LiveId" clId="{32165585-CB35-4C33-B919-9B0DD83E6E32}" dt="2023-04-11T23:13:57.767" v="5441"/>
+          <ac:spMkLst>
+            <pc:docMk/>
+            <pc:sldMk cId="1076605799" sldId="302"/>
+            <ac:spMk id="5" creationId="{485EBC82-09BA-FF8F-8BE7-47258E75BBF9}"/>
+          </ac:spMkLst>
+        </pc:spChg>
+        <pc:spChg chg="add del">
+          <ac:chgData name="Carolina Craus" userId="bae62b9d695bbdd6" providerId="LiveId" clId="{32165585-CB35-4C33-B919-9B0DD83E6E32}" dt="2023-04-11T23:14:55.415" v="5460"/>
+          <ac:spMkLst>
+            <pc:docMk/>
+            <pc:sldMk cId="1076605799" sldId="302"/>
+            <ac:spMk id="7" creationId="{2EBB0217-5B0D-24F1-EF95-9323073E8805}"/>
+          </ac:spMkLst>
+        </pc:spChg>
+        <pc:spChg chg="mod">
+          <ac:chgData name="Carolina Craus" userId="bae62b9d695bbdd6" providerId="LiveId" clId="{32165585-CB35-4C33-B919-9B0DD83E6E32}" dt="2023-04-11T23:16:41.368" v="5682" actId="1076"/>
+          <ac:spMkLst>
+            <pc:docMk/>
+            <pc:sldMk cId="1076605799" sldId="302"/>
+            <ac:spMk id="8" creationId="{3B13F08B-AEE4-4C95-21B6-8DF753ECA5AD}"/>
+          </ac:spMkLst>
+        </pc:spChg>
+        <pc:picChg chg="add del mod">
+          <ac:chgData name="Carolina Craus" userId="bae62b9d695bbdd6" providerId="LiveId" clId="{32165585-CB35-4C33-B919-9B0DD83E6E32}" dt="2023-04-11T23:14:53.138" v="5458" actId="478"/>
+          <ac:picMkLst>
+            <pc:docMk/>
+            <pc:sldMk cId="1076605799" sldId="302"/>
+            <ac:picMk id="4" creationId="{EB9BDB33-CE65-5CE4-6CA2-75432CA1ECC8}"/>
+          </ac:picMkLst>
+        </pc:picChg>
+        <pc:picChg chg="add mod">
+          <ac:chgData name="Carolina Craus" userId="bae62b9d695bbdd6" providerId="LiveId" clId="{32165585-CB35-4C33-B919-9B0DD83E6E32}" dt="2023-04-11T23:14:07.266" v="5446" actId="1076"/>
+          <ac:picMkLst>
+            <pc:docMk/>
+            <pc:sldMk cId="1076605799" sldId="302"/>
+            <ac:picMk id="6" creationId="{989A00D8-E8F6-932C-A805-AA762912F7C5}"/>
+          </ac:picMkLst>
+        </pc:picChg>
+        <pc:picChg chg="add mod">
+          <ac:chgData name="Carolina Craus" userId="bae62b9d695bbdd6" providerId="LiveId" clId="{32165585-CB35-4C33-B919-9B0DD83E6E32}" dt="2023-04-11T23:16:32.687" v="5679" actId="1076"/>
+          <ac:picMkLst>
+            <pc:docMk/>
+            <pc:sldMk cId="1076605799" sldId="302"/>
+            <ac:picMk id="9" creationId="{186E053B-26F1-3BB6-7220-733C60B9AF29}"/>
           </ac:picMkLst>
         </pc:picChg>
       </pc:sldChg>
@@ -1960,6 +2032,13 @@
           <pc:sldMk cId="1171925959" sldId="330"/>
         </pc:sldMkLst>
       </pc:sldChg>
+      <pc:sldChg chg="add">
+        <pc:chgData name="Carolina Craus" userId="bae62b9d695bbdd6" providerId="LiveId" clId="{32165585-CB35-4C33-B919-9B0DD83E6E32}" dt="2023-04-11T23:12:22.913" v="5345" actId="2890"/>
+        <pc:sldMkLst>
+          <pc:docMk/>
+          <pc:sldMk cId="2777155066" sldId="330"/>
+        </pc:sldMkLst>
+      </pc:sldChg>
     </pc:docChg>
   </pc:docChgLst>
 </pc:chgInfo>
@@ -2914,7 +2993,7 @@
     </p:spTree>
     <p:extLst>
       <p:ext uri="{BB962C8B-B14F-4D97-AF65-F5344CB8AC3E}">
-        <p14:creationId xmlns:p14="http://schemas.microsoft.com/office/powerpoint/2010/main" val="3627234146"/>
+        <p14:creationId xmlns:p14="http://schemas.microsoft.com/office/powerpoint/2010/main" val="4158830650"/>
       </p:ext>
     </p:extLst>
   </p:cSld>
@@ -2983,7 +3062,7 @@
     </p:spTree>
     <p:extLst>
       <p:ext uri="{BB962C8B-B14F-4D97-AF65-F5344CB8AC3E}">
-        <p14:creationId xmlns:p14="http://schemas.microsoft.com/office/powerpoint/2010/main" val="3868119659"/>
+        <p14:creationId xmlns:p14="http://schemas.microsoft.com/office/powerpoint/2010/main" val="3627234146"/>
       </p:ext>
     </p:extLst>
   </p:cSld>
@@ -3052,7 +3131,7 @@
     </p:spTree>
     <p:extLst>
       <p:ext uri="{BB962C8B-B14F-4D97-AF65-F5344CB8AC3E}">
-        <p14:creationId xmlns:p14="http://schemas.microsoft.com/office/powerpoint/2010/main" val="579046869"/>
+        <p14:creationId xmlns:p14="http://schemas.microsoft.com/office/powerpoint/2010/main" val="3868119659"/>
       </p:ext>
     </p:extLst>
   </p:cSld>
@@ -3121,7 +3200,7 @@
     </p:spTree>
     <p:extLst>
       <p:ext uri="{BB962C8B-B14F-4D97-AF65-F5344CB8AC3E}">
-        <p14:creationId xmlns:p14="http://schemas.microsoft.com/office/powerpoint/2010/main" val="1994813416"/>
+        <p14:creationId xmlns:p14="http://schemas.microsoft.com/office/powerpoint/2010/main" val="579046869"/>
       </p:ext>
     </p:extLst>
   </p:cSld>
@@ -3190,7 +3269,7 @@
     </p:spTree>
     <p:extLst>
       <p:ext uri="{BB962C8B-B14F-4D97-AF65-F5344CB8AC3E}">
-        <p14:creationId xmlns:p14="http://schemas.microsoft.com/office/powerpoint/2010/main" val="2131577643"/>
+        <p14:creationId xmlns:p14="http://schemas.microsoft.com/office/powerpoint/2010/main" val="1994813416"/>
       </p:ext>
     </p:extLst>
   </p:cSld>
@@ -3363,7 +3442,7 @@
     </p:spTree>
     <p:extLst>
       <p:ext uri="{BB962C8B-B14F-4D97-AF65-F5344CB8AC3E}">
-        <p14:creationId xmlns:p14="http://schemas.microsoft.com/office/powerpoint/2010/main" val="3189567172"/>
+        <p14:creationId xmlns:p14="http://schemas.microsoft.com/office/powerpoint/2010/main" val="2131577643"/>
       </p:ext>
     </p:extLst>
   </p:cSld>
@@ -3432,7 +3511,7 @@
     </p:spTree>
     <p:extLst>
       <p:ext uri="{BB962C8B-B14F-4D97-AF65-F5344CB8AC3E}">
-        <p14:creationId xmlns:p14="http://schemas.microsoft.com/office/powerpoint/2010/main" val="1238886777"/>
+        <p14:creationId xmlns:p14="http://schemas.microsoft.com/office/powerpoint/2010/main" val="3189567172"/>
       </p:ext>
     </p:extLst>
   </p:cSld>
@@ -3501,7 +3580,7 @@
     </p:spTree>
     <p:extLst>
       <p:ext uri="{BB962C8B-B14F-4D97-AF65-F5344CB8AC3E}">
-        <p14:creationId xmlns:p14="http://schemas.microsoft.com/office/powerpoint/2010/main" val="2859231044"/>
+        <p14:creationId xmlns:p14="http://schemas.microsoft.com/office/powerpoint/2010/main" val="1238886777"/>
       </p:ext>
     </p:extLst>
   </p:cSld>
@@ -3570,7 +3649,7 @@
     </p:spTree>
     <p:extLst>
       <p:ext uri="{BB962C8B-B14F-4D97-AF65-F5344CB8AC3E}">
-        <p14:creationId xmlns:p14="http://schemas.microsoft.com/office/powerpoint/2010/main" val="1505577267"/>
+        <p14:creationId xmlns:p14="http://schemas.microsoft.com/office/powerpoint/2010/main" val="2859231044"/>
       </p:ext>
     </p:extLst>
   </p:cSld>
@@ -3639,7 +3718,7 @@
     </p:spTree>
     <p:extLst>
       <p:ext uri="{BB962C8B-B14F-4D97-AF65-F5344CB8AC3E}">
-        <p14:creationId xmlns:p14="http://schemas.microsoft.com/office/powerpoint/2010/main" val="2553330111"/>
+        <p14:creationId xmlns:p14="http://schemas.microsoft.com/office/powerpoint/2010/main" val="1505577267"/>
       </p:ext>
     </p:extLst>
   </p:cSld>
@@ -3708,7 +3787,7 @@
     </p:spTree>
     <p:extLst>
       <p:ext uri="{BB962C8B-B14F-4D97-AF65-F5344CB8AC3E}">
-        <p14:creationId xmlns:p14="http://schemas.microsoft.com/office/powerpoint/2010/main" val="42152897"/>
+        <p14:creationId xmlns:p14="http://schemas.microsoft.com/office/powerpoint/2010/main" val="2553330111"/>
       </p:ext>
     </p:extLst>
   </p:cSld>
@@ -3777,7 +3856,7 @@
     </p:spTree>
     <p:extLst>
       <p:ext uri="{BB962C8B-B14F-4D97-AF65-F5344CB8AC3E}">
-        <p14:creationId xmlns:p14="http://schemas.microsoft.com/office/powerpoint/2010/main" val="932338961"/>
+        <p14:creationId xmlns:p14="http://schemas.microsoft.com/office/powerpoint/2010/main" val="42152897"/>
       </p:ext>
     </p:extLst>
   </p:cSld>
@@ -3846,7 +3925,7 @@
     </p:spTree>
     <p:extLst>
       <p:ext uri="{BB962C8B-B14F-4D97-AF65-F5344CB8AC3E}">
-        <p14:creationId xmlns:p14="http://schemas.microsoft.com/office/powerpoint/2010/main" val="1890091762"/>
+        <p14:creationId xmlns:p14="http://schemas.microsoft.com/office/powerpoint/2010/main" val="932338961"/>
       </p:ext>
     </p:extLst>
   </p:cSld>
@@ -3915,7 +3994,7 @@
     </p:spTree>
     <p:extLst>
       <p:ext uri="{BB962C8B-B14F-4D97-AF65-F5344CB8AC3E}">
-        <p14:creationId xmlns:p14="http://schemas.microsoft.com/office/powerpoint/2010/main" val="145002961"/>
+        <p14:creationId xmlns:p14="http://schemas.microsoft.com/office/powerpoint/2010/main" val="1890091762"/>
       </p:ext>
     </p:extLst>
   </p:cSld>
@@ -3984,7 +4063,7 @@
     </p:spTree>
     <p:extLst>
       <p:ext uri="{BB962C8B-B14F-4D97-AF65-F5344CB8AC3E}">
-        <p14:creationId xmlns:p14="http://schemas.microsoft.com/office/powerpoint/2010/main" val="2429201677"/>
+        <p14:creationId xmlns:p14="http://schemas.microsoft.com/office/powerpoint/2010/main" val="145002961"/>
       </p:ext>
     </p:extLst>
   </p:cSld>
@@ -4157,7 +4236,7 @@
     </p:spTree>
     <p:extLst>
       <p:ext uri="{BB962C8B-B14F-4D97-AF65-F5344CB8AC3E}">
-        <p14:creationId xmlns:p14="http://schemas.microsoft.com/office/powerpoint/2010/main" val="2231860709"/>
+        <p14:creationId xmlns:p14="http://schemas.microsoft.com/office/powerpoint/2010/main" val="2429201677"/>
       </p:ext>
     </p:extLst>
   </p:cSld>
@@ -4226,7 +4305,7 @@
     </p:spTree>
     <p:extLst>
       <p:ext uri="{BB962C8B-B14F-4D97-AF65-F5344CB8AC3E}">
-        <p14:creationId xmlns:p14="http://schemas.microsoft.com/office/powerpoint/2010/main" val="3457968200"/>
+        <p14:creationId xmlns:p14="http://schemas.microsoft.com/office/powerpoint/2010/main" val="2231860709"/>
       </p:ext>
     </p:extLst>
   </p:cSld>
@@ -4295,6 +4374,75 @@
     </p:spTree>
     <p:extLst>
       <p:ext uri="{BB962C8B-B14F-4D97-AF65-F5344CB8AC3E}">
+        <p14:creationId xmlns:p14="http://schemas.microsoft.com/office/powerpoint/2010/main" val="3457968200"/>
+      </p:ext>
+    </p:extLst>
+  </p:cSld>
+  <p:clrMapOvr>
+    <a:masterClrMapping/>
+  </p:clrMapOvr>
+</p:notes>
+</file>
+
+<file path=ppt/notesSlides/notesSlide33.xml><?xml version="1.0" encoding="utf-8"?>
+<p:notes xmlns:a="http://schemas.openxmlformats.org/drawingml/2006/main" xmlns:r="http://schemas.openxmlformats.org/officeDocument/2006/relationships" xmlns:p="http://schemas.openxmlformats.org/presentationml/2006/main">
+  <p:cSld>
+    <p:spTree>
+      <p:nvGrpSpPr>
+        <p:cNvPr id="1" name=""/>
+        <p:cNvGrpSpPr/>
+        <p:nvPr/>
+      </p:nvGrpSpPr>
+      <p:grpSpPr>
+        <a:xfrm>
+          <a:off x="0" y="0"/>
+          <a:ext cx="0" cy="0"/>
+          <a:chOff x="0" y="0"/>
+          <a:chExt cx="0" cy="0"/>
+        </a:xfrm>
+      </p:grpSpPr>
+      <p:sp>
+        <p:nvSpPr>
+          <p:cNvPr id="2" name="Slide Image Placeholder 1"/>
+          <p:cNvSpPr>
+            <a:spLocks noGrp="1" noRot="1" noChangeAspect="1"/>
+          </p:cNvSpPr>
+          <p:nvPr>
+            <p:ph type="sldImg"/>
+          </p:nvPr>
+        </p:nvSpPr>
+        <p:spPr>
+          <a:xfrm>
+            <a:off x="381000" y="685800"/>
+            <a:ext cx="6096000" cy="3429000"/>
+          </a:xfrm>
+        </p:spPr>
+      </p:sp>
+      <p:sp>
+        <p:nvSpPr>
+          <p:cNvPr id="3" name="Notes Placeholder 2"/>
+          <p:cNvSpPr>
+            <a:spLocks noGrp="1"/>
+          </p:cNvSpPr>
+          <p:nvPr>
+            <p:ph type="body" idx="1"/>
+          </p:nvPr>
+        </p:nvSpPr>
+        <p:spPr/>
+        <p:txBody>
+          <a:bodyPr/>
+          <a:lstStyle/>
+          <a:p>
+            <a:pPr marL="139700" indent="0">
+              <a:buNone/>
+            </a:pPr>
+            <a:endParaRPr lang="en-US" dirty="0"/>
+          </a:p>
+        </p:txBody>
+      </p:sp>
+    </p:spTree>
+    <p:extLst>
+      <p:ext uri="{BB962C8B-B14F-4D97-AF65-F5344CB8AC3E}">
         <p14:creationId xmlns:p14="http://schemas.microsoft.com/office/powerpoint/2010/main" val="3488256296"/>
       </p:ext>
     </p:extLst>
@@ -4305,7 +4453,7 @@
 </p:notes>
 </file>
 
-<file path=ppt/notesSlides/notesSlide33.xml><?xml version="1.0" encoding="utf-8"?>
+<file path=ppt/notesSlides/notesSlide34.xml><?xml version="1.0" encoding="utf-8"?>
 <p:notes xmlns:a="http://schemas.openxmlformats.org/drawingml/2006/main" xmlns:r="http://schemas.openxmlformats.org/officeDocument/2006/relationships" xmlns:p="http://schemas.openxmlformats.org/presentationml/2006/main" showMasterSp="0" showMasterPhAnim="0">
   <p:cSld>
     <p:spTree>
@@ -4744,7 +4892,7 @@
     </p:spTree>
     <p:extLst>
       <p:ext uri="{BB962C8B-B14F-4D97-AF65-F5344CB8AC3E}">
-        <p14:creationId xmlns:p14="http://schemas.microsoft.com/office/powerpoint/2010/main" val="4158830650"/>
+        <p14:creationId xmlns:p14="http://schemas.microsoft.com/office/powerpoint/2010/main" val="2454009627"/>
       </p:ext>
     </p:extLst>
   </p:cSld>
@@ -17046,6 +17194,466 @@
                   </a:schemeClr>
                 </a:solidFill>
               </a:rPr>
+              <a:t>Relationship between Marital Status and Subscriptions </a:t>
+            </a:r>
+          </a:p>
+          <a:p>
+            <a:pPr marL="146050" indent="0">
+              <a:buNone/>
+            </a:pPr>
+            <a:r>
+              <a:rPr lang="en-US" dirty="0">
+                <a:solidFill>
+                  <a:schemeClr val="bg1">
+                    <a:lumMod val="65000"/>
+                  </a:schemeClr>
+                </a:solidFill>
+              </a:rPr>
+              <a:t>		&amp; Housing and Subscriptions</a:t>
+            </a:r>
+          </a:p>
+        </p:txBody>
+      </p:sp>
+      <p:sp>
+        <p:nvSpPr>
+          <p:cNvPr id="8" name="Text Placeholder 2">
+            <a:extLst>
+              <a:ext uri="{FF2B5EF4-FFF2-40B4-BE49-F238E27FC236}">
+                <a16:creationId xmlns:a16="http://schemas.microsoft.com/office/drawing/2014/main" id="{3B13F08B-AEE4-4C95-21B6-8DF753ECA5AD}"/>
+              </a:ext>
+            </a:extLst>
+          </p:cNvPr>
+          <p:cNvSpPr txBox="1">
+            <a:spLocks/>
+          </p:cNvSpPr>
+          <p:nvPr/>
+        </p:nvSpPr>
+        <p:spPr>
+          <a:xfrm>
+            <a:off x="4437105" y="4205585"/>
+            <a:ext cx="4572671" cy="855655"/>
+          </a:xfrm>
+          <a:prstGeom prst="rect">
+            <a:avLst/>
+          </a:prstGeom>
+          <a:noFill/>
+          <a:ln>
+            <a:noFill/>
+          </a:ln>
+        </p:spPr>
+        <p:txBody>
+          <a:bodyPr spcFirstLastPara="1" wrap="square" lIns="91425" tIns="91425" rIns="91425" bIns="91425" anchor="t" anchorCtr="0">
+            <a:noAutofit/>
+          </a:bodyPr>
+          <a:lstStyle>
+            <a:defPPr marR="0" lvl="0" algn="l" rtl="0">
+              <a:lnSpc>
+                <a:spcPct val="100000"/>
+              </a:lnSpc>
+              <a:spcBef>
+                <a:spcPts val="0"/>
+              </a:spcBef>
+              <a:spcAft>
+                <a:spcPts val="0"/>
+              </a:spcAft>
+            </a:defPPr>
+            <a:lvl1pPr marL="457200" marR="0" lvl="0" indent="-311150" algn="l" rtl="0">
+              <a:lnSpc>
+                <a:spcPct val="115000"/>
+              </a:lnSpc>
+              <a:spcBef>
+                <a:spcPts val="0"/>
+              </a:spcBef>
+              <a:spcAft>
+                <a:spcPts val="0"/>
+              </a:spcAft>
+              <a:buClr>
+                <a:schemeClr val="accent1"/>
+              </a:buClr>
+              <a:buSzPts val="1300"/>
+              <a:buFont typeface="Lato"/>
+              <a:buChar char="●"/>
+              <a:defRPr sz="1300" b="0" i="0" u="none" strike="noStrike" cap="none">
+                <a:solidFill>
+                  <a:schemeClr val="accent1"/>
+                </a:solidFill>
+                <a:latin typeface="Lato"/>
+                <a:ea typeface="Lato"/>
+                <a:cs typeface="Lato"/>
+                <a:sym typeface="Lato"/>
+              </a:defRPr>
+            </a:lvl1pPr>
+            <a:lvl2pPr marL="914400" marR="0" lvl="1" indent="-298450" algn="l" rtl="0">
+              <a:lnSpc>
+                <a:spcPct val="115000"/>
+              </a:lnSpc>
+              <a:spcBef>
+                <a:spcPts val="1600"/>
+              </a:spcBef>
+              <a:spcAft>
+                <a:spcPts val="0"/>
+              </a:spcAft>
+              <a:buClr>
+                <a:schemeClr val="accent1"/>
+              </a:buClr>
+              <a:buSzPts val="1100"/>
+              <a:buFont typeface="Lato"/>
+              <a:buChar char="○"/>
+              <a:defRPr sz="1100" b="0" i="0" u="none" strike="noStrike" cap="none">
+                <a:solidFill>
+                  <a:schemeClr val="accent1"/>
+                </a:solidFill>
+                <a:latin typeface="Lato"/>
+                <a:ea typeface="Lato"/>
+                <a:cs typeface="Lato"/>
+                <a:sym typeface="Lato"/>
+              </a:defRPr>
+            </a:lvl2pPr>
+            <a:lvl3pPr marL="1371600" marR="0" lvl="2" indent="-298450" algn="l" rtl="0">
+              <a:lnSpc>
+                <a:spcPct val="115000"/>
+              </a:lnSpc>
+              <a:spcBef>
+                <a:spcPts val="1600"/>
+              </a:spcBef>
+              <a:spcAft>
+                <a:spcPts val="0"/>
+              </a:spcAft>
+              <a:buClr>
+                <a:schemeClr val="accent1"/>
+              </a:buClr>
+              <a:buSzPts val="1100"/>
+              <a:buFont typeface="Lato"/>
+              <a:buChar char="■"/>
+              <a:defRPr sz="1100" b="0" i="0" u="none" strike="noStrike" cap="none">
+                <a:solidFill>
+                  <a:schemeClr val="accent1"/>
+                </a:solidFill>
+                <a:latin typeface="Lato"/>
+                <a:ea typeface="Lato"/>
+                <a:cs typeface="Lato"/>
+                <a:sym typeface="Lato"/>
+              </a:defRPr>
+            </a:lvl3pPr>
+            <a:lvl4pPr marL="1828800" marR="0" lvl="3" indent="-298450" algn="l" rtl="0">
+              <a:lnSpc>
+                <a:spcPct val="115000"/>
+              </a:lnSpc>
+              <a:spcBef>
+                <a:spcPts val="1600"/>
+              </a:spcBef>
+              <a:spcAft>
+                <a:spcPts val="0"/>
+              </a:spcAft>
+              <a:buClr>
+                <a:schemeClr val="accent1"/>
+              </a:buClr>
+              <a:buSzPts val="1100"/>
+              <a:buFont typeface="Lato"/>
+              <a:buChar char="●"/>
+              <a:defRPr sz="1100" b="0" i="0" u="none" strike="noStrike" cap="none">
+                <a:solidFill>
+                  <a:schemeClr val="accent1"/>
+                </a:solidFill>
+                <a:latin typeface="Lato"/>
+                <a:ea typeface="Lato"/>
+                <a:cs typeface="Lato"/>
+                <a:sym typeface="Lato"/>
+              </a:defRPr>
+            </a:lvl4pPr>
+            <a:lvl5pPr marL="2286000" marR="0" lvl="4" indent="-298450" algn="l" rtl="0">
+              <a:lnSpc>
+                <a:spcPct val="115000"/>
+              </a:lnSpc>
+              <a:spcBef>
+                <a:spcPts val="1600"/>
+              </a:spcBef>
+              <a:spcAft>
+                <a:spcPts val="0"/>
+              </a:spcAft>
+              <a:buClr>
+                <a:schemeClr val="accent1"/>
+              </a:buClr>
+              <a:buSzPts val="1100"/>
+              <a:buFont typeface="Lato"/>
+              <a:buChar char="○"/>
+              <a:defRPr sz="1100" b="0" i="0" u="none" strike="noStrike" cap="none">
+                <a:solidFill>
+                  <a:schemeClr val="accent1"/>
+                </a:solidFill>
+                <a:latin typeface="Lato"/>
+                <a:ea typeface="Lato"/>
+                <a:cs typeface="Lato"/>
+                <a:sym typeface="Lato"/>
+              </a:defRPr>
+            </a:lvl5pPr>
+            <a:lvl6pPr marL="2743200" marR="0" lvl="5" indent="-298450" algn="l" rtl="0">
+              <a:lnSpc>
+                <a:spcPct val="115000"/>
+              </a:lnSpc>
+              <a:spcBef>
+                <a:spcPts val="1600"/>
+              </a:spcBef>
+              <a:spcAft>
+                <a:spcPts val="0"/>
+              </a:spcAft>
+              <a:buClr>
+                <a:schemeClr val="accent1"/>
+              </a:buClr>
+              <a:buSzPts val="1100"/>
+              <a:buFont typeface="Lato"/>
+              <a:buChar char="■"/>
+              <a:defRPr sz="1100" b="0" i="0" u="none" strike="noStrike" cap="none">
+                <a:solidFill>
+                  <a:schemeClr val="accent1"/>
+                </a:solidFill>
+                <a:latin typeface="Lato"/>
+                <a:ea typeface="Lato"/>
+                <a:cs typeface="Lato"/>
+                <a:sym typeface="Lato"/>
+              </a:defRPr>
+            </a:lvl6pPr>
+            <a:lvl7pPr marL="3200400" marR="0" lvl="6" indent="-298450" algn="l" rtl="0">
+              <a:lnSpc>
+                <a:spcPct val="115000"/>
+              </a:lnSpc>
+              <a:spcBef>
+                <a:spcPts val="1600"/>
+              </a:spcBef>
+              <a:spcAft>
+                <a:spcPts val="0"/>
+              </a:spcAft>
+              <a:buClr>
+                <a:schemeClr val="accent1"/>
+              </a:buClr>
+              <a:buSzPts val="1100"/>
+              <a:buFont typeface="Lato"/>
+              <a:buChar char="●"/>
+              <a:defRPr sz="1100" b="0" i="0" u="none" strike="noStrike" cap="none">
+                <a:solidFill>
+                  <a:schemeClr val="accent1"/>
+                </a:solidFill>
+                <a:latin typeface="Lato"/>
+                <a:ea typeface="Lato"/>
+                <a:cs typeface="Lato"/>
+                <a:sym typeface="Lato"/>
+              </a:defRPr>
+            </a:lvl7pPr>
+            <a:lvl8pPr marL="3657600" marR="0" lvl="7" indent="-298450" algn="l" rtl="0">
+              <a:lnSpc>
+                <a:spcPct val="115000"/>
+              </a:lnSpc>
+              <a:spcBef>
+                <a:spcPts val="1600"/>
+              </a:spcBef>
+              <a:spcAft>
+                <a:spcPts val="0"/>
+              </a:spcAft>
+              <a:buClr>
+                <a:schemeClr val="accent1"/>
+              </a:buClr>
+              <a:buSzPts val="1100"/>
+              <a:buFont typeface="Lato"/>
+              <a:buChar char="○"/>
+              <a:defRPr sz="1100" b="0" i="0" u="none" strike="noStrike" cap="none">
+                <a:solidFill>
+                  <a:schemeClr val="accent1"/>
+                </a:solidFill>
+                <a:latin typeface="Lato"/>
+                <a:ea typeface="Lato"/>
+                <a:cs typeface="Lato"/>
+                <a:sym typeface="Lato"/>
+              </a:defRPr>
+            </a:lvl8pPr>
+            <a:lvl9pPr marL="4114800" marR="0" lvl="8" indent="-298450" algn="l" rtl="0">
+              <a:lnSpc>
+                <a:spcPct val="115000"/>
+              </a:lnSpc>
+              <a:spcBef>
+                <a:spcPts val="1600"/>
+              </a:spcBef>
+              <a:spcAft>
+                <a:spcPts val="1600"/>
+              </a:spcAft>
+              <a:buClr>
+                <a:schemeClr val="accent1"/>
+              </a:buClr>
+              <a:buSzPts val="1100"/>
+              <a:buFont typeface="Lato"/>
+              <a:buChar char="■"/>
+              <a:defRPr sz="1100" b="0" i="0" u="none" strike="noStrike" cap="none">
+                <a:solidFill>
+                  <a:schemeClr val="accent1"/>
+                </a:solidFill>
+                <a:latin typeface="Lato"/>
+                <a:ea typeface="Lato"/>
+                <a:cs typeface="Lato"/>
+                <a:sym typeface="Lato"/>
+              </a:defRPr>
+            </a:lvl9pPr>
+          </a:lstStyle>
+          <a:p>
+            <a:pPr marL="146050" indent="0">
+              <a:buNone/>
+            </a:pPr>
+            <a:r>
+              <a:rPr lang="en-US" dirty="0"/>
+              <a:t>The highest proportion of term renewal subscriptions is in the “single” category with nearly 15% subscribers, followed by “divorced” (12%) and married (10%)</a:t>
+            </a:r>
+          </a:p>
+        </p:txBody>
+      </p:sp>
+      <p:pic>
+        <p:nvPicPr>
+          <p:cNvPr id="6" name="Picture 5">
+            <a:extLst>
+              <a:ext uri="{FF2B5EF4-FFF2-40B4-BE49-F238E27FC236}">
+                <a16:creationId xmlns:a16="http://schemas.microsoft.com/office/drawing/2014/main" id="{989A00D8-E8F6-932C-A805-AA762912F7C5}"/>
+              </a:ext>
+            </a:extLst>
+          </p:cNvPr>
+          <p:cNvPicPr>
+            <a:picLocks noChangeAspect="1"/>
+          </p:cNvPicPr>
+          <p:nvPr/>
+        </p:nvPicPr>
+        <p:blipFill>
+          <a:blip r:embed="rId4"/>
+          <a:stretch>
+            <a:fillRect/>
+          </a:stretch>
+        </p:blipFill>
+        <p:spPr>
+          <a:xfrm>
+            <a:off x="818129" y="1972160"/>
+            <a:ext cx="3618976" cy="2233425"/>
+          </a:xfrm>
+          <a:prstGeom prst="rect">
+            <a:avLst/>
+          </a:prstGeom>
+        </p:spPr>
+      </p:pic>
+      <p:pic>
+        <p:nvPicPr>
+          <p:cNvPr id="9" name="Picture 8">
+            <a:extLst>
+              <a:ext uri="{FF2B5EF4-FFF2-40B4-BE49-F238E27FC236}">
+                <a16:creationId xmlns:a16="http://schemas.microsoft.com/office/drawing/2014/main" id="{186E053B-26F1-3BB6-7220-733C60B9AF29}"/>
+              </a:ext>
+            </a:extLst>
+          </p:cNvPr>
+          <p:cNvPicPr>
+            <a:picLocks noChangeAspect="1"/>
+          </p:cNvPicPr>
+          <p:nvPr/>
+        </p:nvPicPr>
+        <p:blipFill>
+          <a:blip r:embed="rId5"/>
+          <a:stretch>
+            <a:fillRect/>
+          </a:stretch>
+        </p:blipFill>
+        <p:spPr>
+          <a:xfrm>
+            <a:off x="4874028" y="1824092"/>
+            <a:ext cx="3896840" cy="2406004"/>
+          </a:xfrm>
+          <a:prstGeom prst="rect">
+            <a:avLst/>
+          </a:prstGeom>
+        </p:spPr>
+      </p:pic>
+    </p:spTree>
+    <p:custDataLst>
+      <p:tags r:id="rId1"/>
+    </p:custDataLst>
+    <p:extLst>
+      <p:ext uri="{BB962C8B-B14F-4D97-AF65-F5344CB8AC3E}">
+        <p14:creationId xmlns:p14="http://schemas.microsoft.com/office/powerpoint/2010/main" val="1076605799"/>
+      </p:ext>
+    </p:extLst>
+  </p:cSld>
+  <p:clrMapOvr>
+    <a:masterClrMapping/>
+  </p:clrMapOvr>
+</p:sld>
+</file>
+
+<file path=ppt/slides/slide16.xml><?xml version="1.0" encoding="utf-8"?>
+<p:sld xmlns:a="http://schemas.openxmlformats.org/drawingml/2006/main" xmlns:r="http://schemas.openxmlformats.org/officeDocument/2006/relationships" xmlns:p="http://schemas.openxmlformats.org/presentationml/2006/main">
+  <p:cSld>
+    <p:spTree>
+      <p:nvGrpSpPr>
+        <p:cNvPr id="1" name=""/>
+        <p:cNvGrpSpPr/>
+        <p:nvPr/>
+      </p:nvGrpSpPr>
+      <p:grpSpPr>
+        <a:xfrm>
+          <a:off x="0" y="0"/>
+          <a:ext cx="0" cy="0"/>
+          <a:chOff x="0" y="0"/>
+          <a:chExt cx="0" cy="0"/>
+        </a:xfrm>
+      </p:grpSpPr>
+      <p:sp>
+        <p:nvSpPr>
+          <p:cNvPr id="2" name="Text Placeholder 1">
+            <a:extLst>
+              <a:ext uri="{FF2B5EF4-FFF2-40B4-BE49-F238E27FC236}">
+                <a16:creationId xmlns:a16="http://schemas.microsoft.com/office/drawing/2014/main" id="{8B170740-DB3F-076A-A2D2-9555F51D2D32}"/>
+              </a:ext>
+            </a:extLst>
+          </p:cNvPr>
+          <p:cNvSpPr>
+            <a:spLocks noGrp="1"/>
+          </p:cNvSpPr>
+          <p:nvPr>
+            <p:ph type="body" idx="1"/>
+          </p:nvPr>
+        </p:nvSpPr>
+        <p:spPr>
+          <a:xfrm>
+            <a:off x="729450" y="726744"/>
+            <a:ext cx="7688700" cy="1034400"/>
+          </a:xfrm>
+        </p:spPr>
+        <p:txBody>
+          <a:bodyPr/>
+          <a:lstStyle/>
+          <a:p>
+            <a:pPr marL="146050" indent="0">
+              <a:buNone/>
+            </a:pPr>
+            <a:r>
+              <a:rPr kumimoji="0" lang="en-US" sz="2600" b="1" i="0" u="none" strike="noStrike" kern="0" cap="none" spc="0" normalizeH="0" baseline="0" noProof="0" dirty="0">
+                <a:ln>
+                  <a:noFill/>
+                </a:ln>
+                <a:solidFill>
+                  <a:srgbClr val="1A1A1A"/>
+                </a:solidFill>
+                <a:effectLst/>
+                <a:uLnTx/>
+                <a:uFillTx/>
+                <a:latin typeface="Raleway"/>
+                <a:sym typeface="Raleway"/>
+              </a:rPr>
+              <a:t>Exploratory Data Analysis</a:t>
+            </a:r>
+          </a:p>
+          <a:p>
+            <a:pPr marL="146050" indent="0">
+              <a:buNone/>
+            </a:pPr>
+            <a:r>
+              <a:rPr lang="en-US" dirty="0">
+                <a:solidFill>
+                  <a:schemeClr val="bg1">
+                    <a:lumMod val="65000"/>
+                  </a:schemeClr>
+                </a:solidFill>
+              </a:rPr>
               <a:t>Loess Plots for Age and Previous Days variables</a:t>
             </a:r>
           </a:p>
@@ -17749,7 +18357,7 @@
 </p:sld>
 </file>
 
-<file path=ppt/slides/slide16.xml><?xml version="1.0" encoding="utf-8"?>
+<file path=ppt/slides/slide17.xml><?xml version="1.0" encoding="utf-8"?>
 <p:sld xmlns:a="http://schemas.openxmlformats.org/drawingml/2006/main" xmlns:r="http://schemas.openxmlformats.org/officeDocument/2006/relationships" xmlns:p="http://schemas.openxmlformats.org/presentationml/2006/main">
   <p:cSld>
     <p:spTree>
@@ -17807,7 +18415,7 @@
 </p:sld>
 </file>
 
-<file path=ppt/slides/slide17.xml><?xml version="1.0" encoding="utf-8"?>
+<file path=ppt/slides/slide18.xml><?xml version="1.0" encoding="utf-8"?>
 <p:sld xmlns:a="http://schemas.openxmlformats.org/drawingml/2006/main" xmlns:r="http://schemas.openxmlformats.org/officeDocument/2006/relationships" xmlns:p="http://schemas.openxmlformats.org/presentationml/2006/main">
   <p:cSld>
     <p:spTree>
@@ -18499,7 +19107,7 @@
 </p:sld>
 </file>
 
-<file path=ppt/slides/slide18.xml><?xml version="1.0" encoding="utf-8"?>
+<file path=ppt/slides/slide19.xml><?xml version="1.0" encoding="utf-8"?>
 <p:sld xmlns:a="http://schemas.openxmlformats.org/drawingml/2006/main" xmlns:r="http://schemas.openxmlformats.org/officeDocument/2006/relationships" xmlns:p="http://schemas.openxmlformats.org/presentationml/2006/main">
   <p:cSld>
     <p:spTree>
@@ -19276,7 +19884,378 @@
 </p:sld>
 </file>
 
-<file path=ppt/slides/slide19.xml><?xml version="1.0" encoding="utf-8"?>
+<file path=ppt/slides/slide2.xml><?xml version="1.0" encoding="utf-8"?>
+<p:sld xmlns:a="http://schemas.openxmlformats.org/drawingml/2006/main" xmlns:r="http://schemas.openxmlformats.org/officeDocument/2006/relationships" xmlns:p="http://schemas.openxmlformats.org/presentationml/2006/main">
+  <p:cSld>
+    <p:bg>
+      <p:bgPr>
+        <a:solidFill>
+          <a:schemeClr val="dk1"/>
+        </a:solidFill>
+        <a:effectLst/>
+      </p:bgPr>
+    </p:bg>
+    <p:spTree>
+      <p:nvGrpSpPr>
+        <p:cNvPr id="1" name="Shape 181"/>
+        <p:cNvGrpSpPr/>
+        <p:nvPr/>
+      </p:nvGrpSpPr>
+      <p:grpSpPr>
+        <a:xfrm>
+          <a:off x="0" y="0"/>
+          <a:ext cx="0" cy="0"/>
+          <a:chOff x="0" y="0"/>
+          <a:chExt cx="0" cy="0"/>
+        </a:xfrm>
+      </p:grpSpPr>
+      <p:sp>
+        <p:nvSpPr>
+          <p:cNvPr id="182" name="Google Shape;182;p19"/>
+          <p:cNvSpPr txBox="1">
+            <a:spLocks noGrp="1"/>
+          </p:cNvSpPr>
+          <p:nvPr>
+            <p:ph type="title"/>
+          </p:nvPr>
+        </p:nvSpPr>
+        <p:spPr>
+          <a:xfrm>
+            <a:off x="1308150" y="1318650"/>
+            <a:ext cx="7110000" cy="535200"/>
+          </a:xfrm>
+          <a:prstGeom prst="rect">
+            <a:avLst/>
+          </a:prstGeom>
+        </p:spPr>
+        <p:txBody>
+          <a:bodyPr spcFirstLastPara="1" wrap="square" lIns="91425" tIns="91425" rIns="91425" bIns="91425" anchor="t" anchorCtr="0">
+            <a:noAutofit/>
+          </a:bodyPr>
+          <a:lstStyle/>
+          <a:p>
+            <a:pPr marL="0" lvl="0" indent="0" algn="l" rtl="0">
+              <a:spcBef>
+                <a:spcPts val="0"/>
+              </a:spcBef>
+              <a:spcAft>
+                <a:spcPts val="0"/>
+              </a:spcAft>
+              <a:buNone/>
+            </a:pPr>
+            <a:r>
+              <a:rPr lang="en-GB"/>
+              <a:t>TOC</a:t>
+            </a:r>
+            <a:endParaRPr/>
+          </a:p>
+        </p:txBody>
+      </p:sp>
+      <p:sp>
+        <p:nvSpPr>
+          <p:cNvPr id="183" name="Google Shape;183;p19"/>
+          <p:cNvSpPr txBox="1"/>
+          <p:nvPr/>
+        </p:nvSpPr>
+        <p:spPr>
+          <a:xfrm>
+            <a:off x="1293836" y="2303219"/>
+            <a:ext cx="3200400" cy="640080"/>
+          </a:xfrm>
+          <a:prstGeom prst="rect">
+            <a:avLst/>
+          </a:prstGeom>
+          <a:noFill/>
+          <a:ln>
+            <a:noFill/>
+          </a:ln>
+        </p:spPr>
+        <p:txBody>
+          <a:bodyPr spcFirstLastPara="1" wrap="square" lIns="91425" tIns="91425" rIns="91425" bIns="91425" anchor="ctr" anchorCtr="0">
+            <a:noAutofit/>
+          </a:bodyPr>
+          <a:lstStyle/>
+          <a:p>
+            <a:pPr marL="0" lvl="0" indent="0" algn="l" rtl="0">
+              <a:spcBef>
+                <a:spcPts val="0"/>
+              </a:spcBef>
+              <a:spcAft>
+                <a:spcPts val="0"/>
+              </a:spcAft>
+              <a:buNone/>
+            </a:pPr>
+            <a:r>
+              <a:rPr lang="en-GB" sz="1600" dirty="0">
+                <a:solidFill>
+                  <a:srgbClr val="FFFFFF"/>
+                </a:solidFill>
+                <a:uFill>
+                  <a:noFill/>
+                </a:uFill>
+                <a:latin typeface="Raleway"/>
+                <a:ea typeface="Raleway"/>
+                <a:cs typeface="Raleway"/>
+                <a:sym typeface="Raleway"/>
+              </a:rPr>
+              <a:t>Introduction</a:t>
+            </a:r>
+            <a:endParaRPr sz="1600" dirty="0">
+              <a:solidFill>
+                <a:srgbClr val="FFFFFF"/>
+              </a:solidFill>
+              <a:latin typeface="Raleway"/>
+              <a:ea typeface="Raleway"/>
+              <a:cs typeface="Raleway"/>
+              <a:sym typeface="Raleway"/>
+            </a:endParaRPr>
+          </a:p>
+        </p:txBody>
+      </p:sp>
+      <p:sp>
+        <p:nvSpPr>
+          <p:cNvPr id="185" name="Google Shape;185;p19"/>
+          <p:cNvSpPr txBox="1"/>
+          <p:nvPr/>
+        </p:nvSpPr>
+        <p:spPr>
+          <a:xfrm>
+            <a:off x="1308150" y="2628719"/>
+            <a:ext cx="3200400" cy="640080"/>
+          </a:xfrm>
+          <a:prstGeom prst="rect">
+            <a:avLst/>
+          </a:prstGeom>
+          <a:noFill/>
+          <a:ln>
+            <a:noFill/>
+          </a:ln>
+        </p:spPr>
+        <p:txBody>
+          <a:bodyPr spcFirstLastPara="1" wrap="square" lIns="91425" tIns="91425" rIns="91425" bIns="91425" anchor="ctr" anchorCtr="0">
+            <a:noAutofit/>
+          </a:bodyPr>
+          <a:lstStyle/>
+          <a:p>
+            <a:pPr marL="0" lvl="0" indent="0" algn="l" rtl="0">
+              <a:spcBef>
+                <a:spcPts val="0"/>
+              </a:spcBef>
+              <a:spcAft>
+                <a:spcPts val="0"/>
+              </a:spcAft>
+              <a:buNone/>
+            </a:pPr>
+            <a:r>
+              <a:rPr lang="en-US" sz="1600" dirty="0">
+                <a:solidFill>
+                  <a:srgbClr val="FFFFFF"/>
+                </a:solidFill>
+                <a:latin typeface="Raleway"/>
+                <a:ea typeface="Raleway"/>
+                <a:cs typeface="Raleway"/>
+                <a:sym typeface="Raleway"/>
+              </a:rPr>
+              <a:t>Exploratory Data Analysis (EDA)</a:t>
+            </a:r>
+            <a:endParaRPr sz="1600" dirty="0">
+              <a:solidFill>
+                <a:srgbClr val="FFFFFF"/>
+              </a:solidFill>
+              <a:latin typeface="Raleway"/>
+              <a:ea typeface="Raleway"/>
+              <a:cs typeface="Raleway"/>
+              <a:sym typeface="Raleway"/>
+            </a:endParaRPr>
+          </a:p>
+        </p:txBody>
+      </p:sp>
+      <p:sp>
+        <p:nvSpPr>
+          <p:cNvPr id="186" name="Google Shape;186;p19"/>
+          <p:cNvSpPr txBox="1"/>
+          <p:nvPr/>
+        </p:nvSpPr>
+        <p:spPr>
+          <a:xfrm>
+            <a:off x="1293836" y="2954219"/>
+            <a:ext cx="3200400" cy="640080"/>
+          </a:xfrm>
+          <a:prstGeom prst="rect">
+            <a:avLst/>
+          </a:prstGeom>
+          <a:noFill/>
+          <a:ln>
+            <a:noFill/>
+          </a:ln>
+        </p:spPr>
+        <p:txBody>
+          <a:bodyPr spcFirstLastPara="1" wrap="square" lIns="91425" tIns="91425" rIns="91425" bIns="91425" anchor="ctr" anchorCtr="0">
+            <a:noAutofit/>
+          </a:bodyPr>
+          <a:lstStyle/>
+          <a:p>
+            <a:pPr marL="0" lvl="0" indent="0" algn="l" rtl="0">
+              <a:spcBef>
+                <a:spcPts val="0"/>
+              </a:spcBef>
+              <a:spcAft>
+                <a:spcPts val="0"/>
+              </a:spcAft>
+              <a:buNone/>
+            </a:pPr>
+            <a:r>
+              <a:rPr lang="en-GB" sz="1600" dirty="0">
+                <a:solidFill>
+                  <a:srgbClr val="FFFFFF"/>
+                </a:solidFill>
+                <a:uFill>
+                  <a:noFill/>
+                </a:uFill>
+                <a:latin typeface="Raleway"/>
+                <a:ea typeface="Raleway"/>
+                <a:cs typeface="Raleway"/>
+                <a:sym typeface="Raleway"/>
+              </a:rPr>
+              <a:t>Objective 1 Results</a:t>
+            </a:r>
+            <a:endParaRPr sz="1600" dirty="0">
+              <a:solidFill>
+                <a:srgbClr val="FFFFFF"/>
+              </a:solidFill>
+              <a:latin typeface="Raleway"/>
+              <a:ea typeface="Raleway"/>
+              <a:cs typeface="Raleway"/>
+              <a:sym typeface="Raleway"/>
+            </a:endParaRPr>
+          </a:p>
+        </p:txBody>
+      </p:sp>
+      <p:sp>
+        <p:nvSpPr>
+          <p:cNvPr id="2" name="Google Shape;186;p19">
+            <a:extLst>
+              <a:ext uri="{FF2B5EF4-FFF2-40B4-BE49-F238E27FC236}">
+                <a16:creationId xmlns:a16="http://schemas.microsoft.com/office/drawing/2014/main" id="{125EAB59-E379-1C72-48C4-2ADA045C9068}"/>
+              </a:ext>
+            </a:extLst>
+          </p:cNvPr>
+          <p:cNvSpPr txBox="1"/>
+          <p:nvPr/>
+        </p:nvSpPr>
+        <p:spPr>
+          <a:xfrm>
+            <a:off x="1308151" y="3279719"/>
+            <a:ext cx="2960109" cy="640080"/>
+          </a:xfrm>
+          <a:prstGeom prst="rect">
+            <a:avLst/>
+          </a:prstGeom>
+          <a:noFill/>
+          <a:ln>
+            <a:noFill/>
+          </a:ln>
+        </p:spPr>
+        <p:txBody>
+          <a:bodyPr spcFirstLastPara="1" wrap="square" lIns="91425" tIns="91425" rIns="91425" bIns="91425" anchor="ctr" anchorCtr="0">
+            <a:noAutofit/>
+          </a:bodyPr>
+          <a:lstStyle/>
+          <a:p>
+            <a:pPr marL="0" lvl="0" indent="0" algn="l" rtl="0">
+              <a:spcBef>
+                <a:spcPts val="0"/>
+              </a:spcBef>
+              <a:spcAft>
+                <a:spcPts val="0"/>
+              </a:spcAft>
+              <a:buNone/>
+            </a:pPr>
+            <a:r>
+              <a:rPr lang="en-GB" sz="1600" dirty="0">
+                <a:solidFill>
+                  <a:srgbClr val="FFFFFF"/>
+                </a:solidFill>
+                <a:uFill>
+                  <a:noFill/>
+                </a:uFill>
+                <a:latin typeface="Raleway"/>
+                <a:ea typeface="Raleway"/>
+                <a:cs typeface="Raleway"/>
+                <a:sym typeface="Raleway"/>
+              </a:rPr>
+              <a:t>Objective 2 Results</a:t>
+            </a:r>
+          </a:p>
+        </p:txBody>
+      </p:sp>
+      <p:sp>
+        <p:nvSpPr>
+          <p:cNvPr id="3" name="Google Shape;186;p19">
+            <a:extLst>
+              <a:ext uri="{FF2B5EF4-FFF2-40B4-BE49-F238E27FC236}">
+                <a16:creationId xmlns:a16="http://schemas.microsoft.com/office/drawing/2014/main" id="{F0367B07-B0C9-4D17-D091-E541CF5DFA2F}"/>
+              </a:ext>
+            </a:extLst>
+          </p:cNvPr>
+          <p:cNvSpPr txBox="1"/>
+          <p:nvPr/>
+        </p:nvSpPr>
+        <p:spPr>
+          <a:xfrm>
+            <a:off x="1283965" y="3605219"/>
+            <a:ext cx="2960109" cy="640080"/>
+          </a:xfrm>
+          <a:prstGeom prst="rect">
+            <a:avLst/>
+          </a:prstGeom>
+          <a:noFill/>
+          <a:ln>
+            <a:noFill/>
+          </a:ln>
+        </p:spPr>
+        <p:txBody>
+          <a:bodyPr spcFirstLastPara="1" wrap="square" lIns="91425" tIns="91425" rIns="91425" bIns="91425" anchor="ctr" anchorCtr="0">
+            <a:noAutofit/>
+          </a:bodyPr>
+          <a:lstStyle/>
+          <a:p>
+            <a:pPr marL="0" lvl="0" indent="0" algn="l" rtl="0">
+              <a:spcBef>
+                <a:spcPts val="0"/>
+              </a:spcBef>
+              <a:spcAft>
+                <a:spcPts val="0"/>
+              </a:spcAft>
+              <a:buNone/>
+            </a:pPr>
+            <a:r>
+              <a:rPr lang="en-GB" sz="1600" dirty="0">
+                <a:solidFill>
+                  <a:srgbClr val="FFFFFF"/>
+                </a:solidFill>
+                <a:uFill>
+                  <a:noFill/>
+                </a:uFill>
+                <a:latin typeface="Raleway"/>
+                <a:ea typeface="Raleway"/>
+                <a:cs typeface="Raleway"/>
+                <a:sym typeface="Raleway"/>
+              </a:rPr>
+              <a:t>Concluding Remarks</a:t>
+            </a:r>
+          </a:p>
+        </p:txBody>
+      </p:sp>
+    </p:spTree>
+  </p:cSld>
+  <p:clrMapOvr>
+    <a:masterClrMapping/>
+  </p:clrMapOvr>
+</p:sld>
+</file>
+
+<file path=ppt/slides/slide20.xml><?xml version="1.0" encoding="utf-8"?>
 <p:sld xmlns:a="http://schemas.openxmlformats.org/drawingml/2006/main" xmlns:r="http://schemas.openxmlformats.org/officeDocument/2006/relationships" xmlns:p="http://schemas.openxmlformats.org/presentationml/2006/main">
   <p:cSld>
     <p:spTree>
@@ -19725,378 +20704,7 @@
 </p:sld>
 </file>
 
-<file path=ppt/slides/slide2.xml><?xml version="1.0" encoding="utf-8"?>
-<p:sld xmlns:a="http://schemas.openxmlformats.org/drawingml/2006/main" xmlns:r="http://schemas.openxmlformats.org/officeDocument/2006/relationships" xmlns:p="http://schemas.openxmlformats.org/presentationml/2006/main">
-  <p:cSld>
-    <p:bg>
-      <p:bgPr>
-        <a:solidFill>
-          <a:schemeClr val="dk1"/>
-        </a:solidFill>
-        <a:effectLst/>
-      </p:bgPr>
-    </p:bg>
-    <p:spTree>
-      <p:nvGrpSpPr>
-        <p:cNvPr id="1" name="Shape 181"/>
-        <p:cNvGrpSpPr/>
-        <p:nvPr/>
-      </p:nvGrpSpPr>
-      <p:grpSpPr>
-        <a:xfrm>
-          <a:off x="0" y="0"/>
-          <a:ext cx="0" cy="0"/>
-          <a:chOff x="0" y="0"/>
-          <a:chExt cx="0" cy="0"/>
-        </a:xfrm>
-      </p:grpSpPr>
-      <p:sp>
-        <p:nvSpPr>
-          <p:cNvPr id="182" name="Google Shape;182;p19"/>
-          <p:cNvSpPr txBox="1">
-            <a:spLocks noGrp="1"/>
-          </p:cNvSpPr>
-          <p:nvPr>
-            <p:ph type="title"/>
-          </p:nvPr>
-        </p:nvSpPr>
-        <p:spPr>
-          <a:xfrm>
-            <a:off x="1308150" y="1318650"/>
-            <a:ext cx="7110000" cy="535200"/>
-          </a:xfrm>
-          <a:prstGeom prst="rect">
-            <a:avLst/>
-          </a:prstGeom>
-        </p:spPr>
-        <p:txBody>
-          <a:bodyPr spcFirstLastPara="1" wrap="square" lIns="91425" tIns="91425" rIns="91425" bIns="91425" anchor="t" anchorCtr="0">
-            <a:noAutofit/>
-          </a:bodyPr>
-          <a:lstStyle/>
-          <a:p>
-            <a:pPr marL="0" lvl="0" indent="0" algn="l" rtl="0">
-              <a:spcBef>
-                <a:spcPts val="0"/>
-              </a:spcBef>
-              <a:spcAft>
-                <a:spcPts val="0"/>
-              </a:spcAft>
-              <a:buNone/>
-            </a:pPr>
-            <a:r>
-              <a:rPr lang="en-GB"/>
-              <a:t>TOC</a:t>
-            </a:r>
-            <a:endParaRPr/>
-          </a:p>
-        </p:txBody>
-      </p:sp>
-      <p:sp>
-        <p:nvSpPr>
-          <p:cNvPr id="183" name="Google Shape;183;p19"/>
-          <p:cNvSpPr txBox="1"/>
-          <p:nvPr/>
-        </p:nvSpPr>
-        <p:spPr>
-          <a:xfrm>
-            <a:off x="1293836" y="2303219"/>
-            <a:ext cx="3200400" cy="640080"/>
-          </a:xfrm>
-          <a:prstGeom prst="rect">
-            <a:avLst/>
-          </a:prstGeom>
-          <a:noFill/>
-          <a:ln>
-            <a:noFill/>
-          </a:ln>
-        </p:spPr>
-        <p:txBody>
-          <a:bodyPr spcFirstLastPara="1" wrap="square" lIns="91425" tIns="91425" rIns="91425" bIns="91425" anchor="ctr" anchorCtr="0">
-            <a:noAutofit/>
-          </a:bodyPr>
-          <a:lstStyle/>
-          <a:p>
-            <a:pPr marL="0" lvl="0" indent="0" algn="l" rtl="0">
-              <a:spcBef>
-                <a:spcPts val="0"/>
-              </a:spcBef>
-              <a:spcAft>
-                <a:spcPts val="0"/>
-              </a:spcAft>
-              <a:buNone/>
-            </a:pPr>
-            <a:r>
-              <a:rPr lang="en-GB" sz="1600" dirty="0">
-                <a:solidFill>
-                  <a:srgbClr val="FFFFFF"/>
-                </a:solidFill>
-                <a:uFill>
-                  <a:noFill/>
-                </a:uFill>
-                <a:latin typeface="Raleway"/>
-                <a:ea typeface="Raleway"/>
-                <a:cs typeface="Raleway"/>
-                <a:sym typeface="Raleway"/>
-              </a:rPr>
-              <a:t>Introduction</a:t>
-            </a:r>
-            <a:endParaRPr sz="1600" dirty="0">
-              <a:solidFill>
-                <a:srgbClr val="FFFFFF"/>
-              </a:solidFill>
-              <a:latin typeface="Raleway"/>
-              <a:ea typeface="Raleway"/>
-              <a:cs typeface="Raleway"/>
-              <a:sym typeface="Raleway"/>
-            </a:endParaRPr>
-          </a:p>
-        </p:txBody>
-      </p:sp>
-      <p:sp>
-        <p:nvSpPr>
-          <p:cNvPr id="185" name="Google Shape;185;p19"/>
-          <p:cNvSpPr txBox="1"/>
-          <p:nvPr/>
-        </p:nvSpPr>
-        <p:spPr>
-          <a:xfrm>
-            <a:off x="1308150" y="2628719"/>
-            <a:ext cx="3200400" cy="640080"/>
-          </a:xfrm>
-          <a:prstGeom prst="rect">
-            <a:avLst/>
-          </a:prstGeom>
-          <a:noFill/>
-          <a:ln>
-            <a:noFill/>
-          </a:ln>
-        </p:spPr>
-        <p:txBody>
-          <a:bodyPr spcFirstLastPara="1" wrap="square" lIns="91425" tIns="91425" rIns="91425" bIns="91425" anchor="ctr" anchorCtr="0">
-            <a:noAutofit/>
-          </a:bodyPr>
-          <a:lstStyle/>
-          <a:p>
-            <a:pPr marL="0" lvl="0" indent="0" algn="l" rtl="0">
-              <a:spcBef>
-                <a:spcPts val="0"/>
-              </a:spcBef>
-              <a:spcAft>
-                <a:spcPts val="0"/>
-              </a:spcAft>
-              <a:buNone/>
-            </a:pPr>
-            <a:r>
-              <a:rPr lang="en-US" sz="1600" dirty="0">
-                <a:solidFill>
-                  <a:srgbClr val="FFFFFF"/>
-                </a:solidFill>
-                <a:latin typeface="Raleway"/>
-                <a:ea typeface="Raleway"/>
-                <a:cs typeface="Raleway"/>
-                <a:sym typeface="Raleway"/>
-              </a:rPr>
-              <a:t>Exploratory Data Analysis (EDA)</a:t>
-            </a:r>
-            <a:endParaRPr sz="1600" dirty="0">
-              <a:solidFill>
-                <a:srgbClr val="FFFFFF"/>
-              </a:solidFill>
-              <a:latin typeface="Raleway"/>
-              <a:ea typeface="Raleway"/>
-              <a:cs typeface="Raleway"/>
-              <a:sym typeface="Raleway"/>
-            </a:endParaRPr>
-          </a:p>
-        </p:txBody>
-      </p:sp>
-      <p:sp>
-        <p:nvSpPr>
-          <p:cNvPr id="186" name="Google Shape;186;p19"/>
-          <p:cNvSpPr txBox="1"/>
-          <p:nvPr/>
-        </p:nvSpPr>
-        <p:spPr>
-          <a:xfrm>
-            <a:off x="1293836" y="2954219"/>
-            <a:ext cx="3200400" cy="640080"/>
-          </a:xfrm>
-          <a:prstGeom prst="rect">
-            <a:avLst/>
-          </a:prstGeom>
-          <a:noFill/>
-          <a:ln>
-            <a:noFill/>
-          </a:ln>
-        </p:spPr>
-        <p:txBody>
-          <a:bodyPr spcFirstLastPara="1" wrap="square" lIns="91425" tIns="91425" rIns="91425" bIns="91425" anchor="ctr" anchorCtr="0">
-            <a:noAutofit/>
-          </a:bodyPr>
-          <a:lstStyle/>
-          <a:p>
-            <a:pPr marL="0" lvl="0" indent="0" algn="l" rtl="0">
-              <a:spcBef>
-                <a:spcPts val="0"/>
-              </a:spcBef>
-              <a:spcAft>
-                <a:spcPts val="0"/>
-              </a:spcAft>
-              <a:buNone/>
-            </a:pPr>
-            <a:r>
-              <a:rPr lang="en-GB" sz="1600" dirty="0">
-                <a:solidFill>
-                  <a:srgbClr val="FFFFFF"/>
-                </a:solidFill>
-                <a:uFill>
-                  <a:noFill/>
-                </a:uFill>
-                <a:latin typeface="Raleway"/>
-                <a:ea typeface="Raleway"/>
-                <a:cs typeface="Raleway"/>
-                <a:sym typeface="Raleway"/>
-              </a:rPr>
-              <a:t>Objective 1 Results</a:t>
-            </a:r>
-            <a:endParaRPr sz="1600" dirty="0">
-              <a:solidFill>
-                <a:srgbClr val="FFFFFF"/>
-              </a:solidFill>
-              <a:latin typeface="Raleway"/>
-              <a:ea typeface="Raleway"/>
-              <a:cs typeface="Raleway"/>
-              <a:sym typeface="Raleway"/>
-            </a:endParaRPr>
-          </a:p>
-        </p:txBody>
-      </p:sp>
-      <p:sp>
-        <p:nvSpPr>
-          <p:cNvPr id="2" name="Google Shape;186;p19">
-            <a:extLst>
-              <a:ext uri="{FF2B5EF4-FFF2-40B4-BE49-F238E27FC236}">
-                <a16:creationId xmlns:a16="http://schemas.microsoft.com/office/drawing/2014/main" id="{125EAB59-E379-1C72-48C4-2ADA045C9068}"/>
-              </a:ext>
-            </a:extLst>
-          </p:cNvPr>
-          <p:cNvSpPr txBox="1"/>
-          <p:nvPr/>
-        </p:nvSpPr>
-        <p:spPr>
-          <a:xfrm>
-            <a:off x="1308151" y="3279719"/>
-            <a:ext cx="2960109" cy="640080"/>
-          </a:xfrm>
-          <a:prstGeom prst="rect">
-            <a:avLst/>
-          </a:prstGeom>
-          <a:noFill/>
-          <a:ln>
-            <a:noFill/>
-          </a:ln>
-        </p:spPr>
-        <p:txBody>
-          <a:bodyPr spcFirstLastPara="1" wrap="square" lIns="91425" tIns="91425" rIns="91425" bIns="91425" anchor="ctr" anchorCtr="0">
-            <a:noAutofit/>
-          </a:bodyPr>
-          <a:lstStyle/>
-          <a:p>
-            <a:pPr marL="0" lvl="0" indent="0" algn="l" rtl="0">
-              <a:spcBef>
-                <a:spcPts val="0"/>
-              </a:spcBef>
-              <a:spcAft>
-                <a:spcPts val="0"/>
-              </a:spcAft>
-              <a:buNone/>
-            </a:pPr>
-            <a:r>
-              <a:rPr lang="en-GB" sz="1600" dirty="0">
-                <a:solidFill>
-                  <a:srgbClr val="FFFFFF"/>
-                </a:solidFill>
-                <a:uFill>
-                  <a:noFill/>
-                </a:uFill>
-                <a:latin typeface="Raleway"/>
-                <a:ea typeface="Raleway"/>
-                <a:cs typeface="Raleway"/>
-                <a:sym typeface="Raleway"/>
-              </a:rPr>
-              <a:t>Objective 2 Results</a:t>
-            </a:r>
-          </a:p>
-        </p:txBody>
-      </p:sp>
-      <p:sp>
-        <p:nvSpPr>
-          <p:cNvPr id="3" name="Google Shape;186;p19">
-            <a:extLst>
-              <a:ext uri="{FF2B5EF4-FFF2-40B4-BE49-F238E27FC236}">
-                <a16:creationId xmlns:a16="http://schemas.microsoft.com/office/drawing/2014/main" id="{F0367B07-B0C9-4D17-D091-E541CF5DFA2F}"/>
-              </a:ext>
-            </a:extLst>
-          </p:cNvPr>
-          <p:cNvSpPr txBox="1"/>
-          <p:nvPr/>
-        </p:nvSpPr>
-        <p:spPr>
-          <a:xfrm>
-            <a:off x="1283965" y="3605219"/>
-            <a:ext cx="2960109" cy="640080"/>
-          </a:xfrm>
-          <a:prstGeom prst="rect">
-            <a:avLst/>
-          </a:prstGeom>
-          <a:noFill/>
-          <a:ln>
-            <a:noFill/>
-          </a:ln>
-        </p:spPr>
-        <p:txBody>
-          <a:bodyPr spcFirstLastPara="1" wrap="square" lIns="91425" tIns="91425" rIns="91425" bIns="91425" anchor="ctr" anchorCtr="0">
-            <a:noAutofit/>
-          </a:bodyPr>
-          <a:lstStyle/>
-          <a:p>
-            <a:pPr marL="0" lvl="0" indent="0" algn="l" rtl="0">
-              <a:spcBef>
-                <a:spcPts val="0"/>
-              </a:spcBef>
-              <a:spcAft>
-                <a:spcPts val="0"/>
-              </a:spcAft>
-              <a:buNone/>
-            </a:pPr>
-            <a:r>
-              <a:rPr lang="en-GB" sz="1600" dirty="0">
-                <a:solidFill>
-                  <a:srgbClr val="FFFFFF"/>
-                </a:solidFill>
-                <a:uFill>
-                  <a:noFill/>
-                </a:uFill>
-                <a:latin typeface="Raleway"/>
-                <a:ea typeface="Raleway"/>
-                <a:cs typeface="Raleway"/>
-                <a:sym typeface="Raleway"/>
-              </a:rPr>
-              <a:t>Concluding Remarks</a:t>
-            </a:r>
-          </a:p>
-        </p:txBody>
-      </p:sp>
-    </p:spTree>
-  </p:cSld>
-  <p:clrMapOvr>
-    <a:masterClrMapping/>
-  </p:clrMapOvr>
-</p:sld>
-</file>
-
-<file path=ppt/slides/slide20.xml><?xml version="1.0" encoding="utf-8"?>
+<file path=ppt/slides/slide21.xml><?xml version="1.0" encoding="utf-8"?>
 <p:sld xmlns:a="http://schemas.openxmlformats.org/drawingml/2006/main" xmlns:r="http://schemas.openxmlformats.org/officeDocument/2006/relationships" xmlns:p="http://schemas.openxmlformats.org/presentationml/2006/main">
   <p:cSld>
     <p:spTree>
@@ -20593,7 +21201,7 @@
 </p:sld>
 </file>
 
-<file path=ppt/slides/slide21.xml><?xml version="1.0" encoding="utf-8"?>
+<file path=ppt/slides/slide22.xml><?xml version="1.0" encoding="utf-8"?>
 <p:sld xmlns:a="http://schemas.openxmlformats.org/drawingml/2006/main" xmlns:r="http://schemas.openxmlformats.org/officeDocument/2006/relationships" xmlns:p="http://schemas.openxmlformats.org/presentationml/2006/main">
   <p:cSld>
     <p:spTree>
@@ -20651,7 +21259,7 @@
 </p:sld>
 </file>
 
-<file path=ppt/slides/slide22.xml><?xml version="1.0" encoding="utf-8"?>
+<file path=ppt/slides/slide23.xml><?xml version="1.0" encoding="utf-8"?>
 <p:sld xmlns:a="http://schemas.openxmlformats.org/drawingml/2006/main" xmlns:r="http://schemas.openxmlformats.org/officeDocument/2006/relationships" xmlns:p="http://schemas.openxmlformats.org/presentationml/2006/main">
   <p:cSld>
     <p:spTree>
@@ -21596,7 +22204,7 @@
 </p:sld>
 </file>
 
-<file path=ppt/slides/slide23.xml><?xml version="1.0" encoding="utf-8"?>
+<file path=ppt/slides/slide24.xml><?xml version="1.0" encoding="utf-8"?>
 <p:sld xmlns:a="http://schemas.openxmlformats.org/drawingml/2006/main" xmlns:r="http://schemas.openxmlformats.org/officeDocument/2006/relationships" xmlns:p="http://schemas.openxmlformats.org/presentationml/2006/main">
   <p:cSld>
     <p:spTree>
@@ -22133,7 +22741,7 @@
 </p:sld>
 </file>
 
-<file path=ppt/slides/slide24.xml><?xml version="1.0" encoding="utf-8"?>
+<file path=ppt/slides/slide25.xml><?xml version="1.0" encoding="utf-8"?>
 <p:sld xmlns:a="http://schemas.openxmlformats.org/drawingml/2006/main" xmlns:r="http://schemas.openxmlformats.org/officeDocument/2006/relationships" xmlns:p="http://schemas.openxmlformats.org/presentationml/2006/main">
   <p:cSld>
     <p:spTree>
@@ -22670,7 +23278,7 @@
 </p:sld>
 </file>
 
-<file path=ppt/slides/slide25.xml><?xml version="1.0" encoding="utf-8"?>
+<file path=ppt/slides/slide26.xml><?xml version="1.0" encoding="utf-8"?>
 <p:sld xmlns:a="http://schemas.openxmlformats.org/drawingml/2006/main" xmlns:r="http://schemas.openxmlformats.org/officeDocument/2006/relationships" xmlns:p="http://schemas.openxmlformats.org/presentationml/2006/main">
   <p:cSld>
     <p:spTree>
@@ -23207,7 +23815,7 @@
 </p:sld>
 </file>
 
-<file path=ppt/slides/slide26.xml><?xml version="1.0" encoding="utf-8"?>
+<file path=ppt/slides/slide27.xml><?xml version="1.0" encoding="utf-8"?>
 <p:sld xmlns:a="http://schemas.openxmlformats.org/drawingml/2006/main" xmlns:r="http://schemas.openxmlformats.org/officeDocument/2006/relationships" xmlns:p="http://schemas.openxmlformats.org/presentationml/2006/main">
   <p:cSld>
     <p:spTree>
@@ -23790,7 +24398,7 @@
 </p:sld>
 </file>
 
-<file path=ppt/slides/slide27.xml><?xml version="1.0" encoding="utf-8"?>
+<file path=ppt/slides/slide28.xml><?xml version="1.0" encoding="utf-8"?>
 <p:sld xmlns:a="http://schemas.openxmlformats.org/drawingml/2006/main" xmlns:r="http://schemas.openxmlformats.org/officeDocument/2006/relationships" xmlns:p="http://schemas.openxmlformats.org/presentationml/2006/main">
   <p:cSld>
     <p:spTree>
@@ -24282,7 +24890,7 @@
 </p:sld>
 </file>
 
-<file path=ppt/slides/slide28.xml><?xml version="1.0" encoding="utf-8"?>
+<file path=ppt/slides/slide29.xml><?xml version="1.0" encoding="utf-8"?>
 <p:sld xmlns:a="http://schemas.openxmlformats.org/drawingml/2006/main" xmlns:r="http://schemas.openxmlformats.org/officeDocument/2006/relationships" xmlns:p="http://schemas.openxmlformats.org/presentationml/2006/main">
   <p:cSld>
     <p:spTree>
@@ -24818,7 +25426,132 @@
 </p:sld>
 </file>
 
-<file path=ppt/slides/slide29.xml><?xml version="1.0" encoding="utf-8"?>
+<file path=ppt/slides/slide3.xml><?xml version="1.0" encoding="utf-8"?>
+<p:sld xmlns:a="http://schemas.openxmlformats.org/drawingml/2006/main" xmlns:r="http://schemas.openxmlformats.org/officeDocument/2006/relationships" xmlns:p="http://schemas.openxmlformats.org/presentationml/2006/main">
+  <p:cSld>
+    <p:bg>
+      <p:bgPr>
+        <a:solidFill>
+          <a:srgbClr val="434343"/>
+        </a:solidFill>
+        <a:effectLst/>
+      </p:bgPr>
+    </p:bg>
+    <p:spTree>
+      <p:nvGrpSpPr>
+        <p:cNvPr id="1" name="Shape 217"/>
+        <p:cNvGrpSpPr/>
+        <p:nvPr/>
+      </p:nvGrpSpPr>
+      <p:grpSpPr>
+        <a:xfrm>
+          <a:off x="0" y="0"/>
+          <a:ext cx="0" cy="0"/>
+          <a:chOff x="0" y="0"/>
+          <a:chExt cx="0" cy="0"/>
+        </a:xfrm>
+      </p:grpSpPr>
+      <p:sp>
+        <p:nvSpPr>
+          <p:cNvPr id="218" name="Google Shape;218;p22"/>
+          <p:cNvSpPr txBox="1">
+            <a:spLocks noGrp="1"/>
+          </p:cNvSpPr>
+          <p:nvPr>
+            <p:ph type="title"/>
+          </p:nvPr>
+        </p:nvSpPr>
+        <p:spPr>
+          <a:xfrm>
+            <a:off x="729450" y="1322450"/>
+            <a:ext cx="7010100" cy="350700"/>
+          </a:xfrm>
+          <a:prstGeom prst="rect">
+            <a:avLst/>
+          </a:prstGeom>
+        </p:spPr>
+        <p:txBody>
+          <a:bodyPr spcFirstLastPara="1" wrap="square" lIns="91425" tIns="91425" rIns="91425" bIns="91425" anchor="t" anchorCtr="0">
+            <a:noAutofit/>
+          </a:bodyPr>
+          <a:lstStyle/>
+          <a:p>
+            <a:pPr marL="0" lvl="0" indent="0" algn="l" rtl="0">
+              <a:spcBef>
+                <a:spcPts val="0"/>
+              </a:spcBef>
+              <a:spcAft>
+                <a:spcPts val="0"/>
+              </a:spcAft>
+              <a:buNone/>
+            </a:pPr>
+            <a:r>
+              <a:rPr lang="en-GB" sz="1200" dirty="0"/>
+              <a:t>Introduction</a:t>
+            </a:r>
+            <a:endParaRPr sz="1200" dirty="0"/>
+          </a:p>
+        </p:txBody>
+      </p:sp>
+      <p:sp>
+        <p:nvSpPr>
+          <p:cNvPr id="219" name="Google Shape;219;p22"/>
+          <p:cNvSpPr txBox="1">
+            <a:spLocks noGrp="1"/>
+          </p:cNvSpPr>
+          <p:nvPr>
+            <p:ph type="body" idx="4294967295"/>
+          </p:nvPr>
+        </p:nvSpPr>
+        <p:spPr>
+          <a:xfrm>
+            <a:off x="729450" y="1749350"/>
+            <a:ext cx="7010100" cy="2628300"/>
+          </a:xfrm>
+          <a:prstGeom prst="rect">
+            <a:avLst/>
+          </a:prstGeom>
+        </p:spPr>
+        <p:txBody>
+          <a:bodyPr spcFirstLastPara="1" wrap="square" lIns="91425" tIns="91425" rIns="91425" bIns="91425" anchor="t" anchorCtr="0">
+            <a:noAutofit/>
+          </a:bodyPr>
+          <a:lstStyle/>
+          <a:p>
+            <a:pPr marL="0" lvl="0" indent="0" algn="l" rtl="0">
+              <a:spcBef>
+                <a:spcPts val="0"/>
+              </a:spcBef>
+              <a:spcAft>
+                <a:spcPts val="1600"/>
+              </a:spcAft>
+              <a:buNone/>
+            </a:pPr>
+            <a:r>
+              <a:rPr lang="en-GB" sz="3000" i="1" dirty="0">
+                <a:solidFill>
+                  <a:srgbClr val="FFFFFF"/>
+                </a:solidFill>
+              </a:rPr>
+              <a:t>“Given a large data set containing term deposit marketing success, can we better understand what effects the success rate and how to better predict it?”</a:t>
+            </a:r>
+            <a:endParaRPr sz="3000" i="1" dirty="0">
+              <a:solidFill>
+                <a:srgbClr val="FFFFFF"/>
+              </a:solidFill>
+            </a:endParaRPr>
+          </a:p>
+        </p:txBody>
+      </p:sp>
+    </p:spTree>
+  </p:cSld>
+  <p:clrMapOvr>
+    <a:masterClrMapping/>
+  </p:clrMapOvr>
+</p:sld>
+</file>
+
+<file path=ppt/slides/slide30.xml><?xml version="1.0" encoding="utf-8"?>
 <p:sld xmlns:a="http://schemas.openxmlformats.org/drawingml/2006/main" xmlns:r="http://schemas.openxmlformats.org/officeDocument/2006/relationships" xmlns:p="http://schemas.openxmlformats.org/presentationml/2006/main">
   <p:cSld>
     <p:spTree>
@@ -25310,132 +26043,7 @@
 </p:sld>
 </file>
 
-<file path=ppt/slides/slide3.xml><?xml version="1.0" encoding="utf-8"?>
-<p:sld xmlns:a="http://schemas.openxmlformats.org/drawingml/2006/main" xmlns:r="http://schemas.openxmlformats.org/officeDocument/2006/relationships" xmlns:p="http://schemas.openxmlformats.org/presentationml/2006/main">
-  <p:cSld>
-    <p:bg>
-      <p:bgPr>
-        <a:solidFill>
-          <a:srgbClr val="434343"/>
-        </a:solidFill>
-        <a:effectLst/>
-      </p:bgPr>
-    </p:bg>
-    <p:spTree>
-      <p:nvGrpSpPr>
-        <p:cNvPr id="1" name="Shape 217"/>
-        <p:cNvGrpSpPr/>
-        <p:nvPr/>
-      </p:nvGrpSpPr>
-      <p:grpSpPr>
-        <a:xfrm>
-          <a:off x="0" y="0"/>
-          <a:ext cx="0" cy="0"/>
-          <a:chOff x="0" y="0"/>
-          <a:chExt cx="0" cy="0"/>
-        </a:xfrm>
-      </p:grpSpPr>
-      <p:sp>
-        <p:nvSpPr>
-          <p:cNvPr id="218" name="Google Shape;218;p22"/>
-          <p:cNvSpPr txBox="1">
-            <a:spLocks noGrp="1"/>
-          </p:cNvSpPr>
-          <p:nvPr>
-            <p:ph type="title"/>
-          </p:nvPr>
-        </p:nvSpPr>
-        <p:spPr>
-          <a:xfrm>
-            <a:off x="729450" y="1322450"/>
-            <a:ext cx="7010100" cy="350700"/>
-          </a:xfrm>
-          <a:prstGeom prst="rect">
-            <a:avLst/>
-          </a:prstGeom>
-        </p:spPr>
-        <p:txBody>
-          <a:bodyPr spcFirstLastPara="1" wrap="square" lIns="91425" tIns="91425" rIns="91425" bIns="91425" anchor="t" anchorCtr="0">
-            <a:noAutofit/>
-          </a:bodyPr>
-          <a:lstStyle/>
-          <a:p>
-            <a:pPr marL="0" lvl="0" indent="0" algn="l" rtl="0">
-              <a:spcBef>
-                <a:spcPts val="0"/>
-              </a:spcBef>
-              <a:spcAft>
-                <a:spcPts val="0"/>
-              </a:spcAft>
-              <a:buNone/>
-            </a:pPr>
-            <a:r>
-              <a:rPr lang="en-GB" sz="1200" dirty="0"/>
-              <a:t>Introduction</a:t>
-            </a:r>
-            <a:endParaRPr sz="1200" dirty="0"/>
-          </a:p>
-        </p:txBody>
-      </p:sp>
-      <p:sp>
-        <p:nvSpPr>
-          <p:cNvPr id="219" name="Google Shape;219;p22"/>
-          <p:cNvSpPr txBox="1">
-            <a:spLocks noGrp="1"/>
-          </p:cNvSpPr>
-          <p:nvPr>
-            <p:ph type="body" idx="4294967295"/>
-          </p:nvPr>
-        </p:nvSpPr>
-        <p:spPr>
-          <a:xfrm>
-            <a:off x="729450" y="1749350"/>
-            <a:ext cx="7010100" cy="2628300"/>
-          </a:xfrm>
-          <a:prstGeom prst="rect">
-            <a:avLst/>
-          </a:prstGeom>
-        </p:spPr>
-        <p:txBody>
-          <a:bodyPr spcFirstLastPara="1" wrap="square" lIns="91425" tIns="91425" rIns="91425" bIns="91425" anchor="t" anchorCtr="0">
-            <a:noAutofit/>
-          </a:bodyPr>
-          <a:lstStyle/>
-          <a:p>
-            <a:pPr marL="0" lvl="0" indent="0" algn="l" rtl="0">
-              <a:spcBef>
-                <a:spcPts val="0"/>
-              </a:spcBef>
-              <a:spcAft>
-                <a:spcPts val="1600"/>
-              </a:spcAft>
-              <a:buNone/>
-            </a:pPr>
-            <a:r>
-              <a:rPr lang="en-GB" sz="3000" i="1" dirty="0">
-                <a:solidFill>
-                  <a:srgbClr val="FFFFFF"/>
-                </a:solidFill>
-              </a:rPr>
-              <a:t>“Given a large data set containing term deposit marketing success, can we better understand what effects the success rate and how to better predict it?”</a:t>
-            </a:r>
-            <a:endParaRPr sz="3000" i="1" dirty="0">
-              <a:solidFill>
-                <a:srgbClr val="FFFFFF"/>
-              </a:solidFill>
-            </a:endParaRPr>
-          </a:p>
-        </p:txBody>
-      </p:sp>
-    </p:spTree>
-  </p:cSld>
-  <p:clrMapOvr>
-    <a:masterClrMapping/>
-  </p:clrMapOvr>
-</p:sld>
-</file>
-
-<file path=ppt/slides/slide30.xml><?xml version="1.0" encoding="utf-8"?>
+<file path=ppt/slides/slide31.xml><?xml version="1.0" encoding="utf-8"?>
 <p:sld xmlns:a="http://schemas.openxmlformats.org/drawingml/2006/main" xmlns:r="http://schemas.openxmlformats.org/officeDocument/2006/relationships" xmlns:p="http://schemas.openxmlformats.org/presentationml/2006/main">
   <p:cSld>
     <p:spTree>
@@ -25927,7 +26535,7 @@
 </p:sld>
 </file>
 
-<file path=ppt/slides/slide31.xml><?xml version="1.0" encoding="utf-8"?>
+<file path=ppt/slides/slide32.xml><?xml version="1.0" encoding="utf-8"?>
 <p:sld xmlns:a="http://schemas.openxmlformats.org/drawingml/2006/main" xmlns:r="http://schemas.openxmlformats.org/officeDocument/2006/relationships" xmlns:p="http://schemas.openxmlformats.org/presentationml/2006/main">
   <p:cSld>
     <p:spTree>
@@ -26438,7 +27046,7 @@
 </p:sld>
 </file>
 
-<file path=ppt/slides/slide32.xml><?xml version="1.0" encoding="utf-8"?>
+<file path=ppt/slides/slide33.xml><?xml version="1.0" encoding="utf-8"?>
 <p:sld xmlns:a="http://schemas.openxmlformats.org/drawingml/2006/main" xmlns:r="http://schemas.openxmlformats.org/officeDocument/2006/relationships" xmlns:p="http://schemas.openxmlformats.org/presentationml/2006/main">
   <p:cSld>
     <p:spTree>
@@ -28116,7 +28724,7 @@
 </p:sld>
 </file>
 
-<file path=ppt/slides/slide33.xml><?xml version="1.0" encoding="utf-8"?>
+<file path=ppt/slides/slide34.xml><?xml version="1.0" encoding="utf-8"?>
 <p:sld xmlns:a="http://schemas.openxmlformats.org/drawingml/2006/main" xmlns:r="http://schemas.openxmlformats.org/officeDocument/2006/relationships" xmlns:p="http://schemas.openxmlformats.org/presentationml/2006/main">
   <p:cSld>
     <p:spTree>
@@ -31532,7 +32140,7 @@
     </p:custDataLst>
     <p:extLst>
       <p:ext uri="{BB962C8B-B14F-4D97-AF65-F5344CB8AC3E}">
-        <p14:creationId xmlns:p14="http://schemas.microsoft.com/office/powerpoint/2010/main" val="1076605799"/>
+        <p14:creationId xmlns:p14="http://schemas.microsoft.com/office/powerpoint/2010/main" val="2777155066"/>
       </p:ext>
     </p:extLst>
   </p:cSld>
@@ -32050,7 +32658,7 @@
 
 <file path=ppt/tags/tag12.xml><?xml version="1.0" encoding="utf-8"?>
 <p:tagLst xmlns:a="http://schemas.openxmlformats.org/drawingml/2006/main" xmlns:r="http://schemas.openxmlformats.org/officeDocument/2006/relationships" xmlns:p="http://schemas.openxmlformats.org/presentationml/2006/main">
-  <p:tag name="TIMING" val="|12.7|1.8|1|1.2|1.6|1.1|1.4|1.3|1.5|1.6|21.8"/>
+  <p:tag name="TIMING" val="|3.2|4.7|2.3"/>
 </p:tagLst>
 </file>
 
@@ -32139,6 +32747,12 @@
 </file>
 
 <file path=ppt/tags/tag26.xml><?xml version="1.0" encoding="utf-8"?>
+<p:tagLst xmlns:a="http://schemas.openxmlformats.org/drawingml/2006/main" xmlns:r="http://schemas.openxmlformats.org/officeDocument/2006/relationships" xmlns:p="http://schemas.openxmlformats.org/presentationml/2006/main">
+  <p:tag name="TIMING" val="|12.7|1.8|1|1.2|1.6|1.1|1.4|1.3|1.5|1.6|21.8"/>
+</p:tagLst>
+</file>
+
+<file path=ppt/tags/tag27.xml><?xml version="1.0" encoding="utf-8"?>
 <p:tagLst xmlns:a="http://schemas.openxmlformats.org/drawingml/2006/main" xmlns:r="http://schemas.openxmlformats.org/officeDocument/2006/relationships" xmlns:p="http://schemas.openxmlformats.org/presentationml/2006/main">
   <p:tag name="TIMING" val="|12.7|1.8|1|1.2|1.6|1.1|1.4|1.3|1.5|1.6|21.8"/>
 </p:tagLst>
